--- a/notes.pptx
+++ b/notes.pptx
@@ -114,6 +114,11 @@
       </a:defRPr>
     </a:lvl9pPr>
   </p:defaultTextStyle>
+  <p:extLst>
+    <p:ext uri="{EFAFB233-063F-42B5-8137-9DF3F51BA10A}">
+      <p15:sldGuideLst xmlns:p15="http://schemas.microsoft.com/office/powerpoint/2012/main"/>
+    </p:ext>
+  </p:extLst>
 </p:presentation>
 </file>
 
@@ -264,7 +269,7 @@
           <a:p>
             <a:fld id="{DE176E02-7D44-4713-8078-8E0963CF8DDB}" type="datetimeFigureOut">
               <a:rPr lang="en-US" smtClean="0"/>
-              <a:t>7/30/2019</a:t>
+              <a:t>8/27/2019</a:t>
             </a:fld>
             <a:endParaRPr lang="en-US"/>
           </a:p>
@@ -462,7 +467,7 @@
           <a:p>
             <a:fld id="{DE176E02-7D44-4713-8078-8E0963CF8DDB}" type="datetimeFigureOut">
               <a:rPr lang="en-US" smtClean="0"/>
-              <a:t>7/30/2019</a:t>
+              <a:t>8/27/2019</a:t>
             </a:fld>
             <a:endParaRPr lang="en-US"/>
           </a:p>
@@ -670,7 +675,7 @@
           <a:p>
             <a:fld id="{DE176E02-7D44-4713-8078-8E0963CF8DDB}" type="datetimeFigureOut">
               <a:rPr lang="en-US" smtClean="0"/>
-              <a:t>7/30/2019</a:t>
+              <a:t>8/27/2019</a:t>
             </a:fld>
             <a:endParaRPr lang="en-US"/>
           </a:p>
@@ -868,7 +873,7 @@
           <a:p>
             <a:fld id="{DE176E02-7D44-4713-8078-8E0963CF8DDB}" type="datetimeFigureOut">
               <a:rPr lang="en-US" smtClean="0"/>
-              <a:t>7/30/2019</a:t>
+              <a:t>8/27/2019</a:t>
             </a:fld>
             <a:endParaRPr lang="en-US"/>
           </a:p>
@@ -1143,7 +1148,7 @@
           <a:p>
             <a:fld id="{DE176E02-7D44-4713-8078-8E0963CF8DDB}" type="datetimeFigureOut">
               <a:rPr lang="en-US" smtClean="0"/>
-              <a:t>7/30/2019</a:t>
+              <a:t>8/27/2019</a:t>
             </a:fld>
             <a:endParaRPr lang="en-US"/>
           </a:p>
@@ -1408,7 +1413,7 @@
           <a:p>
             <a:fld id="{DE176E02-7D44-4713-8078-8E0963CF8DDB}" type="datetimeFigureOut">
               <a:rPr lang="en-US" smtClean="0"/>
-              <a:t>7/30/2019</a:t>
+              <a:t>8/27/2019</a:t>
             </a:fld>
             <a:endParaRPr lang="en-US"/>
           </a:p>
@@ -1820,7 +1825,7 @@
           <a:p>
             <a:fld id="{DE176E02-7D44-4713-8078-8E0963CF8DDB}" type="datetimeFigureOut">
               <a:rPr lang="en-US" smtClean="0"/>
-              <a:t>7/30/2019</a:t>
+              <a:t>8/27/2019</a:t>
             </a:fld>
             <a:endParaRPr lang="en-US"/>
           </a:p>
@@ -1961,7 +1966,7 @@
           <a:p>
             <a:fld id="{DE176E02-7D44-4713-8078-8E0963CF8DDB}" type="datetimeFigureOut">
               <a:rPr lang="en-US" smtClean="0"/>
-              <a:t>7/30/2019</a:t>
+              <a:t>8/27/2019</a:t>
             </a:fld>
             <a:endParaRPr lang="en-US"/>
           </a:p>
@@ -2074,7 +2079,7 @@
           <a:p>
             <a:fld id="{DE176E02-7D44-4713-8078-8E0963CF8DDB}" type="datetimeFigureOut">
               <a:rPr lang="en-US" smtClean="0"/>
-              <a:t>7/30/2019</a:t>
+              <a:t>8/27/2019</a:t>
             </a:fld>
             <a:endParaRPr lang="en-US"/>
           </a:p>
@@ -2385,7 +2390,7 @@
           <a:p>
             <a:fld id="{DE176E02-7D44-4713-8078-8E0963CF8DDB}" type="datetimeFigureOut">
               <a:rPr lang="en-US" smtClean="0"/>
-              <a:t>7/30/2019</a:t>
+              <a:t>8/27/2019</a:t>
             </a:fld>
             <a:endParaRPr lang="en-US"/>
           </a:p>
@@ -2673,7 +2678,7 @@
           <a:p>
             <a:fld id="{DE176E02-7D44-4713-8078-8E0963CF8DDB}" type="datetimeFigureOut">
               <a:rPr lang="en-US" smtClean="0"/>
-              <a:t>7/30/2019</a:t>
+              <a:t>8/27/2019</a:t>
             </a:fld>
             <a:endParaRPr lang="en-US"/>
           </a:p>
@@ -2914,7 +2919,7 @@
           <a:p>
             <a:fld id="{DE176E02-7D44-4713-8078-8E0963CF8DDB}" type="datetimeFigureOut">
               <a:rPr lang="en-US" smtClean="0"/>
-              <a:t>7/30/2019</a:t>
+              <a:t>8/27/2019</a:t>
             </a:fld>
             <a:endParaRPr lang="en-US"/>
           </a:p>
@@ -3346,7 +3351,7 @@
         <p:spPr>
           <a:xfrm>
             <a:off x="1702965" y="931177"/>
-            <a:ext cx="8187655" cy="2585323"/>
+            <a:ext cx="8187655" cy="3693319"/>
           </a:xfrm>
           <a:prstGeom prst="rect">
             <a:avLst/>
@@ -3393,10 +3398,40 @@
             <a:endParaRPr lang="en-US" dirty="0"/>
           </a:p>
           <a:p>
+            <a:r>
+              <a:rPr lang="en-US" dirty="0"/>
+              <a:t>Course repository</a:t>
+            </a:r>
+          </a:p>
+          <a:p>
+            <a:r>
+              <a:rPr lang="en-US">
+                <a:hlinkClick r:id="rId3"/>
+              </a:rPr>
+              <a:t>https</a:t>
+            </a:r>
+            <a:r>
+              <a:rPr lang="en-US" dirty="0">
+                <a:hlinkClick r:id="rId3"/>
+              </a:rPr>
+              <a:t>://github.com/skalakm/232</a:t>
+            </a:r>
             <a:endParaRPr lang="en-US" dirty="0"/>
           </a:p>
           <a:p>
             <a:endParaRPr lang="en-US" dirty="0"/>
+          </a:p>
+          <a:p>
+            <a:endParaRPr lang="en-US" dirty="0"/>
+          </a:p>
+          <a:p>
+            <a:endParaRPr lang="en-US" dirty="0"/>
+          </a:p>
+          <a:p>
+            <a:r>
+              <a:rPr lang="en-US" dirty="0"/>
+              <a:t> </a:t>
+            </a:r>
           </a:p>
           <a:p>
             <a:endParaRPr lang="en-US" dirty="0"/>

--- a/notes.pptx
+++ b/notes.pptx
@@ -6,16 +6,17 @@
   </p:sldMasterIdLst>
   <p:sldIdLst>
     <p:sldId id="256" r:id="rId2"/>
-    <p:sldId id="257" r:id="rId3"/>
-    <p:sldId id="258" r:id="rId4"/>
-    <p:sldId id="259" r:id="rId5"/>
-    <p:sldId id="260" r:id="rId6"/>
-    <p:sldId id="261" r:id="rId7"/>
-    <p:sldId id="262" r:id="rId8"/>
-    <p:sldId id="264" r:id="rId9"/>
-    <p:sldId id="265" r:id="rId10"/>
-    <p:sldId id="266" r:id="rId11"/>
-    <p:sldId id="267" r:id="rId12"/>
+    <p:sldId id="268" r:id="rId3"/>
+    <p:sldId id="257" r:id="rId4"/>
+    <p:sldId id="258" r:id="rId5"/>
+    <p:sldId id="259" r:id="rId6"/>
+    <p:sldId id="260" r:id="rId7"/>
+    <p:sldId id="261" r:id="rId8"/>
+    <p:sldId id="262" r:id="rId9"/>
+    <p:sldId id="264" r:id="rId10"/>
+    <p:sldId id="265" r:id="rId11"/>
+    <p:sldId id="266" r:id="rId12"/>
+    <p:sldId id="267" r:id="rId13"/>
   </p:sldIdLst>
   <p:sldSz cx="12192000" cy="6858000"/>
   <p:notesSz cx="6858000" cy="9144000"/>
@@ -269,7 +270,7 @@
           <a:p>
             <a:fld id="{DE176E02-7D44-4713-8078-8E0963CF8DDB}" type="datetimeFigureOut">
               <a:rPr lang="en-US" smtClean="0"/>
-              <a:t>8/27/2019</a:t>
+              <a:t>8/30/2019</a:t>
             </a:fld>
             <a:endParaRPr lang="en-US"/>
           </a:p>
@@ -467,7 +468,7 @@
           <a:p>
             <a:fld id="{DE176E02-7D44-4713-8078-8E0963CF8DDB}" type="datetimeFigureOut">
               <a:rPr lang="en-US" smtClean="0"/>
-              <a:t>8/27/2019</a:t>
+              <a:t>8/30/2019</a:t>
             </a:fld>
             <a:endParaRPr lang="en-US"/>
           </a:p>
@@ -675,7 +676,7 @@
           <a:p>
             <a:fld id="{DE176E02-7D44-4713-8078-8E0963CF8DDB}" type="datetimeFigureOut">
               <a:rPr lang="en-US" smtClean="0"/>
-              <a:t>8/27/2019</a:t>
+              <a:t>8/30/2019</a:t>
             </a:fld>
             <a:endParaRPr lang="en-US"/>
           </a:p>
@@ -873,7 +874,7 @@
           <a:p>
             <a:fld id="{DE176E02-7D44-4713-8078-8E0963CF8DDB}" type="datetimeFigureOut">
               <a:rPr lang="en-US" smtClean="0"/>
-              <a:t>8/27/2019</a:t>
+              <a:t>8/30/2019</a:t>
             </a:fld>
             <a:endParaRPr lang="en-US"/>
           </a:p>
@@ -1148,7 +1149,7 @@
           <a:p>
             <a:fld id="{DE176E02-7D44-4713-8078-8E0963CF8DDB}" type="datetimeFigureOut">
               <a:rPr lang="en-US" smtClean="0"/>
-              <a:t>8/27/2019</a:t>
+              <a:t>8/30/2019</a:t>
             </a:fld>
             <a:endParaRPr lang="en-US"/>
           </a:p>
@@ -1413,7 +1414,7 @@
           <a:p>
             <a:fld id="{DE176E02-7D44-4713-8078-8E0963CF8DDB}" type="datetimeFigureOut">
               <a:rPr lang="en-US" smtClean="0"/>
-              <a:t>8/27/2019</a:t>
+              <a:t>8/30/2019</a:t>
             </a:fld>
             <a:endParaRPr lang="en-US"/>
           </a:p>
@@ -1825,7 +1826,7 @@
           <a:p>
             <a:fld id="{DE176E02-7D44-4713-8078-8E0963CF8DDB}" type="datetimeFigureOut">
               <a:rPr lang="en-US" smtClean="0"/>
-              <a:t>8/27/2019</a:t>
+              <a:t>8/30/2019</a:t>
             </a:fld>
             <a:endParaRPr lang="en-US"/>
           </a:p>
@@ -1966,7 +1967,7 @@
           <a:p>
             <a:fld id="{DE176E02-7D44-4713-8078-8E0963CF8DDB}" type="datetimeFigureOut">
               <a:rPr lang="en-US" smtClean="0"/>
-              <a:t>8/27/2019</a:t>
+              <a:t>8/30/2019</a:t>
             </a:fld>
             <a:endParaRPr lang="en-US"/>
           </a:p>
@@ -2079,7 +2080,7 @@
           <a:p>
             <a:fld id="{DE176E02-7D44-4713-8078-8E0963CF8DDB}" type="datetimeFigureOut">
               <a:rPr lang="en-US" smtClean="0"/>
-              <a:t>8/27/2019</a:t>
+              <a:t>8/30/2019</a:t>
             </a:fld>
             <a:endParaRPr lang="en-US"/>
           </a:p>
@@ -2390,7 +2391,7 @@
           <a:p>
             <a:fld id="{DE176E02-7D44-4713-8078-8E0963CF8DDB}" type="datetimeFigureOut">
               <a:rPr lang="en-US" smtClean="0"/>
-              <a:t>8/27/2019</a:t>
+              <a:t>8/30/2019</a:t>
             </a:fld>
             <a:endParaRPr lang="en-US"/>
           </a:p>
@@ -2678,7 +2679,7 @@
           <a:p>
             <a:fld id="{DE176E02-7D44-4713-8078-8E0963CF8DDB}" type="datetimeFigureOut">
               <a:rPr lang="en-US" smtClean="0"/>
-              <a:t>8/27/2019</a:t>
+              <a:t>8/30/2019</a:t>
             </a:fld>
             <a:endParaRPr lang="en-US"/>
           </a:p>
@@ -2919,7 +2920,7 @@
           <a:p>
             <a:fld id="{DE176E02-7D44-4713-8078-8E0963CF8DDB}" type="datetimeFigureOut">
               <a:rPr lang="en-US" smtClean="0"/>
-              <a:t>8/27/2019</a:t>
+              <a:t>8/30/2019</a:t>
             </a:fld>
             <a:endParaRPr lang="en-US"/>
           </a:p>
@@ -3351,7 +3352,7 @@
         <p:spPr>
           <a:xfrm>
             <a:off x="1702965" y="931177"/>
-            <a:ext cx="8187655" cy="3693319"/>
+            <a:ext cx="8187655" cy="5078313"/>
           </a:xfrm>
           <a:prstGeom prst="rect">
             <a:avLst/>
@@ -3375,7 +3376,25 @@
           <a:p>
             <a:r>
               <a:rPr lang="en-US" dirty="0"/>
-              <a:t>Office Hours:</a:t>
+              <a:t>Class- Be on time</a:t>
+            </a:r>
+          </a:p>
+          <a:p>
+            <a:endParaRPr lang="en-US" dirty="0"/>
+          </a:p>
+          <a:p>
+            <a:r>
+              <a:rPr lang="en-US" dirty="0"/>
+              <a:t>Homework:</a:t>
+            </a:r>
+          </a:p>
+          <a:p>
+            <a:endParaRPr lang="en-US" dirty="0"/>
+          </a:p>
+          <a:p>
+            <a:r>
+              <a:rPr lang="en-US" dirty="0"/>
+              <a:t>Office Hours: Take survey</a:t>
             </a:r>
           </a:p>
           <a:p>
@@ -3398,23 +3417,20 @@
             <a:endParaRPr lang="en-US" dirty="0"/>
           </a:p>
           <a:p>
+            <a:endParaRPr lang="en-US" dirty="0"/>
+          </a:p>
+          <a:p>
             <a:r>
               <a:rPr lang="en-US" dirty="0"/>
               <a:t>Course repository</a:t>
             </a:r>
           </a:p>
           <a:p>
-            <a:r>
-              <a:rPr lang="en-US">
-                <a:hlinkClick r:id="rId3"/>
-              </a:rPr>
-              <a:t>https</a:t>
-            </a:r>
             <a:r>
               <a:rPr lang="en-US" dirty="0">
                 <a:hlinkClick r:id="rId3"/>
               </a:rPr>
-              <a:t>://github.com/skalakm/232</a:t>
+              <a:t>https://github.com/skalakm/232</a:t>
             </a:r>
             <a:endParaRPr lang="en-US" dirty="0"/>
           </a:p>
@@ -3473,6 +3489,136 @@
           <p:cNvPr id="2" name="Title 1">
             <a:extLst>
               <a:ext uri="{FF2B5EF4-FFF2-40B4-BE49-F238E27FC236}">
+                <a16:creationId xmlns:a16="http://schemas.microsoft.com/office/drawing/2014/main" id="{5368C869-1060-4791-B874-334072800DD4}"/>
+              </a:ext>
+            </a:extLst>
+          </p:cNvPr>
+          <p:cNvSpPr>
+            <a:spLocks noGrp="1"/>
+          </p:cNvSpPr>
+          <p:nvPr>
+            <p:ph type="title"/>
+          </p:nvPr>
+        </p:nvSpPr>
+        <p:spPr/>
+        <p:txBody>
+          <a:bodyPr/>
+          <a:lstStyle/>
+          <a:p>
+            <a:r>
+              <a:rPr lang="en-US" dirty="0"/>
+              <a:t>Terminology</a:t>
+            </a:r>
+          </a:p>
+        </p:txBody>
+      </p:sp>
+      <p:sp>
+        <p:nvSpPr>
+          <p:cNvPr id="3" name="Content Placeholder 2">
+            <a:extLst>
+              <a:ext uri="{FF2B5EF4-FFF2-40B4-BE49-F238E27FC236}">
+                <a16:creationId xmlns:a16="http://schemas.microsoft.com/office/drawing/2014/main" id="{C68799BD-78DA-4E5C-9D97-3695F501CB7C}"/>
+              </a:ext>
+            </a:extLst>
+          </p:cNvPr>
+          <p:cNvSpPr>
+            <a:spLocks noGrp="1"/>
+          </p:cNvSpPr>
+          <p:nvPr>
+            <p:ph idx="1"/>
+          </p:nvPr>
+        </p:nvSpPr>
+        <p:spPr/>
+        <p:txBody>
+          <a:bodyPr/>
+          <a:lstStyle/>
+          <a:p>
+            <a:r>
+              <a:rPr lang="en-US" dirty="0"/>
+              <a:t>Simple/primitive data type</a:t>
+            </a:r>
+          </a:p>
+          <a:p>
+            <a:r>
+              <a:rPr lang="en-US" dirty="0"/>
+              <a:t>Aggregate/composite data type</a:t>
+            </a:r>
+          </a:p>
+          <a:p>
+            <a:endParaRPr lang="en-US" dirty="0"/>
+          </a:p>
+          <a:p>
+            <a:endParaRPr lang="en-US" dirty="0"/>
+          </a:p>
+          <a:p>
+            <a:r>
+              <a:rPr lang="en-US" dirty="0"/>
+              <a:t>Abstract data type</a:t>
+            </a:r>
+          </a:p>
+          <a:p>
+            <a:pPr lvl="1"/>
+            <a:r>
+              <a:rPr lang="en-US" dirty="0"/>
+              <a:t>Operations, but not implementation</a:t>
+            </a:r>
+          </a:p>
+          <a:p>
+            <a:r>
+              <a:rPr lang="en-US" dirty="0"/>
+              <a:t>Data structure</a:t>
+            </a:r>
+          </a:p>
+          <a:p>
+            <a:pPr lvl="1"/>
+            <a:r>
+              <a:rPr lang="en-US" dirty="0"/>
+              <a:t>Implementation of an abstract data type</a:t>
+            </a:r>
+          </a:p>
+          <a:p>
+            <a:endParaRPr lang="en-US" dirty="0"/>
+          </a:p>
+          <a:p>
+            <a:endParaRPr lang="en-US" dirty="0"/>
+          </a:p>
+        </p:txBody>
+      </p:sp>
+    </p:spTree>
+    <p:extLst>
+      <p:ext uri="{BB962C8B-B14F-4D97-AF65-F5344CB8AC3E}">
+        <p14:creationId xmlns:p14="http://schemas.microsoft.com/office/powerpoint/2010/main" val="3392824720"/>
+      </p:ext>
+    </p:extLst>
+  </p:cSld>
+  <p:clrMapOvr>
+    <a:masterClrMapping/>
+  </p:clrMapOvr>
+</p:sld>
+</file>
+
+<file path=ppt/slides/slide11.xml><?xml version="1.0" encoding="utf-8"?>
+<p:sld xmlns:a="http://schemas.openxmlformats.org/drawingml/2006/main" xmlns:r="http://schemas.openxmlformats.org/officeDocument/2006/relationships" xmlns:p="http://schemas.openxmlformats.org/presentationml/2006/main">
+  <p:cSld>
+    <p:spTree>
+      <p:nvGrpSpPr>
+        <p:cNvPr id="1" name=""/>
+        <p:cNvGrpSpPr/>
+        <p:nvPr/>
+      </p:nvGrpSpPr>
+      <p:grpSpPr>
+        <a:xfrm>
+          <a:off x="0" y="0"/>
+          <a:ext cx="0" cy="0"/>
+          <a:chOff x="0" y="0"/>
+          <a:chExt cx="0" cy="0"/>
+        </a:xfrm>
+      </p:grpSpPr>
+      <p:sp>
+        <p:nvSpPr>
+          <p:cNvPr id="2" name="Title 1">
+            <a:extLst>
+              <a:ext uri="{FF2B5EF4-FFF2-40B4-BE49-F238E27FC236}">
                 <a16:creationId xmlns:a16="http://schemas.microsoft.com/office/drawing/2014/main" id="{632B9A1C-3AEC-4AF3-8094-7DBDB2E5B4AA}"/>
               </a:ext>
             </a:extLst>
@@ -3566,7 +3712,7 @@
 </p:sld>
 </file>
 
-<file path=ppt/slides/slide11.xml><?xml version="1.0" encoding="utf-8"?>
+<file path=ppt/slides/slide12.xml><?xml version="1.0" encoding="utf-8"?>
 <p:sld xmlns:a="http://schemas.openxmlformats.org/drawingml/2006/main" xmlns:r="http://schemas.openxmlformats.org/officeDocument/2006/relationships" xmlns:p="http://schemas.openxmlformats.org/presentationml/2006/main">
   <p:cSld>
     <p:spTree>
@@ -3738,104 +3884,57 @@
           <a:chExt cx="0" cy="0"/>
         </a:xfrm>
       </p:grpSpPr>
-      <p:sp>
-        <p:nvSpPr>
-          <p:cNvPr id="2" name="Title 1">
-            <a:extLst>
-              <a:ext uri="{FF2B5EF4-FFF2-40B4-BE49-F238E27FC236}">
-                <a16:creationId xmlns:a16="http://schemas.microsoft.com/office/drawing/2014/main" id="{BC8CCA2B-CA8E-4DFF-BD1E-93AB4A0020F4}"/>
-              </a:ext>
-            </a:extLst>
-          </p:cNvPr>
-          <p:cNvSpPr>
-            <a:spLocks noGrp="1"/>
-          </p:cNvSpPr>
-          <p:nvPr>
-            <p:ph type="title"/>
-          </p:nvPr>
-        </p:nvSpPr>
-        <p:spPr/>
-        <p:txBody>
-          <a:bodyPr/>
-          <a:lstStyle/>
-          <a:p>
-            <a:r>
-              <a:rPr lang="en-US" dirty="0"/>
-              <a:t>The Last Programming Class You Will Ever Take</a:t>
-            </a:r>
-          </a:p>
-        </p:txBody>
-      </p:sp>
-      <p:sp>
-        <p:nvSpPr>
-          <p:cNvPr id="3" name="Content Placeholder 2">
-            <a:extLst>
-              <a:ext uri="{FF2B5EF4-FFF2-40B4-BE49-F238E27FC236}">
-                <a16:creationId xmlns:a16="http://schemas.microsoft.com/office/drawing/2014/main" id="{03F3C46F-AB8B-430A-A29E-8B299B4573AC}"/>
-              </a:ext>
-            </a:extLst>
-          </p:cNvPr>
-          <p:cNvSpPr>
-            <a:spLocks noGrp="1"/>
-          </p:cNvSpPr>
-          <p:nvPr>
-            <p:ph idx="1"/>
-          </p:nvPr>
-        </p:nvSpPr>
-        <p:spPr/>
-        <p:txBody>
-          <a:bodyPr/>
-          <a:lstStyle/>
-          <a:p>
-            <a:r>
-              <a:rPr lang="en-US" dirty="0"/>
-              <a:t>Data structure- an organization of data in a computer’s memory</a:t>
-            </a:r>
-          </a:p>
-          <a:p>
-            <a:pPr lvl="1"/>
-            <a:r>
-              <a:rPr lang="en-US" dirty="0" err="1"/>
-              <a:t>Eg</a:t>
-            </a:r>
-            <a:r>
-              <a:rPr lang="en-US" dirty="0"/>
-              <a:t> array, list, stack, queue, </a:t>
-            </a:r>
-            <a:r>
-              <a:rPr lang="en-US" dirty="0" err="1"/>
-              <a:t>hashmap</a:t>
-            </a:r>
-            <a:r>
-              <a:rPr lang="en-US" dirty="0"/>
-              <a:t>, tree, graph</a:t>
-            </a:r>
-          </a:p>
-          <a:p>
-            <a:endParaRPr lang="en-US" dirty="0"/>
-          </a:p>
-          <a:p>
-            <a:endParaRPr lang="en-US" dirty="0"/>
-          </a:p>
-          <a:p>
-            <a:r>
-              <a:rPr lang="en-US" dirty="0"/>
-              <a:t>Why?</a:t>
-            </a:r>
-          </a:p>
-          <a:p>
-            <a:pPr lvl="1"/>
-            <a:r>
-              <a:rPr lang="en-US" dirty="0"/>
-              <a:t>Make common operations efficient</a:t>
-            </a:r>
-          </a:p>
-        </p:txBody>
-      </p:sp>
+      <p:pic>
+        <p:nvPicPr>
+          <p:cNvPr id="1026" name="Picture 2" descr="Spaghetti model friday 11AM">
+            <a:extLst>
+              <a:ext uri="{FF2B5EF4-FFF2-40B4-BE49-F238E27FC236}">
+                <a16:creationId xmlns:a16="http://schemas.microsoft.com/office/drawing/2014/main" id="{BBED4ABF-DD1D-4A8B-BAA0-F7DD513851F6}"/>
+              </a:ext>
+            </a:extLst>
+          </p:cNvPr>
+          <p:cNvPicPr>
+            <a:picLocks noChangeAspect="1" noChangeArrowheads="1"/>
+          </p:cNvPicPr>
+          <p:nvPr/>
+        </p:nvPicPr>
+        <p:blipFill>
+          <a:blip r:embed="rId2">
+            <a:extLst>
+              <a:ext uri="{28A0092B-C50C-407E-A947-70E740481C1C}">
+                <a14:useLocalDpi xmlns:a14="http://schemas.microsoft.com/office/drawing/2010/main" val="0"/>
+              </a:ext>
+            </a:extLst>
+          </a:blip>
+          <a:srcRect/>
+          <a:stretch>
+            <a:fillRect/>
+          </a:stretch>
+        </p:blipFill>
+        <p:spPr bwMode="auto">
+          <a:xfrm>
+            <a:off x="933450" y="385761"/>
+            <a:ext cx="10470166" cy="5891213"/>
+          </a:xfrm>
+          <a:prstGeom prst="rect">
+            <a:avLst/>
+          </a:prstGeom>
+          <a:noFill/>
+          <a:extLst>
+            <a:ext uri="{909E8E84-426E-40DD-AFC4-6F175D3DCCD1}">
+              <a14:hiddenFill xmlns:a14="http://schemas.microsoft.com/office/drawing/2010/main">
+                <a:solidFill>
+                  <a:srgbClr val="FFFFFF"/>
+                </a:solidFill>
+              </a14:hiddenFill>
+            </a:ext>
+          </a:extLst>
+        </p:spPr>
+      </p:pic>
     </p:spTree>
     <p:extLst>
       <p:ext uri="{BB962C8B-B14F-4D97-AF65-F5344CB8AC3E}">
-        <p14:creationId xmlns:p14="http://schemas.microsoft.com/office/powerpoint/2010/main" val="156265325"/>
+        <p14:creationId xmlns:p14="http://schemas.microsoft.com/office/powerpoint/2010/main" val="11825554"/>
       </p:ext>
     </p:extLst>
   </p:cSld>
@@ -3867,7 +3966,7 @@
           <p:cNvPr id="2" name="Title 1">
             <a:extLst>
               <a:ext uri="{FF2B5EF4-FFF2-40B4-BE49-F238E27FC236}">
-                <a16:creationId xmlns:a16="http://schemas.microsoft.com/office/drawing/2014/main" id="{C0F12D45-C13E-4B58-859F-7B2F0BD13A18}"/>
+                <a16:creationId xmlns:a16="http://schemas.microsoft.com/office/drawing/2014/main" id="{BC8CCA2B-CA8E-4DFF-BD1E-93AB4A0020F4}"/>
               </a:ext>
             </a:extLst>
           </p:cNvPr>
@@ -3885,7 +3984,7 @@
           <a:p>
             <a:r>
               <a:rPr lang="en-US" dirty="0"/>
-              <a:t>Physical examples</a:t>
+              <a:t>The Last Programming Class You Will Ever Take</a:t>
             </a:r>
           </a:p>
         </p:txBody>
@@ -3895,7 +3994,7 @@
           <p:cNvPr id="3" name="Content Placeholder 2">
             <a:extLst>
               <a:ext uri="{FF2B5EF4-FFF2-40B4-BE49-F238E27FC236}">
-                <a16:creationId xmlns:a16="http://schemas.microsoft.com/office/drawing/2014/main" id="{ADCF7CED-A3D4-4B45-96C0-8EBC63F3A3A5}"/>
+                <a16:creationId xmlns:a16="http://schemas.microsoft.com/office/drawing/2014/main" id="{03F3C46F-AB8B-430A-A29E-8B299B4573AC}"/>
               </a:ext>
             </a:extLst>
           </p:cNvPr>
@@ -3913,13 +4012,19 @@
           <a:p>
             <a:r>
               <a:rPr lang="en-US" dirty="0"/>
-              <a:t>Dictionary</a:t>
-            </a:r>
-          </a:p>
-          <a:p>
+              <a:t>Data structure- an organization of data in a computer’s memory</a:t>
+            </a:r>
+          </a:p>
+          <a:p>
+            <a:pPr lvl="1"/>
+            <a:r>
+              <a:rPr lang="en-US" dirty="0" err="1"/>
+              <a:t>Eg</a:t>
+            </a:r>
             <a:endParaRPr lang="en-US" dirty="0"/>
           </a:p>
           <a:p>
+            <a:pPr lvl="1"/>
             <a:endParaRPr lang="en-US" dirty="0"/>
           </a:p>
           <a:p>
@@ -3928,30 +4033,22 @@
           <a:p>
             <a:r>
               <a:rPr lang="en-US" dirty="0"/>
-              <a:t>Library</a:t>
-            </a:r>
-          </a:p>
-          <a:p>
-            <a:endParaRPr lang="en-US" dirty="0"/>
-          </a:p>
-          <a:p>
-            <a:endParaRPr lang="en-US" dirty="0"/>
-          </a:p>
-          <a:p>
-            <a:endParaRPr lang="en-US" dirty="0"/>
-          </a:p>
-          <a:p>
-            <a:pPr marL="0" indent="0">
-              <a:buNone/>
-            </a:pPr>
-            <a:endParaRPr lang="en-US" dirty="0"/>
+              <a:t>Why?</a:t>
+            </a:r>
+          </a:p>
+          <a:p>
+            <a:pPr lvl="1"/>
+            <a:r>
+              <a:rPr lang="en-US" dirty="0"/>
+              <a:t>Make common operations efficient</a:t>
+            </a:r>
           </a:p>
         </p:txBody>
       </p:sp>
     </p:spTree>
     <p:extLst>
       <p:ext uri="{BB962C8B-B14F-4D97-AF65-F5344CB8AC3E}">
-        <p14:creationId xmlns:p14="http://schemas.microsoft.com/office/powerpoint/2010/main" val="388148792"/>
+        <p14:creationId xmlns:p14="http://schemas.microsoft.com/office/powerpoint/2010/main" val="156265325"/>
       </p:ext>
     </p:extLst>
   </p:cSld>
@@ -3983,7 +4080,7 @@
           <p:cNvPr id="2" name="Title 1">
             <a:extLst>
               <a:ext uri="{FF2B5EF4-FFF2-40B4-BE49-F238E27FC236}">
-                <a16:creationId xmlns:a16="http://schemas.microsoft.com/office/drawing/2014/main" id="{5F134569-4603-4BAA-881B-41FB636F28EE}"/>
+                <a16:creationId xmlns:a16="http://schemas.microsoft.com/office/drawing/2014/main" id="{C0F12D45-C13E-4B58-859F-7B2F0BD13A18}"/>
               </a:ext>
             </a:extLst>
           </p:cNvPr>
@@ -4001,7 +4098,7 @@
           <a:p>
             <a:r>
               <a:rPr lang="en-US" dirty="0"/>
-              <a:t>Computer examples</a:t>
+              <a:t>Physical examples</a:t>
             </a:r>
           </a:p>
         </p:txBody>
@@ -4011,7 +4108,7 @@
           <p:cNvPr id="3" name="Content Placeholder 2">
             <a:extLst>
               <a:ext uri="{FF2B5EF4-FFF2-40B4-BE49-F238E27FC236}">
-                <a16:creationId xmlns:a16="http://schemas.microsoft.com/office/drawing/2014/main" id="{BB4A9FDF-41BC-4280-A78B-EAE730A59DF2}"/>
+                <a16:creationId xmlns:a16="http://schemas.microsoft.com/office/drawing/2014/main" id="{ADCF7CED-A3D4-4B45-96C0-8EBC63F3A3A5}"/>
               </a:ext>
             </a:extLst>
           </p:cNvPr>
@@ -4029,66 +4126,45 @@
           <a:p>
             <a:r>
               <a:rPr lang="en-US" dirty="0"/>
-              <a:t>Stack</a:t>
-            </a:r>
-          </a:p>
-          <a:p>
-            <a:pPr lvl="1"/>
-            <a:r>
-              <a:rPr lang="en-US" dirty="0"/>
-              <a:t>Efficient add/remove at “top”</a:t>
-            </a:r>
-          </a:p>
-          <a:p>
-            <a:pPr lvl="1"/>
-            <a:r>
-              <a:rPr lang="en-US" dirty="0"/>
-              <a:t>Inefficient for anything else</a:t>
-            </a:r>
-          </a:p>
-          <a:p>
-            <a:pPr lvl="1"/>
+              <a:t>Dictionary</a:t>
+            </a:r>
+          </a:p>
+          <a:p>
             <a:endParaRPr lang="en-US" dirty="0"/>
           </a:p>
           <a:p>
-            <a:pPr lvl="1"/>
             <a:endParaRPr lang="en-US" dirty="0"/>
           </a:p>
           <a:p>
-            <a:r>
-              <a:rPr lang="en-US" dirty="0" err="1"/>
-              <a:t>Hashmap</a:t>
-            </a:r>
             <a:endParaRPr lang="en-US" dirty="0"/>
           </a:p>
           <a:p>
-            <a:pPr lvl="1"/>
-            <a:r>
-              <a:rPr lang="en-US" dirty="0"/>
-              <a:t>Efficient for finding key by value</a:t>
-            </a:r>
-          </a:p>
-          <a:p>
-            <a:pPr lvl="1"/>
-            <a:r>
-              <a:rPr lang="en-US" dirty="0"/>
-              <a:t>Inefficient for accessing in some order (</a:t>
-            </a:r>
-            <a:r>
-              <a:rPr lang="en-US" dirty="0" err="1"/>
-              <a:t>eg</a:t>
-            </a:r>
-            <a:r>
-              <a:rPr lang="en-US" dirty="0"/>
-              <a:t> alphabetical)</a:t>
-            </a:r>
+            <a:r>
+              <a:rPr lang="en-US" dirty="0"/>
+              <a:t>Library</a:t>
+            </a:r>
+          </a:p>
+          <a:p>
+            <a:endParaRPr lang="en-US" dirty="0"/>
+          </a:p>
+          <a:p>
+            <a:endParaRPr lang="en-US" dirty="0"/>
+          </a:p>
+          <a:p>
+            <a:endParaRPr lang="en-US" dirty="0"/>
+          </a:p>
+          <a:p>
+            <a:pPr marL="0" indent="0">
+              <a:buNone/>
+            </a:pPr>
+            <a:endParaRPr lang="en-US" dirty="0"/>
           </a:p>
         </p:txBody>
       </p:sp>
     </p:spTree>
     <p:extLst>
       <p:ext uri="{BB962C8B-B14F-4D97-AF65-F5344CB8AC3E}">
-        <p14:creationId xmlns:p14="http://schemas.microsoft.com/office/powerpoint/2010/main" val="365289425"/>
+        <p14:creationId xmlns:p14="http://schemas.microsoft.com/office/powerpoint/2010/main" val="388148792"/>
       </p:ext>
     </p:extLst>
   </p:cSld>
@@ -4120,7 +4196,7 @@
           <p:cNvPr id="2" name="Title 1">
             <a:extLst>
               <a:ext uri="{FF2B5EF4-FFF2-40B4-BE49-F238E27FC236}">
-                <a16:creationId xmlns:a16="http://schemas.microsoft.com/office/drawing/2014/main" id="{E45F6BCA-0D29-4C8A-B96D-BD060B0C844F}"/>
+                <a16:creationId xmlns:a16="http://schemas.microsoft.com/office/drawing/2014/main" id="{5F134569-4603-4BAA-881B-41FB636F28EE}"/>
               </a:ext>
             </a:extLst>
           </p:cNvPr>
@@ -4138,7 +4214,7 @@
           <a:p>
             <a:r>
               <a:rPr lang="en-US" dirty="0"/>
-              <a:t>Problem solving</a:t>
+              <a:t>Computer examples</a:t>
             </a:r>
           </a:p>
         </p:txBody>
@@ -4148,7 +4224,7 @@
           <p:cNvPr id="3" name="Content Placeholder 2">
             <a:extLst>
               <a:ext uri="{FF2B5EF4-FFF2-40B4-BE49-F238E27FC236}">
-                <a16:creationId xmlns:a16="http://schemas.microsoft.com/office/drawing/2014/main" id="{7871778A-239F-4144-BE85-12CFD17F6B49}"/>
+                <a16:creationId xmlns:a16="http://schemas.microsoft.com/office/drawing/2014/main" id="{BB4A9FDF-41BC-4280-A78B-EAE730A59DF2}"/>
               </a:ext>
             </a:extLst>
           </p:cNvPr>
@@ -4166,14 +4242,21 @@
           <a:p>
             <a:r>
               <a:rPr lang="en-US" dirty="0"/>
-              <a:t>Comp 131/132</a:t>
+              <a:t>Stack</a:t>
             </a:r>
           </a:p>
           <a:p>
             <a:pPr lvl="1"/>
             <a:r>
               <a:rPr lang="en-US" dirty="0"/>
-              <a:t>Most of the approach was already designed</a:t>
+              <a:t>Efficient add/remove at “top”</a:t>
+            </a:r>
+          </a:p>
+          <a:p>
+            <a:pPr lvl="1"/>
+            <a:r>
+              <a:rPr lang="en-US" dirty="0"/>
+              <a:t>Inefficient for anything else</a:t>
             </a:r>
           </a:p>
           <a:p>
@@ -4185,20 +4268,32 @@
             <a:endParaRPr lang="en-US" dirty="0"/>
           </a:p>
           <a:p>
+            <a:r>
+              <a:rPr lang="en-US" dirty="0" err="1"/>
+              <a:t>Hashmap</a:t>
+            </a:r>
+            <a:endParaRPr lang="en-US" dirty="0"/>
+          </a:p>
+          <a:p>
             <a:pPr lvl="1"/>
-            <a:endParaRPr lang="en-US" dirty="0"/>
-          </a:p>
-          <a:p>
-            <a:r>
-              <a:rPr lang="en-US" dirty="0"/>
-              <a:t>Comp 232</a:t>
+            <a:r>
+              <a:rPr lang="en-US" dirty="0"/>
+              <a:t>Efficient for finding key by value</a:t>
             </a:r>
           </a:p>
           <a:p>
             <a:pPr lvl="1"/>
             <a:r>
               <a:rPr lang="en-US" dirty="0"/>
-              <a:t>More often, given only a problem statement (input and output)</a:t>
+              <a:t>Inefficient for accessing in some order (</a:t>
+            </a:r>
+            <a:r>
+              <a:rPr lang="en-US" dirty="0" err="1"/>
+              <a:t>eg</a:t>
+            </a:r>
+            <a:r>
+              <a:rPr lang="en-US" dirty="0"/>
+              <a:t> alphabetical)</a:t>
             </a:r>
           </a:p>
         </p:txBody>
@@ -4206,7 +4301,7 @@
     </p:spTree>
     <p:extLst>
       <p:ext uri="{BB962C8B-B14F-4D97-AF65-F5344CB8AC3E}">
-        <p14:creationId xmlns:p14="http://schemas.microsoft.com/office/powerpoint/2010/main" val="724140241"/>
+        <p14:creationId xmlns:p14="http://schemas.microsoft.com/office/powerpoint/2010/main" val="365289425"/>
       </p:ext>
     </p:extLst>
   </p:cSld>
@@ -4238,7 +4333,7 @@
           <p:cNvPr id="2" name="Title 1">
             <a:extLst>
               <a:ext uri="{FF2B5EF4-FFF2-40B4-BE49-F238E27FC236}">
-                <a16:creationId xmlns:a16="http://schemas.microsoft.com/office/drawing/2014/main" id="{88873571-C5CD-4392-9260-E968E368DDA4}"/>
+                <a16:creationId xmlns:a16="http://schemas.microsoft.com/office/drawing/2014/main" id="{E45F6BCA-0D29-4C8A-B96D-BD060B0C844F}"/>
               </a:ext>
             </a:extLst>
           </p:cNvPr>
@@ -4256,7 +4351,7 @@
           <a:p>
             <a:r>
               <a:rPr lang="en-US" dirty="0"/>
-              <a:t>Course goals:</a:t>
+              <a:t>Problem solving</a:t>
             </a:r>
           </a:p>
         </p:txBody>
@@ -4266,7 +4361,7 @@
           <p:cNvPr id="3" name="Content Placeholder 2">
             <a:extLst>
               <a:ext uri="{FF2B5EF4-FFF2-40B4-BE49-F238E27FC236}">
-                <a16:creationId xmlns:a16="http://schemas.microsoft.com/office/drawing/2014/main" id="{9E0D1470-3F1B-416B-9143-DA9F2979BD6C}"/>
+                <a16:creationId xmlns:a16="http://schemas.microsoft.com/office/drawing/2014/main" id="{7871778A-239F-4144-BE85-12CFD17F6B49}"/>
               </a:ext>
             </a:extLst>
           </p:cNvPr>
@@ -4284,68 +4379,47 @@
           <a:p>
             <a:r>
               <a:rPr lang="en-US" dirty="0"/>
-              <a:t>Toolkit development</a:t>
+              <a:t>Comp 131/132</a:t>
             </a:r>
           </a:p>
           <a:p>
             <a:pPr lvl="1"/>
             <a:r>
               <a:rPr lang="en-US" dirty="0"/>
-              <a:t>Know what data structures are possible and what they are good at</a:t>
+              <a:t>Most of the approach was already designed</a:t>
             </a:r>
           </a:p>
           <a:p>
             <a:pPr lvl="1"/>
-            <a:r>
-              <a:rPr lang="en-US" dirty="0"/>
-              <a:t>Choice</a:t>
-            </a:r>
-          </a:p>
-          <a:p>
-            <a:pPr lvl="2"/>
-            <a:r>
-              <a:rPr lang="en-US" dirty="0"/>
-              <a:t>Static or dynamic</a:t>
-            </a:r>
-          </a:p>
-          <a:p>
-            <a:pPr lvl="2"/>
-            <a:r>
-              <a:rPr lang="en-US" dirty="0"/>
-              <a:t>Common operations</a:t>
-            </a:r>
-          </a:p>
-          <a:p>
-            <a:pPr lvl="2"/>
-            <a:r>
-              <a:rPr lang="en-US" dirty="0"/>
-              <a:t>Access pattern</a:t>
-            </a:r>
-          </a:p>
-          <a:p>
-            <a:pPr lvl="2"/>
-            <a:r>
-              <a:rPr lang="en-US" dirty="0"/>
-              <a:t>Search types</a:t>
-            </a:r>
-          </a:p>
-          <a:p>
-            <a:pPr lvl="2"/>
-            <a:r>
-              <a:rPr lang="en-US" dirty="0"/>
-              <a:t>Performance analysis</a:t>
-            </a:r>
-          </a:p>
-          <a:p>
-            <a:pPr lvl="2"/>
             <a:endParaRPr lang="en-US" dirty="0"/>
+          </a:p>
+          <a:p>
+            <a:pPr lvl="1"/>
+            <a:endParaRPr lang="en-US" dirty="0"/>
+          </a:p>
+          <a:p>
+            <a:pPr lvl="1"/>
+            <a:endParaRPr lang="en-US" dirty="0"/>
+          </a:p>
+          <a:p>
+            <a:r>
+              <a:rPr lang="en-US" dirty="0"/>
+              <a:t>Comp 232</a:t>
+            </a:r>
+          </a:p>
+          <a:p>
+            <a:pPr lvl="1"/>
+            <a:r>
+              <a:rPr lang="en-US" dirty="0"/>
+              <a:t>More often, given only a problem statement (input and output)</a:t>
+            </a:r>
           </a:p>
         </p:txBody>
       </p:sp>
     </p:spTree>
     <p:extLst>
       <p:ext uri="{BB962C8B-B14F-4D97-AF65-F5344CB8AC3E}">
-        <p14:creationId xmlns:p14="http://schemas.microsoft.com/office/powerpoint/2010/main" val="1132213076"/>
+        <p14:creationId xmlns:p14="http://schemas.microsoft.com/office/powerpoint/2010/main" val="724140241"/>
       </p:ext>
     </p:extLst>
   </p:cSld>
@@ -4377,7 +4451,7 @@
           <p:cNvPr id="2" name="Title 1">
             <a:extLst>
               <a:ext uri="{FF2B5EF4-FFF2-40B4-BE49-F238E27FC236}">
-                <a16:creationId xmlns:a16="http://schemas.microsoft.com/office/drawing/2014/main" id="{3BC8497A-3975-4EE6-88FC-858D0D160B10}"/>
+                <a16:creationId xmlns:a16="http://schemas.microsoft.com/office/drawing/2014/main" id="{88873571-C5CD-4392-9260-E968E368DDA4}"/>
               </a:ext>
             </a:extLst>
           </p:cNvPr>
@@ -4395,7 +4469,7 @@
           <a:p>
             <a:r>
               <a:rPr lang="en-US" dirty="0"/>
-              <a:t>Asymptotic performance analysis</a:t>
+              <a:t>Course goals:</a:t>
             </a:r>
           </a:p>
         </p:txBody>
@@ -4405,7 +4479,7 @@
           <p:cNvPr id="3" name="Content Placeholder 2">
             <a:extLst>
               <a:ext uri="{FF2B5EF4-FFF2-40B4-BE49-F238E27FC236}">
-                <a16:creationId xmlns:a16="http://schemas.microsoft.com/office/drawing/2014/main" id="{A2ED2E62-43CC-4260-BD2D-708E4AA9CCA1}"/>
+                <a16:creationId xmlns:a16="http://schemas.microsoft.com/office/drawing/2014/main" id="{9E0D1470-3F1B-416B-9143-DA9F2979BD6C}"/>
               </a:ext>
             </a:extLst>
           </p:cNvPr>
@@ -4423,31 +4497,60 @@
           <a:p>
             <a:r>
               <a:rPr lang="en-US" dirty="0"/>
-              <a:t>Big-O, omega, theta</a:t>
-            </a:r>
-          </a:p>
-          <a:p>
-            <a:r>
-              <a:rPr lang="en-US" dirty="0"/>
-              <a:t>Tradeoffs</a:t>
+              <a:t>Toolkit development</a:t>
             </a:r>
           </a:p>
           <a:p>
             <a:pPr lvl="1"/>
             <a:r>
               <a:rPr lang="en-US" dirty="0"/>
-              <a:t>Time vs space</a:t>
+              <a:t>Know what data structures are possible and what they are good at</a:t>
             </a:r>
           </a:p>
           <a:p>
             <a:pPr lvl="1"/>
             <a:r>
               <a:rPr lang="en-US" dirty="0"/>
-              <a:t>Readability/maintainability vs code size/efficiency</a:t>
-            </a:r>
-          </a:p>
-          <a:p>
-            <a:pPr lvl="1"/>
+              <a:t>Choice</a:t>
+            </a:r>
+          </a:p>
+          <a:p>
+            <a:pPr lvl="2"/>
+            <a:r>
+              <a:rPr lang="en-US" dirty="0"/>
+              <a:t>Static or dynamic</a:t>
+            </a:r>
+          </a:p>
+          <a:p>
+            <a:pPr lvl="2"/>
+            <a:r>
+              <a:rPr lang="en-US" dirty="0"/>
+              <a:t>Common operations</a:t>
+            </a:r>
+          </a:p>
+          <a:p>
+            <a:pPr lvl="2"/>
+            <a:r>
+              <a:rPr lang="en-US" dirty="0"/>
+              <a:t>Access pattern</a:t>
+            </a:r>
+          </a:p>
+          <a:p>
+            <a:pPr lvl="2"/>
+            <a:r>
+              <a:rPr lang="en-US" dirty="0"/>
+              <a:t>Search types</a:t>
+            </a:r>
+          </a:p>
+          <a:p>
+            <a:pPr lvl="2"/>
+            <a:r>
+              <a:rPr lang="en-US" dirty="0"/>
+              <a:t>Performance analysis</a:t>
+            </a:r>
+          </a:p>
+          <a:p>
+            <a:pPr lvl="2"/>
             <a:endParaRPr lang="en-US" dirty="0"/>
           </a:p>
         </p:txBody>
@@ -4455,7 +4558,7 @@
     </p:spTree>
     <p:extLst>
       <p:ext uri="{BB962C8B-B14F-4D97-AF65-F5344CB8AC3E}">
-        <p14:creationId xmlns:p14="http://schemas.microsoft.com/office/powerpoint/2010/main" val="3638422871"/>
+        <p14:creationId xmlns:p14="http://schemas.microsoft.com/office/powerpoint/2010/main" val="1132213076"/>
       </p:ext>
     </p:extLst>
   </p:cSld>
@@ -4487,7 +4590,7 @@
           <p:cNvPr id="2" name="Title 1">
             <a:extLst>
               <a:ext uri="{FF2B5EF4-FFF2-40B4-BE49-F238E27FC236}">
-                <a16:creationId xmlns:a16="http://schemas.microsoft.com/office/drawing/2014/main" id="{46F62233-0D58-48B2-8AE3-E36B910EC50B}"/>
+                <a16:creationId xmlns:a16="http://schemas.microsoft.com/office/drawing/2014/main" id="{3BC8497A-3975-4EE6-88FC-858D0D160B10}"/>
               </a:ext>
             </a:extLst>
           </p:cNvPr>
@@ -4505,7 +4608,7 @@
           <a:p>
             <a:r>
               <a:rPr lang="en-US" dirty="0"/>
-              <a:t>Problem solving skills</a:t>
+              <a:t>Asymptotic performance analysis</a:t>
             </a:r>
           </a:p>
         </p:txBody>
@@ -4515,7 +4618,7 @@
           <p:cNvPr id="3" name="Content Placeholder 2">
             <a:extLst>
               <a:ext uri="{FF2B5EF4-FFF2-40B4-BE49-F238E27FC236}">
-                <a16:creationId xmlns:a16="http://schemas.microsoft.com/office/drawing/2014/main" id="{73BD60FC-4DD9-4CF6-BE24-D3C43814EC9A}"/>
+                <a16:creationId xmlns:a16="http://schemas.microsoft.com/office/drawing/2014/main" id="{A2ED2E62-43CC-4260-BD2D-708E4AA9CCA1}"/>
               </a:ext>
             </a:extLst>
           </p:cNvPr>
@@ -4531,14 +4634,41 @@
           <a:bodyPr/>
           <a:lstStyle/>
           <a:p>
-            <a:endParaRPr lang="en-US"/>
+            <a:r>
+              <a:rPr lang="en-US" dirty="0"/>
+              <a:t>Big-O, omega, theta</a:t>
+            </a:r>
+          </a:p>
+          <a:p>
+            <a:r>
+              <a:rPr lang="en-US" dirty="0"/>
+              <a:t>Tradeoffs</a:t>
+            </a:r>
+          </a:p>
+          <a:p>
+            <a:pPr lvl="1"/>
+            <a:r>
+              <a:rPr lang="en-US" dirty="0"/>
+              <a:t>Time vs space</a:t>
+            </a:r>
+          </a:p>
+          <a:p>
+            <a:pPr lvl="1"/>
+            <a:r>
+              <a:rPr lang="en-US" dirty="0"/>
+              <a:t>Readability/maintainability vs code size/efficiency</a:t>
+            </a:r>
+          </a:p>
+          <a:p>
+            <a:pPr lvl="1"/>
+            <a:endParaRPr lang="en-US" dirty="0"/>
           </a:p>
         </p:txBody>
       </p:sp>
     </p:spTree>
     <p:extLst>
       <p:ext uri="{BB962C8B-B14F-4D97-AF65-F5344CB8AC3E}">
-        <p14:creationId xmlns:p14="http://schemas.microsoft.com/office/powerpoint/2010/main" val="2280230441"/>
+        <p14:creationId xmlns:p14="http://schemas.microsoft.com/office/powerpoint/2010/main" val="3638422871"/>
       </p:ext>
     </p:extLst>
   </p:cSld>
@@ -4570,7 +4700,7 @@
           <p:cNvPr id="2" name="Title 1">
             <a:extLst>
               <a:ext uri="{FF2B5EF4-FFF2-40B4-BE49-F238E27FC236}">
-                <a16:creationId xmlns:a16="http://schemas.microsoft.com/office/drawing/2014/main" id="{5368C869-1060-4791-B874-334072800DD4}"/>
+                <a16:creationId xmlns:a16="http://schemas.microsoft.com/office/drawing/2014/main" id="{46F62233-0D58-48B2-8AE3-E36B910EC50B}"/>
               </a:ext>
             </a:extLst>
           </p:cNvPr>
@@ -4588,7 +4718,7 @@
           <a:p>
             <a:r>
               <a:rPr lang="en-US" dirty="0"/>
-              <a:t>Terminology</a:t>
+              <a:t>Problem solving skills</a:t>
             </a:r>
           </a:p>
         </p:txBody>
@@ -4598,7 +4728,7 @@
           <p:cNvPr id="3" name="Content Placeholder 2">
             <a:extLst>
               <a:ext uri="{FF2B5EF4-FFF2-40B4-BE49-F238E27FC236}">
-                <a16:creationId xmlns:a16="http://schemas.microsoft.com/office/drawing/2014/main" id="{C68799BD-78DA-4E5C-9D97-3695F501CB7C}"/>
+                <a16:creationId xmlns:a16="http://schemas.microsoft.com/office/drawing/2014/main" id="{73BD60FC-4DD9-4CF6-BE24-D3C43814EC9A}"/>
               </a:ext>
             </a:extLst>
           </p:cNvPr>
@@ -4614,61 +4744,14 @@
           <a:bodyPr/>
           <a:lstStyle/>
           <a:p>
-            <a:r>
-              <a:rPr lang="en-US" dirty="0"/>
-              <a:t>Simple/primitive data type</a:t>
-            </a:r>
-          </a:p>
-          <a:p>
-            <a:r>
-              <a:rPr lang="en-US" dirty="0"/>
-              <a:t>Aggregate/composite data type</a:t>
-            </a:r>
-          </a:p>
-          <a:p>
-            <a:endParaRPr lang="en-US" dirty="0"/>
-          </a:p>
-          <a:p>
-            <a:endParaRPr lang="en-US" dirty="0"/>
-          </a:p>
-          <a:p>
-            <a:r>
-              <a:rPr lang="en-US" dirty="0"/>
-              <a:t>Abstract data type</a:t>
-            </a:r>
-          </a:p>
-          <a:p>
-            <a:pPr lvl="1"/>
-            <a:r>
-              <a:rPr lang="en-US" dirty="0"/>
-              <a:t>Operations, but not implementation</a:t>
-            </a:r>
-          </a:p>
-          <a:p>
-            <a:r>
-              <a:rPr lang="en-US" dirty="0"/>
-              <a:t>Data structure</a:t>
-            </a:r>
-          </a:p>
-          <a:p>
-            <a:pPr lvl="1"/>
-            <a:r>
-              <a:rPr lang="en-US" dirty="0"/>
-              <a:t>Implementation of an abstract data type</a:t>
-            </a:r>
-          </a:p>
-          <a:p>
-            <a:endParaRPr lang="en-US" dirty="0"/>
-          </a:p>
-          <a:p>
-            <a:endParaRPr lang="en-US" dirty="0"/>
+            <a:endParaRPr lang="en-US"/>
           </a:p>
         </p:txBody>
       </p:sp>
     </p:spTree>
     <p:extLst>
       <p:ext uri="{BB962C8B-B14F-4D97-AF65-F5344CB8AC3E}">
-        <p14:creationId xmlns:p14="http://schemas.microsoft.com/office/powerpoint/2010/main" val="3392824720"/>
+        <p14:creationId xmlns:p14="http://schemas.microsoft.com/office/powerpoint/2010/main" val="2280230441"/>
       </p:ext>
     </p:extLst>
   </p:cSld>

--- a/notes.pptx
+++ b/notes.pptx
@@ -270,7 +270,7 @@
           <a:p>
             <a:fld id="{DE176E02-7D44-4713-8078-8E0963CF8DDB}" type="datetimeFigureOut">
               <a:rPr lang="en-US" smtClean="0"/>
-              <a:t>8/30/2019</a:t>
+              <a:t>9/2/19</a:t>
             </a:fld>
             <a:endParaRPr lang="en-US"/>
           </a:p>
@@ -468,7 +468,7 @@
           <a:p>
             <a:fld id="{DE176E02-7D44-4713-8078-8E0963CF8DDB}" type="datetimeFigureOut">
               <a:rPr lang="en-US" smtClean="0"/>
-              <a:t>8/30/2019</a:t>
+              <a:t>9/2/19</a:t>
             </a:fld>
             <a:endParaRPr lang="en-US"/>
           </a:p>
@@ -676,7 +676,7 @@
           <a:p>
             <a:fld id="{DE176E02-7D44-4713-8078-8E0963CF8DDB}" type="datetimeFigureOut">
               <a:rPr lang="en-US" smtClean="0"/>
-              <a:t>8/30/2019</a:t>
+              <a:t>9/2/19</a:t>
             </a:fld>
             <a:endParaRPr lang="en-US"/>
           </a:p>
@@ -874,7 +874,7 @@
           <a:p>
             <a:fld id="{DE176E02-7D44-4713-8078-8E0963CF8DDB}" type="datetimeFigureOut">
               <a:rPr lang="en-US" smtClean="0"/>
-              <a:t>8/30/2019</a:t>
+              <a:t>9/2/19</a:t>
             </a:fld>
             <a:endParaRPr lang="en-US"/>
           </a:p>
@@ -1149,7 +1149,7 @@
           <a:p>
             <a:fld id="{DE176E02-7D44-4713-8078-8E0963CF8DDB}" type="datetimeFigureOut">
               <a:rPr lang="en-US" smtClean="0"/>
-              <a:t>8/30/2019</a:t>
+              <a:t>9/2/19</a:t>
             </a:fld>
             <a:endParaRPr lang="en-US"/>
           </a:p>
@@ -1414,7 +1414,7 @@
           <a:p>
             <a:fld id="{DE176E02-7D44-4713-8078-8E0963CF8DDB}" type="datetimeFigureOut">
               <a:rPr lang="en-US" smtClean="0"/>
-              <a:t>8/30/2019</a:t>
+              <a:t>9/2/19</a:t>
             </a:fld>
             <a:endParaRPr lang="en-US"/>
           </a:p>
@@ -1826,7 +1826,7 @@
           <a:p>
             <a:fld id="{DE176E02-7D44-4713-8078-8E0963CF8DDB}" type="datetimeFigureOut">
               <a:rPr lang="en-US" smtClean="0"/>
-              <a:t>8/30/2019</a:t>
+              <a:t>9/2/19</a:t>
             </a:fld>
             <a:endParaRPr lang="en-US"/>
           </a:p>
@@ -1967,7 +1967,7 @@
           <a:p>
             <a:fld id="{DE176E02-7D44-4713-8078-8E0963CF8DDB}" type="datetimeFigureOut">
               <a:rPr lang="en-US" smtClean="0"/>
-              <a:t>8/30/2019</a:t>
+              <a:t>9/2/19</a:t>
             </a:fld>
             <a:endParaRPr lang="en-US"/>
           </a:p>
@@ -2080,7 +2080,7 @@
           <a:p>
             <a:fld id="{DE176E02-7D44-4713-8078-8E0963CF8DDB}" type="datetimeFigureOut">
               <a:rPr lang="en-US" smtClean="0"/>
-              <a:t>8/30/2019</a:t>
+              <a:t>9/2/19</a:t>
             </a:fld>
             <a:endParaRPr lang="en-US"/>
           </a:p>
@@ -2391,7 +2391,7 @@
           <a:p>
             <a:fld id="{DE176E02-7D44-4713-8078-8E0963CF8DDB}" type="datetimeFigureOut">
               <a:rPr lang="en-US" smtClean="0"/>
-              <a:t>8/30/2019</a:t>
+              <a:t>9/2/19</a:t>
             </a:fld>
             <a:endParaRPr lang="en-US"/>
           </a:p>
@@ -2679,7 +2679,7 @@
           <a:p>
             <a:fld id="{DE176E02-7D44-4713-8078-8E0963CF8DDB}" type="datetimeFigureOut">
               <a:rPr lang="en-US" smtClean="0"/>
-              <a:t>8/30/2019</a:t>
+              <a:t>9/2/19</a:t>
             </a:fld>
             <a:endParaRPr lang="en-US"/>
           </a:p>
@@ -2920,7 +2920,7 @@
           <a:p>
             <a:fld id="{DE176E02-7D44-4713-8078-8E0963CF8DDB}" type="datetimeFigureOut">
               <a:rPr lang="en-US" smtClean="0"/>
-              <a:t>8/30/2019</a:t>
+              <a:t>9/2/19</a:t>
             </a:fld>
             <a:endParaRPr lang="en-US"/>
           </a:p>
@@ -4278,8 +4278,13 @@
             <a:pPr lvl="1"/>
             <a:r>
               <a:rPr lang="en-US" dirty="0"/>
-              <a:t>Efficient for finding key by value</a:t>
-            </a:r>
+              <a:t>Efficient for </a:t>
+            </a:r>
+            <a:r>
+              <a:rPr lang="en-US"/>
+              <a:t>finding value by key</a:t>
+            </a:r>
+            <a:endParaRPr lang="en-US" dirty="0"/>
           </a:p>
           <a:p>
             <a:pPr lvl="1"/>

--- a/notes.pptx
+++ b/notes.pptx
@@ -17,6 +17,16 @@
     <p:sldId id="265" r:id="rId11"/>
     <p:sldId id="266" r:id="rId12"/>
     <p:sldId id="267" r:id="rId13"/>
+    <p:sldId id="270" r:id="rId14"/>
+    <p:sldId id="269" r:id="rId15"/>
+    <p:sldId id="271" r:id="rId16"/>
+    <p:sldId id="272" r:id="rId17"/>
+    <p:sldId id="273" r:id="rId18"/>
+    <p:sldId id="274" r:id="rId19"/>
+    <p:sldId id="275" r:id="rId20"/>
+    <p:sldId id="276" r:id="rId21"/>
+    <p:sldId id="277" r:id="rId22"/>
+    <p:sldId id="278" r:id="rId23"/>
   </p:sldIdLst>
   <p:sldSz cx="12192000" cy="6858000"/>
   <p:notesSz cx="6858000" cy="9144000"/>
@@ -270,7 +280,7 @@
           <a:p>
             <a:fld id="{DE176E02-7D44-4713-8078-8E0963CF8DDB}" type="datetimeFigureOut">
               <a:rPr lang="en-US" smtClean="0"/>
-              <a:t>9/2/19</a:t>
+              <a:t>9/3/2019</a:t>
             </a:fld>
             <a:endParaRPr lang="en-US"/>
           </a:p>
@@ -468,7 +478,7 @@
           <a:p>
             <a:fld id="{DE176E02-7D44-4713-8078-8E0963CF8DDB}" type="datetimeFigureOut">
               <a:rPr lang="en-US" smtClean="0"/>
-              <a:t>9/2/19</a:t>
+              <a:t>9/3/2019</a:t>
             </a:fld>
             <a:endParaRPr lang="en-US"/>
           </a:p>
@@ -676,7 +686,7 @@
           <a:p>
             <a:fld id="{DE176E02-7D44-4713-8078-8E0963CF8DDB}" type="datetimeFigureOut">
               <a:rPr lang="en-US" smtClean="0"/>
-              <a:t>9/2/19</a:t>
+              <a:t>9/3/2019</a:t>
             </a:fld>
             <a:endParaRPr lang="en-US"/>
           </a:p>
@@ -874,7 +884,7 @@
           <a:p>
             <a:fld id="{DE176E02-7D44-4713-8078-8E0963CF8DDB}" type="datetimeFigureOut">
               <a:rPr lang="en-US" smtClean="0"/>
-              <a:t>9/2/19</a:t>
+              <a:t>9/3/2019</a:t>
             </a:fld>
             <a:endParaRPr lang="en-US"/>
           </a:p>
@@ -1149,7 +1159,7 @@
           <a:p>
             <a:fld id="{DE176E02-7D44-4713-8078-8E0963CF8DDB}" type="datetimeFigureOut">
               <a:rPr lang="en-US" smtClean="0"/>
-              <a:t>9/2/19</a:t>
+              <a:t>9/3/2019</a:t>
             </a:fld>
             <a:endParaRPr lang="en-US"/>
           </a:p>
@@ -1414,7 +1424,7 @@
           <a:p>
             <a:fld id="{DE176E02-7D44-4713-8078-8E0963CF8DDB}" type="datetimeFigureOut">
               <a:rPr lang="en-US" smtClean="0"/>
-              <a:t>9/2/19</a:t>
+              <a:t>9/3/2019</a:t>
             </a:fld>
             <a:endParaRPr lang="en-US"/>
           </a:p>
@@ -1826,7 +1836,7 @@
           <a:p>
             <a:fld id="{DE176E02-7D44-4713-8078-8E0963CF8DDB}" type="datetimeFigureOut">
               <a:rPr lang="en-US" smtClean="0"/>
-              <a:t>9/2/19</a:t>
+              <a:t>9/3/2019</a:t>
             </a:fld>
             <a:endParaRPr lang="en-US"/>
           </a:p>
@@ -1967,7 +1977,7 @@
           <a:p>
             <a:fld id="{DE176E02-7D44-4713-8078-8E0963CF8DDB}" type="datetimeFigureOut">
               <a:rPr lang="en-US" smtClean="0"/>
-              <a:t>9/2/19</a:t>
+              <a:t>9/3/2019</a:t>
             </a:fld>
             <a:endParaRPr lang="en-US"/>
           </a:p>
@@ -2080,7 +2090,7 @@
           <a:p>
             <a:fld id="{DE176E02-7D44-4713-8078-8E0963CF8DDB}" type="datetimeFigureOut">
               <a:rPr lang="en-US" smtClean="0"/>
-              <a:t>9/2/19</a:t>
+              <a:t>9/3/2019</a:t>
             </a:fld>
             <a:endParaRPr lang="en-US"/>
           </a:p>
@@ -2391,7 +2401,7 @@
           <a:p>
             <a:fld id="{DE176E02-7D44-4713-8078-8E0963CF8DDB}" type="datetimeFigureOut">
               <a:rPr lang="en-US" smtClean="0"/>
-              <a:t>9/2/19</a:t>
+              <a:t>9/3/2019</a:t>
             </a:fld>
             <a:endParaRPr lang="en-US"/>
           </a:p>
@@ -2679,7 +2689,7 @@
           <a:p>
             <a:fld id="{DE176E02-7D44-4713-8078-8E0963CF8DDB}" type="datetimeFigureOut">
               <a:rPr lang="en-US" smtClean="0"/>
-              <a:t>9/2/19</a:t>
+              <a:t>9/3/2019</a:t>
             </a:fld>
             <a:endParaRPr lang="en-US"/>
           </a:p>
@@ -2920,7 +2930,7 @@
           <a:p>
             <a:fld id="{DE176E02-7D44-4713-8078-8E0963CF8DDB}" type="datetimeFigureOut">
               <a:rPr lang="en-US" smtClean="0"/>
-              <a:t>9/2/19</a:t>
+              <a:t>9/3/2019</a:t>
             </a:fld>
             <a:endParaRPr lang="en-US"/>
           </a:p>
@@ -3867,6 +3877,803 @@
 </p:sld>
 </file>
 
+<file path=ppt/slides/slide13.xml><?xml version="1.0" encoding="utf-8"?>
+<p:sld xmlns:a="http://schemas.openxmlformats.org/drawingml/2006/main" xmlns:r="http://schemas.openxmlformats.org/officeDocument/2006/relationships" xmlns:p="http://schemas.openxmlformats.org/presentationml/2006/main">
+  <p:cSld>
+    <p:spTree>
+      <p:nvGrpSpPr>
+        <p:cNvPr id="1" name=""/>
+        <p:cNvGrpSpPr/>
+        <p:nvPr/>
+      </p:nvGrpSpPr>
+      <p:grpSpPr>
+        <a:xfrm>
+          <a:off x="0" y="0"/>
+          <a:ext cx="0" cy="0"/>
+          <a:chOff x="0" y="0"/>
+          <a:chExt cx="0" cy="0"/>
+        </a:xfrm>
+      </p:grpSpPr>
+      <p:sp>
+        <p:nvSpPr>
+          <p:cNvPr id="2" name="Title 1">
+            <a:extLst>
+              <a:ext uri="{FF2B5EF4-FFF2-40B4-BE49-F238E27FC236}">
+                <a16:creationId xmlns:a16="http://schemas.microsoft.com/office/drawing/2014/main" id="{D88262F6-2AC3-4DD1-8882-CE82FC1EE2F2}"/>
+              </a:ext>
+            </a:extLst>
+          </p:cNvPr>
+          <p:cNvSpPr>
+            <a:spLocks noGrp="1"/>
+          </p:cNvSpPr>
+          <p:nvPr>
+            <p:ph type="title"/>
+          </p:nvPr>
+        </p:nvSpPr>
+        <p:spPr/>
+        <p:txBody>
+          <a:bodyPr/>
+          <a:lstStyle/>
+          <a:p>
+            <a:endParaRPr lang="en-US"/>
+          </a:p>
+        </p:txBody>
+      </p:sp>
+      <p:sp>
+        <p:nvSpPr>
+          <p:cNvPr id="3" name="Content Placeholder 2">
+            <a:extLst>
+              <a:ext uri="{FF2B5EF4-FFF2-40B4-BE49-F238E27FC236}">
+                <a16:creationId xmlns:a16="http://schemas.microsoft.com/office/drawing/2014/main" id="{7CE20302-4CBE-4CD2-B95F-EFD6C4B08CFA}"/>
+              </a:ext>
+            </a:extLst>
+          </p:cNvPr>
+          <p:cNvSpPr>
+            <a:spLocks noGrp="1"/>
+          </p:cNvSpPr>
+          <p:nvPr>
+            <p:ph idx="1"/>
+          </p:nvPr>
+        </p:nvSpPr>
+        <p:spPr/>
+        <p:txBody>
+          <a:bodyPr/>
+          <a:lstStyle/>
+          <a:p>
+            <a:r>
+              <a:rPr lang="en-US" dirty="0"/>
+              <a:t>Function- a mathematical function</a:t>
+            </a:r>
+          </a:p>
+          <a:p>
+            <a:pPr lvl="1"/>
+            <a:r>
+              <a:rPr lang="en-US" dirty="0"/>
+              <a:t>Positive inputs, positive output, increasing</a:t>
+            </a:r>
+          </a:p>
+          <a:p>
+            <a:endParaRPr lang="en-US" dirty="0"/>
+          </a:p>
+          <a:p>
+            <a:endParaRPr lang="en-US" dirty="0"/>
+          </a:p>
+          <a:p>
+            <a:endParaRPr lang="en-US" dirty="0"/>
+          </a:p>
+          <a:p>
+            <a:pPr marL="0" indent="0">
+              <a:buNone/>
+            </a:pPr>
+            <a:endParaRPr lang="en-US" dirty="0"/>
+          </a:p>
+        </p:txBody>
+      </p:sp>
+    </p:spTree>
+    <p:extLst>
+      <p:ext uri="{BB962C8B-B14F-4D97-AF65-F5344CB8AC3E}">
+        <p14:creationId xmlns:p14="http://schemas.microsoft.com/office/powerpoint/2010/main" val="167172012"/>
+      </p:ext>
+    </p:extLst>
+  </p:cSld>
+  <p:clrMapOvr>
+    <a:masterClrMapping/>
+  </p:clrMapOvr>
+</p:sld>
+</file>
+
+<file path=ppt/slides/slide14.xml><?xml version="1.0" encoding="utf-8"?>
+<p:sld xmlns:a="http://schemas.openxmlformats.org/drawingml/2006/main" xmlns:r="http://schemas.openxmlformats.org/officeDocument/2006/relationships" xmlns:p="http://schemas.openxmlformats.org/presentationml/2006/main">
+  <p:cSld>
+    <p:spTree>
+      <p:nvGrpSpPr>
+        <p:cNvPr id="1" name=""/>
+        <p:cNvGrpSpPr/>
+        <p:nvPr/>
+      </p:nvGrpSpPr>
+      <p:grpSpPr>
+        <a:xfrm>
+          <a:off x="0" y="0"/>
+          <a:ext cx="0" cy="0"/>
+          <a:chOff x="0" y="0"/>
+          <a:chExt cx="0" cy="0"/>
+        </a:xfrm>
+      </p:grpSpPr>
+      <p:sp>
+        <p:nvSpPr>
+          <p:cNvPr id="2" name="Title 1">
+            <a:extLst>
+              <a:ext uri="{FF2B5EF4-FFF2-40B4-BE49-F238E27FC236}">
+                <a16:creationId xmlns:a16="http://schemas.microsoft.com/office/drawing/2014/main" id="{4B35A7FF-DF39-4420-A431-5C9BDAA11D11}"/>
+              </a:ext>
+            </a:extLst>
+          </p:cNvPr>
+          <p:cNvSpPr>
+            <a:spLocks noGrp="1"/>
+          </p:cNvSpPr>
+          <p:nvPr>
+            <p:ph type="title"/>
+          </p:nvPr>
+        </p:nvSpPr>
+        <p:spPr/>
+        <p:txBody>
+          <a:bodyPr/>
+          <a:lstStyle/>
+          <a:p>
+            <a:r>
+              <a:rPr lang="en-US" dirty="0"/>
+              <a:t>Recursion</a:t>
+            </a:r>
+          </a:p>
+        </p:txBody>
+      </p:sp>
+      <p:sp>
+        <p:nvSpPr>
+          <p:cNvPr id="3" name="Content Placeholder 2">
+            <a:extLst>
+              <a:ext uri="{FF2B5EF4-FFF2-40B4-BE49-F238E27FC236}">
+                <a16:creationId xmlns:a16="http://schemas.microsoft.com/office/drawing/2014/main" id="{B3181758-222B-4A21-87BF-700926FD1DC4}"/>
+              </a:ext>
+            </a:extLst>
+          </p:cNvPr>
+          <p:cNvSpPr>
+            <a:spLocks noGrp="1"/>
+          </p:cNvSpPr>
+          <p:nvPr>
+            <p:ph idx="1"/>
+          </p:nvPr>
+        </p:nvSpPr>
+        <p:spPr/>
+        <p:txBody>
+          <a:bodyPr/>
+          <a:lstStyle/>
+          <a:p>
+            <a:r>
+              <a:rPr lang="en-US" dirty="0"/>
+              <a:t>1 or more base cases</a:t>
+            </a:r>
+          </a:p>
+          <a:p>
+            <a:r>
+              <a:rPr lang="en-US" dirty="0"/>
+              <a:t>1 or more recursive calls</a:t>
+            </a:r>
+          </a:p>
+        </p:txBody>
+      </p:sp>
+    </p:spTree>
+    <p:extLst>
+      <p:ext uri="{BB962C8B-B14F-4D97-AF65-F5344CB8AC3E}">
+        <p14:creationId xmlns:p14="http://schemas.microsoft.com/office/powerpoint/2010/main" val="1439495836"/>
+      </p:ext>
+    </p:extLst>
+  </p:cSld>
+  <p:clrMapOvr>
+    <a:masterClrMapping/>
+  </p:clrMapOvr>
+</p:sld>
+</file>
+
+<file path=ppt/slides/slide15.xml><?xml version="1.0" encoding="utf-8"?>
+<p:sld xmlns:a="http://schemas.openxmlformats.org/drawingml/2006/main" xmlns:r="http://schemas.openxmlformats.org/officeDocument/2006/relationships" xmlns:p="http://schemas.openxmlformats.org/presentationml/2006/main">
+  <p:cSld>
+    <p:spTree>
+      <p:nvGrpSpPr>
+        <p:cNvPr id="1" name=""/>
+        <p:cNvGrpSpPr/>
+        <p:nvPr/>
+      </p:nvGrpSpPr>
+      <p:grpSpPr>
+        <a:xfrm>
+          <a:off x="0" y="0"/>
+          <a:ext cx="0" cy="0"/>
+          <a:chOff x="0" y="0"/>
+          <a:chExt cx="0" cy="0"/>
+        </a:xfrm>
+      </p:grpSpPr>
+      <p:sp>
+        <p:nvSpPr>
+          <p:cNvPr id="2" name="Title 1">
+            <a:extLst>
+              <a:ext uri="{FF2B5EF4-FFF2-40B4-BE49-F238E27FC236}">
+                <a16:creationId xmlns:a16="http://schemas.microsoft.com/office/drawing/2014/main" id="{A1AF49BA-BF02-4494-B95D-7C5DE90AF10B}"/>
+              </a:ext>
+            </a:extLst>
+          </p:cNvPr>
+          <p:cNvSpPr>
+            <a:spLocks noGrp="1"/>
+          </p:cNvSpPr>
+          <p:nvPr>
+            <p:ph type="title"/>
+          </p:nvPr>
+        </p:nvSpPr>
+        <p:spPr/>
+        <p:txBody>
+          <a:bodyPr/>
+          <a:lstStyle/>
+          <a:p>
+            <a:r>
+              <a:rPr lang="en-US" dirty="0" err="1"/>
+              <a:t>CountX</a:t>
+            </a:r>
+            <a:endParaRPr lang="en-US" dirty="0"/>
+          </a:p>
+        </p:txBody>
+      </p:sp>
+      <p:sp>
+        <p:nvSpPr>
+          <p:cNvPr id="3" name="Content Placeholder 2">
+            <a:extLst>
+              <a:ext uri="{FF2B5EF4-FFF2-40B4-BE49-F238E27FC236}">
+                <a16:creationId xmlns:a16="http://schemas.microsoft.com/office/drawing/2014/main" id="{2476E292-B848-450E-B23C-E4FF34288291}"/>
+              </a:ext>
+            </a:extLst>
+          </p:cNvPr>
+          <p:cNvSpPr>
+            <a:spLocks noGrp="1"/>
+          </p:cNvSpPr>
+          <p:nvPr>
+            <p:ph idx="1"/>
+          </p:nvPr>
+        </p:nvSpPr>
+        <p:spPr/>
+        <p:txBody>
+          <a:bodyPr/>
+          <a:lstStyle/>
+          <a:p>
+            <a:pPr marL="0" indent="0">
+              <a:buNone/>
+            </a:pPr>
+            <a:r>
+              <a:rPr lang="en-US" dirty="0" err="1"/>
+              <a:t>countX</a:t>
+            </a:r>
+            <a:r>
+              <a:rPr lang="en-US" dirty="0"/>
+              <a:t>(s) =	Base Case(s):0 	if s is empty</a:t>
+            </a:r>
+          </a:p>
+          <a:p>
+            <a:pPr marL="0" indent="0">
+              <a:buNone/>
+            </a:pPr>
+            <a:r>
+              <a:rPr lang="en-US" dirty="0"/>
+              <a:t>	</a:t>
+            </a:r>
+            <a:r>
+              <a:rPr lang="en-US" dirty="0" err="1"/>
+              <a:t>Reccursive</a:t>
+            </a:r>
+            <a:r>
+              <a:rPr lang="en-US" dirty="0"/>
+              <a:t> Cases(s): 1 + </a:t>
+            </a:r>
+            <a:r>
+              <a:rPr lang="en-US" dirty="0" err="1"/>
+              <a:t>countX</a:t>
+            </a:r>
+            <a:r>
+              <a:rPr lang="en-US" dirty="0"/>
+              <a:t>(s - 1st char) 	if first char is ‘x’</a:t>
+            </a:r>
+          </a:p>
+          <a:p>
+            <a:pPr marL="0" indent="0">
+              <a:buNone/>
+            </a:pPr>
+            <a:r>
+              <a:rPr lang="en-US" dirty="0"/>
+              <a:t>				    </a:t>
+            </a:r>
+            <a:r>
+              <a:rPr lang="en-US" dirty="0" err="1"/>
+              <a:t>countX</a:t>
+            </a:r>
+            <a:r>
+              <a:rPr lang="en-US" dirty="0"/>
+              <a:t>(s - 1st char) if first char is not ‘x’ </a:t>
+            </a:r>
+          </a:p>
+          <a:p>
+            <a:endParaRPr lang="en-US" dirty="0"/>
+          </a:p>
+          <a:p>
+            <a:endParaRPr lang="en-US" dirty="0"/>
+          </a:p>
+          <a:p>
+            <a:endParaRPr lang="en-US" dirty="0"/>
+          </a:p>
+          <a:p>
+            <a:r>
+              <a:rPr lang="en-US" dirty="0"/>
+              <a:t>Theater time</a:t>
+            </a:r>
+          </a:p>
+          <a:p>
+            <a:r>
+              <a:rPr lang="en-US" dirty="0"/>
+              <a:t>Code time</a:t>
+            </a:r>
+          </a:p>
+        </p:txBody>
+      </p:sp>
+    </p:spTree>
+    <p:extLst>
+      <p:ext uri="{BB962C8B-B14F-4D97-AF65-F5344CB8AC3E}">
+        <p14:creationId xmlns:p14="http://schemas.microsoft.com/office/powerpoint/2010/main" val="45859203"/>
+      </p:ext>
+    </p:extLst>
+  </p:cSld>
+  <p:clrMapOvr>
+    <a:masterClrMapping/>
+  </p:clrMapOvr>
+</p:sld>
+</file>
+
+<file path=ppt/slides/slide16.xml><?xml version="1.0" encoding="utf-8"?>
+<p:sld xmlns:a="http://schemas.openxmlformats.org/drawingml/2006/main" xmlns:r="http://schemas.openxmlformats.org/officeDocument/2006/relationships" xmlns:p="http://schemas.openxmlformats.org/presentationml/2006/main">
+  <p:cSld>
+    <p:spTree>
+      <p:nvGrpSpPr>
+        <p:cNvPr id="1" name=""/>
+        <p:cNvGrpSpPr/>
+        <p:nvPr/>
+      </p:nvGrpSpPr>
+      <p:grpSpPr>
+        <a:xfrm>
+          <a:off x="0" y="0"/>
+          <a:ext cx="0" cy="0"/>
+          <a:chOff x="0" y="0"/>
+          <a:chExt cx="0" cy="0"/>
+        </a:xfrm>
+      </p:grpSpPr>
+      <p:sp>
+        <p:nvSpPr>
+          <p:cNvPr id="2" name="Title 1">
+            <a:extLst>
+              <a:ext uri="{FF2B5EF4-FFF2-40B4-BE49-F238E27FC236}">
+                <a16:creationId xmlns:a16="http://schemas.microsoft.com/office/drawing/2014/main" id="{7ADB2A6B-7CBD-431A-BBEA-49353E7575F7}"/>
+              </a:ext>
+            </a:extLst>
+          </p:cNvPr>
+          <p:cNvSpPr>
+            <a:spLocks noGrp="1"/>
+          </p:cNvSpPr>
+          <p:nvPr>
+            <p:ph type="title"/>
+          </p:nvPr>
+        </p:nvSpPr>
+        <p:spPr/>
+        <p:txBody>
+          <a:bodyPr/>
+          <a:lstStyle/>
+          <a:p>
+            <a:r>
+              <a:rPr lang="en-US" dirty="0"/>
+              <a:t>Important recursive algorithms</a:t>
+            </a:r>
+          </a:p>
+        </p:txBody>
+      </p:sp>
+      <p:sp>
+        <p:nvSpPr>
+          <p:cNvPr id="3" name="Content Placeholder 2">
+            <a:extLst>
+              <a:ext uri="{FF2B5EF4-FFF2-40B4-BE49-F238E27FC236}">
+                <a16:creationId xmlns:a16="http://schemas.microsoft.com/office/drawing/2014/main" id="{1CDEA2DF-A2F3-4477-B2E4-368488D80AC8}"/>
+              </a:ext>
+            </a:extLst>
+          </p:cNvPr>
+          <p:cNvSpPr>
+            <a:spLocks noGrp="1"/>
+          </p:cNvSpPr>
+          <p:nvPr>
+            <p:ph idx="1"/>
+          </p:nvPr>
+        </p:nvSpPr>
+        <p:spPr/>
+        <p:txBody>
+          <a:bodyPr/>
+          <a:lstStyle/>
+          <a:p>
+            <a:r>
+              <a:rPr lang="en-US" dirty="0"/>
+              <a:t>Generate permutations</a:t>
+            </a:r>
+          </a:p>
+          <a:p>
+            <a:r>
+              <a:rPr lang="en-US" dirty="0"/>
+              <a:t>Generate subsets</a:t>
+            </a:r>
+          </a:p>
+          <a:p>
+            <a:r>
+              <a:rPr lang="en-US" dirty="0"/>
+              <a:t>Generate combinations</a:t>
+            </a:r>
+          </a:p>
+          <a:p>
+            <a:endParaRPr lang="en-US" dirty="0"/>
+          </a:p>
+          <a:p>
+            <a:endParaRPr lang="en-US" dirty="0"/>
+          </a:p>
+        </p:txBody>
+      </p:sp>
+    </p:spTree>
+    <p:extLst>
+      <p:ext uri="{BB962C8B-B14F-4D97-AF65-F5344CB8AC3E}">
+        <p14:creationId xmlns:p14="http://schemas.microsoft.com/office/powerpoint/2010/main" val="3158292533"/>
+      </p:ext>
+    </p:extLst>
+  </p:cSld>
+  <p:clrMapOvr>
+    <a:masterClrMapping/>
+  </p:clrMapOvr>
+</p:sld>
+</file>
+
+<file path=ppt/slides/slide17.xml><?xml version="1.0" encoding="utf-8"?>
+<p:sld xmlns:a="http://schemas.openxmlformats.org/drawingml/2006/main" xmlns:r="http://schemas.openxmlformats.org/officeDocument/2006/relationships" xmlns:p="http://schemas.openxmlformats.org/presentationml/2006/main">
+  <p:cSld>
+    <p:spTree>
+      <p:nvGrpSpPr>
+        <p:cNvPr id="1" name=""/>
+        <p:cNvGrpSpPr/>
+        <p:nvPr/>
+      </p:nvGrpSpPr>
+      <p:grpSpPr>
+        <a:xfrm>
+          <a:off x="0" y="0"/>
+          <a:ext cx="0" cy="0"/>
+          <a:chOff x="0" y="0"/>
+          <a:chExt cx="0" cy="0"/>
+        </a:xfrm>
+      </p:grpSpPr>
+      <p:sp>
+        <p:nvSpPr>
+          <p:cNvPr id="2" name="Title 1">
+            <a:extLst>
+              <a:ext uri="{FF2B5EF4-FFF2-40B4-BE49-F238E27FC236}">
+                <a16:creationId xmlns:a16="http://schemas.microsoft.com/office/drawing/2014/main" id="{68C67571-74E9-4907-AF31-2AA9FFA8A586}"/>
+              </a:ext>
+            </a:extLst>
+          </p:cNvPr>
+          <p:cNvSpPr>
+            <a:spLocks noGrp="1"/>
+          </p:cNvSpPr>
+          <p:nvPr>
+            <p:ph type="title"/>
+          </p:nvPr>
+        </p:nvSpPr>
+        <p:spPr/>
+        <p:txBody>
+          <a:bodyPr/>
+          <a:lstStyle/>
+          <a:p>
+            <a:r>
+              <a:rPr lang="en-US" dirty="0"/>
+              <a:t>Permutations</a:t>
+            </a:r>
+          </a:p>
+        </p:txBody>
+      </p:sp>
+      <p:sp>
+        <p:nvSpPr>
+          <p:cNvPr id="3" name="Content Placeholder 2">
+            <a:extLst>
+              <a:ext uri="{FF2B5EF4-FFF2-40B4-BE49-F238E27FC236}">
+                <a16:creationId xmlns:a16="http://schemas.microsoft.com/office/drawing/2014/main" id="{84F37005-7360-486B-97D3-B40B3EB9D02A}"/>
+              </a:ext>
+            </a:extLst>
+          </p:cNvPr>
+          <p:cNvSpPr>
+            <a:spLocks noGrp="1"/>
+          </p:cNvSpPr>
+          <p:nvPr>
+            <p:ph idx="1"/>
+          </p:nvPr>
+        </p:nvSpPr>
+        <p:spPr/>
+        <p:txBody>
+          <a:bodyPr/>
+          <a:lstStyle/>
+          <a:p>
+            <a:pPr marL="0" indent="0">
+              <a:buNone/>
+            </a:pPr>
+            <a:r>
+              <a:rPr lang="en-US" dirty="0"/>
+              <a:t>Base Case(s): {””} if s is empty</a:t>
+            </a:r>
+          </a:p>
+          <a:p>
+            <a:pPr marL="0" indent="0">
+              <a:buNone/>
+            </a:pPr>
+            <a:r>
+              <a:rPr lang="en-US" dirty="0"/>
+              <a:t>Recursive Case(s):	for each char c in s</a:t>
+            </a:r>
+          </a:p>
+          <a:p>
+            <a:pPr marL="0" indent="0">
+              <a:buNone/>
+            </a:pPr>
+            <a:r>
+              <a:rPr lang="en-US" dirty="0"/>
+              <a:t>			     Add c prepended to permute(s-c)</a:t>
+            </a:r>
+          </a:p>
+          <a:p>
+            <a:endParaRPr lang="en-US" dirty="0"/>
+          </a:p>
+          <a:p>
+            <a:endParaRPr lang="en-US" dirty="0"/>
+          </a:p>
+        </p:txBody>
+      </p:sp>
+    </p:spTree>
+    <p:extLst>
+      <p:ext uri="{BB962C8B-B14F-4D97-AF65-F5344CB8AC3E}">
+        <p14:creationId xmlns:p14="http://schemas.microsoft.com/office/powerpoint/2010/main" val="2079353975"/>
+      </p:ext>
+    </p:extLst>
+  </p:cSld>
+  <p:clrMapOvr>
+    <a:masterClrMapping/>
+  </p:clrMapOvr>
+</p:sld>
+</file>
+
+<file path=ppt/slides/slide18.xml><?xml version="1.0" encoding="utf-8"?>
+<p:sld xmlns:a="http://schemas.openxmlformats.org/drawingml/2006/main" xmlns:r="http://schemas.openxmlformats.org/officeDocument/2006/relationships" xmlns:p="http://schemas.openxmlformats.org/presentationml/2006/main">
+  <p:cSld>
+    <p:spTree>
+      <p:nvGrpSpPr>
+        <p:cNvPr id="1" name=""/>
+        <p:cNvGrpSpPr/>
+        <p:nvPr/>
+      </p:nvGrpSpPr>
+      <p:grpSpPr>
+        <a:xfrm>
+          <a:off x="0" y="0"/>
+          <a:ext cx="0" cy="0"/>
+          <a:chOff x="0" y="0"/>
+          <a:chExt cx="0" cy="0"/>
+        </a:xfrm>
+      </p:grpSpPr>
+      <p:sp>
+        <p:nvSpPr>
+          <p:cNvPr id="2" name="Title 1">
+            <a:extLst>
+              <a:ext uri="{FF2B5EF4-FFF2-40B4-BE49-F238E27FC236}">
+                <a16:creationId xmlns:a16="http://schemas.microsoft.com/office/drawing/2014/main" id="{1BA994E3-20B0-49CF-84E5-575410F11713}"/>
+              </a:ext>
+            </a:extLst>
+          </p:cNvPr>
+          <p:cNvSpPr>
+            <a:spLocks noGrp="1"/>
+          </p:cNvSpPr>
+          <p:nvPr>
+            <p:ph type="title"/>
+          </p:nvPr>
+        </p:nvSpPr>
+        <p:spPr/>
+        <p:txBody>
+          <a:bodyPr/>
+          <a:lstStyle/>
+          <a:p>
+            <a:r>
+              <a:rPr lang="en-US" dirty="0" err="1"/>
+              <a:t>Identicons</a:t>
+            </a:r>
+            <a:endParaRPr lang="en-US" dirty="0"/>
+          </a:p>
+        </p:txBody>
+      </p:sp>
+      <p:sp>
+        <p:nvSpPr>
+          <p:cNvPr id="3" name="Content Placeholder 2">
+            <a:extLst>
+              <a:ext uri="{FF2B5EF4-FFF2-40B4-BE49-F238E27FC236}">
+                <a16:creationId xmlns:a16="http://schemas.microsoft.com/office/drawing/2014/main" id="{81437E11-398A-42AB-8ED7-4F85F8FDEFF2}"/>
+              </a:ext>
+            </a:extLst>
+          </p:cNvPr>
+          <p:cNvSpPr>
+            <a:spLocks noGrp="1"/>
+          </p:cNvSpPr>
+          <p:nvPr>
+            <p:ph idx="1"/>
+          </p:nvPr>
+        </p:nvSpPr>
+        <p:spPr/>
+        <p:txBody>
+          <a:bodyPr/>
+          <a:lstStyle/>
+          <a:p>
+            <a:endParaRPr lang="en-US"/>
+          </a:p>
+        </p:txBody>
+      </p:sp>
+    </p:spTree>
+    <p:extLst>
+      <p:ext uri="{BB962C8B-B14F-4D97-AF65-F5344CB8AC3E}">
+        <p14:creationId xmlns:p14="http://schemas.microsoft.com/office/powerpoint/2010/main" val="1484689044"/>
+      </p:ext>
+    </p:extLst>
+  </p:cSld>
+  <p:clrMapOvr>
+    <a:masterClrMapping/>
+  </p:clrMapOvr>
+</p:sld>
+</file>
+
+<file path=ppt/slides/slide19.xml><?xml version="1.0" encoding="utf-8"?>
+<p:sld xmlns:a="http://schemas.openxmlformats.org/drawingml/2006/main" xmlns:r="http://schemas.openxmlformats.org/officeDocument/2006/relationships" xmlns:p="http://schemas.openxmlformats.org/presentationml/2006/main">
+  <p:cSld>
+    <p:spTree>
+      <p:nvGrpSpPr>
+        <p:cNvPr id="1" name=""/>
+        <p:cNvGrpSpPr/>
+        <p:nvPr/>
+      </p:nvGrpSpPr>
+      <p:grpSpPr>
+        <a:xfrm>
+          <a:off x="0" y="0"/>
+          <a:ext cx="0" cy="0"/>
+          <a:chOff x="0" y="0"/>
+          <a:chExt cx="0" cy="0"/>
+        </a:xfrm>
+      </p:grpSpPr>
+      <p:sp>
+        <p:nvSpPr>
+          <p:cNvPr id="2" name="Title 1">
+            <a:extLst>
+              <a:ext uri="{FF2B5EF4-FFF2-40B4-BE49-F238E27FC236}">
+                <a16:creationId xmlns:a16="http://schemas.microsoft.com/office/drawing/2014/main" id="{4C0F0E57-E070-45EF-B1F8-6DB332229DA1}"/>
+              </a:ext>
+            </a:extLst>
+          </p:cNvPr>
+          <p:cNvSpPr>
+            <a:spLocks noGrp="1"/>
+          </p:cNvSpPr>
+          <p:nvPr>
+            <p:ph type="title"/>
+          </p:nvPr>
+        </p:nvSpPr>
+        <p:spPr/>
+        <p:txBody>
+          <a:bodyPr/>
+          <a:lstStyle/>
+          <a:p>
+            <a:r>
+              <a:rPr lang="en-US" dirty="0"/>
+              <a:t>Subsets</a:t>
+            </a:r>
+          </a:p>
+        </p:txBody>
+      </p:sp>
+      <p:sp>
+        <p:nvSpPr>
+          <p:cNvPr id="3" name="Content Placeholder 2">
+            <a:extLst>
+              <a:ext uri="{FF2B5EF4-FFF2-40B4-BE49-F238E27FC236}">
+                <a16:creationId xmlns:a16="http://schemas.microsoft.com/office/drawing/2014/main" id="{219EDF09-02C8-40BB-9A61-85E28D12D1CE}"/>
+              </a:ext>
+            </a:extLst>
+          </p:cNvPr>
+          <p:cNvSpPr>
+            <a:spLocks noGrp="1"/>
+          </p:cNvSpPr>
+          <p:nvPr>
+            <p:ph idx="1"/>
+          </p:nvPr>
+        </p:nvSpPr>
+        <p:spPr/>
+        <p:txBody>
+          <a:bodyPr>
+            <a:normAutofit/>
+          </a:bodyPr>
+          <a:lstStyle/>
+          <a:p>
+            <a:pPr marL="0" indent="0">
+              <a:buNone/>
+            </a:pPr>
+            <a:r>
+              <a:rPr lang="en-US" dirty="0"/>
+              <a:t>Base Case(s): if rest is empty-&gt; {prefix}</a:t>
+            </a:r>
+          </a:p>
+          <a:p>
+            <a:pPr marL="0" indent="0">
+              <a:buNone/>
+            </a:pPr>
+            <a:r>
+              <a:rPr lang="en-US" dirty="0"/>
+              <a:t>Recursive Case(s):	Move first char of rest into prefix.</a:t>
+            </a:r>
+          </a:p>
+          <a:p>
+            <a:pPr marL="0" indent="0">
+              <a:buNone/>
+            </a:pPr>
+            <a:r>
+              <a:rPr lang="en-US" dirty="0"/>
+              <a:t>			Add all subsets of rest prefixed by prefix.</a:t>
+            </a:r>
+          </a:p>
+          <a:p>
+            <a:pPr marL="0" indent="0">
+              <a:buNone/>
+            </a:pPr>
+            <a:r>
+              <a:rPr lang="en-US" dirty="0"/>
+              <a:t>AND</a:t>
+            </a:r>
+          </a:p>
+          <a:p>
+            <a:pPr marL="0" indent="0">
+              <a:buNone/>
+            </a:pPr>
+            <a:r>
+              <a:rPr lang="en-US" dirty="0"/>
+              <a:t>			Remove first char of rest.</a:t>
+            </a:r>
+          </a:p>
+          <a:p>
+            <a:pPr marL="0" indent="0">
+              <a:buNone/>
+            </a:pPr>
+            <a:r>
+              <a:rPr lang="en-US" dirty="0"/>
+              <a:t>			Add a subsets of rest prefixed by prefix.</a:t>
+            </a:r>
+          </a:p>
+          <a:p>
+            <a:pPr marL="0" indent="0">
+              <a:buNone/>
+            </a:pPr>
+            <a:endParaRPr lang="en-US" dirty="0"/>
+          </a:p>
+        </p:txBody>
+      </p:sp>
+    </p:spTree>
+    <p:extLst>
+      <p:ext uri="{BB962C8B-B14F-4D97-AF65-F5344CB8AC3E}">
+        <p14:creationId xmlns:p14="http://schemas.microsoft.com/office/powerpoint/2010/main" val="4125527948"/>
+      </p:ext>
+    </p:extLst>
+  </p:cSld>
+  <p:clrMapOvr>
+    <a:masterClrMapping/>
+  </p:clrMapOvr>
+</p:sld>
+</file>
+
 <file path=ppt/slides/slide2.xml><?xml version="1.0" encoding="utf-8"?>
 <p:sld xmlns:a="http://schemas.openxmlformats.org/drawingml/2006/main" xmlns:r="http://schemas.openxmlformats.org/officeDocument/2006/relationships" xmlns:p="http://schemas.openxmlformats.org/presentationml/2006/main">
   <p:cSld>
@@ -3935,6 +4742,347 @@
     <p:extLst>
       <p:ext uri="{BB962C8B-B14F-4D97-AF65-F5344CB8AC3E}">
         <p14:creationId xmlns:p14="http://schemas.microsoft.com/office/powerpoint/2010/main" val="11825554"/>
+      </p:ext>
+    </p:extLst>
+  </p:cSld>
+  <p:clrMapOvr>
+    <a:masterClrMapping/>
+  </p:clrMapOvr>
+</p:sld>
+</file>
+
+<file path=ppt/slides/slide20.xml><?xml version="1.0" encoding="utf-8"?>
+<p:sld xmlns:a="http://schemas.openxmlformats.org/drawingml/2006/main" xmlns:r="http://schemas.openxmlformats.org/officeDocument/2006/relationships" xmlns:p="http://schemas.openxmlformats.org/presentationml/2006/main">
+  <p:cSld>
+    <p:spTree>
+      <p:nvGrpSpPr>
+        <p:cNvPr id="1" name=""/>
+        <p:cNvGrpSpPr/>
+        <p:nvPr/>
+      </p:nvGrpSpPr>
+      <p:grpSpPr>
+        <a:xfrm>
+          <a:off x="0" y="0"/>
+          <a:ext cx="0" cy="0"/>
+          <a:chOff x="0" y="0"/>
+          <a:chExt cx="0" cy="0"/>
+        </a:xfrm>
+      </p:grpSpPr>
+      <p:sp>
+        <p:nvSpPr>
+          <p:cNvPr id="2" name="Title 1">
+            <a:extLst>
+              <a:ext uri="{FF2B5EF4-FFF2-40B4-BE49-F238E27FC236}">
+                <a16:creationId xmlns:a16="http://schemas.microsoft.com/office/drawing/2014/main" id="{E9EBC2A2-5223-4E7B-A28A-9104170F91E8}"/>
+              </a:ext>
+            </a:extLst>
+          </p:cNvPr>
+          <p:cNvSpPr>
+            <a:spLocks noGrp="1"/>
+          </p:cNvSpPr>
+          <p:nvPr>
+            <p:ph type="title"/>
+          </p:nvPr>
+        </p:nvSpPr>
+        <p:spPr/>
+        <p:txBody>
+          <a:bodyPr/>
+          <a:lstStyle/>
+          <a:p>
+            <a:r>
+              <a:rPr lang="en-US" dirty="0"/>
+              <a:t>Combinations</a:t>
+            </a:r>
+          </a:p>
+        </p:txBody>
+      </p:sp>
+      <p:sp>
+        <p:nvSpPr>
+          <p:cNvPr id="3" name="Content Placeholder 2">
+            <a:extLst>
+              <a:ext uri="{FF2B5EF4-FFF2-40B4-BE49-F238E27FC236}">
+                <a16:creationId xmlns:a16="http://schemas.microsoft.com/office/drawing/2014/main" id="{3D99E6A9-E8D6-46AE-A893-034B09E91BFE}"/>
+              </a:ext>
+            </a:extLst>
+          </p:cNvPr>
+          <p:cNvSpPr>
+            <a:spLocks noGrp="1"/>
+          </p:cNvSpPr>
+          <p:nvPr>
+            <p:ph idx="1"/>
+          </p:nvPr>
+        </p:nvSpPr>
+        <p:spPr/>
+        <p:txBody>
+          <a:bodyPr/>
+          <a:lstStyle/>
+          <a:p>
+            <a:endParaRPr lang="en-US"/>
+          </a:p>
+        </p:txBody>
+      </p:sp>
+    </p:spTree>
+    <p:extLst>
+      <p:ext uri="{BB962C8B-B14F-4D97-AF65-F5344CB8AC3E}">
+        <p14:creationId xmlns:p14="http://schemas.microsoft.com/office/powerpoint/2010/main" val="41245227"/>
+      </p:ext>
+    </p:extLst>
+  </p:cSld>
+  <p:clrMapOvr>
+    <a:masterClrMapping/>
+  </p:clrMapOvr>
+</p:sld>
+</file>
+
+<file path=ppt/slides/slide21.xml><?xml version="1.0" encoding="utf-8"?>
+<p:sld xmlns:a="http://schemas.openxmlformats.org/drawingml/2006/main" xmlns:r="http://schemas.openxmlformats.org/officeDocument/2006/relationships" xmlns:p="http://schemas.openxmlformats.org/presentationml/2006/main">
+  <p:cSld>
+    <p:spTree>
+      <p:nvGrpSpPr>
+        <p:cNvPr id="1" name=""/>
+        <p:cNvGrpSpPr/>
+        <p:nvPr/>
+      </p:nvGrpSpPr>
+      <p:grpSpPr>
+        <a:xfrm>
+          <a:off x="0" y="0"/>
+          <a:ext cx="0" cy="0"/>
+          <a:chOff x="0" y="0"/>
+          <a:chExt cx="0" cy="0"/>
+        </a:xfrm>
+      </p:grpSpPr>
+      <p:sp>
+        <p:nvSpPr>
+          <p:cNvPr id="2" name="Title 1">
+            <a:extLst>
+              <a:ext uri="{FF2B5EF4-FFF2-40B4-BE49-F238E27FC236}">
+                <a16:creationId xmlns:a16="http://schemas.microsoft.com/office/drawing/2014/main" id="{2718247E-E51B-4AEC-927B-8B7916F42968}"/>
+              </a:ext>
+            </a:extLst>
+          </p:cNvPr>
+          <p:cNvSpPr>
+            <a:spLocks noGrp="1"/>
+          </p:cNvSpPr>
+          <p:nvPr>
+            <p:ph type="title"/>
+          </p:nvPr>
+        </p:nvSpPr>
+        <p:spPr/>
+        <p:txBody>
+          <a:bodyPr/>
+          <a:lstStyle/>
+          <a:p>
+            <a:r>
+              <a:rPr lang="en-US" dirty="0"/>
+              <a:t>Recursive backtracking</a:t>
+            </a:r>
+          </a:p>
+        </p:txBody>
+      </p:sp>
+      <p:sp>
+        <p:nvSpPr>
+          <p:cNvPr id="3" name="Content Placeholder 2">
+            <a:extLst>
+              <a:ext uri="{FF2B5EF4-FFF2-40B4-BE49-F238E27FC236}">
+                <a16:creationId xmlns:a16="http://schemas.microsoft.com/office/drawing/2014/main" id="{D75858E6-EE6B-4ADF-86CD-F85F59D29711}"/>
+              </a:ext>
+            </a:extLst>
+          </p:cNvPr>
+          <p:cNvSpPr>
+            <a:spLocks noGrp="1"/>
+          </p:cNvSpPr>
+          <p:nvPr>
+            <p:ph idx="1"/>
+          </p:nvPr>
+        </p:nvSpPr>
+        <p:spPr/>
+        <p:txBody>
+          <a:bodyPr/>
+          <a:lstStyle/>
+          <a:p>
+            <a:r>
+              <a:rPr lang="en-US" dirty="0"/>
+              <a:t>Maze solving</a:t>
+            </a:r>
+          </a:p>
+        </p:txBody>
+      </p:sp>
+    </p:spTree>
+    <p:extLst>
+      <p:ext uri="{BB962C8B-B14F-4D97-AF65-F5344CB8AC3E}">
+        <p14:creationId xmlns:p14="http://schemas.microsoft.com/office/powerpoint/2010/main" val="318988732"/>
+      </p:ext>
+    </p:extLst>
+  </p:cSld>
+  <p:clrMapOvr>
+    <a:masterClrMapping/>
+  </p:clrMapOvr>
+</p:sld>
+</file>
+
+<file path=ppt/slides/slide22.xml><?xml version="1.0" encoding="utf-8"?>
+<p:sld xmlns:a="http://schemas.openxmlformats.org/drawingml/2006/main" xmlns:r="http://schemas.openxmlformats.org/officeDocument/2006/relationships" xmlns:p="http://schemas.openxmlformats.org/presentationml/2006/main">
+  <p:cSld>
+    <p:spTree>
+      <p:nvGrpSpPr>
+        <p:cNvPr id="1" name=""/>
+        <p:cNvGrpSpPr/>
+        <p:nvPr/>
+      </p:nvGrpSpPr>
+      <p:grpSpPr>
+        <a:xfrm>
+          <a:off x="0" y="0"/>
+          <a:ext cx="0" cy="0"/>
+          <a:chOff x="0" y="0"/>
+          <a:chExt cx="0" cy="0"/>
+        </a:xfrm>
+      </p:grpSpPr>
+      <p:sp>
+        <p:nvSpPr>
+          <p:cNvPr id="2" name="Title 1">
+            <a:extLst>
+              <a:ext uri="{FF2B5EF4-FFF2-40B4-BE49-F238E27FC236}">
+                <a16:creationId xmlns:a16="http://schemas.microsoft.com/office/drawing/2014/main" id="{E955ACA9-9B3B-498B-A523-078AD701DBDB}"/>
+              </a:ext>
+            </a:extLst>
+          </p:cNvPr>
+          <p:cNvSpPr>
+            <a:spLocks noGrp="1"/>
+          </p:cNvSpPr>
+          <p:nvPr>
+            <p:ph type="title"/>
+          </p:nvPr>
+        </p:nvSpPr>
+        <p:spPr/>
+        <p:txBody>
+          <a:bodyPr/>
+          <a:lstStyle/>
+          <a:p>
+            <a:endParaRPr lang="en-US"/>
+          </a:p>
+        </p:txBody>
+      </p:sp>
+      <p:sp>
+        <p:nvSpPr>
+          <p:cNvPr id="3" name="Content Placeholder 2">
+            <a:extLst>
+              <a:ext uri="{FF2B5EF4-FFF2-40B4-BE49-F238E27FC236}">
+                <a16:creationId xmlns:a16="http://schemas.microsoft.com/office/drawing/2014/main" id="{2E02E721-E8C7-48B0-B9DB-DA6042AB9C7B}"/>
+              </a:ext>
+            </a:extLst>
+          </p:cNvPr>
+          <p:cNvSpPr>
+            <a:spLocks noGrp="1"/>
+          </p:cNvSpPr>
+          <p:nvPr>
+            <p:ph idx="1"/>
+          </p:nvPr>
+        </p:nvSpPr>
+        <p:spPr/>
+        <p:txBody>
+          <a:bodyPr>
+            <a:normAutofit fontScale="92500" lnSpcReduction="20000"/>
+          </a:bodyPr>
+          <a:lstStyle/>
+          <a:p>
+            <a:pPr marL="0" indent="0">
+              <a:buNone/>
+            </a:pPr>
+            <a:r>
+              <a:rPr lang="en-US" dirty="0"/>
+              <a:t>Recursive Backtracking:</a:t>
+            </a:r>
+          </a:p>
+          <a:p>
+            <a:pPr marL="0" indent="0">
+              <a:buNone/>
+            </a:pPr>
+            <a:r>
+              <a:rPr lang="en-US" dirty="0"/>
+              <a:t>	Make a choice</a:t>
+            </a:r>
+          </a:p>
+          <a:p>
+            <a:pPr marL="0" indent="0">
+              <a:buNone/>
+            </a:pPr>
+            <a:r>
+              <a:rPr lang="en-US" dirty="0"/>
+              <a:t>	if (recursion can solve the remaining problem) </a:t>
+            </a:r>
+          </a:p>
+          <a:p>
+            <a:pPr marL="0" indent="0">
+              <a:buNone/>
+            </a:pPr>
+            <a:r>
+              <a:rPr lang="en-US" dirty="0"/>
+              <a:t>		Done!</a:t>
+            </a:r>
+          </a:p>
+          <a:p>
+            <a:pPr marL="0" indent="0">
+              <a:buNone/>
+            </a:pPr>
+            <a:r>
+              <a:rPr lang="en-US" dirty="0"/>
+              <a:t>	Undo the choice</a:t>
+            </a:r>
+          </a:p>
+          <a:p>
+            <a:pPr marL="0" indent="0">
+              <a:buNone/>
+            </a:pPr>
+            <a:endParaRPr lang="en-US" dirty="0"/>
+          </a:p>
+          <a:p>
+            <a:pPr marL="0" indent="0">
+              <a:buNone/>
+            </a:pPr>
+            <a:r>
+              <a:rPr lang="en-US" dirty="0"/>
+              <a:t>	Repeat with next choice…</a:t>
+            </a:r>
+          </a:p>
+          <a:p>
+            <a:pPr marL="0" indent="0">
+              <a:buNone/>
+            </a:pPr>
+            <a:r>
+              <a:rPr lang="en-US" dirty="0"/>
+              <a:t>	</a:t>
+            </a:r>
+          </a:p>
+          <a:p>
+            <a:pPr marL="0" indent="0">
+              <a:buNone/>
+            </a:pPr>
+            <a:r>
+              <a:rPr lang="en-US" dirty="0"/>
+              <a:t>	Out of choices?</a:t>
+            </a:r>
+          </a:p>
+          <a:p>
+            <a:pPr marL="0" indent="0">
+              <a:buNone/>
+            </a:pPr>
+            <a:r>
+              <a:rPr lang="en-US" dirty="0"/>
+              <a:t>		No solution.</a:t>
+            </a:r>
+          </a:p>
+          <a:p>
+            <a:pPr marL="0" indent="0">
+              <a:buNone/>
+            </a:pPr>
+            <a:endParaRPr lang="en-US" dirty="0"/>
+          </a:p>
+        </p:txBody>
+      </p:sp>
+    </p:spTree>
+    <p:extLst>
+      <p:ext uri="{BB962C8B-B14F-4D97-AF65-F5344CB8AC3E}">
+        <p14:creationId xmlns:p14="http://schemas.microsoft.com/office/powerpoint/2010/main" val="3612617668"/>
       </p:ext>
     </p:extLst>
   </p:cSld>

--- a/notes.pptx
+++ b/notes.pptx
@@ -27,6 +27,7 @@
     <p:sldId id="276" r:id="rId21"/>
     <p:sldId id="277" r:id="rId22"/>
     <p:sldId id="278" r:id="rId23"/>
+    <p:sldId id="279" r:id="rId24"/>
   </p:sldIdLst>
   <p:sldSz cx="12192000" cy="6858000"/>
   <p:notesSz cx="6858000" cy="9144000"/>
@@ -5092,6 +5093,89 @@
 </p:sld>
 </file>
 
+<file path=ppt/slides/slide23.xml><?xml version="1.0" encoding="utf-8"?>
+<p:sld xmlns:a="http://schemas.openxmlformats.org/drawingml/2006/main" xmlns:r="http://schemas.openxmlformats.org/officeDocument/2006/relationships" xmlns:p="http://schemas.openxmlformats.org/presentationml/2006/main">
+  <p:cSld>
+    <p:spTree>
+      <p:nvGrpSpPr>
+        <p:cNvPr id="1" name=""/>
+        <p:cNvGrpSpPr/>
+        <p:nvPr/>
+      </p:nvGrpSpPr>
+      <p:grpSpPr>
+        <a:xfrm>
+          <a:off x="0" y="0"/>
+          <a:ext cx="0" cy="0"/>
+          <a:chOff x="0" y="0"/>
+          <a:chExt cx="0" cy="0"/>
+        </a:xfrm>
+      </p:grpSpPr>
+      <p:sp>
+        <p:nvSpPr>
+          <p:cNvPr id="2" name="Title 1">
+            <a:extLst>
+              <a:ext uri="{FF2B5EF4-FFF2-40B4-BE49-F238E27FC236}">
+                <a16:creationId xmlns:a16="http://schemas.microsoft.com/office/drawing/2014/main" id="{6D8DD4CB-8C50-4BB0-91C0-5EC35291318B}"/>
+              </a:ext>
+            </a:extLst>
+          </p:cNvPr>
+          <p:cNvSpPr>
+            <a:spLocks noGrp="1"/>
+          </p:cNvSpPr>
+          <p:nvPr>
+            <p:ph type="title"/>
+          </p:nvPr>
+        </p:nvSpPr>
+        <p:spPr/>
+        <p:txBody>
+          <a:bodyPr/>
+          <a:lstStyle/>
+          <a:p>
+            <a:r>
+              <a:rPr lang="en-US" dirty="0"/>
+              <a:t>Maze</a:t>
+            </a:r>
+          </a:p>
+        </p:txBody>
+      </p:sp>
+      <p:sp>
+        <p:nvSpPr>
+          <p:cNvPr id="3" name="Content Placeholder 2">
+            <a:extLst>
+              <a:ext uri="{FF2B5EF4-FFF2-40B4-BE49-F238E27FC236}">
+                <a16:creationId xmlns:a16="http://schemas.microsoft.com/office/drawing/2014/main" id="{3FFD7ABE-9256-49CA-817D-7D7504AA3683}"/>
+              </a:ext>
+            </a:extLst>
+          </p:cNvPr>
+          <p:cNvSpPr>
+            <a:spLocks noGrp="1"/>
+          </p:cNvSpPr>
+          <p:nvPr>
+            <p:ph idx="1"/>
+          </p:nvPr>
+        </p:nvSpPr>
+        <p:spPr/>
+        <p:txBody>
+          <a:bodyPr/>
+          <a:lstStyle/>
+          <a:p>
+            <a:endParaRPr lang="en-US"/>
+          </a:p>
+        </p:txBody>
+      </p:sp>
+    </p:spTree>
+    <p:extLst>
+      <p:ext uri="{BB962C8B-B14F-4D97-AF65-F5344CB8AC3E}">
+        <p14:creationId xmlns:p14="http://schemas.microsoft.com/office/powerpoint/2010/main" val="1234248384"/>
+      </p:ext>
+    </p:extLst>
+  </p:cSld>
+  <p:clrMapOvr>
+    <a:masterClrMapping/>
+  </p:clrMapOvr>
+</p:sld>
+</file>
+
 <file path=ppt/slides/slide3.xml><?xml version="1.0" encoding="utf-8"?>
 <p:sld xmlns:a="http://schemas.openxmlformats.org/drawingml/2006/main" xmlns:r="http://schemas.openxmlformats.org/officeDocument/2006/relationships" xmlns:p="http://schemas.openxmlformats.org/presentationml/2006/main">
   <p:cSld>

--- a/notes.pptx
+++ b/notes.pptx
@@ -15,19 +15,20 @@
     <p:sldId id="262" r:id="rId9"/>
     <p:sldId id="264" r:id="rId10"/>
     <p:sldId id="265" r:id="rId11"/>
-    <p:sldId id="266" r:id="rId12"/>
-    <p:sldId id="267" r:id="rId13"/>
-    <p:sldId id="270" r:id="rId14"/>
-    <p:sldId id="269" r:id="rId15"/>
-    <p:sldId id="271" r:id="rId16"/>
-    <p:sldId id="272" r:id="rId17"/>
-    <p:sldId id="273" r:id="rId18"/>
-    <p:sldId id="274" r:id="rId19"/>
-    <p:sldId id="275" r:id="rId20"/>
-    <p:sldId id="276" r:id="rId21"/>
-    <p:sldId id="277" r:id="rId22"/>
-    <p:sldId id="278" r:id="rId23"/>
-    <p:sldId id="279" r:id="rId24"/>
+    <p:sldId id="280" r:id="rId12"/>
+    <p:sldId id="266" r:id="rId13"/>
+    <p:sldId id="267" r:id="rId14"/>
+    <p:sldId id="270" r:id="rId15"/>
+    <p:sldId id="269" r:id="rId16"/>
+    <p:sldId id="271" r:id="rId17"/>
+    <p:sldId id="272" r:id="rId18"/>
+    <p:sldId id="273" r:id="rId19"/>
+    <p:sldId id="274" r:id="rId20"/>
+    <p:sldId id="275" r:id="rId21"/>
+    <p:sldId id="276" r:id="rId22"/>
+    <p:sldId id="277" r:id="rId23"/>
+    <p:sldId id="278" r:id="rId24"/>
+    <p:sldId id="279" r:id="rId25"/>
   </p:sldIdLst>
   <p:sldSz cx="12192000" cy="6858000"/>
   <p:notesSz cx="6858000" cy="9144000"/>
@@ -281,7 +282,7 @@
           <a:p>
             <a:fld id="{DE176E02-7D44-4713-8078-8E0963CF8DDB}" type="datetimeFigureOut">
               <a:rPr lang="en-US" smtClean="0"/>
-              <a:t>9/3/2019</a:t>
+              <a:t>9/4/2019</a:t>
             </a:fld>
             <a:endParaRPr lang="en-US"/>
           </a:p>
@@ -479,7 +480,7 @@
           <a:p>
             <a:fld id="{DE176E02-7D44-4713-8078-8E0963CF8DDB}" type="datetimeFigureOut">
               <a:rPr lang="en-US" smtClean="0"/>
-              <a:t>9/3/2019</a:t>
+              <a:t>9/4/2019</a:t>
             </a:fld>
             <a:endParaRPr lang="en-US"/>
           </a:p>
@@ -687,7 +688,7 @@
           <a:p>
             <a:fld id="{DE176E02-7D44-4713-8078-8E0963CF8DDB}" type="datetimeFigureOut">
               <a:rPr lang="en-US" smtClean="0"/>
-              <a:t>9/3/2019</a:t>
+              <a:t>9/4/2019</a:t>
             </a:fld>
             <a:endParaRPr lang="en-US"/>
           </a:p>
@@ -885,7 +886,7 @@
           <a:p>
             <a:fld id="{DE176E02-7D44-4713-8078-8E0963CF8DDB}" type="datetimeFigureOut">
               <a:rPr lang="en-US" smtClean="0"/>
-              <a:t>9/3/2019</a:t>
+              <a:t>9/4/2019</a:t>
             </a:fld>
             <a:endParaRPr lang="en-US"/>
           </a:p>
@@ -1160,7 +1161,7 @@
           <a:p>
             <a:fld id="{DE176E02-7D44-4713-8078-8E0963CF8DDB}" type="datetimeFigureOut">
               <a:rPr lang="en-US" smtClean="0"/>
-              <a:t>9/3/2019</a:t>
+              <a:t>9/4/2019</a:t>
             </a:fld>
             <a:endParaRPr lang="en-US"/>
           </a:p>
@@ -1425,7 +1426,7 @@
           <a:p>
             <a:fld id="{DE176E02-7D44-4713-8078-8E0963CF8DDB}" type="datetimeFigureOut">
               <a:rPr lang="en-US" smtClean="0"/>
-              <a:t>9/3/2019</a:t>
+              <a:t>9/4/2019</a:t>
             </a:fld>
             <a:endParaRPr lang="en-US"/>
           </a:p>
@@ -1837,7 +1838,7 @@
           <a:p>
             <a:fld id="{DE176E02-7D44-4713-8078-8E0963CF8DDB}" type="datetimeFigureOut">
               <a:rPr lang="en-US" smtClean="0"/>
-              <a:t>9/3/2019</a:t>
+              <a:t>9/4/2019</a:t>
             </a:fld>
             <a:endParaRPr lang="en-US"/>
           </a:p>
@@ -1978,7 +1979,7 @@
           <a:p>
             <a:fld id="{DE176E02-7D44-4713-8078-8E0963CF8DDB}" type="datetimeFigureOut">
               <a:rPr lang="en-US" smtClean="0"/>
-              <a:t>9/3/2019</a:t>
+              <a:t>9/4/2019</a:t>
             </a:fld>
             <a:endParaRPr lang="en-US"/>
           </a:p>
@@ -2091,7 +2092,7 @@
           <a:p>
             <a:fld id="{DE176E02-7D44-4713-8078-8E0963CF8DDB}" type="datetimeFigureOut">
               <a:rPr lang="en-US" smtClean="0"/>
-              <a:t>9/3/2019</a:t>
+              <a:t>9/4/2019</a:t>
             </a:fld>
             <a:endParaRPr lang="en-US"/>
           </a:p>
@@ -2402,7 +2403,7 @@
           <a:p>
             <a:fld id="{DE176E02-7D44-4713-8078-8E0963CF8DDB}" type="datetimeFigureOut">
               <a:rPr lang="en-US" smtClean="0"/>
-              <a:t>9/3/2019</a:t>
+              <a:t>9/4/2019</a:t>
             </a:fld>
             <a:endParaRPr lang="en-US"/>
           </a:p>
@@ -2690,7 +2691,7 @@
           <a:p>
             <a:fld id="{DE176E02-7D44-4713-8078-8E0963CF8DDB}" type="datetimeFigureOut">
               <a:rPr lang="en-US" smtClean="0"/>
-              <a:t>9/3/2019</a:t>
+              <a:t>9/4/2019</a:t>
             </a:fld>
             <a:endParaRPr lang="en-US"/>
           </a:p>
@@ -2931,7 +2932,7 @@
           <a:p>
             <a:fld id="{DE176E02-7D44-4713-8078-8E0963CF8DDB}" type="datetimeFigureOut">
               <a:rPr lang="en-US" smtClean="0"/>
-              <a:t>9/3/2019</a:t>
+              <a:t>9/4/2019</a:t>
             </a:fld>
             <a:endParaRPr lang="en-US"/>
           </a:p>
@@ -3630,7 +3631,7 @@
           <p:cNvPr id="2" name="Title 1">
             <a:extLst>
               <a:ext uri="{FF2B5EF4-FFF2-40B4-BE49-F238E27FC236}">
-                <a16:creationId xmlns:a16="http://schemas.microsoft.com/office/drawing/2014/main" id="{632B9A1C-3AEC-4AF3-8094-7DBDB2E5B4AA}"/>
+                <a16:creationId xmlns:a16="http://schemas.microsoft.com/office/drawing/2014/main" id="{D05B6C34-4B76-4825-9626-26ADA7D79F8A}"/>
               </a:ext>
             </a:extLst>
           </p:cNvPr>
@@ -3646,7 +3647,18 @@
           <a:bodyPr/>
           <a:lstStyle/>
           <a:p>
-            <a:endParaRPr lang="en-US" dirty="0"/>
+            <a:r>
+              <a:rPr lang="en-US" dirty="0"/>
+              <a:t>Demo </a:t>
+            </a:r>
+            <a:r>
+              <a:rPr lang="en-US" dirty="0" err="1"/>
+              <a:t>github</a:t>
+            </a:r>
+            <a:r>
+              <a:rPr lang="en-US" dirty="0"/>
+              <a:t> </a:t>
+            </a:r>
           </a:p>
         </p:txBody>
       </p:sp>
@@ -3655,7 +3667,7 @@
           <p:cNvPr id="3" name="Content Placeholder 2">
             <a:extLst>
               <a:ext uri="{FF2B5EF4-FFF2-40B4-BE49-F238E27FC236}">
-                <a16:creationId xmlns:a16="http://schemas.microsoft.com/office/drawing/2014/main" id="{FD403C14-2D19-443E-8934-AFF86C4B1AAC}"/>
+                <a16:creationId xmlns:a16="http://schemas.microsoft.com/office/drawing/2014/main" id="{0C757AD8-444A-4019-9968-1BEBA88A0F66}"/>
               </a:ext>
             </a:extLst>
           </p:cNvPr>
@@ -3671,49 +3683,14 @@
           <a:bodyPr/>
           <a:lstStyle/>
           <a:p>
-            <a:r>
-              <a:rPr lang="en-US" dirty="0"/>
-              <a:t>Problem</a:t>
-            </a:r>
-          </a:p>
-          <a:p>
-            <a:pPr lvl="1"/>
-            <a:r>
-              <a:rPr lang="en-US" dirty="0"/>
-              <a:t>What, not how </a:t>
-            </a:r>
-          </a:p>
-          <a:p>
-            <a:pPr lvl="1"/>
-            <a:r>
-              <a:rPr lang="en-US" dirty="0"/>
-              <a:t>Sorting- put elements in order</a:t>
-            </a:r>
-          </a:p>
-          <a:p>
-            <a:pPr lvl="1"/>
-            <a:r>
-              <a:rPr lang="en-US" dirty="0"/>
-              <a:t>Searching- find a specific element in a collection</a:t>
-            </a:r>
-          </a:p>
-          <a:p>
-            <a:pPr lvl="1"/>
-            <a:r>
-              <a:rPr lang="en-US" dirty="0"/>
-              <a:t>Find a path through a maze</a:t>
-            </a:r>
-          </a:p>
-          <a:p>
-            <a:pPr lvl="1"/>
-            <a:endParaRPr lang="en-US" dirty="0"/>
+            <a:endParaRPr lang="en-US"/>
           </a:p>
         </p:txBody>
       </p:sp>
     </p:spTree>
     <p:extLst>
       <p:ext uri="{BB962C8B-B14F-4D97-AF65-F5344CB8AC3E}">
-        <p14:creationId xmlns:p14="http://schemas.microsoft.com/office/powerpoint/2010/main" val="406340293"/>
+        <p14:creationId xmlns:p14="http://schemas.microsoft.com/office/powerpoint/2010/main" val="3570606073"/>
       </p:ext>
     </p:extLst>
   </p:cSld>
@@ -3745,7 +3722,7 @@
           <p:cNvPr id="2" name="Title 1">
             <a:extLst>
               <a:ext uri="{FF2B5EF4-FFF2-40B4-BE49-F238E27FC236}">
-                <a16:creationId xmlns:a16="http://schemas.microsoft.com/office/drawing/2014/main" id="{656C9E78-E976-4E60-8E97-C8670CE58C64}"/>
+                <a16:creationId xmlns:a16="http://schemas.microsoft.com/office/drawing/2014/main" id="{632B9A1C-3AEC-4AF3-8094-7DBDB2E5B4AA}"/>
               </a:ext>
             </a:extLst>
           </p:cNvPr>
@@ -3761,7 +3738,7 @@
           <a:bodyPr/>
           <a:lstStyle/>
           <a:p>
-            <a:endParaRPr lang="en-US"/>
+            <a:endParaRPr lang="en-US" dirty="0"/>
           </a:p>
         </p:txBody>
       </p:sp>
@@ -3770,7 +3747,7 @@
           <p:cNvPr id="3" name="Content Placeholder 2">
             <a:extLst>
               <a:ext uri="{FF2B5EF4-FFF2-40B4-BE49-F238E27FC236}">
-                <a16:creationId xmlns:a16="http://schemas.microsoft.com/office/drawing/2014/main" id="{E45D1639-842F-492B-B0F1-3EB4D39AC8CF}"/>
+                <a16:creationId xmlns:a16="http://schemas.microsoft.com/office/drawing/2014/main" id="{FD403C14-2D19-443E-8934-AFF86C4B1AAC}"/>
               </a:ext>
             </a:extLst>
           </p:cNvPr>
@@ -3788,79 +3765,59 @@
           <a:p>
             <a:r>
               <a:rPr lang="en-US" dirty="0"/>
-              <a:t>Algorithm </a:t>
+              <a:t>Problem</a:t>
             </a:r>
           </a:p>
           <a:p>
             <a:pPr lvl="1"/>
             <a:r>
               <a:rPr lang="en-US" dirty="0"/>
-              <a:t>How</a:t>
+              <a:t>What, not how </a:t>
             </a:r>
           </a:p>
           <a:p>
             <a:pPr lvl="1"/>
             <a:r>
               <a:rPr lang="en-US" dirty="0"/>
-              <a:t>Many algorithms for same problem (sorting)</a:t>
+              <a:t>Sorting- put elements in order</a:t>
             </a:r>
           </a:p>
           <a:p>
             <a:pPr lvl="1"/>
             <a:r>
               <a:rPr lang="en-US" dirty="0"/>
-              <a:t>Properties</a:t>
-            </a:r>
-          </a:p>
-          <a:p>
-            <a:pPr lvl="2"/>
-            <a:r>
-              <a:rPr lang="en-US" dirty="0"/>
-              <a:t>Correct</a:t>
-            </a:r>
-          </a:p>
-          <a:p>
-            <a:pPr lvl="2"/>
-            <a:r>
-              <a:rPr lang="en-US" dirty="0"/>
-              <a:t>Concrete steps (doable in finite time)</a:t>
-            </a:r>
-          </a:p>
-          <a:p>
-            <a:pPr lvl="2"/>
-            <a:r>
-              <a:rPr lang="en-US" dirty="0"/>
-              <a:t>Unambiguous order</a:t>
-            </a:r>
-          </a:p>
-          <a:p>
-            <a:pPr lvl="2"/>
-            <a:r>
-              <a:rPr lang="en-US" dirty="0"/>
-              <a:t>Finite number of steps</a:t>
-            </a:r>
-          </a:p>
-          <a:p>
-            <a:pPr lvl="2"/>
-            <a:r>
-              <a:rPr lang="en-US" dirty="0"/>
-              <a:t>Terminates</a:t>
-            </a:r>
-          </a:p>
-          <a:p>
-            <a:r>
-              <a:rPr lang="en-US" dirty="0"/>
-              <a:t>Program</a:t>
+              <a:t>Searching- find a specific element in a collection</a:t>
             </a:r>
           </a:p>
           <a:p>
             <a:pPr lvl="1"/>
             <a:r>
               <a:rPr lang="en-US" dirty="0"/>
-              <a:t>Executable implementation of an algorithm in a programming language</a:t>
-            </a:r>
-          </a:p>
-          <a:p>
+              <a:t>Find a path through a maze</a:t>
+            </a:r>
+          </a:p>
+          <a:p>
+            <a:r>
+              <a:rPr lang="en-US" dirty="0"/>
+              <a:t>Instance or Case</a:t>
+            </a:r>
+          </a:p>
+          <a:p>
+            <a:pPr lvl="1"/>
+            <a:r>
+              <a:rPr lang="en-US" dirty="0"/>
+              <a:t>A set of inputs of a particular form of any size</a:t>
+            </a:r>
+          </a:p>
+          <a:p>
+            <a:pPr lvl="1"/>
+            <a:r>
+              <a:rPr lang="en-US" dirty="0"/>
+              <a:t>NOT A SPECIFIC INPUT</a:t>
+            </a:r>
+          </a:p>
+          <a:p>
+            <a:pPr lvl="1"/>
             <a:endParaRPr lang="en-US" dirty="0"/>
           </a:p>
         </p:txBody>
@@ -3868,7 +3825,7 @@
     </p:spTree>
     <p:extLst>
       <p:ext uri="{BB962C8B-B14F-4D97-AF65-F5344CB8AC3E}">
-        <p14:creationId xmlns:p14="http://schemas.microsoft.com/office/powerpoint/2010/main" val="3659503510"/>
+        <p14:creationId xmlns:p14="http://schemas.microsoft.com/office/powerpoint/2010/main" val="406340293"/>
       </p:ext>
     </p:extLst>
   </p:cSld>
@@ -3900,7 +3857,7 @@
           <p:cNvPr id="2" name="Title 1">
             <a:extLst>
               <a:ext uri="{FF2B5EF4-FFF2-40B4-BE49-F238E27FC236}">
-                <a16:creationId xmlns:a16="http://schemas.microsoft.com/office/drawing/2014/main" id="{D88262F6-2AC3-4DD1-8882-CE82FC1EE2F2}"/>
+                <a16:creationId xmlns:a16="http://schemas.microsoft.com/office/drawing/2014/main" id="{656C9E78-E976-4E60-8E97-C8670CE58C64}"/>
               </a:ext>
             </a:extLst>
           </p:cNvPr>
@@ -3925,7 +3882,7 @@
           <p:cNvPr id="3" name="Content Placeholder 2">
             <a:extLst>
               <a:ext uri="{FF2B5EF4-FFF2-40B4-BE49-F238E27FC236}">
-                <a16:creationId xmlns:a16="http://schemas.microsoft.com/office/drawing/2014/main" id="{7CE20302-4CBE-4CD2-B95F-EFD6C4B08CFA}"/>
+                <a16:creationId xmlns:a16="http://schemas.microsoft.com/office/drawing/2014/main" id="{E45D1639-842F-492B-B0F1-3EB4D39AC8CF}"/>
               </a:ext>
             </a:extLst>
           </p:cNvPr>
@@ -3943,29 +3900,79 @@
           <a:p>
             <a:r>
               <a:rPr lang="en-US" dirty="0"/>
-              <a:t>Function- a mathematical function</a:t>
+              <a:t>Algorithm </a:t>
             </a:r>
           </a:p>
           <a:p>
             <a:pPr lvl="1"/>
             <a:r>
               <a:rPr lang="en-US" dirty="0"/>
-              <a:t>Positive inputs, positive output, increasing</a:t>
-            </a:r>
-          </a:p>
-          <a:p>
-            <a:endParaRPr lang="en-US" dirty="0"/>
-          </a:p>
-          <a:p>
-            <a:endParaRPr lang="en-US" dirty="0"/>
-          </a:p>
-          <a:p>
-            <a:endParaRPr lang="en-US" dirty="0"/>
-          </a:p>
-          <a:p>
-            <a:pPr marL="0" indent="0">
-              <a:buNone/>
-            </a:pPr>
+              <a:t>How</a:t>
+            </a:r>
+          </a:p>
+          <a:p>
+            <a:pPr lvl="1"/>
+            <a:r>
+              <a:rPr lang="en-US" dirty="0"/>
+              <a:t>Many algorithms for same problem (sorting)</a:t>
+            </a:r>
+          </a:p>
+          <a:p>
+            <a:pPr lvl="1"/>
+            <a:r>
+              <a:rPr lang="en-US" dirty="0"/>
+              <a:t>Properties</a:t>
+            </a:r>
+          </a:p>
+          <a:p>
+            <a:pPr lvl="2"/>
+            <a:r>
+              <a:rPr lang="en-US" dirty="0"/>
+              <a:t>Correct</a:t>
+            </a:r>
+          </a:p>
+          <a:p>
+            <a:pPr lvl="2"/>
+            <a:r>
+              <a:rPr lang="en-US" dirty="0"/>
+              <a:t>Concrete steps (doable in finite time)</a:t>
+            </a:r>
+          </a:p>
+          <a:p>
+            <a:pPr lvl="2"/>
+            <a:r>
+              <a:rPr lang="en-US" dirty="0"/>
+              <a:t>Unambiguous order</a:t>
+            </a:r>
+          </a:p>
+          <a:p>
+            <a:pPr lvl="2"/>
+            <a:r>
+              <a:rPr lang="en-US" dirty="0"/>
+              <a:t>Finite number of steps</a:t>
+            </a:r>
+          </a:p>
+          <a:p>
+            <a:pPr lvl="2"/>
+            <a:r>
+              <a:rPr lang="en-US" dirty="0"/>
+              <a:t>Terminates</a:t>
+            </a:r>
+          </a:p>
+          <a:p>
+            <a:r>
+              <a:rPr lang="en-US" dirty="0"/>
+              <a:t>Program</a:t>
+            </a:r>
+          </a:p>
+          <a:p>
+            <a:pPr lvl="1"/>
+            <a:r>
+              <a:rPr lang="en-US" dirty="0"/>
+              <a:t>Executable implementation of an algorithm in a programming language</a:t>
+            </a:r>
+          </a:p>
+          <a:p>
             <a:endParaRPr lang="en-US" dirty="0"/>
           </a:p>
         </p:txBody>
@@ -3973,7 +3980,7 @@
     </p:spTree>
     <p:extLst>
       <p:ext uri="{BB962C8B-B14F-4D97-AF65-F5344CB8AC3E}">
-        <p14:creationId xmlns:p14="http://schemas.microsoft.com/office/powerpoint/2010/main" val="167172012"/>
+        <p14:creationId xmlns:p14="http://schemas.microsoft.com/office/powerpoint/2010/main" val="3659503510"/>
       </p:ext>
     </p:extLst>
   </p:cSld>
@@ -4005,7 +4012,7 @@
           <p:cNvPr id="2" name="Title 1">
             <a:extLst>
               <a:ext uri="{FF2B5EF4-FFF2-40B4-BE49-F238E27FC236}">
-                <a16:creationId xmlns:a16="http://schemas.microsoft.com/office/drawing/2014/main" id="{4B35A7FF-DF39-4420-A431-5C9BDAA11D11}"/>
+                <a16:creationId xmlns:a16="http://schemas.microsoft.com/office/drawing/2014/main" id="{D88262F6-2AC3-4DD1-8882-CE82FC1EE2F2}"/>
               </a:ext>
             </a:extLst>
           </p:cNvPr>
@@ -4021,10 +4028,7 @@
           <a:bodyPr/>
           <a:lstStyle/>
           <a:p>
-            <a:r>
-              <a:rPr lang="en-US" dirty="0"/>
-              <a:t>Recursion</a:t>
-            </a:r>
+            <a:endParaRPr lang="en-US"/>
           </a:p>
         </p:txBody>
       </p:sp>
@@ -4033,7 +4037,7 @@
           <p:cNvPr id="3" name="Content Placeholder 2">
             <a:extLst>
               <a:ext uri="{FF2B5EF4-FFF2-40B4-BE49-F238E27FC236}">
-                <a16:creationId xmlns:a16="http://schemas.microsoft.com/office/drawing/2014/main" id="{B3181758-222B-4A21-87BF-700926FD1DC4}"/>
+                <a16:creationId xmlns:a16="http://schemas.microsoft.com/office/drawing/2014/main" id="{7CE20302-4CBE-4CD2-B95F-EFD6C4B08CFA}"/>
               </a:ext>
             </a:extLst>
           </p:cNvPr>
@@ -4051,21 +4055,48 @@
           <a:p>
             <a:r>
               <a:rPr lang="en-US" dirty="0"/>
-              <a:t>1 or more base cases</a:t>
-            </a:r>
-          </a:p>
-          <a:p>
-            <a:r>
-              <a:rPr lang="en-US" dirty="0"/>
-              <a:t>1 or more recursive calls</a:t>
-            </a:r>
+              <a:t>Function- a mathematical function</a:t>
+            </a:r>
+          </a:p>
+          <a:p>
+            <a:pPr lvl="1"/>
+            <a:r>
+              <a:rPr lang="en-US" dirty="0"/>
+              <a:t>Positive inputs, positive output, increasing</a:t>
+            </a:r>
+          </a:p>
+          <a:p>
+            <a:pPr lvl="1"/>
+            <a:endParaRPr lang="en-US" dirty="0"/>
+          </a:p>
+          <a:p>
+            <a:pPr lvl="1"/>
+            <a:endParaRPr lang="en-US" dirty="0"/>
+          </a:p>
+          <a:p>
+            <a:pPr marL="0" indent="0">
+              <a:buNone/>
+            </a:pPr>
+            <a:endParaRPr lang="en-US" dirty="0"/>
+          </a:p>
+          <a:p>
+            <a:endParaRPr lang="en-US" dirty="0"/>
+          </a:p>
+          <a:p>
+            <a:endParaRPr lang="en-US" dirty="0"/>
+          </a:p>
+          <a:p>
+            <a:pPr marL="0" indent="0">
+              <a:buNone/>
+            </a:pPr>
+            <a:endParaRPr lang="en-US" dirty="0"/>
           </a:p>
         </p:txBody>
       </p:sp>
     </p:spTree>
     <p:extLst>
       <p:ext uri="{BB962C8B-B14F-4D97-AF65-F5344CB8AC3E}">
-        <p14:creationId xmlns:p14="http://schemas.microsoft.com/office/powerpoint/2010/main" val="1439495836"/>
+        <p14:creationId xmlns:p14="http://schemas.microsoft.com/office/powerpoint/2010/main" val="167172012"/>
       </p:ext>
     </p:extLst>
   </p:cSld>
@@ -4097,7 +4128,7 @@
           <p:cNvPr id="2" name="Title 1">
             <a:extLst>
               <a:ext uri="{FF2B5EF4-FFF2-40B4-BE49-F238E27FC236}">
-                <a16:creationId xmlns:a16="http://schemas.microsoft.com/office/drawing/2014/main" id="{A1AF49BA-BF02-4494-B95D-7C5DE90AF10B}"/>
+                <a16:creationId xmlns:a16="http://schemas.microsoft.com/office/drawing/2014/main" id="{4B35A7FF-DF39-4420-A431-5C9BDAA11D11}"/>
               </a:ext>
             </a:extLst>
           </p:cNvPr>
@@ -4114,10 +4145,9 @@
           <a:lstStyle/>
           <a:p>
             <a:r>
-              <a:rPr lang="en-US" dirty="0" err="1"/>
-              <a:t>CountX</a:t>
-            </a:r>
-            <a:endParaRPr lang="en-US" dirty="0"/>
+              <a:rPr lang="en-US" dirty="0"/>
+              <a:t>Recursion</a:t>
+            </a:r>
           </a:p>
         </p:txBody>
       </p:sp>
@@ -4126,7 +4156,7 @@
           <p:cNvPr id="3" name="Content Placeholder 2">
             <a:extLst>
               <a:ext uri="{FF2B5EF4-FFF2-40B4-BE49-F238E27FC236}">
-                <a16:creationId xmlns:a16="http://schemas.microsoft.com/office/drawing/2014/main" id="{2476E292-B848-450E-B23C-E4FF34288291}"/>
+                <a16:creationId xmlns:a16="http://schemas.microsoft.com/office/drawing/2014/main" id="{B3181758-222B-4A21-87BF-700926FD1DC4}"/>
               </a:ext>
             </a:extLst>
           </p:cNvPr>
@@ -4142,79 +4172,15 @@
           <a:bodyPr/>
           <a:lstStyle/>
           <a:p>
-            <a:pPr marL="0" indent="0">
-              <a:buNone/>
-            </a:pPr>
-            <a:r>
-              <a:rPr lang="en-US" dirty="0" err="1"/>
-              <a:t>countX</a:t>
-            </a:r>
-            <a:r>
-              <a:rPr lang="en-US" dirty="0"/>
-              <a:t>(s) =	Base Case(s):0 	if s is empty</a:t>
-            </a:r>
-          </a:p>
-          <a:p>
-            <a:pPr marL="0" indent="0">
-              <a:buNone/>
-            </a:pPr>
-            <a:r>
-              <a:rPr lang="en-US" dirty="0"/>
-              <a:t>	</a:t>
-            </a:r>
-            <a:r>
-              <a:rPr lang="en-US" dirty="0" err="1"/>
-              <a:t>Reccursive</a:t>
-            </a:r>
-            <a:r>
-              <a:rPr lang="en-US" dirty="0"/>
-              <a:t> Cases(s): 1 + </a:t>
-            </a:r>
-            <a:r>
-              <a:rPr lang="en-US" dirty="0" err="1"/>
-              <a:t>countX</a:t>
-            </a:r>
-            <a:r>
-              <a:rPr lang="en-US" dirty="0"/>
-              <a:t>(s - 1st char) 	if first char is ‘x’</a:t>
-            </a:r>
-          </a:p>
-          <a:p>
-            <a:pPr marL="0" indent="0">
-              <a:buNone/>
-            </a:pPr>
-            <a:r>
-              <a:rPr lang="en-US" dirty="0"/>
-              <a:t>				    </a:t>
-            </a:r>
-            <a:r>
-              <a:rPr lang="en-US" dirty="0" err="1"/>
-              <a:t>countX</a:t>
-            </a:r>
-            <a:r>
-              <a:rPr lang="en-US" dirty="0"/>
-              <a:t>(s - 1st char) if first char is not ‘x’ </a:t>
-            </a:r>
-          </a:p>
-          <a:p>
-            <a:endParaRPr lang="en-US" dirty="0"/>
-          </a:p>
-          <a:p>
-            <a:endParaRPr lang="en-US" dirty="0"/>
-          </a:p>
-          <a:p>
-            <a:endParaRPr lang="en-US" dirty="0"/>
-          </a:p>
-          <a:p>
-            <a:r>
-              <a:rPr lang="en-US" dirty="0"/>
-              <a:t>Theater time</a:t>
-            </a:r>
-          </a:p>
-          <a:p>
-            <a:r>
-              <a:rPr lang="en-US" dirty="0"/>
-              <a:t>Code time</a:t>
+            <a:r>
+              <a:rPr lang="en-US" dirty="0"/>
+              <a:t>1 or more base cases</a:t>
+            </a:r>
+          </a:p>
+          <a:p>
+            <a:r>
+              <a:rPr lang="en-US" dirty="0"/>
+              <a:t>1 or more recursive calls</a:t>
             </a:r>
           </a:p>
         </p:txBody>
@@ -4222,7 +4188,7 @@
     </p:spTree>
     <p:extLst>
       <p:ext uri="{BB962C8B-B14F-4D97-AF65-F5344CB8AC3E}">
-        <p14:creationId xmlns:p14="http://schemas.microsoft.com/office/powerpoint/2010/main" val="45859203"/>
+        <p14:creationId xmlns:p14="http://schemas.microsoft.com/office/powerpoint/2010/main" val="1439495836"/>
       </p:ext>
     </p:extLst>
   </p:cSld>
@@ -4254,7 +4220,7 @@
           <p:cNvPr id="2" name="Title 1">
             <a:extLst>
               <a:ext uri="{FF2B5EF4-FFF2-40B4-BE49-F238E27FC236}">
-                <a16:creationId xmlns:a16="http://schemas.microsoft.com/office/drawing/2014/main" id="{7ADB2A6B-7CBD-431A-BBEA-49353E7575F7}"/>
+                <a16:creationId xmlns:a16="http://schemas.microsoft.com/office/drawing/2014/main" id="{A1AF49BA-BF02-4494-B95D-7C5DE90AF10B}"/>
               </a:ext>
             </a:extLst>
           </p:cNvPr>
@@ -4271,9 +4237,10 @@
           <a:lstStyle/>
           <a:p>
             <a:r>
-              <a:rPr lang="en-US" dirty="0"/>
-              <a:t>Important recursive algorithms</a:t>
-            </a:r>
+              <a:rPr lang="en-US" dirty="0" err="1"/>
+              <a:t>CountX</a:t>
+            </a:r>
+            <a:endParaRPr lang="en-US" dirty="0"/>
           </a:p>
         </p:txBody>
       </p:sp>
@@ -4282,7 +4249,7 @@
           <p:cNvPr id="3" name="Content Placeholder 2">
             <a:extLst>
               <a:ext uri="{FF2B5EF4-FFF2-40B4-BE49-F238E27FC236}">
-                <a16:creationId xmlns:a16="http://schemas.microsoft.com/office/drawing/2014/main" id="{1CDEA2DF-A2F3-4477-B2E4-368488D80AC8}"/>
+                <a16:creationId xmlns:a16="http://schemas.microsoft.com/office/drawing/2014/main" id="{2476E292-B848-450E-B23C-E4FF34288291}"/>
               </a:ext>
             </a:extLst>
           </p:cNvPr>
@@ -4298,21 +4265,50 @@
           <a:bodyPr/>
           <a:lstStyle/>
           <a:p>
-            <a:r>
-              <a:rPr lang="en-US" dirty="0"/>
-              <a:t>Generate permutations</a:t>
-            </a:r>
-          </a:p>
-          <a:p>
-            <a:r>
-              <a:rPr lang="en-US" dirty="0"/>
-              <a:t>Generate subsets</a:t>
-            </a:r>
-          </a:p>
-          <a:p>
-            <a:r>
-              <a:rPr lang="en-US" dirty="0"/>
-              <a:t>Generate combinations</a:t>
+            <a:pPr marL="0" indent="0">
+              <a:buNone/>
+            </a:pPr>
+            <a:r>
+              <a:rPr lang="en-US" dirty="0" err="1"/>
+              <a:t>countX</a:t>
+            </a:r>
+            <a:r>
+              <a:rPr lang="en-US" dirty="0"/>
+              <a:t>(s) =	Base Case(s):0 	if s is empty</a:t>
+            </a:r>
+          </a:p>
+          <a:p>
+            <a:pPr marL="0" indent="0">
+              <a:buNone/>
+            </a:pPr>
+            <a:r>
+              <a:rPr lang="en-US" dirty="0"/>
+              <a:t>	Recursive Cases(s): 1 + </a:t>
+            </a:r>
+            <a:r>
+              <a:rPr lang="en-US" dirty="0" err="1"/>
+              <a:t>countX</a:t>
+            </a:r>
+            <a:r>
+              <a:rPr lang="en-US" dirty="0"/>
+              <a:t>(s - 1st char) 	if first char is ‘x’</a:t>
+            </a:r>
+          </a:p>
+          <a:p>
+            <a:pPr marL="0" indent="0">
+              <a:buNone/>
+            </a:pPr>
+            <a:r>
+              <a:rPr lang="en-US" dirty="0"/>
+              <a:t>				    </a:t>
+            </a:r>
+            <a:r>
+              <a:rPr lang="en-US" dirty="0" err="1"/>
+              <a:t>countX</a:t>
+            </a:r>
+            <a:r>
+              <a:rPr lang="en-US" dirty="0"/>
+              <a:t>(s - 1st char) if first char is not ‘x’ </a:t>
             </a:r>
           </a:p>
           <a:p>
@@ -4320,13 +4316,28 @@
           </a:p>
           <a:p>
             <a:endParaRPr lang="en-US" dirty="0"/>
+          </a:p>
+          <a:p>
+            <a:endParaRPr lang="en-US" dirty="0"/>
+          </a:p>
+          <a:p>
+            <a:r>
+              <a:rPr lang="en-US" dirty="0"/>
+              <a:t>Theater time</a:t>
+            </a:r>
+          </a:p>
+          <a:p>
+            <a:r>
+              <a:rPr lang="en-US" dirty="0"/>
+              <a:t>Code time</a:t>
+            </a:r>
           </a:p>
         </p:txBody>
       </p:sp>
     </p:spTree>
     <p:extLst>
       <p:ext uri="{BB962C8B-B14F-4D97-AF65-F5344CB8AC3E}">
-        <p14:creationId xmlns:p14="http://schemas.microsoft.com/office/powerpoint/2010/main" val="3158292533"/>
+        <p14:creationId xmlns:p14="http://schemas.microsoft.com/office/powerpoint/2010/main" val="45859203"/>
       </p:ext>
     </p:extLst>
   </p:cSld>
@@ -4358,7 +4369,7 @@
           <p:cNvPr id="2" name="Title 1">
             <a:extLst>
               <a:ext uri="{FF2B5EF4-FFF2-40B4-BE49-F238E27FC236}">
-                <a16:creationId xmlns:a16="http://schemas.microsoft.com/office/drawing/2014/main" id="{68C67571-74E9-4907-AF31-2AA9FFA8A586}"/>
+                <a16:creationId xmlns:a16="http://schemas.microsoft.com/office/drawing/2014/main" id="{7ADB2A6B-7CBD-431A-BBEA-49353E7575F7}"/>
               </a:ext>
             </a:extLst>
           </p:cNvPr>
@@ -4376,7 +4387,7 @@
           <a:p>
             <a:r>
               <a:rPr lang="en-US" dirty="0"/>
-              <a:t>Permutations</a:t>
+              <a:t>Important recursive algorithms</a:t>
             </a:r>
           </a:p>
         </p:txBody>
@@ -4386,7 +4397,7 @@
           <p:cNvPr id="3" name="Content Placeholder 2">
             <a:extLst>
               <a:ext uri="{FF2B5EF4-FFF2-40B4-BE49-F238E27FC236}">
-                <a16:creationId xmlns:a16="http://schemas.microsoft.com/office/drawing/2014/main" id="{84F37005-7360-486B-97D3-B40B3EB9D02A}"/>
+                <a16:creationId xmlns:a16="http://schemas.microsoft.com/office/drawing/2014/main" id="{1CDEA2DF-A2F3-4477-B2E4-368488D80AC8}"/>
               </a:ext>
             </a:extLst>
           </p:cNvPr>
@@ -4402,30 +4413,21 @@
           <a:bodyPr/>
           <a:lstStyle/>
           <a:p>
-            <a:pPr marL="0" indent="0">
-              <a:buNone/>
-            </a:pPr>
-            <a:r>
-              <a:rPr lang="en-US" dirty="0"/>
-              <a:t>Base Case(s): {””} if s is empty</a:t>
-            </a:r>
-          </a:p>
-          <a:p>
-            <a:pPr marL="0" indent="0">
-              <a:buNone/>
-            </a:pPr>
-            <a:r>
-              <a:rPr lang="en-US" dirty="0"/>
-              <a:t>Recursive Case(s):	for each char c in s</a:t>
-            </a:r>
-          </a:p>
-          <a:p>
-            <a:pPr marL="0" indent="0">
-              <a:buNone/>
-            </a:pPr>
-            <a:r>
-              <a:rPr lang="en-US" dirty="0"/>
-              <a:t>			     Add c prepended to permute(s-c)</a:t>
+            <a:r>
+              <a:rPr lang="en-US" dirty="0"/>
+              <a:t>Generate permutations</a:t>
+            </a:r>
+          </a:p>
+          <a:p>
+            <a:r>
+              <a:rPr lang="en-US" dirty="0"/>
+              <a:t>Generate subsets</a:t>
+            </a:r>
+          </a:p>
+          <a:p>
+            <a:r>
+              <a:rPr lang="en-US" dirty="0"/>
+              <a:t>Generate combinations</a:t>
             </a:r>
           </a:p>
           <a:p>
@@ -4439,7 +4441,7 @@
     </p:spTree>
     <p:extLst>
       <p:ext uri="{BB962C8B-B14F-4D97-AF65-F5344CB8AC3E}">
-        <p14:creationId xmlns:p14="http://schemas.microsoft.com/office/powerpoint/2010/main" val="2079353975"/>
+        <p14:creationId xmlns:p14="http://schemas.microsoft.com/office/powerpoint/2010/main" val="3158292533"/>
       </p:ext>
     </p:extLst>
   </p:cSld>
@@ -4471,7 +4473,7 @@
           <p:cNvPr id="2" name="Title 1">
             <a:extLst>
               <a:ext uri="{FF2B5EF4-FFF2-40B4-BE49-F238E27FC236}">
-                <a16:creationId xmlns:a16="http://schemas.microsoft.com/office/drawing/2014/main" id="{1BA994E3-20B0-49CF-84E5-575410F11713}"/>
+                <a16:creationId xmlns:a16="http://schemas.microsoft.com/office/drawing/2014/main" id="{68C67571-74E9-4907-AF31-2AA9FFA8A586}"/>
               </a:ext>
             </a:extLst>
           </p:cNvPr>
@@ -4488,42 +4490,71 @@
           <a:lstStyle/>
           <a:p>
             <a:r>
-              <a:rPr lang="en-US" dirty="0" err="1"/>
-              <a:t>Identicons</a:t>
-            </a:r>
+              <a:rPr lang="en-US" dirty="0"/>
+              <a:t>Permutations</a:t>
+            </a:r>
+          </a:p>
+        </p:txBody>
+      </p:sp>
+      <p:sp>
+        <p:nvSpPr>
+          <p:cNvPr id="3" name="Content Placeholder 2">
+            <a:extLst>
+              <a:ext uri="{FF2B5EF4-FFF2-40B4-BE49-F238E27FC236}">
+                <a16:creationId xmlns:a16="http://schemas.microsoft.com/office/drawing/2014/main" id="{84F37005-7360-486B-97D3-B40B3EB9D02A}"/>
+              </a:ext>
+            </a:extLst>
+          </p:cNvPr>
+          <p:cNvSpPr>
+            <a:spLocks noGrp="1"/>
+          </p:cNvSpPr>
+          <p:nvPr>
+            <p:ph idx="1"/>
+          </p:nvPr>
+        </p:nvSpPr>
+        <p:spPr/>
+        <p:txBody>
+          <a:bodyPr/>
+          <a:lstStyle/>
+          <a:p>
+            <a:pPr marL="0" indent="0">
+              <a:buNone/>
+            </a:pPr>
+            <a:r>
+              <a:rPr lang="en-US" dirty="0"/>
+              <a:t>Base Case(s): {””} if s is empty</a:t>
+            </a:r>
+          </a:p>
+          <a:p>
+            <a:pPr marL="0" indent="0">
+              <a:buNone/>
+            </a:pPr>
+            <a:r>
+              <a:rPr lang="en-US" dirty="0"/>
+              <a:t>Recursive Case(s):	for each char c in s</a:t>
+            </a:r>
+          </a:p>
+          <a:p>
+            <a:pPr marL="0" indent="0">
+              <a:buNone/>
+            </a:pPr>
+            <a:r>
+              <a:rPr lang="en-US" dirty="0"/>
+              <a:t>			     Add c prepended to permute(s-c)</a:t>
+            </a:r>
+          </a:p>
+          <a:p>
             <a:endParaRPr lang="en-US" dirty="0"/>
           </a:p>
-        </p:txBody>
-      </p:sp>
-      <p:sp>
-        <p:nvSpPr>
-          <p:cNvPr id="3" name="Content Placeholder 2">
-            <a:extLst>
-              <a:ext uri="{FF2B5EF4-FFF2-40B4-BE49-F238E27FC236}">
-                <a16:creationId xmlns:a16="http://schemas.microsoft.com/office/drawing/2014/main" id="{81437E11-398A-42AB-8ED7-4F85F8FDEFF2}"/>
-              </a:ext>
-            </a:extLst>
-          </p:cNvPr>
-          <p:cNvSpPr>
-            <a:spLocks noGrp="1"/>
-          </p:cNvSpPr>
-          <p:nvPr>
-            <p:ph idx="1"/>
-          </p:nvPr>
-        </p:nvSpPr>
-        <p:spPr/>
-        <p:txBody>
-          <a:bodyPr/>
-          <a:lstStyle/>
-          <a:p>
-            <a:endParaRPr lang="en-US"/>
+          <a:p>
+            <a:endParaRPr lang="en-US" dirty="0"/>
           </a:p>
         </p:txBody>
       </p:sp>
     </p:spTree>
     <p:extLst>
       <p:ext uri="{BB962C8B-B14F-4D97-AF65-F5344CB8AC3E}">
-        <p14:creationId xmlns:p14="http://schemas.microsoft.com/office/powerpoint/2010/main" val="1484689044"/>
+        <p14:creationId xmlns:p14="http://schemas.microsoft.com/office/powerpoint/2010/main" val="2079353975"/>
       </p:ext>
     </p:extLst>
   </p:cSld>
@@ -4555,7 +4586,7 @@
           <p:cNvPr id="2" name="Title 1">
             <a:extLst>
               <a:ext uri="{FF2B5EF4-FFF2-40B4-BE49-F238E27FC236}">
-                <a16:creationId xmlns:a16="http://schemas.microsoft.com/office/drawing/2014/main" id="{4C0F0E57-E070-45EF-B1F8-6DB332229DA1}"/>
+                <a16:creationId xmlns:a16="http://schemas.microsoft.com/office/drawing/2014/main" id="{1BA994E3-20B0-49CF-84E5-575410F11713}"/>
               </a:ext>
             </a:extLst>
           </p:cNvPr>
@@ -4572,9 +4603,10 @@
           <a:lstStyle/>
           <a:p>
             <a:r>
-              <a:rPr lang="en-US" dirty="0"/>
-              <a:t>Subsets</a:t>
-            </a:r>
+              <a:rPr lang="en-US" dirty="0" err="1"/>
+              <a:t>Identicons</a:t>
+            </a:r>
+            <a:endParaRPr lang="en-US" dirty="0"/>
           </a:p>
         </p:txBody>
       </p:sp>
@@ -4583,7 +4615,7 @@
           <p:cNvPr id="3" name="Content Placeholder 2">
             <a:extLst>
               <a:ext uri="{FF2B5EF4-FFF2-40B4-BE49-F238E27FC236}">
-                <a16:creationId xmlns:a16="http://schemas.microsoft.com/office/drawing/2014/main" id="{219EDF09-02C8-40BB-9A61-85E28D12D1CE}"/>
+                <a16:creationId xmlns:a16="http://schemas.microsoft.com/office/drawing/2014/main" id="{81437E11-398A-42AB-8ED7-4F85F8FDEFF2}"/>
               </a:ext>
             </a:extLst>
           </p:cNvPr>
@@ -4596,76 +4628,17 @@
         </p:nvSpPr>
         <p:spPr/>
         <p:txBody>
-          <a:bodyPr>
-            <a:normAutofit/>
-          </a:bodyPr>
-          <a:lstStyle/>
-          <a:p>
-            <a:pPr marL="0" indent="0">
-              <a:buNone/>
-            </a:pPr>
-            <a:r>
-              <a:rPr lang="en-US" dirty="0"/>
-              <a:t>Base Case(s): if rest is empty-&gt; {prefix}</a:t>
-            </a:r>
-          </a:p>
-          <a:p>
-            <a:pPr marL="0" indent="0">
-              <a:buNone/>
-            </a:pPr>
-            <a:r>
-              <a:rPr lang="en-US" dirty="0"/>
-              <a:t>Recursive Case(s):	Move first char of rest into prefix.</a:t>
-            </a:r>
-          </a:p>
-          <a:p>
-            <a:pPr marL="0" indent="0">
-              <a:buNone/>
-            </a:pPr>
-            <a:r>
-              <a:rPr lang="en-US" dirty="0"/>
-              <a:t>			Add all subsets of rest prefixed by prefix.</a:t>
-            </a:r>
-          </a:p>
-          <a:p>
-            <a:pPr marL="0" indent="0">
-              <a:buNone/>
-            </a:pPr>
-            <a:r>
-              <a:rPr lang="en-US" dirty="0"/>
-              <a:t>AND</a:t>
-            </a:r>
-          </a:p>
-          <a:p>
-            <a:pPr marL="0" indent="0">
-              <a:buNone/>
-            </a:pPr>
-            <a:r>
-              <a:rPr lang="en-US" dirty="0"/>
-              <a:t>			Remove first char of rest.</a:t>
-            </a:r>
-          </a:p>
-          <a:p>
-            <a:pPr marL="0" indent="0">
-              <a:buNone/>
-            </a:pPr>
-            <a:r>
-              <a:rPr lang="en-US" dirty="0"/>
-              <a:t>			Add a subsets of rest prefixed by prefix.</a:t>
-            </a:r>
-          </a:p>
-          <a:p>
-            <a:pPr marL="0" indent="0">
-              <a:buNone/>
-            </a:pPr>
-            <a:endParaRPr lang="en-US" dirty="0"/>
+          <a:bodyPr/>
+          <a:lstStyle/>
+          <a:p>
+            <a:endParaRPr lang="en-US"/>
           </a:p>
         </p:txBody>
       </p:sp>
     </p:spTree>
     <p:extLst>
       <p:ext uri="{BB962C8B-B14F-4D97-AF65-F5344CB8AC3E}">
-        <p14:creationId xmlns:p14="http://schemas.microsoft.com/office/powerpoint/2010/main" val="4125527948"/>
+        <p14:creationId xmlns:p14="http://schemas.microsoft.com/office/powerpoint/2010/main" val="1484689044"/>
       </p:ext>
     </p:extLst>
   </p:cSld>
@@ -4774,7 +4747,7 @@
           <p:cNvPr id="2" name="Title 1">
             <a:extLst>
               <a:ext uri="{FF2B5EF4-FFF2-40B4-BE49-F238E27FC236}">
-                <a16:creationId xmlns:a16="http://schemas.microsoft.com/office/drawing/2014/main" id="{E9EBC2A2-5223-4E7B-A28A-9104170F91E8}"/>
+                <a16:creationId xmlns:a16="http://schemas.microsoft.com/office/drawing/2014/main" id="{4C0F0E57-E070-45EF-B1F8-6DB332229DA1}"/>
               </a:ext>
             </a:extLst>
           </p:cNvPr>
@@ -4792,7 +4765,7 @@
           <a:p>
             <a:r>
               <a:rPr lang="en-US" dirty="0"/>
-              <a:t>Combinations</a:t>
+              <a:t>Subsets</a:t>
             </a:r>
           </a:p>
         </p:txBody>
@@ -4802,7 +4775,7 @@
           <p:cNvPr id="3" name="Content Placeholder 2">
             <a:extLst>
               <a:ext uri="{FF2B5EF4-FFF2-40B4-BE49-F238E27FC236}">
-                <a16:creationId xmlns:a16="http://schemas.microsoft.com/office/drawing/2014/main" id="{3D99E6A9-E8D6-46AE-A893-034B09E91BFE}"/>
+                <a16:creationId xmlns:a16="http://schemas.microsoft.com/office/drawing/2014/main" id="{219EDF09-02C8-40BB-9A61-85E28D12D1CE}"/>
               </a:ext>
             </a:extLst>
           </p:cNvPr>
@@ -4815,17 +4788,76 @@
         </p:nvSpPr>
         <p:spPr/>
         <p:txBody>
-          <a:bodyPr/>
-          <a:lstStyle/>
-          <a:p>
-            <a:endParaRPr lang="en-US"/>
+          <a:bodyPr>
+            <a:normAutofit/>
+          </a:bodyPr>
+          <a:lstStyle/>
+          <a:p>
+            <a:pPr marL="0" indent="0">
+              <a:buNone/>
+            </a:pPr>
+            <a:r>
+              <a:rPr lang="en-US" dirty="0"/>
+              <a:t>Base Case(s): if rest is empty-&gt; {prefix}</a:t>
+            </a:r>
+          </a:p>
+          <a:p>
+            <a:pPr marL="0" indent="0">
+              <a:buNone/>
+            </a:pPr>
+            <a:r>
+              <a:rPr lang="en-US" dirty="0"/>
+              <a:t>Recursive Case(s):	Move first char of rest into prefix.</a:t>
+            </a:r>
+          </a:p>
+          <a:p>
+            <a:pPr marL="0" indent="0">
+              <a:buNone/>
+            </a:pPr>
+            <a:r>
+              <a:rPr lang="en-US" dirty="0"/>
+              <a:t>			Add all subsets of rest prefixed by prefix.</a:t>
+            </a:r>
+          </a:p>
+          <a:p>
+            <a:pPr marL="0" indent="0">
+              <a:buNone/>
+            </a:pPr>
+            <a:r>
+              <a:rPr lang="en-US" dirty="0"/>
+              <a:t>AND</a:t>
+            </a:r>
+          </a:p>
+          <a:p>
+            <a:pPr marL="0" indent="0">
+              <a:buNone/>
+            </a:pPr>
+            <a:r>
+              <a:rPr lang="en-US" dirty="0"/>
+              <a:t>			Remove first char of rest.</a:t>
+            </a:r>
+          </a:p>
+          <a:p>
+            <a:pPr marL="0" indent="0">
+              <a:buNone/>
+            </a:pPr>
+            <a:r>
+              <a:rPr lang="en-US" dirty="0"/>
+              <a:t>			Add a subsets of rest prefixed by prefix.</a:t>
+            </a:r>
+          </a:p>
+          <a:p>
+            <a:pPr marL="0" indent="0">
+              <a:buNone/>
+            </a:pPr>
+            <a:endParaRPr lang="en-US" dirty="0"/>
           </a:p>
         </p:txBody>
       </p:sp>
     </p:spTree>
     <p:extLst>
       <p:ext uri="{BB962C8B-B14F-4D97-AF65-F5344CB8AC3E}">
-        <p14:creationId xmlns:p14="http://schemas.microsoft.com/office/powerpoint/2010/main" val="41245227"/>
+        <p14:creationId xmlns:p14="http://schemas.microsoft.com/office/powerpoint/2010/main" val="4125527948"/>
       </p:ext>
     </p:extLst>
   </p:cSld>
@@ -4857,7 +4889,7 @@
           <p:cNvPr id="2" name="Title 1">
             <a:extLst>
               <a:ext uri="{FF2B5EF4-FFF2-40B4-BE49-F238E27FC236}">
-                <a16:creationId xmlns:a16="http://schemas.microsoft.com/office/drawing/2014/main" id="{2718247E-E51B-4AEC-927B-8B7916F42968}"/>
+                <a16:creationId xmlns:a16="http://schemas.microsoft.com/office/drawing/2014/main" id="{E9EBC2A2-5223-4E7B-A28A-9104170F91E8}"/>
               </a:ext>
             </a:extLst>
           </p:cNvPr>
@@ -4875,7 +4907,7 @@
           <a:p>
             <a:r>
               <a:rPr lang="en-US" dirty="0"/>
-              <a:t>Recursive backtracking</a:t>
+              <a:t>Combinations</a:t>
             </a:r>
           </a:p>
         </p:txBody>
@@ -4885,7 +4917,7 @@
           <p:cNvPr id="3" name="Content Placeholder 2">
             <a:extLst>
               <a:ext uri="{FF2B5EF4-FFF2-40B4-BE49-F238E27FC236}">
-                <a16:creationId xmlns:a16="http://schemas.microsoft.com/office/drawing/2014/main" id="{D75858E6-EE6B-4ADF-86CD-F85F59D29711}"/>
+                <a16:creationId xmlns:a16="http://schemas.microsoft.com/office/drawing/2014/main" id="{3D99E6A9-E8D6-46AE-A893-034B09E91BFE}"/>
               </a:ext>
             </a:extLst>
           </p:cNvPr>
@@ -4901,17 +4933,14 @@
           <a:bodyPr/>
           <a:lstStyle/>
           <a:p>
-            <a:r>
-              <a:rPr lang="en-US" dirty="0"/>
-              <a:t>Maze solving</a:t>
-            </a:r>
+            <a:endParaRPr lang="en-US"/>
           </a:p>
         </p:txBody>
       </p:sp>
     </p:spTree>
     <p:extLst>
       <p:ext uri="{BB962C8B-B14F-4D97-AF65-F5344CB8AC3E}">
-        <p14:creationId xmlns:p14="http://schemas.microsoft.com/office/powerpoint/2010/main" val="318988732"/>
+        <p14:creationId xmlns:p14="http://schemas.microsoft.com/office/powerpoint/2010/main" val="41245227"/>
       </p:ext>
     </p:extLst>
   </p:cSld>
@@ -4943,6 +4972,92 @@
           <p:cNvPr id="2" name="Title 1">
             <a:extLst>
               <a:ext uri="{FF2B5EF4-FFF2-40B4-BE49-F238E27FC236}">
+                <a16:creationId xmlns:a16="http://schemas.microsoft.com/office/drawing/2014/main" id="{2718247E-E51B-4AEC-927B-8B7916F42968}"/>
+              </a:ext>
+            </a:extLst>
+          </p:cNvPr>
+          <p:cNvSpPr>
+            <a:spLocks noGrp="1"/>
+          </p:cNvSpPr>
+          <p:nvPr>
+            <p:ph type="title"/>
+          </p:nvPr>
+        </p:nvSpPr>
+        <p:spPr/>
+        <p:txBody>
+          <a:bodyPr/>
+          <a:lstStyle/>
+          <a:p>
+            <a:r>
+              <a:rPr lang="en-US" dirty="0"/>
+              <a:t>Recursive backtracking</a:t>
+            </a:r>
+          </a:p>
+        </p:txBody>
+      </p:sp>
+      <p:sp>
+        <p:nvSpPr>
+          <p:cNvPr id="3" name="Content Placeholder 2">
+            <a:extLst>
+              <a:ext uri="{FF2B5EF4-FFF2-40B4-BE49-F238E27FC236}">
+                <a16:creationId xmlns:a16="http://schemas.microsoft.com/office/drawing/2014/main" id="{D75858E6-EE6B-4ADF-86CD-F85F59D29711}"/>
+              </a:ext>
+            </a:extLst>
+          </p:cNvPr>
+          <p:cNvSpPr>
+            <a:spLocks noGrp="1"/>
+          </p:cNvSpPr>
+          <p:nvPr>
+            <p:ph idx="1"/>
+          </p:nvPr>
+        </p:nvSpPr>
+        <p:spPr/>
+        <p:txBody>
+          <a:bodyPr/>
+          <a:lstStyle/>
+          <a:p>
+            <a:r>
+              <a:rPr lang="en-US" dirty="0"/>
+              <a:t>Maze solving</a:t>
+            </a:r>
+          </a:p>
+        </p:txBody>
+      </p:sp>
+    </p:spTree>
+    <p:extLst>
+      <p:ext uri="{BB962C8B-B14F-4D97-AF65-F5344CB8AC3E}">
+        <p14:creationId xmlns:p14="http://schemas.microsoft.com/office/powerpoint/2010/main" val="318988732"/>
+      </p:ext>
+    </p:extLst>
+  </p:cSld>
+  <p:clrMapOvr>
+    <a:masterClrMapping/>
+  </p:clrMapOvr>
+</p:sld>
+</file>
+
+<file path=ppt/slides/slide23.xml><?xml version="1.0" encoding="utf-8"?>
+<p:sld xmlns:a="http://schemas.openxmlformats.org/drawingml/2006/main" xmlns:r="http://schemas.openxmlformats.org/officeDocument/2006/relationships" xmlns:p="http://schemas.openxmlformats.org/presentationml/2006/main">
+  <p:cSld>
+    <p:spTree>
+      <p:nvGrpSpPr>
+        <p:cNvPr id="1" name=""/>
+        <p:cNvGrpSpPr/>
+        <p:nvPr/>
+      </p:nvGrpSpPr>
+      <p:grpSpPr>
+        <a:xfrm>
+          <a:off x="0" y="0"/>
+          <a:ext cx="0" cy="0"/>
+          <a:chOff x="0" y="0"/>
+          <a:chExt cx="0" cy="0"/>
+        </a:xfrm>
+      </p:grpSpPr>
+      <p:sp>
+        <p:nvSpPr>
+          <p:cNvPr id="2" name="Title 1">
+            <a:extLst>
+              <a:ext uri="{FF2B5EF4-FFF2-40B4-BE49-F238E27FC236}">
                 <a16:creationId xmlns:a16="http://schemas.microsoft.com/office/drawing/2014/main" id="{E955ACA9-9B3B-498B-A523-078AD701DBDB}"/>
               </a:ext>
             </a:extLst>
@@ -5093,7 +5208,7 @@
 </p:sld>
 </file>
 
-<file path=ppt/slides/slide23.xml><?xml version="1.0" encoding="utf-8"?>
+<file path=ppt/slides/slide24.xml><?xml version="1.0" encoding="utf-8"?>
 <p:sld xmlns:a="http://schemas.openxmlformats.org/drawingml/2006/main" xmlns:r="http://schemas.openxmlformats.org/officeDocument/2006/relationships" xmlns:p="http://schemas.openxmlformats.org/presentationml/2006/main">
   <p:cSld>
     <p:spTree>

--- a/notes.pptx
+++ b/notes.pptx
@@ -282,7 +282,7 @@
           <a:p>
             <a:fld id="{DE176E02-7D44-4713-8078-8E0963CF8DDB}" type="datetimeFigureOut">
               <a:rPr lang="en-US" smtClean="0"/>
-              <a:t>9/4/2019</a:t>
+              <a:t>9/6/2019</a:t>
             </a:fld>
             <a:endParaRPr lang="en-US"/>
           </a:p>
@@ -480,7 +480,7 @@
           <a:p>
             <a:fld id="{DE176E02-7D44-4713-8078-8E0963CF8DDB}" type="datetimeFigureOut">
               <a:rPr lang="en-US" smtClean="0"/>
-              <a:t>9/4/2019</a:t>
+              <a:t>9/6/2019</a:t>
             </a:fld>
             <a:endParaRPr lang="en-US"/>
           </a:p>
@@ -688,7 +688,7 @@
           <a:p>
             <a:fld id="{DE176E02-7D44-4713-8078-8E0963CF8DDB}" type="datetimeFigureOut">
               <a:rPr lang="en-US" smtClean="0"/>
-              <a:t>9/4/2019</a:t>
+              <a:t>9/6/2019</a:t>
             </a:fld>
             <a:endParaRPr lang="en-US"/>
           </a:p>
@@ -886,7 +886,7 @@
           <a:p>
             <a:fld id="{DE176E02-7D44-4713-8078-8E0963CF8DDB}" type="datetimeFigureOut">
               <a:rPr lang="en-US" smtClean="0"/>
-              <a:t>9/4/2019</a:t>
+              <a:t>9/6/2019</a:t>
             </a:fld>
             <a:endParaRPr lang="en-US"/>
           </a:p>
@@ -1161,7 +1161,7 @@
           <a:p>
             <a:fld id="{DE176E02-7D44-4713-8078-8E0963CF8DDB}" type="datetimeFigureOut">
               <a:rPr lang="en-US" smtClean="0"/>
-              <a:t>9/4/2019</a:t>
+              <a:t>9/6/2019</a:t>
             </a:fld>
             <a:endParaRPr lang="en-US"/>
           </a:p>
@@ -1426,7 +1426,7 @@
           <a:p>
             <a:fld id="{DE176E02-7D44-4713-8078-8E0963CF8DDB}" type="datetimeFigureOut">
               <a:rPr lang="en-US" smtClean="0"/>
-              <a:t>9/4/2019</a:t>
+              <a:t>9/6/2019</a:t>
             </a:fld>
             <a:endParaRPr lang="en-US"/>
           </a:p>
@@ -1838,7 +1838,7 @@
           <a:p>
             <a:fld id="{DE176E02-7D44-4713-8078-8E0963CF8DDB}" type="datetimeFigureOut">
               <a:rPr lang="en-US" smtClean="0"/>
-              <a:t>9/4/2019</a:t>
+              <a:t>9/6/2019</a:t>
             </a:fld>
             <a:endParaRPr lang="en-US"/>
           </a:p>
@@ -1979,7 +1979,7 @@
           <a:p>
             <a:fld id="{DE176E02-7D44-4713-8078-8E0963CF8DDB}" type="datetimeFigureOut">
               <a:rPr lang="en-US" smtClean="0"/>
-              <a:t>9/4/2019</a:t>
+              <a:t>9/6/2019</a:t>
             </a:fld>
             <a:endParaRPr lang="en-US"/>
           </a:p>
@@ -2092,7 +2092,7 @@
           <a:p>
             <a:fld id="{DE176E02-7D44-4713-8078-8E0963CF8DDB}" type="datetimeFigureOut">
               <a:rPr lang="en-US" smtClean="0"/>
-              <a:t>9/4/2019</a:t>
+              <a:t>9/6/2019</a:t>
             </a:fld>
             <a:endParaRPr lang="en-US"/>
           </a:p>
@@ -2403,7 +2403,7 @@
           <a:p>
             <a:fld id="{DE176E02-7D44-4713-8078-8E0963CF8DDB}" type="datetimeFigureOut">
               <a:rPr lang="en-US" smtClean="0"/>
-              <a:t>9/4/2019</a:t>
+              <a:t>9/6/2019</a:t>
             </a:fld>
             <a:endParaRPr lang="en-US"/>
           </a:p>
@@ -2691,7 +2691,7 @@
           <a:p>
             <a:fld id="{DE176E02-7D44-4713-8078-8E0963CF8DDB}" type="datetimeFigureOut">
               <a:rPr lang="en-US" smtClean="0"/>
-              <a:t>9/4/2019</a:t>
+              <a:t>9/6/2019</a:t>
             </a:fld>
             <a:endParaRPr lang="en-US"/>
           </a:p>
@@ -2932,7 +2932,7 @@
           <a:p>
             <a:fld id="{DE176E02-7D44-4713-8078-8E0963CF8DDB}" type="datetimeFigureOut">
               <a:rPr lang="en-US" smtClean="0"/>
-              <a:t>9/4/2019</a:t>
+              <a:t>9/6/2019</a:t>
             </a:fld>
             <a:endParaRPr lang="en-US"/>
           </a:p>

--- a/notes.pptx
+++ b/notes.pptx
@@ -29,6 +29,11 @@
     <p:sldId id="277" r:id="rId23"/>
     <p:sldId id="278" r:id="rId24"/>
     <p:sldId id="279" r:id="rId25"/>
+    <p:sldId id="281" r:id="rId26"/>
+    <p:sldId id="282" r:id="rId27"/>
+    <p:sldId id="283" r:id="rId28"/>
+    <p:sldId id="284" r:id="rId29"/>
+    <p:sldId id="285" r:id="rId30"/>
   </p:sldIdLst>
   <p:sldSz cx="12192000" cy="6858000"/>
   <p:notesSz cx="6858000" cy="9144000"/>
@@ -282,7 +287,7 @@
           <a:p>
             <a:fld id="{DE176E02-7D44-4713-8078-8E0963CF8DDB}" type="datetimeFigureOut">
               <a:rPr lang="en-US" smtClean="0"/>
-              <a:t>9/6/2019</a:t>
+              <a:t>9/9/2019</a:t>
             </a:fld>
             <a:endParaRPr lang="en-US"/>
           </a:p>
@@ -480,7 +485,7 @@
           <a:p>
             <a:fld id="{DE176E02-7D44-4713-8078-8E0963CF8DDB}" type="datetimeFigureOut">
               <a:rPr lang="en-US" smtClean="0"/>
-              <a:t>9/6/2019</a:t>
+              <a:t>9/9/2019</a:t>
             </a:fld>
             <a:endParaRPr lang="en-US"/>
           </a:p>
@@ -688,7 +693,7 @@
           <a:p>
             <a:fld id="{DE176E02-7D44-4713-8078-8E0963CF8DDB}" type="datetimeFigureOut">
               <a:rPr lang="en-US" smtClean="0"/>
-              <a:t>9/6/2019</a:t>
+              <a:t>9/9/2019</a:t>
             </a:fld>
             <a:endParaRPr lang="en-US"/>
           </a:p>
@@ -886,7 +891,7 @@
           <a:p>
             <a:fld id="{DE176E02-7D44-4713-8078-8E0963CF8DDB}" type="datetimeFigureOut">
               <a:rPr lang="en-US" smtClean="0"/>
-              <a:t>9/6/2019</a:t>
+              <a:t>9/9/2019</a:t>
             </a:fld>
             <a:endParaRPr lang="en-US"/>
           </a:p>
@@ -1161,7 +1166,7 @@
           <a:p>
             <a:fld id="{DE176E02-7D44-4713-8078-8E0963CF8DDB}" type="datetimeFigureOut">
               <a:rPr lang="en-US" smtClean="0"/>
-              <a:t>9/6/2019</a:t>
+              <a:t>9/9/2019</a:t>
             </a:fld>
             <a:endParaRPr lang="en-US"/>
           </a:p>
@@ -1426,7 +1431,7 @@
           <a:p>
             <a:fld id="{DE176E02-7D44-4713-8078-8E0963CF8DDB}" type="datetimeFigureOut">
               <a:rPr lang="en-US" smtClean="0"/>
-              <a:t>9/6/2019</a:t>
+              <a:t>9/9/2019</a:t>
             </a:fld>
             <a:endParaRPr lang="en-US"/>
           </a:p>
@@ -1838,7 +1843,7 @@
           <a:p>
             <a:fld id="{DE176E02-7D44-4713-8078-8E0963CF8DDB}" type="datetimeFigureOut">
               <a:rPr lang="en-US" smtClean="0"/>
-              <a:t>9/6/2019</a:t>
+              <a:t>9/9/2019</a:t>
             </a:fld>
             <a:endParaRPr lang="en-US"/>
           </a:p>
@@ -1979,7 +1984,7 @@
           <a:p>
             <a:fld id="{DE176E02-7D44-4713-8078-8E0963CF8DDB}" type="datetimeFigureOut">
               <a:rPr lang="en-US" smtClean="0"/>
-              <a:t>9/6/2019</a:t>
+              <a:t>9/9/2019</a:t>
             </a:fld>
             <a:endParaRPr lang="en-US"/>
           </a:p>
@@ -2092,7 +2097,7 @@
           <a:p>
             <a:fld id="{DE176E02-7D44-4713-8078-8E0963CF8DDB}" type="datetimeFigureOut">
               <a:rPr lang="en-US" smtClean="0"/>
-              <a:t>9/6/2019</a:t>
+              <a:t>9/9/2019</a:t>
             </a:fld>
             <a:endParaRPr lang="en-US"/>
           </a:p>
@@ -2403,7 +2408,7 @@
           <a:p>
             <a:fld id="{DE176E02-7D44-4713-8078-8E0963CF8DDB}" type="datetimeFigureOut">
               <a:rPr lang="en-US" smtClean="0"/>
-              <a:t>9/6/2019</a:t>
+              <a:t>9/9/2019</a:t>
             </a:fld>
             <a:endParaRPr lang="en-US"/>
           </a:p>
@@ -2691,7 +2696,7 @@
           <a:p>
             <a:fld id="{DE176E02-7D44-4713-8078-8E0963CF8DDB}" type="datetimeFigureOut">
               <a:rPr lang="en-US" smtClean="0"/>
-              <a:t>9/6/2019</a:t>
+              <a:t>9/9/2019</a:t>
             </a:fld>
             <a:endParaRPr lang="en-US"/>
           </a:p>
@@ -2932,7 +2937,7 @@
           <a:p>
             <a:fld id="{DE176E02-7D44-4713-8078-8E0963CF8DDB}" type="datetimeFigureOut">
               <a:rPr lang="en-US" smtClean="0"/>
-              <a:t>9/6/2019</a:t>
+              <a:t>9/9/2019</a:t>
             </a:fld>
             <a:endParaRPr lang="en-US"/>
           </a:p>
@@ -5291,6 +5296,524 @@
 </p:sld>
 </file>
 
+<file path=ppt/slides/slide25.xml><?xml version="1.0" encoding="utf-8"?>
+<p:sld xmlns:a="http://schemas.openxmlformats.org/drawingml/2006/main" xmlns:r="http://schemas.openxmlformats.org/officeDocument/2006/relationships" xmlns:p="http://schemas.openxmlformats.org/presentationml/2006/main">
+  <p:cSld>
+    <p:spTree>
+      <p:nvGrpSpPr>
+        <p:cNvPr id="1" name=""/>
+        <p:cNvGrpSpPr/>
+        <p:nvPr/>
+      </p:nvGrpSpPr>
+      <p:grpSpPr>
+        <a:xfrm>
+          <a:off x="0" y="0"/>
+          <a:ext cx="0" cy="0"/>
+          <a:chOff x="0" y="0"/>
+          <a:chExt cx="0" cy="0"/>
+        </a:xfrm>
+      </p:grpSpPr>
+      <p:sp>
+        <p:nvSpPr>
+          <p:cNvPr id="2" name="Title 1">
+            <a:extLst>
+              <a:ext uri="{FF2B5EF4-FFF2-40B4-BE49-F238E27FC236}">
+                <a16:creationId xmlns:a16="http://schemas.microsoft.com/office/drawing/2014/main" id="{6AEB7028-C2AA-414E-BC33-DDC47AF73769}"/>
+              </a:ext>
+            </a:extLst>
+          </p:cNvPr>
+          <p:cNvSpPr>
+            <a:spLocks noGrp="1"/>
+          </p:cNvSpPr>
+          <p:nvPr>
+            <p:ph type="title"/>
+          </p:nvPr>
+        </p:nvSpPr>
+        <p:spPr/>
+        <p:txBody>
+          <a:bodyPr/>
+          <a:lstStyle/>
+          <a:p>
+            <a:r>
+              <a:rPr lang="en-US" dirty="0"/>
+              <a:t>N queens</a:t>
+            </a:r>
+          </a:p>
+        </p:txBody>
+      </p:sp>
+      <p:sp>
+        <p:nvSpPr>
+          <p:cNvPr id="3" name="Content Placeholder 2">
+            <a:extLst>
+              <a:ext uri="{FF2B5EF4-FFF2-40B4-BE49-F238E27FC236}">
+                <a16:creationId xmlns:a16="http://schemas.microsoft.com/office/drawing/2014/main" id="{06BF2BD1-C7C2-46F5-86EA-8C3AE53604B4}"/>
+              </a:ext>
+            </a:extLst>
+          </p:cNvPr>
+          <p:cNvSpPr>
+            <a:spLocks noGrp="1"/>
+          </p:cNvSpPr>
+          <p:nvPr>
+            <p:ph idx="1"/>
+          </p:nvPr>
+        </p:nvSpPr>
+        <p:spPr/>
+        <p:txBody>
+          <a:bodyPr/>
+          <a:lstStyle/>
+          <a:p>
+            <a:pPr marL="0" indent="0">
+              <a:buNone/>
+            </a:pPr>
+            <a:r>
+              <a:rPr lang="en-US" dirty="0"/>
+              <a:t>Given an </a:t>
+            </a:r>
+            <a:r>
+              <a:rPr lang="en-US" dirty="0" err="1"/>
+              <a:t>nxn</a:t>
+            </a:r>
+            <a:r>
+              <a:rPr lang="en-US" dirty="0"/>
+              <a:t> chess board, place n queens on the board such that no two queens are attacking each other.  No two queens can be on the same column, row, or diagonal. </a:t>
+            </a:r>
+          </a:p>
+        </p:txBody>
+      </p:sp>
+    </p:spTree>
+    <p:extLst>
+      <p:ext uri="{BB962C8B-B14F-4D97-AF65-F5344CB8AC3E}">
+        <p14:creationId xmlns:p14="http://schemas.microsoft.com/office/powerpoint/2010/main" val="3854603280"/>
+      </p:ext>
+    </p:extLst>
+  </p:cSld>
+  <p:clrMapOvr>
+    <a:masterClrMapping/>
+  </p:clrMapOvr>
+</p:sld>
+</file>
+
+<file path=ppt/slides/slide26.xml><?xml version="1.0" encoding="utf-8"?>
+<p:sld xmlns:a="http://schemas.openxmlformats.org/drawingml/2006/main" xmlns:r="http://schemas.openxmlformats.org/officeDocument/2006/relationships" xmlns:p="http://schemas.openxmlformats.org/presentationml/2006/main">
+  <p:cSld>
+    <p:spTree>
+      <p:nvGrpSpPr>
+        <p:cNvPr id="1" name=""/>
+        <p:cNvGrpSpPr/>
+        <p:nvPr/>
+      </p:nvGrpSpPr>
+      <p:grpSpPr>
+        <a:xfrm>
+          <a:off x="0" y="0"/>
+          <a:ext cx="0" cy="0"/>
+          <a:chOff x="0" y="0"/>
+          <a:chExt cx="0" cy="0"/>
+        </a:xfrm>
+      </p:grpSpPr>
+      <p:sp>
+        <p:nvSpPr>
+          <p:cNvPr id="2" name="Title 1">
+            <a:extLst>
+              <a:ext uri="{FF2B5EF4-FFF2-40B4-BE49-F238E27FC236}">
+                <a16:creationId xmlns:a16="http://schemas.microsoft.com/office/drawing/2014/main" id="{E76E1F78-F2C3-4982-8B7B-FD4D8B9D2496}"/>
+              </a:ext>
+            </a:extLst>
+          </p:cNvPr>
+          <p:cNvSpPr>
+            <a:spLocks noGrp="1"/>
+          </p:cNvSpPr>
+          <p:nvPr>
+            <p:ph type="title"/>
+          </p:nvPr>
+        </p:nvSpPr>
+        <p:spPr/>
+        <p:txBody>
+          <a:bodyPr/>
+          <a:lstStyle/>
+          <a:p>
+            <a:r>
+              <a:rPr lang="en-US" dirty="0"/>
+              <a:t>Sudoku</a:t>
+            </a:r>
+          </a:p>
+        </p:txBody>
+      </p:sp>
+      <p:sp>
+        <p:nvSpPr>
+          <p:cNvPr id="3" name="Content Placeholder 2">
+            <a:extLst>
+              <a:ext uri="{FF2B5EF4-FFF2-40B4-BE49-F238E27FC236}">
+                <a16:creationId xmlns:a16="http://schemas.microsoft.com/office/drawing/2014/main" id="{CC8ED398-445A-43D8-840A-325140985F7E}"/>
+              </a:ext>
+            </a:extLst>
+          </p:cNvPr>
+          <p:cNvSpPr>
+            <a:spLocks noGrp="1"/>
+          </p:cNvSpPr>
+          <p:nvPr>
+            <p:ph idx="1"/>
+          </p:nvPr>
+        </p:nvSpPr>
+        <p:spPr/>
+        <p:txBody>
+          <a:bodyPr/>
+          <a:lstStyle/>
+          <a:p>
+            <a:pPr marL="0" indent="0">
+              <a:buNone/>
+            </a:pPr>
+            <a:r>
+              <a:rPr lang="en-US" dirty="0">
+                <a:hlinkClick r:id="rId2"/>
+              </a:rPr>
+              <a:t>https://en.wikipedia.org/wiki/Sudoku_solving_algorithms</a:t>
+            </a:r>
+            <a:endParaRPr lang="en-US" dirty="0"/>
+          </a:p>
+        </p:txBody>
+      </p:sp>
+    </p:spTree>
+    <p:extLst>
+      <p:ext uri="{BB962C8B-B14F-4D97-AF65-F5344CB8AC3E}">
+        <p14:creationId xmlns:p14="http://schemas.microsoft.com/office/powerpoint/2010/main" val="2795494984"/>
+      </p:ext>
+    </p:extLst>
+  </p:cSld>
+  <p:clrMapOvr>
+    <a:masterClrMapping/>
+  </p:clrMapOvr>
+</p:sld>
+</file>
+
+<file path=ppt/slides/slide27.xml><?xml version="1.0" encoding="utf-8"?>
+<p:sld xmlns:a="http://schemas.openxmlformats.org/drawingml/2006/main" xmlns:r="http://schemas.openxmlformats.org/officeDocument/2006/relationships" xmlns:p="http://schemas.openxmlformats.org/presentationml/2006/main">
+  <p:cSld>
+    <p:spTree>
+      <p:nvGrpSpPr>
+        <p:cNvPr id="1" name=""/>
+        <p:cNvGrpSpPr/>
+        <p:nvPr/>
+      </p:nvGrpSpPr>
+      <p:grpSpPr>
+        <a:xfrm>
+          <a:off x="0" y="0"/>
+          <a:ext cx="0" cy="0"/>
+          <a:chOff x="0" y="0"/>
+          <a:chExt cx="0" cy="0"/>
+        </a:xfrm>
+      </p:grpSpPr>
+      <p:sp>
+        <p:nvSpPr>
+          <p:cNvPr id="2" name="Title 1">
+            <a:extLst>
+              <a:ext uri="{FF2B5EF4-FFF2-40B4-BE49-F238E27FC236}">
+                <a16:creationId xmlns:a16="http://schemas.microsoft.com/office/drawing/2014/main" id="{98A7B041-70D8-43E4-A222-FC17BB14A7B3}"/>
+              </a:ext>
+            </a:extLst>
+          </p:cNvPr>
+          <p:cNvSpPr>
+            <a:spLocks noGrp="1"/>
+          </p:cNvSpPr>
+          <p:nvPr>
+            <p:ph type="title"/>
+          </p:nvPr>
+        </p:nvSpPr>
+        <p:spPr/>
+        <p:txBody>
+          <a:bodyPr/>
+          <a:lstStyle/>
+          <a:p>
+            <a:r>
+              <a:rPr lang="en-US" dirty="0"/>
+              <a:t>Split array</a:t>
+            </a:r>
+          </a:p>
+        </p:txBody>
+      </p:sp>
+      <p:sp>
+        <p:nvSpPr>
+          <p:cNvPr id="3" name="Content Placeholder 2">
+            <a:extLst>
+              <a:ext uri="{FF2B5EF4-FFF2-40B4-BE49-F238E27FC236}">
+                <a16:creationId xmlns:a16="http://schemas.microsoft.com/office/drawing/2014/main" id="{E632A30D-0D02-4266-8465-277FD2AFFBA8}"/>
+              </a:ext>
+            </a:extLst>
+          </p:cNvPr>
+          <p:cNvSpPr>
+            <a:spLocks noGrp="1"/>
+          </p:cNvSpPr>
+          <p:nvPr>
+            <p:ph idx="1"/>
+          </p:nvPr>
+        </p:nvSpPr>
+        <p:spPr/>
+        <p:txBody>
+          <a:bodyPr/>
+          <a:lstStyle/>
+          <a:p>
+            <a:pPr marL="0" indent="0">
+              <a:buNone/>
+            </a:pPr>
+            <a:r>
+              <a:rPr lang="en-US" dirty="0"/>
+              <a:t>Given an array of int values, can the values be split in into 2 groups that have equal sum?</a:t>
+            </a:r>
+          </a:p>
+          <a:p>
+            <a:pPr marL="0" indent="0">
+              <a:buNone/>
+            </a:pPr>
+            <a:endParaRPr lang="en-US" dirty="0"/>
+          </a:p>
+          <a:p>
+            <a:pPr marL="0" indent="0">
+              <a:buNone/>
+            </a:pPr>
+            <a:r>
+              <a:rPr lang="en-US" dirty="0"/>
+              <a:t>E.g. 	{5, 1, 4}	Yes -&gt; {5}  {1, 4}	-&gt;	true</a:t>
+            </a:r>
+          </a:p>
+          <a:p>
+            <a:pPr marL="0" indent="0">
+              <a:buNone/>
+            </a:pPr>
+            <a:r>
+              <a:rPr lang="en-US" dirty="0"/>
+              <a:t>	{3, 2, 6} 	No			-&gt;	false</a:t>
+            </a:r>
+          </a:p>
+          <a:p>
+            <a:pPr marL="0" indent="0">
+              <a:buNone/>
+            </a:pPr>
+            <a:endParaRPr lang="en-US" dirty="0"/>
+          </a:p>
+        </p:txBody>
+      </p:sp>
+    </p:spTree>
+    <p:extLst>
+      <p:ext uri="{BB962C8B-B14F-4D97-AF65-F5344CB8AC3E}">
+        <p14:creationId xmlns:p14="http://schemas.microsoft.com/office/powerpoint/2010/main" val="293652463"/>
+      </p:ext>
+    </p:extLst>
+  </p:cSld>
+  <p:clrMapOvr>
+    <a:masterClrMapping/>
+  </p:clrMapOvr>
+</p:sld>
+</file>
+
+<file path=ppt/slides/slide28.xml><?xml version="1.0" encoding="utf-8"?>
+<p:sld xmlns:a="http://schemas.openxmlformats.org/drawingml/2006/main" xmlns:r="http://schemas.openxmlformats.org/officeDocument/2006/relationships" xmlns:p="http://schemas.openxmlformats.org/presentationml/2006/main">
+  <p:cSld>
+    <p:spTree>
+      <p:nvGrpSpPr>
+        <p:cNvPr id="1" name=""/>
+        <p:cNvGrpSpPr/>
+        <p:nvPr/>
+      </p:nvGrpSpPr>
+      <p:grpSpPr>
+        <a:xfrm>
+          <a:off x="0" y="0"/>
+          <a:ext cx="0" cy="0"/>
+          <a:chOff x="0" y="0"/>
+          <a:chExt cx="0" cy="0"/>
+        </a:xfrm>
+      </p:grpSpPr>
+      <p:sp>
+        <p:nvSpPr>
+          <p:cNvPr id="2" name="Title 1">
+            <a:extLst>
+              <a:ext uri="{FF2B5EF4-FFF2-40B4-BE49-F238E27FC236}">
+                <a16:creationId xmlns:a16="http://schemas.microsoft.com/office/drawing/2014/main" id="{45917D48-2268-4CB0-8526-3FBD3A9A31A5}"/>
+              </a:ext>
+            </a:extLst>
+          </p:cNvPr>
+          <p:cNvSpPr>
+            <a:spLocks noGrp="1"/>
+          </p:cNvSpPr>
+          <p:nvPr>
+            <p:ph type="title"/>
+          </p:nvPr>
+        </p:nvSpPr>
+        <p:spPr/>
+        <p:txBody>
+          <a:bodyPr/>
+          <a:lstStyle/>
+          <a:p>
+            <a:r>
+              <a:rPr lang="en-US" dirty="0"/>
+              <a:t>Split array</a:t>
+            </a:r>
+          </a:p>
+        </p:txBody>
+      </p:sp>
+      <p:sp>
+        <p:nvSpPr>
+          <p:cNvPr id="3" name="Content Placeholder 2">
+            <a:extLst>
+              <a:ext uri="{FF2B5EF4-FFF2-40B4-BE49-F238E27FC236}">
+                <a16:creationId xmlns:a16="http://schemas.microsoft.com/office/drawing/2014/main" id="{8030915B-CBC2-470E-96EC-CAE40E95A43C}"/>
+              </a:ext>
+            </a:extLst>
+          </p:cNvPr>
+          <p:cNvSpPr>
+            <a:spLocks noGrp="1"/>
+          </p:cNvSpPr>
+          <p:nvPr>
+            <p:ph idx="1"/>
+          </p:nvPr>
+        </p:nvSpPr>
+        <p:spPr/>
+        <p:txBody>
+          <a:bodyPr/>
+          <a:lstStyle/>
+          <a:p>
+            <a:pPr marL="0" indent="0">
+              <a:buNone/>
+            </a:pPr>
+            <a:r>
+              <a:rPr lang="en-US" dirty="0" err="1"/>
+              <a:t>splitArray</a:t>
+            </a:r>
+            <a:r>
+              <a:rPr lang="en-US" dirty="0"/>
+              <a:t>(</a:t>
+            </a:r>
+            <a:r>
+              <a:rPr lang="en-US" dirty="0" err="1"/>
+              <a:t>nums</a:t>
+            </a:r>
+            <a:r>
+              <a:rPr lang="en-US" dirty="0"/>
+              <a:t>, s1, s2, start)</a:t>
+            </a:r>
+          </a:p>
+          <a:p>
+            <a:pPr marL="0" indent="0">
+              <a:buNone/>
+            </a:pPr>
+            <a:r>
+              <a:rPr lang="en-US" dirty="0"/>
+              <a:t> Can we put </a:t>
+            </a:r>
+            <a:r>
+              <a:rPr lang="en-US" dirty="0" err="1"/>
+              <a:t>nums</a:t>
+            </a:r>
+            <a:r>
+              <a:rPr lang="en-US" dirty="0"/>
+              <a:t> from start on into s1 &amp; s2 such that s1==s2</a:t>
+            </a:r>
+          </a:p>
+          <a:p>
+            <a:pPr marL="0" indent="0">
+              <a:buNone/>
+            </a:pPr>
+            <a:endParaRPr lang="en-US" dirty="0"/>
+          </a:p>
+        </p:txBody>
+      </p:sp>
+    </p:spTree>
+    <p:extLst>
+      <p:ext uri="{BB962C8B-B14F-4D97-AF65-F5344CB8AC3E}">
+        <p14:creationId xmlns:p14="http://schemas.microsoft.com/office/powerpoint/2010/main" val="2146837050"/>
+      </p:ext>
+    </p:extLst>
+  </p:cSld>
+  <p:clrMapOvr>
+    <a:masterClrMapping/>
+  </p:clrMapOvr>
+</p:sld>
+</file>
+
+<file path=ppt/slides/slide29.xml><?xml version="1.0" encoding="utf-8"?>
+<p:sld xmlns:a="http://schemas.openxmlformats.org/drawingml/2006/main" xmlns:r="http://schemas.openxmlformats.org/officeDocument/2006/relationships" xmlns:p="http://schemas.openxmlformats.org/presentationml/2006/main">
+  <p:cSld>
+    <p:spTree>
+      <p:nvGrpSpPr>
+        <p:cNvPr id="1" name=""/>
+        <p:cNvGrpSpPr/>
+        <p:nvPr/>
+      </p:nvGrpSpPr>
+      <p:grpSpPr>
+        <a:xfrm>
+          <a:off x="0" y="0"/>
+          <a:ext cx="0" cy="0"/>
+          <a:chOff x="0" y="0"/>
+          <a:chExt cx="0" cy="0"/>
+        </a:xfrm>
+      </p:grpSpPr>
+      <p:sp>
+        <p:nvSpPr>
+          <p:cNvPr id="2" name="Title 1">
+            <a:extLst>
+              <a:ext uri="{FF2B5EF4-FFF2-40B4-BE49-F238E27FC236}">
+                <a16:creationId xmlns:a16="http://schemas.microsoft.com/office/drawing/2014/main" id="{EB9EC9C9-1361-4832-A8B4-A7986CDF8F1B}"/>
+              </a:ext>
+            </a:extLst>
+          </p:cNvPr>
+          <p:cNvSpPr>
+            <a:spLocks noGrp="1"/>
+          </p:cNvSpPr>
+          <p:nvPr>
+            <p:ph type="title"/>
+          </p:nvPr>
+        </p:nvSpPr>
+        <p:spPr/>
+        <p:txBody>
+          <a:bodyPr/>
+          <a:lstStyle/>
+          <a:p>
+            <a:r>
+              <a:rPr lang="en-US" dirty="0"/>
+              <a:t>How can we find actual numbers?</a:t>
+            </a:r>
+          </a:p>
+        </p:txBody>
+      </p:sp>
+      <p:sp>
+        <p:nvSpPr>
+          <p:cNvPr id="3" name="Content Placeholder 2">
+            <a:extLst>
+              <a:ext uri="{FF2B5EF4-FFF2-40B4-BE49-F238E27FC236}">
+                <a16:creationId xmlns:a16="http://schemas.microsoft.com/office/drawing/2014/main" id="{F7BF3D71-2094-437E-AD0F-66D90BD9447B}"/>
+              </a:ext>
+            </a:extLst>
+          </p:cNvPr>
+          <p:cNvSpPr>
+            <a:spLocks noGrp="1"/>
+          </p:cNvSpPr>
+          <p:nvPr>
+            <p:ph idx="1"/>
+          </p:nvPr>
+        </p:nvSpPr>
+        <p:spPr/>
+        <p:txBody>
+          <a:bodyPr/>
+          <a:lstStyle/>
+          <a:p>
+            <a:pPr marL="0" indent="0">
+              <a:buNone/>
+            </a:pPr>
+            <a:endParaRPr lang="en-US" dirty="0"/>
+          </a:p>
+        </p:txBody>
+      </p:sp>
+    </p:spTree>
+    <p:extLst>
+      <p:ext uri="{BB962C8B-B14F-4D97-AF65-F5344CB8AC3E}">
+        <p14:creationId xmlns:p14="http://schemas.microsoft.com/office/powerpoint/2010/main" val="3697490541"/>
+      </p:ext>
+    </p:extLst>
+  </p:cSld>
+  <p:clrMapOvr>
+    <a:masterClrMapping/>
+  </p:clrMapOvr>
+</p:sld>
+</file>
+
 <file path=ppt/slides/slide3.xml><?xml version="1.0" encoding="utf-8"?>
 <p:sld xmlns:a="http://schemas.openxmlformats.org/drawingml/2006/main" xmlns:r="http://schemas.openxmlformats.org/officeDocument/2006/relationships" xmlns:p="http://schemas.openxmlformats.org/presentationml/2006/main">
   <p:cSld>

--- a/notes.pptx
+++ b/notes.pptx
@@ -27,13 +27,14 @@
     <p:sldId id="275" r:id="rId21"/>
     <p:sldId id="276" r:id="rId22"/>
     <p:sldId id="277" r:id="rId23"/>
-    <p:sldId id="278" r:id="rId24"/>
-    <p:sldId id="279" r:id="rId25"/>
-    <p:sldId id="281" r:id="rId26"/>
-    <p:sldId id="282" r:id="rId27"/>
-    <p:sldId id="283" r:id="rId28"/>
-    <p:sldId id="284" r:id="rId29"/>
-    <p:sldId id="285" r:id="rId30"/>
+    <p:sldId id="286" r:id="rId24"/>
+    <p:sldId id="278" r:id="rId25"/>
+    <p:sldId id="279" r:id="rId26"/>
+    <p:sldId id="281" r:id="rId27"/>
+    <p:sldId id="282" r:id="rId28"/>
+    <p:sldId id="283" r:id="rId29"/>
+    <p:sldId id="284" r:id="rId30"/>
+    <p:sldId id="285" r:id="rId31"/>
   </p:sldIdLst>
   <p:sldSz cx="12192000" cy="6858000"/>
   <p:notesSz cx="6858000" cy="9144000"/>
@@ -5063,7 +5064,7 @@
           <p:cNvPr id="2" name="Title 1">
             <a:extLst>
               <a:ext uri="{FF2B5EF4-FFF2-40B4-BE49-F238E27FC236}">
-                <a16:creationId xmlns:a16="http://schemas.microsoft.com/office/drawing/2014/main" id="{E955ACA9-9B3B-498B-A523-078AD701DBDB}"/>
+                <a16:creationId xmlns:a16="http://schemas.microsoft.com/office/drawing/2014/main" id="{E4837AF9-E0A3-4B1D-9BE3-CC85D1EB1204}"/>
               </a:ext>
             </a:extLst>
           </p:cNvPr>
@@ -5079,7 +5080,10 @@
           <a:bodyPr/>
           <a:lstStyle/>
           <a:p>
-            <a:endParaRPr lang="en-US"/>
+            <a:r>
+              <a:rPr lang="en-US" dirty="0"/>
+              <a:t>Homework</a:t>
+            </a:r>
           </a:p>
         </p:txBody>
       </p:sp>
@@ -5088,7 +5092,7 @@
           <p:cNvPr id="3" name="Content Placeholder 2">
             <a:extLst>
               <a:ext uri="{FF2B5EF4-FFF2-40B4-BE49-F238E27FC236}">
-                <a16:creationId xmlns:a16="http://schemas.microsoft.com/office/drawing/2014/main" id="{2E02E721-E8C7-48B0-B9DB-DA6042AB9C7B}"/>
+                <a16:creationId xmlns:a16="http://schemas.microsoft.com/office/drawing/2014/main" id="{846A32BE-74BA-4AD0-9D97-3A4C055AFBAB}"/>
               </a:ext>
             </a:extLst>
           </p:cNvPr>
@@ -5101,101 +5105,31 @@
         </p:nvSpPr>
         <p:spPr/>
         <p:txBody>
-          <a:bodyPr>
-            <a:normAutofit fontScale="92500" lnSpcReduction="20000"/>
-          </a:bodyPr>
-          <a:lstStyle/>
-          <a:p>
-            <a:pPr marL="0" indent="0">
-              <a:buNone/>
-            </a:pPr>
-            <a:r>
-              <a:rPr lang="en-US" dirty="0"/>
-              <a:t>Recursive Backtracking:</a:t>
-            </a:r>
-          </a:p>
-          <a:p>
-            <a:pPr marL="0" indent="0">
-              <a:buNone/>
-            </a:pPr>
-            <a:r>
-              <a:rPr lang="en-US" dirty="0"/>
-              <a:t>	Make a choice</a:t>
-            </a:r>
-          </a:p>
-          <a:p>
-            <a:pPr marL="0" indent="0">
-              <a:buNone/>
-            </a:pPr>
-            <a:r>
-              <a:rPr lang="en-US" dirty="0"/>
-              <a:t>	if (recursion can solve the remaining problem) </a:t>
-            </a:r>
-          </a:p>
-          <a:p>
-            <a:pPr marL="0" indent="0">
-              <a:buNone/>
-            </a:pPr>
-            <a:r>
-              <a:rPr lang="en-US" dirty="0"/>
-              <a:t>		Done!</a:t>
-            </a:r>
-          </a:p>
-          <a:p>
-            <a:pPr marL="0" indent="0">
-              <a:buNone/>
-            </a:pPr>
-            <a:r>
-              <a:rPr lang="en-US" dirty="0"/>
-              <a:t>	Undo the choice</a:t>
-            </a:r>
-          </a:p>
-          <a:p>
-            <a:pPr marL="0" indent="0">
-              <a:buNone/>
-            </a:pPr>
+          <a:bodyPr/>
+          <a:lstStyle/>
+          <a:p>
+            <a:r>
+              <a:rPr lang="en-US" dirty="0"/>
+              <a:t>I will post first homework this afternoon</a:t>
+            </a:r>
+          </a:p>
+          <a:p>
             <a:endParaRPr lang="en-US" dirty="0"/>
           </a:p>
           <a:p>
-            <a:pPr marL="0" indent="0">
-              <a:buNone/>
-            </a:pPr>
-            <a:r>
-              <a:rPr lang="en-US" dirty="0"/>
-              <a:t>	Repeat with next choice…</a:t>
-            </a:r>
-          </a:p>
-          <a:p>
-            <a:pPr marL="0" indent="0">
-              <a:buNone/>
-            </a:pPr>
-            <a:r>
-              <a:rPr lang="en-US" dirty="0"/>
-              <a:t>	</a:t>
-            </a:r>
-          </a:p>
-          <a:p>
-            <a:pPr marL="0" indent="0">
-              <a:buNone/>
-            </a:pPr>
-            <a:r>
-              <a:rPr lang="en-US" dirty="0"/>
-              <a:t>	Out of choices?</a:t>
-            </a:r>
-          </a:p>
-          <a:p>
-            <a:pPr marL="0" indent="0">
-              <a:buNone/>
-            </a:pPr>
-            <a:r>
-              <a:rPr lang="en-US" dirty="0"/>
-              <a:t>		No solution.</a:t>
-            </a:r>
-          </a:p>
-          <a:p>
-            <a:pPr marL="0" indent="0">
-              <a:buNone/>
-            </a:pPr>
+            <a:r>
+              <a:rPr lang="en-US" dirty="0"/>
+              <a:t>Demo</a:t>
+            </a:r>
+          </a:p>
+          <a:p>
+            <a:endParaRPr lang="en-US" dirty="0"/>
+          </a:p>
+          <a:p>
+            <a:r>
+              <a:rPr lang="en-US"/>
+              <a:t>Wednesday is a lab day</a:t>
+            </a:r>
             <a:endParaRPr lang="en-US" dirty="0"/>
           </a:p>
         </p:txBody>
@@ -5203,7 +5137,7 @@
     </p:spTree>
     <p:extLst>
       <p:ext uri="{BB962C8B-B14F-4D97-AF65-F5344CB8AC3E}">
-        <p14:creationId xmlns:p14="http://schemas.microsoft.com/office/powerpoint/2010/main" val="3612617668"/>
+        <p14:creationId xmlns:p14="http://schemas.microsoft.com/office/powerpoint/2010/main" val="550538469"/>
       </p:ext>
     </p:extLst>
   </p:cSld>
@@ -5235,7 +5169,7 @@
           <p:cNvPr id="2" name="Title 1">
             <a:extLst>
               <a:ext uri="{FF2B5EF4-FFF2-40B4-BE49-F238E27FC236}">
-                <a16:creationId xmlns:a16="http://schemas.microsoft.com/office/drawing/2014/main" id="{6D8DD4CB-8C50-4BB0-91C0-5EC35291318B}"/>
+                <a16:creationId xmlns:a16="http://schemas.microsoft.com/office/drawing/2014/main" id="{E955ACA9-9B3B-498B-A523-078AD701DBDB}"/>
               </a:ext>
             </a:extLst>
           </p:cNvPr>
@@ -5251,10 +5185,7 @@
           <a:bodyPr/>
           <a:lstStyle/>
           <a:p>
-            <a:r>
-              <a:rPr lang="en-US" dirty="0"/>
-              <a:t>Maze</a:t>
-            </a:r>
+            <a:endParaRPr lang="en-US"/>
           </a:p>
         </p:txBody>
       </p:sp>
@@ -5263,7 +5194,7 @@
           <p:cNvPr id="3" name="Content Placeholder 2">
             <a:extLst>
               <a:ext uri="{FF2B5EF4-FFF2-40B4-BE49-F238E27FC236}">
-                <a16:creationId xmlns:a16="http://schemas.microsoft.com/office/drawing/2014/main" id="{3FFD7ABE-9256-49CA-817D-7D7504AA3683}"/>
+                <a16:creationId xmlns:a16="http://schemas.microsoft.com/office/drawing/2014/main" id="{2E02E721-E8C7-48B0-B9DB-DA6042AB9C7B}"/>
               </a:ext>
             </a:extLst>
           </p:cNvPr>
@@ -5276,17 +5207,109 @@
         </p:nvSpPr>
         <p:spPr/>
         <p:txBody>
-          <a:bodyPr/>
-          <a:lstStyle/>
-          <a:p>
-            <a:endParaRPr lang="en-US"/>
+          <a:bodyPr>
+            <a:normAutofit fontScale="92500" lnSpcReduction="20000"/>
+          </a:bodyPr>
+          <a:lstStyle/>
+          <a:p>
+            <a:pPr marL="0" indent="0">
+              <a:buNone/>
+            </a:pPr>
+            <a:r>
+              <a:rPr lang="en-US" dirty="0"/>
+              <a:t>Recursive Backtracking:</a:t>
+            </a:r>
+          </a:p>
+          <a:p>
+            <a:pPr marL="0" indent="0">
+              <a:buNone/>
+            </a:pPr>
+            <a:r>
+              <a:rPr lang="en-US" dirty="0"/>
+              <a:t>	Make a choice</a:t>
+            </a:r>
+          </a:p>
+          <a:p>
+            <a:pPr marL="0" indent="0">
+              <a:buNone/>
+            </a:pPr>
+            <a:r>
+              <a:rPr lang="en-US" dirty="0"/>
+              <a:t>	if (recursion can solve the remaining problem) </a:t>
+            </a:r>
+          </a:p>
+          <a:p>
+            <a:pPr marL="0" indent="0">
+              <a:buNone/>
+            </a:pPr>
+            <a:r>
+              <a:rPr lang="en-US" dirty="0"/>
+              <a:t>		Done!</a:t>
+            </a:r>
+          </a:p>
+          <a:p>
+            <a:pPr marL="0" indent="0">
+              <a:buNone/>
+            </a:pPr>
+            <a:r>
+              <a:rPr lang="en-US" dirty="0"/>
+              <a:t>	Undo the choice</a:t>
+            </a:r>
+          </a:p>
+          <a:p>
+            <a:pPr marL="0" indent="0">
+              <a:buNone/>
+            </a:pPr>
+            <a:endParaRPr lang="en-US" dirty="0"/>
+          </a:p>
+          <a:p>
+            <a:pPr marL="0" indent="0">
+              <a:buNone/>
+            </a:pPr>
+            <a:r>
+              <a:rPr lang="en-US" dirty="0"/>
+              <a:t>	Repeat with next choice…</a:t>
+            </a:r>
+          </a:p>
+          <a:p>
+            <a:pPr marL="0" indent="0">
+              <a:buNone/>
+            </a:pPr>
+            <a:r>
+              <a:rPr lang="en-US" dirty="0"/>
+              <a:t>	</a:t>
+            </a:r>
+          </a:p>
+          <a:p>
+            <a:pPr marL="0" indent="0">
+              <a:buNone/>
+            </a:pPr>
+            <a:r>
+              <a:rPr lang="en-US" dirty="0"/>
+              <a:t>	Out of choices?</a:t>
+            </a:r>
+          </a:p>
+          <a:p>
+            <a:pPr marL="0" indent="0">
+              <a:buNone/>
+            </a:pPr>
+            <a:r>
+              <a:rPr lang="en-US" dirty="0"/>
+              <a:t>		No solution.</a:t>
+            </a:r>
+          </a:p>
+          <a:p>
+            <a:pPr marL="0" indent="0">
+              <a:buNone/>
+            </a:pPr>
+            <a:endParaRPr lang="en-US" dirty="0"/>
           </a:p>
         </p:txBody>
       </p:sp>
     </p:spTree>
     <p:extLst>
       <p:ext uri="{BB962C8B-B14F-4D97-AF65-F5344CB8AC3E}">
-        <p14:creationId xmlns:p14="http://schemas.microsoft.com/office/powerpoint/2010/main" val="1234248384"/>
+        <p14:creationId xmlns:p14="http://schemas.microsoft.com/office/powerpoint/2010/main" val="3612617668"/>
       </p:ext>
     </p:extLst>
   </p:cSld>
@@ -5318,7 +5341,7 @@
           <p:cNvPr id="2" name="Title 1">
             <a:extLst>
               <a:ext uri="{FF2B5EF4-FFF2-40B4-BE49-F238E27FC236}">
-                <a16:creationId xmlns:a16="http://schemas.microsoft.com/office/drawing/2014/main" id="{6AEB7028-C2AA-414E-BC33-DDC47AF73769}"/>
+                <a16:creationId xmlns:a16="http://schemas.microsoft.com/office/drawing/2014/main" id="{6D8DD4CB-8C50-4BB0-91C0-5EC35291318B}"/>
               </a:ext>
             </a:extLst>
           </p:cNvPr>
@@ -5336,7 +5359,7 @@
           <a:p>
             <a:r>
               <a:rPr lang="en-US" dirty="0"/>
-              <a:t>N queens</a:t>
+              <a:t>Maze</a:t>
             </a:r>
           </a:p>
         </p:txBody>
@@ -5346,7 +5369,7 @@
           <p:cNvPr id="3" name="Content Placeholder 2">
             <a:extLst>
               <a:ext uri="{FF2B5EF4-FFF2-40B4-BE49-F238E27FC236}">
-                <a16:creationId xmlns:a16="http://schemas.microsoft.com/office/drawing/2014/main" id="{06BF2BD1-C7C2-46F5-86EA-8C3AE53604B4}"/>
+                <a16:creationId xmlns:a16="http://schemas.microsoft.com/office/drawing/2014/main" id="{3FFD7ABE-9256-49CA-817D-7D7504AA3683}"/>
               </a:ext>
             </a:extLst>
           </p:cNvPr>
@@ -5362,28 +5385,14 @@
           <a:bodyPr/>
           <a:lstStyle/>
           <a:p>
-            <a:pPr marL="0" indent="0">
-              <a:buNone/>
-            </a:pPr>
-            <a:r>
-              <a:rPr lang="en-US" dirty="0"/>
-              <a:t>Given an </a:t>
-            </a:r>
-            <a:r>
-              <a:rPr lang="en-US" dirty="0" err="1"/>
-              <a:t>nxn</a:t>
-            </a:r>
-            <a:r>
-              <a:rPr lang="en-US" dirty="0"/>
-              <a:t> chess board, place n queens on the board such that no two queens are attacking each other.  No two queens can be on the same column, row, or diagonal. </a:t>
-            </a:r>
+            <a:endParaRPr lang="en-US"/>
           </a:p>
         </p:txBody>
       </p:sp>
     </p:spTree>
     <p:extLst>
       <p:ext uri="{BB962C8B-B14F-4D97-AF65-F5344CB8AC3E}">
-        <p14:creationId xmlns:p14="http://schemas.microsoft.com/office/powerpoint/2010/main" val="3854603280"/>
+        <p14:creationId xmlns:p14="http://schemas.microsoft.com/office/powerpoint/2010/main" val="1234248384"/>
       </p:ext>
     </p:extLst>
   </p:cSld>
@@ -5415,7 +5424,7 @@
           <p:cNvPr id="2" name="Title 1">
             <a:extLst>
               <a:ext uri="{FF2B5EF4-FFF2-40B4-BE49-F238E27FC236}">
-                <a16:creationId xmlns:a16="http://schemas.microsoft.com/office/drawing/2014/main" id="{E76E1F78-F2C3-4982-8B7B-FD4D8B9D2496}"/>
+                <a16:creationId xmlns:a16="http://schemas.microsoft.com/office/drawing/2014/main" id="{6AEB7028-C2AA-414E-BC33-DDC47AF73769}"/>
               </a:ext>
             </a:extLst>
           </p:cNvPr>
@@ -5433,7 +5442,7 @@
           <a:p>
             <a:r>
               <a:rPr lang="en-US" dirty="0"/>
-              <a:t>Sudoku</a:t>
+              <a:t>N queens</a:t>
             </a:r>
           </a:p>
         </p:txBody>
@@ -5443,7 +5452,7 @@
           <p:cNvPr id="3" name="Content Placeholder 2">
             <a:extLst>
               <a:ext uri="{FF2B5EF4-FFF2-40B4-BE49-F238E27FC236}">
-                <a16:creationId xmlns:a16="http://schemas.microsoft.com/office/drawing/2014/main" id="{CC8ED398-445A-43D8-840A-325140985F7E}"/>
+                <a16:creationId xmlns:a16="http://schemas.microsoft.com/office/drawing/2014/main" id="{06BF2BD1-C7C2-46F5-86EA-8C3AE53604B4}"/>
               </a:ext>
             </a:extLst>
           </p:cNvPr>
@@ -5463,19 +5472,24 @@
               <a:buNone/>
             </a:pPr>
             <a:r>
-              <a:rPr lang="en-US" dirty="0">
-                <a:hlinkClick r:id="rId2"/>
-              </a:rPr>
-              <a:t>https://en.wikipedia.org/wiki/Sudoku_solving_algorithms</a:t>
-            </a:r>
-            <a:endParaRPr lang="en-US" dirty="0"/>
+              <a:rPr lang="en-US" dirty="0"/>
+              <a:t>Given an </a:t>
+            </a:r>
+            <a:r>
+              <a:rPr lang="en-US" dirty="0" err="1"/>
+              <a:t>nxn</a:t>
+            </a:r>
+            <a:r>
+              <a:rPr lang="en-US" dirty="0"/>
+              <a:t> chess board, place n queens on the board such that no two queens are attacking each other.  No two queens can be on the same column, row, or diagonal. </a:t>
+            </a:r>
           </a:p>
         </p:txBody>
       </p:sp>
     </p:spTree>
     <p:extLst>
       <p:ext uri="{BB962C8B-B14F-4D97-AF65-F5344CB8AC3E}">
-        <p14:creationId xmlns:p14="http://schemas.microsoft.com/office/powerpoint/2010/main" val="2795494984"/>
+        <p14:creationId xmlns:p14="http://schemas.microsoft.com/office/powerpoint/2010/main" val="3854603280"/>
       </p:ext>
     </p:extLst>
   </p:cSld>
@@ -5507,7 +5521,7 @@
           <p:cNvPr id="2" name="Title 1">
             <a:extLst>
               <a:ext uri="{FF2B5EF4-FFF2-40B4-BE49-F238E27FC236}">
-                <a16:creationId xmlns:a16="http://schemas.microsoft.com/office/drawing/2014/main" id="{98A7B041-70D8-43E4-A222-FC17BB14A7B3}"/>
+                <a16:creationId xmlns:a16="http://schemas.microsoft.com/office/drawing/2014/main" id="{E76E1F78-F2C3-4982-8B7B-FD4D8B9D2496}"/>
               </a:ext>
             </a:extLst>
           </p:cNvPr>
@@ -5525,7 +5539,7 @@
           <a:p>
             <a:r>
               <a:rPr lang="en-US" dirty="0"/>
-              <a:t>Split array</a:t>
+              <a:t>Sudoku</a:t>
             </a:r>
           </a:p>
         </p:txBody>
@@ -5535,7 +5549,7 @@
           <p:cNvPr id="3" name="Content Placeholder 2">
             <a:extLst>
               <a:ext uri="{FF2B5EF4-FFF2-40B4-BE49-F238E27FC236}">
-                <a16:creationId xmlns:a16="http://schemas.microsoft.com/office/drawing/2014/main" id="{E632A30D-0D02-4266-8465-277FD2AFFBA8}"/>
+                <a16:creationId xmlns:a16="http://schemas.microsoft.com/office/drawing/2014/main" id="{CC8ED398-445A-43D8-840A-325140985F7E}"/>
               </a:ext>
             </a:extLst>
           </p:cNvPr>
@@ -5555,38 +5569,11 @@
               <a:buNone/>
             </a:pPr>
             <a:r>
-              <a:rPr lang="en-US" dirty="0"/>
-              <a:t>Given an array of int values, can the values be split in into 2 groups that have equal sum?</a:t>
-            </a:r>
-          </a:p>
-          <a:p>
-            <a:pPr marL="0" indent="0">
-              <a:buNone/>
-            </a:pPr>
-            <a:endParaRPr lang="en-US" dirty="0"/>
-          </a:p>
-          <a:p>
-            <a:pPr marL="0" indent="0">
-              <a:buNone/>
-            </a:pPr>
-            <a:r>
-              <a:rPr lang="en-US" dirty="0"/>
-              <a:t>E.g. 	{5, 1, 4}	Yes -&gt; {5}  {1, 4}	-&gt;	true</a:t>
-            </a:r>
-          </a:p>
-          <a:p>
-            <a:pPr marL="0" indent="0">
-              <a:buNone/>
-            </a:pPr>
-            <a:r>
-              <a:rPr lang="en-US" dirty="0"/>
-              <a:t>	{3, 2, 6} 	No			-&gt;	false</a:t>
-            </a:r>
-          </a:p>
-          <a:p>
-            <a:pPr marL="0" indent="0">
-              <a:buNone/>
-            </a:pPr>
+              <a:rPr lang="en-US" dirty="0">
+                <a:hlinkClick r:id="rId2"/>
+              </a:rPr>
+              <a:t>https://en.wikipedia.org/wiki/Sudoku_solving_algorithms</a:t>
+            </a:r>
             <a:endParaRPr lang="en-US" dirty="0"/>
           </a:p>
         </p:txBody>
@@ -5594,7 +5581,7 @@
     </p:spTree>
     <p:extLst>
       <p:ext uri="{BB962C8B-B14F-4D97-AF65-F5344CB8AC3E}">
-        <p14:creationId xmlns:p14="http://schemas.microsoft.com/office/powerpoint/2010/main" val="293652463"/>
+        <p14:creationId xmlns:p14="http://schemas.microsoft.com/office/powerpoint/2010/main" val="2795494984"/>
       </p:ext>
     </p:extLst>
   </p:cSld>
@@ -5626,7 +5613,7 @@
           <p:cNvPr id="2" name="Title 1">
             <a:extLst>
               <a:ext uri="{FF2B5EF4-FFF2-40B4-BE49-F238E27FC236}">
-                <a16:creationId xmlns:a16="http://schemas.microsoft.com/office/drawing/2014/main" id="{45917D48-2268-4CB0-8526-3FBD3A9A31A5}"/>
+                <a16:creationId xmlns:a16="http://schemas.microsoft.com/office/drawing/2014/main" id="{98A7B041-70D8-43E4-A222-FC17BB14A7B3}"/>
               </a:ext>
             </a:extLst>
           </p:cNvPr>
@@ -5654,7 +5641,7 @@
           <p:cNvPr id="3" name="Content Placeholder 2">
             <a:extLst>
               <a:ext uri="{FF2B5EF4-FFF2-40B4-BE49-F238E27FC236}">
-                <a16:creationId xmlns:a16="http://schemas.microsoft.com/office/drawing/2014/main" id="{8030915B-CBC2-470E-96EC-CAE40E95A43C}"/>
+                <a16:creationId xmlns:a16="http://schemas.microsoft.com/office/drawing/2014/main" id="{E632A30D-0D02-4266-8465-277FD2AFFBA8}"/>
               </a:ext>
             </a:extLst>
           </p:cNvPr>
@@ -5674,37 +5661,32 @@
               <a:buNone/>
             </a:pPr>
             <a:r>
-              <a:rPr lang="en-US" dirty="0" err="1"/>
-              <a:t>splitArray</a:t>
-            </a:r>
-            <a:r>
-              <a:rPr lang="en-US" dirty="0"/>
-              <a:t>(</a:t>
-            </a:r>
-            <a:r>
-              <a:rPr lang="en-US" dirty="0" err="1"/>
-              <a:t>nums</a:t>
-            </a:r>
-            <a:r>
-              <a:rPr lang="en-US" dirty="0"/>
-              <a:t>, s1, s2, start)</a:t>
+              <a:rPr lang="en-US" dirty="0"/>
+              <a:t>Given an array of int values, can the values be split in into 2 groups that have equal sum?</a:t>
             </a:r>
           </a:p>
           <a:p>
             <a:pPr marL="0" indent="0">
               <a:buNone/>
             </a:pPr>
-            <a:r>
-              <a:rPr lang="en-US" dirty="0"/>
-              <a:t> Can we put </a:t>
-            </a:r>
-            <a:r>
-              <a:rPr lang="en-US" dirty="0" err="1"/>
-              <a:t>nums</a:t>
-            </a:r>
-            <a:r>
-              <a:rPr lang="en-US" dirty="0"/>
-              <a:t> from start on into s1 &amp; s2 such that s1==s2</a:t>
+            <a:endParaRPr lang="en-US" dirty="0"/>
+          </a:p>
+          <a:p>
+            <a:pPr marL="0" indent="0">
+              <a:buNone/>
+            </a:pPr>
+            <a:r>
+              <a:rPr lang="en-US" dirty="0"/>
+              <a:t>E.g. 	{5, 1, 4}	Yes -&gt; {5}  {1, 4}	-&gt;	true</a:t>
+            </a:r>
+          </a:p>
+          <a:p>
+            <a:pPr marL="0" indent="0">
+              <a:buNone/>
+            </a:pPr>
+            <a:r>
+              <a:rPr lang="en-US" dirty="0"/>
+              <a:t>	{3, 2, 6} 	No			-&gt;	false</a:t>
             </a:r>
           </a:p>
           <a:p>
@@ -5718,7 +5700,7 @@
     </p:spTree>
     <p:extLst>
       <p:ext uri="{BB962C8B-B14F-4D97-AF65-F5344CB8AC3E}">
-        <p14:creationId xmlns:p14="http://schemas.microsoft.com/office/powerpoint/2010/main" val="2146837050"/>
+        <p14:creationId xmlns:p14="http://schemas.microsoft.com/office/powerpoint/2010/main" val="293652463"/>
       </p:ext>
     </p:extLst>
   </p:cSld>
@@ -5750,7 +5732,7 @@
           <p:cNvPr id="2" name="Title 1">
             <a:extLst>
               <a:ext uri="{FF2B5EF4-FFF2-40B4-BE49-F238E27FC236}">
-                <a16:creationId xmlns:a16="http://schemas.microsoft.com/office/drawing/2014/main" id="{EB9EC9C9-1361-4832-A8B4-A7986CDF8F1B}"/>
+                <a16:creationId xmlns:a16="http://schemas.microsoft.com/office/drawing/2014/main" id="{45917D48-2268-4CB0-8526-3FBD3A9A31A5}"/>
               </a:ext>
             </a:extLst>
           </p:cNvPr>
@@ -5768,7 +5750,7 @@
           <a:p>
             <a:r>
               <a:rPr lang="en-US" dirty="0"/>
-              <a:t>How can we find actual numbers?</a:t>
+              <a:t>Split array</a:t>
             </a:r>
           </a:p>
         </p:txBody>
@@ -5778,7 +5760,7 @@
           <p:cNvPr id="3" name="Content Placeholder 2">
             <a:extLst>
               <a:ext uri="{FF2B5EF4-FFF2-40B4-BE49-F238E27FC236}">
-                <a16:creationId xmlns:a16="http://schemas.microsoft.com/office/drawing/2014/main" id="{F7BF3D71-2094-437E-AD0F-66D90BD9447B}"/>
+                <a16:creationId xmlns:a16="http://schemas.microsoft.com/office/drawing/2014/main" id="{8030915B-CBC2-470E-96EC-CAE40E95A43C}"/>
               </a:ext>
             </a:extLst>
           </p:cNvPr>
@@ -5793,6 +5775,44 @@
         <p:txBody>
           <a:bodyPr/>
           <a:lstStyle/>
+          <a:p>
+            <a:pPr marL="0" indent="0">
+              <a:buNone/>
+            </a:pPr>
+            <a:r>
+              <a:rPr lang="en-US" dirty="0" err="1"/>
+              <a:t>splitArray</a:t>
+            </a:r>
+            <a:r>
+              <a:rPr lang="en-US" dirty="0"/>
+              <a:t>(</a:t>
+            </a:r>
+            <a:r>
+              <a:rPr lang="en-US" dirty="0" err="1"/>
+              <a:t>nums</a:t>
+            </a:r>
+            <a:r>
+              <a:rPr lang="en-US" dirty="0"/>
+              <a:t>, s1, s2, start)</a:t>
+            </a:r>
+          </a:p>
+          <a:p>
+            <a:pPr marL="0" indent="0">
+              <a:buNone/>
+            </a:pPr>
+            <a:r>
+              <a:rPr lang="en-US" dirty="0"/>
+              <a:t> Can we put </a:t>
+            </a:r>
+            <a:r>
+              <a:rPr lang="en-US" dirty="0" err="1"/>
+              <a:t>nums</a:t>
+            </a:r>
+            <a:r>
+              <a:rPr lang="en-US" dirty="0"/>
+              <a:t> from start on into s1 &amp; s2 such that s1==s2</a:t>
+            </a:r>
+          </a:p>
           <a:p>
             <a:pPr marL="0" indent="0">
               <a:buNone/>
@@ -5804,7 +5824,7 @@
     </p:spTree>
     <p:extLst>
       <p:ext uri="{BB962C8B-B14F-4D97-AF65-F5344CB8AC3E}">
-        <p14:creationId xmlns:p14="http://schemas.microsoft.com/office/powerpoint/2010/main" val="3697490541"/>
+        <p14:creationId xmlns:p14="http://schemas.microsoft.com/office/powerpoint/2010/main" val="2146837050"/>
       </p:ext>
     </p:extLst>
   </p:cSld>
@@ -5919,6 +5939,92 @@
     <p:extLst>
       <p:ext uri="{BB962C8B-B14F-4D97-AF65-F5344CB8AC3E}">
         <p14:creationId xmlns:p14="http://schemas.microsoft.com/office/powerpoint/2010/main" val="156265325"/>
+      </p:ext>
+    </p:extLst>
+  </p:cSld>
+  <p:clrMapOvr>
+    <a:masterClrMapping/>
+  </p:clrMapOvr>
+</p:sld>
+</file>
+
+<file path=ppt/slides/slide30.xml><?xml version="1.0" encoding="utf-8"?>
+<p:sld xmlns:a="http://schemas.openxmlformats.org/drawingml/2006/main" xmlns:r="http://schemas.openxmlformats.org/officeDocument/2006/relationships" xmlns:p="http://schemas.openxmlformats.org/presentationml/2006/main">
+  <p:cSld>
+    <p:spTree>
+      <p:nvGrpSpPr>
+        <p:cNvPr id="1" name=""/>
+        <p:cNvGrpSpPr/>
+        <p:nvPr/>
+      </p:nvGrpSpPr>
+      <p:grpSpPr>
+        <a:xfrm>
+          <a:off x="0" y="0"/>
+          <a:ext cx="0" cy="0"/>
+          <a:chOff x="0" y="0"/>
+          <a:chExt cx="0" cy="0"/>
+        </a:xfrm>
+      </p:grpSpPr>
+      <p:sp>
+        <p:nvSpPr>
+          <p:cNvPr id="2" name="Title 1">
+            <a:extLst>
+              <a:ext uri="{FF2B5EF4-FFF2-40B4-BE49-F238E27FC236}">
+                <a16:creationId xmlns:a16="http://schemas.microsoft.com/office/drawing/2014/main" id="{EB9EC9C9-1361-4832-A8B4-A7986CDF8F1B}"/>
+              </a:ext>
+            </a:extLst>
+          </p:cNvPr>
+          <p:cNvSpPr>
+            <a:spLocks noGrp="1"/>
+          </p:cNvSpPr>
+          <p:nvPr>
+            <p:ph type="title"/>
+          </p:nvPr>
+        </p:nvSpPr>
+        <p:spPr/>
+        <p:txBody>
+          <a:bodyPr/>
+          <a:lstStyle/>
+          <a:p>
+            <a:r>
+              <a:rPr lang="en-US" dirty="0"/>
+              <a:t>How can we find actual numbers?</a:t>
+            </a:r>
+          </a:p>
+        </p:txBody>
+      </p:sp>
+      <p:sp>
+        <p:nvSpPr>
+          <p:cNvPr id="3" name="Content Placeholder 2">
+            <a:extLst>
+              <a:ext uri="{FF2B5EF4-FFF2-40B4-BE49-F238E27FC236}">
+                <a16:creationId xmlns:a16="http://schemas.microsoft.com/office/drawing/2014/main" id="{F7BF3D71-2094-437E-AD0F-66D90BD9447B}"/>
+              </a:ext>
+            </a:extLst>
+          </p:cNvPr>
+          <p:cNvSpPr>
+            <a:spLocks noGrp="1"/>
+          </p:cNvSpPr>
+          <p:nvPr>
+            <p:ph idx="1"/>
+          </p:nvPr>
+        </p:nvSpPr>
+        <p:spPr/>
+        <p:txBody>
+          <a:bodyPr/>
+          <a:lstStyle/>
+          <a:p>
+            <a:pPr marL="0" indent="0">
+              <a:buNone/>
+            </a:pPr>
+            <a:endParaRPr lang="en-US" dirty="0"/>
+          </a:p>
+        </p:txBody>
+      </p:sp>
+    </p:spTree>
+    <p:extLst>
+      <p:ext uri="{BB962C8B-B14F-4D97-AF65-F5344CB8AC3E}">
+        <p14:creationId xmlns:p14="http://schemas.microsoft.com/office/powerpoint/2010/main" val="3697490541"/>
       </p:ext>
     </p:extLst>
   </p:cSld>

--- a/notes.pptx
+++ b/notes.pptx
@@ -8,17 +8,17 @@
     <p:sldId id="256" r:id="rId2"/>
     <p:sldId id="268" r:id="rId3"/>
     <p:sldId id="257" r:id="rId4"/>
-    <p:sldId id="258" r:id="rId5"/>
-    <p:sldId id="259" r:id="rId6"/>
-    <p:sldId id="260" r:id="rId7"/>
-    <p:sldId id="261" r:id="rId8"/>
-    <p:sldId id="262" r:id="rId9"/>
-    <p:sldId id="264" r:id="rId10"/>
-    <p:sldId id="265" r:id="rId11"/>
-    <p:sldId id="280" r:id="rId12"/>
-    <p:sldId id="266" r:id="rId13"/>
-    <p:sldId id="267" r:id="rId14"/>
-    <p:sldId id="270" r:id="rId15"/>
+    <p:sldId id="259" r:id="rId5"/>
+    <p:sldId id="260" r:id="rId6"/>
+    <p:sldId id="261" r:id="rId7"/>
+    <p:sldId id="262" r:id="rId8"/>
+    <p:sldId id="264" r:id="rId9"/>
+    <p:sldId id="265" r:id="rId10"/>
+    <p:sldId id="280" r:id="rId11"/>
+    <p:sldId id="266" r:id="rId12"/>
+    <p:sldId id="267" r:id="rId13"/>
+    <p:sldId id="270" r:id="rId14"/>
+    <p:sldId id="258" r:id="rId15"/>
     <p:sldId id="269" r:id="rId16"/>
     <p:sldId id="271" r:id="rId17"/>
     <p:sldId id="272" r:id="rId18"/>
@@ -288,7 +288,7 @@
           <a:p>
             <a:fld id="{DE176E02-7D44-4713-8078-8E0963CF8DDB}" type="datetimeFigureOut">
               <a:rPr lang="en-US" smtClean="0"/>
-              <a:t>9/9/2019</a:t>
+              <a:t>9/9/19</a:t>
             </a:fld>
             <a:endParaRPr lang="en-US"/>
           </a:p>
@@ -486,7 +486,7 @@
           <a:p>
             <a:fld id="{DE176E02-7D44-4713-8078-8E0963CF8DDB}" type="datetimeFigureOut">
               <a:rPr lang="en-US" smtClean="0"/>
-              <a:t>9/9/2019</a:t>
+              <a:t>9/9/19</a:t>
             </a:fld>
             <a:endParaRPr lang="en-US"/>
           </a:p>
@@ -694,7 +694,7 @@
           <a:p>
             <a:fld id="{DE176E02-7D44-4713-8078-8E0963CF8DDB}" type="datetimeFigureOut">
               <a:rPr lang="en-US" smtClean="0"/>
-              <a:t>9/9/2019</a:t>
+              <a:t>9/9/19</a:t>
             </a:fld>
             <a:endParaRPr lang="en-US"/>
           </a:p>
@@ -892,7 +892,7 @@
           <a:p>
             <a:fld id="{DE176E02-7D44-4713-8078-8E0963CF8DDB}" type="datetimeFigureOut">
               <a:rPr lang="en-US" smtClean="0"/>
-              <a:t>9/9/2019</a:t>
+              <a:t>9/9/19</a:t>
             </a:fld>
             <a:endParaRPr lang="en-US"/>
           </a:p>
@@ -1167,7 +1167,7 @@
           <a:p>
             <a:fld id="{DE176E02-7D44-4713-8078-8E0963CF8DDB}" type="datetimeFigureOut">
               <a:rPr lang="en-US" smtClean="0"/>
-              <a:t>9/9/2019</a:t>
+              <a:t>9/9/19</a:t>
             </a:fld>
             <a:endParaRPr lang="en-US"/>
           </a:p>
@@ -1432,7 +1432,7 @@
           <a:p>
             <a:fld id="{DE176E02-7D44-4713-8078-8E0963CF8DDB}" type="datetimeFigureOut">
               <a:rPr lang="en-US" smtClean="0"/>
-              <a:t>9/9/2019</a:t>
+              <a:t>9/9/19</a:t>
             </a:fld>
             <a:endParaRPr lang="en-US"/>
           </a:p>
@@ -1844,7 +1844,7 @@
           <a:p>
             <a:fld id="{DE176E02-7D44-4713-8078-8E0963CF8DDB}" type="datetimeFigureOut">
               <a:rPr lang="en-US" smtClean="0"/>
-              <a:t>9/9/2019</a:t>
+              <a:t>9/9/19</a:t>
             </a:fld>
             <a:endParaRPr lang="en-US"/>
           </a:p>
@@ -1985,7 +1985,7 @@
           <a:p>
             <a:fld id="{DE176E02-7D44-4713-8078-8E0963CF8DDB}" type="datetimeFigureOut">
               <a:rPr lang="en-US" smtClean="0"/>
-              <a:t>9/9/2019</a:t>
+              <a:t>9/9/19</a:t>
             </a:fld>
             <a:endParaRPr lang="en-US"/>
           </a:p>
@@ -2098,7 +2098,7 @@
           <a:p>
             <a:fld id="{DE176E02-7D44-4713-8078-8E0963CF8DDB}" type="datetimeFigureOut">
               <a:rPr lang="en-US" smtClean="0"/>
-              <a:t>9/9/2019</a:t>
+              <a:t>9/9/19</a:t>
             </a:fld>
             <a:endParaRPr lang="en-US"/>
           </a:p>
@@ -2409,7 +2409,7 @@
           <a:p>
             <a:fld id="{DE176E02-7D44-4713-8078-8E0963CF8DDB}" type="datetimeFigureOut">
               <a:rPr lang="en-US" smtClean="0"/>
-              <a:t>9/9/2019</a:t>
+              <a:t>9/9/19</a:t>
             </a:fld>
             <a:endParaRPr lang="en-US"/>
           </a:p>
@@ -2697,7 +2697,7 @@
           <a:p>
             <a:fld id="{DE176E02-7D44-4713-8078-8E0963CF8DDB}" type="datetimeFigureOut">
               <a:rPr lang="en-US" smtClean="0"/>
-              <a:t>9/9/2019</a:t>
+              <a:t>9/9/19</a:t>
             </a:fld>
             <a:endParaRPr lang="en-US"/>
           </a:p>
@@ -2938,7 +2938,7 @@
           <a:p>
             <a:fld id="{DE176E02-7D44-4713-8078-8E0963CF8DDB}" type="datetimeFigureOut">
               <a:rPr lang="en-US" smtClean="0"/>
-              <a:t>9/9/2019</a:t>
+              <a:t>9/9/19</a:t>
             </a:fld>
             <a:endParaRPr lang="en-US"/>
           </a:p>
@@ -3507,7 +3507,7 @@
           <p:cNvPr id="2" name="Title 1">
             <a:extLst>
               <a:ext uri="{FF2B5EF4-FFF2-40B4-BE49-F238E27FC236}">
-                <a16:creationId xmlns:a16="http://schemas.microsoft.com/office/drawing/2014/main" id="{5368C869-1060-4791-B874-334072800DD4}"/>
+                <a16:creationId xmlns:a16="http://schemas.microsoft.com/office/drawing/2014/main" id="{D05B6C34-4B76-4825-9626-26ADA7D79F8A}"/>
               </a:ext>
             </a:extLst>
           </p:cNvPr>
@@ -3525,7 +3525,15 @@
           <a:p>
             <a:r>
               <a:rPr lang="en-US" dirty="0"/>
-              <a:t>Terminology</a:t>
+              <a:t>Demo </a:t>
+            </a:r>
+            <a:r>
+              <a:rPr lang="en-US" dirty="0" err="1"/>
+              <a:t>github</a:t>
+            </a:r>
+            <a:r>
+              <a:rPr lang="en-US" dirty="0"/>
+              <a:t> </a:t>
             </a:r>
           </a:p>
         </p:txBody>
@@ -3535,7 +3543,7 @@
           <p:cNvPr id="3" name="Content Placeholder 2">
             <a:extLst>
               <a:ext uri="{FF2B5EF4-FFF2-40B4-BE49-F238E27FC236}">
-                <a16:creationId xmlns:a16="http://schemas.microsoft.com/office/drawing/2014/main" id="{C68799BD-78DA-4E5C-9D97-3695F501CB7C}"/>
+                <a16:creationId xmlns:a16="http://schemas.microsoft.com/office/drawing/2014/main" id="{0C757AD8-444A-4019-9968-1BEBA88A0F66}"/>
               </a:ext>
             </a:extLst>
           </p:cNvPr>
@@ -3551,61 +3559,14 @@
           <a:bodyPr/>
           <a:lstStyle/>
           <a:p>
-            <a:r>
-              <a:rPr lang="en-US" dirty="0"/>
-              <a:t>Simple/primitive data type</a:t>
-            </a:r>
-          </a:p>
-          <a:p>
-            <a:r>
-              <a:rPr lang="en-US" dirty="0"/>
-              <a:t>Aggregate/composite data type</a:t>
-            </a:r>
-          </a:p>
-          <a:p>
-            <a:endParaRPr lang="en-US" dirty="0"/>
-          </a:p>
-          <a:p>
-            <a:endParaRPr lang="en-US" dirty="0"/>
-          </a:p>
-          <a:p>
-            <a:r>
-              <a:rPr lang="en-US" dirty="0"/>
-              <a:t>Abstract data type</a:t>
-            </a:r>
-          </a:p>
-          <a:p>
-            <a:pPr lvl="1"/>
-            <a:r>
-              <a:rPr lang="en-US" dirty="0"/>
-              <a:t>Operations, but not implementation</a:t>
-            </a:r>
-          </a:p>
-          <a:p>
-            <a:r>
-              <a:rPr lang="en-US" dirty="0"/>
-              <a:t>Data structure</a:t>
-            </a:r>
-          </a:p>
-          <a:p>
-            <a:pPr lvl="1"/>
-            <a:r>
-              <a:rPr lang="en-US" dirty="0"/>
-              <a:t>Implementation of an abstract data type</a:t>
-            </a:r>
-          </a:p>
-          <a:p>
-            <a:endParaRPr lang="en-US" dirty="0"/>
-          </a:p>
-          <a:p>
-            <a:endParaRPr lang="en-US" dirty="0"/>
+            <a:endParaRPr lang="en-US"/>
           </a:p>
         </p:txBody>
       </p:sp>
     </p:spTree>
     <p:extLst>
       <p:ext uri="{BB962C8B-B14F-4D97-AF65-F5344CB8AC3E}">
-        <p14:creationId xmlns:p14="http://schemas.microsoft.com/office/powerpoint/2010/main" val="3392824720"/>
+        <p14:creationId xmlns:p14="http://schemas.microsoft.com/office/powerpoint/2010/main" val="3570606073"/>
       </p:ext>
     </p:extLst>
   </p:cSld>
@@ -3637,7 +3598,7 @@
           <p:cNvPr id="2" name="Title 1">
             <a:extLst>
               <a:ext uri="{FF2B5EF4-FFF2-40B4-BE49-F238E27FC236}">
-                <a16:creationId xmlns:a16="http://schemas.microsoft.com/office/drawing/2014/main" id="{D05B6C34-4B76-4825-9626-26ADA7D79F8A}"/>
+                <a16:creationId xmlns:a16="http://schemas.microsoft.com/office/drawing/2014/main" id="{632B9A1C-3AEC-4AF3-8094-7DBDB2E5B4AA}"/>
               </a:ext>
             </a:extLst>
           </p:cNvPr>
@@ -3653,18 +3614,7 @@
           <a:bodyPr/>
           <a:lstStyle/>
           <a:p>
-            <a:r>
-              <a:rPr lang="en-US" dirty="0"/>
-              <a:t>Demo </a:t>
-            </a:r>
-            <a:r>
-              <a:rPr lang="en-US" dirty="0" err="1"/>
-              <a:t>github</a:t>
-            </a:r>
-            <a:r>
-              <a:rPr lang="en-US" dirty="0"/>
-              <a:t> </a:t>
-            </a:r>
+            <a:endParaRPr lang="en-US" dirty="0"/>
           </a:p>
         </p:txBody>
       </p:sp>
@@ -3673,7 +3623,7 @@
           <p:cNvPr id="3" name="Content Placeholder 2">
             <a:extLst>
               <a:ext uri="{FF2B5EF4-FFF2-40B4-BE49-F238E27FC236}">
-                <a16:creationId xmlns:a16="http://schemas.microsoft.com/office/drawing/2014/main" id="{0C757AD8-444A-4019-9968-1BEBA88A0F66}"/>
+                <a16:creationId xmlns:a16="http://schemas.microsoft.com/office/drawing/2014/main" id="{FD403C14-2D19-443E-8934-AFF86C4B1AAC}"/>
               </a:ext>
             </a:extLst>
           </p:cNvPr>
@@ -3689,14 +3639,69 @@
           <a:bodyPr/>
           <a:lstStyle/>
           <a:p>
-            <a:endParaRPr lang="en-US"/>
+            <a:r>
+              <a:rPr lang="en-US" dirty="0"/>
+              <a:t>Problem</a:t>
+            </a:r>
+          </a:p>
+          <a:p>
+            <a:pPr lvl="1"/>
+            <a:r>
+              <a:rPr lang="en-US" dirty="0"/>
+              <a:t>What, not how </a:t>
+            </a:r>
+          </a:p>
+          <a:p>
+            <a:pPr lvl="1"/>
+            <a:r>
+              <a:rPr lang="en-US" dirty="0"/>
+              <a:t>Sorting- put elements in order</a:t>
+            </a:r>
+          </a:p>
+          <a:p>
+            <a:pPr lvl="1"/>
+            <a:r>
+              <a:rPr lang="en-US" dirty="0"/>
+              <a:t>Searching- find a specific element in a collection</a:t>
+            </a:r>
+          </a:p>
+          <a:p>
+            <a:pPr lvl="1"/>
+            <a:r>
+              <a:rPr lang="en-US" dirty="0"/>
+              <a:t>Find a path through a maze</a:t>
+            </a:r>
+          </a:p>
+          <a:p>
+            <a:r>
+              <a:rPr lang="en-US" dirty="0"/>
+              <a:t>Instance or Case</a:t>
+            </a:r>
+          </a:p>
+          <a:p>
+            <a:pPr lvl="1"/>
+            <a:r>
+              <a:rPr lang="en-US" dirty="0"/>
+              <a:t>A set of inputs of a particular form of any size</a:t>
+            </a:r>
+          </a:p>
+          <a:p>
+            <a:pPr lvl="1"/>
+            <a:r>
+              <a:rPr lang="en-US" dirty="0"/>
+              <a:t>NOT A SPECIFIC INPUT</a:t>
+            </a:r>
+          </a:p>
+          <a:p>
+            <a:pPr lvl="1"/>
+            <a:endParaRPr lang="en-US" dirty="0"/>
           </a:p>
         </p:txBody>
       </p:sp>
     </p:spTree>
     <p:extLst>
       <p:ext uri="{BB962C8B-B14F-4D97-AF65-F5344CB8AC3E}">
-        <p14:creationId xmlns:p14="http://schemas.microsoft.com/office/powerpoint/2010/main" val="3570606073"/>
+        <p14:creationId xmlns:p14="http://schemas.microsoft.com/office/powerpoint/2010/main" val="406340293"/>
       </p:ext>
     </p:extLst>
   </p:cSld>
@@ -3728,7 +3733,7 @@
           <p:cNvPr id="2" name="Title 1">
             <a:extLst>
               <a:ext uri="{FF2B5EF4-FFF2-40B4-BE49-F238E27FC236}">
-                <a16:creationId xmlns:a16="http://schemas.microsoft.com/office/drawing/2014/main" id="{632B9A1C-3AEC-4AF3-8094-7DBDB2E5B4AA}"/>
+                <a16:creationId xmlns:a16="http://schemas.microsoft.com/office/drawing/2014/main" id="{656C9E78-E976-4E60-8E97-C8670CE58C64}"/>
               </a:ext>
             </a:extLst>
           </p:cNvPr>
@@ -3744,7 +3749,7 @@
           <a:bodyPr/>
           <a:lstStyle/>
           <a:p>
-            <a:endParaRPr lang="en-US" dirty="0"/>
+            <a:endParaRPr lang="en-US"/>
           </a:p>
         </p:txBody>
       </p:sp>
@@ -3753,7 +3758,7 @@
           <p:cNvPr id="3" name="Content Placeholder 2">
             <a:extLst>
               <a:ext uri="{FF2B5EF4-FFF2-40B4-BE49-F238E27FC236}">
-                <a16:creationId xmlns:a16="http://schemas.microsoft.com/office/drawing/2014/main" id="{FD403C14-2D19-443E-8934-AFF86C4B1AAC}"/>
+                <a16:creationId xmlns:a16="http://schemas.microsoft.com/office/drawing/2014/main" id="{E45D1639-842F-492B-B0F1-3EB4D39AC8CF}"/>
               </a:ext>
             </a:extLst>
           </p:cNvPr>
@@ -3771,59 +3776,79 @@
           <a:p>
             <a:r>
               <a:rPr lang="en-US" dirty="0"/>
-              <a:t>Problem</a:t>
+              <a:t>Algorithm </a:t>
             </a:r>
           </a:p>
           <a:p>
             <a:pPr lvl="1"/>
             <a:r>
               <a:rPr lang="en-US" dirty="0"/>
-              <a:t>What, not how </a:t>
+              <a:t>How</a:t>
             </a:r>
           </a:p>
           <a:p>
             <a:pPr lvl="1"/>
             <a:r>
               <a:rPr lang="en-US" dirty="0"/>
-              <a:t>Sorting- put elements in order</a:t>
+              <a:t>Many algorithms for same problem (sorting)</a:t>
             </a:r>
           </a:p>
           <a:p>
             <a:pPr lvl="1"/>
             <a:r>
               <a:rPr lang="en-US" dirty="0"/>
-              <a:t>Searching- find a specific element in a collection</a:t>
+              <a:t>Properties</a:t>
+            </a:r>
+          </a:p>
+          <a:p>
+            <a:pPr lvl="2"/>
+            <a:r>
+              <a:rPr lang="en-US" dirty="0"/>
+              <a:t>Correct</a:t>
+            </a:r>
+          </a:p>
+          <a:p>
+            <a:pPr lvl="2"/>
+            <a:r>
+              <a:rPr lang="en-US" dirty="0"/>
+              <a:t>Concrete steps (doable in finite time)</a:t>
+            </a:r>
+          </a:p>
+          <a:p>
+            <a:pPr lvl="2"/>
+            <a:r>
+              <a:rPr lang="en-US" dirty="0"/>
+              <a:t>Unambiguous order</a:t>
+            </a:r>
+          </a:p>
+          <a:p>
+            <a:pPr lvl="2"/>
+            <a:r>
+              <a:rPr lang="en-US" dirty="0"/>
+              <a:t>Finite number of steps</a:t>
+            </a:r>
+          </a:p>
+          <a:p>
+            <a:pPr lvl="2"/>
+            <a:r>
+              <a:rPr lang="en-US" dirty="0"/>
+              <a:t>Terminates</a:t>
+            </a:r>
+          </a:p>
+          <a:p>
+            <a:r>
+              <a:rPr lang="en-US" dirty="0"/>
+              <a:t>Program</a:t>
             </a:r>
           </a:p>
           <a:p>
             <a:pPr lvl="1"/>
             <a:r>
               <a:rPr lang="en-US" dirty="0"/>
-              <a:t>Find a path through a maze</a:t>
-            </a:r>
-          </a:p>
-          <a:p>
-            <a:r>
-              <a:rPr lang="en-US" dirty="0"/>
-              <a:t>Instance or Case</a:t>
-            </a:r>
-          </a:p>
-          <a:p>
-            <a:pPr lvl="1"/>
-            <a:r>
-              <a:rPr lang="en-US" dirty="0"/>
-              <a:t>A set of inputs of a particular form of any size</a:t>
-            </a:r>
-          </a:p>
-          <a:p>
-            <a:pPr lvl="1"/>
-            <a:r>
-              <a:rPr lang="en-US" dirty="0"/>
-              <a:t>NOT A SPECIFIC INPUT</a:t>
-            </a:r>
-          </a:p>
-          <a:p>
-            <a:pPr lvl="1"/>
+              <a:t>Executable implementation of an algorithm in a programming language</a:t>
+            </a:r>
+          </a:p>
+          <a:p>
             <a:endParaRPr lang="en-US" dirty="0"/>
           </a:p>
         </p:txBody>
@@ -3831,7 +3856,7 @@
     </p:spTree>
     <p:extLst>
       <p:ext uri="{BB962C8B-B14F-4D97-AF65-F5344CB8AC3E}">
-        <p14:creationId xmlns:p14="http://schemas.microsoft.com/office/powerpoint/2010/main" val="406340293"/>
+        <p14:creationId xmlns:p14="http://schemas.microsoft.com/office/powerpoint/2010/main" val="3659503510"/>
       </p:ext>
     </p:extLst>
   </p:cSld>
@@ -3863,7 +3888,7 @@
           <p:cNvPr id="2" name="Title 1">
             <a:extLst>
               <a:ext uri="{FF2B5EF4-FFF2-40B4-BE49-F238E27FC236}">
-                <a16:creationId xmlns:a16="http://schemas.microsoft.com/office/drawing/2014/main" id="{656C9E78-E976-4E60-8E97-C8670CE58C64}"/>
+                <a16:creationId xmlns:a16="http://schemas.microsoft.com/office/drawing/2014/main" id="{D88262F6-2AC3-4DD1-8882-CE82FC1EE2F2}"/>
               </a:ext>
             </a:extLst>
           </p:cNvPr>
@@ -3888,7 +3913,7 @@
           <p:cNvPr id="3" name="Content Placeholder 2">
             <a:extLst>
               <a:ext uri="{FF2B5EF4-FFF2-40B4-BE49-F238E27FC236}">
-                <a16:creationId xmlns:a16="http://schemas.microsoft.com/office/drawing/2014/main" id="{E45D1639-842F-492B-B0F1-3EB4D39AC8CF}"/>
+                <a16:creationId xmlns:a16="http://schemas.microsoft.com/office/drawing/2014/main" id="{7CE20302-4CBE-4CD2-B95F-EFD6C4B08CFA}"/>
               </a:ext>
             </a:extLst>
           </p:cNvPr>
@@ -3906,79 +3931,40 @@
           <a:p>
             <a:r>
               <a:rPr lang="en-US" dirty="0"/>
-              <a:t>Algorithm </a:t>
+              <a:t>Function- a mathematical function</a:t>
             </a:r>
           </a:p>
           <a:p>
             <a:pPr lvl="1"/>
             <a:r>
               <a:rPr lang="en-US" dirty="0"/>
-              <a:t>How</a:t>
+              <a:t>Positive inputs, positive output, increasing</a:t>
             </a:r>
           </a:p>
           <a:p>
             <a:pPr lvl="1"/>
-            <a:r>
-              <a:rPr lang="en-US" dirty="0"/>
-              <a:t>Many algorithms for same problem (sorting)</a:t>
-            </a:r>
+            <a:endParaRPr lang="en-US" dirty="0"/>
           </a:p>
           <a:p>
             <a:pPr lvl="1"/>
-            <a:r>
-              <a:rPr lang="en-US" dirty="0"/>
-              <a:t>Properties</a:t>
-            </a:r>
-          </a:p>
-          <a:p>
-            <a:pPr lvl="2"/>
-            <a:r>
-              <a:rPr lang="en-US" dirty="0"/>
-              <a:t>Correct</a:t>
-            </a:r>
-          </a:p>
-          <a:p>
-            <a:pPr lvl="2"/>
-            <a:r>
-              <a:rPr lang="en-US" dirty="0"/>
-              <a:t>Concrete steps (doable in finite time)</a:t>
-            </a:r>
-          </a:p>
-          <a:p>
-            <a:pPr lvl="2"/>
-            <a:r>
-              <a:rPr lang="en-US" dirty="0"/>
-              <a:t>Unambiguous order</a:t>
-            </a:r>
-          </a:p>
-          <a:p>
-            <a:pPr lvl="2"/>
-            <a:r>
-              <a:rPr lang="en-US" dirty="0"/>
-              <a:t>Finite number of steps</a:t>
-            </a:r>
-          </a:p>
-          <a:p>
-            <a:pPr lvl="2"/>
-            <a:r>
-              <a:rPr lang="en-US" dirty="0"/>
-              <a:t>Terminates</a:t>
-            </a:r>
-          </a:p>
-          <a:p>
-            <a:r>
-              <a:rPr lang="en-US" dirty="0"/>
-              <a:t>Program</a:t>
-            </a:r>
-          </a:p>
-          <a:p>
-            <a:pPr lvl="1"/>
-            <a:r>
-              <a:rPr lang="en-US" dirty="0"/>
-              <a:t>Executable implementation of an algorithm in a programming language</a:t>
-            </a:r>
-          </a:p>
-          <a:p>
+            <a:endParaRPr lang="en-US" dirty="0"/>
+          </a:p>
+          <a:p>
+            <a:pPr marL="0" indent="0">
+              <a:buNone/>
+            </a:pPr>
+            <a:endParaRPr lang="en-US" dirty="0"/>
+          </a:p>
+          <a:p>
+            <a:endParaRPr lang="en-US" dirty="0"/>
+          </a:p>
+          <a:p>
+            <a:endParaRPr lang="en-US" dirty="0"/>
+          </a:p>
+          <a:p>
+            <a:pPr marL="0" indent="0">
+              <a:buNone/>
+            </a:pPr>
             <a:endParaRPr lang="en-US" dirty="0"/>
           </a:p>
         </p:txBody>
@@ -3986,7 +3972,7 @@
     </p:spTree>
     <p:extLst>
       <p:ext uri="{BB962C8B-B14F-4D97-AF65-F5344CB8AC3E}">
-        <p14:creationId xmlns:p14="http://schemas.microsoft.com/office/powerpoint/2010/main" val="3659503510"/>
+        <p14:creationId xmlns:p14="http://schemas.microsoft.com/office/powerpoint/2010/main" val="167172012"/>
       </p:ext>
     </p:extLst>
   </p:cSld>
@@ -4018,7 +4004,7 @@
           <p:cNvPr id="2" name="Title 1">
             <a:extLst>
               <a:ext uri="{FF2B5EF4-FFF2-40B4-BE49-F238E27FC236}">
-                <a16:creationId xmlns:a16="http://schemas.microsoft.com/office/drawing/2014/main" id="{D88262F6-2AC3-4DD1-8882-CE82FC1EE2F2}"/>
+                <a16:creationId xmlns:a16="http://schemas.microsoft.com/office/drawing/2014/main" id="{C0F12D45-C13E-4B58-859F-7B2F0BD13A18}"/>
               </a:ext>
             </a:extLst>
           </p:cNvPr>
@@ -4034,7 +4020,10 @@
           <a:bodyPr/>
           <a:lstStyle/>
           <a:p>
-            <a:endParaRPr lang="en-US"/>
+            <a:r>
+              <a:rPr lang="en-US" dirty="0"/>
+              <a:t>Physical examples</a:t>
+            </a:r>
           </a:p>
         </p:txBody>
       </p:sp>
@@ -4043,7 +4032,7 @@
           <p:cNvPr id="3" name="Content Placeholder 2">
             <a:extLst>
               <a:ext uri="{FF2B5EF4-FFF2-40B4-BE49-F238E27FC236}">
-                <a16:creationId xmlns:a16="http://schemas.microsoft.com/office/drawing/2014/main" id="{7CE20302-4CBE-4CD2-B95F-EFD6C4B08CFA}"/>
+                <a16:creationId xmlns:a16="http://schemas.microsoft.com/office/drawing/2014/main" id="{ADCF7CED-A3D4-4B45-96C0-8EBC63F3A3A5}"/>
               </a:ext>
             </a:extLst>
           </p:cNvPr>
@@ -4061,28 +4050,25 @@
           <a:p>
             <a:r>
               <a:rPr lang="en-US" dirty="0"/>
-              <a:t>Function- a mathematical function</a:t>
-            </a:r>
-          </a:p>
-          <a:p>
-            <a:pPr lvl="1"/>
-            <a:r>
-              <a:rPr lang="en-US" dirty="0"/>
-              <a:t>Positive inputs, positive output, increasing</a:t>
-            </a:r>
-          </a:p>
-          <a:p>
-            <a:pPr lvl="1"/>
+              <a:t>Dictionary</a:t>
+            </a:r>
+          </a:p>
+          <a:p>
             <a:endParaRPr lang="en-US" dirty="0"/>
           </a:p>
           <a:p>
-            <a:pPr lvl="1"/>
             <a:endParaRPr lang="en-US" dirty="0"/>
           </a:p>
           <a:p>
-            <a:pPr marL="0" indent="0">
-              <a:buNone/>
-            </a:pPr>
+            <a:endParaRPr lang="en-US" dirty="0"/>
+          </a:p>
+          <a:p>
+            <a:r>
+              <a:rPr lang="en-US" dirty="0"/>
+              <a:t>Library</a:t>
+            </a:r>
+          </a:p>
+          <a:p>
             <a:endParaRPr lang="en-US" dirty="0"/>
           </a:p>
           <a:p>
@@ -4102,7 +4088,7 @@
     </p:spTree>
     <p:extLst>
       <p:ext uri="{BB962C8B-B14F-4D97-AF65-F5344CB8AC3E}">
-        <p14:creationId xmlns:p14="http://schemas.microsoft.com/office/powerpoint/2010/main" val="167172012"/>
+        <p14:creationId xmlns:p14="http://schemas.microsoft.com/office/powerpoint/2010/main" val="388148792"/>
       </p:ext>
     </p:extLst>
   </p:cSld>
@@ -5127,10 +5113,9 @@
           </a:p>
           <a:p>
             <a:r>
-              <a:rPr lang="en-US"/>
+              <a:rPr lang="en-US" dirty="0"/>
               <a:t>Wednesday is a lab day</a:t>
             </a:r>
-            <a:endParaRPr lang="en-US" dirty="0"/>
           </a:p>
         </p:txBody>
       </p:sp>
@@ -6056,7 +6041,7 @@
           <p:cNvPr id="2" name="Title 1">
             <a:extLst>
               <a:ext uri="{FF2B5EF4-FFF2-40B4-BE49-F238E27FC236}">
-                <a16:creationId xmlns:a16="http://schemas.microsoft.com/office/drawing/2014/main" id="{C0F12D45-C13E-4B58-859F-7B2F0BD13A18}"/>
+                <a16:creationId xmlns:a16="http://schemas.microsoft.com/office/drawing/2014/main" id="{5F134569-4603-4BAA-881B-41FB636F28EE}"/>
               </a:ext>
             </a:extLst>
           </p:cNvPr>
@@ -6074,7 +6059,7 @@
           <a:p>
             <a:r>
               <a:rPr lang="en-US" dirty="0"/>
-              <a:t>Physical examples</a:t>
+              <a:t>Computer examples</a:t>
             </a:r>
           </a:p>
         </p:txBody>
@@ -6084,7 +6069,7 @@
           <p:cNvPr id="3" name="Content Placeholder 2">
             <a:extLst>
               <a:ext uri="{FF2B5EF4-FFF2-40B4-BE49-F238E27FC236}">
-                <a16:creationId xmlns:a16="http://schemas.microsoft.com/office/drawing/2014/main" id="{ADCF7CED-A3D4-4B45-96C0-8EBC63F3A3A5}"/>
+                <a16:creationId xmlns:a16="http://schemas.microsoft.com/office/drawing/2014/main" id="{BB4A9FDF-41BC-4280-A78B-EAE730A59DF2}"/>
               </a:ext>
             </a:extLst>
           </p:cNvPr>
@@ -6102,45 +6087,71 @@
           <a:p>
             <a:r>
               <a:rPr lang="en-US" dirty="0"/>
-              <a:t>Dictionary</a:t>
-            </a:r>
-          </a:p>
-          <a:p>
+              <a:t>Stack</a:t>
+            </a:r>
+          </a:p>
+          <a:p>
+            <a:pPr lvl="1"/>
+            <a:r>
+              <a:rPr lang="en-US" dirty="0"/>
+              <a:t>Efficient add/remove at “top”</a:t>
+            </a:r>
+          </a:p>
+          <a:p>
+            <a:pPr lvl="1"/>
+            <a:r>
+              <a:rPr lang="en-US" dirty="0"/>
+              <a:t>Inefficient for anything else</a:t>
+            </a:r>
+          </a:p>
+          <a:p>
+            <a:pPr lvl="1"/>
             <a:endParaRPr lang="en-US" dirty="0"/>
           </a:p>
           <a:p>
+            <a:pPr lvl="1"/>
             <a:endParaRPr lang="en-US" dirty="0"/>
           </a:p>
           <a:p>
+            <a:r>
+              <a:rPr lang="en-US" dirty="0" err="1"/>
+              <a:t>Hashmap</a:t>
+            </a:r>
             <a:endParaRPr lang="en-US" dirty="0"/>
           </a:p>
           <a:p>
-            <a:r>
-              <a:rPr lang="en-US" dirty="0"/>
-              <a:t>Library</a:t>
-            </a:r>
-          </a:p>
-          <a:p>
+            <a:pPr lvl="1"/>
+            <a:r>
+              <a:rPr lang="en-US" dirty="0"/>
+              <a:t>Efficient for </a:t>
+            </a:r>
+            <a:r>
+              <a:rPr lang="en-US"/>
+              <a:t>finding value by key</a:t>
+            </a:r>
             <a:endParaRPr lang="en-US" dirty="0"/>
           </a:p>
           <a:p>
-            <a:endParaRPr lang="en-US" dirty="0"/>
-          </a:p>
-          <a:p>
-            <a:endParaRPr lang="en-US" dirty="0"/>
-          </a:p>
-          <a:p>
-            <a:pPr marL="0" indent="0">
-              <a:buNone/>
-            </a:pPr>
-            <a:endParaRPr lang="en-US" dirty="0"/>
+            <a:pPr lvl="1"/>
+            <a:r>
+              <a:rPr lang="en-US" dirty="0"/>
+              <a:t>Inefficient for accessing in some order (</a:t>
+            </a:r>
+            <a:r>
+              <a:rPr lang="en-US" dirty="0" err="1"/>
+              <a:t>eg</a:t>
+            </a:r>
+            <a:r>
+              <a:rPr lang="en-US" dirty="0"/>
+              <a:t> alphabetical)</a:t>
+            </a:r>
           </a:p>
         </p:txBody>
       </p:sp>
     </p:spTree>
     <p:extLst>
       <p:ext uri="{BB962C8B-B14F-4D97-AF65-F5344CB8AC3E}">
-        <p14:creationId xmlns:p14="http://schemas.microsoft.com/office/powerpoint/2010/main" val="388148792"/>
+        <p14:creationId xmlns:p14="http://schemas.microsoft.com/office/powerpoint/2010/main" val="365289425"/>
       </p:ext>
     </p:extLst>
   </p:cSld>
@@ -6172,7 +6183,7 @@
           <p:cNvPr id="2" name="Title 1">
             <a:extLst>
               <a:ext uri="{FF2B5EF4-FFF2-40B4-BE49-F238E27FC236}">
-                <a16:creationId xmlns:a16="http://schemas.microsoft.com/office/drawing/2014/main" id="{5F134569-4603-4BAA-881B-41FB636F28EE}"/>
+                <a16:creationId xmlns:a16="http://schemas.microsoft.com/office/drawing/2014/main" id="{E45F6BCA-0D29-4C8A-B96D-BD060B0C844F}"/>
               </a:ext>
             </a:extLst>
           </p:cNvPr>
@@ -6190,7 +6201,7 @@
           <a:p>
             <a:r>
               <a:rPr lang="en-US" dirty="0"/>
-              <a:t>Computer examples</a:t>
+              <a:t>Problem solving</a:t>
             </a:r>
           </a:p>
         </p:txBody>
@@ -6200,7 +6211,7 @@
           <p:cNvPr id="3" name="Content Placeholder 2">
             <a:extLst>
               <a:ext uri="{FF2B5EF4-FFF2-40B4-BE49-F238E27FC236}">
-                <a16:creationId xmlns:a16="http://schemas.microsoft.com/office/drawing/2014/main" id="{BB4A9FDF-41BC-4280-A78B-EAE730A59DF2}"/>
+                <a16:creationId xmlns:a16="http://schemas.microsoft.com/office/drawing/2014/main" id="{7871778A-239F-4144-BE85-12CFD17F6B49}"/>
               </a:ext>
             </a:extLst>
           </p:cNvPr>
@@ -6218,21 +6229,14 @@
           <a:p>
             <a:r>
               <a:rPr lang="en-US" dirty="0"/>
-              <a:t>Stack</a:t>
+              <a:t>Comp 131/132</a:t>
             </a:r>
           </a:p>
           <a:p>
             <a:pPr lvl="1"/>
             <a:r>
               <a:rPr lang="en-US" dirty="0"/>
-              <a:t>Efficient add/remove at “top”</a:t>
-            </a:r>
-          </a:p>
-          <a:p>
-            <a:pPr lvl="1"/>
-            <a:r>
-              <a:rPr lang="en-US" dirty="0"/>
-              <a:t>Inefficient for anything else</a:t>
+              <a:t>Most of the approach was already designed</a:t>
             </a:r>
           </a:p>
           <a:p>
@@ -6244,37 +6248,20 @@
             <a:endParaRPr lang="en-US" dirty="0"/>
           </a:p>
           <a:p>
-            <a:r>
-              <a:rPr lang="en-US" dirty="0" err="1"/>
-              <a:t>Hashmap</a:t>
-            </a:r>
+            <a:pPr lvl="1"/>
             <a:endParaRPr lang="en-US" dirty="0"/>
           </a:p>
           <a:p>
+            <a:r>
+              <a:rPr lang="en-US" dirty="0"/>
+              <a:t>Comp 232</a:t>
+            </a:r>
+          </a:p>
+          <a:p>
             <a:pPr lvl="1"/>
             <a:r>
               <a:rPr lang="en-US" dirty="0"/>
-              <a:t>Efficient for </a:t>
-            </a:r>
-            <a:r>
-              <a:rPr lang="en-US"/>
-              <a:t>finding value by key</a:t>
-            </a:r>
-            <a:endParaRPr lang="en-US" dirty="0"/>
-          </a:p>
-          <a:p>
-            <a:pPr lvl="1"/>
-            <a:r>
-              <a:rPr lang="en-US" dirty="0"/>
-              <a:t>Inefficient for accessing in some order (</a:t>
-            </a:r>
-            <a:r>
-              <a:rPr lang="en-US" dirty="0" err="1"/>
-              <a:t>eg</a:t>
-            </a:r>
-            <a:r>
-              <a:rPr lang="en-US" dirty="0"/>
-              <a:t> alphabetical)</a:t>
+              <a:t>More often, given only a problem statement (input and output)</a:t>
             </a:r>
           </a:p>
         </p:txBody>
@@ -6282,7 +6269,7 @@
     </p:spTree>
     <p:extLst>
       <p:ext uri="{BB962C8B-B14F-4D97-AF65-F5344CB8AC3E}">
-        <p14:creationId xmlns:p14="http://schemas.microsoft.com/office/powerpoint/2010/main" val="365289425"/>
+        <p14:creationId xmlns:p14="http://schemas.microsoft.com/office/powerpoint/2010/main" val="724140241"/>
       </p:ext>
     </p:extLst>
   </p:cSld>
@@ -6314,7 +6301,7 @@
           <p:cNvPr id="2" name="Title 1">
             <a:extLst>
               <a:ext uri="{FF2B5EF4-FFF2-40B4-BE49-F238E27FC236}">
-                <a16:creationId xmlns:a16="http://schemas.microsoft.com/office/drawing/2014/main" id="{E45F6BCA-0D29-4C8A-B96D-BD060B0C844F}"/>
+                <a16:creationId xmlns:a16="http://schemas.microsoft.com/office/drawing/2014/main" id="{88873571-C5CD-4392-9260-E968E368DDA4}"/>
               </a:ext>
             </a:extLst>
           </p:cNvPr>
@@ -6332,7 +6319,7 @@
           <a:p>
             <a:r>
               <a:rPr lang="en-US" dirty="0"/>
-              <a:t>Problem solving</a:t>
+              <a:t>Course goals:</a:t>
             </a:r>
           </a:p>
         </p:txBody>
@@ -6342,7 +6329,7 @@
           <p:cNvPr id="3" name="Content Placeholder 2">
             <a:extLst>
               <a:ext uri="{FF2B5EF4-FFF2-40B4-BE49-F238E27FC236}">
-                <a16:creationId xmlns:a16="http://schemas.microsoft.com/office/drawing/2014/main" id="{7871778A-239F-4144-BE85-12CFD17F6B49}"/>
+                <a16:creationId xmlns:a16="http://schemas.microsoft.com/office/drawing/2014/main" id="{9E0D1470-3F1B-416B-9143-DA9F2979BD6C}"/>
               </a:ext>
             </a:extLst>
           </p:cNvPr>
@@ -6360,47 +6347,68 @@
           <a:p>
             <a:r>
               <a:rPr lang="en-US" dirty="0"/>
-              <a:t>Comp 131/132</a:t>
+              <a:t>Toolkit development</a:t>
             </a:r>
           </a:p>
           <a:p>
             <a:pPr lvl="1"/>
             <a:r>
               <a:rPr lang="en-US" dirty="0"/>
-              <a:t>Most of the approach was already designed</a:t>
+              <a:t>Know what data structures are possible and what they are good at</a:t>
             </a:r>
           </a:p>
           <a:p>
             <a:pPr lvl="1"/>
+            <a:r>
+              <a:rPr lang="en-US" dirty="0"/>
+              <a:t>Choice</a:t>
+            </a:r>
+          </a:p>
+          <a:p>
+            <a:pPr lvl="2"/>
+            <a:r>
+              <a:rPr lang="en-US" dirty="0"/>
+              <a:t>Static or dynamic</a:t>
+            </a:r>
+          </a:p>
+          <a:p>
+            <a:pPr lvl="2"/>
+            <a:r>
+              <a:rPr lang="en-US" dirty="0"/>
+              <a:t>Common operations</a:t>
+            </a:r>
+          </a:p>
+          <a:p>
+            <a:pPr lvl="2"/>
+            <a:r>
+              <a:rPr lang="en-US" dirty="0"/>
+              <a:t>Access pattern</a:t>
+            </a:r>
+          </a:p>
+          <a:p>
+            <a:pPr lvl="2"/>
+            <a:r>
+              <a:rPr lang="en-US" dirty="0"/>
+              <a:t>Search types</a:t>
+            </a:r>
+          </a:p>
+          <a:p>
+            <a:pPr lvl="2"/>
+            <a:r>
+              <a:rPr lang="en-US" dirty="0"/>
+              <a:t>Performance analysis</a:t>
+            </a:r>
+          </a:p>
+          <a:p>
+            <a:pPr lvl="2"/>
             <a:endParaRPr lang="en-US" dirty="0"/>
-          </a:p>
-          <a:p>
-            <a:pPr lvl="1"/>
-            <a:endParaRPr lang="en-US" dirty="0"/>
-          </a:p>
-          <a:p>
-            <a:pPr lvl="1"/>
-            <a:endParaRPr lang="en-US" dirty="0"/>
-          </a:p>
-          <a:p>
-            <a:r>
-              <a:rPr lang="en-US" dirty="0"/>
-              <a:t>Comp 232</a:t>
-            </a:r>
-          </a:p>
-          <a:p>
-            <a:pPr lvl="1"/>
-            <a:r>
-              <a:rPr lang="en-US" dirty="0"/>
-              <a:t>More often, given only a problem statement (input and output)</a:t>
-            </a:r>
           </a:p>
         </p:txBody>
       </p:sp>
     </p:spTree>
     <p:extLst>
       <p:ext uri="{BB962C8B-B14F-4D97-AF65-F5344CB8AC3E}">
-        <p14:creationId xmlns:p14="http://schemas.microsoft.com/office/powerpoint/2010/main" val="724140241"/>
+        <p14:creationId xmlns:p14="http://schemas.microsoft.com/office/powerpoint/2010/main" val="1132213076"/>
       </p:ext>
     </p:extLst>
   </p:cSld>
@@ -6432,7 +6440,7 @@
           <p:cNvPr id="2" name="Title 1">
             <a:extLst>
               <a:ext uri="{FF2B5EF4-FFF2-40B4-BE49-F238E27FC236}">
-                <a16:creationId xmlns:a16="http://schemas.microsoft.com/office/drawing/2014/main" id="{88873571-C5CD-4392-9260-E968E368DDA4}"/>
+                <a16:creationId xmlns:a16="http://schemas.microsoft.com/office/drawing/2014/main" id="{3BC8497A-3975-4EE6-88FC-858D0D160B10}"/>
               </a:ext>
             </a:extLst>
           </p:cNvPr>
@@ -6450,7 +6458,7 @@
           <a:p>
             <a:r>
               <a:rPr lang="en-US" dirty="0"/>
-              <a:t>Course goals:</a:t>
+              <a:t>Asymptotic performance analysis</a:t>
             </a:r>
           </a:p>
         </p:txBody>
@@ -6460,7 +6468,7 @@
           <p:cNvPr id="3" name="Content Placeholder 2">
             <a:extLst>
               <a:ext uri="{FF2B5EF4-FFF2-40B4-BE49-F238E27FC236}">
-                <a16:creationId xmlns:a16="http://schemas.microsoft.com/office/drawing/2014/main" id="{9E0D1470-3F1B-416B-9143-DA9F2979BD6C}"/>
+                <a16:creationId xmlns:a16="http://schemas.microsoft.com/office/drawing/2014/main" id="{A2ED2E62-43CC-4260-BD2D-708E4AA9CCA1}"/>
               </a:ext>
             </a:extLst>
           </p:cNvPr>
@@ -6478,60 +6486,31 @@
           <a:p>
             <a:r>
               <a:rPr lang="en-US" dirty="0"/>
-              <a:t>Toolkit development</a:t>
+              <a:t>Big-O, omega, theta</a:t>
+            </a:r>
+          </a:p>
+          <a:p>
+            <a:r>
+              <a:rPr lang="en-US" dirty="0"/>
+              <a:t>Tradeoffs</a:t>
             </a:r>
           </a:p>
           <a:p>
             <a:pPr lvl="1"/>
             <a:r>
               <a:rPr lang="en-US" dirty="0"/>
-              <a:t>Know what data structures are possible and what they are good at</a:t>
+              <a:t>Time vs space</a:t>
             </a:r>
           </a:p>
           <a:p>
             <a:pPr lvl="1"/>
             <a:r>
               <a:rPr lang="en-US" dirty="0"/>
-              <a:t>Choice</a:t>
-            </a:r>
-          </a:p>
-          <a:p>
-            <a:pPr lvl="2"/>
-            <a:r>
-              <a:rPr lang="en-US" dirty="0"/>
-              <a:t>Static or dynamic</a:t>
-            </a:r>
-          </a:p>
-          <a:p>
-            <a:pPr lvl="2"/>
-            <a:r>
-              <a:rPr lang="en-US" dirty="0"/>
-              <a:t>Common operations</a:t>
-            </a:r>
-          </a:p>
-          <a:p>
-            <a:pPr lvl="2"/>
-            <a:r>
-              <a:rPr lang="en-US" dirty="0"/>
-              <a:t>Access pattern</a:t>
-            </a:r>
-          </a:p>
-          <a:p>
-            <a:pPr lvl="2"/>
-            <a:r>
-              <a:rPr lang="en-US" dirty="0"/>
-              <a:t>Search types</a:t>
-            </a:r>
-          </a:p>
-          <a:p>
-            <a:pPr lvl="2"/>
-            <a:r>
-              <a:rPr lang="en-US" dirty="0"/>
-              <a:t>Performance analysis</a:t>
-            </a:r>
-          </a:p>
-          <a:p>
-            <a:pPr lvl="2"/>
+              <a:t>Readability/maintainability vs code size/efficiency</a:t>
+            </a:r>
+          </a:p>
+          <a:p>
+            <a:pPr lvl="1"/>
             <a:endParaRPr lang="en-US" dirty="0"/>
           </a:p>
         </p:txBody>
@@ -6539,7 +6518,7 @@
     </p:spTree>
     <p:extLst>
       <p:ext uri="{BB962C8B-B14F-4D97-AF65-F5344CB8AC3E}">
-        <p14:creationId xmlns:p14="http://schemas.microsoft.com/office/powerpoint/2010/main" val="1132213076"/>
+        <p14:creationId xmlns:p14="http://schemas.microsoft.com/office/powerpoint/2010/main" val="3638422871"/>
       </p:ext>
     </p:extLst>
   </p:cSld>
@@ -6571,7 +6550,7 @@
           <p:cNvPr id="2" name="Title 1">
             <a:extLst>
               <a:ext uri="{FF2B5EF4-FFF2-40B4-BE49-F238E27FC236}">
-                <a16:creationId xmlns:a16="http://schemas.microsoft.com/office/drawing/2014/main" id="{3BC8497A-3975-4EE6-88FC-858D0D160B10}"/>
+                <a16:creationId xmlns:a16="http://schemas.microsoft.com/office/drawing/2014/main" id="{46F62233-0D58-48B2-8AE3-E36B910EC50B}"/>
               </a:ext>
             </a:extLst>
           </p:cNvPr>
@@ -6589,7 +6568,7 @@
           <a:p>
             <a:r>
               <a:rPr lang="en-US" dirty="0"/>
-              <a:t>Asymptotic performance analysis</a:t>
+              <a:t>Problem solving skills</a:t>
             </a:r>
           </a:p>
         </p:txBody>
@@ -6599,7 +6578,7 @@
           <p:cNvPr id="3" name="Content Placeholder 2">
             <a:extLst>
               <a:ext uri="{FF2B5EF4-FFF2-40B4-BE49-F238E27FC236}">
-                <a16:creationId xmlns:a16="http://schemas.microsoft.com/office/drawing/2014/main" id="{A2ED2E62-43CC-4260-BD2D-708E4AA9CCA1}"/>
+                <a16:creationId xmlns:a16="http://schemas.microsoft.com/office/drawing/2014/main" id="{73BD60FC-4DD9-4CF6-BE24-D3C43814EC9A}"/>
               </a:ext>
             </a:extLst>
           </p:cNvPr>
@@ -6615,41 +6594,14 @@
           <a:bodyPr/>
           <a:lstStyle/>
           <a:p>
-            <a:r>
-              <a:rPr lang="en-US" dirty="0"/>
-              <a:t>Big-O, omega, theta</a:t>
-            </a:r>
-          </a:p>
-          <a:p>
-            <a:r>
-              <a:rPr lang="en-US" dirty="0"/>
-              <a:t>Tradeoffs</a:t>
-            </a:r>
-          </a:p>
-          <a:p>
-            <a:pPr lvl="1"/>
-            <a:r>
-              <a:rPr lang="en-US" dirty="0"/>
-              <a:t>Time vs space</a:t>
-            </a:r>
-          </a:p>
-          <a:p>
-            <a:pPr lvl="1"/>
-            <a:r>
-              <a:rPr lang="en-US" dirty="0"/>
-              <a:t>Readability/maintainability vs code size/efficiency</a:t>
-            </a:r>
-          </a:p>
-          <a:p>
-            <a:pPr lvl="1"/>
-            <a:endParaRPr lang="en-US" dirty="0"/>
+            <a:endParaRPr lang="en-US"/>
           </a:p>
         </p:txBody>
       </p:sp>
     </p:spTree>
     <p:extLst>
       <p:ext uri="{BB962C8B-B14F-4D97-AF65-F5344CB8AC3E}">
-        <p14:creationId xmlns:p14="http://schemas.microsoft.com/office/powerpoint/2010/main" val="3638422871"/>
+        <p14:creationId xmlns:p14="http://schemas.microsoft.com/office/powerpoint/2010/main" val="2280230441"/>
       </p:ext>
     </p:extLst>
   </p:cSld>
@@ -6681,7 +6633,7 @@
           <p:cNvPr id="2" name="Title 1">
             <a:extLst>
               <a:ext uri="{FF2B5EF4-FFF2-40B4-BE49-F238E27FC236}">
-                <a16:creationId xmlns:a16="http://schemas.microsoft.com/office/drawing/2014/main" id="{46F62233-0D58-48B2-8AE3-E36B910EC50B}"/>
+                <a16:creationId xmlns:a16="http://schemas.microsoft.com/office/drawing/2014/main" id="{5368C869-1060-4791-B874-334072800DD4}"/>
               </a:ext>
             </a:extLst>
           </p:cNvPr>
@@ -6699,7 +6651,7 @@
           <a:p>
             <a:r>
               <a:rPr lang="en-US" dirty="0"/>
-              <a:t>Problem solving skills</a:t>
+              <a:t>Terminology</a:t>
             </a:r>
           </a:p>
         </p:txBody>
@@ -6709,7 +6661,7 @@
           <p:cNvPr id="3" name="Content Placeholder 2">
             <a:extLst>
               <a:ext uri="{FF2B5EF4-FFF2-40B4-BE49-F238E27FC236}">
-                <a16:creationId xmlns:a16="http://schemas.microsoft.com/office/drawing/2014/main" id="{73BD60FC-4DD9-4CF6-BE24-D3C43814EC9A}"/>
+                <a16:creationId xmlns:a16="http://schemas.microsoft.com/office/drawing/2014/main" id="{C68799BD-78DA-4E5C-9D97-3695F501CB7C}"/>
               </a:ext>
             </a:extLst>
           </p:cNvPr>
@@ -6725,14 +6677,61 @@
           <a:bodyPr/>
           <a:lstStyle/>
           <a:p>
-            <a:endParaRPr lang="en-US"/>
+            <a:r>
+              <a:rPr lang="en-US" dirty="0"/>
+              <a:t>Simple/primitive data type</a:t>
+            </a:r>
+          </a:p>
+          <a:p>
+            <a:r>
+              <a:rPr lang="en-US" dirty="0"/>
+              <a:t>Aggregate/composite data type</a:t>
+            </a:r>
+          </a:p>
+          <a:p>
+            <a:endParaRPr lang="en-US" dirty="0"/>
+          </a:p>
+          <a:p>
+            <a:endParaRPr lang="en-US" dirty="0"/>
+          </a:p>
+          <a:p>
+            <a:r>
+              <a:rPr lang="en-US" dirty="0"/>
+              <a:t>Abstract data type</a:t>
+            </a:r>
+          </a:p>
+          <a:p>
+            <a:pPr lvl="1"/>
+            <a:r>
+              <a:rPr lang="en-US" dirty="0"/>
+              <a:t>Operations, but not implementation</a:t>
+            </a:r>
+          </a:p>
+          <a:p>
+            <a:r>
+              <a:rPr lang="en-US" dirty="0"/>
+              <a:t>Data structure</a:t>
+            </a:r>
+          </a:p>
+          <a:p>
+            <a:pPr lvl="1"/>
+            <a:r>
+              <a:rPr lang="en-US" dirty="0"/>
+              <a:t>Implementation of an abstract data type</a:t>
+            </a:r>
+          </a:p>
+          <a:p>
+            <a:endParaRPr lang="en-US" dirty="0"/>
+          </a:p>
+          <a:p>
+            <a:endParaRPr lang="en-US" dirty="0"/>
           </a:p>
         </p:txBody>
       </p:sp>
     </p:spTree>
     <p:extLst>
       <p:ext uri="{BB962C8B-B14F-4D97-AF65-F5344CB8AC3E}">
-        <p14:creationId xmlns:p14="http://schemas.microsoft.com/office/powerpoint/2010/main" val="2280230441"/>
+        <p14:creationId xmlns:p14="http://schemas.microsoft.com/office/powerpoint/2010/main" val="3392824720"/>
       </p:ext>
     </p:extLst>
   </p:cSld>

--- a/notes.pptx
+++ b/notes.pptx
@@ -35,6 +35,7 @@
     <p:sldId id="283" r:id="rId29"/>
     <p:sldId id="284" r:id="rId30"/>
     <p:sldId id="285" r:id="rId31"/>
+    <p:sldId id="287" r:id="rId32"/>
   </p:sldIdLst>
   <p:sldSz cx="12192000" cy="6858000"/>
   <p:notesSz cx="6858000" cy="9144000"/>
@@ -288,7 +289,7 @@
           <a:p>
             <a:fld id="{DE176E02-7D44-4713-8078-8E0963CF8DDB}" type="datetimeFigureOut">
               <a:rPr lang="en-US" smtClean="0"/>
-              <a:t>9/9/19</a:t>
+              <a:t>9/11/2019</a:t>
             </a:fld>
             <a:endParaRPr lang="en-US"/>
           </a:p>
@@ -486,7 +487,7 @@
           <a:p>
             <a:fld id="{DE176E02-7D44-4713-8078-8E0963CF8DDB}" type="datetimeFigureOut">
               <a:rPr lang="en-US" smtClean="0"/>
-              <a:t>9/9/19</a:t>
+              <a:t>9/11/2019</a:t>
             </a:fld>
             <a:endParaRPr lang="en-US"/>
           </a:p>
@@ -694,7 +695,7 @@
           <a:p>
             <a:fld id="{DE176E02-7D44-4713-8078-8E0963CF8DDB}" type="datetimeFigureOut">
               <a:rPr lang="en-US" smtClean="0"/>
-              <a:t>9/9/19</a:t>
+              <a:t>9/11/2019</a:t>
             </a:fld>
             <a:endParaRPr lang="en-US"/>
           </a:p>
@@ -892,7 +893,7 @@
           <a:p>
             <a:fld id="{DE176E02-7D44-4713-8078-8E0963CF8DDB}" type="datetimeFigureOut">
               <a:rPr lang="en-US" smtClean="0"/>
-              <a:t>9/9/19</a:t>
+              <a:t>9/11/2019</a:t>
             </a:fld>
             <a:endParaRPr lang="en-US"/>
           </a:p>
@@ -1167,7 +1168,7 @@
           <a:p>
             <a:fld id="{DE176E02-7D44-4713-8078-8E0963CF8DDB}" type="datetimeFigureOut">
               <a:rPr lang="en-US" smtClean="0"/>
-              <a:t>9/9/19</a:t>
+              <a:t>9/11/2019</a:t>
             </a:fld>
             <a:endParaRPr lang="en-US"/>
           </a:p>
@@ -1432,7 +1433,7 @@
           <a:p>
             <a:fld id="{DE176E02-7D44-4713-8078-8E0963CF8DDB}" type="datetimeFigureOut">
               <a:rPr lang="en-US" smtClean="0"/>
-              <a:t>9/9/19</a:t>
+              <a:t>9/11/2019</a:t>
             </a:fld>
             <a:endParaRPr lang="en-US"/>
           </a:p>
@@ -1844,7 +1845,7 @@
           <a:p>
             <a:fld id="{DE176E02-7D44-4713-8078-8E0963CF8DDB}" type="datetimeFigureOut">
               <a:rPr lang="en-US" smtClean="0"/>
-              <a:t>9/9/19</a:t>
+              <a:t>9/11/2019</a:t>
             </a:fld>
             <a:endParaRPr lang="en-US"/>
           </a:p>
@@ -1985,7 +1986,7 @@
           <a:p>
             <a:fld id="{DE176E02-7D44-4713-8078-8E0963CF8DDB}" type="datetimeFigureOut">
               <a:rPr lang="en-US" smtClean="0"/>
-              <a:t>9/9/19</a:t>
+              <a:t>9/11/2019</a:t>
             </a:fld>
             <a:endParaRPr lang="en-US"/>
           </a:p>
@@ -2098,7 +2099,7 @@
           <a:p>
             <a:fld id="{DE176E02-7D44-4713-8078-8E0963CF8DDB}" type="datetimeFigureOut">
               <a:rPr lang="en-US" smtClean="0"/>
-              <a:t>9/9/19</a:t>
+              <a:t>9/11/2019</a:t>
             </a:fld>
             <a:endParaRPr lang="en-US"/>
           </a:p>
@@ -2409,7 +2410,7 @@
           <a:p>
             <a:fld id="{DE176E02-7D44-4713-8078-8E0963CF8DDB}" type="datetimeFigureOut">
               <a:rPr lang="en-US" smtClean="0"/>
-              <a:t>9/9/19</a:t>
+              <a:t>9/11/2019</a:t>
             </a:fld>
             <a:endParaRPr lang="en-US"/>
           </a:p>
@@ -2697,7 +2698,7 @@
           <a:p>
             <a:fld id="{DE176E02-7D44-4713-8078-8E0963CF8DDB}" type="datetimeFigureOut">
               <a:rPr lang="en-US" smtClean="0"/>
-              <a:t>9/9/19</a:t>
+              <a:t>9/11/2019</a:t>
             </a:fld>
             <a:endParaRPr lang="en-US"/>
           </a:p>
@@ -2938,7 +2939,7 @@
           <a:p>
             <a:fld id="{DE176E02-7D44-4713-8078-8E0963CF8DDB}" type="datetimeFigureOut">
               <a:rPr lang="en-US" smtClean="0"/>
-              <a:t>9/9/19</a:t>
+              <a:t>9/11/2019</a:t>
             </a:fld>
             <a:endParaRPr lang="en-US"/>
           </a:p>
@@ -6019,6 +6020,178 @@
 </p:sld>
 </file>
 
+<file path=ppt/slides/slide31.xml><?xml version="1.0" encoding="utf-8"?>
+<p:sld xmlns:a="http://schemas.openxmlformats.org/drawingml/2006/main" xmlns:r="http://schemas.openxmlformats.org/officeDocument/2006/relationships" xmlns:p="http://schemas.openxmlformats.org/presentationml/2006/main">
+  <p:cSld>
+    <p:spTree>
+      <p:nvGrpSpPr>
+        <p:cNvPr id="1" name=""/>
+        <p:cNvGrpSpPr/>
+        <p:nvPr/>
+      </p:nvGrpSpPr>
+      <p:grpSpPr>
+        <a:xfrm>
+          <a:off x="0" y="0"/>
+          <a:ext cx="0" cy="0"/>
+          <a:chOff x="0" y="0"/>
+          <a:chExt cx="0" cy="0"/>
+        </a:xfrm>
+      </p:grpSpPr>
+      <p:sp>
+        <p:nvSpPr>
+          <p:cNvPr id="2" name="Title 1">
+            <a:extLst>
+              <a:ext uri="{FF2B5EF4-FFF2-40B4-BE49-F238E27FC236}">
+                <a16:creationId xmlns:a16="http://schemas.microsoft.com/office/drawing/2014/main" id="{95A2E308-98F7-4B42-BCB1-1FBE13BD6D8E}"/>
+              </a:ext>
+            </a:extLst>
+          </p:cNvPr>
+          <p:cNvSpPr>
+            <a:spLocks noGrp="1"/>
+          </p:cNvSpPr>
+          <p:nvPr>
+            <p:ph type="title"/>
+          </p:nvPr>
+        </p:nvSpPr>
+        <p:spPr>
+          <a:xfrm>
+            <a:off x="838200" y="0"/>
+            <a:ext cx="10515600" cy="1325563"/>
+          </a:xfrm>
+        </p:spPr>
+        <p:txBody>
+          <a:bodyPr/>
+          <a:lstStyle/>
+          <a:p>
+            <a:r>
+              <a:rPr lang="en-US" dirty="0"/>
+              <a:t>Goals for today</a:t>
+            </a:r>
+          </a:p>
+        </p:txBody>
+      </p:sp>
+      <p:sp>
+        <p:nvSpPr>
+          <p:cNvPr id="3" name="Content Placeholder 2">
+            <a:extLst>
+              <a:ext uri="{FF2B5EF4-FFF2-40B4-BE49-F238E27FC236}">
+                <a16:creationId xmlns:a16="http://schemas.microsoft.com/office/drawing/2014/main" id="{412A0075-2F2C-492E-9895-1DA0CA0669EF}"/>
+              </a:ext>
+            </a:extLst>
+          </p:cNvPr>
+          <p:cNvSpPr>
+            <a:spLocks noGrp="1"/>
+          </p:cNvSpPr>
+          <p:nvPr>
+            <p:ph idx="1"/>
+          </p:nvPr>
+        </p:nvSpPr>
+        <p:spPr>
+          <a:xfrm>
+            <a:off x="838200" y="1009650"/>
+            <a:ext cx="10515600" cy="5167313"/>
+          </a:xfrm>
+        </p:spPr>
+        <p:txBody>
+          <a:bodyPr>
+            <a:normAutofit/>
+          </a:bodyPr>
+          <a:lstStyle/>
+          <a:p>
+            <a:r>
+              <a:rPr lang="en-US" dirty="0"/>
+              <a:t>Get the course repository on your machine and running in Eclipse.</a:t>
+            </a:r>
+          </a:p>
+          <a:p>
+            <a:r>
+              <a:rPr lang="en-US" dirty="0"/>
+              <a:t>Get your homework repository on your machine and running in Eclipse.</a:t>
+            </a:r>
+          </a:p>
+          <a:p>
+            <a:r>
+              <a:rPr lang="en-US" dirty="0"/>
+              <a:t>Make a text file for your written responses to homework 1 in your homework 1 folder.  </a:t>
+            </a:r>
+          </a:p>
+          <a:p>
+            <a:r>
+              <a:rPr lang="en-US" dirty="0"/>
+              <a:t>Get a </a:t>
+            </a:r>
+            <a:r>
+              <a:rPr lang="en-US" dirty="0" err="1"/>
+              <a:t>hackerrank</a:t>
+            </a:r>
+            <a:r>
+              <a:rPr lang="en-US" dirty="0"/>
+              <a:t> user name.</a:t>
+            </a:r>
+          </a:p>
+          <a:p>
+            <a:r>
+              <a:rPr lang="en-US" dirty="0"/>
+              <a:t>Submit your </a:t>
+            </a:r>
+            <a:r>
+              <a:rPr lang="en-US" dirty="0" err="1"/>
+              <a:t>hackerrank</a:t>
+            </a:r>
+            <a:r>
+              <a:rPr lang="en-US" dirty="0"/>
+              <a:t> username to </a:t>
+            </a:r>
+            <a:r>
+              <a:rPr lang="en-US" dirty="0" err="1"/>
+              <a:t>moodle</a:t>
+            </a:r>
+            <a:r>
+              <a:rPr lang="en-US" dirty="0"/>
+              <a:t>.  </a:t>
+            </a:r>
+          </a:p>
+          <a:p>
+            <a:r>
+              <a:rPr lang="en-US" dirty="0"/>
+              <a:t>Create a labs package in your homework repository in eclipse.</a:t>
+            </a:r>
+          </a:p>
+          <a:p>
+            <a:r>
+              <a:rPr lang="en-US" dirty="0"/>
+              <a:t>Do the “solve me first” problem in that folder, with test cases.  </a:t>
+            </a:r>
+          </a:p>
+          <a:p>
+            <a:r>
+              <a:rPr lang="en-US" dirty="0"/>
+              <a:t>Submit a solution to “solve me first” on </a:t>
+            </a:r>
+            <a:r>
+              <a:rPr lang="en-US" dirty="0" err="1"/>
+              <a:t>hackerrank</a:t>
+            </a:r>
+            <a:r>
+              <a:rPr lang="en-US" dirty="0"/>
+              <a:t>.  </a:t>
+            </a:r>
+          </a:p>
+        </p:txBody>
+      </p:sp>
+    </p:spTree>
+    <p:extLst>
+      <p:ext uri="{BB962C8B-B14F-4D97-AF65-F5344CB8AC3E}">
+        <p14:creationId xmlns:p14="http://schemas.microsoft.com/office/powerpoint/2010/main" val="2440214003"/>
+      </p:ext>
+    </p:extLst>
+  </p:cSld>
+  <p:clrMapOvr>
+    <a:masterClrMapping/>
+  </p:clrMapOvr>
+</p:sld>
+</file>
+
 <file path=ppt/slides/slide4.xml><?xml version="1.0" encoding="utf-8"?>
 <p:sld xmlns:a="http://schemas.openxmlformats.org/drawingml/2006/main" xmlns:r="http://schemas.openxmlformats.org/officeDocument/2006/relationships" xmlns:p="http://schemas.openxmlformats.org/presentationml/2006/main">
   <p:cSld>

--- a/notes.pptx
+++ b/notes.pptx
@@ -35,7 +35,8 @@
     <p:sldId id="283" r:id="rId29"/>
     <p:sldId id="284" r:id="rId30"/>
     <p:sldId id="285" r:id="rId31"/>
-    <p:sldId id="287" r:id="rId32"/>
+    <p:sldId id="288" r:id="rId32"/>
+    <p:sldId id="287" r:id="rId33"/>
   </p:sldIdLst>
   <p:sldSz cx="12192000" cy="6858000"/>
   <p:notesSz cx="6858000" cy="9144000"/>
@@ -6042,6 +6043,116 @@
           <p:cNvPr id="2" name="Title 1">
             <a:extLst>
               <a:ext uri="{FF2B5EF4-FFF2-40B4-BE49-F238E27FC236}">
+                <a16:creationId xmlns:a16="http://schemas.microsoft.com/office/drawing/2014/main" id="{3340A9B3-F811-42F1-A043-ACFFA01B5233}"/>
+              </a:ext>
+            </a:extLst>
+          </p:cNvPr>
+          <p:cNvSpPr>
+            <a:spLocks noGrp="1"/>
+          </p:cNvSpPr>
+          <p:nvPr>
+            <p:ph type="title"/>
+          </p:nvPr>
+        </p:nvSpPr>
+        <p:spPr/>
+        <p:txBody>
+          <a:bodyPr/>
+          <a:lstStyle/>
+          <a:p>
+            <a:endParaRPr lang="en-US"/>
+          </a:p>
+        </p:txBody>
+      </p:sp>
+      <p:sp>
+        <p:nvSpPr>
+          <p:cNvPr id="3" name="Content Placeholder 2">
+            <a:extLst>
+              <a:ext uri="{FF2B5EF4-FFF2-40B4-BE49-F238E27FC236}">
+                <a16:creationId xmlns:a16="http://schemas.microsoft.com/office/drawing/2014/main" id="{1C4A3FFB-221B-4F66-8521-A8C4924608AB}"/>
+              </a:ext>
+            </a:extLst>
+          </p:cNvPr>
+          <p:cNvSpPr>
+            <a:spLocks noGrp="1"/>
+          </p:cNvSpPr>
+          <p:nvPr>
+            <p:ph idx="1"/>
+          </p:nvPr>
+        </p:nvSpPr>
+        <p:spPr/>
+        <p:txBody>
+          <a:bodyPr/>
+          <a:lstStyle/>
+          <a:p>
+            <a:pPr marL="0" indent="0">
+              <a:buNone/>
+            </a:pPr>
+            <a:r>
+              <a:rPr lang="en-US" dirty="0">
+                <a:hlinkClick r:id="rId2"/>
+              </a:rPr>
+              <a:t>https://www.washingtonpost.com/technology/2019/09/04/an-artificial-intelligence-first-voice-mimicking-software-reportedly-used-major-theft/</a:t>
+            </a:r>
+            <a:endParaRPr lang="en-US" dirty="0"/>
+          </a:p>
+          <a:p>
+            <a:endParaRPr lang="en-US" dirty="0"/>
+          </a:p>
+          <a:p>
+            <a:pPr marL="0" indent="0">
+              <a:buNone/>
+            </a:pPr>
+            <a:r>
+              <a:rPr lang="en-US"/>
+              <a:t>“An </a:t>
+            </a:r>
+            <a:r>
+              <a:rPr lang="en-US" dirty="0"/>
+              <a:t>artificial-intelligence first: Voice-mimicking software reportedly used in a </a:t>
+            </a:r>
+            <a:r>
+              <a:rPr lang="en-US"/>
+              <a:t>major theft”</a:t>
+            </a:r>
+            <a:endParaRPr lang="en-US" dirty="0"/>
+          </a:p>
+        </p:txBody>
+      </p:sp>
+    </p:spTree>
+    <p:extLst>
+      <p:ext uri="{BB962C8B-B14F-4D97-AF65-F5344CB8AC3E}">
+        <p14:creationId xmlns:p14="http://schemas.microsoft.com/office/powerpoint/2010/main" val="1649917549"/>
+      </p:ext>
+    </p:extLst>
+  </p:cSld>
+  <p:clrMapOvr>
+    <a:masterClrMapping/>
+  </p:clrMapOvr>
+</p:sld>
+</file>
+
+<file path=ppt/slides/slide32.xml><?xml version="1.0" encoding="utf-8"?>
+<p:sld xmlns:a="http://schemas.openxmlformats.org/drawingml/2006/main" xmlns:r="http://schemas.openxmlformats.org/officeDocument/2006/relationships" xmlns:p="http://schemas.openxmlformats.org/presentationml/2006/main">
+  <p:cSld>
+    <p:spTree>
+      <p:nvGrpSpPr>
+        <p:cNvPr id="1" name=""/>
+        <p:cNvGrpSpPr/>
+        <p:nvPr/>
+      </p:nvGrpSpPr>
+      <p:grpSpPr>
+        <a:xfrm>
+          <a:off x="0" y="0"/>
+          <a:ext cx="0" cy="0"/>
+          <a:chOff x="0" y="0"/>
+          <a:chExt cx="0" cy="0"/>
+        </a:xfrm>
+      </p:grpSpPr>
+      <p:sp>
+        <p:nvSpPr>
+          <p:cNvPr id="2" name="Title 1">
+            <a:extLst>
+              <a:ext uri="{FF2B5EF4-FFF2-40B4-BE49-F238E27FC236}">
                 <a16:creationId xmlns:a16="http://schemas.microsoft.com/office/drawing/2014/main" id="{95A2E308-98F7-4B42-BCB1-1FBE13BD6D8E}"/>
               </a:ext>
             </a:extLst>

--- a/notes.pptx
+++ b/notes.pptx
@@ -3,40 +3,51 @@
 <p:presentation xmlns:a="http://schemas.openxmlformats.org/drawingml/2006/main" xmlns:r="http://schemas.openxmlformats.org/officeDocument/2006/relationships" xmlns:p="http://schemas.openxmlformats.org/presentationml/2006/main" saveSubsetFonts="1">
   <p:sldMasterIdLst>
     <p:sldMasterId id="2147483648" r:id="rId1"/>
+    <p:sldMasterId id="2147483660" r:id="rId2"/>
   </p:sldMasterIdLst>
   <p:sldIdLst>
-    <p:sldId id="256" r:id="rId2"/>
-    <p:sldId id="268" r:id="rId3"/>
-    <p:sldId id="257" r:id="rId4"/>
-    <p:sldId id="259" r:id="rId5"/>
-    <p:sldId id="260" r:id="rId6"/>
-    <p:sldId id="261" r:id="rId7"/>
-    <p:sldId id="262" r:id="rId8"/>
-    <p:sldId id="264" r:id="rId9"/>
-    <p:sldId id="265" r:id="rId10"/>
-    <p:sldId id="280" r:id="rId11"/>
-    <p:sldId id="266" r:id="rId12"/>
-    <p:sldId id="267" r:id="rId13"/>
-    <p:sldId id="270" r:id="rId14"/>
-    <p:sldId id="258" r:id="rId15"/>
-    <p:sldId id="269" r:id="rId16"/>
-    <p:sldId id="271" r:id="rId17"/>
-    <p:sldId id="272" r:id="rId18"/>
-    <p:sldId id="273" r:id="rId19"/>
-    <p:sldId id="274" r:id="rId20"/>
-    <p:sldId id="275" r:id="rId21"/>
-    <p:sldId id="276" r:id="rId22"/>
-    <p:sldId id="277" r:id="rId23"/>
-    <p:sldId id="286" r:id="rId24"/>
-    <p:sldId id="278" r:id="rId25"/>
-    <p:sldId id="279" r:id="rId26"/>
-    <p:sldId id="281" r:id="rId27"/>
-    <p:sldId id="282" r:id="rId28"/>
-    <p:sldId id="283" r:id="rId29"/>
-    <p:sldId id="284" r:id="rId30"/>
-    <p:sldId id="285" r:id="rId31"/>
-    <p:sldId id="288" r:id="rId32"/>
-    <p:sldId id="287" r:id="rId33"/>
+    <p:sldId id="256" r:id="rId3"/>
+    <p:sldId id="268" r:id="rId4"/>
+    <p:sldId id="257" r:id="rId5"/>
+    <p:sldId id="259" r:id="rId6"/>
+    <p:sldId id="260" r:id="rId7"/>
+    <p:sldId id="261" r:id="rId8"/>
+    <p:sldId id="262" r:id="rId9"/>
+    <p:sldId id="264" r:id="rId10"/>
+    <p:sldId id="265" r:id="rId11"/>
+    <p:sldId id="280" r:id="rId12"/>
+    <p:sldId id="266" r:id="rId13"/>
+    <p:sldId id="267" r:id="rId14"/>
+    <p:sldId id="270" r:id="rId15"/>
+    <p:sldId id="258" r:id="rId16"/>
+    <p:sldId id="269" r:id="rId17"/>
+    <p:sldId id="271" r:id="rId18"/>
+    <p:sldId id="272" r:id="rId19"/>
+    <p:sldId id="273" r:id="rId20"/>
+    <p:sldId id="274" r:id="rId21"/>
+    <p:sldId id="275" r:id="rId22"/>
+    <p:sldId id="276" r:id="rId23"/>
+    <p:sldId id="277" r:id="rId24"/>
+    <p:sldId id="286" r:id="rId25"/>
+    <p:sldId id="278" r:id="rId26"/>
+    <p:sldId id="279" r:id="rId27"/>
+    <p:sldId id="281" r:id="rId28"/>
+    <p:sldId id="282" r:id="rId29"/>
+    <p:sldId id="283" r:id="rId30"/>
+    <p:sldId id="284" r:id="rId31"/>
+    <p:sldId id="285" r:id="rId32"/>
+    <p:sldId id="288" r:id="rId33"/>
+    <p:sldId id="287" r:id="rId34"/>
+    <p:sldId id="298" r:id="rId35"/>
+    <p:sldId id="297" r:id="rId36"/>
+    <p:sldId id="296" r:id="rId37"/>
+    <p:sldId id="295" r:id="rId38"/>
+    <p:sldId id="290" r:id="rId39"/>
+    <p:sldId id="294" r:id="rId40"/>
+    <p:sldId id="291" r:id="rId41"/>
+    <p:sldId id="293" r:id="rId42"/>
+    <p:sldId id="292" r:id="rId43"/>
+    <p:sldId id="299" r:id="rId44"/>
   </p:sldIdLst>
   <p:sldSz cx="12192000" cy="6858000"/>
   <p:notesSz cx="6858000" cy="9144000"/>
@@ -290,7 +301,7 @@
           <a:p>
             <a:fld id="{DE176E02-7D44-4713-8078-8E0963CF8DDB}" type="datetimeFigureOut">
               <a:rPr lang="en-US" smtClean="0"/>
-              <a:t>9/11/2019</a:t>
+              <a:t>9/13/2019</a:t>
             </a:fld>
             <a:endParaRPr lang="en-US"/>
           </a:p>
@@ -488,7 +499,7 @@
           <a:p>
             <a:fld id="{DE176E02-7D44-4713-8078-8E0963CF8DDB}" type="datetimeFigureOut">
               <a:rPr lang="en-US" smtClean="0"/>
-              <a:t>9/11/2019</a:t>
+              <a:t>9/13/2019</a:t>
             </a:fld>
             <a:endParaRPr lang="en-US"/>
           </a:p>
@@ -696,7 +707,7 @@
           <a:p>
             <a:fld id="{DE176E02-7D44-4713-8078-8E0963CF8DDB}" type="datetimeFigureOut">
               <a:rPr lang="en-US" smtClean="0"/>
-              <a:t>9/11/2019</a:t>
+              <a:t>9/13/2019</a:t>
             </a:fld>
             <a:endParaRPr lang="en-US"/>
           </a:p>
@@ -760,6 +771,1486 @@
     <p:extLst>
       <p:ext uri="{BB962C8B-B14F-4D97-AF65-F5344CB8AC3E}">
         <p14:creationId xmlns:p14="http://schemas.microsoft.com/office/powerpoint/2010/main" val="847040644"/>
+      </p:ext>
+    </p:extLst>
+  </p:cSld>
+  <p:clrMapOvr>
+    <a:masterClrMapping/>
+  </p:clrMapOvr>
+</p:sldLayout>
+</file>
+
+<file path=ppt/slideLayouts/slideLayout12.xml><?xml version="1.0" encoding="utf-8"?>
+<p:sldLayout xmlns:a="http://schemas.openxmlformats.org/drawingml/2006/main" xmlns:r="http://schemas.openxmlformats.org/officeDocument/2006/relationships" xmlns:p="http://schemas.openxmlformats.org/presentationml/2006/main" showMasterSp="0" type="title" preserve="1">
+  <p:cSld name="Title Slide">
+    <p:spTree>
+      <p:nvGrpSpPr>
+        <p:cNvPr id="1" name=""/>
+        <p:cNvGrpSpPr/>
+        <p:nvPr/>
+      </p:nvGrpSpPr>
+      <p:grpSpPr>
+        <a:xfrm>
+          <a:off x="0" y="0"/>
+          <a:ext cx="0" cy="0"/>
+          <a:chOff x="0" y="0"/>
+          <a:chExt cx="0" cy="0"/>
+        </a:xfrm>
+      </p:grpSpPr>
+      <p:pic>
+        <p:nvPicPr>
+          <p:cNvPr id="4" name="Picture 8">
+            <a:extLst>
+              <a:ext uri="{FF2B5EF4-FFF2-40B4-BE49-F238E27FC236}">
+                <a16:creationId xmlns:a16="http://schemas.microsoft.com/office/drawing/2014/main" id="{93832A5B-7B4D-493D-9D21-2A0EDCA9DBA2}"/>
+              </a:ext>
+            </a:extLst>
+          </p:cNvPr>
+          <p:cNvPicPr>
+            <a:picLocks noChangeAspect="1" noChangeArrowheads="1"/>
+          </p:cNvPicPr>
+          <p:nvPr userDrawn="1"/>
+        </p:nvPicPr>
+        <p:blipFill>
+          <a:blip r:embed="rId2">
+            <a:extLst>
+              <a:ext uri="{28A0092B-C50C-407E-A947-70E740481C1C}">
+                <a14:useLocalDpi xmlns:a14="http://schemas.microsoft.com/office/drawing/2010/main" val="0"/>
+              </a:ext>
+            </a:extLst>
+          </a:blip>
+          <a:srcRect/>
+          <a:stretch>
+            <a:fillRect/>
+          </a:stretch>
+        </p:blipFill>
+        <p:spPr bwMode="auto">
+          <a:xfrm>
+            <a:off x="0" y="0"/>
+            <a:ext cx="914400" cy="7010400"/>
+          </a:xfrm>
+          <a:prstGeom prst="rect">
+            <a:avLst/>
+          </a:prstGeom>
+          <a:noFill/>
+          <a:ln>
+            <a:noFill/>
+          </a:ln>
+          <a:effectLst/>
+          <a:extLst>
+            <a:ext uri="{909E8E84-426E-40DD-AFC4-6F175D3DCCD1}">
+              <a14:hiddenFill xmlns:a14="http://schemas.microsoft.com/office/drawing/2010/main">
+                <a:solidFill>
+                  <a:schemeClr val="accent1"/>
+                </a:solidFill>
+              </a14:hiddenFill>
+            </a:ext>
+            <a:ext uri="{91240B29-F687-4F45-9708-019B960494DF}">
+              <a14:hiddenLine xmlns:a14="http://schemas.microsoft.com/office/drawing/2010/main" w="9525">
+                <a:solidFill>
+                  <a:schemeClr val="tx1"/>
+                </a:solidFill>
+                <a:miter lim="800000"/>
+                <a:headEnd/>
+                <a:tailEnd/>
+              </a14:hiddenLine>
+            </a:ext>
+            <a:ext uri="{AF507438-7753-43E0-B8FC-AC1667EBCBE1}">
+              <a14:hiddenEffects xmlns:a14="http://schemas.microsoft.com/office/drawing/2010/main">
+                <a:effectLst>
+                  <a:outerShdw dist="35921" dir="2700000" algn="ctr" rotWithShape="0">
+                    <a:schemeClr val="bg2"/>
+                  </a:outerShdw>
+                </a:effectLst>
+              </a14:hiddenEffects>
+            </a:ext>
+          </a:extLst>
+        </p:spPr>
+      </p:pic>
+      <p:pic>
+        <p:nvPicPr>
+          <p:cNvPr id="5" name="Picture 9">
+            <a:extLst>
+              <a:ext uri="{FF2B5EF4-FFF2-40B4-BE49-F238E27FC236}">
+                <a16:creationId xmlns:a16="http://schemas.microsoft.com/office/drawing/2014/main" id="{A0DADE4E-D272-4EB0-AD97-7A0678FC8238}"/>
+              </a:ext>
+            </a:extLst>
+          </p:cNvPr>
+          <p:cNvPicPr>
+            <a:picLocks noChangeAspect="1" noChangeArrowheads="1"/>
+          </p:cNvPicPr>
+          <p:nvPr userDrawn="1"/>
+        </p:nvPicPr>
+        <p:blipFill>
+          <a:blip r:embed="rId3">
+            <a:extLst>
+              <a:ext uri="{28A0092B-C50C-407E-A947-70E740481C1C}">
+                <a14:useLocalDpi xmlns:a14="http://schemas.microsoft.com/office/drawing/2010/main" val="0"/>
+              </a:ext>
+            </a:extLst>
+          </a:blip>
+          <a:srcRect/>
+          <a:stretch>
+            <a:fillRect/>
+          </a:stretch>
+        </p:blipFill>
+        <p:spPr bwMode="auto">
+          <a:xfrm>
+            <a:off x="8735484" y="6362701"/>
+            <a:ext cx="1219200" cy="504825"/>
+          </a:xfrm>
+          <a:prstGeom prst="rect">
+            <a:avLst/>
+          </a:prstGeom>
+          <a:noFill/>
+          <a:ln>
+            <a:noFill/>
+          </a:ln>
+          <a:effectLst/>
+          <a:extLst>
+            <a:ext uri="{909E8E84-426E-40DD-AFC4-6F175D3DCCD1}">
+              <a14:hiddenFill xmlns:a14="http://schemas.microsoft.com/office/drawing/2010/main">
+                <a:solidFill>
+                  <a:schemeClr val="accent1"/>
+                </a:solidFill>
+              </a14:hiddenFill>
+            </a:ext>
+            <a:ext uri="{91240B29-F687-4F45-9708-019B960494DF}">
+              <a14:hiddenLine xmlns:a14="http://schemas.microsoft.com/office/drawing/2010/main" w="9525">
+                <a:solidFill>
+                  <a:schemeClr val="tx1"/>
+                </a:solidFill>
+                <a:miter lim="800000"/>
+                <a:headEnd/>
+                <a:tailEnd/>
+              </a14:hiddenLine>
+            </a:ext>
+            <a:ext uri="{AF507438-7753-43E0-B8FC-AC1667EBCBE1}">
+              <a14:hiddenEffects xmlns:a14="http://schemas.microsoft.com/office/drawing/2010/main">
+                <a:effectLst>
+                  <a:outerShdw dist="35921" dir="2700000" algn="ctr" rotWithShape="0">
+                    <a:schemeClr val="bg2"/>
+                  </a:outerShdw>
+                </a:effectLst>
+              </a14:hiddenEffects>
+            </a:ext>
+          </a:extLst>
+        </p:spPr>
+      </p:pic>
+      <p:pic>
+        <p:nvPicPr>
+          <p:cNvPr id="6" name="Picture 10">
+            <a:extLst>
+              <a:ext uri="{FF2B5EF4-FFF2-40B4-BE49-F238E27FC236}">
+                <a16:creationId xmlns:a16="http://schemas.microsoft.com/office/drawing/2014/main" id="{CC84D6B9-56F0-4A53-94EB-36B82654120D}"/>
+              </a:ext>
+            </a:extLst>
+          </p:cNvPr>
+          <p:cNvPicPr>
+            <a:picLocks noChangeAspect="1" noChangeArrowheads="1"/>
+          </p:cNvPicPr>
+          <p:nvPr userDrawn="1"/>
+        </p:nvPicPr>
+        <p:blipFill>
+          <a:blip r:embed="rId4">
+            <a:extLst>
+              <a:ext uri="{28A0092B-C50C-407E-A947-70E740481C1C}">
+                <a14:useLocalDpi xmlns:a14="http://schemas.microsoft.com/office/drawing/2010/main" val="0"/>
+              </a:ext>
+            </a:extLst>
+          </a:blip>
+          <a:srcRect/>
+          <a:stretch>
+            <a:fillRect/>
+          </a:stretch>
+        </p:blipFill>
+        <p:spPr bwMode="auto">
+          <a:xfrm flipH="1">
+            <a:off x="10970684" y="6362701"/>
+            <a:ext cx="1219200" cy="504825"/>
+          </a:xfrm>
+          <a:prstGeom prst="rect">
+            <a:avLst/>
+          </a:prstGeom>
+          <a:noFill/>
+          <a:ln>
+            <a:noFill/>
+          </a:ln>
+          <a:effectLst/>
+          <a:extLst>
+            <a:ext uri="{909E8E84-426E-40DD-AFC4-6F175D3DCCD1}">
+              <a14:hiddenFill xmlns:a14="http://schemas.microsoft.com/office/drawing/2010/main">
+                <a:solidFill>
+                  <a:schemeClr val="accent1"/>
+                </a:solidFill>
+              </a14:hiddenFill>
+            </a:ext>
+            <a:ext uri="{91240B29-F687-4F45-9708-019B960494DF}">
+              <a14:hiddenLine xmlns:a14="http://schemas.microsoft.com/office/drawing/2010/main" w="9525">
+                <a:solidFill>
+                  <a:schemeClr val="tx1"/>
+                </a:solidFill>
+                <a:miter lim="800000"/>
+                <a:headEnd/>
+                <a:tailEnd/>
+              </a14:hiddenLine>
+            </a:ext>
+            <a:ext uri="{AF507438-7753-43E0-B8FC-AC1667EBCBE1}">
+              <a14:hiddenEffects xmlns:a14="http://schemas.microsoft.com/office/drawing/2010/main">
+                <a:effectLst>
+                  <a:outerShdw dist="35921" dir="2700000" algn="ctr" rotWithShape="0">
+                    <a:schemeClr val="bg2"/>
+                  </a:outerShdw>
+                </a:effectLst>
+              </a14:hiddenEffects>
+            </a:ext>
+          </a:extLst>
+        </p:spPr>
+      </p:pic>
+      <p:pic>
+        <p:nvPicPr>
+          <p:cNvPr id="7" name="Picture 11">
+            <a:extLst>
+              <a:ext uri="{FF2B5EF4-FFF2-40B4-BE49-F238E27FC236}">
+                <a16:creationId xmlns:a16="http://schemas.microsoft.com/office/drawing/2014/main" id="{0EAF31A1-8771-43DD-B38E-65AC9040D31F}"/>
+              </a:ext>
+            </a:extLst>
+          </p:cNvPr>
+          <p:cNvPicPr>
+            <a:picLocks noChangeAspect="1" noChangeArrowheads="1"/>
+          </p:cNvPicPr>
+          <p:nvPr userDrawn="1"/>
+        </p:nvPicPr>
+        <p:blipFill>
+          <a:blip r:embed="rId5">
+            <a:extLst>
+              <a:ext uri="{28A0092B-C50C-407E-A947-70E740481C1C}">
+                <a14:useLocalDpi xmlns:a14="http://schemas.microsoft.com/office/drawing/2010/main" val="0"/>
+              </a:ext>
+            </a:extLst>
+          </a:blip>
+          <a:srcRect/>
+          <a:stretch>
+            <a:fillRect/>
+          </a:stretch>
+        </p:blipFill>
+        <p:spPr bwMode="auto">
+          <a:xfrm>
+            <a:off x="10157884" y="6362700"/>
+            <a:ext cx="609600" cy="571500"/>
+          </a:xfrm>
+          <a:prstGeom prst="rect">
+            <a:avLst/>
+          </a:prstGeom>
+          <a:noFill/>
+          <a:ln>
+            <a:noFill/>
+          </a:ln>
+          <a:effectLst/>
+          <a:extLst>
+            <a:ext uri="{909E8E84-426E-40DD-AFC4-6F175D3DCCD1}">
+              <a14:hiddenFill xmlns:a14="http://schemas.microsoft.com/office/drawing/2010/main">
+                <a:solidFill>
+                  <a:schemeClr val="accent1"/>
+                </a:solidFill>
+              </a14:hiddenFill>
+            </a:ext>
+            <a:ext uri="{91240B29-F687-4F45-9708-019B960494DF}">
+              <a14:hiddenLine xmlns:a14="http://schemas.microsoft.com/office/drawing/2010/main" w="9525">
+                <a:solidFill>
+                  <a:schemeClr val="tx1"/>
+                </a:solidFill>
+                <a:miter lim="800000"/>
+                <a:headEnd/>
+                <a:tailEnd/>
+              </a14:hiddenLine>
+            </a:ext>
+            <a:ext uri="{AF507438-7753-43E0-B8FC-AC1667EBCBE1}">
+              <a14:hiddenEffects xmlns:a14="http://schemas.microsoft.com/office/drawing/2010/main">
+                <a:effectLst>
+                  <a:outerShdw dist="35921" dir="2700000" algn="ctr" rotWithShape="0">
+                    <a:schemeClr val="bg2"/>
+                  </a:outerShdw>
+                </a:effectLst>
+              </a14:hiddenEffects>
+            </a:ext>
+          </a:extLst>
+        </p:spPr>
+      </p:pic>
+      <p:sp>
+        <p:nvSpPr>
+          <p:cNvPr id="37890" name="Rectangle 2"/>
+          <p:cNvSpPr>
+            <a:spLocks noGrp="1" noChangeArrowheads="1"/>
+          </p:cNvSpPr>
+          <p:nvPr>
+            <p:ph type="ctrTitle"/>
+          </p:nvPr>
+        </p:nvSpPr>
+        <p:spPr>
+          <a:xfrm>
+            <a:off x="1320800" y="1447800"/>
+            <a:ext cx="10363200" cy="1143000"/>
+          </a:xfrm>
+        </p:spPr>
+        <p:txBody>
+          <a:bodyPr/>
+          <a:lstStyle>
+            <a:lvl1pPr>
+              <a:defRPr/>
+            </a:lvl1pPr>
+          </a:lstStyle>
+          <a:p>
+            <a:pPr lvl="0"/>
+            <a:r>
+              <a:rPr lang="en-US" noProof="0"/>
+              <a:t>Click to edit Master title style</a:t>
+            </a:r>
+          </a:p>
+        </p:txBody>
+      </p:sp>
+      <p:sp>
+        <p:nvSpPr>
+          <p:cNvPr id="37891" name="Rectangle 3"/>
+          <p:cNvSpPr>
+            <a:spLocks noGrp="1" noChangeArrowheads="1"/>
+          </p:cNvSpPr>
+          <p:nvPr>
+            <p:ph type="subTitle" idx="1"/>
+          </p:nvPr>
+        </p:nvSpPr>
+        <p:spPr>
+          <a:xfrm>
+            <a:off x="2235200" y="2819400"/>
+            <a:ext cx="8534400" cy="1752600"/>
+          </a:xfrm>
+        </p:spPr>
+        <p:txBody>
+          <a:bodyPr/>
+          <a:lstStyle>
+            <a:lvl1pPr marL="0" indent="0" algn="ctr">
+              <a:buFont typeface="Wingdings" charset="0"/>
+              <a:buNone/>
+              <a:defRPr>
+                <a:solidFill>
+                  <a:srgbClr val="DE4F30"/>
+                </a:solidFill>
+              </a:defRPr>
+            </a:lvl1pPr>
+          </a:lstStyle>
+          <a:p>
+            <a:pPr lvl="0"/>
+            <a:r>
+              <a:rPr lang="en-US" noProof="0"/>
+              <a:t>Click to edit Master subtitle style</a:t>
+            </a:r>
+          </a:p>
+        </p:txBody>
+      </p:sp>
+    </p:spTree>
+    <p:extLst>
+      <p:ext uri="{BB962C8B-B14F-4D97-AF65-F5344CB8AC3E}">
+        <p14:creationId xmlns:p14="http://schemas.microsoft.com/office/powerpoint/2010/main" val="996152309"/>
+      </p:ext>
+    </p:extLst>
+  </p:cSld>
+  <p:clrMapOvr>
+    <a:masterClrMapping/>
+  </p:clrMapOvr>
+</p:sldLayout>
+</file>
+
+<file path=ppt/slideLayouts/slideLayout13.xml><?xml version="1.0" encoding="utf-8"?>
+<p:sldLayout xmlns:a="http://schemas.openxmlformats.org/drawingml/2006/main" xmlns:r="http://schemas.openxmlformats.org/officeDocument/2006/relationships" xmlns:p="http://schemas.openxmlformats.org/presentationml/2006/main" type="obj" preserve="1">
+  <p:cSld name="Title and Content">
+    <p:spTree>
+      <p:nvGrpSpPr>
+        <p:cNvPr id="1" name=""/>
+        <p:cNvGrpSpPr/>
+        <p:nvPr/>
+      </p:nvGrpSpPr>
+      <p:grpSpPr>
+        <a:xfrm>
+          <a:off x="0" y="0"/>
+          <a:ext cx="0" cy="0"/>
+          <a:chOff x="0" y="0"/>
+          <a:chExt cx="0" cy="0"/>
+        </a:xfrm>
+      </p:grpSpPr>
+      <p:sp>
+        <p:nvSpPr>
+          <p:cNvPr id="2" name="Title 1"/>
+          <p:cNvSpPr>
+            <a:spLocks noGrp="1"/>
+          </p:cNvSpPr>
+          <p:nvPr>
+            <p:ph type="title"/>
+          </p:nvPr>
+        </p:nvSpPr>
+        <p:spPr/>
+        <p:txBody>
+          <a:bodyPr/>
+          <a:lstStyle/>
+          <a:p>
+            <a:r>
+              <a:rPr lang="en-US"/>
+              <a:t>Click to edit Master title style</a:t>
+            </a:r>
+          </a:p>
+        </p:txBody>
+      </p:sp>
+      <p:sp>
+        <p:nvSpPr>
+          <p:cNvPr id="3" name="Content Placeholder 2"/>
+          <p:cNvSpPr>
+            <a:spLocks noGrp="1"/>
+          </p:cNvSpPr>
+          <p:nvPr>
+            <p:ph idx="1"/>
+          </p:nvPr>
+        </p:nvSpPr>
+        <p:spPr/>
+        <p:txBody>
+          <a:bodyPr/>
+          <a:lstStyle/>
+          <a:p>
+            <a:pPr lvl="0"/>
+            <a:r>
+              <a:rPr lang="en-US"/>
+              <a:t>Click to edit Master text styles</a:t>
+            </a:r>
+          </a:p>
+          <a:p>
+            <a:pPr lvl="1"/>
+            <a:r>
+              <a:rPr lang="en-US"/>
+              <a:t>Second level</a:t>
+            </a:r>
+          </a:p>
+          <a:p>
+            <a:pPr lvl="2"/>
+            <a:r>
+              <a:rPr lang="en-US"/>
+              <a:t>Third level</a:t>
+            </a:r>
+          </a:p>
+          <a:p>
+            <a:pPr lvl="3"/>
+            <a:r>
+              <a:rPr lang="en-US"/>
+              <a:t>Fourth level</a:t>
+            </a:r>
+          </a:p>
+          <a:p>
+            <a:pPr lvl="4"/>
+            <a:r>
+              <a:rPr lang="en-US"/>
+              <a:t>Fifth level</a:t>
+            </a:r>
+          </a:p>
+        </p:txBody>
+      </p:sp>
+    </p:spTree>
+    <p:extLst>
+      <p:ext uri="{BB962C8B-B14F-4D97-AF65-F5344CB8AC3E}">
+        <p14:creationId xmlns:p14="http://schemas.microsoft.com/office/powerpoint/2010/main" val="3778611611"/>
+      </p:ext>
+    </p:extLst>
+  </p:cSld>
+  <p:clrMapOvr>
+    <a:masterClrMapping/>
+  </p:clrMapOvr>
+</p:sldLayout>
+</file>
+
+<file path=ppt/slideLayouts/slideLayout14.xml><?xml version="1.0" encoding="utf-8"?>
+<p:sldLayout xmlns:a="http://schemas.openxmlformats.org/drawingml/2006/main" xmlns:r="http://schemas.openxmlformats.org/officeDocument/2006/relationships" xmlns:p="http://schemas.openxmlformats.org/presentationml/2006/main" type="secHead" preserve="1">
+  <p:cSld name="Section Header">
+    <p:spTree>
+      <p:nvGrpSpPr>
+        <p:cNvPr id="1" name=""/>
+        <p:cNvGrpSpPr/>
+        <p:nvPr/>
+      </p:nvGrpSpPr>
+      <p:grpSpPr>
+        <a:xfrm>
+          <a:off x="0" y="0"/>
+          <a:ext cx="0" cy="0"/>
+          <a:chOff x="0" y="0"/>
+          <a:chExt cx="0" cy="0"/>
+        </a:xfrm>
+      </p:grpSpPr>
+      <p:sp>
+        <p:nvSpPr>
+          <p:cNvPr id="2" name="Title 1"/>
+          <p:cNvSpPr>
+            <a:spLocks noGrp="1"/>
+          </p:cNvSpPr>
+          <p:nvPr>
+            <p:ph type="title"/>
+          </p:nvPr>
+        </p:nvSpPr>
+        <p:spPr>
+          <a:xfrm>
+            <a:off x="963084" y="4406901"/>
+            <a:ext cx="10363200" cy="1362075"/>
+          </a:xfrm>
+        </p:spPr>
+        <p:txBody>
+          <a:bodyPr anchor="t"/>
+          <a:lstStyle>
+            <a:lvl1pPr algn="l">
+              <a:defRPr sz="4000" b="1" cap="all"/>
+            </a:lvl1pPr>
+          </a:lstStyle>
+          <a:p>
+            <a:r>
+              <a:rPr lang="en-US"/>
+              <a:t>Click to edit Master title style</a:t>
+            </a:r>
+          </a:p>
+        </p:txBody>
+      </p:sp>
+      <p:sp>
+        <p:nvSpPr>
+          <p:cNvPr id="3" name="Text Placeholder 2"/>
+          <p:cNvSpPr>
+            <a:spLocks noGrp="1"/>
+          </p:cNvSpPr>
+          <p:nvPr>
+            <p:ph type="body" idx="1"/>
+          </p:nvPr>
+        </p:nvSpPr>
+        <p:spPr>
+          <a:xfrm>
+            <a:off x="963084" y="2906713"/>
+            <a:ext cx="10363200" cy="1500187"/>
+          </a:xfrm>
+        </p:spPr>
+        <p:txBody>
+          <a:bodyPr anchor="b"/>
+          <a:lstStyle>
+            <a:lvl1pPr marL="0" indent="0">
+              <a:buNone/>
+              <a:defRPr sz="2000"/>
+            </a:lvl1pPr>
+            <a:lvl2pPr marL="457200" indent="0">
+              <a:buNone/>
+              <a:defRPr sz="1800"/>
+            </a:lvl2pPr>
+            <a:lvl3pPr marL="914400" indent="0">
+              <a:buNone/>
+              <a:defRPr sz="1600"/>
+            </a:lvl3pPr>
+            <a:lvl4pPr marL="1371600" indent="0">
+              <a:buNone/>
+              <a:defRPr sz="1400"/>
+            </a:lvl4pPr>
+            <a:lvl5pPr marL="1828800" indent="0">
+              <a:buNone/>
+              <a:defRPr sz="1400"/>
+            </a:lvl5pPr>
+            <a:lvl6pPr marL="2286000" indent="0">
+              <a:buNone/>
+              <a:defRPr sz="1400"/>
+            </a:lvl6pPr>
+            <a:lvl7pPr marL="2743200" indent="0">
+              <a:buNone/>
+              <a:defRPr sz="1400"/>
+            </a:lvl7pPr>
+            <a:lvl8pPr marL="3200400" indent="0">
+              <a:buNone/>
+              <a:defRPr sz="1400"/>
+            </a:lvl8pPr>
+            <a:lvl9pPr marL="3657600" indent="0">
+              <a:buNone/>
+              <a:defRPr sz="1400"/>
+            </a:lvl9pPr>
+          </a:lstStyle>
+          <a:p>
+            <a:pPr lvl="0"/>
+            <a:r>
+              <a:rPr lang="en-US"/>
+              <a:t>Click to edit Master text styles</a:t>
+            </a:r>
+          </a:p>
+        </p:txBody>
+      </p:sp>
+    </p:spTree>
+    <p:extLst>
+      <p:ext uri="{BB962C8B-B14F-4D97-AF65-F5344CB8AC3E}">
+        <p14:creationId xmlns:p14="http://schemas.microsoft.com/office/powerpoint/2010/main" val="3116902518"/>
+      </p:ext>
+    </p:extLst>
+  </p:cSld>
+  <p:clrMapOvr>
+    <a:masterClrMapping/>
+  </p:clrMapOvr>
+</p:sldLayout>
+</file>
+
+<file path=ppt/slideLayouts/slideLayout15.xml><?xml version="1.0" encoding="utf-8"?>
+<p:sldLayout xmlns:a="http://schemas.openxmlformats.org/drawingml/2006/main" xmlns:r="http://schemas.openxmlformats.org/officeDocument/2006/relationships" xmlns:p="http://schemas.openxmlformats.org/presentationml/2006/main" type="twoObj" preserve="1">
+  <p:cSld name="Two Content">
+    <p:spTree>
+      <p:nvGrpSpPr>
+        <p:cNvPr id="1" name=""/>
+        <p:cNvGrpSpPr/>
+        <p:nvPr/>
+      </p:nvGrpSpPr>
+      <p:grpSpPr>
+        <a:xfrm>
+          <a:off x="0" y="0"/>
+          <a:ext cx="0" cy="0"/>
+          <a:chOff x="0" y="0"/>
+          <a:chExt cx="0" cy="0"/>
+        </a:xfrm>
+      </p:grpSpPr>
+      <p:sp>
+        <p:nvSpPr>
+          <p:cNvPr id="2" name="Title 1"/>
+          <p:cNvSpPr>
+            <a:spLocks noGrp="1"/>
+          </p:cNvSpPr>
+          <p:nvPr>
+            <p:ph type="title"/>
+          </p:nvPr>
+        </p:nvSpPr>
+        <p:spPr/>
+        <p:txBody>
+          <a:bodyPr/>
+          <a:lstStyle/>
+          <a:p>
+            <a:r>
+              <a:rPr lang="en-US"/>
+              <a:t>Click to edit Master title style</a:t>
+            </a:r>
+          </a:p>
+        </p:txBody>
+      </p:sp>
+      <p:sp>
+        <p:nvSpPr>
+          <p:cNvPr id="3" name="Content Placeholder 2"/>
+          <p:cNvSpPr>
+            <a:spLocks noGrp="1"/>
+          </p:cNvSpPr>
+          <p:nvPr>
+            <p:ph sz="half" idx="1"/>
+          </p:nvPr>
+        </p:nvSpPr>
+        <p:spPr>
+          <a:xfrm>
+            <a:off x="1016000" y="1600200"/>
+            <a:ext cx="5384800" cy="4572000"/>
+          </a:xfrm>
+        </p:spPr>
+        <p:txBody>
+          <a:bodyPr/>
+          <a:lstStyle>
+            <a:lvl1pPr>
+              <a:defRPr sz="2800"/>
+            </a:lvl1pPr>
+            <a:lvl2pPr>
+              <a:defRPr sz="2400"/>
+            </a:lvl2pPr>
+            <a:lvl3pPr>
+              <a:defRPr sz="2000"/>
+            </a:lvl3pPr>
+            <a:lvl4pPr>
+              <a:defRPr sz="1800"/>
+            </a:lvl4pPr>
+            <a:lvl5pPr>
+              <a:defRPr sz="1800"/>
+            </a:lvl5pPr>
+            <a:lvl6pPr>
+              <a:defRPr sz="1800"/>
+            </a:lvl6pPr>
+            <a:lvl7pPr>
+              <a:defRPr sz="1800"/>
+            </a:lvl7pPr>
+            <a:lvl8pPr>
+              <a:defRPr sz="1800"/>
+            </a:lvl8pPr>
+            <a:lvl9pPr>
+              <a:defRPr sz="1800"/>
+            </a:lvl9pPr>
+          </a:lstStyle>
+          <a:p>
+            <a:pPr lvl="0"/>
+            <a:r>
+              <a:rPr lang="en-US"/>
+              <a:t>Click to edit Master text styles</a:t>
+            </a:r>
+          </a:p>
+          <a:p>
+            <a:pPr lvl="1"/>
+            <a:r>
+              <a:rPr lang="en-US"/>
+              <a:t>Second level</a:t>
+            </a:r>
+          </a:p>
+          <a:p>
+            <a:pPr lvl="2"/>
+            <a:r>
+              <a:rPr lang="en-US"/>
+              <a:t>Third level</a:t>
+            </a:r>
+          </a:p>
+          <a:p>
+            <a:pPr lvl="3"/>
+            <a:r>
+              <a:rPr lang="en-US"/>
+              <a:t>Fourth level</a:t>
+            </a:r>
+          </a:p>
+          <a:p>
+            <a:pPr lvl="4"/>
+            <a:r>
+              <a:rPr lang="en-US"/>
+              <a:t>Fifth level</a:t>
+            </a:r>
+          </a:p>
+        </p:txBody>
+      </p:sp>
+      <p:sp>
+        <p:nvSpPr>
+          <p:cNvPr id="4" name="Content Placeholder 3"/>
+          <p:cNvSpPr>
+            <a:spLocks noGrp="1"/>
+          </p:cNvSpPr>
+          <p:nvPr>
+            <p:ph sz="half" idx="2"/>
+          </p:nvPr>
+        </p:nvSpPr>
+        <p:spPr>
+          <a:xfrm>
+            <a:off x="6604000" y="1600200"/>
+            <a:ext cx="5384800" cy="4572000"/>
+          </a:xfrm>
+        </p:spPr>
+        <p:txBody>
+          <a:bodyPr/>
+          <a:lstStyle>
+            <a:lvl1pPr>
+              <a:defRPr sz="2800"/>
+            </a:lvl1pPr>
+            <a:lvl2pPr>
+              <a:defRPr sz="2400"/>
+            </a:lvl2pPr>
+            <a:lvl3pPr>
+              <a:defRPr sz="2000"/>
+            </a:lvl3pPr>
+            <a:lvl4pPr>
+              <a:defRPr sz="1800"/>
+            </a:lvl4pPr>
+            <a:lvl5pPr>
+              <a:defRPr sz="1800"/>
+            </a:lvl5pPr>
+            <a:lvl6pPr>
+              <a:defRPr sz="1800"/>
+            </a:lvl6pPr>
+            <a:lvl7pPr>
+              <a:defRPr sz="1800"/>
+            </a:lvl7pPr>
+            <a:lvl8pPr>
+              <a:defRPr sz="1800"/>
+            </a:lvl8pPr>
+            <a:lvl9pPr>
+              <a:defRPr sz="1800"/>
+            </a:lvl9pPr>
+          </a:lstStyle>
+          <a:p>
+            <a:pPr lvl="0"/>
+            <a:r>
+              <a:rPr lang="en-US"/>
+              <a:t>Click to edit Master text styles</a:t>
+            </a:r>
+          </a:p>
+          <a:p>
+            <a:pPr lvl="1"/>
+            <a:r>
+              <a:rPr lang="en-US"/>
+              <a:t>Second level</a:t>
+            </a:r>
+          </a:p>
+          <a:p>
+            <a:pPr lvl="2"/>
+            <a:r>
+              <a:rPr lang="en-US"/>
+              <a:t>Third level</a:t>
+            </a:r>
+          </a:p>
+          <a:p>
+            <a:pPr lvl="3"/>
+            <a:r>
+              <a:rPr lang="en-US"/>
+              <a:t>Fourth level</a:t>
+            </a:r>
+          </a:p>
+          <a:p>
+            <a:pPr lvl="4"/>
+            <a:r>
+              <a:rPr lang="en-US"/>
+              <a:t>Fifth level</a:t>
+            </a:r>
+          </a:p>
+        </p:txBody>
+      </p:sp>
+    </p:spTree>
+    <p:extLst>
+      <p:ext uri="{BB962C8B-B14F-4D97-AF65-F5344CB8AC3E}">
+        <p14:creationId xmlns:p14="http://schemas.microsoft.com/office/powerpoint/2010/main" val="4041260720"/>
+      </p:ext>
+    </p:extLst>
+  </p:cSld>
+  <p:clrMapOvr>
+    <a:masterClrMapping/>
+  </p:clrMapOvr>
+</p:sldLayout>
+</file>
+
+<file path=ppt/slideLayouts/slideLayout16.xml><?xml version="1.0" encoding="utf-8"?>
+<p:sldLayout xmlns:a="http://schemas.openxmlformats.org/drawingml/2006/main" xmlns:r="http://schemas.openxmlformats.org/officeDocument/2006/relationships" xmlns:p="http://schemas.openxmlformats.org/presentationml/2006/main" type="twoTxTwoObj" preserve="1">
+  <p:cSld name="Comparison">
+    <p:spTree>
+      <p:nvGrpSpPr>
+        <p:cNvPr id="1" name=""/>
+        <p:cNvGrpSpPr/>
+        <p:nvPr/>
+      </p:nvGrpSpPr>
+      <p:grpSpPr>
+        <a:xfrm>
+          <a:off x="0" y="0"/>
+          <a:ext cx="0" cy="0"/>
+          <a:chOff x="0" y="0"/>
+          <a:chExt cx="0" cy="0"/>
+        </a:xfrm>
+      </p:grpSpPr>
+      <p:sp>
+        <p:nvSpPr>
+          <p:cNvPr id="2" name="Title 1"/>
+          <p:cNvSpPr>
+            <a:spLocks noGrp="1"/>
+          </p:cNvSpPr>
+          <p:nvPr>
+            <p:ph type="title"/>
+          </p:nvPr>
+        </p:nvSpPr>
+        <p:spPr>
+          <a:xfrm>
+            <a:off x="609600" y="274638"/>
+            <a:ext cx="10972800" cy="1143000"/>
+          </a:xfrm>
+        </p:spPr>
+        <p:txBody>
+          <a:bodyPr/>
+          <a:lstStyle>
+            <a:lvl1pPr>
+              <a:defRPr/>
+            </a:lvl1pPr>
+          </a:lstStyle>
+          <a:p>
+            <a:r>
+              <a:rPr lang="en-US"/>
+              <a:t>Click to edit Master title style</a:t>
+            </a:r>
+          </a:p>
+        </p:txBody>
+      </p:sp>
+      <p:sp>
+        <p:nvSpPr>
+          <p:cNvPr id="3" name="Text Placeholder 2"/>
+          <p:cNvSpPr>
+            <a:spLocks noGrp="1"/>
+          </p:cNvSpPr>
+          <p:nvPr>
+            <p:ph type="body" idx="1"/>
+          </p:nvPr>
+        </p:nvSpPr>
+        <p:spPr>
+          <a:xfrm>
+            <a:off x="609600" y="1535113"/>
+            <a:ext cx="5386917" cy="639762"/>
+          </a:xfrm>
+        </p:spPr>
+        <p:txBody>
+          <a:bodyPr anchor="b"/>
+          <a:lstStyle>
+            <a:lvl1pPr marL="0" indent="0">
+              <a:buNone/>
+              <a:defRPr sz="2400" b="1"/>
+            </a:lvl1pPr>
+            <a:lvl2pPr marL="457200" indent="0">
+              <a:buNone/>
+              <a:defRPr sz="2000" b="1"/>
+            </a:lvl2pPr>
+            <a:lvl3pPr marL="914400" indent="0">
+              <a:buNone/>
+              <a:defRPr sz="1800" b="1"/>
+            </a:lvl3pPr>
+            <a:lvl4pPr marL="1371600" indent="0">
+              <a:buNone/>
+              <a:defRPr sz="1600" b="1"/>
+            </a:lvl4pPr>
+            <a:lvl5pPr marL="1828800" indent="0">
+              <a:buNone/>
+              <a:defRPr sz="1600" b="1"/>
+            </a:lvl5pPr>
+            <a:lvl6pPr marL="2286000" indent="0">
+              <a:buNone/>
+              <a:defRPr sz="1600" b="1"/>
+            </a:lvl6pPr>
+            <a:lvl7pPr marL="2743200" indent="0">
+              <a:buNone/>
+              <a:defRPr sz="1600" b="1"/>
+            </a:lvl7pPr>
+            <a:lvl8pPr marL="3200400" indent="0">
+              <a:buNone/>
+              <a:defRPr sz="1600" b="1"/>
+            </a:lvl8pPr>
+            <a:lvl9pPr marL="3657600" indent="0">
+              <a:buNone/>
+              <a:defRPr sz="1600" b="1"/>
+            </a:lvl9pPr>
+          </a:lstStyle>
+          <a:p>
+            <a:pPr lvl="0"/>
+            <a:r>
+              <a:rPr lang="en-US"/>
+              <a:t>Click to edit Master text styles</a:t>
+            </a:r>
+          </a:p>
+        </p:txBody>
+      </p:sp>
+      <p:sp>
+        <p:nvSpPr>
+          <p:cNvPr id="4" name="Content Placeholder 3"/>
+          <p:cNvSpPr>
+            <a:spLocks noGrp="1"/>
+          </p:cNvSpPr>
+          <p:nvPr>
+            <p:ph sz="half" idx="2"/>
+          </p:nvPr>
+        </p:nvSpPr>
+        <p:spPr>
+          <a:xfrm>
+            <a:off x="609600" y="2174875"/>
+            <a:ext cx="5386917" cy="3951288"/>
+          </a:xfrm>
+        </p:spPr>
+        <p:txBody>
+          <a:bodyPr/>
+          <a:lstStyle>
+            <a:lvl1pPr>
+              <a:defRPr sz="2400"/>
+            </a:lvl1pPr>
+            <a:lvl2pPr>
+              <a:defRPr sz="2000"/>
+            </a:lvl2pPr>
+            <a:lvl3pPr>
+              <a:defRPr sz="1800"/>
+            </a:lvl3pPr>
+            <a:lvl4pPr>
+              <a:defRPr sz="1600"/>
+            </a:lvl4pPr>
+            <a:lvl5pPr>
+              <a:defRPr sz="1600"/>
+            </a:lvl5pPr>
+            <a:lvl6pPr>
+              <a:defRPr sz="1600"/>
+            </a:lvl6pPr>
+            <a:lvl7pPr>
+              <a:defRPr sz="1600"/>
+            </a:lvl7pPr>
+            <a:lvl8pPr>
+              <a:defRPr sz="1600"/>
+            </a:lvl8pPr>
+            <a:lvl9pPr>
+              <a:defRPr sz="1600"/>
+            </a:lvl9pPr>
+          </a:lstStyle>
+          <a:p>
+            <a:pPr lvl="0"/>
+            <a:r>
+              <a:rPr lang="en-US"/>
+              <a:t>Click to edit Master text styles</a:t>
+            </a:r>
+          </a:p>
+          <a:p>
+            <a:pPr lvl="1"/>
+            <a:r>
+              <a:rPr lang="en-US"/>
+              <a:t>Second level</a:t>
+            </a:r>
+          </a:p>
+          <a:p>
+            <a:pPr lvl="2"/>
+            <a:r>
+              <a:rPr lang="en-US"/>
+              <a:t>Third level</a:t>
+            </a:r>
+          </a:p>
+          <a:p>
+            <a:pPr lvl="3"/>
+            <a:r>
+              <a:rPr lang="en-US"/>
+              <a:t>Fourth level</a:t>
+            </a:r>
+          </a:p>
+          <a:p>
+            <a:pPr lvl="4"/>
+            <a:r>
+              <a:rPr lang="en-US"/>
+              <a:t>Fifth level</a:t>
+            </a:r>
+          </a:p>
+        </p:txBody>
+      </p:sp>
+      <p:sp>
+        <p:nvSpPr>
+          <p:cNvPr id="5" name="Text Placeholder 4"/>
+          <p:cNvSpPr>
+            <a:spLocks noGrp="1"/>
+          </p:cNvSpPr>
+          <p:nvPr>
+            <p:ph type="body" sz="quarter" idx="3"/>
+          </p:nvPr>
+        </p:nvSpPr>
+        <p:spPr>
+          <a:xfrm>
+            <a:off x="6193368" y="1535113"/>
+            <a:ext cx="5389033" cy="639762"/>
+          </a:xfrm>
+        </p:spPr>
+        <p:txBody>
+          <a:bodyPr anchor="b"/>
+          <a:lstStyle>
+            <a:lvl1pPr marL="0" indent="0">
+              <a:buNone/>
+              <a:defRPr sz="2400" b="1"/>
+            </a:lvl1pPr>
+            <a:lvl2pPr marL="457200" indent="0">
+              <a:buNone/>
+              <a:defRPr sz="2000" b="1"/>
+            </a:lvl2pPr>
+            <a:lvl3pPr marL="914400" indent="0">
+              <a:buNone/>
+              <a:defRPr sz="1800" b="1"/>
+            </a:lvl3pPr>
+            <a:lvl4pPr marL="1371600" indent="0">
+              <a:buNone/>
+              <a:defRPr sz="1600" b="1"/>
+            </a:lvl4pPr>
+            <a:lvl5pPr marL="1828800" indent="0">
+              <a:buNone/>
+              <a:defRPr sz="1600" b="1"/>
+            </a:lvl5pPr>
+            <a:lvl6pPr marL="2286000" indent="0">
+              <a:buNone/>
+              <a:defRPr sz="1600" b="1"/>
+            </a:lvl6pPr>
+            <a:lvl7pPr marL="2743200" indent="0">
+              <a:buNone/>
+              <a:defRPr sz="1600" b="1"/>
+            </a:lvl7pPr>
+            <a:lvl8pPr marL="3200400" indent="0">
+              <a:buNone/>
+              <a:defRPr sz="1600" b="1"/>
+            </a:lvl8pPr>
+            <a:lvl9pPr marL="3657600" indent="0">
+              <a:buNone/>
+              <a:defRPr sz="1600" b="1"/>
+            </a:lvl9pPr>
+          </a:lstStyle>
+          <a:p>
+            <a:pPr lvl="0"/>
+            <a:r>
+              <a:rPr lang="en-US"/>
+              <a:t>Click to edit Master text styles</a:t>
+            </a:r>
+          </a:p>
+        </p:txBody>
+      </p:sp>
+      <p:sp>
+        <p:nvSpPr>
+          <p:cNvPr id="6" name="Content Placeholder 5"/>
+          <p:cNvSpPr>
+            <a:spLocks noGrp="1"/>
+          </p:cNvSpPr>
+          <p:nvPr>
+            <p:ph sz="quarter" idx="4"/>
+          </p:nvPr>
+        </p:nvSpPr>
+        <p:spPr>
+          <a:xfrm>
+            <a:off x="6193368" y="2174875"/>
+            <a:ext cx="5389033" cy="3951288"/>
+          </a:xfrm>
+        </p:spPr>
+        <p:txBody>
+          <a:bodyPr/>
+          <a:lstStyle>
+            <a:lvl1pPr>
+              <a:defRPr sz="2400"/>
+            </a:lvl1pPr>
+            <a:lvl2pPr>
+              <a:defRPr sz="2000"/>
+            </a:lvl2pPr>
+            <a:lvl3pPr>
+              <a:defRPr sz="1800"/>
+            </a:lvl3pPr>
+            <a:lvl4pPr>
+              <a:defRPr sz="1600"/>
+            </a:lvl4pPr>
+            <a:lvl5pPr>
+              <a:defRPr sz="1600"/>
+            </a:lvl5pPr>
+            <a:lvl6pPr>
+              <a:defRPr sz="1600"/>
+            </a:lvl6pPr>
+            <a:lvl7pPr>
+              <a:defRPr sz="1600"/>
+            </a:lvl7pPr>
+            <a:lvl8pPr>
+              <a:defRPr sz="1600"/>
+            </a:lvl8pPr>
+            <a:lvl9pPr>
+              <a:defRPr sz="1600"/>
+            </a:lvl9pPr>
+          </a:lstStyle>
+          <a:p>
+            <a:pPr lvl="0"/>
+            <a:r>
+              <a:rPr lang="en-US"/>
+              <a:t>Click to edit Master text styles</a:t>
+            </a:r>
+          </a:p>
+          <a:p>
+            <a:pPr lvl="1"/>
+            <a:r>
+              <a:rPr lang="en-US"/>
+              <a:t>Second level</a:t>
+            </a:r>
+          </a:p>
+          <a:p>
+            <a:pPr lvl="2"/>
+            <a:r>
+              <a:rPr lang="en-US"/>
+              <a:t>Third level</a:t>
+            </a:r>
+          </a:p>
+          <a:p>
+            <a:pPr lvl="3"/>
+            <a:r>
+              <a:rPr lang="en-US"/>
+              <a:t>Fourth level</a:t>
+            </a:r>
+          </a:p>
+          <a:p>
+            <a:pPr lvl="4"/>
+            <a:r>
+              <a:rPr lang="en-US"/>
+              <a:t>Fifth level</a:t>
+            </a:r>
+          </a:p>
+        </p:txBody>
+      </p:sp>
+    </p:spTree>
+    <p:extLst>
+      <p:ext uri="{BB962C8B-B14F-4D97-AF65-F5344CB8AC3E}">
+        <p14:creationId xmlns:p14="http://schemas.microsoft.com/office/powerpoint/2010/main" val="278387068"/>
+      </p:ext>
+    </p:extLst>
+  </p:cSld>
+  <p:clrMapOvr>
+    <a:masterClrMapping/>
+  </p:clrMapOvr>
+</p:sldLayout>
+</file>
+
+<file path=ppt/slideLayouts/slideLayout17.xml><?xml version="1.0" encoding="utf-8"?>
+<p:sldLayout xmlns:a="http://schemas.openxmlformats.org/drawingml/2006/main" xmlns:r="http://schemas.openxmlformats.org/officeDocument/2006/relationships" xmlns:p="http://schemas.openxmlformats.org/presentationml/2006/main" type="titleOnly" preserve="1">
+  <p:cSld name="Title Only">
+    <p:spTree>
+      <p:nvGrpSpPr>
+        <p:cNvPr id="1" name=""/>
+        <p:cNvGrpSpPr/>
+        <p:nvPr/>
+      </p:nvGrpSpPr>
+      <p:grpSpPr>
+        <a:xfrm>
+          <a:off x="0" y="0"/>
+          <a:ext cx="0" cy="0"/>
+          <a:chOff x="0" y="0"/>
+          <a:chExt cx="0" cy="0"/>
+        </a:xfrm>
+      </p:grpSpPr>
+      <p:sp>
+        <p:nvSpPr>
+          <p:cNvPr id="2" name="Title 1"/>
+          <p:cNvSpPr>
+            <a:spLocks noGrp="1"/>
+          </p:cNvSpPr>
+          <p:nvPr>
+            <p:ph type="title"/>
+          </p:nvPr>
+        </p:nvSpPr>
+        <p:spPr/>
+        <p:txBody>
+          <a:bodyPr/>
+          <a:lstStyle/>
+          <a:p>
+            <a:r>
+              <a:rPr lang="en-US"/>
+              <a:t>Click to edit Master title style</a:t>
+            </a:r>
+          </a:p>
+        </p:txBody>
+      </p:sp>
+    </p:spTree>
+    <p:extLst>
+      <p:ext uri="{BB962C8B-B14F-4D97-AF65-F5344CB8AC3E}">
+        <p14:creationId xmlns:p14="http://schemas.microsoft.com/office/powerpoint/2010/main" val="100248718"/>
+      </p:ext>
+    </p:extLst>
+  </p:cSld>
+  <p:clrMapOvr>
+    <a:masterClrMapping/>
+  </p:clrMapOvr>
+</p:sldLayout>
+</file>
+
+<file path=ppt/slideLayouts/slideLayout18.xml><?xml version="1.0" encoding="utf-8"?>
+<p:sldLayout xmlns:a="http://schemas.openxmlformats.org/drawingml/2006/main" xmlns:r="http://schemas.openxmlformats.org/officeDocument/2006/relationships" xmlns:p="http://schemas.openxmlformats.org/presentationml/2006/main" type="blank" preserve="1">
+  <p:cSld name="Blank">
+    <p:spTree>
+      <p:nvGrpSpPr>
+        <p:cNvPr id="1" name=""/>
+        <p:cNvGrpSpPr/>
+        <p:nvPr/>
+      </p:nvGrpSpPr>
+      <p:grpSpPr>
+        <a:xfrm>
+          <a:off x="0" y="0"/>
+          <a:ext cx="0" cy="0"/>
+          <a:chOff x="0" y="0"/>
+          <a:chExt cx="0" cy="0"/>
+        </a:xfrm>
+      </p:grpSpPr>
+    </p:spTree>
+    <p:extLst>
+      <p:ext uri="{BB962C8B-B14F-4D97-AF65-F5344CB8AC3E}">
+        <p14:creationId xmlns:p14="http://schemas.microsoft.com/office/powerpoint/2010/main" val="328271480"/>
+      </p:ext>
+    </p:extLst>
+  </p:cSld>
+  <p:clrMapOvr>
+    <a:masterClrMapping/>
+  </p:clrMapOvr>
+</p:sldLayout>
+</file>
+
+<file path=ppt/slideLayouts/slideLayout19.xml><?xml version="1.0" encoding="utf-8"?>
+<p:sldLayout xmlns:a="http://schemas.openxmlformats.org/drawingml/2006/main" xmlns:r="http://schemas.openxmlformats.org/officeDocument/2006/relationships" xmlns:p="http://schemas.openxmlformats.org/presentationml/2006/main" type="objTx" preserve="1">
+  <p:cSld name="Content with Caption">
+    <p:spTree>
+      <p:nvGrpSpPr>
+        <p:cNvPr id="1" name=""/>
+        <p:cNvGrpSpPr/>
+        <p:nvPr/>
+      </p:nvGrpSpPr>
+      <p:grpSpPr>
+        <a:xfrm>
+          <a:off x="0" y="0"/>
+          <a:ext cx="0" cy="0"/>
+          <a:chOff x="0" y="0"/>
+          <a:chExt cx="0" cy="0"/>
+        </a:xfrm>
+      </p:grpSpPr>
+      <p:sp>
+        <p:nvSpPr>
+          <p:cNvPr id="2" name="Title 1"/>
+          <p:cNvSpPr>
+            <a:spLocks noGrp="1"/>
+          </p:cNvSpPr>
+          <p:nvPr>
+            <p:ph type="title"/>
+          </p:nvPr>
+        </p:nvSpPr>
+        <p:spPr>
+          <a:xfrm>
+            <a:off x="609601" y="273050"/>
+            <a:ext cx="4011084" cy="1162050"/>
+          </a:xfrm>
+        </p:spPr>
+        <p:txBody>
+          <a:bodyPr anchor="b"/>
+          <a:lstStyle>
+            <a:lvl1pPr algn="l">
+              <a:defRPr sz="2000" b="1"/>
+            </a:lvl1pPr>
+          </a:lstStyle>
+          <a:p>
+            <a:r>
+              <a:rPr lang="en-US"/>
+              <a:t>Click to edit Master title style</a:t>
+            </a:r>
+          </a:p>
+        </p:txBody>
+      </p:sp>
+      <p:sp>
+        <p:nvSpPr>
+          <p:cNvPr id="3" name="Content Placeholder 2"/>
+          <p:cNvSpPr>
+            <a:spLocks noGrp="1"/>
+          </p:cNvSpPr>
+          <p:nvPr>
+            <p:ph idx="1"/>
+          </p:nvPr>
+        </p:nvSpPr>
+        <p:spPr>
+          <a:xfrm>
+            <a:off x="4766733" y="273051"/>
+            <a:ext cx="6815667" cy="5853113"/>
+          </a:xfrm>
+        </p:spPr>
+        <p:txBody>
+          <a:bodyPr/>
+          <a:lstStyle>
+            <a:lvl1pPr>
+              <a:defRPr sz="3200"/>
+            </a:lvl1pPr>
+            <a:lvl2pPr>
+              <a:defRPr sz="2800"/>
+            </a:lvl2pPr>
+            <a:lvl3pPr>
+              <a:defRPr sz="2400"/>
+            </a:lvl3pPr>
+            <a:lvl4pPr>
+              <a:defRPr sz="2000"/>
+            </a:lvl4pPr>
+            <a:lvl5pPr>
+              <a:defRPr sz="2000"/>
+            </a:lvl5pPr>
+            <a:lvl6pPr>
+              <a:defRPr sz="2000"/>
+            </a:lvl6pPr>
+            <a:lvl7pPr>
+              <a:defRPr sz="2000"/>
+            </a:lvl7pPr>
+            <a:lvl8pPr>
+              <a:defRPr sz="2000"/>
+            </a:lvl8pPr>
+            <a:lvl9pPr>
+              <a:defRPr sz="2000"/>
+            </a:lvl9pPr>
+          </a:lstStyle>
+          <a:p>
+            <a:pPr lvl="0"/>
+            <a:r>
+              <a:rPr lang="en-US"/>
+              <a:t>Click to edit Master text styles</a:t>
+            </a:r>
+          </a:p>
+          <a:p>
+            <a:pPr lvl="1"/>
+            <a:r>
+              <a:rPr lang="en-US"/>
+              <a:t>Second level</a:t>
+            </a:r>
+          </a:p>
+          <a:p>
+            <a:pPr lvl="2"/>
+            <a:r>
+              <a:rPr lang="en-US"/>
+              <a:t>Third level</a:t>
+            </a:r>
+          </a:p>
+          <a:p>
+            <a:pPr lvl="3"/>
+            <a:r>
+              <a:rPr lang="en-US"/>
+              <a:t>Fourth level</a:t>
+            </a:r>
+          </a:p>
+          <a:p>
+            <a:pPr lvl="4"/>
+            <a:r>
+              <a:rPr lang="en-US"/>
+              <a:t>Fifth level</a:t>
+            </a:r>
+          </a:p>
+        </p:txBody>
+      </p:sp>
+      <p:sp>
+        <p:nvSpPr>
+          <p:cNvPr id="4" name="Text Placeholder 3"/>
+          <p:cNvSpPr>
+            <a:spLocks noGrp="1"/>
+          </p:cNvSpPr>
+          <p:nvPr>
+            <p:ph type="body" sz="half" idx="2"/>
+          </p:nvPr>
+        </p:nvSpPr>
+        <p:spPr>
+          <a:xfrm>
+            <a:off x="609601" y="1435101"/>
+            <a:ext cx="4011084" cy="4691063"/>
+          </a:xfrm>
+        </p:spPr>
+        <p:txBody>
+          <a:bodyPr/>
+          <a:lstStyle>
+            <a:lvl1pPr marL="0" indent="0">
+              <a:buNone/>
+              <a:defRPr sz="1400"/>
+            </a:lvl1pPr>
+            <a:lvl2pPr marL="457200" indent="0">
+              <a:buNone/>
+              <a:defRPr sz="1200"/>
+            </a:lvl2pPr>
+            <a:lvl3pPr marL="914400" indent="0">
+              <a:buNone/>
+              <a:defRPr sz="1000"/>
+            </a:lvl3pPr>
+            <a:lvl4pPr marL="1371600" indent="0">
+              <a:buNone/>
+              <a:defRPr sz="900"/>
+            </a:lvl4pPr>
+            <a:lvl5pPr marL="1828800" indent="0">
+              <a:buNone/>
+              <a:defRPr sz="900"/>
+            </a:lvl5pPr>
+            <a:lvl6pPr marL="2286000" indent="0">
+              <a:buNone/>
+              <a:defRPr sz="900"/>
+            </a:lvl6pPr>
+            <a:lvl7pPr marL="2743200" indent="0">
+              <a:buNone/>
+              <a:defRPr sz="900"/>
+            </a:lvl7pPr>
+            <a:lvl8pPr marL="3200400" indent="0">
+              <a:buNone/>
+              <a:defRPr sz="900"/>
+            </a:lvl8pPr>
+            <a:lvl9pPr marL="3657600" indent="0">
+              <a:buNone/>
+              <a:defRPr sz="900"/>
+            </a:lvl9pPr>
+          </a:lstStyle>
+          <a:p>
+            <a:pPr lvl="0"/>
+            <a:r>
+              <a:rPr lang="en-US"/>
+              <a:t>Click to edit Master text styles</a:t>
+            </a:r>
+          </a:p>
+        </p:txBody>
+      </p:sp>
+    </p:spTree>
+    <p:extLst>
+      <p:ext uri="{BB962C8B-B14F-4D97-AF65-F5344CB8AC3E}">
+        <p14:creationId xmlns:p14="http://schemas.microsoft.com/office/powerpoint/2010/main" val="2321315952"/>
       </p:ext>
     </p:extLst>
   </p:cSld>
@@ -894,7 +2385,7 @@
           <a:p>
             <a:fld id="{DE176E02-7D44-4713-8078-8E0963CF8DDB}" type="datetimeFigureOut">
               <a:rPr lang="en-US" smtClean="0"/>
-              <a:t>9/11/2019</a:t>
+              <a:t>9/13/2019</a:t>
             </a:fld>
             <a:endParaRPr lang="en-US"/>
           </a:p>
@@ -958,6 +2449,410 @@
     <p:extLst>
       <p:ext uri="{BB962C8B-B14F-4D97-AF65-F5344CB8AC3E}">
         <p14:creationId xmlns:p14="http://schemas.microsoft.com/office/powerpoint/2010/main" val="1277060740"/>
+      </p:ext>
+    </p:extLst>
+  </p:cSld>
+  <p:clrMapOvr>
+    <a:masterClrMapping/>
+  </p:clrMapOvr>
+</p:sldLayout>
+</file>
+
+<file path=ppt/slideLayouts/slideLayout20.xml><?xml version="1.0" encoding="utf-8"?>
+<p:sldLayout xmlns:a="http://schemas.openxmlformats.org/drawingml/2006/main" xmlns:r="http://schemas.openxmlformats.org/officeDocument/2006/relationships" xmlns:p="http://schemas.openxmlformats.org/presentationml/2006/main" type="picTx" preserve="1">
+  <p:cSld name="Picture with Caption">
+    <p:spTree>
+      <p:nvGrpSpPr>
+        <p:cNvPr id="1" name=""/>
+        <p:cNvGrpSpPr/>
+        <p:nvPr/>
+      </p:nvGrpSpPr>
+      <p:grpSpPr>
+        <a:xfrm>
+          <a:off x="0" y="0"/>
+          <a:ext cx="0" cy="0"/>
+          <a:chOff x="0" y="0"/>
+          <a:chExt cx="0" cy="0"/>
+        </a:xfrm>
+      </p:grpSpPr>
+      <p:sp>
+        <p:nvSpPr>
+          <p:cNvPr id="2" name="Title 1"/>
+          <p:cNvSpPr>
+            <a:spLocks noGrp="1"/>
+          </p:cNvSpPr>
+          <p:nvPr>
+            <p:ph type="title"/>
+          </p:nvPr>
+        </p:nvSpPr>
+        <p:spPr>
+          <a:xfrm>
+            <a:off x="2389717" y="4800600"/>
+            <a:ext cx="7315200" cy="566738"/>
+          </a:xfrm>
+        </p:spPr>
+        <p:txBody>
+          <a:bodyPr anchor="b"/>
+          <a:lstStyle>
+            <a:lvl1pPr algn="l">
+              <a:defRPr sz="2000" b="1"/>
+            </a:lvl1pPr>
+          </a:lstStyle>
+          <a:p>
+            <a:r>
+              <a:rPr lang="en-US"/>
+              <a:t>Click to edit Master title style</a:t>
+            </a:r>
+          </a:p>
+        </p:txBody>
+      </p:sp>
+      <p:sp>
+        <p:nvSpPr>
+          <p:cNvPr id="3" name="Picture Placeholder 2"/>
+          <p:cNvSpPr>
+            <a:spLocks noGrp="1"/>
+          </p:cNvSpPr>
+          <p:nvPr>
+            <p:ph type="pic" idx="1"/>
+          </p:nvPr>
+        </p:nvSpPr>
+        <p:spPr>
+          <a:xfrm>
+            <a:off x="2389717" y="612775"/>
+            <a:ext cx="7315200" cy="4114800"/>
+          </a:xfrm>
+        </p:spPr>
+        <p:txBody>
+          <a:bodyPr/>
+          <a:lstStyle>
+            <a:lvl1pPr marL="0" indent="0">
+              <a:buNone/>
+              <a:defRPr sz="3200"/>
+            </a:lvl1pPr>
+            <a:lvl2pPr marL="457200" indent="0">
+              <a:buNone/>
+              <a:defRPr sz="2800"/>
+            </a:lvl2pPr>
+            <a:lvl3pPr marL="914400" indent="0">
+              <a:buNone/>
+              <a:defRPr sz="2400"/>
+            </a:lvl3pPr>
+            <a:lvl4pPr marL="1371600" indent="0">
+              <a:buNone/>
+              <a:defRPr sz="2000"/>
+            </a:lvl4pPr>
+            <a:lvl5pPr marL="1828800" indent="0">
+              <a:buNone/>
+              <a:defRPr sz="2000"/>
+            </a:lvl5pPr>
+            <a:lvl6pPr marL="2286000" indent="0">
+              <a:buNone/>
+              <a:defRPr sz="2000"/>
+            </a:lvl6pPr>
+            <a:lvl7pPr marL="2743200" indent="0">
+              <a:buNone/>
+              <a:defRPr sz="2000"/>
+            </a:lvl7pPr>
+            <a:lvl8pPr marL="3200400" indent="0">
+              <a:buNone/>
+              <a:defRPr sz="2000"/>
+            </a:lvl8pPr>
+            <a:lvl9pPr marL="3657600" indent="0">
+              <a:buNone/>
+              <a:defRPr sz="2000"/>
+            </a:lvl9pPr>
+          </a:lstStyle>
+          <a:p>
+            <a:pPr lvl="0"/>
+            <a:endParaRPr lang="en-US" noProof="0"/>
+          </a:p>
+        </p:txBody>
+      </p:sp>
+      <p:sp>
+        <p:nvSpPr>
+          <p:cNvPr id="4" name="Text Placeholder 3"/>
+          <p:cNvSpPr>
+            <a:spLocks noGrp="1"/>
+          </p:cNvSpPr>
+          <p:nvPr>
+            <p:ph type="body" sz="half" idx="2"/>
+          </p:nvPr>
+        </p:nvSpPr>
+        <p:spPr>
+          <a:xfrm>
+            <a:off x="2389717" y="5367338"/>
+            <a:ext cx="7315200" cy="804862"/>
+          </a:xfrm>
+        </p:spPr>
+        <p:txBody>
+          <a:bodyPr/>
+          <a:lstStyle>
+            <a:lvl1pPr marL="0" indent="0">
+              <a:buNone/>
+              <a:defRPr sz="1400"/>
+            </a:lvl1pPr>
+            <a:lvl2pPr marL="457200" indent="0">
+              <a:buNone/>
+              <a:defRPr sz="1200"/>
+            </a:lvl2pPr>
+            <a:lvl3pPr marL="914400" indent="0">
+              <a:buNone/>
+              <a:defRPr sz="1000"/>
+            </a:lvl3pPr>
+            <a:lvl4pPr marL="1371600" indent="0">
+              <a:buNone/>
+              <a:defRPr sz="900"/>
+            </a:lvl4pPr>
+            <a:lvl5pPr marL="1828800" indent="0">
+              <a:buNone/>
+              <a:defRPr sz="900"/>
+            </a:lvl5pPr>
+            <a:lvl6pPr marL="2286000" indent="0">
+              <a:buNone/>
+              <a:defRPr sz="900"/>
+            </a:lvl6pPr>
+            <a:lvl7pPr marL="2743200" indent="0">
+              <a:buNone/>
+              <a:defRPr sz="900"/>
+            </a:lvl7pPr>
+            <a:lvl8pPr marL="3200400" indent="0">
+              <a:buNone/>
+              <a:defRPr sz="900"/>
+            </a:lvl8pPr>
+            <a:lvl9pPr marL="3657600" indent="0">
+              <a:buNone/>
+              <a:defRPr sz="900"/>
+            </a:lvl9pPr>
+          </a:lstStyle>
+          <a:p>
+            <a:pPr lvl="0"/>
+            <a:r>
+              <a:rPr lang="en-US"/>
+              <a:t>Click to edit Master text styles</a:t>
+            </a:r>
+          </a:p>
+        </p:txBody>
+      </p:sp>
+    </p:spTree>
+    <p:extLst>
+      <p:ext uri="{BB962C8B-B14F-4D97-AF65-F5344CB8AC3E}">
+        <p14:creationId xmlns:p14="http://schemas.microsoft.com/office/powerpoint/2010/main" val="4155985107"/>
+      </p:ext>
+    </p:extLst>
+  </p:cSld>
+  <p:clrMapOvr>
+    <a:masterClrMapping/>
+  </p:clrMapOvr>
+</p:sldLayout>
+</file>
+
+<file path=ppt/slideLayouts/slideLayout21.xml><?xml version="1.0" encoding="utf-8"?>
+<p:sldLayout xmlns:a="http://schemas.openxmlformats.org/drawingml/2006/main" xmlns:r="http://schemas.openxmlformats.org/officeDocument/2006/relationships" xmlns:p="http://schemas.openxmlformats.org/presentationml/2006/main" type="vertTx" preserve="1">
+  <p:cSld name="Title and Vertical Text">
+    <p:spTree>
+      <p:nvGrpSpPr>
+        <p:cNvPr id="1" name=""/>
+        <p:cNvGrpSpPr/>
+        <p:nvPr/>
+      </p:nvGrpSpPr>
+      <p:grpSpPr>
+        <a:xfrm>
+          <a:off x="0" y="0"/>
+          <a:ext cx="0" cy="0"/>
+          <a:chOff x="0" y="0"/>
+          <a:chExt cx="0" cy="0"/>
+        </a:xfrm>
+      </p:grpSpPr>
+      <p:sp>
+        <p:nvSpPr>
+          <p:cNvPr id="2" name="Title 1"/>
+          <p:cNvSpPr>
+            <a:spLocks noGrp="1"/>
+          </p:cNvSpPr>
+          <p:nvPr>
+            <p:ph type="title"/>
+          </p:nvPr>
+        </p:nvSpPr>
+        <p:spPr/>
+        <p:txBody>
+          <a:bodyPr/>
+          <a:lstStyle/>
+          <a:p>
+            <a:r>
+              <a:rPr lang="en-US"/>
+              <a:t>Click to edit Master title style</a:t>
+            </a:r>
+          </a:p>
+        </p:txBody>
+      </p:sp>
+      <p:sp>
+        <p:nvSpPr>
+          <p:cNvPr id="3" name="Vertical Text Placeholder 2"/>
+          <p:cNvSpPr>
+            <a:spLocks noGrp="1"/>
+          </p:cNvSpPr>
+          <p:nvPr>
+            <p:ph type="body" orient="vert" idx="1"/>
+          </p:nvPr>
+        </p:nvSpPr>
+        <p:spPr/>
+        <p:txBody>
+          <a:bodyPr vert="eaVert"/>
+          <a:lstStyle/>
+          <a:p>
+            <a:pPr lvl="0"/>
+            <a:r>
+              <a:rPr lang="en-US"/>
+              <a:t>Click to edit Master text styles</a:t>
+            </a:r>
+          </a:p>
+          <a:p>
+            <a:pPr lvl="1"/>
+            <a:r>
+              <a:rPr lang="en-US"/>
+              <a:t>Second level</a:t>
+            </a:r>
+          </a:p>
+          <a:p>
+            <a:pPr lvl="2"/>
+            <a:r>
+              <a:rPr lang="en-US"/>
+              <a:t>Third level</a:t>
+            </a:r>
+          </a:p>
+          <a:p>
+            <a:pPr lvl="3"/>
+            <a:r>
+              <a:rPr lang="en-US"/>
+              <a:t>Fourth level</a:t>
+            </a:r>
+          </a:p>
+          <a:p>
+            <a:pPr lvl="4"/>
+            <a:r>
+              <a:rPr lang="en-US"/>
+              <a:t>Fifth level</a:t>
+            </a:r>
+          </a:p>
+        </p:txBody>
+      </p:sp>
+    </p:spTree>
+    <p:extLst>
+      <p:ext uri="{BB962C8B-B14F-4D97-AF65-F5344CB8AC3E}">
+        <p14:creationId xmlns:p14="http://schemas.microsoft.com/office/powerpoint/2010/main" val="3971920960"/>
+      </p:ext>
+    </p:extLst>
+  </p:cSld>
+  <p:clrMapOvr>
+    <a:masterClrMapping/>
+  </p:clrMapOvr>
+</p:sldLayout>
+</file>
+
+<file path=ppt/slideLayouts/slideLayout22.xml><?xml version="1.0" encoding="utf-8"?>
+<p:sldLayout xmlns:a="http://schemas.openxmlformats.org/drawingml/2006/main" xmlns:r="http://schemas.openxmlformats.org/officeDocument/2006/relationships" xmlns:p="http://schemas.openxmlformats.org/presentationml/2006/main" type="vertTitleAndTx" preserve="1">
+  <p:cSld name="Vertical Title and Text">
+    <p:spTree>
+      <p:nvGrpSpPr>
+        <p:cNvPr id="1" name=""/>
+        <p:cNvGrpSpPr/>
+        <p:nvPr/>
+      </p:nvGrpSpPr>
+      <p:grpSpPr>
+        <a:xfrm>
+          <a:off x="0" y="0"/>
+          <a:ext cx="0" cy="0"/>
+          <a:chOff x="0" y="0"/>
+          <a:chExt cx="0" cy="0"/>
+        </a:xfrm>
+      </p:grpSpPr>
+      <p:sp>
+        <p:nvSpPr>
+          <p:cNvPr id="2" name="Vertical Title 1"/>
+          <p:cNvSpPr>
+            <a:spLocks noGrp="1"/>
+          </p:cNvSpPr>
+          <p:nvPr>
+            <p:ph type="title" orient="vert"/>
+          </p:nvPr>
+        </p:nvSpPr>
+        <p:spPr>
+          <a:xfrm>
+            <a:off x="9245600" y="228600"/>
+            <a:ext cx="2743200" cy="5943600"/>
+          </a:xfrm>
+        </p:spPr>
+        <p:txBody>
+          <a:bodyPr vert="eaVert"/>
+          <a:lstStyle/>
+          <a:p>
+            <a:r>
+              <a:rPr lang="en-US"/>
+              <a:t>Click to edit Master title style</a:t>
+            </a:r>
+          </a:p>
+        </p:txBody>
+      </p:sp>
+      <p:sp>
+        <p:nvSpPr>
+          <p:cNvPr id="3" name="Vertical Text Placeholder 2"/>
+          <p:cNvSpPr>
+            <a:spLocks noGrp="1"/>
+          </p:cNvSpPr>
+          <p:nvPr>
+            <p:ph type="body" orient="vert" idx="1"/>
+          </p:nvPr>
+        </p:nvSpPr>
+        <p:spPr>
+          <a:xfrm>
+            <a:off x="1016000" y="228600"/>
+            <a:ext cx="8026400" cy="5943600"/>
+          </a:xfrm>
+        </p:spPr>
+        <p:txBody>
+          <a:bodyPr vert="eaVert"/>
+          <a:lstStyle/>
+          <a:p>
+            <a:pPr lvl="0"/>
+            <a:r>
+              <a:rPr lang="en-US"/>
+              <a:t>Click to edit Master text styles</a:t>
+            </a:r>
+          </a:p>
+          <a:p>
+            <a:pPr lvl="1"/>
+            <a:r>
+              <a:rPr lang="en-US"/>
+              <a:t>Second level</a:t>
+            </a:r>
+          </a:p>
+          <a:p>
+            <a:pPr lvl="2"/>
+            <a:r>
+              <a:rPr lang="en-US"/>
+              <a:t>Third level</a:t>
+            </a:r>
+          </a:p>
+          <a:p>
+            <a:pPr lvl="3"/>
+            <a:r>
+              <a:rPr lang="en-US"/>
+              <a:t>Fourth level</a:t>
+            </a:r>
+          </a:p>
+          <a:p>
+            <a:pPr lvl="4"/>
+            <a:r>
+              <a:rPr lang="en-US"/>
+              <a:t>Fifth level</a:t>
+            </a:r>
+          </a:p>
+        </p:txBody>
+      </p:sp>
+    </p:spTree>
+    <p:extLst>
+      <p:ext uri="{BB962C8B-B14F-4D97-AF65-F5344CB8AC3E}">
+        <p14:creationId xmlns:p14="http://schemas.microsoft.com/office/powerpoint/2010/main" val="590822576"/>
       </p:ext>
     </p:extLst>
   </p:cSld>
@@ -1169,7 +3064,7 @@
           <a:p>
             <a:fld id="{DE176E02-7D44-4713-8078-8E0963CF8DDB}" type="datetimeFigureOut">
               <a:rPr lang="en-US" smtClean="0"/>
-              <a:t>9/11/2019</a:t>
+              <a:t>9/13/2019</a:t>
             </a:fld>
             <a:endParaRPr lang="en-US"/>
           </a:p>
@@ -1434,7 +3329,7 @@
           <a:p>
             <a:fld id="{DE176E02-7D44-4713-8078-8E0963CF8DDB}" type="datetimeFigureOut">
               <a:rPr lang="en-US" smtClean="0"/>
-              <a:t>9/11/2019</a:t>
+              <a:t>9/13/2019</a:t>
             </a:fld>
             <a:endParaRPr lang="en-US"/>
           </a:p>
@@ -1846,7 +3741,7 @@
           <a:p>
             <a:fld id="{DE176E02-7D44-4713-8078-8E0963CF8DDB}" type="datetimeFigureOut">
               <a:rPr lang="en-US" smtClean="0"/>
-              <a:t>9/11/2019</a:t>
+              <a:t>9/13/2019</a:t>
             </a:fld>
             <a:endParaRPr lang="en-US"/>
           </a:p>
@@ -1987,7 +3882,7 @@
           <a:p>
             <a:fld id="{DE176E02-7D44-4713-8078-8E0963CF8DDB}" type="datetimeFigureOut">
               <a:rPr lang="en-US" smtClean="0"/>
-              <a:t>9/11/2019</a:t>
+              <a:t>9/13/2019</a:t>
             </a:fld>
             <a:endParaRPr lang="en-US"/>
           </a:p>
@@ -2100,7 +3995,7 @@
           <a:p>
             <a:fld id="{DE176E02-7D44-4713-8078-8E0963CF8DDB}" type="datetimeFigureOut">
               <a:rPr lang="en-US" smtClean="0"/>
-              <a:t>9/11/2019</a:t>
+              <a:t>9/13/2019</a:t>
             </a:fld>
             <a:endParaRPr lang="en-US"/>
           </a:p>
@@ -2411,7 +4306,7 @@
           <a:p>
             <a:fld id="{DE176E02-7D44-4713-8078-8E0963CF8DDB}" type="datetimeFigureOut">
               <a:rPr lang="en-US" smtClean="0"/>
-              <a:t>9/11/2019</a:t>
+              <a:t>9/13/2019</a:t>
             </a:fld>
             <a:endParaRPr lang="en-US"/>
           </a:p>
@@ -2699,7 +4594,7 @@
           <a:p>
             <a:fld id="{DE176E02-7D44-4713-8078-8E0963CF8DDB}" type="datetimeFigureOut">
               <a:rPr lang="en-US" smtClean="0"/>
-              <a:t>9/11/2019</a:t>
+              <a:t>9/13/2019</a:t>
             </a:fld>
             <a:endParaRPr lang="en-US"/>
           </a:p>
@@ -2940,7 +4835,7 @@
           <a:p>
             <a:fld id="{DE176E02-7D44-4713-8078-8E0963CF8DDB}" type="datetimeFigureOut">
               <a:rPr lang="en-US" smtClean="0"/>
-              <a:t>9/11/2019</a:t>
+              <a:t>9/13/2019</a:t>
             </a:fld>
             <a:endParaRPr lang="en-US"/>
           </a:p>
@@ -3340,6 +5235,913 @@
 </p:sldMaster>
 </file>
 
+<file path=ppt/slideMasters/slideMaster2.xml><?xml version="1.0" encoding="utf-8"?>
+<p:sldMaster xmlns:a="http://schemas.openxmlformats.org/drawingml/2006/main" xmlns:r="http://schemas.openxmlformats.org/officeDocument/2006/relationships" xmlns:p="http://schemas.openxmlformats.org/presentationml/2006/main">
+  <p:cSld>
+    <p:bg>
+      <p:bgPr>
+        <a:solidFill>
+          <a:schemeClr val="bg1"/>
+        </a:solidFill>
+        <a:effectLst/>
+      </p:bgPr>
+    </p:bg>
+    <p:spTree>
+      <p:nvGrpSpPr>
+        <p:cNvPr id="1" name=""/>
+        <p:cNvGrpSpPr/>
+        <p:nvPr/>
+      </p:nvGrpSpPr>
+      <p:grpSpPr>
+        <a:xfrm>
+          <a:off x="0" y="0"/>
+          <a:ext cx="0" cy="0"/>
+          <a:chOff x="0" y="0"/>
+          <a:chExt cx="0" cy="0"/>
+        </a:xfrm>
+      </p:grpSpPr>
+      <p:sp>
+        <p:nvSpPr>
+          <p:cNvPr id="1026" name="Rectangle 2">
+            <a:extLst>
+              <a:ext uri="{FF2B5EF4-FFF2-40B4-BE49-F238E27FC236}">
+                <a16:creationId xmlns:a16="http://schemas.microsoft.com/office/drawing/2014/main" id="{57F3D86F-5FDC-4AED-B713-A0518D0212A3}"/>
+              </a:ext>
+            </a:extLst>
+          </p:cNvPr>
+          <p:cNvSpPr>
+            <a:spLocks noGrp="1" noChangeArrowheads="1"/>
+          </p:cNvSpPr>
+          <p:nvPr>
+            <p:ph type="title"/>
+          </p:nvPr>
+        </p:nvSpPr>
+        <p:spPr bwMode="auto">
+          <a:xfrm>
+            <a:off x="1016000" y="228600"/>
+            <a:ext cx="10972800" cy="1143000"/>
+          </a:xfrm>
+          <a:prstGeom prst="rect">
+            <a:avLst/>
+          </a:prstGeom>
+          <a:noFill/>
+          <a:ln>
+            <a:noFill/>
+          </a:ln>
+          <a:extLst>
+            <a:ext uri="{909E8E84-426E-40DD-AFC4-6F175D3DCCD1}">
+              <a14:hiddenFill xmlns:a14="http://schemas.microsoft.com/office/drawing/2010/main">
+                <a:solidFill>
+                  <a:srgbClr val="FFFFFF"/>
+                </a:solidFill>
+              </a14:hiddenFill>
+            </a:ext>
+            <a:ext uri="{91240B29-F687-4F45-9708-019B960494DF}">
+              <a14:hiddenLine xmlns:a14="http://schemas.microsoft.com/office/drawing/2010/main" w="9525">
+                <a:solidFill>
+                  <a:srgbClr val="000000"/>
+                </a:solidFill>
+                <a:miter lim="800000"/>
+                <a:headEnd/>
+                <a:tailEnd/>
+              </a14:hiddenLine>
+            </a:ext>
+          </a:extLst>
+        </p:spPr>
+        <p:txBody>
+          <a:bodyPr vert="horz" wrap="square" lIns="91440" tIns="45720" rIns="91440" bIns="45720" numCol="1" anchor="ctr" anchorCtr="0" compatLnSpc="1">
+            <a:prstTxWarp prst="textNoShape">
+              <a:avLst/>
+            </a:prstTxWarp>
+          </a:bodyPr>
+          <a:lstStyle/>
+          <a:p>
+            <a:pPr lvl="0"/>
+            <a:r>
+              <a:rPr lang="en-US" altLang="en-US"/>
+              <a:t>Click to edit Master title style</a:t>
+            </a:r>
+          </a:p>
+        </p:txBody>
+      </p:sp>
+      <p:sp>
+        <p:nvSpPr>
+          <p:cNvPr id="1027" name="Rectangle 3">
+            <a:extLst>
+              <a:ext uri="{FF2B5EF4-FFF2-40B4-BE49-F238E27FC236}">
+                <a16:creationId xmlns:a16="http://schemas.microsoft.com/office/drawing/2014/main" id="{95578663-2A17-4955-AB00-CE0F783FD074}"/>
+              </a:ext>
+            </a:extLst>
+          </p:cNvPr>
+          <p:cNvSpPr>
+            <a:spLocks noGrp="1" noChangeArrowheads="1"/>
+          </p:cNvSpPr>
+          <p:nvPr>
+            <p:ph type="body" idx="1"/>
+          </p:nvPr>
+        </p:nvSpPr>
+        <p:spPr bwMode="auto">
+          <a:xfrm>
+            <a:off x="1016000" y="1600200"/>
+            <a:ext cx="10972800" cy="4572000"/>
+          </a:xfrm>
+          <a:prstGeom prst="rect">
+            <a:avLst/>
+          </a:prstGeom>
+          <a:noFill/>
+          <a:ln>
+            <a:noFill/>
+          </a:ln>
+          <a:extLst>
+            <a:ext uri="{909E8E84-426E-40DD-AFC4-6F175D3DCCD1}">
+              <a14:hiddenFill xmlns:a14="http://schemas.microsoft.com/office/drawing/2010/main">
+                <a:solidFill>
+                  <a:srgbClr val="FFFFFF"/>
+                </a:solidFill>
+              </a14:hiddenFill>
+            </a:ext>
+            <a:ext uri="{91240B29-F687-4F45-9708-019B960494DF}">
+              <a14:hiddenLine xmlns:a14="http://schemas.microsoft.com/office/drawing/2010/main" w="9525">
+                <a:solidFill>
+                  <a:srgbClr val="000000"/>
+                </a:solidFill>
+                <a:miter lim="800000"/>
+                <a:headEnd/>
+                <a:tailEnd/>
+              </a14:hiddenLine>
+            </a:ext>
+          </a:extLst>
+        </p:spPr>
+        <p:txBody>
+          <a:bodyPr vert="horz" wrap="square" lIns="91440" tIns="45720" rIns="91440" bIns="45720" numCol="1" anchor="t" anchorCtr="0" compatLnSpc="1">
+            <a:prstTxWarp prst="textNoShape">
+              <a:avLst/>
+            </a:prstTxWarp>
+          </a:bodyPr>
+          <a:lstStyle/>
+          <a:p>
+            <a:pPr lvl="0"/>
+            <a:r>
+              <a:rPr lang="en-US" altLang="en-US"/>
+              <a:t>Click to edit Master text styles</a:t>
+            </a:r>
+          </a:p>
+          <a:p>
+            <a:pPr lvl="1"/>
+            <a:r>
+              <a:rPr lang="en-US" altLang="en-US"/>
+              <a:t>Second level</a:t>
+            </a:r>
+          </a:p>
+          <a:p>
+            <a:pPr lvl="2"/>
+            <a:r>
+              <a:rPr lang="en-US" altLang="en-US"/>
+              <a:t>Third level</a:t>
+            </a:r>
+          </a:p>
+          <a:p>
+            <a:pPr lvl="3"/>
+            <a:r>
+              <a:rPr lang="en-US" altLang="en-US"/>
+              <a:t>Fourth level</a:t>
+            </a:r>
+          </a:p>
+          <a:p>
+            <a:pPr lvl="4"/>
+            <a:r>
+              <a:rPr lang="en-US" altLang="en-US"/>
+              <a:t>Fifth level</a:t>
+            </a:r>
+          </a:p>
+        </p:txBody>
+      </p:sp>
+      <p:pic>
+        <p:nvPicPr>
+          <p:cNvPr id="1028" name="Picture 8">
+            <a:extLst>
+              <a:ext uri="{FF2B5EF4-FFF2-40B4-BE49-F238E27FC236}">
+                <a16:creationId xmlns:a16="http://schemas.microsoft.com/office/drawing/2014/main" id="{0AD3378C-C744-4784-A6DB-26FBDB060190}"/>
+              </a:ext>
+            </a:extLst>
+          </p:cNvPr>
+          <p:cNvPicPr>
+            <a:picLocks noChangeAspect="1" noChangeArrowheads="1"/>
+          </p:cNvPicPr>
+          <p:nvPr userDrawn="1"/>
+        </p:nvPicPr>
+        <p:blipFill>
+          <a:blip r:embed="rId13">
+            <a:extLst>
+              <a:ext uri="{28A0092B-C50C-407E-A947-70E740481C1C}">
+                <a14:useLocalDpi xmlns:a14="http://schemas.microsoft.com/office/drawing/2010/main" val="0"/>
+              </a:ext>
+            </a:extLst>
+          </a:blip>
+          <a:srcRect/>
+          <a:stretch>
+            <a:fillRect/>
+          </a:stretch>
+        </p:blipFill>
+        <p:spPr bwMode="auto">
+          <a:xfrm>
+            <a:off x="0" y="0"/>
+            <a:ext cx="914400" cy="7010400"/>
+          </a:xfrm>
+          <a:prstGeom prst="rect">
+            <a:avLst/>
+          </a:prstGeom>
+          <a:noFill/>
+          <a:ln>
+            <a:noFill/>
+          </a:ln>
+          <a:effectLst/>
+          <a:extLst>
+            <a:ext uri="{909E8E84-426E-40DD-AFC4-6F175D3DCCD1}">
+              <a14:hiddenFill xmlns:a14="http://schemas.microsoft.com/office/drawing/2010/main">
+                <a:solidFill>
+                  <a:schemeClr val="accent1"/>
+                </a:solidFill>
+              </a14:hiddenFill>
+            </a:ext>
+            <a:ext uri="{91240B29-F687-4F45-9708-019B960494DF}">
+              <a14:hiddenLine xmlns:a14="http://schemas.microsoft.com/office/drawing/2010/main" w="9525">
+                <a:solidFill>
+                  <a:schemeClr val="tx1"/>
+                </a:solidFill>
+                <a:miter lim="800000"/>
+                <a:headEnd/>
+                <a:tailEnd/>
+              </a14:hiddenLine>
+            </a:ext>
+            <a:ext uri="{AF507438-7753-43E0-B8FC-AC1667EBCBE1}">
+              <a14:hiddenEffects xmlns:a14="http://schemas.microsoft.com/office/drawing/2010/main">
+                <a:effectLst>
+                  <a:outerShdw dist="35921" dir="2700000" algn="ctr" rotWithShape="0">
+                    <a:schemeClr val="bg2"/>
+                  </a:outerShdw>
+                </a:effectLst>
+              </a14:hiddenEffects>
+            </a:ext>
+          </a:extLst>
+        </p:spPr>
+      </p:pic>
+      <p:pic>
+        <p:nvPicPr>
+          <p:cNvPr id="1029" name="Picture 9">
+            <a:extLst>
+              <a:ext uri="{FF2B5EF4-FFF2-40B4-BE49-F238E27FC236}">
+                <a16:creationId xmlns:a16="http://schemas.microsoft.com/office/drawing/2014/main" id="{63918C02-6FF3-4297-82A8-D5FCA569C7A1}"/>
+              </a:ext>
+            </a:extLst>
+          </p:cNvPr>
+          <p:cNvPicPr>
+            <a:picLocks noChangeAspect="1" noChangeArrowheads="1"/>
+          </p:cNvPicPr>
+          <p:nvPr userDrawn="1"/>
+        </p:nvPicPr>
+        <p:blipFill>
+          <a:blip r:embed="rId14">
+            <a:extLst>
+              <a:ext uri="{28A0092B-C50C-407E-A947-70E740481C1C}">
+                <a14:useLocalDpi xmlns:a14="http://schemas.microsoft.com/office/drawing/2010/main" val="0"/>
+              </a:ext>
+            </a:extLst>
+          </a:blip>
+          <a:srcRect/>
+          <a:stretch>
+            <a:fillRect/>
+          </a:stretch>
+        </p:blipFill>
+        <p:spPr bwMode="auto">
+          <a:xfrm>
+            <a:off x="8737600" y="6353176"/>
+            <a:ext cx="1219200" cy="504825"/>
+          </a:xfrm>
+          <a:prstGeom prst="rect">
+            <a:avLst/>
+          </a:prstGeom>
+          <a:noFill/>
+          <a:ln>
+            <a:noFill/>
+          </a:ln>
+          <a:effectLst/>
+          <a:extLst>
+            <a:ext uri="{909E8E84-426E-40DD-AFC4-6F175D3DCCD1}">
+              <a14:hiddenFill xmlns:a14="http://schemas.microsoft.com/office/drawing/2010/main">
+                <a:solidFill>
+                  <a:schemeClr val="accent1"/>
+                </a:solidFill>
+              </a14:hiddenFill>
+            </a:ext>
+            <a:ext uri="{91240B29-F687-4F45-9708-019B960494DF}">
+              <a14:hiddenLine xmlns:a14="http://schemas.microsoft.com/office/drawing/2010/main" w="9525">
+                <a:solidFill>
+                  <a:schemeClr val="tx1"/>
+                </a:solidFill>
+                <a:miter lim="800000"/>
+                <a:headEnd/>
+                <a:tailEnd/>
+              </a14:hiddenLine>
+            </a:ext>
+            <a:ext uri="{AF507438-7753-43E0-B8FC-AC1667EBCBE1}">
+              <a14:hiddenEffects xmlns:a14="http://schemas.microsoft.com/office/drawing/2010/main">
+                <a:effectLst>
+                  <a:outerShdw dist="35921" dir="2700000" algn="ctr" rotWithShape="0">
+                    <a:schemeClr val="bg2"/>
+                  </a:outerShdw>
+                </a:effectLst>
+              </a14:hiddenEffects>
+            </a:ext>
+          </a:extLst>
+        </p:spPr>
+      </p:pic>
+      <p:pic>
+        <p:nvPicPr>
+          <p:cNvPr id="1030" name="Picture 10">
+            <a:extLst>
+              <a:ext uri="{FF2B5EF4-FFF2-40B4-BE49-F238E27FC236}">
+                <a16:creationId xmlns:a16="http://schemas.microsoft.com/office/drawing/2014/main" id="{26D3AF55-5B72-4885-B3E4-0AF63EACC0CB}"/>
+              </a:ext>
+            </a:extLst>
+          </p:cNvPr>
+          <p:cNvPicPr>
+            <a:picLocks noChangeAspect="1" noChangeArrowheads="1"/>
+          </p:cNvPicPr>
+          <p:nvPr userDrawn="1"/>
+        </p:nvPicPr>
+        <p:blipFill>
+          <a:blip r:embed="rId15">
+            <a:extLst>
+              <a:ext uri="{28A0092B-C50C-407E-A947-70E740481C1C}">
+                <a14:useLocalDpi xmlns:a14="http://schemas.microsoft.com/office/drawing/2010/main" val="0"/>
+              </a:ext>
+            </a:extLst>
+          </a:blip>
+          <a:srcRect/>
+          <a:stretch>
+            <a:fillRect/>
+          </a:stretch>
+        </p:blipFill>
+        <p:spPr bwMode="auto">
+          <a:xfrm flipH="1">
+            <a:off x="10972800" y="6353176"/>
+            <a:ext cx="1219200" cy="504825"/>
+          </a:xfrm>
+          <a:prstGeom prst="rect">
+            <a:avLst/>
+          </a:prstGeom>
+          <a:noFill/>
+          <a:ln>
+            <a:noFill/>
+          </a:ln>
+          <a:effectLst/>
+          <a:extLst>
+            <a:ext uri="{909E8E84-426E-40DD-AFC4-6F175D3DCCD1}">
+              <a14:hiddenFill xmlns:a14="http://schemas.microsoft.com/office/drawing/2010/main">
+                <a:solidFill>
+                  <a:schemeClr val="accent1"/>
+                </a:solidFill>
+              </a14:hiddenFill>
+            </a:ext>
+            <a:ext uri="{91240B29-F687-4F45-9708-019B960494DF}">
+              <a14:hiddenLine xmlns:a14="http://schemas.microsoft.com/office/drawing/2010/main" w="9525">
+                <a:solidFill>
+                  <a:schemeClr val="tx1"/>
+                </a:solidFill>
+                <a:miter lim="800000"/>
+                <a:headEnd/>
+                <a:tailEnd/>
+              </a14:hiddenLine>
+            </a:ext>
+            <a:ext uri="{AF507438-7753-43E0-B8FC-AC1667EBCBE1}">
+              <a14:hiddenEffects xmlns:a14="http://schemas.microsoft.com/office/drawing/2010/main">
+                <a:effectLst>
+                  <a:outerShdw dist="35921" dir="2700000" algn="ctr" rotWithShape="0">
+                    <a:schemeClr val="bg2"/>
+                  </a:outerShdw>
+                </a:effectLst>
+              </a14:hiddenEffects>
+            </a:ext>
+          </a:extLst>
+        </p:spPr>
+      </p:pic>
+      <p:pic>
+        <p:nvPicPr>
+          <p:cNvPr id="1031" name="Picture 12">
+            <a:extLst>
+              <a:ext uri="{FF2B5EF4-FFF2-40B4-BE49-F238E27FC236}">
+                <a16:creationId xmlns:a16="http://schemas.microsoft.com/office/drawing/2014/main" id="{F8187748-1C52-472A-A827-C6A0E4A1E89F}"/>
+              </a:ext>
+            </a:extLst>
+          </p:cNvPr>
+          <p:cNvPicPr>
+            <a:picLocks noChangeAspect="1" noChangeArrowheads="1"/>
+          </p:cNvPicPr>
+          <p:nvPr userDrawn="1"/>
+        </p:nvPicPr>
+        <p:blipFill>
+          <a:blip r:embed="rId16">
+            <a:extLst>
+              <a:ext uri="{28A0092B-C50C-407E-A947-70E740481C1C}">
+                <a14:useLocalDpi xmlns:a14="http://schemas.microsoft.com/office/drawing/2010/main" val="0"/>
+              </a:ext>
+            </a:extLst>
+          </a:blip>
+          <a:srcRect/>
+          <a:stretch>
+            <a:fillRect/>
+          </a:stretch>
+        </p:blipFill>
+        <p:spPr bwMode="auto">
+          <a:xfrm>
+            <a:off x="10160000" y="6353175"/>
+            <a:ext cx="609600" cy="571500"/>
+          </a:xfrm>
+          <a:prstGeom prst="rect">
+            <a:avLst/>
+          </a:prstGeom>
+          <a:noFill/>
+          <a:ln>
+            <a:noFill/>
+          </a:ln>
+          <a:effectLst/>
+          <a:extLst>
+            <a:ext uri="{909E8E84-426E-40DD-AFC4-6F175D3DCCD1}">
+              <a14:hiddenFill xmlns:a14="http://schemas.microsoft.com/office/drawing/2010/main">
+                <a:solidFill>
+                  <a:schemeClr val="accent1"/>
+                </a:solidFill>
+              </a14:hiddenFill>
+            </a:ext>
+            <a:ext uri="{91240B29-F687-4F45-9708-019B960494DF}">
+              <a14:hiddenLine xmlns:a14="http://schemas.microsoft.com/office/drawing/2010/main" w="9525">
+                <a:solidFill>
+                  <a:schemeClr val="tx1"/>
+                </a:solidFill>
+                <a:miter lim="800000"/>
+                <a:headEnd/>
+                <a:tailEnd/>
+              </a14:hiddenLine>
+            </a:ext>
+            <a:ext uri="{AF507438-7753-43E0-B8FC-AC1667EBCBE1}">
+              <a14:hiddenEffects xmlns:a14="http://schemas.microsoft.com/office/drawing/2010/main">
+                <a:effectLst>
+                  <a:outerShdw dist="35921" dir="2700000" algn="ctr" rotWithShape="0">
+                    <a:schemeClr val="bg2"/>
+                  </a:outerShdw>
+                </a:effectLst>
+              </a14:hiddenEffects>
+            </a:ext>
+          </a:extLst>
+        </p:spPr>
+      </p:pic>
+    </p:spTree>
+    <p:extLst>
+      <p:ext uri="{BB962C8B-B14F-4D97-AF65-F5344CB8AC3E}">
+        <p14:creationId xmlns:p14="http://schemas.microsoft.com/office/powerpoint/2010/main" val="309674000"/>
+      </p:ext>
+    </p:extLst>
+  </p:cSld>
+  <p:clrMap bg1="lt1" tx1="dk1" bg2="lt2" tx2="dk2" accent1="accent1" accent2="accent2" accent3="accent3" accent4="accent4" accent5="accent5" accent6="accent6" hlink="hlink" folHlink="folHlink"/>
+  <p:sldLayoutIdLst>
+    <p:sldLayoutId id="2147483661" r:id="rId1"/>
+    <p:sldLayoutId id="2147483662" r:id="rId2"/>
+    <p:sldLayoutId id="2147483663" r:id="rId3"/>
+    <p:sldLayoutId id="2147483664" r:id="rId4"/>
+    <p:sldLayoutId id="2147483665" r:id="rId5"/>
+    <p:sldLayoutId id="2147483666" r:id="rId6"/>
+    <p:sldLayoutId id="2147483667" r:id="rId7"/>
+    <p:sldLayoutId id="2147483668" r:id="rId8"/>
+    <p:sldLayoutId id="2147483669" r:id="rId9"/>
+    <p:sldLayoutId id="2147483670" r:id="rId10"/>
+    <p:sldLayoutId id="2147483671" r:id="rId11"/>
+  </p:sldLayoutIdLst>
+  <p:txStyles>
+    <p:titleStyle>
+      <a:lvl1pPr algn="ctr" rtl="0" eaLnBrk="0" fontAlgn="base" hangingPunct="0">
+        <a:spcBef>
+          <a:spcPct val="0"/>
+        </a:spcBef>
+        <a:spcAft>
+          <a:spcPct val="0"/>
+        </a:spcAft>
+        <a:defRPr sz="4400">
+          <a:solidFill>
+            <a:srgbClr val="8341BA"/>
+          </a:solidFill>
+          <a:latin typeface="+mj-lt"/>
+          <a:ea typeface="MS PGothic" panose="020B0600070205080204" pitchFamily="34" charset="-128"/>
+          <a:cs typeface="ＭＳ Ｐゴシック" charset="0"/>
+        </a:defRPr>
+      </a:lvl1pPr>
+      <a:lvl2pPr algn="ctr" rtl="0" eaLnBrk="0" fontAlgn="base" hangingPunct="0">
+        <a:spcBef>
+          <a:spcPct val="0"/>
+        </a:spcBef>
+        <a:spcAft>
+          <a:spcPct val="0"/>
+        </a:spcAft>
+        <a:defRPr sz="4400">
+          <a:solidFill>
+            <a:srgbClr val="8341BA"/>
+          </a:solidFill>
+          <a:latin typeface="Times" charset="0"/>
+          <a:ea typeface="MS PGothic" panose="020B0600070205080204" pitchFamily="34" charset="-128"/>
+          <a:cs typeface="ＭＳ Ｐゴシック" charset="0"/>
+        </a:defRPr>
+      </a:lvl2pPr>
+      <a:lvl3pPr algn="ctr" rtl="0" eaLnBrk="0" fontAlgn="base" hangingPunct="0">
+        <a:spcBef>
+          <a:spcPct val="0"/>
+        </a:spcBef>
+        <a:spcAft>
+          <a:spcPct val="0"/>
+        </a:spcAft>
+        <a:defRPr sz="4400">
+          <a:solidFill>
+            <a:srgbClr val="8341BA"/>
+          </a:solidFill>
+          <a:latin typeface="Times" charset="0"/>
+          <a:ea typeface="MS PGothic" panose="020B0600070205080204" pitchFamily="34" charset="-128"/>
+          <a:cs typeface="ＭＳ Ｐゴシック" charset="0"/>
+        </a:defRPr>
+      </a:lvl3pPr>
+      <a:lvl4pPr algn="ctr" rtl="0" eaLnBrk="0" fontAlgn="base" hangingPunct="0">
+        <a:spcBef>
+          <a:spcPct val="0"/>
+        </a:spcBef>
+        <a:spcAft>
+          <a:spcPct val="0"/>
+        </a:spcAft>
+        <a:defRPr sz="4400">
+          <a:solidFill>
+            <a:srgbClr val="8341BA"/>
+          </a:solidFill>
+          <a:latin typeface="Times" charset="0"/>
+          <a:ea typeface="MS PGothic" panose="020B0600070205080204" pitchFamily="34" charset="-128"/>
+          <a:cs typeface="ＭＳ Ｐゴシック" charset="0"/>
+        </a:defRPr>
+      </a:lvl4pPr>
+      <a:lvl5pPr algn="ctr" rtl="0" eaLnBrk="0" fontAlgn="base" hangingPunct="0">
+        <a:spcBef>
+          <a:spcPct val="0"/>
+        </a:spcBef>
+        <a:spcAft>
+          <a:spcPct val="0"/>
+        </a:spcAft>
+        <a:defRPr sz="4400">
+          <a:solidFill>
+            <a:srgbClr val="8341BA"/>
+          </a:solidFill>
+          <a:latin typeface="Times" charset="0"/>
+          <a:ea typeface="MS PGothic" panose="020B0600070205080204" pitchFamily="34" charset="-128"/>
+          <a:cs typeface="ＭＳ Ｐゴシック" charset="0"/>
+        </a:defRPr>
+      </a:lvl5pPr>
+      <a:lvl6pPr marL="457200" algn="ctr" rtl="0" fontAlgn="base">
+        <a:spcBef>
+          <a:spcPct val="0"/>
+        </a:spcBef>
+        <a:spcAft>
+          <a:spcPct val="0"/>
+        </a:spcAft>
+        <a:defRPr sz="4400">
+          <a:solidFill>
+            <a:srgbClr val="8341BA"/>
+          </a:solidFill>
+          <a:latin typeface="Times" charset="0"/>
+          <a:ea typeface="ＭＳ Ｐゴシック" charset="0"/>
+        </a:defRPr>
+      </a:lvl6pPr>
+      <a:lvl7pPr marL="914400" algn="ctr" rtl="0" fontAlgn="base">
+        <a:spcBef>
+          <a:spcPct val="0"/>
+        </a:spcBef>
+        <a:spcAft>
+          <a:spcPct val="0"/>
+        </a:spcAft>
+        <a:defRPr sz="4400">
+          <a:solidFill>
+            <a:srgbClr val="8341BA"/>
+          </a:solidFill>
+          <a:latin typeface="Times" charset="0"/>
+          <a:ea typeface="ＭＳ Ｐゴシック" charset="0"/>
+        </a:defRPr>
+      </a:lvl7pPr>
+      <a:lvl8pPr marL="1371600" algn="ctr" rtl="0" fontAlgn="base">
+        <a:spcBef>
+          <a:spcPct val="0"/>
+        </a:spcBef>
+        <a:spcAft>
+          <a:spcPct val="0"/>
+        </a:spcAft>
+        <a:defRPr sz="4400">
+          <a:solidFill>
+            <a:srgbClr val="8341BA"/>
+          </a:solidFill>
+          <a:latin typeface="Times" charset="0"/>
+          <a:ea typeface="ＭＳ Ｐゴシック" charset="0"/>
+        </a:defRPr>
+      </a:lvl8pPr>
+      <a:lvl9pPr marL="1828800" algn="ctr" rtl="0" fontAlgn="base">
+        <a:spcBef>
+          <a:spcPct val="0"/>
+        </a:spcBef>
+        <a:spcAft>
+          <a:spcPct val="0"/>
+        </a:spcAft>
+        <a:defRPr sz="4400">
+          <a:solidFill>
+            <a:srgbClr val="8341BA"/>
+          </a:solidFill>
+          <a:latin typeface="Times" charset="0"/>
+          <a:ea typeface="ＭＳ Ｐゴシック" charset="0"/>
+        </a:defRPr>
+      </a:lvl9pPr>
+    </p:titleStyle>
+    <p:bodyStyle>
+      <a:lvl1pPr marL="342900" indent="-342900" algn="l" rtl="0" eaLnBrk="0" fontAlgn="base" hangingPunct="0">
+        <a:spcBef>
+          <a:spcPct val="20000"/>
+        </a:spcBef>
+        <a:spcAft>
+          <a:spcPct val="0"/>
+        </a:spcAft>
+        <a:buClr>
+          <a:srgbClr val="8960B1"/>
+        </a:buClr>
+        <a:buFont typeface="Wingdings" panose="05000000000000000000" pitchFamily="2" charset="2"/>
+        <a:buChar char="Ø"/>
+        <a:defRPr sz="3200">
+          <a:solidFill>
+            <a:schemeClr val="tx1"/>
+          </a:solidFill>
+          <a:latin typeface="+mn-lt"/>
+          <a:ea typeface="MS PGothic" panose="020B0600070205080204" pitchFamily="34" charset="-128"/>
+          <a:cs typeface="ＭＳ Ｐゴシック" charset="0"/>
+        </a:defRPr>
+      </a:lvl1pPr>
+      <a:lvl2pPr marL="742950" indent="-285750" algn="l" rtl="0" eaLnBrk="0" fontAlgn="base" hangingPunct="0">
+        <a:spcBef>
+          <a:spcPct val="20000"/>
+        </a:spcBef>
+        <a:spcAft>
+          <a:spcPct val="0"/>
+        </a:spcAft>
+        <a:buClr>
+          <a:srgbClr val="C87EB2"/>
+        </a:buClr>
+        <a:buFont typeface="Wingdings" panose="05000000000000000000" pitchFamily="2" charset="2"/>
+        <a:buChar char="ü"/>
+        <a:defRPr sz="2800">
+          <a:solidFill>
+            <a:schemeClr val="tx1"/>
+          </a:solidFill>
+          <a:latin typeface="+mn-lt"/>
+          <a:ea typeface="MS PGothic" panose="020B0600070205080204" pitchFamily="34" charset="-128"/>
+        </a:defRPr>
+      </a:lvl2pPr>
+      <a:lvl3pPr marL="1143000" indent="-228600" algn="l" rtl="0" eaLnBrk="0" fontAlgn="base" hangingPunct="0">
+        <a:spcBef>
+          <a:spcPct val="20000"/>
+        </a:spcBef>
+        <a:spcAft>
+          <a:spcPct val="0"/>
+        </a:spcAft>
+        <a:buClr>
+          <a:srgbClr val="E58A88"/>
+        </a:buClr>
+        <a:buFont typeface="Wingdings" panose="05000000000000000000" pitchFamily="2" charset="2"/>
+        <a:buChar char="v"/>
+        <a:defRPr sz="2400">
+          <a:solidFill>
+            <a:schemeClr val="tx1"/>
+          </a:solidFill>
+          <a:latin typeface="+mn-lt"/>
+          <a:ea typeface="MS PGothic" panose="020B0600070205080204" pitchFamily="34" charset="-128"/>
+        </a:defRPr>
+      </a:lvl3pPr>
+      <a:lvl4pPr marL="1600200" indent="-228600" algn="l" rtl="0" eaLnBrk="0" fontAlgn="base" hangingPunct="0">
+        <a:spcBef>
+          <a:spcPct val="20000"/>
+        </a:spcBef>
+        <a:spcAft>
+          <a:spcPct val="0"/>
+        </a:spcAft>
+        <a:buClr>
+          <a:srgbClr val="E47D70"/>
+        </a:buClr>
+        <a:buFont typeface="Times" panose="02020603050405020304" pitchFamily="18" charset="0"/>
+        <a:buChar char="•"/>
+        <a:defRPr sz="2000">
+          <a:solidFill>
+            <a:schemeClr val="tx1"/>
+          </a:solidFill>
+          <a:latin typeface="+mn-lt"/>
+          <a:ea typeface="MS PGothic" panose="020B0600070205080204" pitchFamily="34" charset="-128"/>
+        </a:defRPr>
+      </a:lvl4pPr>
+      <a:lvl5pPr marL="2057400" indent="-228600" algn="l" rtl="0" eaLnBrk="0" fontAlgn="base" hangingPunct="0">
+        <a:spcBef>
+          <a:spcPct val="20000"/>
+        </a:spcBef>
+        <a:spcAft>
+          <a:spcPct val="0"/>
+        </a:spcAft>
+        <a:buClr>
+          <a:srgbClr val="E68753"/>
+        </a:buClr>
+        <a:buFont typeface="Times" panose="02020603050405020304" pitchFamily="18" charset="0"/>
+        <a:buChar char="•"/>
+        <a:defRPr sz="2000">
+          <a:solidFill>
+            <a:schemeClr val="tx1"/>
+          </a:solidFill>
+          <a:latin typeface="+mn-lt"/>
+          <a:ea typeface="MS PGothic" panose="020B0600070205080204" pitchFamily="34" charset="-128"/>
+        </a:defRPr>
+      </a:lvl5pPr>
+      <a:lvl6pPr marL="2514600" indent="-228600" algn="l" rtl="0" fontAlgn="base">
+        <a:spcBef>
+          <a:spcPct val="20000"/>
+        </a:spcBef>
+        <a:spcAft>
+          <a:spcPct val="0"/>
+        </a:spcAft>
+        <a:buClr>
+          <a:srgbClr val="E68753"/>
+        </a:buClr>
+        <a:buFont typeface="Times" charset="0"/>
+        <a:buChar char="•"/>
+        <a:defRPr sz="2000">
+          <a:solidFill>
+            <a:schemeClr val="tx1"/>
+          </a:solidFill>
+          <a:latin typeface="+mn-lt"/>
+          <a:ea typeface="+mn-ea"/>
+        </a:defRPr>
+      </a:lvl6pPr>
+      <a:lvl7pPr marL="2971800" indent="-228600" algn="l" rtl="0" fontAlgn="base">
+        <a:spcBef>
+          <a:spcPct val="20000"/>
+        </a:spcBef>
+        <a:spcAft>
+          <a:spcPct val="0"/>
+        </a:spcAft>
+        <a:buClr>
+          <a:srgbClr val="E68753"/>
+        </a:buClr>
+        <a:buFont typeface="Times" charset="0"/>
+        <a:buChar char="•"/>
+        <a:defRPr sz="2000">
+          <a:solidFill>
+            <a:schemeClr val="tx1"/>
+          </a:solidFill>
+          <a:latin typeface="+mn-lt"/>
+          <a:ea typeface="+mn-ea"/>
+        </a:defRPr>
+      </a:lvl7pPr>
+      <a:lvl8pPr marL="3429000" indent="-228600" algn="l" rtl="0" fontAlgn="base">
+        <a:spcBef>
+          <a:spcPct val="20000"/>
+        </a:spcBef>
+        <a:spcAft>
+          <a:spcPct val="0"/>
+        </a:spcAft>
+        <a:buClr>
+          <a:srgbClr val="E68753"/>
+        </a:buClr>
+        <a:buFont typeface="Times" charset="0"/>
+        <a:buChar char="•"/>
+        <a:defRPr sz="2000">
+          <a:solidFill>
+            <a:schemeClr val="tx1"/>
+          </a:solidFill>
+          <a:latin typeface="+mn-lt"/>
+          <a:ea typeface="+mn-ea"/>
+        </a:defRPr>
+      </a:lvl8pPr>
+      <a:lvl9pPr marL="3886200" indent="-228600" algn="l" rtl="0" fontAlgn="base">
+        <a:spcBef>
+          <a:spcPct val="20000"/>
+        </a:spcBef>
+        <a:spcAft>
+          <a:spcPct val="0"/>
+        </a:spcAft>
+        <a:buClr>
+          <a:srgbClr val="E68753"/>
+        </a:buClr>
+        <a:buFont typeface="Times" charset="0"/>
+        <a:buChar char="•"/>
+        <a:defRPr sz="2000">
+          <a:solidFill>
+            <a:schemeClr val="tx1"/>
+          </a:solidFill>
+          <a:latin typeface="+mn-lt"/>
+          <a:ea typeface="+mn-ea"/>
+        </a:defRPr>
+      </a:lvl9pPr>
+    </p:bodyStyle>
+    <p:otherStyle>
+      <a:defPPr>
+        <a:defRPr lang="en-US"/>
+      </a:defPPr>
+      <a:lvl1pPr marL="0" algn="l" defTabSz="457200" rtl="0" eaLnBrk="1" latinLnBrk="0" hangingPunct="1">
+        <a:defRPr sz="1800" kern="1200">
+          <a:solidFill>
+            <a:schemeClr val="tx1"/>
+          </a:solidFill>
+          <a:latin typeface="+mn-lt"/>
+          <a:ea typeface="+mn-ea"/>
+          <a:cs typeface="+mn-cs"/>
+        </a:defRPr>
+      </a:lvl1pPr>
+      <a:lvl2pPr marL="457200" algn="l" defTabSz="457200" rtl="0" eaLnBrk="1" latinLnBrk="0" hangingPunct="1">
+        <a:defRPr sz="1800" kern="1200">
+          <a:solidFill>
+            <a:schemeClr val="tx1"/>
+          </a:solidFill>
+          <a:latin typeface="+mn-lt"/>
+          <a:ea typeface="+mn-ea"/>
+          <a:cs typeface="+mn-cs"/>
+        </a:defRPr>
+      </a:lvl2pPr>
+      <a:lvl3pPr marL="914400" algn="l" defTabSz="457200" rtl="0" eaLnBrk="1" latinLnBrk="0" hangingPunct="1">
+        <a:defRPr sz="1800" kern="1200">
+          <a:solidFill>
+            <a:schemeClr val="tx1"/>
+          </a:solidFill>
+          <a:latin typeface="+mn-lt"/>
+          <a:ea typeface="+mn-ea"/>
+          <a:cs typeface="+mn-cs"/>
+        </a:defRPr>
+      </a:lvl3pPr>
+      <a:lvl4pPr marL="1371600" algn="l" defTabSz="457200" rtl="0" eaLnBrk="1" latinLnBrk="0" hangingPunct="1">
+        <a:defRPr sz="1800" kern="1200">
+          <a:solidFill>
+            <a:schemeClr val="tx1"/>
+          </a:solidFill>
+          <a:latin typeface="+mn-lt"/>
+          <a:ea typeface="+mn-ea"/>
+          <a:cs typeface="+mn-cs"/>
+        </a:defRPr>
+      </a:lvl4pPr>
+      <a:lvl5pPr marL="1828800" algn="l" defTabSz="457200" rtl="0" eaLnBrk="1" latinLnBrk="0" hangingPunct="1">
+        <a:defRPr sz="1800" kern="1200">
+          <a:solidFill>
+            <a:schemeClr val="tx1"/>
+          </a:solidFill>
+          <a:latin typeface="+mn-lt"/>
+          <a:ea typeface="+mn-ea"/>
+          <a:cs typeface="+mn-cs"/>
+        </a:defRPr>
+      </a:lvl5pPr>
+      <a:lvl6pPr marL="2286000" algn="l" defTabSz="457200" rtl="0" eaLnBrk="1" latinLnBrk="0" hangingPunct="1">
+        <a:defRPr sz="1800" kern="1200">
+          <a:solidFill>
+            <a:schemeClr val="tx1"/>
+          </a:solidFill>
+          <a:latin typeface="+mn-lt"/>
+          <a:ea typeface="+mn-ea"/>
+          <a:cs typeface="+mn-cs"/>
+        </a:defRPr>
+      </a:lvl6pPr>
+      <a:lvl7pPr marL="2743200" algn="l" defTabSz="457200" rtl="0" eaLnBrk="1" latinLnBrk="0" hangingPunct="1">
+        <a:defRPr sz="1800" kern="1200">
+          <a:solidFill>
+            <a:schemeClr val="tx1"/>
+          </a:solidFill>
+          <a:latin typeface="+mn-lt"/>
+          <a:ea typeface="+mn-ea"/>
+          <a:cs typeface="+mn-cs"/>
+        </a:defRPr>
+      </a:lvl7pPr>
+      <a:lvl8pPr marL="3200400" algn="l" defTabSz="457200" rtl="0" eaLnBrk="1" latinLnBrk="0" hangingPunct="1">
+        <a:defRPr sz="1800" kern="1200">
+          <a:solidFill>
+            <a:schemeClr val="tx1"/>
+          </a:solidFill>
+          <a:latin typeface="+mn-lt"/>
+          <a:ea typeface="+mn-ea"/>
+          <a:cs typeface="+mn-cs"/>
+        </a:defRPr>
+      </a:lvl8pPr>
+      <a:lvl9pPr marL="3657600" algn="l" defTabSz="457200" rtl="0" eaLnBrk="1" latinLnBrk="0" hangingPunct="1">
+        <a:defRPr sz="1800" kern="1200">
+          <a:solidFill>
+            <a:schemeClr val="tx1"/>
+          </a:solidFill>
+          <a:latin typeface="+mn-lt"/>
+          <a:ea typeface="+mn-ea"/>
+          <a:cs typeface="+mn-cs"/>
+        </a:defRPr>
+      </a:lvl9pPr>
+    </p:otherStyle>
+  </p:txStyles>
+</p:sldMaster>
+</file>
+
 <file path=ppt/slides/slide1.xml><?xml version="1.0" encoding="utf-8"?>
 <p:sld xmlns:a="http://schemas.openxmlformats.org/drawingml/2006/main" xmlns:r="http://schemas.openxmlformats.org/officeDocument/2006/relationships" xmlns:p="http://schemas.openxmlformats.org/presentationml/2006/main">
   <p:cSld>
@@ -6303,6 +9105,3104 @@
 </p:sld>
 </file>
 
+<file path=ppt/slides/slide33.xml><?xml version="1.0" encoding="utf-8"?>
+<p:sld xmlns:a="http://schemas.openxmlformats.org/drawingml/2006/main" xmlns:r="http://schemas.openxmlformats.org/officeDocument/2006/relationships" xmlns:p="http://schemas.openxmlformats.org/presentationml/2006/main">
+  <p:cSld>
+    <p:spTree>
+      <p:nvGrpSpPr>
+        <p:cNvPr id="1" name=""/>
+        <p:cNvGrpSpPr/>
+        <p:nvPr/>
+      </p:nvGrpSpPr>
+      <p:grpSpPr>
+        <a:xfrm>
+          <a:off x="0" y="0"/>
+          <a:ext cx="0" cy="0"/>
+          <a:chOff x="0" y="0"/>
+          <a:chExt cx="0" cy="0"/>
+        </a:xfrm>
+      </p:grpSpPr>
+      <p:sp>
+        <p:nvSpPr>
+          <p:cNvPr id="2" name="Title 1">
+            <a:extLst>
+              <a:ext uri="{FF2B5EF4-FFF2-40B4-BE49-F238E27FC236}">
+                <a16:creationId xmlns:a16="http://schemas.microsoft.com/office/drawing/2014/main" id="{9E414C19-4B29-4481-8C7B-04BDDF747240}"/>
+              </a:ext>
+            </a:extLst>
+          </p:cNvPr>
+          <p:cNvSpPr>
+            <a:spLocks noGrp="1"/>
+          </p:cNvSpPr>
+          <p:nvPr>
+            <p:ph type="title"/>
+          </p:nvPr>
+        </p:nvSpPr>
+        <p:spPr/>
+        <p:txBody>
+          <a:bodyPr/>
+          <a:lstStyle/>
+          <a:p>
+            <a:r>
+              <a:rPr lang="en-US" dirty="0"/>
+              <a:t>How to measure the speed of an algorithm</a:t>
+            </a:r>
+          </a:p>
+        </p:txBody>
+      </p:sp>
+      <p:sp>
+        <p:nvSpPr>
+          <p:cNvPr id="3" name="Content Placeholder 2">
+            <a:extLst>
+              <a:ext uri="{FF2B5EF4-FFF2-40B4-BE49-F238E27FC236}">
+                <a16:creationId xmlns:a16="http://schemas.microsoft.com/office/drawing/2014/main" id="{E6848938-DE90-4E3B-A4C0-A19D8AD0D9FE}"/>
+              </a:ext>
+            </a:extLst>
+          </p:cNvPr>
+          <p:cNvSpPr>
+            <a:spLocks noGrp="1"/>
+          </p:cNvSpPr>
+          <p:nvPr>
+            <p:ph idx="1"/>
+          </p:nvPr>
+        </p:nvSpPr>
+        <p:spPr/>
+        <p:txBody>
+          <a:bodyPr/>
+          <a:lstStyle/>
+          <a:p>
+            <a:r>
+              <a:rPr lang="en-US" dirty="0"/>
+              <a:t>Empirical: Run it and see how long it takes</a:t>
+            </a:r>
+          </a:p>
+          <a:p>
+            <a:r>
+              <a:rPr lang="en-US" dirty="0"/>
+              <a:t>Analytical: Carefully examine it determine its speed</a:t>
+            </a:r>
+          </a:p>
+        </p:txBody>
+      </p:sp>
+    </p:spTree>
+    <p:extLst>
+      <p:ext uri="{BB962C8B-B14F-4D97-AF65-F5344CB8AC3E}">
+        <p14:creationId xmlns:p14="http://schemas.microsoft.com/office/powerpoint/2010/main" val="3079017169"/>
+      </p:ext>
+    </p:extLst>
+  </p:cSld>
+  <p:clrMapOvr>
+    <a:masterClrMapping/>
+  </p:clrMapOvr>
+</p:sld>
+</file>
+
+<file path=ppt/slides/slide34.xml><?xml version="1.0" encoding="utf-8"?>
+<p:sld xmlns:a="http://schemas.openxmlformats.org/drawingml/2006/main" xmlns:r="http://schemas.openxmlformats.org/officeDocument/2006/relationships" xmlns:p="http://schemas.openxmlformats.org/presentationml/2006/main">
+  <p:cSld>
+    <p:spTree>
+      <p:nvGrpSpPr>
+        <p:cNvPr id="1" name=""/>
+        <p:cNvGrpSpPr/>
+        <p:nvPr/>
+      </p:nvGrpSpPr>
+      <p:grpSpPr>
+        <a:xfrm>
+          <a:off x="0" y="0"/>
+          <a:ext cx="0" cy="0"/>
+          <a:chOff x="0" y="0"/>
+          <a:chExt cx="0" cy="0"/>
+        </a:xfrm>
+      </p:grpSpPr>
+      <p:sp>
+        <p:nvSpPr>
+          <p:cNvPr id="2" name="Title 1">
+            <a:extLst>
+              <a:ext uri="{FF2B5EF4-FFF2-40B4-BE49-F238E27FC236}">
+                <a16:creationId xmlns:a16="http://schemas.microsoft.com/office/drawing/2014/main" id="{4615EE08-1BB7-46FF-81CC-ECE11F7D78C3}"/>
+              </a:ext>
+            </a:extLst>
+          </p:cNvPr>
+          <p:cNvSpPr>
+            <a:spLocks noGrp="1"/>
+          </p:cNvSpPr>
+          <p:nvPr>
+            <p:ph type="title"/>
+          </p:nvPr>
+        </p:nvSpPr>
+        <p:spPr/>
+        <p:txBody>
+          <a:bodyPr/>
+          <a:lstStyle/>
+          <a:p>
+            <a:r>
+              <a:rPr lang="en-US" dirty="0"/>
+              <a:t>Iterative Algorithms Process</a:t>
+            </a:r>
+          </a:p>
+        </p:txBody>
+      </p:sp>
+      <p:sp>
+        <p:nvSpPr>
+          <p:cNvPr id="3" name="Content Placeholder 2">
+            <a:extLst>
+              <a:ext uri="{FF2B5EF4-FFF2-40B4-BE49-F238E27FC236}">
+                <a16:creationId xmlns:a16="http://schemas.microsoft.com/office/drawing/2014/main" id="{08307A17-FF84-4170-941D-769D77C55D7A}"/>
+              </a:ext>
+            </a:extLst>
+          </p:cNvPr>
+          <p:cNvSpPr>
+            <a:spLocks noGrp="1"/>
+          </p:cNvSpPr>
+          <p:nvPr>
+            <p:ph idx="1"/>
+          </p:nvPr>
+        </p:nvSpPr>
+        <p:spPr/>
+        <p:txBody>
+          <a:bodyPr/>
+          <a:lstStyle/>
+          <a:p>
+            <a:r>
+              <a:rPr lang="en-US" dirty="0"/>
+              <a:t>Pick a basic operation</a:t>
+            </a:r>
+          </a:p>
+          <a:p>
+            <a:r>
+              <a:rPr lang="en-US" dirty="0"/>
+              <a:t>Count how many times that operation occurs</a:t>
+            </a:r>
+          </a:p>
+        </p:txBody>
+      </p:sp>
+    </p:spTree>
+    <p:extLst>
+      <p:ext uri="{BB962C8B-B14F-4D97-AF65-F5344CB8AC3E}">
+        <p14:creationId xmlns:p14="http://schemas.microsoft.com/office/powerpoint/2010/main" val="4098744336"/>
+      </p:ext>
+    </p:extLst>
+  </p:cSld>
+  <p:clrMapOvr>
+    <a:masterClrMapping/>
+  </p:clrMapOvr>
+</p:sld>
+</file>
+
+<file path=ppt/slides/slide35.xml><?xml version="1.0" encoding="utf-8"?>
+<p:sld xmlns:a="http://schemas.openxmlformats.org/drawingml/2006/main" xmlns:r="http://schemas.openxmlformats.org/officeDocument/2006/relationships" xmlns:p="http://schemas.openxmlformats.org/presentationml/2006/main">
+  <p:cSld>
+    <p:spTree>
+      <p:nvGrpSpPr>
+        <p:cNvPr id="1" name=""/>
+        <p:cNvGrpSpPr/>
+        <p:nvPr/>
+      </p:nvGrpSpPr>
+      <p:grpSpPr>
+        <a:xfrm>
+          <a:off x="0" y="0"/>
+          <a:ext cx="0" cy="0"/>
+          <a:chOff x="0" y="0"/>
+          <a:chExt cx="0" cy="0"/>
+        </a:xfrm>
+      </p:grpSpPr>
+      <p:sp>
+        <p:nvSpPr>
+          <p:cNvPr id="2" name="Title 1">
+            <a:extLst>
+              <a:ext uri="{FF2B5EF4-FFF2-40B4-BE49-F238E27FC236}">
+                <a16:creationId xmlns:a16="http://schemas.microsoft.com/office/drawing/2014/main" id="{9F545257-3625-401B-B3FC-0832E5097CFE}"/>
+              </a:ext>
+            </a:extLst>
+          </p:cNvPr>
+          <p:cNvSpPr>
+            <a:spLocks noGrp="1"/>
+          </p:cNvSpPr>
+          <p:nvPr>
+            <p:ph type="title"/>
+          </p:nvPr>
+        </p:nvSpPr>
+        <p:spPr/>
+        <p:txBody>
+          <a:bodyPr/>
+          <a:lstStyle/>
+          <a:p>
+            <a:r>
+              <a:rPr lang="en-US" dirty="0"/>
+              <a:t>Double array entries</a:t>
+            </a:r>
+          </a:p>
+        </p:txBody>
+      </p:sp>
+      <p:sp>
+        <p:nvSpPr>
+          <p:cNvPr id="3" name="Content Placeholder 2">
+            <a:extLst>
+              <a:ext uri="{FF2B5EF4-FFF2-40B4-BE49-F238E27FC236}">
+                <a16:creationId xmlns:a16="http://schemas.microsoft.com/office/drawing/2014/main" id="{D1E43D9F-69B9-4B6D-8A92-8AF51BBEB973}"/>
+              </a:ext>
+            </a:extLst>
+          </p:cNvPr>
+          <p:cNvSpPr>
+            <a:spLocks noGrp="1"/>
+          </p:cNvSpPr>
+          <p:nvPr>
+            <p:ph idx="1"/>
+          </p:nvPr>
+        </p:nvSpPr>
+        <p:spPr/>
+        <p:txBody>
+          <a:bodyPr/>
+          <a:lstStyle/>
+          <a:p>
+            <a:endParaRPr lang="en-US"/>
+          </a:p>
+        </p:txBody>
+      </p:sp>
+    </p:spTree>
+    <p:extLst>
+      <p:ext uri="{BB962C8B-B14F-4D97-AF65-F5344CB8AC3E}">
+        <p14:creationId xmlns:p14="http://schemas.microsoft.com/office/powerpoint/2010/main" val="3067769011"/>
+      </p:ext>
+    </p:extLst>
+  </p:cSld>
+  <p:clrMapOvr>
+    <a:masterClrMapping/>
+  </p:clrMapOvr>
+</p:sld>
+</file>
+
+<file path=ppt/slides/slide36.xml><?xml version="1.0" encoding="utf-8"?>
+<p:sld xmlns:a="http://schemas.openxmlformats.org/drawingml/2006/main" xmlns:r="http://schemas.openxmlformats.org/officeDocument/2006/relationships" xmlns:p="http://schemas.openxmlformats.org/presentationml/2006/main">
+  <p:cSld>
+    <p:spTree>
+      <p:nvGrpSpPr>
+        <p:cNvPr id="1" name=""/>
+        <p:cNvGrpSpPr/>
+        <p:nvPr/>
+      </p:nvGrpSpPr>
+      <p:grpSpPr>
+        <a:xfrm>
+          <a:off x="0" y="0"/>
+          <a:ext cx="0" cy="0"/>
+          <a:chOff x="0" y="0"/>
+          <a:chExt cx="0" cy="0"/>
+        </a:xfrm>
+      </p:grpSpPr>
+      <p:sp>
+        <p:nvSpPr>
+          <p:cNvPr id="2" name="Title 1">
+            <a:extLst>
+              <a:ext uri="{FF2B5EF4-FFF2-40B4-BE49-F238E27FC236}">
+                <a16:creationId xmlns:a16="http://schemas.microsoft.com/office/drawing/2014/main" id="{86FA6B05-C195-48F1-9B5B-DB0FB4EA4382}"/>
+              </a:ext>
+            </a:extLst>
+          </p:cNvPr>
+          <p:cNvSpPr>
+            <a:spLocks noGrp="1"/>
+          </p:cNvSpPr>
+          <p:nvPr>
+            <p:ph type="title"/>
+          </p:nvPr>
+        </p:nvSpPr>
+        <p:spPr/>
+        <p:txBody>
+          <a:bodyPr/>
+          <a:lstStyle/>
+          <a:p>
+            <a:r>
+              <a:rPr lang="en-US" dirty="0"/>
+              <a:t>Spreadsheet demo</a:t>
+            </a:r>
+          </a:p>
+        </p:txBody>
+      </p:sp>
+      <p:sp>
+        <p:nvSpPr>
+          <p:cNvPr id="3" name="Content Placeholder 2">
+            <a:extLst>
+              <a:ext uri="{FF2B5EF4-FFF2-40B4-BE49-F238E27FC236}">
+                <a16:creationId xmlns:a16="http://schemas.microsoft.com/office/drawing/2014/main" id="{2461675E-BF2B-49FD-B980-644080B3D7E0}"/>
+              </a:ext>
+            </a:extLst>
+          </p:cNvPr>
+          <p:cNvSpPr>
+            <a:spLocks noGrp="1"/>
+          </p:cNvSpPr>
+          <p:nvPr>
+            <p:ph idx="1"/>
+          </p:nvPr>
+        </p:nvSpPr>
+        <p:spPr/>
+        <p:txBody>
+          <a:bodyPr/>
+          <a:lstStyle/>
+          <a:p>
+            <a:endParaRPr lang="en-US"/>
+          </a:p>
+        </p:txBody>
+      </p:sp>
+    </p:spTree>
+    <p:extLst>
+      <p:ext uri="{BB962C8B-B14F-4D97-AF65-F5344CB8AC3E}">
+        <p14:creationId xmlns:p14="http://schemas.microsoft.com/office/powerpoint/2010/main" val="3508955743"/>
+      </p:ext>
+    </p:extLst>
+  </p:cSld>
+  <p:clrMapOvr>
+    <a:masterClrMapping/>
+  </p:clrMapOvr>
+</p:sld>
+</file>
+
+<file path=ppt/slides/slide37.xml><?xml version="1.0" encoding="utf-8"?>
+<p:sld xmlns:a="http://schemas.openxmlformats.org/drawingml/2006/main" xmlns:r="http://schemas.openxmlformats.org/officeDocument/2006/relationships" xmlns:p="http://schemas.openxmlformats.org/presentationml/2006/main">
+  <p:cSld>
+    <p:spTree>
+      <p:nvGrpSpPr>
+        <p:cNvPr id="1" name=""/>
+        <p:cNvGrpSpPr/>
+        <p:nvPr/>
+      </p:nvGrpSpPr>
+      <p:grpSpPr>
+        <a:xfrm>
+          <a:off x="0" y="0"/>
+          <a:ext cx="0" cy="0"/>
+          <a:chOff x="0" y="0"/>
+          <a:chExt cx="0" cy="0"/>
+        </a:xfrm>
+      </p:grpSpPr>
+      <p:sp>
+        <p:nvSpPr>
+          <p:cNvPr id="2" name="Title 1">
+            <a:extLst>
+              <a:ext uri="{FF2B5EF4-FFF2-40B4-BE49-F238E27FC236}">
+                <a16:creationId xmlns:a16="http://schemas.microsoft.com/office/drawing/2014/main" id="{455691C3-BA1D-43B1-891D-9F56EA1063F6}"/>
+              </a:ext>
+            </a:extLst>
+          </p:cNvPr>
+          <p:cNvSpPr>
+            <a:spLocks noGrp="1"/>
+          </p:cNvSpPr>
+          <p:nvPr>
+            <p:ph type="title"/>
+          </p:nvPr>
+        </p:nvSpPr>
+        <p:spPr>
+          <a:xfrm>
+            <a:off x="2057400" y="26988"/>
+            <a:ext cx="8610600" cy="1143000"/>
+          </a:xfrm>
+        </p:spPr>
+        <p:txBody>
+          <a:bodyPr/>
+          <a:lstStyle/>
+          <a:p>
+            <a:pPr eaLnBrk="1" hangingPunct="1">
+              <a:defRPr/>
+            </a:pPr>
+            <a:r>
+              <a:rPr lang="en-US" dirty="0">
+                <a:ea typeface="+mj-ea"/>
+                <a:cs typeface="+mj-cs"/>
+              </a:rPr>
+              <a:t>Common Functions for Growth Rate</a:t>
+            </a:r>
+          </a:p>
+        </p:txBody>
+      </p:sp>
+      <p:sp>
+        <p:nvSpPr>
+          <p:cNvPr id="7171" name="TextBox 5">
+            <a:extLst>
+              <a:ext uri="{FF2B5EF4-FFF2-40B4-BE49-F238E27FC236}">
+                <a16:creationId xmlns:a16="http://schemas.microsoft.com/office/drawing/2014/main" id="{605C844D-FBDA-4CAA-9387-CB4D8BDFD22A}"/>
+              </a:ext>
+            </a:extLst>
+          </p:cNvPr>
+          <p:cNvSpPr txBox="1">
+            <a:spLocks noChangeArrowheads="1"/>
+          </p:cNvSpPr>
+          <p:nvPr/>
+        </p:nvSpPr>
+        <p:spPr bwMode="auto">
+          <a:xfrm>
+            <a:off x="3581400" y="1219200"/>
+            <a:ext cx="7086600" cy="5354638"/>
+          </a:xfrm>
+          <a:prstGeom prst="rect">
+            <a:avLst/>
+          </a:prstGeom>
+          <a:noFill/>
+          <a:ln>
+            <a:noFill/>
+          </a:ln>
+          <a:extLst>
+            <a:ext uri="{909E8E84-426E-40DD-AFC4-6F175D3DCCD1}">
+              <a14:hiddenFill xmlns:a14="http://schemas.microsoft.com/office/drawing/2010/main">
+                <a:solidFill>
+                  <a:srgbClr val="FFFFFF"/>
+                </a:solidFill>
+              </a14:hiddenFill>
+            </a:ext>
+            <a:ext uri="{91240B29-F687-4F45-9708-019B960494DF}">
+              <a14:hiddenLine xmlns:a14="http://schemas.microsoft.com/office/drawing/2010/main" w="9525">
+                <a:solidFill>
+                  <a:srgbClr val="000000"/>
+                </a:solidFill>
+                <a:miter lim="800000"/>
+                <a:headEnd/>
+                <a:tailEnd/>
+              </a14:hiddenLine>
+            </a:ext>
+          </a:extLst>
+        </p:spPr>
+        <p:txBody>
+          <a:bodyPr>
+            <a:spAutoFit/>
+          </a:bodyPr>
+          <a:lstStyle>
+            <a:lvl1pPr>
+              <a:spcBef>
+                <a:spcPct val="20000"/>
+              </a:spcBef>
+              <a:buClr>
+                <a:srgbClr val="8960B1"/>
+              </a:buClr>
+              <a:buFont typeface="Wingdings" panose="05000000000000000000" pitchFamily="2" charset="2"/>
+              <a:buChar char="Ø"/>
+              <a:defRPr sz="3200">
+                <a:solidFill>
+                  <a:schemeClr val="tx1"/>
+                </a:solidFill>
+                <a:latin typeface="Times" panose="02020603050405020304" pitchFamily="18" charset="0"/>
+                <a:ea typeface="MS PGothic" panose="020B0600070205080204" pitchFamily="34" charset="-128"/>
+              </a:defRPr>
+            </a:lvl1pPr>
+            <a:lvl2pPr marL="742950" indent="-285750">
+              <a:spcBef>
+                <a:spcPct val="20000"/>
+              </a:spcBef>
+              <a:buClr>
+                <a:srgbClr val="C87EB2"/>
+              </a:buClr>
+              <a:buFont typeface="Wingdings" panose="05000000000000000000" pitchFamily="2" charset="2"/>
+              <a:buChar char="ü"/>
+              <a:defRPr sz="2800">
+                <a:solidFill>
+                  <a:schemeClr val="tx1"/>
+                </a:solidFill>
+                <a:latin typeface="Times" panose="02020603050405020304" pitchFamily="18" charset="0"/>
+                <a:ea typeface="MS PGothic" panose="020B0600070205080204" pitchFamily="34" charset="-128"/>
+              </a:defRPr>
+            </a:lvl2pPr>
+            <a:lvl3pPr marL="1143000" indent="-228600">
+              <a:spcBef>
+                <a:spcPct val="20000"/>
+              </a:spcBef>
+              <a:buClr>
+                <a:srgbClr val="E58A88"/>
+              </a:buClr>
+              <a:buFont typeface="Wingdings" panose="05000000000000000000" pitchFamily="2" charset="2"/>
+              <a:buChar char="v"/>
+              <a:defRPr sz="2400">
+                <a:solidFill>
+                  <a:schemeClr val="tx1"/>
+                </a:solidFill>
+                <a:latin typeface="Times" panose="02020603050405020304" pitchFamily="18" charset="0"/>
+                <a:ea typeface="MS PGothic" panose="020B0600070205080204" pitchFamily="34" charset="-128"/>
+              </a:defRPr>
+            </a:lvl3pPr>
+            <a:lvl4pPr marL="1600200" indent="-228600">
+              <a:spcBef>
+                <a:spcPct val="20000"/>
+              </a:spcBef>
+              <a:buClr>
+                <a:srgbClr val="E47D70"/>
+              </a:buClr>
+              <a:buFont typeface="Times" panose="02020603050405020304" pitchFamily="18" charset="0"/>
+              <a:buChar char="•"/>
+              <a:defRPr sz="2000">
+                <a:solidFill>
+                  <a:schemeClr val="tx1"/>
+                </a:solidFill>
+                <a:latin typeface="Times" panose="02020603050405020304" pitchFamily="18" charset="0"/>
+                <a:ea typeface="MS PGothic" panose="020B0600070205080204" pitchFamily="34" charset="-128"/>
+              </a:defRPr>
+            </a:lvl4pPr>
+            <a:lvl5pPr marL="2057400" indent="-228600">
+              <a:spcBef>
+                <a:spcPct val="20000"/>
+              </a:spcBef>
+              <a:buClr>
+                <a:srgbClr val="E68753"/>
+              </a:buClr>
+              <a:buFont typeface="Times" panose="02020603050405020304" pitchFamily="18" charset="0"/>
+              <a:buChar char="•"/>
+              <a:defRPr sz="2000">
+                <a:solidFill>
+                  <a:schemeClr val="tx1"/>
+                </a:solidFill>
+                <a:latin typeface="Times" panose="02020603050405020304" pitchFamily="18" charset="0"/>
+                <a:ea typeface="MS PGothic" panose="020B0600070205080204" pitchFamily="34" charset="-128"/>
+              </a:defRPr>
+            </a:lvl5pPr>
+            <a:lvl6pPr marL="2514600" indent="-228600" eaLnBrk="0" fontAlgn="base" hangingPunct="0">
+              <a:spcBef>
+                <a:spcPct val="20000"/>
+              </a:spcBef>
+              <a:spcAft>
+                <a:spcPct val="0"/>
+              </a:spcAft>
+              <a:buClr>
+                <a:srgbClr val="E68753"/>
+              </a:buClr>
+              <a:buFont typeface="Times" panose="02020603050405020304" pitchFamily="18" charset="0"/>
+              <a:buChar char="•"/>
+              <a:defRPr sz="2000">
+                <a:solidFill>
+                  <a:schemeClr val="tx1"/>
+                </a:solidFill>
+                <a:latin typeface="Times" panose="02020603050405020304" pitchFamily="18" charset="0"/>
+                <a:ea typeface="MS PGothic" panose="020B0600070205080204" pitchFamily="34" charset="-128"/>
+              </a:defRPr>
+            </a:lvl6pPr>
+            <a:lvl7pPr marL="2971800" indent="-228600" eaLnBrk="0" fontAlgn="base" hangingPunct="0">
+              <a:spcBef>
+                <a:spcPct val="20000"/>
+              </a:spcBef>
+              <a:spcAft>
+                <a:spcPct val="0"/>
+              </a:spcAft>
+              <a:buClr>
+                <a:srgbClr val="E68753"/>
+              </a:buClr>
+              <a:buFont typeface="Times" panose="02020603050405020304" pitchFamily="18" charset="0"/>
+              <a:buChar char="•"/>
+              <a:defRPr sz="2000">
+                <a:solidFill>
+                  <a:schemeClr val="tx1"/>
+                </a:solidFill>
+                <a:latin typeface="Times" panose="02020603050405020304" pitchFamily="18" charset="0"/>
+                <a:ea typeface="MS PGothic" panose="020B0600070205080204" pitchFamily="34" charset="-128"/>
+              </a:defRPr>
+            </a:lvl7pPr>
+            <a:lvl8pPr marL="3429000" indent="-228600" eaLnBrk="0" fontAlgn="base" hangingPunct="0">
+              <a:spcBef>
+                <a:spcPct val="20000"/>
+              </a:spcBef>
+              <a:spcAft>
+                <a:spcPct val="0"/>
+              </a:spcAft>
+              <a:buClr>
+                <a:srgbClr val="E68753"/>
+              </a:buClr>
+              <a:buFont typeface="Times" panose="02020603050405020304" pitchFamily="18" charset="0"/>
+              <a:buChar char="•"/>
+              <a:defRPr sz="2000">
+                <a:solidFill>
+                  <a:schemeClr val="tx1"/>
+                </a:solidFill>
+                <a:latin typeface="Times" panose="02020603050405020304" pitchFamily="18" charset="0"/>
+                <a:ea typeface="MS PGothic" panose="020B0600070205080204" pitchFamily="34" charset="-128"/>
+              </a:defRPr>
+            </a:lvl8pPr>
+            <a:lvl9pPr marL="3886200" indent="-228600" eaLnBrk="0" fontAlgn="base" hangingPunct="0">
+              <a:spcBef>
+                <a:spcPct val="20000"/>
+              </a:spcBef>
+              <a:spcAft>
+                <a:spcPct val="0"/>
+              </a:spcAft>
+              <a:buClr>
+                <a:srgbClr val="E68753"/>
+              </a:buClr>
+              <a:buFont typeface="Times" panose="02020603050405020304" pitchFamily="18" charset="0"/>
+              <a:buChar char="•"/>
+              <a:defRPr sz="2000">
+                <a:solidFill>
+                  <a:schemeClr val="tx1"/>
+                </a:solidFill>
+                <a:latin typeface="Times" panose="02020603050405020304" pitchFamily="18" charset="0"/>
+                <a:ea typeface="MS PGothic" panose="020B0600070205080204" pitchFamily="34" charset="-128"/>
+              </a:defRPr>
+            </a:lvl9pPr>
+          </a:lstStyle>
+          <a:p>
+            <a:pPr eaLnBrk="0" fontAlgn="base" hangingPunct="0">
+              <a:spcBef>
+                <a:spcPct val="0"/>
+              </a:spcBef>
+              <a:spcAft>
+                <a:spcPct val="0"/>
+              </a:spcAft>
+              <a:buClrTx/>
+              <a:buNone/>
+            </a:pPr>
+            <a:r>
+              <a:rPr lang="en-US" altLang="en-US" sz="1800" b="1" u="sng">
+                <a:solidFill>
+                  <a:srgbClr val="000000"/>
+                </a:solidFill>
+              </a:rPr>
+              <a:t>Class:			Function:			</a:t>
+            </a:r>
+          </a:p>
+          <a:p>
+            <a:pPr eaLnBrk="0" fontAlgn="base" hangingPunct="0">
+              <a:spcBef>
+                <a:spcPct val="0"/>
+              </a:spcBef>
+              <a:spcAft>
+                <a:spcPct val="0"/>
+              </a:spcAft>
+              <a:buClrTx/>
+              <a:buNone/>
+            </a:pPr>
+            <a:r>
+              <a:rPr lang="en-US" altLang="en-US" sz="1800">
+                <a:solidFill>
+                  <a:srgbClr val="000000"/>
+                </a:solidFill>
+              </a:rPr>
+              <a:t>Constant			T(n) = c			Slower Growth</a:t>
+            </a:r>
+          </a:p>
+          <a:p>
+            <a:pPr eaLnBrk="0" fontAlgn="base" hangingPunct="0">
+              <a:spcBef>
+                <a:spcPct val="0"/>
+              </a:spcBef>
+              <a:spcAft>
+                <a:spcPct val="0"/>
+              </a:spcAft>
+              <a:buClrTx/>
+              <a:buNone/>
+            </a:pPr>
+            <a:r>
+              <a:rPr lang="en-US" altLang="en-US" sz="1800">
+                <a:solidFill>
+                  <a:srgbClr val="000000"/>
+                </a:solidFill>
+              </a:rPr>
+              <a:t>Logarithmic		T(n) = a * lg n + …	</a:t>
+            </a:r>
+          </a:p>
+          <a:p>
+            <a:pPr eaLnBrk="0" fontAlgn="base" hangingPunct="0">
+              <a:spcBef>
+                <a:spcPct val="0"/>
+              </a:spcBef>
+              <a:spcAft>
+                <a:spcPct val="0"/>
+              </a:spcAft>
+              <a:buClrTx/>
+              <a:buNone/>
+            </a:pPr>
+            <a:r>
+              <a:rPr lang="en-US" altLang="en-US" sz="1800">
+                <a:solidFill>
+                  <a:srgbClr val="000000"/>
+                </a:solidFill>
+              </a:rPr>
+              <a:t>Linear			T(n) = a*n + …</a:t>
+            </a:r>
+          </a:p>
+          <a:p>
+            <a:pPr eaLnBrk="0" fontAlgn="base" hangingPunct="0">
+              <a:spcBef>
+                <a:spcPct val="0"/>
+              </a:spcBef>
+              <a:spcAft>
+                <a:spcPct val="0"/>
+              </a:spcAft>
+              <a:buClrTx/>
+              <a:buNone/>
+            </a:pPr>
+            <a:r>
+              <a:rPr lang="en-US" altLang="en-US" sz="1800">
+                <a:solidFill>
+                  <a:srgbClr val="000000"/>
+                </a:solidFill>
+              </a:rPr>
+              <a:t>Log-Linear		T(n) = a*n*lg n + … 			</a:t>
+            </a:r>
+          </a:p>
+          <a:p>
+            <a:pPr eaLnBrk="0" fontAlgn="base" hangingPunct="0">
+              <a:spcBef>
+                <a:spcPct val="0"/>
+              </a:spcBef>
+              <a:spcAft>
+                <a:spcPct val="0"/>
+              </a:spcAft>
+              <a:buClrTx/>
+              <a:buNone/>
+            </a:pPr>
+            <a:r>
+              <a:rPr lang="en-US" altLang="en-US" sz="1800">
+                <a:solidFill>
+                  <a:srgbClr val="000000"/>
+                </a:solidFill>
+              </a:rPr>
+              <a:t>Polynomial		T(n) = a*n</a:t>
+            </a:r>
+            <a:r>
+              <a:rPr lang="en-US" altLang="en-US" sz="1800" baseline="30000">
+                <a:solidFill>
+                  <a:srgbClr val="000000"/>
+                </a:solidFill>
+              </a:rPr>
+              <a:t>2</a:t>
+            </a:r>
+            <a:r>
+              <a:rPr lang="en-US" altLang="en-US" sz="1800">
+                <a:solidFill>
+                  <a:srgbClr val="000000"/>
+                </a:solidFill>
+              </a:rPr>
+              <a:t> + … 	</a:t>
+            </a:r>
+          </a:p>
+          <a:p>
+            <a:pPr eaLnBrk="0" fontAlgn="base" hangingPunct="0">
+              <a:spcBef>
+                <a:spcPct val="0"/>
+              </a:spcBef>
+              <a:spcAft>
+                <a:spcPct val="0"/>
+              </a:spcAft>
+              <a:buClrTx/>
+              <a:buNone/>
+            </a:pPr>
+            <a:r>
+              <a:rPr lang="en-US" altLang="en-US" sz="1800">
+                <a:solidFill>
+                  <a:srgbClr val="000000"/>
+                </a:solidFill>
+              </a:rPr>
+              <a:t>			T(n) = a*n</a:t>
+            </a:r>
+            <a:r>
+              <a:rPr lang="en-US" altLang="en-US" sz="1800" baseline="30000">
+                <a:solidFill>
+                  <a:srgbClr val="000000"/>
+                </a:solidFill>
+              </a:rPr>
+              <a:t>3</a:t>
+            </a:r>
+            <a:r>
+              <a:rPr lang="en-US" altLang="en-US" sz="1800">
+                <a:solidFill>
+                  <a:srgbClr val="000000"/>
+                </a:solidFill>
+              </a:rPr>
+              <a:t> + … </a:t>
+            </a:r>
+          </a:p>
+          <a:p>
+            <a:pPr eaLnBrk="0" fontAlgn="base" hangingPunct="0">
+              <a:spcBef>
+                <a:spcPct val="0"/>
+              </a:spcBef>
+              <a:spcAft>
+                <a:spcPct val="0"/>
+              </a:spcAft>
+              <a:buClrTx/>
+              <a:buNone/>
+            </a:pPr>
+            <a:r>
+              <a:rPr lang="en-US" altLang="en-US" sz="1800">
+                <a:solidFill>
+                  <a:srgbClr val="000000"/>
+                </a:solidFill>
+              </a:rPr>
+              <a:t>			Etc.</a:t>
+            </a:r>
+          </a:p>
+          <a:p>
+            <a:pPr eaLnBrk="0" fontAlgn="base" hangingPunct="0">
+              <a:spcBef>
+                <a:spcPct val="0"/>
+              </a:spcBef>
+              <a:spcAft>
+                <a:spcPct val="0"/>
+              </a:spcAft>
+              <a:buClrTx/>
+              <a:buNone/>
+            </a:pPr>
+            <a:endParaRPr lang="en-US" altLang="en-US" sz="1800">
+              <a:solidFill>
+                <a:srgbClr val="000000"/>
+              </a:solidFill>
+            </a:endParaRPr>
+          </a:p>
+          <a:p>
+            <a:pPr eaLnBrk="0" fontAlgn="base" hangingPunct="0">
+              <a:spcBef>
+                <a:spcPct val="0"/>
+              </a:spcBef>
+              <a:spcAft>
+                <a:spcPct val="0"/>
+              </a:spcAft>
+              <a:buClrTx/>
+              <a:buNone/>
+            </a:pPr>
+            <a:r>
+              <a:rPr lang="en-US" altLang="en-US" sz="1800">
+                <a:solidFill>
+                  <a:srgbClr val="000000"/>
+                </a:solidFill>
+              </a:rPr>
+              <a:t>Exponential		T(n) = a*2</a:t>
+            </a:r>
+            <a:r>
+              <a:rPr lang="en-US" altLang="en-US" sz="1800" baseline="30000">
+                <a:solidFill>
+                  <a:srgbClr val="000000"/>
+                </a:solidFill>
+              </a:rPr>
+              <a:t>n</a:t>
+            </a:r>
+            <a:r>
+              <a:rPr lang="en-US" altLang="en-US" sz="1800">
+                <a:solidFill>
+                  <a:srgbClr val="000000"/>
+                </a:solidFill>
+              </a:rPr>
+              <a:t> + … </a:t>
+            </a:r>
+          </a:p>
+          <a:p>
+            <a:pPr eaLnBrk="0" fontAlgn="base" hangingPunct="0">
+              <a:spcBef>
+                <a:spcPct val="0"/>
+              </a:spcBef>
+              <a:spcAft>
+                <a:spcPct val="0"/>
+              </a:spcAft>
+              <a:buClrTx/>
+              <a:buNone/>
+            </a:pPr>
+            <a:r>
+              <a:rPr lang="en-US" altLang="en-US" sz="1800">
+                <a:solidFill>
+                  <a:srgbClr val="000000"/>
+                </a:solidFill>
+              </a:rPr>
+              <a:t>			T(n) = a*3</a:t>
+            </a:r>
+            <a:r>
+              <a:rPr lang="en-US" altLang="en-US" sz="1800" baseline="30000">
+                <a:solidFill>
+                  <a:srgbClr val="000000"/>
+                </a:solidFill>
+              </a:rPr>
+              <a:t>n</a:t>
+            </a:r>
+            <a:r>
+              <a:rPr lang="en-US" altLang="en-US" sz="1800">
+                <a:solidFill>
+                  <a:srgbClr val="000000"/>
+                </a:solidFill>
+              </a:rPr>
+              <a:t> + … </a:t>
+            </a:r>
+          </a:p>
+          <a:p>
+            <a:pPr eaLnBrk="0" fontAlgn="base" hangingPunct="0">
+              <a:spcBef>
+                <a:spcPct val="0"/>
+              </a:spcBef>
+              <a:spcAft>
+                <a:spcPct val="0"/>
+              </a:spcAft>
+              <a:buClrTx/>
+              <a:buNone/>
+            </a:pPr>
+            <a:r>
+              <a:rPr lang="en-US" altLang="en-US" sz="1800">
+                <a:solidFill>
+                  <a:srgbClr val="000000"/>
+                </a:solidFill>
+              </a:rPr>
+              <a:t>			Etc.</a:t>
+            </a:r>
+          </a:p>
+          <a:p>
+            <a:pPr eaLnBrk="0" fontAlgn="base" hangingPunct="0">
+              <a:spcBef>
+                <a:spcPct val="0"/>
+              </a:spcBef>
+              <a:spcAft>
+                <a:spcPct val="0"/>
+              </a:spcAft>
+              <a:buClrTx/>
+              <a:buNone/>
+            </a:pPr>
+            <a:r>
+              <a:rPr lang="en-US" altLang="en-US" sz="1800">
+                <a:solidFill>
+                  <a:srgbClr val="000000"/>
+                </a:solidFill>
+              </a:rPr>
+              <a:t>Factorial 			T(n) = a*n! + ... 		Faster Growth</a:t>
+            </a:r>
+          </a:p>
+          <a:p>
+            <a:pPr eaLnBrk="0" fontAlgn="base" hangingPunct="0">
+              <a:spcBef>
+                <a:spcPct val="0"/>
+              </a:spcBef>
+              <a:spcAft>
+                <a:spcPct val="0"/>
+              </a:spcAft>
+              <a:buClrTx/>
+              <a:buNone/>
+            </a:pPr>
+            <a:endParaRPr lang="en-US" altLang="en-US" sz="1800">
+              <a:solidFill>
+                <a:srgbClr val="000000"/>
+              </a:solidFill>
+            </a:endParaRPr>
+          </a:p>
+          <a:p>
+            <a:pPr eaLnBrk="0" fontAlgn="base" hangingPunct="0">
+              <a:spcBef>
+                <a:spcPct val="0"/>
+              </a:spcBef>
+              <a:spcAft>
+                <a:spcPct val="0"/>
+              </a:spcAft>
+              <a:buClrTx/>
+              <a:buNone/>
+            </a:pPr>
+            <a:r>
+              <a:rPr lang="en-US" altLang="en-US" sz="1800">
+                <a:solidFill>
+                  <a:srgbClr val="000000"/>
+                </a:solidFill>
+              </a:rPr>
+              <a:t>NOTES:	lg n = log2n</a:t>
+            </a:r>
+          </a:p>
+          <a:p>
+            <a:pPr eaLnBrk="0" fontAlgn="base" hangingPunct="0">
+              <a:spcBef>
+                <a:spcPct val="0"/>
+              </a:spcBef>
+              <a:spcAft>
+                <a:spcPct val="0"/>
+              </a:spcAft>
+              <a:buClrTx/>
+              <a:buNone/>
+            </a:pPr>
+            <a:r>
+              <a:rPr lang="en-US" altLang="en-US" sz="1800">
+                <a:solidFill>
+                  <a:srgbClr val="000000"/>
+                </a:solidFill>
+              </a:rPr>
+              <a:t>	… = any function that grows more slowly</a:t>
+            </a:r>
+          </a:p>
+          <a:p>
+            <a:pPr eaLnBrk="0" fontAlgn="base" hangingPunct="0">
+              <a:spcBef>
+                <a:spcPct val="0"/>
+              </a:spcBef>
+              <a:spcAft>
+                <a:spcPct val="0"/>
+              </a:spcAft>
+              <a:buClrTx/>
+              <a:buNone/>
+            </a:pPr>
+            <a:r>
+              <a:rPr lang="en-US" altLang="en-US" sz="1800">
+                <a:solidFill>
+                  <a:srgbClr val="000000"/>
+                </a:solidFill>
+              </a:rPr>
+              <a:t>		e.g. T(n) = a</a:t>
+            </a:r>
+            <a:r>
+              <a:rPr lang="en-US" altLang="en-US" sz="1800" baseline="-25000">
+                <a:solidFill>
+                  <a:srgbClr val="000000"/>
+                </a:solidFill>
+              </a:rPr>
+              <a:t>1</a:t>
+            </a:r>
+            <a:r>
+              <a:rPr lang="en-US" altLang="en-US" sz="1800">
+                <a:solidFill>
+                  <a:srgbClr val="000000"/>
+                </a:solidFill>
+              </a:rPr>
+              <a:t>*n</a:t>
+            </a:r>
+            <a:r>
+              <a:rPr lang="en-US" altLang="en-US" sz="1800" baseline="30000">
+                <a:solidFill>
+                  <a:srgbClr val="000000"/>
+                </a:solidFill>
+              </a:rPr>
+              <a:t>2</a:t>
+            </a:r>
+            <a:r>
+              <a:rPr lang="en-US" altLang="en-US" sz="1800">
+                <a:solidFill>
+                  <a:srgbClr val="000000"/>
+                </a:solidFill>
+              </a:rPr>
+              <a:t> + a</a:t>
+            </a:r>
+            <a:r>
+              <a:rPr lang="en-US" altLang="en-US" sz="1800" baseline="-25000">
+                <a:solidFill>
+                  <a:srgbClr val="000000"/>
+                </a:solidFill>
+              </a:rPr>
+              <a:t>2</a:t>
+            </a:r>
+            <a:r>
+              <a:rPr lang="en-US" altLang="en-US" sz="1800">
+                <a:solidFill>
+                  <a:srgbClr val="000000"/>
+                </a:solidFill>
+              </a:rPr>
+              <a:t>*n*lg n + a</a:t>
+            </a:r>
+            <a:r>
+              <a:rPr lang="en-US" altLang="en-US" sz="1800" baseline="-25000">
+                <a:solidFill>
+                  <a:srgbClr val="000000"/>
+                </a:solidFill>
+              </a:rPr>
+              <a:t>3</a:t>
+            </a:r>
+            <a:r>
+              <a:rPr lang="en-US" altLang="en-US" sz="1800">
+                <a:solidFill>
+                  <a:srgbClr val="000000"/>
+                </a:solidFill>
+              </a:rPr>
+              <a:t>*n + a</a:t>
+            </a:r>
+            <a:r>
+              <a:rPr lang="en-US" altLang="en-US" sz="1800" baseline="-25000">
+                <a:solidFill>
+                  <a:srgbClr val="000000"/>
+                </a:solidFill>
+              </a:rPr>
+              <a:t>4</a:t>
+            </a:r>
+            <a:r>
+              <a:rPr lang="en-US" altLang="en-US" sz="1800">
+                <a:solidFill>
+                  <a:srgbClr val="000000"/>
+                </a:solidFill>
+              </a:rPr>
+              <a:t>*lg n + c</a:t>
+            </a:r>
+          </a:p>
+          <a:p>
+            <a:pPr eaLnBrk="0" fontAlgn="base" hangingPunct="0">
+              <a:spcBef>
+                <a:spcPct val="0"/>
+              </a:spcBef>
+              <a:spcAft>
+                <a:spcPct val="0"/>
+              </a:spcAft>
+              <a:buClrTx/>
+              <a:buNone/>
+            </a:pPr>
+            <a:endParaRPr lang="en-US" altLang="en-US" sz="1800">
+              <a:solidFill>
+                <a:srgbClr val="000000"/>
+              </a:solidFill>
+            </a:endParaRPr>
+          </a:p>
+        </p:txBody>
+      </p:sp>
+      <p:sp>
+        <p:nvSpPr>
+          <p:cNvPr id="7" name="Left Brace 6">
+            <a:extLst>
+              <a:ext uri="{FF2B5EF4-FFF2-40B4-BE49-F238E27FC236}">
+                <a16:creationId xmlns:a16="http://schemas.microsoft.com/office/drawing/2014/main" id="{F55747ED-7A05-4567-9C24-07FA4DEE68ED}"/>
+              </a:ext>
+            </a:extLst>
+          </p:cNvPr>
+          <p:cNvSpPr>
+            <a:spLocks/>
+          </p:cNvSpPr>
+          <p:nvPr/>
+        </p:nvSpPr>
+        <p:spPr bwMode="auto">
+          <a:xfrm>
+            <a:off x="3352800" y="1600200"/>
+            <a:ext cx="228600" cy="1066800"/>
+          </a:xfrm>
+          <a:prstGeom prst="leftBrace">
+            <a:avLst>
+              <a:gd name="adj1" fmla="val 8340"/>
+              <a:gd name="adj2" fmla="val 50000"/>
+            </a:avLst>
+          </a:prstGeom>
+          <a:noFill/>
+          <a:ln w="9525">
+            <a:solidFill>
+              <a:schemeClr val="tx1"/>
+            </a:solidFill>
+            <a:round/>
+            <a:headEnd/>
+            <a:tailEnd/>
+          </a:ln>
+          <a:extLst>
+            <a:ext uri="{909E8E84-426E-40DD-AFC4-6F175D3DCCD1}">
+              <a14:hiddenFill xmlns:a14="http://schemas.microsoft.com/office/drawing/2010/main">
+                <a:solidFill>
+                  <a:srgbClr val="FFFFFF"/>
+                </a:solidFill>
+              </a14:hiddenFill>
+            </a:ext>
+          </a:extLst>
+        </p:spPr>
+        <p:txBody>
+          <a:bodyPr wrap="none" anchor="ctr"/>
+          <a:lstStyle>
+            <a:lvl1pPr>
+              <a:spcBef>
+                <a:spcPct val="20000"/>
+              </a:spcBef>
+              <a:buClr>
+                <a:srgbClr val="8960B1"/>
+              </a:buClr>
+              <a:buFont typeface="Wingdings" panose="05000000000000000000" pitchFamily="2" charset="2"/>
+              <a:buChar char="Ø"/>
+              <a:defRPr sz="3200">
+                <a:solidFill>
+                  <a:schemeClr val="tx1"/>
+                </a:solidFill>
+                <a:latin typeface="Times" panose="02020603050405020304" pitchFamily="18" charset="0"/>
+                <a:ea typeface="MS PGothic" panose="020B0600070205080204" pitchFamily="34" charset="-128"/>
+              </a:defRPr>
+            </a:lvl1pPr>
+            <a:lvl2pPr marL="742950" indent="-285750">
+              <a:spcBef>
+                <a:spcPct val="20000"/>
+              </a:spcBef>
+              <a:buClr>
+                <a:srgbClr val="C87EB2"/>
+              </a:buClr>
+              <a:buFont typeface="Wingdings" panose="05000000000000000000" pitchFamily="2" charset="2"/>
+              <a:buChar char="ü"/>
+              <a:defRPr sz="2800">
+                <a:solidFill>
+                  <a:schemeClr val="tx1"/>
+                </a:solidFill>
+                <a:latin typeface="Times" panose="02020603050405020304" pitchFamily="18" charset="0"/>
+                <a:ea typeface="MS PGothic" panose="020B0600070205080204" pitchFamily="34" charset="-128"/>
+              </a:defRPr>
+            </a:lvl2pPr>
+            <a:lvl3pPr marL="1143000" indent="-228600">
+              <a:spcBef>
+                <a:spcPct val="20000"/>
+              </a:spcBef>
+              <a:buClr>
+                <a:srgbClr val="E58A88"/>
+              </a:buClr>
+              <a:buFont typeface="Wingdings" panose="05000000000000000000" pitchFamily="2" charset="2"/>
+              <a:buChar char="v"/>
+              <a:defRPr sz="2400">
+                <a:solidFill>
+                  <a:schemeClr val="tx1"/>
+                </a:solidFill>
+                <a:latin typeface="Times" panose="02020603050405020304" pitchFamily="18" charset="0"/>
+                <a:ea typeface="MS PGothic" panose="020B0600070205080204" pitchFamily="34" charset="-128"/>
+              </a:defRPr>
+            </a:lvl3pPr>
+            <a:lvl4pPr marL="1600200" indent="-228600">
+              <a:spcBef>
+                <a:spcPct val="20000"/>
+              </a:spcBef>
+              <a:buClr>
+                <a:srgbClr val="E47D70"/>
+              </a:buClr>
+              <a:buFont typeface="Times" panose="02020603050405020304" pitchFamily="18" charset="0"/>
+              <a:buChar char="•"/>
+              <a:defRPr sz="2000">
+                <a:solidFill>
+                  <a:schemeClr val="tx1"/>
+                </a:solidFill>
+                <a:latin typeface="Times" panose="02020603050405020304" pitchFamily="18" charset="0"/>
+                <a:ea typeface="MS PGothic" panose="020B0600070205080204" pitchFamily="34" charset="-128"/>
+              </a:defRPr>
+            </a:lvl4pPr>
+            <a:lvl5pPr marL="2057400" indent="-228600">
+              <a:spcBef>
+                <a:spcPct val="20000"/>
+              </a:spcBef>
+              <a:buClr>
+                <a:srgbClr val="E68753"/>
+              </a:buClr>
+              <a:buFont typeface="Times" panose="02020603050405020304" pitchFamily="18" charset="0"/>
+              <a:buChar char="•"/>
+              <a:defRPr sz="2000">
+                <a:solidFill>
+                  <a:schemeClr val="tx1"/>
+                </a:solidFill>
+                <a:latin typeface="Times" panose="02020603050405020304" pitchFamily="18" charset="0"/>
+                <a:ea typeface="MS PGothic" panose="020B0600070205080204" pitchFamily="34" charset="-128"/>
+              </a:defRPr>
+            </a:lvl5pPr>
+            <a:lvl6pPr marL="2514600" indent="-228600" eaLnBrk="0" fontAlgn="base" hangingPunct="0">
+              <a:spcBef>
+                <a:spcPct val="20000"/>
+              </a:spcBef>
+              <a:spcAft>
+                <a:spcPct val="0"/>
+              </a:spcAft>
+              <a:buClr>
+                <a:srgbClr val="E68753"/>
+              </a:buClr>
+              <a:buFont typeface="Times" panose="02020603050405020304" pitchFamily="18" charset="0"/>
+              <a:buChar char="•"/>
+              <a:defRPr sz="2000">
+                <a:solidFill>
+                  <a:schemeClr val="tx1"/>
+                </a:solidFill>
+                <a:latin typeface="Times" panose="02020603050405020304" pitchFamily="18" charset="0"/>
+                <a:ea typeface="MS PGothic" panose="020B0600070205080204" pitchFamily="34" charset="-128"/>
+              </a:defRPr>
+            </a:lvl6pPr>
+            <a:lvl7pPr marL="2971800" indent="-228600" eaLnBrk="0" fontAlgn="base" hangingPunct="0">
+              <a:spcBef>
+                <a:spcPct val="20000"/>
+              </a:spcBef>
+              <a:spcAft>
+                <a:spcPct val="0"/>
+              </a:spcAft>
+              <a:buClr>
+                <a:srgbClr val="E68753"/>
+              </a:buClr>
+              <a:buFont typeface="Times" panose="02020603050405020304" pitchFamily="18" charset="0"/>
+              <a:buChar char="•"/>
+              <a:defRPr sz="2000">
+                <a:solidFill>
+                  <a:schemeClr val="tx1"/>
+                </a:solidFill>
+                <a:latin typeface="Times" panose="02020603050405020304" pitchFamily="18" charset="0"/>
+                <a:ea typeface="MS PGothic" panose="020B0600070205080204" pitchFamily="34" charset="-128"/>
+              </a:defRPr>
+            </a:lvl7pPr>
+            <a:lvl8pPr marL="3429000" indent="-228600" eaLnBrk="0" fontAlgn="base" hangingPunct="0">
+              <a:spcBef>
+                <a:spcPct val="20000"/>
+              </a:spcBef>
+              <a:spcAft>
+                <a:spcPct val="0"/>
+              </a:spcAft>
+              <a:buClr>
+                <a:srgbClr val="E68753"/>
+              </a:buClr>
+              <a:buFont typeface="Times" panose="02020603050405020304" pitchFamily="18" charset="0"/>
+              <a:buChar char="•"/>
+              <a:defRPr sz="2000">
+                <a:solidFill>
+                  <a:schemeClr val="tx1"/>
+                </a:solidFill>
+                <a:latin typeface="Times" panose="02020603050405020304" pitchFamily="18" charset="0"/>
+                <a:ea typeface="MS PGothic" panose="020B0600070205080204" pitchFamily="34" charset="-128"/>
+              </a:defRPr>
+            </a:lvl8pPr>
+            <a:lvl9pPr marL="3886200" indent="-228600" eaLnBrk="0" fontAlgn="base" hangingPunct="0">
+              <a:spcBef>
+                <a:spcPct val="20000"/>
+              </a:spcBef>
+              <a:spcAft>
+                <a:spcPct val="0"/>
+              </a:spcAft>
+              <a:buClr>
+                <a:srgbClr val="E68753"/>
+              </a:buClr>
+              <a:buFont typeface="Times" panose="02020603050405020304" pitchFamily="18" charset="0"/>
+              <a:buChar char="•"/>
+              <a:defRPr sz="2000">
+                <a:solidFill>
+                  <a:schemeClr val="tx1"/>
+                </a:solidFill>
+                <a:latin typeface="Times" panose="02020603050405020304" pitchFamily="18" charset="0"/>
+                <a:ea typeface="MS PGothic" panose="020B0600070205080204" pitchFamily="34" charset="-128"/>
+              </a:defRPr>
+            </a:lvl9pPr>
+          </a:lstStyle>
+          <a:p>
+            <a:pPr algn="ctr" eaLnBrk="0" fontAlgn="base" hangingPunct="0">
+              <a:spcBef>
+                <a:spcPct val="0"/>
+              </a:spcBef>
+              <a:spcAft>
+                <a:spcPct val="0"/>
+              </a:spcAft>
+              <a:buClrTx/>
+              <a:buNone/>
+            </a:pPr>
+            <a:endParaRPr lang="en-US" altLang="en-US" sz="2400">
+              <a:solidFill>
+                <a:srgbClr val="000000"/>
+              </a:solidFill>
+            </a:endParaRPr>
+          </a:p>
+        </p:txBody>
+      </p:sp>
+      <p:sp>
+        <p:nvSpPr>
+          <p:cNvPr id="9" name="Left Brace 8">
+            <a:extLst>
+              <a:ext uri="{FF2B5EF4-FFF2-40B4-BE49-F238E27FC236}">
+                <a16:creationId xmlns:a16="http://schemas.microsoft.com/office/drawing/2014/main" id="{C126146D-5693-4AA8-B9B0-07F693D3AF26}"/>
+              </a:ext>
+            </a:extLst>
+          </p:cNvPr>
+          <p:cNvSpPr>
+            <a:spLocks/>
+          </p:cNvSpPr>
+          <p:nvPr/>
+        </p:nvSpPr>
+        <p:spPr bwMode="auto">
+          <a:xfrm>
+            <a:off x="3352800" y="4038600"/>
+            <a:ext cx="228600" cy="1143000"/>
+          </a:xfrm>
+          <a:prstGeom prst="leftBrace">
+            <a:avLst>
+              <a:gd name="adj1" fmla="val 8333"/>
+              <a:gd name="adj2" fmla="val 50000"/>
+            </a:avLst>
+          </a:prstGeom>
+          <a:noFill/>
+          <a:ln w="9525">
+            <a:solidFill>
+              <a:schemeClr val="tx1"/>
+            </a:solidFill>
+            <a:round/>
+            <a:headEnd/>
+            <a:tailEnd/>
+          </a:ln>
+          <a:extLst>
+            <a:ext uri="{909E8E84-426E-40DD-AFC4-6F175D3DCCD1}">
+              <a14:hiddenFill xmlns:a14="http://schemas.microsoft.com/office/drawing/2010/main">
+                <a:solidFill>
+                  <a:srgbClr val="FFFFFF"/>
+                </a:solidFill>
+              </a14:hiddenFill>
+            </a:ext>
+          </a:extLst>
+        </p:spPr>
+        <p:txBody>
+          <a:bodyPr wrap="none" anchor="ctr"/>
+          <a:lstStyle>
+            <a:lvl1pPr>
+              <a:spcBef>
+                <a:spcPct val="20000"/>
+              </a:spcBef>
+              <a:buClr>
+                <a:srgbClr val="8960B1"/>
+              </a:buClr>
+              <a:buFont typeface="Wingdings" panose="05000000000000000000" pitchFamily="2" charset="2"/>
+              <a:buChar char="Ø"/>
+              <a:defRPr sz="3200">
+                <a:solidFill>
+                  <a:schemeClr val="tx1"/>
+                </a:solidFill>
+                <a:latin typeface="Times" panose="02020603050405020304" pitchFamily="18" charset="0"/>
+                <a:ea typeface="MS PGothic" panose="020B0600070205080204" pitchFamily="34" charset="-128"/>
+              </a:defRPr>
+            </a:lvl1pPr>
+            <a:lvl2pPr marL="742950" indent="-285750">
+              <a:spcBef>
+                <a:spcPct val="20000"/>
+              </a:spcBef>
+              <a:buClr>
+                <a:srgbClr val="C87EB2"/>
+              </a:buClr>
+              <a:buFont typeface="Wingdings" panose="05000000000000000000" pitchFamily="2" charset="2"/>
+              <a:buChar char="ü"/>
+              <a:defRPr sz="2800">
+                <a:solidFill>
+                  <a:schemeClr val="tx1"/>
+                </a:solidFill>
+                <a:latin typeface="Times" panose="02020603050405020304" pitchFamily="18" charset="0"/>
+                <a:ea typeface="MS PGothic" panose="020B0600070205080204" pitchFamily="34" charset="-128"/>
+              </a:defRPr>
+            </a:lvl2pPr>
+            <a:lvl3pPr marL="1143000" indent="-228600">
+              <a:spcBef>
+                <a:spcPct val="20000"/>
+              </a:spcBef>
+              <a:buClr>
+                <a:srgbClr val="E58A88"/>
+              </a:buClr>
+              <a:buFont typeface="Wingdings" panose="05000000000000000000" pitchFamily="2" charset="2"/>
+              <a:buChar char="v"/>
+              <a:defRPr sz="2400">
+                <a:solidFill>
+                  <a:schemeClr val="tx1"/>
+                </a:solidFill>
+                <a:latin typeface="Times" panose="02020603050405020304" pitchFamily="18" charset="0"/>
+                <a:ea typeface="MS PGothic" panose="020B0600070205080204" pitchFamily="34" charset="-128"/>
+              </a:defRPr>
+            </a:lvl3pPr>
+            <a:lvl4pPr marL="1600200" indent="-228600">
+              <a:spcBef>
+                <a:spcPct val="20000"/>
+              </a:spcBef>
+              <a:buClr>
+                <a:srgbClr val="E47D70"/>
+              </a:buClr>
+              <a:buFont typeface="Times" panose="02020603050405020304" pitchFamily="18" charset="0"/>
+              <a:buChar char="•"/>
+              <a:defRPr sz="2000">
+                <a:solidFill>
+                  <a:schemeClr val="tx1"/>
+                </a:solidFill>
+                <a:latin typeface="Times" panose="02020603050405020304" pitchFamily="18" charset="0"/>
+                <a:ea typeface="MS PGothic" panose="020B0600070205080204" pitchFamily="34" charset="-128"/>
+              </a:defRPr>
+            </a:lvl4pPr>
+            <a:lvl5pPr marL="2057400" indent="-228600">
+              <a:spcBef>
+                <a:spcPct val="20000"/>
+              </a:spcBef>
+              <a:buClr>
+                <a:srgbClr val="E68753"/>
+              </a:buClr>
+              <a:buFont typeface="Times" panose="02020603050405020304" pitchFamily="18" charset="0"/>
+              <a:buChar char="•"/>
+              <a:defRPr sz="2000">
+                <a:solidFill>
+                  <a:schemeClr val="tx1"/>
+                </a:solidFill>
+                <a:latin typeface="Times" panose="02020603050405020304" pitchFamily="18" charset="0"/>
+                <a:ea typeface="MS PGothic" panose="020B0600070205080204" pitchFamily="34" charset="-128"/>
+              </a:defRPr>
+            </a:lvl5pPr>
+            <a:lvl6pPr marL="2514600" indent="-228600" eaLnBrk="0" fontAlgn="base" hangingPunct="0">
+              <a:spcBef>
+                <a:spcPct val="20000"/>
+              </a:spcBef>
+              <a:spcAft>
+                <a:spcPct val="0"/>
+              </a:spcAft>
+              <a:buClr>
+                <a:srgbClr val="E68753"/>
+              </a:buClr>
+              <a:buFont typeface="Times" panose="02020603050405020304" pitchFamily="18" charset="0"/>
+              <a:buChar char="•"/>
+              <a:defRPr sz="2000">
+                <a:solidFill>
+                  <a:schemeClr val="tx1"/>
+                </a:solidFill>
+                <a:latin typeface="Times" panose="02020603050405020304" pitchFamily="18" charset="0"/>
+                <a:ea typeface="MS PGothic" panose="020B0600070205080204" pitchFamily="34" charset="-128"/>
+              </a:defRPr>
+            </a:lvl6pPr>
+            <a:lvl7pPr marL="2971800" indent="-228600" eaLnBrk="0" fontAlgn="base" hangingPunct="0">
+              <a:spcBef>
+                <a:spcPct val="20000"/>
+              </a:spcBef>
+              <a:spcAft>
+                <a:spcPct val="0"/>
+              </a:spcAft>
+              <a:buClr>
+                <a:srgbClr val="E68753"/>
+              </a:buClr>
+              <a:buFont typeface="Times" panose="02020603050405020304" pitchFamily="18" charset="0"/>
+              <a:buChar char="•"/>
+              <a:defRPr sz="2000">
+                <a:solidFill>
+                  <a:schemeClr val="tx1"/>
+                </a:solidFill>
+                <a:latin typeface="Times" panose="02020603050405020304" pitchFamily="18" charset="0"/>
+                <a:ea typeface="MS PGothic" panose="020B0600070205080204" pitchFamily="34" charset="-128"/>
+              </a:defRPr>
+            </a:lvl7pPr>
+            <a:lvl8pPr marL="3429000" indent="-228600" eaLnBrk="0" fontAlgn="base" hangingPunct="0">
+              <a:spcBef>
+                <a:spcPct val="20000"/>
+              </a:spcBef>
+              <a:spcAft>
+                <a:spcPct val="0"/>
+              </a:spcAft>
+              <a:buClr>
+                <a:srgbClr val="E68753"/>
+              </a:buClr>
+              <a:buFont typeface="Times" panose="02020603050405020304" pitchFamily="18" charset="0"/>
+              <a:buChar char="•"/>
+              <a:defRPr sz="2000">
+                <a:solidFill>
+                  <a:schemeClr val="tx1"/>
+                </a:solidFill>
+                <a:latin typeface="Times" panose="02020603050405020304" pitchFamily="18" charset="0"/>
+                <a:ea typeface="MS PGothic" panose="020B0600070205080204" pitchFamily="34" charset="-128"/>
+              </a:defRPr>
+            </a:lvl8pPr>
+            <a:lvl9pPr marL="3886200" indent="-228600" eaLnBrk="0" fontAlgn="base" hangingPunct="0">
+              <a:spcBef>
+                <a:spcPct val="20000"/>
+              </a:spcBef>
+              <a:spcAft>
+                <a:spcPct val="0"/>
+              </a:spcAft>
+              <a:buClr>
+                <a:srgbClr val="E68753"/>
+              </a:buClr>
+              <a:buFont typeface="Times" panose="02020603050405020304" pitchFamily="18" charset="0"/>
+              <a:buChar char="•"/>
+              <a:defRPr sz="2000">
+                <a:solidFill>
+                  <a:schemeClr val="tx1"/>
+                </a:solidFill>
+                <a:latin typeface="Times" panose="02020603050405020304" pitchFamily="18" charset="0"/>
+                <a:ea typeface="MS PGothic" panose="020B0600070205080204" pitchFamily="34" charset="-128"/>
+              </a:defRPr>
+            </a:lvl9pPr>
+          </a:lstStyle>
+          <a:p>
+            <a:pPr algn="ctr" eaLnBrk="0" fontAlgn="base" hangingPunct="0">
+              <a:spcBef>
+                <a:spcPct val="0"/>
+              </a:spcBef>
+              <a:spcAft>
+                <a:spcPct val="0"/>
+              </a:spcAft>
+              <a:buClrTx/>
+              <a:buNone/>
+            </a:pPr>
+            <a:endParaRPr lang="en-US" altLang="en-US" sz="2400">
+              <a:solidFill>
+                <a:srgbClr val="000000"/>
+              </a:solidFill>
+            </a:endParaRPr>
+          </a:p>
+        </p:txBody>
+      </p:sp>
+      <p:sp>
+        <p:nvSpPr>
+          <p:cNvPr id="10" name="TextBox 9">
+            <a:extLst>
+              <a:ext uri="{FF2B5EF4-FFF2-40B4-BE49-F238E27FC236}">
+                <a16:creationId xmlns:a16="http://schemas.microsoft.com/office/drawing/2014/main" id="{456978FA-B614-4051-82F7-7FB096D211F3}"/>
+              </a:ext>
+            </a:extLst>
+          </p:cNvPr>
+          <p:cNvSpPr txBox="1">
+            <a:spLocks noChangeArrowheads="1"/>
+          </p:cNvSpPr>
+          <p:nvPr/>
+        </p:nvSpPr>
+        <p:spPr bwMode="auto">
+          <a:xfrm rot="16200000">
+            <a:off x="2420938" y="1841501"/>
+            <a:ext cx="1249363" cy="461962"/>
+          </a:xfrm>
+          <a:prstGeom prst="rect">
+            <a:avLst/>
+          </a:prstGeom>
+          <a:noFill/>
+          <a:ln>
+            <a:noFill/>
+          </a:ln>
+          <a:extLst>
+            <a:ext uri="{909E8E84-426E-40DD-AFC4-6F175D3DCCD1}">
+              <a14:hiddenFill xmlns:a14="http://schemas.microsoft.com/office/drawing/2010/main">
+                <a:solidFill>
+                  <a:srgbClr val="FFFFFF"/>
+                </a:solidFill>
+              </a14:hiddenFill>
+            </a:ext>
+            <a:ext uri="{91240B29-F687-4F45-9708-019B960494DF}">
+              <a14:hiddenLine xmlns:a14="http://schemas.microsoft.com/office/drawing/2010/main" w="9525">
+                <a:solidFill>
+                  <a:srgbClr val="000000"/>
+                </a:solidFill>
+                <a:miter lim="800000"/>
+                <a:headEnd/>
+                <a:tailEnd/>
+              </a14:hiddenLine>
+            </a:ext>
+          </a:extLst>
+        </p:spPr>
+        <p:txBody>
+          <a:bodyPr wrap="none">
+            <a:spAutoFit/>
+          </a:bodyPr>
+          <a:lstStyle>
+            <a:lvl1pPr>
+              <a:spcBef>
+                <a:spcPct val="20000"/>
+              </a:spcBef>
+              <a:buClr>
+                <a:srgbClr val="8960B1"/>
+              </a:buClr>
+              <a:buFont typeface="Wingdings" panose="05000000000000000000" pitchFamily="2" charset="2"/>
+              <a:buChar char="Ø"/>
+              <a:defRPr sz="3200">
+                <a:solidFill>
+                  <a:schemeClr val="tx1"/>
+                </a:solidFill>
+                <a:latin typeface="Times" panose="02020603050405020304" pitchFamily="18" charset="0"/>
+                <a:ea typeface="MS PGothic" panose="020B0600070205080204" pitchFamily="34" charset="-128"/>
+              </a:defRPr>
+            </a:lvl1pPr>
+            <a:lvl2pPr marL="742950" indent="-285750">
+              <a:spcBef>
+                <a:spcPct val="20000"/>
+              </a:spcBef>
+              <a:buClr>
+                <a:srgbClr val="C87EB2"/>
+              </a:buClr>
+              <a:buFont typeface="Wingdings" panose="05000000000000000000" pitchFamily="2" charset="2"/>
+              <a:buChar char="ü"/>
+              <a:defRPr sz="2800">
+                <a:solidFill>
+                  <a:schemeClr val="tx1"/>
+                </a:solidFill>
+                <a:latin typeface="Times" panose="02020603050405020304" pitchFamily="18" charset="0"/>
+                <a:ea typeface="MS PGothic" panose="020B0600070205080204" pitchFamily="34" charset="-128"/>
+              </a:defRPr>
+            </a:lvl2pPr>
+            <a:lvl3pPr marL="1143000" indent="-228600">
+              <a:spcBef>
+                <a:spcPct val="20000"/>
+              </a:spcBef>
+              <a:buClr>
+                <a:srgbClr val="E58A88"/>
+              </a:buClr>
+              <a:buFont typeface="Wingdings" panose="05000000000000000000" pitchFamily="2" charset="2"/>
+              <a:buChar char="v"/>
+              <a:defRPr sz="2400">
+                <a:solidFill>
+                  <a:schemeClr val="tx1"/>
+                </a:solidFill>
+                <a:latin typeface="Times" panose="02020603050405020304" pitchFamily="18" charset="0"/>
+                <a:ea typeface="MS PGothic" panose="020B0600070205080204" pitchFamily="34" charset="-128"/>
+              </a:defRPr>
+            </a:lvl3pPr>
+            <a:lvl4pPr marL="1600200" indent="-228600">
+              <a:spcBef>
+                <a:spcPct val="20000"/>
+              </a:spcBef>
+              <a:buClr>
+                <a:srgbClr val="E47D70"/>
+              </a:buClr>
+              <a:buFont typeface="Times" panose="02020603050405020304" pitchFamily="18" charset="0"/>
+              <a:buChar char="•"/>
+              <a:defRPr sz="2000">
+                <a:solidFill>
+                  <a:schemeClr val="tx1"/>
+                </a:solidFill>
+                <a:latin typeface="Times" panose="02020603050405020304" pitchFamily="18" charset="0"/>
+                <a:ea typeface="MS PGothic" panose="020B0600070205080204" pitchFamily="34" charset="-128"/>
+              </a:defRPr>
+            </a:lvl4pPr>
+            <a:lvl5pPr marL="2057400" indent="-228600">
+              <a:spcBef>
+                <a:spcPct val="20000"/>
+              </a:spcBef>
+              <a:buClr>
+                <a:srgbClr val="E68753"/>
+              </a:buClr>
+              <a:buFont typeface="Times" panose="02020603050405020304" pitchFamily="18" charset="0"/>
+              <a:buChar char="•"/>
+              <a:defRPr sz="2000">
+                <a:solidFill>
+                  <a:schemeClr val="tx1"/>
+                </a:solidFill>
+                <a:latin typeface="Times" panose="02020603050405020304" pitchFamily="18" charset="0"/>
+                <a:ea typeface="MS PGothic" panose="020B0600070205080204" pitchFamily="34" charset="-128"/>
+              </a:defRPr>
+            </a:lvl5pPr>
+            <a:lvl6pPr marL="2514600" indent="-228600" eaLnBrk="0" fontAlgn="base" hangingPunct="0">
+              <a:spcBef>
+                <a:spcPct val="20000"/>
+              </a:spcBef>
+              <a:spcAft>
+                <a:spcPct val="0"/>
+              </a:spcAft>
+              <a:buClr>
+                <a:srgbClr val="E68753"/>
+              </a:buClr>
+              <a:buFont typeface="Times" panose="02020603050405020304" pitchFamily="18" charset="0"/>
+              <a:buChar char="•"/>
+              <a:defRPr sz="2000">
+                <a:solidFill>
+                  <a:schemeClr val="tx1"/>
+                </a:solidFill>
+                <a:latin typeface="Times" panose="02020603050405020304" pitchFamily="18" charset="0"/>
+                <a:ea typeface="MS PGothic" panose="020B0600070205080204" pitchFamily="34" charset="-128"/>
+              </a:defRPr>
+            </a:lvl6pPr>
+            <a:lvl7pPr marL="2971800" indent="-228600" eaLnBrk="0" fontAlgn="base" hangingPunct="0">
+              <a:spcBef>
+                <a:spcPct val="20000"/>
+              </a:spcBef>
+              <a:spcAft>
+                <a:spcPct val="0"/>
+              </a:spcAft>
+              <a:buClr>
+                <a:srgbClr val="E68753"/>
+              </a:buClr>
+              <a:buFont typeface="Times" panose="02020603050405020304" pitchFamily="18" charset="0"/>
+              <a:buChar char="•"/>
+              <a:defRPr sz="2000">
+                <a:solidFill>
+                  <a:schemeClr val="tx1"/>
+                </a:solidFill>
+                <a:latin typeface="Times" panose="02020603050405020304" pitchFamily="18" charset="0"/>
+                <a:ea typeface="MS PGothic" panose="020B0600070205080204" pitchFamily="34" charset="-128"/>
+              </a:defRPr>
+            </a:lvl7pPr>
+            <a:lvl8pPr marL="3429000" indent="-228600" eaLnBrk="0" fontAlgn="base" hangingPunct="0">
+              <a:spcBef>
+                <a:spcPct val="20000"/>
+              </a:spcBef>
+              <a:spcAft>
+                <a:spcPct val="0"/>
+              </a:spcAft>
+              <a:buClr>
+                <a:srgbClr val="E68753"/>
+              </a:buClr>
+              <a:buFont typeface="Times" panose="02020603050405020304" pitchFamily="18" charset="0"/>
+              <a:buChar char="•"/>
+              <a:defRPr sz="2000">
+                <a:solidFill>
+                  <a:schemeClr val="tx1"/>
+                </a:solidFill>
+                <a:latin typeface="Times" panose="02020603050405020304" pitchFamily="18" charset="0"/>
+                <a:ea typeface="MS PGothic" panose="020B0600070205080204" pitchFamily="34" charset="-128"/>
+              </a:defRPr>
+            </a:lvl8pPr>
+            <a:lvl9pPr marL="3886200" indent="-228600" eaLnBrk="0" fontAlgn="base" hangingPunct="0">
+              <a:spcBef>
+                <a:spcPct val="20000"/>
+              </a:spcBef>
+              <a:spcAft>
+                <a:spcPct val="0"/>
+              </a:spcAft>
+              <a:buClr>
+                <a:srgbClr val="E68753"/>
+              </a:buClr>
+              <a:buFont typeface="Times" panose="02020603050405020304" pitchFamily="18" charset="0"/>
+              <a:buChar char="•"/>
+              <a:defRPr sz="2000">
+                <a:solidFill>
+                  <a:schemeClr val="tx1"/>
+                </a:solidFill>
+                <a:latin typeface="Times" panose="02020603050405020304" pitchFamily="18" charset="0"/>
+                <a:ea typeface="MS PGothic" panose="020B0600070205080204" pitchFamily="34" charset="-128"/>
+              </a:defRPr>
+            </a:lvl9pPr>
+          </a:lstStyle>
+          <a:p>
+            <a:pPr algn="ctr" eaLnBrk="0" fontAlgn="base" hangingPunct="0">
+              <a:spcBef>
+                <a:spcPct val="0"/>
+              </a:spcBef>
+              <a:spcAft>
+                <a:spcPct val="0"/>
+              </a:spcAft>
+              <a:buClrTx/>
+              <a:buNone/>
+            </a:pPr>
+            <a:r>
+              <a:rPr lang="en-US" altLang="en-US" sz="2400">
+                <a:solidFill>
+                  <a:srgbClr val="000000"/>
+                </a:solidFill>
+              </a:rPr>
+              <a:t>Efficient</a:t>
+            </a:r>
+          </a:p>
+        </p:txBody>
+      </p:sp>
+      <p:sp>
+        <p:nvSpPr>
+          <p:cNvPr id="11" name="TextBox 10">
+            <a:extLst>
+              <a:ext uri="{FF2B5EF4-FFF2-40B4-BE49-F238E27FC236}">
+                <a16:creationId xmlns:a16="http://schemas.microsoft.com/office/drawing/2014/main" id="{1FC4F01D-42C3-4848-B745-584E6E2843C8}"/>
+              </a:ext>
+            </a:extLst>
+          </p:cNvPr>
+          <p:cNvSpPr txBox="1">
+            <a:spLocks noChangeArrowheads="1"/>
+          </p:cNvSpPr>
+          <p:nvPr/>
+        </p:nvSpPr>
+        <p:spPr bwMode="auto">
+          <a:xfrm rot="16200000">
+            <a:off x="2323307" y="4406107"/>
+            <a:ext cx="1454150" cy="461963"/>
+          </a:xfrm>
+          <a:prstGeom prst="rect">
+            <a:avLst/>
+          </a:prstGeom>
+          <a:noFill/>
+          <a:ln>
+            <a:noFill/>
+          </a:ln>
+          <a:extLst>
+            <a:ext uri="{909E8E84-426E-40DD-AFC4-6F175D3DCCD1}">
+              <a14:hiddenFill xmlns:a14="http://schemas.microsoft.com/office/drawing/2010/main">
+                <a:solidFill>
+                  <a:srgbClr val="FFFFFF"/>
+                </a:solidFill>
+              </a14:hiddenFill>
+            </a:ext>
+            <a:ext uri="{91240B29-F687-4F45-9708-019B960494DF}">
+              <a14:hiddenLine xmlns:a14="http://schemas.microsoft.com/office/drawing/2010/main" w="9525">
+                <a:solidFill>
+                  <a:srgbClr val="000000"/>
+                </a:solidFill>
+                <a:miter lim="800000"/>
+                <a:headEnd/>
+                <a:tailEnd/>
+              </a14:hiddenLine>
+            </a:ext>
+          </a:extLst>
+        </p:spPr>
+        <p:txBody>
+          <a:bodyPr wrap="none">
+            <a:spAutoFit/>
+          </a:bodyPr>
+          <a:lstStyle>
+            <a:lvl1pPr>
+              <a:spcBef>
+                <a:spcPct val="20000"/>
+              </a:spcBef>
+              <a:buClr>
+                <a:srgbClr val="8960B1"/>
+              </a:buClr>
+              <a:buFont typeface="Wingdings" panose="05000000000000000000" pitchFamily="2" charset="2"/>
+              <a:buChar char="Ø"/>
+              <a:defRPr sz="3200">
+                <a:solidFill>
+                  <a:schemeClr val="tx1"/>
+                </a:solidFill>
+                <a:latin typeface="Times" panose="02020603050405020304" pitchFamily="18" charset="0"/>
+                <a:ea typeface="MS PGothic" panose="020B0600070205080204" pitchFamily="34" charset="-128"/>
+              </a:defRPr>
+            </a:lvl1pPr>
+            <a:lvl2pPr marL="742950" indent="-285750">
+              <a:spcBef>
+                <a:spcPct val="20000"/>
+              </a:spcBef>
+              <a:buClr>
+                <a:srgbClr val="C87EB2"/>
+              </a:buClr>
+              <a:buFont typeface="Wingdings" panose="05000000000000000000" pitchFamily="2" charset="2"/>
+              <a:buChar char="ü"/>
+              <a:defRPr sz="2800">
+                <a:solidFill>
+                  <a:schemeClr val="tx1"/>
+                </a:solidFill>
+                <a:latin typeface="Times" panose="02020603050405020304" pitchFamily="18" charset="0"/>
+                <a:ea typeface="MS PGothic" panose="020B0600070205080204" pitchFamily="34" charset="-128"/>
+              </a:defRPr>
+            </a:lvl2pPr>
+            <a:lvl3pPr marL="1143000" indent="-228600">
+              <a:spcBef>
+                <a:spcPct val="20000"/>
+              </a:spcBef>
+              <a:buClr>
+                <a:srgbClr val="E58A88"/>
+              </a:buClr>
+              <a:buFont typeface="Wingdings" panose="05000000000000000000" pitchFamily="2" charset="2"/>
+              <a:buChar char="v"/>
+              <a:defRPr sz="2400">
+                <a:solidFill>
+                  <a:schemeClr val="tx1"/>
+                </a:solidFill>
+                <a:latin typeface="Times" panose="02020603050405020304" pitchFamily="18" charset="0"/>
+                <a:ea typeface="MS PGothic" panose="020B0600070205080204" pitchFamily="34" charset="-128"/>
+              </a:defRPr>
+            </a:lvl3pPr>
+            <a:lvl4pPr marL="1600200" indent="-228600">
+              <a:spcBef>
+                <a:spcPct val="20000"/>
+              </a:spcBef>
+              <a:buClr>
+                <a:srgbClr val="E47D70"/>
+              </a:buClr>
+              <a:buFont typeface="Times" panose="02020603050405020304" pitchFamily="18" charset="0"/>
+              <a:buChar char="•"/>
+              <a:defRPr sz="2000">
+                <a:solidFill>
+                  <a:schemeClr val="tx1"/>
+                </a:solidFill>
+                <a:latin typeface="Times" panose="02020603050405020304" pitchFamily="18" charset="0"/>
+                <a:ea typeface="MS PGothic" panose="020B0600070205080204" pitchFamily="34" charset="-128"/>
+              </a:defRPr>
+            </a:lvl4pPr>
+            <a:lvl5pPr marL="2057400" indent="-228600">
+              <a:spcBef>
+                <a:spcPct val="20000"/>
+              </a:spcBef>
+              <a:buClr>
+                <a:srgbClr val="E68753"/>
+              </a:buClr>
+              <a:buFont typeface="Times" panose="02020603050405020304" pitchFamily="18" charset="0"/>
+              <a:buChar char="•"/>
+              <a:defRPr sz="2000">
+                <a:solidFill>
+                  <a:schemeClr val="tx1"/>
+                </a:solidFill>
+                <a:latin typeface="Times" panose="02020603050405020304" pitchFamily="18" charset="0"/>
+                <a:ea typeface="MS PGothic" panose="020B0600070205080204" pitchFamily="34" charset="-128"/>
+              </a:defRPr>
+            </a:lvl5pPr>
+            <a:lvl6pPr marL="2514600" indent="-228600" eaLnBrk="0" fontAlgn="base" hangingPunct="0">
+              <a:spcBef>
+                <a:spcPct val="20000"/>
+              </a:spcBef>
+              <a:spcAft>
+                <a:spcPct val="0"/>
+              </a:spcAft>
+              <a:buClr>
+                <a:srgbClr val="E68753"/>
+              </a:buClr>
+              <a:buFont typeface="Times" panose="02020603050405020304" pitchFamily="18" charset="0"/>
+              <a:buChar char="•"/>
+              <a:defRPr sz="2000">
+                <a:solidFill>
+                  <a:schemeClr val="tx1"/>
+                </a:solidFill>
+                <a:latin typeface="Times" panose="02020603050405020304" pitchFamily="18" charset="0"/>
+                <a:ea typeface="MS PGothic" panose="020B0600070205080204" pitchFamily="34" charset="-128"/>
+              </a:defRPr>
+            </a:lvl6pPr>
+            <a:lvl7pPr marL="2971800" indent="-228600" eaLnBrk="0" fontAlgn="base" hangingPunct="0">
+              <a:spcBef>
+                <a:spcPct val="20000"/>
+              </a:spcBef>
+              <a:spcAft>
+                <a:spcPct val="0"/>
+              </a:spcAft>
+              <a:buClr>
+                <a:srgbClr val="E68753"/>
+              </a:buClr>
+              <a:buFont typeface="Times" panose="02020603050405020304" pitchFamily="18" charset="0"/>
+              <a:buChar char="•"/>
+              <a:defRPr sz="2000">
+                <a:solidFill>
+                  <a:schemeClr val="tx1"/>
+                </a:solidFill>
+                <a:latin typeface="Times" panose="02020603050405020304" pitchFamily="18" charset="0"/>
+                <a:ea typeface="MS PGothic" panose="020B0600070205080204" pitchFamily="34" charset="-128"/>
+              </a:defRPr>
+            </a:lvl7pPr>
+            <a:lvl8pPr marL="3429000" indent="-228600" eaLnBrk="0" fontAlgn="base" hangingPunct="0">
+              <a:spcBef>
+                <a:spcPct val="20000"/>
+              </a:spcBef>
+              <a:spcAft>
+                <a:spcPct val="0"/>
+              </a:spcAft>
+              <a:buClr>
+                <a:srgbClr val="E68753"/>
+              </a:buClr>
+              <a:buFont typeface="Times" panose="02020603050405020304" pitchFamily="18" charset="0"/>
+              <a:buChar char="•"/>
+              <a:defRPr sz="2000">
+                <a:solidFill>
+                  <a:schemeClr val="tx1"/>
+                </a:solidFill>
+                <a:latin typeface="Times" panose="02020603050405020304" pitchFamily="18" charset="0"/>
+                <a:ea typeface="MS PGothic" panose="020B0600070205080204" pitchFamily="34" charset="-128"/>
+              </a:defRPr>
+            </a:lvl8pPr>
+            <a:lvl9pPr marL="3886200" indent="-228600" eaLnBrk="0" fontAlgn="base" hangingPunct="0">
+              <a:spcBef>
+                <a:spcPct val="20000"/>
+              </a:spcBef>
+              <a:spcAft>
+                <a:spcPct val="0"/>
+              </a:spcAft>
+              <a:buClr>
+                <a:srgbClr val="E68753"/>
+              </a:buClr>
+              <a:buFont typeface="Times" panose="02020603050405020304" pitchFamily="18" charset="0"/>
+              <a:buChar char="•"/>
+              <a:defRPr sz="2000">
+                <a:solidFill>
+                  <a:schemeClr val="tx1"/>
+                </a:solidFill>
+                <a:latin typeface="Times" panose="02020603050405020304" pitchFamily="18" charset="0"/>
+                <a:ea typeface="MS PGothic" panose="020B0600070205080204" pitchFamily="34" charset="-128"/>
+              </a:defRPr>
+            </a:lvl9pPr>
+          </a:lstStyle>
+          <a:p>
+            <a:pPr algn="ctr" eaLnBrk="0" fontAlgn="base" hangingPunct="0">
+              <a:spcBef>
+                <a:spcPct val="0"/>
+              </a:spcBef>
+              <a:spcAft>
+                <a:spcPct val="0"/>
+              </a:spcAft>
+              <a:buClrTx/>
+              <a:buNone/>
+            </a:pPr>
+            <a:r>
+              <a:rPr lang="en-US" altLang="en-US" sz="2400">
+                <a:solidFill>
+                  <a:srgbClr val="000000"/>
+                </a:solidFill>
+              </a:rPr>
+              <a:t>Inefficient</a:t>
+            </a:r>
+          </a:p>
+        </p:txBody>
+      </p:sp>
+      <p:cxnSp>
+        <p:nvCxnSpPr>
+          <p:cNvPr id="7176" name="Straight Arrow Connector 12">
+            <a:extLst>
+              <a:ext uri="{FF2B5EF4-FFF2-40B4-BE49-F238E27FC236}">
+                <a16:creationId xmlns:a16="http://schemas.microsoft.com/office/drawing/2014/main" id="{6A2D60AF-670C-4E34-ADA9-C92C4A7FB4F0}"/>
+              </a:ext>
+            </a:extLst>
+          </p:cNvPr>
+          <p:cNvCxnSpPr>
+            <a:cxnSpLocks noChangeShapeType="1"/>
+          </p:cNvCxnSpPr>
+          <p:nvPr/>
+        </p:nvCxnSpPr>
+        <p:spPr bwMode="auto">
+          <a:xfrm>
+            <a:off x="9829800" y="1905000"/>
+            <a:ext cx="0" cy="2895600"/>
+          </a:xfrm>
+          <a:prstGeom prst="straightConnector1">
+            <a:avLst/>
+          </a:prstGeom>
+          <a:noFill/>
+          <a:ln w="9525">
+            <a:solidFill>
+              <a:schemeClr val="tx1"/>
+            </a:solidFill>
+            <a:round/>
+            <a:headEnd/>
+            <a:tailEnd type="arrow" w="med" len="med"/>
+          </a:ln>
+          <a:effectLst/>
+          <a:extLst>
+            <a:ext uri="{909E8E84-426E-40DD-AFC4-6F175D3DCCD1}">
+              <a14:hiddenFill xmlns:a14="http://schemas.microsoft.com/office/drawing/2010/main">
+                <a:noFill/>
+              </a14:hiddenFill>
+            </a:ext>
+            <a:ext uri="{AF507438-7753-43E0-B8FC-AC1667EBCBE1}">
+              <a14:hiddenEffects xmlns:a14="http://schemas.microsoft.com/office/drawing/2010/main">
+                <a:effectLst>
+                  <a:outerShdw dist="35921" dir="2700000" algn="ctr" rotWithShape="0">
+                    <a:schemeClr val="bg2"/>
+                  </a:outerShdw>
+                </a:effectLst>
+              </a14:hiddenEffects>
+            </a:ext>
+          </a:extLst>
+        </p:spPr>
+      </p:cxnSp>
+    </p:spTree>
+  </p:cSld>
+  <p:clrMapOvr>
+    <a:masterClrMapping/>
+  </p:clrMapOvr>
+  <p:timing>
+    <p:tnLst>
+      <p:par>
+        <p:cTn id="1" dur="indefinite" restart="never" nodeType="tmRoot">
+          <p:childTnLst>
+            <p:seq concurrent="1" nextAc="seek">
+              <p:cTn id="2" dur="indefinite" nodeType="mainSeq">
+                <p:childTnLst>
+                  <p:par>
+                    <p:cTn id="3" fill="hold" nodeType="clickPar">
+                      <p:stCondLst>
+                        <p:cond delay="indefinite"/>
+                      </p:stCondLst>
+                      <p:childTnLst>
+                        <p:par>
+                          <p:cTn id="4" fill="hold" nodeType="withGroup">
+                            <p:stCondLst>
+                              <p:cond delay="0"/>
+                            </p:stCondLst>
+                            <p:childTnLst>
+                              <p:par>
+                                <p:cTn id="5" presetID="9" presetClass="entr" presetSubtype="0" fill="hold" grpId="0" nodeType="clickEffect">
+                                  <p:stCondLst>
+                                    <p:cond delay="0"/>
+                                  </p:stCondLst>
+                                  <p:childTnLst>
+                                    <p:set>
+                                      <p:cBhvr>
+                                        <p:cTn id="6" dur="1" fill="hold">
+                                          <p:stCondLst>
+                                            <p:cond delay="0"/>
+                                          </p:stCondLst>
+                                        </p:cTn>
+                                        <p:tgtEl>
+                                          <p:spTgt spid="7"/>
+                                        </p:tgtEl>
+                                        <p:attrNameLst>
+                                          <p:attrName>style.visibility</p:attrName>
+                                        </p:attrNameLst>
+                                      </p:cBhvr>
+                                      <p:to>
+                                        <p:strVal val="visible"/>
+                                      </p:to>
+                                    </p:set>
+                                    <p:animEffect transition="in" filter="dissolve">
+                                      <p:cBhvr>
+                                        <p:cTn id="7" dur="500"/>
+                                        <p:tgtEl>
+                                          <p:spTgt spid="7"/>
+                                        </p:tgtEl>
+                                      </p:cBhvr>
+                                    </p:animEffect>
+                                  </p:childTnLst>
+                                </p:cTn>
+                              </p:par>
+                              <p:par>
+                                <p:cTn id="8" presetID="9" presetClass="entr" presetSubtype="0" fill="hold" grpId="0" nodeType="withEffect">
+                                  <p:stCondLst>
+                                    <p:cond delay="0"/>
+                                  </p:stCondLst>
+                                  <p:childTnLst>
+                                    <p:set>
+                                      <p:cBhvr>
+                                        <p:cTn id="9" dur="1" fill="hold">
+                                          <p:stCondLst>
+                                            <p:cond delay="0"/>
+                                          </p:stCondLst>
+                                        </p:cTn>
+                                        <p:tgtEl>
+                                          <p:spTgt spid="10"/>
+                                        </p:tgtEl>
+                                        <p:attrNameLst>
+                                          <p:attrName>style.visibility</p:attrName>
+                                        </p:attrNameLst>
+                                      </p:cBhvr>
+                                      <p:to>
+                                        <p:strVal val="visible"/>
+                                      </p:to>
+                                    </p:set>
+                                    <p:animEffect transition="in" filter="dissolve">
+                                      <p:cBhvr>
+                                        <p:cTn id="10" dur="500"/>
+                                        <p:tgtEl>
+                                          <p:spTgt spid="10"/>
+                                        </p:tgtEl>
+                                      </p:cBhvr>
+                                    </p:animEffect>
+                                  </p:childTnLst>
+                                </p:cTn>
+                              </p:par>
+                            </p:childTnLst>
+                          </p:cTn>
+                        </p:par>
+                      </p:childTnLst>
+                    </p:cTn>
+                  </p:par>
+                  <p:par>
+                    <p:cTn id="11" fill="hold" nodeType="clickPar">
+                      <p:stCondLst>
+                        <p:cond delay="indefinite"/>
+                      </p:stCondLst>
+                      <p:childTnLst>
+                        <p:par>
+                          <p:cTn id="12" fill="hold" nodeType="withGroup">
+                            <p:stCondLst>
+                              <p:cond delay="0"/>
+                            </p:stCondLst>
+                            <p:childTnLst>
+                              <p:par>
+                                <p:cTn id="13" presetID="9" presetClass="entr" presetSubtype="0" fill="hold" grpId="0" nodeType="clickEffect">
+                                  <p:stCondLst>
+                                    <p:cond delay="0"/>
+                                  </p:stCondLst>
+                                  <p:childTnLst>
+                                    <p:set>
+                                      <p:cBhvr>
+                                        <p:cTn id="14" dur="1" fill="hold">
+                                          <p:stCondLst>
+                                            <p:cond delay="0"/>
+                                          </p:stCondLst>
+                                        </p:cTn>
+                                        <p:tgtEl>
+                                          <p:spTgt spid="9"/>
+                                        </p:tgtEl>
+                                        <p:attrNameLst>
+                                          <p:attrName>style.visibility</p:attrName>
+                                        </p:attrNameLst>
+                                      </p:cBhvr>
+                                      <p:to>
+                                        <p:strVal val="visible"/>
+                                      </p:to>
+                                    </p:set>
+                                    <p:animEffect transition="in" filter="dissolve">
+                                      <p:cBhvr>
+                                        <p:cTn id="15" dur="500"/>
+                                        <p:tgtEl>
+                                          <p:spTgt spid="9"/>
+                                        </p:tgtEl>
+                                      </p:cBhvr>
+                                    </p:animEffect>
+                                  </p:childTnLst>
+                                </p:cTn>
+                              </p:par>
+                              <p:par>
+                                <p:cTn id="16" presetID="9" presetClass="entr" presetSubtype="0" fill="hold" grpId="0" nodeType="withEffect">
+                                  <p:stCondLst>
+                                    <p:cond delay="0"/>
+                                  </p:stCondLst>
+                                  <p:childTnLst>
+                                    <p:set>
+                                      <p:cBhvr>
+                                        <p:cTn id="17" dur="1" fill="hold">
+                                          <p:stCondLst>
+                                            <p:cond delay="0"/>
+                                          </p:stCondLst>
+                                        </p:cTn>
+                                        <p:tgtEl>
+                                          <p:spTgt spid="11"/>
+                                        </p:tgtEl>
+                                        <p:attrNameLst>
+                                          <p:attrName>style.visibility</p:attrName>
+                                        </p:attrNameLst>
+                                      </p:cBhvr>
+                                      <p:to>
+                                        <p:strVal val="visible"/>
+                                      </p:to>
+                                    </p:set>
+                                    <p:animEffect transition="in" filter="dissolve">
+                                      <p:cBhvr>
+                                        <p:cTn id="18" dur="500"/>
+                                        <p:tgtEl>
+                                          <p:spTgt spid="11"/>
+                                        </p:tgtEl>
+                                      </p:cBhvr>
+                                    </p:animEffect>
+                                  </p:childTnLst>
+                                </p:cTn>
+                              </p:par>
+                            </p:childTnLst>
+                          </p:cTn>
+                        </p:par>
+                      </p:childTnLst>
+                    </p:cTn>
+                  </p:par>
+                </p:childTnLst>
+              </p:cTn>
+              <p:prevCondLst>
+                <p:cond evt="onPrev" delay="0">
+                  <p:tgtEl>
+                    <p:sldTgt/>
+                  </p:tgtEl>
+                </p:cond>
+              </p:prevCondLst>
+              <p:nextCondLst>
+                <p:cond evt="onNext" delay="0">
+                  <p:tgtEl>
+                    <p:sldTgt/>
+                  </p:tgtEl>
+                </p:cond>
+              </p:nextCondLst>
+            </p:seq>
+          </p:childTnLst>
+        </p:cTn>
+      </p:par>
+    </p:tnLst>
+    <p:bldLst>
+      <p:bldP spid="7" grpId="0" animBg="1"/>
+      <p:bldP spid="9" grpId="0" animBg="1"/>
+      <p:bldP spid="10" grpId="0"/>
+      <p:bldP spid="11" grpId="0"/>
+    </p:bldLst>
+  </p:timing>
+</p:sld>
+</file>
+
+<file path=ppt/slides/slide38.xml><?xml version="1.0" encoding="utf-8"?>
+<p:sld xmlns:a="http://schemas.openxmlformats.org/drawingml/2006/main" xmlns:r="http://schemas.openxmlformats.org/officeDocument/2006/relationships" xmlns:p="http://schemas.openxmlformats.org/presentationml/2006/main">
+  <p:cSld>
+    <p:spTree>
+      <p:nvGrpSpPr>
+        <p:cNvPr id="1" name=""/>
+        <p:cNvGrpSpPr/>
+        <p:nvPr/>
+      </p:nvGrpSpPr>
+      <p:grpSpPr>
+        <a:xfrm>
+          <a:off x="0" y="0"/>
+          <a:ext cx="0" cy="0"/>
+          <a:chOff x="0" y="0"/>
+          <a:chExt cx="0" cy="0"/>
+        </a:xfrm>
+      </p:grpSpPr>
+      <p:sp>
+        <p:nvSpPr>
+          <p:cNvPr id="2" name="Title 1">
+            <a:extLst>
+              <a:ext uri="{FF2B5EF4-FFF2-40B4-BE49-F238E27FC236}">
+                <a16:creationId xmlns:a16="http://schemas.microsoft.com/office/drawing/2014/main" id="{4F9647B6-28B1-4A66-A7FC-D2B518182745}"/>
+              </a:ext>
+            </a:extLst>
+          </p:cNvPr>
+          <p:cNvSpPr>
+            <a:spLocks noGrp="1"/>
+          </p:cNvSpPr>
+          <p:nvPr>
+            <p:ph type="title"/>
+          </p:nvPr>
+        </p:nvSpPr>
+        <p:spPr/>
+        <p:txBody>
+          <a:bodyPr/>
+          <a:lstStyle/>
+          <a:p>
+            <a:r>
+              <a:rPr lang="en-US" dirty="0"/>
+              <a:t>Things we use big-O (or </a:t>
+            </a:r>
+            <a:r>
+              <a:rPr lang="el-GR" dirty="0"/>
+              <a:t>Ω</a:t>
+            </a:r>
+            <a:r>
+              <a:rPr lang="en-US" dirty="0"/>
+              <a:t> or </a:t>
+            </a:r>
+            <a:r>
+              <a:rPr lang="el-GR" dirty="0"/>
+              <a:t>Θ</a:t>
+            </a:r>
+            <a:r>
+              <a:rPr lang="en-US" dirty="0"/>
+              <a:t>) for</a:t>
+            </a:r>
+          </a:p>
+        </p:txBody>
+      </p:sp>
+      <p:sp>
+        <p:nvSpPr>
+          <p:cNvPr id="3" name="Content Placeholder 2">
+            <a:extLst>
+              <a:ext uri="{FF2B5EF4-FFF2-40B4-BE49-F238E27FC236}">
+                <a16:creationId xmlns:a16="http://schemas.microsoft.com/office/drawing/2014/main" id="{59B0F491-27BA-4C80-8527-DFBEAB6E3F32}"/>
+              </a:ext>
+            </a:extLst>
+          </p:cNvPr>
+          <p:cNvSpPr>
+            <a:spLocks noGrp="1"/>
+          </p:cNvSpPr>
+          <p:nvPr>
+            <p:ph idx="1"/>
+          </p:nvPr>
+        </p:nvSpPr>
+        <p:spPr/>
+        <p:txBody>
+          <a:bodyPr/>
+          <a:lstStyle/>
+          <a:p>
+            <a:r>
+              <a:rPr lang="en-US" dirty="0"/>
+              <a:t>Functions</a:t>
+            </a:r>
+          </a:p>
+          <a:p>
+            <a:r>
+              <a:rPr lang="en-US" dirty="0"/>
+              <a:t>Cases (or instances)</a:t>
+            </a:r>
+          </a:p>
+          <a:p>
+            <a:r>
+              <a:rPr lang="en-US" dirty="0"/>
+              <a:t>Algorithms (or programs)</a:t>
+            </a:r>
+          </a:p>
+          <a:p>
+            <a:r>
+              <a:rPr lang="en-US" dirty="0"/>
+              <a:t>Problems</a:t>
+            </a:r>
+          </a:p>
+        </p:txBody>
+      </p:sp>
+    </p:spTree>
+    <p:extLst>
+      <p:ext uri="{BB962C8B-B14F-4D97-AF65-F5344CB8AC3E}">
+        <p14:creationId xmlns:p14="http://schemas.microsoft.com/office/powerpoint/2010/main" val="3924693481"/>
+      </p:ext>
+    </p:extLst>
+  </p:cSld>
+  <p:clrMapOvr>
+    <a:masterClrMapping/>
+  </p:clrMapOvr>
+</p:sld>
+</file>
+
+<file path=ppt/slides/slide39.xml><?xml version="1.0" encoding="utf-8"?>
+<p:sld xmlns:a="http://schemas.openxmlformats.org/drawingml/2006/main" xmlns:r="http://schemas.openxmlformats.org/officeDocument/2006/relationships" xmlns:p="http://schemas.openxmlformats.org/presentationml/2006/main">
+  <p:cSld>
+    <p:spTree>
+      <p:nvGrpSpPr>
+        <p:cNvPr id="1" name=""/>
+        <p:cNvGrpSpPr/>
+        <p:nvPr/>
+      </p:nvGrpSpPr>
+      <p:grpSpPr>
+        <a:xfrm>
+          <a:off x="0" y="0"/>
+          <a:ext cx="0" cy="0"/>
+          <a:chOff x="0" y="0"/>
+          <a:chExt cx="0" cy="0"/>
+        </a:xfrm>
+      </p:grpSpPr>
+      <p:sp>
+        <p:nvSpPr>
+          <p:cNvPr id="2" name="Title 1">
+            <a:extLst>
+              <a:ext uri="{FF2B5EF4-FFF2-40B4-BE49-F238E27FC236}">
+                <a16:creationId xmlns:a16="http://schemas.microsoft.com/office/drawing/2014/main" id="{29E83EB8-D653-48EB-A34F-AE218DAE2D31}"/>
+              </a:ext>
+            </a:extLst>
+          </p:cNvPr>
+          <p:cNvSpPr>
+            <a:spLocks noGrp="1"/>
+          </p:cNvSpPr>
+          <p:nvPr>
+            <p:ph type="title"/>
+          </p:nvPr>
+        </p:nvSpPr>
+        <p:spPr/>
+        <p:txBody>
+          <a:bodyPr/>
+          <a:lstStyle/>
+          <a:p>
+            <a:pPr eaLnBrk="1" hangingPunct="1">
+              <a:defRPr/>
+            </a:pPr>
+            <a:r>
+              <a:rPr lang="en-US" dirty="0">
+                <a:ea typeface="+mj-ea"/>
+                <a:cs typeface="+mj-cs"/>
+              </a:rPr>
+              <a:t>Formal Asymptotic Bound Definitions</a:t>
+            </a:r>
+          </a:p>
+        </p:txBody>
+      </p:sp>
+      <p:sp>
+        <p:nvSpPr>
+          <p:cNvPr id="3" name="Content Placeholder 2">
+            <a:extLst>
+              <a:ext uri="{FF2B5EF4-FFF2-40B4-BE49-F238E27FC236}">
+                <a16:creationId xmlns:a16="http://schemas.microsoft.com/office/drawing/2014/main" id="{F2C341F4-FA14-426F-A2B1-FDF1904E9880}"/>
+              </a:ext>
+            </a:extLst>
+          </p:cNvPr>
+          <p:cNvSpPr>
+            <a:spLocks noGrp="1" noChangeArrowheads="1"/>
+          </p:cNvSpPr>
+          <p:nvPr>
+            <p:ph idx="1"/>
+          </p:nvPr>
+        </p:nvSpPr>
+        <p:spPr>
+          <a:xfrm>
+            <a:off x="2387600" y="1609725"/>
+            <a:ext cx="8229600" cy="5105400"/>
+          </a:xfrm>
+        </p:spPr>
+        <p:txBody>
+          <a:bodyPr/>
+          <a:lstStyle/>
+          <a:p>
+            <a:pPr marL="0" indent="0" eaLnBrk="1" hangingPunct="1">
+              <a:buNone/>
+            </a:pPr>
+            <a:r>
+              <a:rPr lang="en-US" altLang="en-US" sz="2400" b="1" dirty="0"/>
+              <a:t>Algebraic</a:t>
+            </a:r>
+          </a:p>
+          <a:p>
+            <a:pPr eaLnBrk="1" hangingPunct="1"/>
+            <a:r>
+              <a:rPr lang="en-US" altLang="en-US" sz="2400" b="1" dirty="0"/>
+              <a:t>Upper Bound - O: </a:t>
+            </a:r>
+          </a:p>
+          <a:p>
+            <a:pPr lvl="1" eaLnBrk="1" hangingPunct="1"/>
+            <a:r>
+              <a:rPr lang="en-US" altLang="en-US" sz="2000" b="1" dirty="0"/>
+              <a:t>For T(n) a non-negative function, T(n) is in Ο(f(n)) if there exists constants c&gt;0 and n</a:t>
+            </a:r>
+            <a:r>
+              <a:rPr lang="en-US" altLang="en-US" sz="2000" b="1" baseline="-25000" dirty="0"/>
+              <a:t>0</a:t>
+            </a:r>
+            <a:r>
+              <a:rPr lang="en-US" altLang="en-US" sz="2000" b="1" dirty="0"/>
+              <a:t>&gt;0 such that T(n) &lt;= c f(n) for all n &gt; n</a:t>
+            </a:r>
+            <a:r>
+              <a:rPr lang="en-US" altLang="en-US" sz="2000" b="1" baseline="-25000" dirty="0"/>
+              <a:t>0</a:t>
+            </a:r>
+            <a:r>
+              <a:rPr lang="en-US" altLang="en-US" sz="2000" b="1" dirty="0"/>
+              <a:t>.</a:t>
+            </a:r>
+          </a:p>
+          <a:p>
+            <a:pPr lvl="4" eaLnBrk="1" hangingPunct="1"/>
+            <a:endParaRPr lang="en-US" altLang="en-US" sz="1200" b="1" dirty="0"/>
+          </a:p>
+          <a:p>
+            <a:pPr eaLnBrk="1" hangingPunct="1"/>
+            <a:r>
+              <a:rPr lang="en-US" altLang="en-US" sz="2400" b="1" dirty="0"/>
+              <a:t>Lower Bound - Ω:</a:t>
+            </a:r>
+          </a:p>
+          <a:p>
+            <a:pPr lvl="1" eaLnBrk="1" hangingPunct="1"/>
+            <a:r>
+              <a:rPr lang="en-US" altLang="en-US" sz="2000" b="1" dirty="0"/>
+              <a:t>For T(n) a non-negative function, T(n) is in Ω(g(n)) if there exists constants c&gt;0 and n</a:t>
+            </a:r>
+            <a:r>
+              <a:rPr lang="en-US" altLang="en-US" sz="2000" b="1" baseline="-25000" dirty="0"/>
+              <a:t>0</a:t>
+            </a:r>
+            <a:r>
+              <a:rPr lang="en-US" altLang="en-US" sz="2000" b="1" dirty="0"/>
+              <a:t>&gt;0 such that T(n) &gt;= c g(n) for all n &gt; n</a:t>
+            </a:r>
+            <a:r>
+              <a:rPr lang="en-US" altLang="en-US" sz="2000" b="1" baseline="-25000" dirty="0"/>
+              <a:t>0</a:t>
+            </a:r>
+            <a:r>
+              <a:rPr lang="en-US" altLang="en-US" sz="2000" b="1" dirty="0"/>
+              <a:t>.</a:t>
+            </a:r>
+          </a:p>
+          <a:p>
+            <a:pPr lvl="4" eaLnBrk="1" hangingPunct="1"/>
+            <a:endParaRPr lang="en-US" altLang="en-US" sz="1200" b="1" dirty="0"/>
+          </a:p>
+          <a:p>
+            <a:pPr eaLnBrk="1" hangingPunct="1"/>
+            <a:r>
+              <a:rPr lang="en-US" altLang="en-US" sz="2400" b="1" dirty="0"/>
+              <a:t>Theta Bound - Θ:</a:t>
+            </a:r>
+          </a:p>
+          <a:p>
+            <a:pPr lvl="1" eaLnBrk="1" hangingPunct="1"/>
+            <a:r>
+              <a:rPr lang="en-US" altLang="en-US" sz="2000" b="1" dirty="0"/>
+              <a:t>For T(n) a non-negative function, T(n) is in Θ(g(n)) if there exists constants c</a:t>
+            </a:r>
+            <a:r>
+              <a:rPr lang="en-US" altLang="en-US" sz="2000" b="1" baseline="-25000" dirty="0"/>
+              <a:t>1</a:t>
+            </a:r>
+            <a:r>
+              <a:rPr lang="en-US" altLang="en-US" sz="2000" b="1" dirty="0"/>
+              <a:t>&gt;0, c</a:t>
+            </a:r>
+            <a:r>
+              <a:rPr lang="en-US" altLang="en-US" sz="2000" b="1" baseline="-25000" dirty="0"/>
+              <a:t>2</a:t>
+            </a:r>
+            <a:r>
+              <a:rPr lang="en-US" altLang="en-US" sz="2000" b="1" dirty="0"/>
+              <a:t>&gt;0 and n</a:t>
+            </a:r>
+            <a:r>
+              <a:rPr lang="en-US" altLang="en-US" sz="2000" b="1" baseline="-25000" dirty="0"/>
+              <a:t>0</a:t>
+            </a:r>
+            <a:r>
+              <a:rPr lang="en-US" altLang="en-US" sz="2000" b="1" dirty="0"/>
+              <a:t>&gt;0 such that c</a:t>
+            </a:r>
+            <a:r>
+              <a:rPr lang="en-US" altLang="en-US" sz="2000" b="1" baseline="-25000" dirty="0"/>
+              <a:t>2</a:t>
+            </a:r>
+            <a:r>
+              <a:rPr lang="en-US" altLang="en-US" sz="2000" b="1" dirty="0"/>
+              <a:t> g(n) &lt;= T(n) &lt;= c</a:t>
+            </a:r>
+            <a:r>
+              <a:rPr lang="en-US" altLang="en-US" sz="2000" b="1" baseline="-25000" dirty="0"/>
+              <a:t>1</a:t>
+            </a:r>
+            <a:r>
+              <a:rPr lang="en-US" altLang="en-US" sz="2000" b="1" dirty="0"/>
+              <a:t> g(n) for all n &gt; n</a:t>
+            </a:r>
+            <a:r>
+              <a:rPr lang="en-US" altLang="en-US" sz="2000" b="1" baseline="-25000" dirty="0"/>
+              <a:t>0</a:t>
+            </a:r>
+            <a:r>
+              <a:rPr lang="en-US" altLang="en-US" sz="2000" b="1" dirty="0"/>
+              <a:t>.</a:t>
+            </a:r>
+          </a:p>
+          <a:p>
+            <a:pPr eaLnBrk="1" hangingPunct="1">
+              <a:buFont typeface="Wingdings" panose="05000000000000000000" pitchFamily="2" charset="2"/>
+              <a:buNone/>
+            </a:pPr>
+            <a:endParaRPr lang="en-US" altLang="en-US" sz="2400" b="1" dirty="0"/>
+          </a:p>
+          <a:p>
+            <a:pPr lvl="1" eaLnBrk="1" hangingPunct="1"/>
+            <a:endParaRPr lang="en-US" altLang="en-US" sz="2000" dirty="0"/>
+          </a:p>
+          <a:p>
+            <a:pPr eaLnBrk="1" hangingPunct="1"/>
+            <a:endParaRPr lang="en-US" altLang="en-US" sz="2400" dirty="0"/>
+          </a:p>
+        </p:txBody>
+      </p:sp>
+    </p:spTree>
+  </p:cSld>
+  <p:clrMapOvr>
+    <a:masterClrMapping/>
+  </p:clrMapOvr>
+  <p:timing>
+    <p:tnLst>
+      <p:par>
+        <p:cTn id="1" dur="indefinite" restart="never" nodeType="tmRoot">
+          <p:childTnLst>
+            <p:seq concurrent="1" nextAc="seek">
+              <p:cTn id="2" dur="indefinite" nodeType="mainSeq">
+                <p:childTnLst>
+                  <p:par>
+                    <p:cTn id="3" fill="hold">
+                      <p:stCondLst>
+                        <p:cond delay="indefinite"/>
+                      </p:stCondLst>
+                      <p:childTnLst>
+                        <p:par>
+                          <p:cTn id="4" fill="hold">
+                            <p:stCondLst>
+                              <p:cond delay="0"/>
+                            </p:stCondLst>
+                            <p:childTnLst>
+                              <p:par>
+                                <p:cTn id="5" presetID="9" presetClass="entr" presetSubtype="0" fill="hold" grpId="0" nodeType="clickEffect">
+                                  <p:stCondLst>
+                                    <p:cond delay="0"/>
+                                  </p:stCondLst>
+                                  <p:childTnLst>
+                                    <p:set>
+                                      <p:cBhvr>
+                                        <p:cTn id="6" dur="1" fill="hold">
+                                          <p:stCondLst>
+                                            <p:cond delay="0"/>
+                                          </p:stCondLst>
+                                        </p:cTn>
+                                        <p:tgtEl>
+                                          <p:spTgt spid="3">
+                                            <p:txEl>
+                                              <p:pRg st="0" end="0"/>
+                                            </p:txEl>
+                                          </p:spTgt>
+                                        </p:tgtEl>
+                                        <p:attrNameLst>
+                                          <p:attrName>style.visibility</p:attrName>
+                                        </p:attrNameLst>
+                                      </p:cBhvr>
+                                      <p:to>
+                                        <p:strVal val="visible"/>
+                                      </p:to>
+                                    </p:set>
+                                    <p:animEffect transition="in" filter="dissolve">
+                                      <p:cBhvr>
+                                        <p:cTn id="7" dur="500"/>
+                                        <p:tgtEl>
+                                          <p:spTgt spid="3">
+                                            <p:txEl>
+                                              <p:pRg st="0" end="0"/>
+                                            </p:txEl>
+                                          </p:spTgt>
+                                        </p:tgtEl>
+                                      </p:cBhvr>
+                                    </p:animEffect>
+                                  </p:childTnLst>
+                                </p:cTn>
+                              </p:par>
+                            </p:childTnLst>
+                          </p:cTn>
+                        </p:par>
+                      </p:childTnLst>
+                    </p:cTn>
+                  </p:par>
+                  <p:par>
+                    <p:cTn id="8" fill="hold">
+                      <p:stCondLst>
+                        <p:cond delay="indefinite"/>
+                      </p:stCondLst>
+                      <p:childTnLst>
+                        <p:par>
+                          <p:cTn id="9" fill="hold">
+                            <p:stCondLst>
+                              <p:cond delay="0"/>
+                            </p:stCondLst>
+                            <p:childTnLst>
+                              <p:par>
+                                <p:cTn id="10" presetID="9" presetClass="entr" presetSubtype="0" fill="hold" grpId="0" nodeType="clickEffect">
+                                  <p:stCondLst>
+                                    <p:cond delay="0"/>
+                                  </p:stCondLst>
+                                  <p:childTnLst>
+                                    <p:set>
+                                      <p:cBhvr>
+                                        <p:cTn id="11" dur="1" fill="hold">
+                                          <p:stCondLst>
+                                            <p:cond delay="0"/>
+                                          </p:stCondLst>
+                                        </p:cTn>
+                                        <p:tgtEl>
+                                          <p:spTgt spid="3">
+                                            <p:txEl>
+                                              <p:pRg st="1" end="1"/>
+                                            </p:txEl>
+                                          </p:spTgt>
+                                        </p:tgtEl>
+                                        <p:attrNameLst>
+                                          <p:attrName>style.visibility</p:attrName>
+                                        </p:attrNameLst>
+                                      </p:cBhvr>
+                                      <p:to>
+                                        <p:strVal val="visible"/>
+                                      </p:to>
+                                    </p:set>
+                                    <p:animEffect transition="in" filter="dissolve">
+                                      <p:cBhvr>
+                                        <p:cTn id="12" dur="500"/>
+                                        <p:tgtEl>
+                                          <p:spTgt spid="3">
+                                            <p:txEl>
+                                              <p:pRg st="1" end="1"/>
+                                            </p:txEl>
+                                          </p:spTgt>
+                                        </p:tgtEl>
+                                      </p:cBhvr>
+                                    </p:animEffect>
+                                  </p:childTnLst>
+                                </p:cTn>
+                              </p:par>
+                              <p:par>
+                                <p:cTn id="13" presetID="9" presetClass="entr" presetSubtype="0" fill="hold" grpId="0" nodeType="withEffect">
+                                  <p:stCondLst>
+                                    <p:cond delay="0"/>
+                                  </p:stCondLst>
+                                  <p:childTnLst>
+                                    <p:set>
+                                      <p:cBhvr>
+                                        <p:cTn id="14" dur="1" fill="hold">
+                                          <p:stCondLst>
+                                            <p:cond delay="0"/>
+                                          </p:stCondLst>
+                                        </p:cTn>
+                                        <p:tgtEl>
+                                          <p:spTgt spid="3">
+                                            <p:txEl>
+                                              <p:pRg st="2" end="2"/>
+                                            </p:txEl>
+                                          </p:spTgt>
+                                        </p:tgtEl>
+                                        <p:attrNameLst>
+                                          <p:attrName>style.visibility</p:attrName>
+                                        </p:attrNameLst>
+                                      </p:cBhvr>
+                                      <p:to>
+                                        <p:strVal val="visible"/>
+                                      </p:to>
+                                    </p:set>
+                                    <p:animEffect transition="in" filter="dissolve">
+                                      <p:cBhvr>
+                                        <p:cTn id="15" dur="500"/>
+                                        <p:tgtEl>
+                                          <p:spTgt spid="3">
+                                            <p:txEl>
+                                              <p:pRg st="2" end="2"/>
+                                            </p:txEl>
+                                          </p:spTgt>
+                                        </p:tgtEl>
+                                      </p:cBhvr>
+                                    </p:animEffect>
+                                  </p:childTnLst>
+                                </p:cTn>
+                              </p:par>
+                            </p:childTnLst>
+                          </p:cTn>
+                        </p:par>
+                      </p:childTnLst>
+                    </p:cTn>
+                  </p:par>
+                  <p:par>
+                    <p:cTn id="16" fill="hold" nodeType="clickPar">
+                      <p:stCondLst>
+                        <p:cond delay="indefinite"/>
+                      </p:stCondLst>
+                      <p:childTnLst>
+                        <p:par>
+                          <p:cTn id="17" fill="hold" nodeType="withGroup">
+                            <p:stCondLst>
+                              <p:cond delay="0"/>
+                            </p:stCondLst>
+                            <p:childTnLst>
+                              <p:par>
+                                <p:cTn id="18" presetID="9" presetClass="entr" presetSubtype="0" fill="hold" grpId="0" nodeType="clickEffect">
+                                  <p:stCondLst>
+                                    <p:cond delay="0"/>
+                                  </p:stCondLst>
+                                  <p:childTnLst>
+                                    <p:set>
+                                      <p:cBhvr>
+                                        <p:cTn id="19" dur="1" fill="hold">
+                                          <p:stCondLst>
+                                            <p:cond delay="0"/>
+                                          </p:stCondLst>
+                                        </p:cTn>
+                                        <p:tgtEl>
+                                          <p:spTgt spid="3">
+                                            <p:txEl>
+                                              <p:pRg st="4" end="4"/>
+                                            </p:txEl>
+                                          </p:spTgt>
+                                        </p:tgtEl>
+                                        <p:attrNameLst>
+                                          <p:attrName>style.visibility</p:attrName>
+                                        </p:attrNameLst>
+                                      </p:cBhvr>
+                                      <p:to>
+                                        <p:strVal val="visible"/>
+                                      </p:to>
+                                    </p:set>
+                                    <p:animEffect transition="in" filter="dissolve">
+                                      <p:cBhvr>
+                                        <p:cTn id="20" dur="500"/>
+                                        <p:tgtEl>
+                                          <p:spTgt spid="3">
+                                            <p:txEl>
+                                              <p:pRg st="4" end="4"/>
+                                            </p:txEl>
+                                          </p:spTgt>
+                                        </p:tgtEl>
+                                      </p:cBhvr>
+                                    </p:animEffect>
+                                  </p:childTnLst>
+                                </p:cTn>
+                              </p:par>
+                              <p:par>
+                                <p:cTn id="21" presetID="9" presetClass="entr" presetSubtype="0" fill="hold" grpId="0" nodeType="withEffect">
+                                  <p:stCondLst>
+                                    <p:cond delay="0"/>
+                                  </p:stCondLst>
+                                  <p:childTnLst>
+                                    <p:set>
+                                      <p:cBhvr>
+                                        <p:cTn id="22" dur="1" fill="hold">
+                                          <p:stCondLst>
+                                            <p:cond delay="0"/>
+                                          </p:stCondLst>
+                                        </p:cTn>
+                                        <p:tgtEl>
+                                          <p:spTgt spid="3">
+                                            <p:txEl>
+                                              <p:pRg st="5" end="5"/>
+                                            </p:txEl>
+                                          </p:spTgt>
+                                        </p:tgtEl>
+                                        <p:attrNameLst>
+                                          <p:attrName>style.visibility</p:attrName>
+                                        </p:attrNameLst>
+                                      </p:cBhvr>
+                                      <p:to>
+                                        <p:strVal val="visible"/>
+                                      </p:to>
+                                    </p:set>
+                                    <p:animEffect transition="in" filter="dissolve">
+                                      <p:cBhvr>
+                                        <p:cTn id="23" dur="500"/>
+                                        <p:tgtEl>
+                                          <p:spTgt spid="3">
+                                            <p:txEl>
+                                              <p:pRg st="5" end="5"/>
+                                            </p:txEl>
+                                          </p:spTgt>
+                                        </p:tgtEl>
+                                      </p:cBhvr>
+                                    </p:animEffect>
+                                  </p:childTnLst>
+                                </p:cTn>
+                              </p:par>
+                            </p:childTnLst>
+                          </p:cTn>
+                        </p:par>
+                      </p:childTnLst>
+                    </p:cTn>
+                  </p:par>
+                  <p:par>
+                    <p:cTn id="24" fill="hold" nodeType="clickPar">
+                      <p:stCondLst>
+                        <p:cond delay="indefinite"/>
+                      </p:stCondLst>
+                      <p:childTnLst>
+                        <p:par>
+                          <p:cTn id="25" fill="hold" nodeType="withGroup">
+                            <p:stCondLst>
+                              <p:cond delay="0"/>
+                            </p:stCondLst>
+                            <p:childTnLst>
+                              <p:par>
+                                <p:cTn id="26" presetID="9" presetClass="entr" presetSubtype="0" fill="hold" grpId="0" nodeType="clickEffect">
+                                  <p:stCondLst>
+                                    <p:cond delay="0"/>
+                                  </p:stCondLst>
+                                  <p:childTnLst>
+                                    <p:set>
+                                      <p:cBhvr>
+                                        <p:cTn id="27" dur="1" fill="hold">
+                                          <p:stCondLst>
+                                            <p:cond delay="0"/>
+                                          </p:stCondLst>
+                                        </p:cTn>
+                                        <p:tgtEl>
+                                          <p:spTgt spid="3">
+                                            <p:txEl>
+                                              <p:pRg st="7" end="7"/>
+                                            </p:txEl>
+                                          </p:spTgt>
+                                        </p:tgtEl>
+                                        <p:attrNameLst>
+                                          <p:attrName>style.visibility</p:attrName>
+                                        </p:attrNameLst>
+                                      </p:cBhvr>
+                                      <p:to>
+                                        <p:strVal val="visible"/>
+                                      </p:to>
+                                    </p:set>
+                                    <p:animEffect transition="in" filter="dissolve">
+                                      <p:cBhvr>
+                                        <p:cTn id="28" dur="500"/>
+                                        <p:tgtEl>
+                                          <p:spTgt spid="3">
+                                            <p:txEl>
+                                              <p:pRg st="7" end="7"/>
+                                            </p:txEl>
+                                          </p:spTgt>
+                                        </p:tgtEl>
+                                      </p:cBhvr>
+                                    </p:animEffect>
+                                  </p:childTnLst>
+                                </p:cTn>
+                              </p:par>
+                              <p:par>
+                                <p:cTn id="29" presetID="9" presetClass="entr" presetSubtype="0" fill="hold" grpId="0" nodeType="withEffect">
+                                  <p:stCondLst>
+                                    <p:cond delay="0"/>
+                                  </p:stCondLst>
+                                  <p:childTnLst>
+                                    <p:set>
+                                      <p:cBhvr>
+                                        <p:cTn id="30" dur="1" fill="hold">
+                                          <p:stCondLst>
+                                            <p:cond delay="0"/>
+                                          </p:stCondLst>
+                                        </p:cTn>
+                                        <p:tgtEl>
+                                          <p:spTgt spid="3">
+                                            <p:txEl>
+                                              <p:pRg st="8" end="8"/>
+                                            </p:txEl>
+                                          </p:spTgt>
+                                        </p:tgtEl>
+                                        <p:attrNameLst>
+                                          <p:attrName>style.visibility</p:attrName>
+                                        </p:attrNameLst>
+                                      </p:cBhvr>
+                                      <p:to>
+                                        <p:strVal val="visible"/>
+                                      </p:to>
+                                    </p:set>
+                                    <p:animEffect transition="in" filter="dissolve">
+                                      <p:cBhvr>
+                                        <p:cTn id="31" dur="500"/>
+                                        <p:tgtEl>
+                                          <p:spTgt spid="3">
+                                            <p:txEl>
+                                              <p:pRg st="8" end="8"/>
+                                            </p:txEl>
+                                          </p:spTgt>
+                                        </p:tgtEl>
+                                      </p:cBhvr>
+                                    </p:animEffect>
+                                  </p:childTnLst>
+                                </p:cTn>
+                              </p:par>
+                            </p:childTnLst>
+                          </p:cTn>
+                        </p:par>
+                      </p:childTnLst>
+                    </p:cTn>
+                  </p:par>
+                </p:childTnLst>
+              </p:cTn>
+              <p:prevCondLst>
+                <p:cond evt="onPrev" delay="0">
+                  <p:tgtEl>
+                    <p:sldTgt/>
+                  </p:tgtEl>
+                </p:cond>
+              </p:prevCondLst>
+              <p:nextCondLst>
+                <p:cond evt="onNext" delay="0">
+                  <p:tgtEl>
+                    <p:sldTgt/>
+                  </p:tgtEl>
+                </p:cond>
+              </p:nextCondLst>
+            </p:seq>
+          </p:childTnLst>
+        </p:cTn>
+      </p:par>
+    </p:tnLst>
+    <p:bldLst>
+      <p:bldP spid="3" grpId="0" build="p"/>
+    </p:bldLst>
+  </p:timing>
+</p:sld>
+</file>
+
 <file path=ppt/slides/slide4.xml><?xml version="1.0" encoding="utf-8"?>
 <p:sld xmlns:a="http://schemas.openxmlformats.org/drawingml/2006/main" xmlns:r="http://schemas.openxmlformats.org/officeDocument/2006/relationships" xmlns:p="http://schemas.openxmlformats.org/presentationml/2006/main">
   <p:cSld>
@@ -6436,6 +12336,1150 @@
     <p:extLst>
       <p:ext uri="{BB962C8B-B14F-4D97-AF65-F5344CB8AC3E}">
         <p14:creationId xmlns:p14="http://schemas.microsoft.com/office/powerpoint/2010/main" val="365289425"/>
+      </p:ext>
+    </p:extLst>
+  </p:cSld>
+  <p:clrMapOvr>
+    <a:masterClrMapping/>
+  </p:clrMapOvr>
+</p:sld>
+</file>
+
+<file path=ppt/slides/slide40.xml><?xml version="1.0" encoding="utf-8"?>
+<p:sld xmlns:a="http://schemas.openxmlformats.org/drawingml/2006/main" xmlns:r="http://schemas.openxmlformats.org/officeDocument/2006/relationships" xmlns:p="http://schemas.openxmlformats.org/presentationml/2006/main">
+  <p:cSld>
+    <p:spTree>
+      <p:nvGrpSpPr>
+        <p:cNvPr id="1" name=""/>
+        <p:cNvGrpSpPr/>
+        <p:nvPr/>
+      </p:nvGrpSpPr>
+      <p:grpSpPr>
+        <a:xfrm>
+          <a:off x="0" y="0"/>
+          <a:ext cx="0" cy="0"/>
+          <a:chOff x="0" y="0"/>
+          <a:chExt cx="0" cy="0"/>
+        </a:xfrm>
+      </p:grpSpPr>
+      <p:sp>
+        <p:nvSpPr>
+          <p:cNvPr id="2" name="Title 1">
+            <a:extLst>
+              <a:ext uri="{FF2B5EF4-FFF2-40B4-BE49-F238E27FC236}">
+                <a16:creationId xmlns:a16="http://schemas.microsoft.com/office/drawing/2014/main" id="{2B4D1C95-79A7-4040-8BBB-D436FCAA8966}"/>
+              </a:ext>
+            </a:extLst>
+          </p:cNvPr>
+          <p:cNvSpPr>
+            <a:spLocks noGrp="1"/>
+          </p:cNvSpPr>
+          <p:nvPr>
+            <p:ph type="title"/>
+          </p:nvPr>
+        </p:nvSpPr>
+        <p:spPr/>
+        <p:txBody>
+          <a:bodyPr/>
+          <a:lstStyle/>
+          <a:p>
+            <a:endParaRPr lang="en-US"/>
+          </a:p>
+        </p:txBody>
+      </p:sp>
+      <mc:AlternateContent xmlns:mc="http://schemas.openxmlformats.org/markup-compatibility/2006">
+        <mc:Choice xmlns:a14="http://schemas.microsoft.com/office/drawing/2010/main" Requires="a14">
+          <p:sp>
+            <p:nvSpPr>
+              <p:cNvPr id="3" name="Content Placeholder 2">
+                <a:extLst>
+                  <a:ext uri="{FF2B5EF4-FFF2-40B4-BE49-F238E27FC236}">
+                    <a16:creationId xmlns:a16="http://schemas.microsoft.com/office/drawing/2014/main" id="{D517F24A-278A-4ED9-94F6-25B646D30802}"/>
+                  </a:ext>
+                </a:extLst>
+              </p:cNvPr>
+              <p:cNvSpPr>
+                <a:spLocks noGrp="1"/>
+              </p:cNvSpPr>
+              <p:nvPr>
+                <p:ph idx="1"/>
+              </p:nvPr>
+            </p:nvSpPr>
+            <p:spPr/>
+            <p:txBody>
+              <a:bodyPr/>
+              <a:lstStyle/>
+              <a:p>
+                <a:pPr marL="0" indent="0" eaLnBrk="1" hangingPunct="1">
+                  <a:buNone/>
+                </a:pPr>
+                <a:r>
+                  <a:rPr lang="en-US" altLang="en-US" sz="2400" b="1" dirty="0"/>
+                  <a:t>Limit</a:t>
+                </a:r>
+              </a:p>
+              <a:p>
+                <a:pPr eaLnBrk="1" hangingPunct="1"/>
+                <a:r>
+                  <a:rPr lang="en-US" altLang="en-US" sz="2400" b="1" dirty="0"/>
+                  <a:t>Upper Bound - O: </a:t>
+                </a:r>
+              </a:p>
+              <a:p>
+                <a:pPr lvl="1" eaLnBrk="1" hangingPunct="1"/>
+                <a:r>
+                  <a:rPr lang="en-US" altLang="en-US" sz="2000" b="1" dirty="0"/>
+                  <a:t>For T(n) a non-negative function, T(n) is in Ο(f(n)) if </a:t>
+                </a:r>
+                <a14:m>
+                  <m:oMath xmlns:m="http://schemas.openxmlformats.org/officeDocument/2006/math">
+                    <m:func>
+                      <m:funcPr>
+                        <m:ctrlPr>
+                          <a:rPr lang="en-US" altLang="en-US" sz="1800" b="1" i="1" smtClean="0">
+                            <a:latin typeface="Cambria Math" panose="02040503050406030204" pitchFamily="18" charset="0"/>
+                          </a:rPr>
+                        </m:ctrlPr>
+                      </m:funcPr>
+                      <m:fName>
+                        <m:limLow>
+                          <m:limLowPr>
+                            <m:ctrlPr>
+                              <a:rPr lang="en-US" altLang="en-US" sz="1800" b="1" i="1" smtClean="0">
+                                <a:latin typeface="Cambria Math" panose="02040503050406030204" pitchFamily="18" charset="0"/>
+                              </a:rPr>
+                            </m:ctrlPr>
+                          </m:limLowPr>
+                          <m:e>
+                            <m:r>
+                              <m:rPr>
+                                <m:sty m:val="p"/>
+                              </m:rPr>
+                              <a:rPr lang="en-US" altLang="en-US" sz="1800" b="0" i="0" smtClean="0">
+                                <a:latin typeface="Cambria Math" panose="02040503050406030204" pitchFamily="18" charset="0"/>
+                              </a:rPr>
+                              <m:t>lim</m:t>
+                            </m:r>
+                          </m:e>
+                          <m:lim>
+                            <m:r>
+                              <a:rPr lang="en-US" altLang="en-US" sz="1800" b="1" i="1" smtClean="0">
+                                <a:latin typeface="Cambria Math" panose="02040503050406030204" pitchFamily="18" charset="0"/>
+                              </a:rPr>
+                              <m:t>𝒏</m:t>
+                            </m:r>
+                            <m:r>
+                              <a:rPr lang="en-US" altLang="en-US" sz="1800" b="1" i="1" smtClean="0">
+                                <a:latin typeface="Cambria Math" panose="02040503050406030204" pitchFamily="18" charset="0"/>
+                                <a:ea typeface="Cambria Math" panose="02040503050406030204" pitchFamily="18" charset="0"/>
+                              </a:rPr>
+                              <m:t>→∞</m:t>
+                            </m:r>
+                          </m:lim>
+                        </m:limLow>
+                      </m:fName>
+                      <m:e>
+                        <m:f>
+                          <m:fPr>
+                            <m:ctrlPr>
+                              <a:rPr lang="en-US" altLang="en-US" sz="1800" b="1" i="1" smtClean="0">
+                                <a:latin typeface="Cambria Math" panose="02040503050406030204" pitchFamily="18" charset="0"/>
+                              </a:rPr>
+                            </m:ctrlPr>
+                          </m:fPr>
+                          <m:num>
+                            <m:r>
+                              <a:rPr lang="en-US" altLang="en-US" sz="1800" b="1" i="1" smtClean="0">
+                                <a:latin typeface="Cambria Math" panose="02040503050406030204" pitchFamily="18" charset="0"/>
+                              </a:rPr>
+                              <m:t>𝑻</m:t>
+                            </m:r>
+                            <m:r>
+                              <a:rPr lang="en-US" altLang="en-US" sz="1800" b="1" i="1" smtClean="0">
+                                <a:latin typeface="Cambria Math" panose="02040503050406030204" pitchFamily="18" charset="0"/>
+                              </a:rPr>
+                              <m:t>(</m:t>
+                            </m:r>
+                            <m:r>
+                              <a:rPr lang="en-US" altLang="en-US" sz="1800" b="1" i="1" smtClean="0">
+                                <a:latin typeface="Cambria Math" panose="02040503050406030204" pitchFamily="18" charset="0"/>
+                              </a:rPr>
+                              <m:t>𝒏</m:t>
+                            </m:r>
+                            <m:r>
+                              <a:rPr lang="en-US" altLang="en-US" sz="1800" b="1" i="1" smtClean="0">
+                                <a:latin typeface="Cambria Math" panose="02040503050406030204" pitchFamily="18" charset="0"/>
+                              </a:rPr>
+                              <m:t>)</m:t>
+                            </m:r>
+                          </m:num>
+                          <m:den>
+                            <m:r>
+                              <a:rPr lang="en-US" altLang="en-US" sz="1800" b="1" i="1" smtClean="0">
+                                <a:latin typeface="Cambria Math" panose="02040503050406030204" pitchFamily="18" charset="0"/>
+                              </a:rPr>
+                              <m:t>𝒇</m:t>
+                            </m:r>
+                            <m:r>
+                              <a:rPr lang="en-US" altLang="en-US" sz="1800" b="1" i="1" smtClean="0">
+                                <a:latin typeface="Cambria Math" panose="02040503050406030204" pitchFamily="18" charset="0"/>
+                              </a:rPr>
+                              <m:t>(</m:t>
+                            </m:r>
+                            <m:r>
+                              <a:rPr lang="en-US" altLang="en-US" sz="1800" b="1" i="1" smtClean="0">
+                                <a:latin typeface="Cambria Math" panose="02040503050406030204" pitchFamily="18" charset="0"/>
+                              </a:rPr>
+                              <m:t>𝒏</m:t>
+                            </m:r>
+                            <m:r>
+                              <a:rPr lang="en-US" altLang="en-US" sz="1800" b="1" i="1" smtClean="0">
+                                <a:latin typeface="Cambria Math" panose="02040503050406030204" pitchFamily="18" charset="0"/>
+                              </a:rPr>
+                              <m:t>)</m:t>
+                            </m:r>
+                          </m:den>
+                        </m:f>
+                      </m:e>
+                    </m:func>
+                    <m:r>
+                      <a:rPr lang="en-US" altLang="en-US" sz="1800" b="1" i="1" smtClean="0">
+                        <a:latin typeface="Cambria Math" panose="02040503050406030204" pitchFamily="18" charset="0"/>
+                      </a:rPr>
+                      <m:t>&lt;</m:t>
+                    </m:r>
+                  </m:oMath>
+                </a14:m>
+                <a:r>
+                  <a:rPr lang="en-US" altLang="en-US" sz="2000" b="1" dirty="0">
+                    <a:ea typeface="Cambria Math" panose="02040503050406030204" pitchFamily="18" charset="0"/>
+                  </a:rPr>
+                  <a:t> </a:t>
+                </a:r>
+                <a14:m>
+                  <m:oMath xmlns:m="http://schemas.openxmlformats.org/officeDocument/2006/math">
+                    <m:r>
+                      <a:rPr lang="en-US" altLang="en-US" sz="2000" b="1" i="1" smtClean="0">
+                        <a:latin typeface="Cambria Math" panose="02040503050406030204" pitchFamily="18" charset="0"/>
+                        <a:ea typeface="Cambria Math" panose="02040503050406030204" pitchFamily="18" charset="0"/>
+                      </a:rPr>
+                      <m:t>∞</m:t>
+                    </m:r>
+                  </m:oMath>
+                </a14:m>
+                <a:endParaRPr lang="en-US" altLang="en-US" sz="2000" b="1" dirty="0"/>
+              </a:p>
+              <a:p>
+                <a:pPr lvl="4" eaLnBrk="1" hangingPunct="1"/>
+                <a:endParaRPr lang="en-US" altLang="en-US" sz="1200" b="1" dirty="0"/>
+              </a:p>
+              <a:p>
+                <a:pPr eaLnBrk="1" hangingPunct="1"/>
+                <a:r>
+                  <a:rPr lang="en-US" altLang="en-US" sz="2400" b="1" dirty="0"/>
+                  <a:t>Lower Bound - Ω:</a:t>
+                </a:r>
+              </a:p>
+              <a:p>
+                <a:pPr lvl="1" eaLnBrk="1" hangingPunct="1"/>
+                <a:r>
+                  <a:rPr lang="en-US" altLang="en-US" sz="2000" b="1" dirty="0"/>
+                  <a:t>For T(n) a non-negative function, T(n) is in Ω(g(n)) if </a:t>
+                </a:r>
+                <a14:m>
+                  <m:oMath xmlns:m="http://schemas.openxmlformats.org/officeDocument/2006/math">
+                    <m:func>
+                      <m:funcPr>
+                        <m:ctrlPr>
+                          <a:rPr lang="en-US" altLang="en-US" sz="1800" b="1" i="1">
+                            <a:solidFill>
+                              <a:srgbClr val="000000"/>
+                            </a:solidFill>
+                            <a:latin typeface="Cambria Math" panose="02040503050406030204" pitchFamily="18" charset="0"/>
+                          </a:rPr>
+                        </m:ctrlPr>
+                      </m:funcPr>
+                      <m:fName>
+                        <m:limLow>
+                          <m:limLowPr>
+                            <m:ctrlPr>
+                              <a:rPr lang="en-US" altLang="en-US" sz="1800" b="1" i="1">
+                                <a:solidFill>
+                                  <a:srgbClr val="000000"/>
+                                </a:solidFill>
+                                <a:latin typeface="Cambria Math" panose="02040503050406030204" pitchFamily="18" charset="0"/>
+                              </a:rPr>
+                            </m:ctrlPr>
+                          </m:limLowPr>
+                          <m:e>
+                            <m:r>
+                              <m:rPr>
+                                <m:sty m:val="p"/>
+                              </m:rPr>
+                              <a:rPr lang="en-US" altLang="en-US" sz="1800">
+                                <a:solidFill>
+                                  <a:srgbClr val="000000"/>
+                                </a:solidFill>
+                                <a:latin typeface="Cambria Math" panose="02040503050406030204" pitchFamily="18" charset="0"/>
+                              </a:rPr>
+                              <m:t>lim</m:t>
+                            </m:r>
+                          </m:e>
+                          <m:lim>
+                            <m:r>
+                              <a:rPr lang="en-US" altLang="en-US" sz="1800" b="1" i="1">
+                                <a:solidFill>
+                                  <a:srgbClr val="000000"/>
+                                </a:solidFill>
+                                <a:latin typeface="Cambria Math" panose="02040503050406030204" pitchFamily="18" charset="0"/>
+                              </a:rPr>
+                              <m:t>𝒏</m:t>
+                            </m:r>
+                            <m:r>
+                              <a:rPr lang="en-US" altLang="en-US" sz="1800" b="1" i="1">
+                                <a:solidFill>
+                                  <a:srgbClr val="000000"/>
+                                </a:solidFill>
+                                <a:latin typeface="Cambria Math" panose="02040503050406030204" pitchFamily="18" charset="0"/>
+                                <a:ea typeface="Cambria Math" panose="02040503050406030204" pitchFamily="18" charset="0"/>
+                              </a:rPr>
+                              <m:t>→∞</m:t>
+                            </m:r>
+                          </m:lim>
+                        </m:limLow>
+                      </m:fName>
+                      <m:e>
+                        <m:f>
+                          <m:fPr>
+                            <m:ctrlPr>
+                              <a:rPr lang="en-US" altLang="en-US" sz="1800" b="1" i="1">
+                                <a:solidFill>
+                                  <a:srgbClr val="000000"/>
+                                </a:solidFill>
+                                <a:latin typeface="Cambria Math" panose="02040503050406030204" pitchFamily="18" charset="0"/>
+                              </a:rPr>
+                            </m:ctrlPr>
+                          </m:fPr>
+                          <m:num>
+                            <m:r>
+                              <a:rPr lang="en-US" altLang="en-US" sz="1800" b="1" i="1">
+                                <a:solidFill>
+                                  <a:srgbClr val="000000"/>
+                                </a:solidFill>
+                                <a:latin typeface="Cambria Math" panose="02040503050406030204" pitchFamily="18" charset="0"/>
+                              </a:rPr>
+                              <m:t>𝑻</m:t>
+                            </m:r>
+                            <m:r>
+                              <a:rPr lang="en-US" altLang="en-US" sz="1800" b="1" i="1">
+                                <a:solidFill>
+                                  <a:srgbClr val="000000"/>
+                                </a:solidFill>
+                                <a:latin typeface="Cambria Math" panose="02040503050406030204" pitchFamily="18" charset="0"/>
+                              </a:rPr>
+                              <m:t>(</m:t>
+                            </m:r>
+                            <m:r>
+                              <a:rPr lang="en-US" altLang="en-US" sz="1800" b="1" i="1">
+                                <a:solidFill>
+                                  <a:srgbClr val="000000"/>
+                                </a:solidFill>
+                                <a:latin typeface="Cambria Math" panose="02040503050406030204" pitchFamily="18" charset="0"/>
+                              </a:rPr>
+                              <m:t>𝒏</m:t>
+                            </m:r>
+                            <m:r>
+                              <a:rPr lang="en-US" altLang="en-US" sz="1800" b="1" i="1">
+                                <a:solidFill>
+                                  <a:srgbClr val="000000"/>
+                                </a:solidFill>
+                                <a:latin typeface="Cambria Math" panose="02040503050406030204" pitchFamily="18" charset="0"/>
+                              </a:rPr>
+                              <m:t>)</m:t>
+                            </m:r>
+                          </m:num>
+                          <m:den>
+                            <m:r>
+                              <a:rPr lang="en-US" altLang="en-US" sz="1800" b="1" i="1">
+                                <a:solidFill>
+                                  <a:srgbClr val="000000"/>
+                                </a:solidFill>
+                                <a:latin typeface="Cambria Math" panose="02040503050406030204" pitchFamily="18" charset="0"/>
+                              </a:rPr>
+                              <m:t>𝒇</m:t>
+                            </m:r>
+                            <m:r>
+                              <a:rPr lang="en-US" altLang="en-US" sz="1800" b="1" i="1">
+                                <a:solidFill>
+                                  <a:srgbClr val="000000"/>
+                                </a:solidFill>
+                                <a:latin typeface="Cambria Math" panose="02040503050406030204" pitchFamily="18" charset="0"/>
+                              </a:rPr>
+                              <m:t>(</m:t>
+                            </m:r>
+                            <m:r>
+                              <a:rPr lang="en-US" altLang="en-US" sz="1800" b="1" i="1">
+                                <a:solidFill>
+                                  <a:srgbClr val="000000"/>
+                                </a:solidFill>
+                                <a:latin typeface="Cambria Math" panose="02040503050406030204" pitchFamily="18" charset="0"/>
+                              </a:rPr>
+                              <m:t>𝒏</m:t>
+                            </m:r>
+                            <m:r>
+                              <a:rPr lang="en-US" altLang="en-US" sz="1800" b="1" i="1">
+                                <a:solidFill>
+                                  <a:srgbClr val="000000"/>
+                                </a:solidFill>
+                                <a:latin typeface="Cambria Math" panose="02040503050406030204" pitchFamily="18" charset="0"/>
+                              </a:rPr>
+                              <m:t>)</m:t>
+                            </m:r>
+                          </m:den>
+                        </m:f>
+                      </m:e>
+                    </m:func>
+                    <m:r>
+                      <a:rPr lang="en-US" altLang="en-US" sz="1800" b="1" i="0" smtClean="0">
+                        <a:solidFill>
+                          <a:srgbClr val="000000"/>
+                        </a:solidFill>
+                        <a:latin typeface="Cambria Math" panose="02040503050406030204" pitchFamily="18" charset="0"/>
+                      </a:rPr>
+                      <m:t>!=</m:t>
+                    </m:r>
+                    <m:r>
+                      <a:rPr lang="en-US" altLang="en-US" sz="1800" b="1">
+                        <a:solidFill>
+                          <a:srgbClr val="000000"/>
+                        </a:solidFill>
+                        <a:latin typeface="Cambria Math" panose="02040503050406030204" pitchFamily="18" charset="0"/>
+                      </a:rPr>
+                      <m:t>𝟎</m:t>
+                    </m:r>
+                  </m:oMath>
+                </a14:m>
+                <a:endParaRPr lang="en-US" altLang="en-US" sz="2000" b="1" dirty="0">
+                  <a:solidFill>
+                    <a:srgbClr val="000000"/>
+                  </a:solidFill>
+                </a:endParaRPr>
+              </a:p>
+              <a:p>
+                <a:pPr lvl="1" eaLnBrk="1" hangingPunct="1"/>
+                <a:endParaRPr lang="en-US" altLang="en-US" sz="2000" b="1" dirty="0"/>
+              </a:p>
+              <a:p>
+                <a:pPr lvl="4" eaLnBrk="1" hangingPunct="1"/>
+                <a:endParaRPr lang="en-US" altLang="en-US" sz="1200" b="1" dirty="0"/>
+              </a:p>
+              <a:p>
+                <a:pPr eaLnBrk="1" hangingPunct="1"/>
+                <a:r>
+                  <a:rPr lang="en-US" altLang="en-US" sz="2400" b="1" dirty="0"/>
+                  <a:t>Theta Bound - Θ:</a:t>
+                </a:r>
+              </a:p>
+              <a:p>
+                <a:pPr lvl="1" eaLnBrk="1" hangingPunct="1"/>
+                <a:r>
+                  <a:rPr lang="en-US" altLang="en-US" sz="2000" b="1" dirty="0"/>
+                  <a:t>For T(n) a non-negative function, T(n) is in Θ(g(n)) if </a:t>
+                </a:r>
+                <a14:m>
+                  <m:oMath xmlns:m="http://schemas.openxmlformats.org/officeDocument/2006/math">
+                    <m:func>
+                      <m:funcPr>
+                        <m:ctrlPr>
+                          <a:rPr lang="en-US" altLang="en-US" sz="2000" b="1" i="1" smtClean="0">
+                            <a:latin typeface="Cambria Math" panose="02040503050406030204" pitchFamily="18" charset="0"/>
+                          </a:rPr>
+                        </m:ctrlPr>
+                      </m:funcPr>
+                      <m:fName>
+                        <m:limLow>
+                          <m:limLowPr>
+                            <m:ctrlPr>
+                              <a:rPr lang="en-US" altLang="en-US" sz="2000" b="1" i="1" smtClean="0">
+                                <a:latin typeface="Cambria Math" panose="02040503050406030204" pitchFamily="18" charset="0"/>
+                              </a:rPr>
+                            </m:ctrlPr>
+                          </m:limLowPr>
+                          <m:e>
+                            <m:r>
+                              <m:rPr>
+                                <m:sty m:val="p"/>
+                              </m:rPr>
+                              <a:rPr lang="en-US" altLang="en-US" sz="2000" b="0" i="0" smtClean="0">
+                                <a:latin typeface="Cambria Math" panose="02040503050406030204" pitchFamily="18" charset="0"/>
+                              </a:rPr>
+                              <m:t>lim</m:t>
+                            </m:r>
+                          </m:e>
+                          <m:lim>
+                            <m:r>
+                              <a:rPr lang="en-US" altLang="en-US" sz="2000" b="1" i="1" smtClean="0">
+                                <a:latin typeface="Cambria Math" panose="02040503050406030204" pitchFamily="18" charset="0"/>
+                              </a:rPr>
+                              <m:t>𝒏</m:t>
+                            </m:r>
+                            <m:r>
+                              <a:rPr lang="en-US" altLang="en-US" sz="2000" b="1" i="1" smtClean="0">
+                                <a:latin typeface="Cambria Math" panose="02040503050406030204" pitchFamily="18" charset="0"/>
+                                <a:ea typeface="Cambria Math" panose="02040503050406030204" pitchFamily="18" charset="0"/>
+                              </a:rPr>
+                              <m:t>→∞</m:t>
+                            </m:r>
+                          </m:lim>
+                        </m:limLow>
+                      </m:fName>
+                      <m:e>
+                        <m:f>
+                          <m:fPr>
+                            <m:ctrlPr>
+                              <a:rPr lang="en-US" altLang="en-US" sz="2000" b="1" i="1" smtClean="0">
+                                <a:latin typeface="Cambria Math" panose="02040503050406030204" pitchFamily="18" charset="0"/>
+                              </a:rPr>
+                            </m:ctrlPr>
+                          </m:fPr>
+                          <m:num>
+                            <m:r>
+                              <a:rPr lang="en-US" altLang="en-US" sz="2000" b="1" i="1" smtClean="0">
+                                <a:latin typeface="Cambria Math" panose="02040503050406030204" pitchFamily="18" charset="0"/>
+                              </a:rPr>
+                              <m:t>𝑻</m:t>
+                            </m:r>
+                            <m:r>
+                              <a:rPr lang="en-US" altLang="en-US" sz="2000" b="1" i="1" smtClean="0">
+                                <a:latin typeface="Cambria Math" panose="02040503050406030204" pitchFamily="18" charset="0"/>
+                              </a:rPr>
+                              <m:t>(</m:t>
+                            </m:r>
+                            <m:r>
+                              <a:rPr lang="en-US" altLang="en-US" sz="2000" b="1" i="1" smtClean="0">
+                                <a:latin typeface="Cambria Math" panose="02040503050406030204" pitchFamily="18" charset="0"/>
+                              </a:rPr>
+                              <m:t>𝒏</m:t>
+                            </m:r>
+                            <m:r>
+                              <a:rPr lang="en-US" altLang="en-US" sz="2000" b="1" i="1" smtClean="0">
+                                <a:latin typeface="Cambria Math" panose="02040503050406030204" pitchFamily="18" charset="0"/>
+                              </a:rPr>
+                              <m:t>)</m:t>
+                            </m:r>
+                          </m:num>
+                          <m:den>
+                            <m:r>
+                              <a:rPr lang="en-US" altLang="en-US" sz="2000" b="1" i="1" smtClean="0">
+                                <a:latin typeface="Cambria Math" panose="02040503050406030204" pitchFamily="18" charset="0"/>
+                              </a:rPr>
+                              <m:t>𝒇</m:t>
+                            </m:r>
+                            <m:r>
+                              <a:rPr lang="en-US" altLang="en-US" sz="2000" b="1" i="1" smtClean="0">
+                                <a:latin typeface="Cambria Math" panose="02040503050406030204" pitchFamily="18" charset="0"/>
+                              </a:rPr>
+                              <m:t>(</m:t>
+                            </m:r>
+                            <m:r>
+                              <a:rPr lang="en-US" altLang="en-US" sz="2000" b="1" i="1" smtClean="0">
+                                <a:latin typeface="Cambria Math" panose="02040503050406030204" pitchFamily="18" charset="0"/>
+                              </a:rPr>
+                              <m:t>𝒏</m:t>
+                            </m:r>
+                            <m:r>
+                              <a:rPr lang="en-US" altLang="en-US" sz="2000" b="1" i="1" smtClean="0">
+                                <a:latin typeface="Cambria Math" panose="02040503050406030204" pitchFamily="18" charset="0"/>
+                              </a:rPr>
+                              <m:t>)</m:t>
+                            </m:r>
+                          </m:den>
+                        </m:f>
+                      </m:e>
+                    </m:func>
+                    <m:r>
+                      <a:rPr lang="en-US" altLang="en-US" sz="2000" b="1" i="0" smtClean="0">
+                        <a:latin typeface="Cambria Math" panose="02040503050406030204" pitchFamily="18" charset="0"/>
+                      </a:rPr>
+                      <m:t>=</m:t>
+                    </m:r>
+                    <m:r>
+                      <a:rPr lang="en-US" altLang="en-US" sz="2000" b="1" i="0" smtClean="0">
+                        <a:latin typeface="Cambria Math" panose="02040503050406030204" pitchFamily="18" charset="0"/>
+                      </a:rPr>
+                      <m:t>𝐧𝐨𝐧𝐳𝐞𝐫𝐨</m:t>
+                    </m:r>
+                    <m:r>
+                      <a:rPr lang="en-US" altLang="en-US" sz="2000" b="1" i="0" smtClean="0">
+                        <a:latin typeface="Cambria Math" panose="02040503050406030204" pitchFamily="18" charset="0"/>
+                      </a:rPr>
+                      <m:t> </m:t>
+                    </m:r>
+                    <m:r>
+                      <a:rPr lang="en-US" altLang="en-US" sz="2000" b="1" i="0" smtClean="0">
+                        <a:latin typeface="Cambria Math" panose="02040503050406030204" pitchFamily="18" charset="0"/>
+                      </a:rPr>
+                      <m:t>𝐜𝐨𝐧𝐬𝐭𝐚𝐧𝐭</m:t>
+                    </m:r>
+                  </m:oMath>
+                </a14:m>
+                <a:endParaRPr lang="en-US" altLang="en-US" sz="2400" b="1" dirty="0"/>
+              </a:p>
+              <a:p>
+                <a:pPr lvl="1" eaLnBrk="1" hangingPunct="1"/>
+                <a:endParaRPr lang="en-US" altLang="en-US" sz="2000" b="1" dirty="0"/>
+              </a:p>
+              <a:p>
+                <a:pPr marL="0" indent="0">
+                  <a:buNone/>
+                </a:pPr>
+                <a:endParaRPr lang="en-US" dirty="0"/>
+              </a:p>
+            </p:txBody>
+          </p:sp>
+        </mc:Choice>
+        <mc:Fallback>
+          <p:sp>
+            <p:nvSpPr>
+              <p:cNvPr id="3" name="Content Placeholder 2">
+                <a:extLst>
+                  <a:ext uri="{FF2B5EF4-FFF2-40B4-BE49-F238E27FC236}">
+                    <a16:creationId xmlns:a16="http://schemas.microsoft.com/office/drawing/2014/main" id="{D517F24A-278A-4ED9-94F6-25B646D30802}"/>
+                  </a:ext>
+                </a:extLst>
+              </p:cNvPr>
+              <p:cNvSpPr>
+                <a:spLocks noGrp="1" noRot="1" noChangeAspect="1" noMove="1" noResize="1" noEditPoints="1" noAdjustHandles="1" noChangeArrowheads="1" noChangeShapeType="1" noTextEdit="1"/>
+              </p:cNvSpPr>
+              <p:nvPr>
+                <p:ph idx="1"/>
+              </p:nvPr>
+            </p:nvSpPr>
+            <p:spPr>
+              <a:blipFill>
+                <a:blip r:embed="rId2"/>
+                <a:stretch>
+                  <a:fillRect l="-889" t="-1067"/>
+                </a:stretch>
+              </a:blipFill>
+            </p:spPr>
+            <p:txBody>
+              <a:bodyPr/>
+              <a:lstStyle/>
+              <a:p>
+                <a:r>
+                  <a:rPr lang="en-US">
+                    <a:noFill/>
+                  </a:rPr>
+                  <a:t> </a:t>
+                </a:r>
+              </a:p>
+            </p:txBody>
+          </p:sp>
+        </mc:Fallback>
+      </mc:AlternateContent>
+    </p:spTree>
+    <p:extLst>
+      <p:ext uri="{BB962C8B-B14F-4D97-AF65-F5344CB8AC3E}">
+        <p14:creationId xmlns:p14="http://schemas.microsoft.com/office/powerpoint/2010/main" val="568049905"/>
+      </p:ext>
+    </p:extLst>
+  </p:cSld>
+  <p:clrMapOvr>
+    <a:masterClrMapping/>
+  </p:clrMapOvr>
+</p:sld>
+</file>
+
+<file path=ppt/slides/slide41.xml><?xml version="1.0" encoding="utf-8"?>
+<p:sld xmlns:a="http://schemas.openxmlformats.org/drawingml/2006/main" xmlns:r="http://schemas.openxmlformats.org/officeDocument/2006/relationships" xmlns:p="http://schemas.openxmlformats.org/presentationml/2006/main">
+  <p:cSld>
+    <p:spTree>
+      <p:nvGrpSpPr>
+        <p:cNvPr id="1" name=""/>
+        <p:cNvGrpSpPr/>
+        <p:nvPr/>
+      </p:nvGrpSpPr>
+      <p:grpSpPr>
+        <a:xfrm>
+          <a:off x="0" y="0"/>
+          <a:ext cx="0" cy="0"/>
+          <a:chOff x="0" y="0"/>
+          <a:chExt cx="0" cy="0"/>
+        </a:xfrm>
+      </p:grpSpPr>
+      <p:sp>
+        <p:nvSpPr>
+          <p:cNvPr id="2" name="Title 1">
+            <a:extLst>
+              <a:ext uri="{FF2B5EF4-FFF2-40B4-BE49-F238E27FC236}">
+                <a16:creationId xmlns:a16="http://schemas.microsoft.com/office/drawing/2014/main" id="{9567CBB5-F820-43F1-A573-F0175996D867}"/>
+              </a:ext>
+            </a:extLst>
+          </p:cNvPr>
+          <p:cNvSpPr>
+            <a:spLocks noGrp="1"/>
+          </p:cNvSpPr>
+          <p:nvPr>
+            <p:ph type="title"/>
+          </p:nvPr>
+        </p:nvSpPr>
+        <p:spPr>
+          <a:xfrm>
+            <a:off x="2286000" y="31750"/>
+            <a:ext cx="8229600" cy="1143000"/>
+          </a:xfrm>
+        </p:spPr>
+        <p:txBody>
+          <a:bodyPr/>
+          <a:lstStyle/>
+          <a:p>
+            <a:pPr>
+              <a:defRPr/>
+            </a:pPr>
+            <a:r>
+              <a:rPr lang="en-US" dirty="0">
+                <a:ea typeface="+mj-ea"/>
+              </a:rPr>
+              <a:t>Asymptotic Bound Simplification</a:t>
+            </a:r>
+          </a:p>
+        </p:txBody>
+      </p:sp>
+      <p:sp>
+        <p:nvSpPr>
+          <p:cNvPr id="9219" name="Content Placeholder 2">
+            <a:extLst>
+              <a:ext uri="{FF2B5EF4-FFF2-40B4-BE49-F238E27FC236}">
+                <a16:creationId xmlns:a16="http://schemas.microsoft.com/office/drawing/2014/main" id="{C6473916-74D1-43D0-8ACF-29C7A106FEBC}"/>
+              </a:ext>
+            </a:extLst>
+          </p:cNvPr>
+          <p:cNvSpPr>
+            <a:spLocks noGrp="1" noChangeArrowheads="1"/>
+          </p:cNvSpPr>
+          <p:nvPr>
+            <p:ph idx="1"/>
+          </p:nvPr>
+        </p:nvSpPr>
+        <p:spPr>
+          <a:xfrm>
+            <a:off x="2286000" y="1066800"/>
+            <a:ext cx="8229600" cy="4572000"/>
+          </a:xfrm>
+        </p:spPr>
+        <p:txBody>
+          <a:bodyPr/>
+          <a:lstStyle/>
+          <a:p>
+            <a:r>
+              <a:rPr lang="en-US" altLang="en-US" sz="2800"/>
+              <a:t>If f(n) is in Ο(g(n)) and g(n) is in O(h(n)), then f(n) is in Ο(h(n)).</a:t>
+            </a:r>
+          </a:p>
+          <a:p>
+            <a:pPr lvl="4"/>
+            <a:endParaRPr lang="en-US" altLang="en-US" sz="1000"/>
+          </a:p>
+          <a:p>
+            <a:r>
+              <a:rPr lang="en-US" altLang="en-US" sz="2800"/>
+              <a:t>If f(n) is in O(k*g(n)) for any constant k&gt;0, then f(n) is in O(g(n)).</a:t>
+            </a:r>
+          </a:p>
+          <a:p>
+            <a:pPr lvl="4"/>
+            <a:endParaRPr lang="en-US" altLang="en-US" sz="1000"/>
+          </a:p>
+          <a:p>
+            <a:r>
+              <a:rPr lang="en-US" altLang="en-US" sz="2800"/>
+              <a:t>O(g</a:t>
+            </a:r>
+            <a:r>
+              <a:rPr lang="en-US" altLang="en-US" sz="2800" baseline="-25000"/>
+              <a:t>1</a:t>
+            </a:r>
+            <a:r>
+              <a:rPr lang="en-US" altLang="en-US" sz="2800"/>
+              <a:t>(n)) and f</a:t>
+            </a:r>
+            <a:r>
+              <a:rPr lang="en-US" altLang="en-US" sz="2800" baseline="-25000"/>
+              <a:t>2</a:t>
+            </a:r>
+            <a:r>
+              <a:rPr lang="en-US" altLang="en-US" sz="2800"/>
+              <a:t>(n) is in O(g</a:t>
+            </a:r>
+            <a:r>
+              <a:rPr lang="en-US" altLang="en-US" sz="2800" baseline="-25000"/>
+              <a:t>2</a:t>
+            </a:r>
+            <a:r>
+              <a:rPr lang="en-US" altLang="en-US" sz="2800"/>
+              <a:t>(n)) then, f</a:t>
+            </a:r>
+            <a:r>
+              <a:rPr lang="en-US" altLang="en-US" sz="2800" baseline="-25000"/>
+              <a:t>1</a:t>
+            </a:r>
+            <a:r>
+              <a:rPr lang="en-US" altLang="en-US" sz="2800"/>
+              <a:t>(n) + f</a:t>
+            </a:r>
+            <a:r>
+              <a:rPr lang="en-US" altLang="en-US" sz="2800" baseline="-25000"/>
+              <a:t>2</a:t>
+            </a:r>
+            <a:r>
+              <a:rPr lang="en-US" altLang="en-US" sz="2800"/>
+              <a:t>(n) is in O(max(g</a:t>
+            </a:r>
+            <a:r>
+              <a:rPr lang="en-US" altLang="en-US" sz="2800" baseline="-25000"/>
+              <a:t>1</a:t>
+            </a:r>
+            <a:r>
+              <a:rPr lang="en-US" altLang="en-US" sz="2800"/>
+              <a:t>(n),g</a:t>
+            </a:r>
+            <a:r>
+              <a:rPr lang="en-US" altLang="en-US" sz="2800" baseline="-25000"/>
+              <a:t>2</a:t>
+            </a:r>
+            <a:r>
+              <a:rPr lang="en-US" altLang="en-US" sz="2800"/>
+              <a:t>(n)).</a:t>
+            </a:r>
+          </a:p>
+          <a:p>
+            <a:pPr lvl="1"/>
+            <a:r>
+              <a:rPr lang="en-US" altLang="en-US" sz="2400"/>
+              <a:t>O(g</a:t>
+            </a:r>
+            <a:r>
+              <a:rPr lang="en-US" altLang="en-US" sz="2400" baseline="-25000"/>
+              <a:t>1</a:t>
+            </a:r>
+            <a:r>
+              <a:rPr lang="en-US" altLang="en-US" sz="2400"/>
+              <a:t>(n)) + O(g</a:t>
+            </a:r>
+            <a:r>
+              <a:rPr lang="en-US" altLang="en-US" sz="2400" baseline="-25000"/>
+              <a:t>2</a:t>
+            </a:r>
+            <a:r>
+              <a:rPr lang="en-US" altLang="en-US" sz="2400"/>
+              <a:t>(n)) is in O(max(g</a:t>
+            </a:r>
+            <a:r>
+              <a:rPr lang="en-US" altLang="en-US" sz="2400" baseline="-25000"/>
+              <a:t>1</a:t>
+            </a:r>
+            <a:r>
+              <a:rPr lang="en-US" altLang="en-US" sz="2400"/>
+              <a:t>(n),g</a:t>
+            </a:r>
+            <a:r>
+              <a:rPr lang="en-US" altLang="en-US" sz="2400" baseline="-25000"/>
+              <a:t>2</a:t>
+            </a:r>
+            <a:r>
+              <a:rPr lang="en-US" altLang="en-US" sz="2400"/>
+              <a:t>(n)).</a:t>
+            </a:r>
+          </a:p>
+          <a:p>
+            <a:pPr lvl="4"/>
+            <a:endParaRPr lang="en-US" altLang="en-US" sz="1000"/>
+          </a:p>
+          <a:p>
+            <a:r>
+              <a:rPr lang="en-US" altLang="en-US" sz="2800"/>
+              <a:t>If f</a:t>
+            </a:r>
+            <a:r>
+              <a:rPr lang="en-US" altLang="en-US" sz="2800" baseline="-25000"/>
+              <a:t>1</a:t>
+            </a:r>
+            <a:r>
+              <a:rPr lang="en-US" altLang="en-US" sz="2800"/>
+              <a:t>(n) is in O(g</a:t>
+            </a:r>
+            <a:r>
+              <a:rPr lang="en-US" altLang="en-US" sz="2800" baseline="-25000"/>
+              <a:t>1</a:t>
+            </a:r>
+            <a:r>
+              <a:rPr lang="en-US" altLang="en-US" sz="2800"/>
+              <a:t>(n)) and f</a:t>
+            </a:r>
+            <a:r>
+              <a:rPr lang="en-US" altLang="en-US" sz="2800" baseline="-25000"/>
+              <a:t>2</a:t>
+            </a:r>
+            <a:r>
+              <a:rPr lang="en-US" altLang="en-US" sz="2800"/>
+              <a:t>(n) is in O(g</a:t>
+            </a:r>
+            <a:r>
+              <a:rPr lang="en-US" altLang="en-US" sz="2800" baseline="-25000"/>
+              <a:t>2</a:t>
+            </a:r>
+            <a:r>
+              <a:rPr lang="en-US" altLang="en-US" sz="2800"/>
+              <a:t>(n)) then, f</a:t>
+            </a:r>
+            <a:r>
+              <a:rPr lang="en-US" altLang="en-US" sz="2800" baseline="-25000"/>
+              <a:t>1</a:t>
+            </a:r>
+            <a:r>
+              <a:rPr lang="en-US" altLang="en-US" sz="2800"/>
+              <a:t>(n)*f</a:t>
+            </a:r>
+            <a:r>
+              <a:rPr lang="en-US" altLang="en-US" sz="2800" baseline="-25000"/>
+              <a:t>2</a:t>
+            </a:r>
+            <a:r>
+              <a:rPr lang="en-US" altLang="en-US" sz="2800"/>
+              <a:t>(n) is in O(g</a:t>
+            </a:r>
+            <a:r>
+              <a:rPr lang="en-US" altLang="en-US" sz="2800" baseline="-25000"/>
+              <a:t>1</a:t>
+            </a:r>
+            <a:r>
+              <a:rPr lang="en-US" altLang="en-US" sz="2800"/>
+              <a:t>(n)*g</a:t>
+            </a:r>
+            <a:r>
+              <a:rPr lang="en-US" altLang="en-US" sz="2800" baseline="-25000"/>
+              <a:t>2</a:t>
+            </a:r>
+            <a:r>
+              <a:rPr lang="en-US" altLang="en-US" sz="2800"/>
+              <a:t>(n)).</a:t>
+            </a:r>
+          </a:p>
+          <a:p>
+            <a:pPr lvl="1"/>
+            <a:r>
+              <a:rPr lang="en-US" altLang="en-US" sz="2400"/>
+              <a:t>O(g</a:t>
+            </a:r>
+            <a:r>
+              <a:rPr lang="en-US" altLang="en-US" sz="2400" baseline="-25000"/>
+              <a:t>1</a:t>
+            </a:r>
+            <a:r>
+              <a:rPr lang="en-US" altLang="en-US" sz="2400"/>
+              <a:t>(n))*O(g</a:t>
+            </a:r>
+            <a:r>
+              <a:rPr lang="en-US" altLang="en-US" sz="2400" baseline="-25000"/>
+              <a:t>2</a:t>
+            </a:r>
+            <a:r>
+              <a:rPr lang="en-US" altLang="en-US" sz="2400"/>
+              <a:t>(n)) is in O(g</a:t>
+            </a:r>
+            <a:r>
+              <a:rPr lang="en-US" altLang="en-US" sz="2400" baseline="-25000"/>
+              <a:t>1</a:t>
+            </a:r>
+            <a:r>
+              <a:rPr lang="en-US" altLang="en-US" sz="2400"/>
+              <a:t>(n)*g</a:t>
+            </a:r>
+            <a:r>
+              <a:rPr lang="en-US" altLang="en-US" sz="2400" baseline="-25000"/>
+              <a:t>2</a:t>
+            </a:r>
+            <a:r>
+              <a:rPr lang="en-US" altLang="en-US" sz="2400"/>
+              <a:t>(n))</a:t>
+            </a:r>
+          </a:p>
+        </p:txBody>
+      </p:sp>
+    </p:spTree>
+  </p:cSld>
+  <p:clrMapOvr>
+    <a:masterClrMapping/>
+  </p:clrMapOvr>
+</p:sld>
+</file>
+
+<file path=ppt/slides/slide42.xml><?xml version="1.0" encoding="utf-8"?>
+<p:sld xmlns:a="http://schemas.openxmlformats.org/drawingml/2006/main" xmlns:r="http://schemas.openxmlformats.org/officeDocument/2006/relationships" xmlns:p="http://schemas.openxmlformats.org/presentationml/2006/main">
+  <p:cSld>
+    <p:spTree>
+      <p:nvGrpSpPr>
+        <p:cNvPr id="1" name=""/>
+        <p:cNvGrpSpPr/>
+        <p:nvPr/>
+      </p:nvGrpSpPr>
+      <p:grpSpPr>
+        <a:xfrm>
+          <a:off x="0" y="0"/>
+          <a:ext cx="0" cy="0"/>
+          <a:chOff x="0" y="0"/>
+          <a:chExt cx="0" cy="0"/>
+        </a:xfrm>
+      </p:grpSpPr>
+      <p:sp>
+        <p:nvSpPr>
+          <p:cNvPr id="2" name="Title 1">
+            <a:extLst>
+              <a:ext uri="{FF2B5EF4-FFF2-40B4-BE49-F238E27FC236}">
+                <a16:creationId xmlns:a16="http://schemas.microsoft.com/office/drawing/2014/main" id="{6637B71F-A9B5-447B-91B5-D76097F8F6CB}"/>
+              </a:ext>
+            </a:extLst>
+          </p:cNvPr>
+          <p:cNvSpPr>
+            <a:spLocks noGrp="1"/>
+          </p:cNvSpPr>
+          <p:nvPr>
+            <p:ph type="title"/>
+          </p:nvPr>
+        </p:nvSpPr>
+        <p:spPr/>
+        <p:txBody>
+          <a:bodyPr/>
+          <a:lstStyle/>
+          <a:p>
+            <a:r>
+              <a:rPr lang="en-US" dirty="0"/>
+              <a:t>Just wing it method</a:t>
+            </a:r>
+          </a:p>
+        </p:txBody>
+      </p:sp>
+      <p:sp>
+        <p:nvSpPr>
+          <p:cNvPr id="3" name="Content Placeholder 2">
+            <a:extLst>
+              <a:ext uri="{FF2B5EF4-FFF2-40B4-BE49-F238E27FC236}">
+                <a16:creationId xmlns:a16="http://schemas.microsoft.com/office/drawing/2014/main" id="{8D494C43-EAA7-4FD2-AD3D-BD6F9FF1C726}"/>
+              </a:ext>
+            </a:extLst>
+          </p:cNvPr>
+          <p:cNvSpPr>
+            <a:spLocks noGrp="1"/>
+          </p:cNvSpPr>
+          <p:nvPr>
+            <p:ph idx="1"/>
+          </p:nvPr>
+        </p:nvSpPr>
+        <p:spPr/>
+        <p:txBody>
+          <a:bodyPr/>
+          <a:lstStyle/>
+          <a:p>
+            <a:r>
+              <a:rPr lang="en-US" dirty="0"/>
+              <a:t>Find largest term, ignoring constants and slower growing terms</a:t>
+            </a:r>
+          </a:p>
+          <a:p>
+            <a:pPr eaLnBrk="1" hangingPunct="1"/>
+            <a:r>
+              <a:rPr lang="en-US" altLang="en-US" sz="2400" b="1" dirty="0"/>
+              <a:t>Upper Bound - O: </a:t>
+            </a:r>
+          </a:p>
+          <a:p>
+            <a:pPr lvl="1" eaLnBrk="1" hangingPunct="1"/>
+            <a:r>
+              <a:rPr lang="en-US" altLang="en-US" sz="2000" b="1" dirty="0"/>
+              <a:t>For T(n) a non-negative function, T(n) is in Ο(f(n)) </a:t>
+            </a:r>
+            <a:r>
+              <a:rPr lang="en-US" altLang="en-US" sz="2000" b="1" dirty="0" err="1"/>
+              <a:t>iff</a:t>
+            </a:r>
+            <a:r>
+              <a:rPr lang="en-US" altLang="en-US" sz="2000" b="1" dirty="0"/>
+              <a:t> T(n) “&lt;=“ f(n)</a:t>
+            </a:r>
+          </a:p>
+          <a:p>
+            <a:pPr lvl="4" eaLnBrk="1" hangingPunct="1"/>
+            <a:endParaRPr lang="en-US" altLang="en-US" sz="1200" b="1" dirty="0"/>
+          </a:p>
+          <a:p>
+            <a:pPr eaLnBrk="1" hangingPunct="1"/>
+            <a:r>
+              <a:rPr lang="en-US" altLang="en-US" sz="2400" b="1" dirty="0"/>
+              <a:t>Lower Bound - Ω:</a:t>
+            </a:r>
+          </a:p>
+          <a:p>
+            <a:pPr lvl="1" eaLnBrk="1" hangingPunct="1"/>
+            <a:r>
+              <a:rPr lang="en-US" altLang="en-US" sz="2000" b="1" dirty="0"/>
+              <a:t>For T(n) a non-negative function, T(n) is in Ω(g(n)) </a:t>
+            </a:r>
+            <a:r>
+              <a:rPr lang="en-US" altLang="en-US" sz="2000" b="1" dirty="0" err="1"/>
+              <a:t>iff</a:t>
+            </a:r>
+            <a:r>
+              <a:rPr lang="en-US" altLang="en-US" sz="2000" b="1" dirty="0"/>
+              <a:t> T(n) “&gt;=“ f(n)</a:t>
+            </a:r>
+          </a:p>
+          <a:p>
+            <a:pPr lvl="4" eaLnBrk="1" hangingPunct="1"/>
+            <a:endParaRPr lang="en-US" altLang="en-US" sz="1200" b="1" dirty="0"/>
+          </a:p>
+          <a:p>
+            <a:pPr eaLnBrk="1" hangingPunct="1"/>
+            <a:r>
+              <a:rPr lang="en-US" altLang="en-US" sz="2400" b="1" dirty="0"/>
+              <a:t>Theta Bound - Θ:</a:t>
+            </a:r>
+          </a:p>
+          <a:p>
+            <a:pPr lvl="1" eaLnBrk="1" hangingPunct="1"/>
+            <a:r>
+              <a:rPr lang="en-US" altLang="en-US" sz="2000" b="1" dirty="0"/>
+              <a:t>For T(n) a non-negative function, T(n) is in Θ(g(n)) </a:t>
+            </a:r>
+            <a:r>
+              <a:rPr lang="en-US" altLang="en-US" sz="2000" b="1" dirty="0" err="1"/>
+              <a:t>iff</a:t>
+            </a:r>
+            <a:r>
+              <a:rPr lang="en-US" altLang="en-US" sz="2000" b="1" dirty="0"/>
+              <a:t> T(n) “=“ f(n) </a:t>
+            </a:r>
+            <a:endParaRPr lang="en-US" altLang="en-US" sz="2400" b="1" dirty="0"/>
+          </a:p>
+          <a:p>
+            <a:pPr lvl="1" eaLnBrk="1" hangingPunct="1"/>
+            <a:endParaRPr lang="en-US" altLang="en-US" sz="2000" b="1" dirty="0"/>
+          </a:p>
+          <a:p>
+            <a:endParaRPr lang="en-US" dirty="0"/>
+          </a:p>
+          <a:p>
+            <a:endParaRPr lang="en-US" dirty="0"/>
+          </a:p>
+          <a:p>
+            <a:endParaRPr lang="en-US" dirty="0"/>
+          </a:p>
+        </p:txBody>
+      </p:sp>
+    </p:spTree>
+    <p:extLst>
+      <p:ext uri="{BB962C8B-B14F-4D97-AF65-F5344CB8AC3E}">
+        <p14:creationId xmlns:p14="http://schemas.microsoft.com/office/powerpoint/2010/main" val="1614241920"/>
       </p:ext>
     </p:extLst>
   </p:cSld>
@@ -7318,4 +14362,867 @@
     </a:ext>
   </a:extLst>
 </a:theme>
+</file>
+
+<file path=ppt/theme/theme2.xml><?xml version="1.0" encoding="utf-8"?>
+<a:theme xmlns:a="http://schemas.openxmlformats.org/drawingml/2006/main" name="Circuits">
+  <a:themeElements>
+    <a:clrScheme name="Circuits 1">
+      <a:dk1>
+        <a:srgbClr val="000000"/>
+      </a:dk1>
+      <a:lt1>
+        <a:srgbClr val="FFFFFF"/>
+      </a:lt1>
+      <a:dk2>
+        <a:srgbClr val="000000"/>
+      </a:dk2>
+      <a:lt2>
+        <a:srgbClr val="808080"/>
+      </a:lt2>
+      <a:accent1>
+        <a:srgbClr val="BBE0E3"/>
+      </a:accent1>
+      <a:accent2>
+        <a:srgbClr val="333399"/>
+      </a:accent2>
+      <a:accent3>
+        <a:srgbClr val="FFFFFF"/>
+      </a:accent3>
+      <a:accent4>
+        <a:srgbClr val="000000"/>
+      </a:accent4>
+      <a:accent5>
+        <a:srgbClr val="DAEDEF"/>
+      </a:accent5>
+      <a:accent6>
+        <a:srgbClr val="2D2D8A"/>
+      </a:accent6>
+      <a:hlink>
+        <a:srgbClr val="009999"/>
+      </a:hlink>
+      <a:folHlink>
+        <a:srgbClr val="99CC00"/>
+      </a:folHlink>
+    </a:clrScheme>
+    <a:fontScheme name="Circuits">
+      <a:majorFont>
+        <a:latin typeface="Times"/>
+        <a:ea typeface="ＭＳ Ｐゴシック"/>
+        <a:cs typeface=""/>
+      </a:majorFont>
+      <a:minorFont>
+        <a:latin typeface="Times"/>
+        <a:ea typeface="ＭＳ Ｐゴシック"/>
+        <a:cs typeface=""/>
+      </a:minorFont>
+    </a:fontScheme>
+    <a:fmtScheme name="Office">
+      <a:fillStyleLst>
+        <a:solidFill>
+          <a:schemeClr val="phClr"/>
+        </a:solidFill>
+        <a:gradFill rotWithShape="1">
+          <a:gsLst>
+            <a:gs pos="0">
+              <a:schemeClr val="phClr">
+                <a:tint val="50000"/>
+                <a:satMod val="300000"/>
+              </a:schemeClr>
+            </a:gs>
+            <a:gs pos="35000">
+              <a:schemeClr val="phClr">
+                <a:tint val="37000"/>
+                <a:satMod val="300000"/>
+              </a:schemeClr>
+            </a:gs>
+            <a:gs pos="100000">
+              <a:schemeClr val="phClr">
+                <a:tint val="15000"/>
+                <a:satMod val="350000"/>
+              </a:schemeClr>
+            </a:gs>
+          </a:gsLst>
+          <a:lin ang="16200000" scaled="1"/>
+        </a:gradFill>
+        <a:gradFill rotWithShape="1">
+          <a:gsLst>
+            <a:gs pos="0">
+              <a:schemeClr val="phClr">
+                <a:tint val="100000"/>
+                <a:shade val="100000"/>
+                <a:satMod val="130000"/>
+              </a:schemeClr>
+            </a:gs>
+            <a:gs pos="100000">
+              <a:schemeClr val="phClr">
+                <a:tint val="50000"/>
+                <a:shade val="100000"/>
+                <a:satMod val="350000"/>
+              </a:schemeClr>
+            </a:gs>
+          </a:gsLst>
+          <a:lin ang="16200000" scaled="0"/>
+        </a:gradFill>
+      </a:fillStyleLst>
+      <a:lnStyleLst>
+        <a:ln w="9525" cap="flat" cmpd="sng" algn="ctr">
+          <a:solidFill>
+            <a:schemeClr val="phClr">
+              <a:shade val="95000"/>
+              <a:satMod val="105000"/>
+            </a:schemeClr>
+          </a:solidFill>
+          <a:prstDash val="solid"/>
+        </a:ln>
+        <a:ln w="25400" cap="flat" cmpd="sng" algn="ctr">
+          <a:solidFill>
+            <a:schemeClr val="phClr"/>
+          </a:solidFill>
+          <a:prstDash val="solid"/>
+        </a:ln>
+        <a:ln w="38100" cap="flat" cmpd="sng" algn="ctr">
+          <a:solidFill>
+            <a:schemeClr val="phClr"/>
+          </a:solidFill>
+          <a:prstDash val="solid"/>
+        </a:ln>
+      </a:lnStyleLst>
+      <a:effectStyleLst>
+        <a:effectStyle>
+          <a:effectLst>
+            <a:outerShdw blurRad="40000" dist="20000" dir="5400000" rotWithShape="0">
+              <a:srgbClr val="000000">
+                <a:alpha val="38000"/>
+              </a:srgbClr>
+            </a:outerShdw>
+          </a:effectLst>
+        </a:effectStyle>
+        <a:effectStyle>
+          <a:effectLst>
+            <a:outerShdw blurRad="40000" dist="23000" dir="5400000" rotWithShape="0">
+              <a:srgbClr val="000000">
+                <a:alpha val="35000"/>
+              </a:srgbClr>
+            </a:outerShdw>
+          </a:effectLst>
+        </a:effectStyle>
+        <a:effectStyle>
+          <a:effectLst>
+            <a:outerShdw blurRad="40000" dist="23000" dir="5400000" rotWithShape="0">
+              <a:srgbClr val="000000">
+                <a:alpha val="35000"/>
+              </a:srgbClr>
+            </a:outerShdw>
+          </a:effectLst>
+          <a:scene3d>
+            <a:camera prst="orthographicFront">
+              <a:rot lat="0" lon="0" rev="0"/>
+            </a:camera>
+            <a:lightRig rig="threePt" dir="t">
+              <a:rot lat="0" lon="0" rev="1200000"/>
+            </a:lightRig>
+          </a:scene3d>
+          <a:sp3d>
+            <a:bevelT w="63500" h="25400"/>
+          </a:sp3d>
+        </a:effectStyle>
+      </a:effectStyleLst>
+      <a:bgFillStyleLst>
+        <a:solidFill>
+          <a:schemeClr val="phClr"/>
+        </a:solidFill>
+        <a:gradFill rotWithShape="1">
+          <a:gsLst>
+            <a:gs pos="0">
+              <a:schemeClr val="phClr">
+                <a:tint val="40000"/>
+                <a:satMod val="350000"/>
+              </a:schemeClr>
+            </a:gs>
+            <a:gs pos="40000">
+              <a:schemeClr val="phClr">
+                <a:tint val="45000"/>
+                <a:shade val="99000"/>
+                <a:satMod val="350000"/>
+              </a:schemeClr>
+            </a:gs>
+            <a:gs pos="100000">
+              <a:schemeClr val="phClr">
+                <a:shade val="20000"/>
+                <a:satMod val="255000"/>
+              </a:schemeClr>
+            </a:gs>
+          </a:gsLst>
+          <a:path path="circle">
+            <a:fillToRect l="50000" t="-80000" r="50000" b="180000"/>
+          </a:path>
+        </a:gradFill>
+        <a:gradFill rotWithShape="1">
+          <a:gsLst>
+            <a:gs pos="0">
+              <a:schemeClr val="phClr">
+                <a:tint val="80000"/>
+                <a:satMod val="300000"/>
+              </a:schemeClr>
+            </a:gs>
+            <a:gs pos="100000">
+              <a:schemeClr val="phClr">
+                <a:shade val="30000"/>
+                <a:satMod val="200000"/>
+              </a:schemeClr>
+            </a:gs>
+          </a:gsLst>
+          <a:path path="circle">
+            <a:fillToRect l="50000" t="50000" r="50000" b="50000"/>
+          </a:path>
+        </a:gradFill>
+      </a:bgFillStyleLst>
+    </a:fmtScheme>
+  </a:themeElements>
+  <a:objectDefaults>
+    <a:spDef>
+      <a:spPr bwMode="auto">
+        <a:xfrm>
+          <a:off x="0" y="0"/>
+          <a:ext cx="1" cy="1"/>
+        </a:xfrm>
+        <a:custGeom>
+          <a:avLst/>
+          <a:gdLst/>
+          <a:ahLst/>
+          <a:cxnLst/>
+          <a:rect l="0" t="0" r="0" b="0"/>
+          <a:pathLst/>
+        </a:custGeom>
+        <a:solidFill>
+          <a:schemeClr val="accent1"/>
+        </a:solidFill>
+        <a:ln w="9525" cap="flat" cmpd="sng" algn="ctr">
+          <a:solidFill>
+            <a:schemeClr val="tx1"/>
+          </a:solidFill>
+          <a:prstDash val="solid"/>
+          <a:round/>
+          <a:headEnd type="none" w="med" len="med"/>
+          <a:tailEnd type="none" w="med" len="med"/>
+        </a:ln>
+        <a:effectLst/>
+        <a:extLst>
+          <a:ext uri="{AF507438-7753-43e0-B8FC-AC1667EBCBE1}">
+            <a14:hiddenEffects xmlns="" xmlns:a14="http://schemas.microsoft.com/office/drawing/2010/main">
+              <a:effectLst>
+                <a:outerShdw blurRad="63500" dist="35921" dir="2700000" algn="ctr" rotWithShape="0">
+                  <a:schemeClr val="bg2"/>
+                </a:outerShdw>
+              </a:effectLst>
+            </a14:hiddenEffects>
+          </a:ext>
+        </a:extLst>
+      </a:spPr>
+      <a:bodyPr vert="horz" wrap="none" lIns="91440" tIns="45720" rIns="91440" bIns="45720" numCol="1" anchor="ctr" anchorCtr="0" compatLnSpc="1">
+        <a:prstTxWarp prst="textNoShape">
+          <a:avLst/>
+        </a:prstTxWarp>
+      </a:bodyPr>
+      <a:lstStyle>
+        <a:defPPr marL="0" marR="0" indent="0" algn="ctr" defTabSz="914400" rtl="0" eaLnBrk="0" fontAlgn="base" latinLnBrk="0" hangingPunct="0">
+          <a:lnSpc>
+            <a:spcPct val="100000"/>
+          </a:lnSpc>
+          <a:spcBef>
+            <a:spcPct val="0"/>
+          </a:spcBef>
+          <a:spcAft>
+            <a:spcPct val="0"/>
+          </a:spcAft>
+          <a:buClrTx/>
+          <a:buSzTx/>
+          <a:buFontTx/>
+          <a:buNone/>
+          <a:tabLst/>
+          <a:defRPr kumimoji="0" lang="en-US" sz="2400" b="0" i="0" u="none" strike="noStrike" cap="none" normalizeH="0" baseline="0">
+            <a:ln>
+              <a:noFill/>
+            </a:ln>
+            <a:solidFill>
+              <a:srgbClr val="000000"/>
+            </a:solidFill>
+            <a:effectLst/>
+            <a:latin typeface="Times" charset="0"/>
+            <a:ea typeface="ＭＳ Ｐゴシック" charset="0"/>
+          </a:defRPr>
+        </a:defPPr>
+      </a:lstStyle>
+    </a:spDef>
+    <a:lnDef>
+      <a:spPr bwMode="auto">
+        <a:xfrm>
+          <a:off x="0" y="0"/>
+          <a:ext cx="1" cy="1"/>
+        </a:xfrm>
+        <a:custGeom>
+          <a:avLst/>
+          <a:gdLst/>
+          <a:ahLst/>
+          <a:cxnLst/>
+          <a:rect l="0" t="0" r="0" b="0"/>
+          <a:pathLst/>
+        </a:custGeom>
+        <a:solidFill>
+          <a:schemeClr val="accent1"/>
+        </a:solidFill>
+        <a:ln w="9525" cap="flat" cmpd="sng" algn="ctr">
+          <a:solidFill>
+            <a:schemeClr val="tx1"/>
+          </a:solidFill>
+          <a:prstDash val="solid"/>
+          <a:round/>
+          <a:headEnd type="none" w="med" len="med"/>
+          <a:tailEnd type="none" w="med" len="med"/>
+        </a:ln>
+        <a:effectLst/>
+        <a:extLst>
+          <a:ext uri="{AF507438-7753-43e0-B8FC-AC1667EBCBE1}">
+            <a14:hiddenEffects xmlns="" xmlns:a14="http://schemas.microsoft.com/office/drawing/2010/main">
+              <a:effectLst>
+                <a:outerShdw blurRad="63500" dist="35921" dir="2700000" algn="ctr" rotWithShape="0">
+                  <a:schemeClr val="bg2"/>
+                </a:outerShdw>
+              </a:effectLst>
+            </a14:hiddenEffects>
+          </a:ext>
+        </a:extLst>
+      </a:spPr>
+      <a:bodyPr vert="horz" wrap="none" lIns="91440" tIns="45720" rIns="91440" bIns="45720" numCol="1" anchor="ctr" anchorCtr="0" compatLnSpc="1">
+        <a:prstTxWarp prst="textNoShape">
+          <a:avLst/>
+        </a:prstTxWarp>
+      </a:bodyPr>
+      <a:lstStyle>
+        <a:defPPr marL="0" marR="0" indent="0" algn="ctr" defTabSz="914400" rtl="0" eaLnBrk="0" fontAlgn="base" latinLnBrk="0" hangingPunct="0">
+          <a:lnSpc>
+            <a:spcPct val="100000"/>
+          </a:lnSpc>
+          <a:spcBef>
+            <a:spcPct val="0"/>
+          </a:spcBef>
+          <a:spcAft>
+            <a:spcPct val="0"/>
+          </a:spcAft>
+          <a:buClrTx/>
+          <a:buSzTx/>
+          <a:buFontTx/>
+          <a:buNone/>
+          <a:tabLst/>
+          <a:defRPr kumimoji="0" lang="en-US" sz="2400" b="0" i="0" u="none" strike="noStrike" cap="none" normalizeH="0" baseline="0">
+            <a:ln>
+              <a:noFill/>
+            </a:ln>
+            <a:solidFill>
+              <a:srgbClr val="000000"/>
+            </a:solidFill>
+            <a:effectLst/>
+            <a:latin typeface="Times" charset="0"/>
+            <a:ea typeface="ＭＳ Ｐゴシック" charset="0"/>
+          </a:defRPr>
+        </a:defPPr>
+      </a:lstStyle>
+    </a:lnDef>
+  </a:objectDefaults>
+  <a:extraClrSchemeLst>
+    <a:extraClrScheme>
+      <a:clrScheme name="Circuits 1">
+        <a:dk1>
+          <a:srgbClr val="000000"/>
+        </a:dk1>
+        <a:lt1>
+          <a:srgbClr val="FFFFFF"/>
+        </a:lt1>
+        <a:dk2>
+          <a:srgbClr val="000000"/>
+        </a:dk2>
+        <a:lt2>
+          <a:srgbClr val="808080"/>
+        </a:lt2>
+        <a:accent1>
+          <a:srgbClr val="BBE0E3"/>
+        </a:accent1>
+        <a:accent2>
+          <a:srgbClr val="333399"/>
+        </a:accent2>
+        <a:accent3>
+          <a:srgbClr val="FFFFFF"/>
+        </a:accent3>
+        <a:accent4>
+          <a:srgbClr val="000000"/>
+        </a:accent4>
+        <a:accent5>
+          <a:srgbClr val="DAEDEF"/>
+        </a:accent5>
+        <a:accent6>
+          <a:srgbClr val="2D2D8A"/>
+        </a:accent6>
+        <a:hlink>
+          <a:srgbClr val="009999"/>
+        </a:hlink>
+        <a:folHlink>
+          <a:srgbClr val="99CC00"/>
+        </a:folHlink>
+      </a:clrScheme>
+      <a:clrMap bg1="lt1" tx1="dk1" bg2="lt2" tx2="dk2" accent1="accent1" accent2="accent2" accent3="accent3" accent4="accent4" accent5="accent5" accent6="accent6" hlink="hlink" folHlink="folHlink"/>
+    </a:extraClrScheme>
+    <a:extraClrScheme>
+      <a:clrScheme name="Circuits 2">
+        <a:dk1>
+          <a:srgbClr val="000000"/>
+        </a:dk1>
+        <a:lt1>
+          <a:srgbClr val="FFFFFF"/>
+        </a:lt1>
+        <a:dk2>
+          <a:srgbClr val="000000"/>
+        </a:dk2>
+        <a:lt2>
+          <a:srgbClr val="969696"/>
+        </a:lt2>
+        <a:accent1>
+          <a:srgbClr val="FBDF53"/>
+        </a:accent1>
+        <a:accent2>
+          <a:srgbClr val="FF9966"/>
+        </a:accent2>
+        <a:accent3>
+          <a:srgbClr val="FFFFFF"/>
+        </a:accent3>
+        <a:accent4>
+          <a:srgbClr val="000000"/>
+        </a:accent4>
+        <a:accent5>
+          <a:srgbClr val="FDECB3"/>
+        </a:accent5>
+        <a:accent6>
+          <a:srgbClr val="E78A5C"/>
+        </a:accent6>
+        <a:hlink>
+          <a:srgbClr val="CC3300"/>
+        </a:hlink>
+        <a:folHlink>
+          <a:srgbClr val="996600"/>
+        </a:folHlink>
+      </a:clrScheme>
+      <a:clrMap bg1="lt1" tx1="dk1" bg2="lt2" tx2="dk2" accent1="accent1" accent2="accent2" accent3="accent3" accent4="accent4" accent5="accent5" accent6="accent6" hlink="hlink" folHlink="folHlink"/>
+    </a:extraClrScheme>
+    <a:extraClrScheme>
+      <a:clrScheme name="Circuits 3">
+        <a:dk1>
+          <a:srgbClr val="000000"/>
+        </a:dk1>
+        <a:lt1>
+          <a:srgbClr val="FFFFFF"/>
+        </a:lt1>
+        <a:dk2>
+          <a:srgbClr val="000000"/>
+        </a:dk2>
+        <a:lt2>
+          <a:srgbClr val="808080"/>
+        </a:lt2>
+        <a:accent1>
+          <a:srgbClr val="99CCFF"/>
+        </a:accent1>
+        <a:accent2>
+          <a:srgbClr val="CCCCFF"/>
+        </a:accent2>
+        <a:accent3>
+          <a:srgbClr val="FFFFFF"/>
+        </a:accent3>
+        <a:accent4>
+          <a:srgbClr val="000000"/>
+        </a:accent4>
+        <a:accent5>
+          <a:srgbClr val="CAE2FF"/>
+        </a:accent5>
+        <a:accent6>
+          <a:srgbClr val="B9B9E7"/>
+        </a:accent6>
+        <a:hlink>
+          <a:srgbClr val="3333CC"/>
+        </a:hlink>
+        <a:folHlink>
+          <a:srgbClr val="AF67FF"/>
+        </a:folHlink>
+      </a:clrScheme>
+      <a:clrMap bg1="lt1" tx1="dk1" bg2="lt2" tx2="dk2" accent1="accent1" accent2="accent2" accent3="accent3" accent4="accent4" accent5="accent5" accent6="accent6" hlink="hlink" folHlink="folHlink"/>
+    </a:extraClrScheme>
+    <a:extraClrScheme>
+      <a:clrScheme name="Circuits 4">
+        <a:dk1>
+          <a:srgbClr val="000000"/>
+        </a:dk1>
+        <a:lt1>
+          <a:srgbClr val="DEF6F1"/>
+        </a:lt1>
+        <a:dk2>
+          <a:srgbClr val="000000"/>
+        </a:dk2>
+        <a:lt2>
+          <a:srgbClr val="969696"/>
+        </a:lt2>
+        <a:accent1>
+          <a:srgbClr val="FFFFFF"/>
+        </a:accent1>
+        <a:accent2>
+          <a:srgbClr val="8DC6FF"/>
+        </a:accent2>
+        <a:accent3>
+          <a:srgbClr val="ECFAF7"/>
+        </a:accent3>
+        <a:accent4>
+          <a:srgbClr val="000000"/>
+        </a:accent4>
+        <a:accent5>
+          <a:srgbClr val="FFFFFF"/>
+        </a:accent5>
+        <a:accent6>
+          <a:srgbClr val="7FB3E7"/>
+        </a:accent6>
+        <a:hlink>
+          <a:srgbClr val="0066CC"/>
+        </a:hlink>
+        <a:folHlink>
+          <a:srgbClr val="00A800"/>
+        </a:folHlink>
+      </a:clrScheme>
+      <a:clrMap bg1="lt1" tx1="dk1" bg2="lt2" tx2="dk2" accent1="accent1" accent2="accent2" accent3="accent3" accent4="accent4" accent5="accent5" accent6="accent6" hlink="hlink" folHlink="folHlink"/>
+    </a:extraClrScheme>
+    <a:extraClrScheme>
+      <a:clrScheme name="Circuits 5">
+        <a:dk1>
+          <a:srgbClr val="000000"/>
+        </a:dk1>
+        <a:lt1>
+          <a:srgbClr val="FFFFD9"/>
+        </a:lt1>
+        <a:dk2>
+          <a:srgbClr val="000000"/>
+        </a:dk2>
+        <a:lt2>
+          <a:srgbClr val="777777"/>
+        </a:lt2>
+        <a:accent1>
+          <a:srgbClr val="FFFFF7"/>
+        </a:accent1>
+        <a:accent2>
+          <a:srgbClr val="33CCCC"/>
+        </a:accent2>
+        <a:accent3>
+          <a:srgbClr val="FFFFE9"/>
+        </a:accent3>
+        <a:accent4>
+          <a:srgbClr val="000000"/>
+        </a:accent4>
+        <a:accent5>
+          <a:srgbClr val="FFFFFA"/>
+        </a:accent5>
+        <a:accent6>
+          <a:srgbClr val="2DB9B9"/>
+        </a:accent6>
+        <a:hlink>
+          <a:srgbClr val="FF5050"/>
+        </a:hlink>
+        <a:folHlink>
+          <a:srgbClr val="FF9900"/>
+        </a:folHlink>
+      </a:clrScheme>
+      <a:clrMap bg1="lt1" tx1="dk1" bg2="lt2" tx2="dk2" accent1="accent1" accent2="accent2" accent3="accent3" accent4="accent4" accent5="accent5" accent6="accent6" hlink="hlink" folHlink="folHlink"/>
+    </a:extraClrScheme>
+    <a:extraClrScheme>
+      <a:clrScheme name="Circuits 6">
+        <a:dk1>
+          <a:srgbClr val="005A58"/>
+        </a:dk1>
+        <a:lt1>
+          <a:srgbClr val="FFFFFF"/>
+        </a:lt1>
+        <a:dk2>
+          <a:srgbClr val="008080"/>
+        </a:dk2>
+        <a:lt2>
+          <a:srgbClr val="FFFF99"/>
+        </a:lt2>
+        <a:accent1>
+          <a:srgbClr val="006462"/>
+        </a:accent1>
+        <a:accent2>
+          <a:srgbClr val="6D6FC7"/>
+        </a:accent2>
+        <a:accent3>
+          <a:srgbClr val="AAC0C0"/>
+        </a:accent3>
+        <a:accent4>
+          <a:srgbClr val="DADADA"/>
+        </a:accent4>
+        <a:accent5>
+          <a:srgbClr val="AAB8B7"/>
+        </a:accent5>
+        <a:accent6>
+          <a:srgbClr val="6264B4"/>
+        </a:accent6>
+        <a:hlink>
+          <a:srgbClr val="00FFFF"/>
+        </a:hlink>
+        <a:folHlink>
+          <a:srgbClr val="00FF00"/>
+        </a:folHlink>
+      </a:clrScheme>
+      <a:clrMap bg1="dk2" tx1="lt1" bg2="dk1" tx2="lt2" accent1="accent1" accent2="accent2" accent3="accent3" accent4="accent4" accent5="accent5" accent6="accent6" hlink="hlink" folHlink="folHlink"/>
+    </a:extraClrScheme>
+    <a:extraClrScheme>
+      <a:clrScheme name="Circuits 7">
+        <a:dk1>
+          <a:srgbClr val="5C1F00"/>
+        </a:dk1>
+        <a:lt1>
+          <a:srgbClr val="FFFFFF"/>
+        </a:lt1>
+        <a:dk2>
+          <a:srgbClr val="800000"/>
+        </a:dk2>
+        <a:lt2>
+          <a:srgbClr val="DFD293"/>
+        </a:lt2>
+        <a:accent1>
+          <a:srgbClr val="713E39"/>
+        </a:accent1>
+        <a:accent2>
+          <a:srgbClr val="BE7960"/>
+        </a:accent2>
+        <a:accent3>
+          <a:srgbClr val="C0AAAA"/>
+        </a:accent3>
+        <a:accent4>
+          <a:srgbClr val="DADADA"/>
+        </a:accent4>
+        <a:accent5>
+          <a:srgbClr val="BBAFAE"/>
+        </a:accent5>
+        <a:accent6>
+          <a:srgbClr val="AC6D56"/>
+        </a:accent6>
+        <a:hlink>
+          <a:srgbClr val="FFFF99"/>
+        </a:hlink>
+        <a:folHlink>
+          <a:srgbClr val="D3A219"/>
+        </a:folHlink>
+      </a:clrScheme>
+      <a:clrMap bg1="dk2" tx1="lt1" bg2="dk1" tx2="lt2" accent1="accent1" accent2="accent2" accent3="accent3" accent4="accent4" accent5="accent5" accent6="accent6" hlink="hlink" folHlink="folHlink"/>
+    </a:extraClrScheme>
+    <a:extraClrScheme>
+      <a:clrScheme name="Circuits 8">
+        <a:dk1>
+          <a:srgbClr val="003366"/>
+        </a:dk1>
+        <a:lt1>
+          <a:srgbClr val="FFFFFF"/>
+        </a:lt1>
+        <a:dk2>
+          <a:srgbClr val="000099"/>
+        </a:dk2>
+        <a:lt2>
+          <a:srgbClr val="CCFFFF"/>
+        </a:lt2>
+        <a:accent1>
+          <a:srgbClr val="3366CC"/>
+        </a:accent1>
+        <a:accent2>
+          <a:srgbClr val="00B000"/>
+        </a:accent2>
+        <a:accent3>
+          <a:srgbClr val="AAAACA"/>
+        </a:accent3>
+        <a:accent4>
+          <a:srgbClr val="DADADA"/>
+        </a:accent4>
+        <a:accent5>
+          <a:srgbClr val="ADB8E2"/>
+        </a:accent5>
+        <a:accent6>
+          <a:srgbClr val="009F00"/>
+        </a:accent6>
+        <a:hlink>
+          <a:srgbClr val="66CCFF"/>
+        </a:hlink>
+        <a:folHlink>
+          <a:srgbClr val="FFE701"/>
+        </a:folHlink>
+      </a:clrScheme>
+      <a:clrMap bg1="dk2" tx1="lt1" bg2="dk1" tx2="lt2" accent1="accent1" accent2="accent2" accent3="accent3" accent4="accent4" accent5="accent5" accent6="accent6" hlink="hlink" folHlink="folHlink"/>
+    </a:extraClrScheme>
+    <a:extraClrScheme>
+      <a:clrScheme name="Circuits 9">
+        <a:dk1>
+          <a:srgbClr val="336699"/>
+        </a:dk1>
+        <a:lt1>
+          <a:srgbClr val="FFFFFF"/>
+        </a:lt1>
+        <a:dk2>
+          <a:srgbClr val="000000"/>
+        </a:dk2>
+        <a:lt2>
+          <a:srgbClr val="E3EBF1"/>
+        </a:lt2>
+        <a:accent1>
+          <a:srgbClr val="003399"/>
+        </a:accent1>
+        <a:accent2>
+          <a:srgbClr val="468A4B"/>
+        </a:accent2>
+        <a:accent3>
+          <a:srgbClr val="AAAAAA"/>
+        </a:accent3>
+        <a:accent4>
+          <a:srgbClr val="DADADA"/>
+        </a:accent4>
+        <a:accent5>
+          <a:srgbClr val="AAADCA"/>
+        </a:accent5>
+        <a:accent6>
+          <a:srgbClr val="3F7D43"/>
+        </a:accent6>
+        <a:hlink>
+          <a:srgbClr val="66CCFF"/>
+        </a:hlink>
+        <a:folHlink>
+          <a:srgbClr val="F0E500"/>
+        </a:folHlink>
+      </a:clrScheme>
+      <a:clrMap bg1="dk2" tx1="lt1" bg2="dk1" tx2="lt2" accent1="accent1" accent2="accent2" accent3="accent3" accent4="accent4" accent5="accent5" accent6="accent6" hlink="hlink" folHlink="folHlink"/>
+    </a:extraClrScheme>
+    <a:extraClrScheme>
+      <a:clrScheme name="Circuits 10">
+        <a:dk1>
+          <a:srgbClr val="777777"/>
+        </a:dk1>
+        <a:lt1>
+          <a:srgbClr val="FFFFFF"/>
+        </a:lt1>
+        <a:dk2>
+          <a:srgbClr val="686B5D"/>
+        </a:dk2>
+        <a:lt2>
+          <a:srgbClr val="D1D1CB"/>
+        </a:lt2>
+        <a:accent1>
+          <a:srgbClr val="909082"/>
+        </a:accent1>
+        <a:accent2>
+          <a:srgbClr val="809EA8"/>
+        </a:accent2>
+        <a:accent3>
+          <a:srgbClr val="B9BAB6"/>
+        </a:accent3>
+        <a:accent4>
+          <a:srgbClr val="DADADA"/>
+        </a:accent4>
+        <a:accent5>
+          <a:srgbClr val="C6C6C1"/>
+        </a:accent5>
+        <a:accent6>
+          <a:srgbClr val="738F98"/>
+        </a:accent6>
+        <a:hlink>
+          <a:srgbClr val="FFCC66"/>
+        </a:hlink>
+        <a:folHlink>
+          <a:srgbClr val="E9DCB9"/>
+        </a:folHlink>
+      </a:clrScheme>
+      <a:clrMap bg1="dk2" tx1="lt1" bg2="dk1" tx2="lt2" accent1="accent1" accent2="accent2" accent3="accent3" accent4="accent4" accent5="accent5" accent6="accent6" hlink="hlink" folHlink="folHlink"/>
+    </a:extraClrScheme>
+    <a:extraClrScheme>
+      <a:clrScheme name="Circuits 11">
+        <a:dk1>
+          <a:srgbClr val="3E3E5C"/>
+        </a:dk1>
+        <a:lt1>
+          <a:srgbClr val="FFFFFF"/>
+        </a:lt1>
+        <a:dk2>
+          <a:srgbClr val="666699"/>
+        </a:dk2>
+        <a:lt2>
+          <a:srgbClr val="FFFFFF"/>
+        </a:lt2>
+        <a:accent1>
+          <a:srgbClr val="60597B"/>
+        </a:accent1>
+        <a:accent2>
+          <a:srgbClr val="6666FF"/>
+        </a:accent2>
+        <a:accent3>
+          <a:srgbClr val="B8B8CA"/>
+        </a:accent3>
+        <a:accent4>
+          <a:srgbClr val="DADADA"/>
+        </a:accent4>
+        <a:accent5>
+          <a:srgbClr val="B6B5BF"/>
+        </a:accent5>
+        <a:accent6>
+          <a:srgbClr val="5C5CE7"/>
+        </a:accent6>
+        <a:hlink>
+          <a:srgbClr val="99CCFF"/>
+        </a:hlink>
+        <a:folHlink>
+          <a:srgbClr val="FFFF99"/>
+        </a:folHlink>
+      </a:clrScheme>
+      <a:clrMap bg1="dk2" tx1="lt1" bg2="dk1" tx2="lt2" accent1="accent1" accent2="accent2" accent3="accent3" accent4="accent4" accent5="accent5" accent6="accent6" hlink="hlink" folHlink="folHlink"/>
+    </a:extraClrScheme>
+    <a:extraClrScheme>
+      <a:clrScheme name="Circuits 12">
+        <a:dk1>
+          <a:srgbClr val="2D2015"/>
+        </a:dk1>
+        <a:lt1>
+          <a:srgbClr val="FFFFFF"/>
+        </a:lt1>
+        <a:dk2>
+          <a:srgbClr val="523E26"/>
+        </a:dk2>
+        <a:lt2>
+          <a:srgbClr val="DFC08D"/>
+        </a:lt2>
+        <a:accent1>
+          <a:srgbClr val="8C7B70"/>
+        </a:accent1>
+        <a:accent2>
+          <a:srgbClr val="8F5F2F"/>
+        </a:accent2>
+        <a:accent3>
+          <a:srgbClr val="B3AFAC"/>
+        </a:accent3>
+        <a:accent4>
+          <a:srgbClr val="DADADA"/>
+        </a:accent4>
+        <a:accent5>
+          <a:srgbClr val="C5BFBB"/>
+        </a:accent5>
+        <a:accent6>
+          <a:srgbClr val="81552A"/>
+        </a:accent6>
+        <a:hlink>
+          <a:srgbClr val="CCB400"/>
+        </a:hlink>
+        <a:folHlink>
+          <a:srgbClr val="8C9EA0"/>
+        </a:folHlink>
+      </a:clrScheme>
+      <a:clrMap bg1="dk2" tx1="lt1" bg2="dk1" tx2="lt2" accent1="accent1" accent2="accent2" accent3="accent3" accent4="accent4" accent5="accent5" accent6="accent6" hlink="hlink" folHlink="folHlink"/>
+    </a:extraClrScheme>
+  </a:extraClrSchemeLst>
+</a:theme>
 </file>
--- a/notes.pptx
+++ b/notes.pptx
@@ -47,7 +47,15 @@
     <p:sldId id="291" r:id="rId41"/>
     <p:sldId id="293" r:id="rId42"/>
     <p:sldId id="292" r:id="rId43"/>
-    <p:sldId id="299" r:id="rId44"/>
+    <p:sldId id="306" r:id="rId44"/>
+    <p:sldId id="299" r:id="rId45"/>
+    <p:sldId id="301" r:id="rId46"/>
+    <p:sldId id="303" r:id="rId47"/>
+    <p:sldId id="307" r:id="rId48"/>
+    <p:sldId id="302" r:id="rId49"/>
+    <p:sldId id="308" r:id="rId50"/>
+    <p:sldId id="304" r:id="rId51"/>
+    <p:sldId id="309" r:id="rId52"/>
   </p:sldIdLst>
   <p:sldSz cx="12192000" cy="6858000"/>
   <p:notesSz cx="6858000" cy="9144000"/>
@@ -301,7 +309,7 @@
           <a:p>
             <a:fld id="{DE176E02-7D44-4713-8078-8E0963CF8DDB}" type="datetimeFigureOut">
               <a:rPr lang="en-US" smtClean="0"/>
-              <a:t>9/13/2019</a:t>
+              <a:t>9/16/2019</a:t>
             </a:fld>
             <a:endParaRPr lang="en-US"/>
           </a:p>
@@ -499,7 +507,7 @@
           <a:p>
             <a:fld id="{DE176E02-7D44-4713-8078-8E0963CF8DDB}" type="datetimeFigureOut">
               <a:rPr lang="en-US" smtClean="0"/>
-              <a:t>9/13/2019</a:t>
+              <a:t>9/16/2019</a:t>
             </a:fld>
             <a:endParaRPr lang="en-US"/>
           </a:p>
@@ -707,7 +715,7 @@
           <a:p>
             <a:fld id="{DE176E02-7D44-4713-8078-8E0963CF8DDB}" type="datetimeFigureOut">
               <a:rPr lang="en-US" smtClean="0"/>
-              <a:t>9/13/2019</a:t>
+              <a:t>9/16/2019</a:t>
             </a:fld>
             <a:endParaRPr lang="en-US"/>
           </a:p>
@@ -2385,7 +2393,7 @@
           <a:p>
             <a:fld id="{DE176E02-7D44-4713-8078-8E0963CF8DDB}" type="datetimeFigureOut">
               <a:rPr lang="en-US" smtClean="0"/>
-              <a:t>9/13/2019</a:t>
+              <a:t>9/16/2019</a:t>
             </a:fld>
             <a:endParaRPr lang="en-US"/>
           </a:p>
@@ -3064,7 +3072,7 @@
           <a:p>
             <a:fld id="{DE176E02-7D44-4713-8078-8E0963CF8DDB}" type="datetimeFigureOut">
               <a:rPr lang="en-US" smtClean="0"/>
-              <a:t>9/13/2019</a:t>
+              <a:t>9/16/2019</a:t>
             </a:fld>
             <a:endParaRPr lang="en-US"/>
           </a:p>
@@ -3329,7 +3337,7 @@
           <a:p>
             <a:fld id="{DE176E02-7D44-4713-8078-8E0963CF8DDB}" type="datetimeFigureOut">
               <a:rPr lang="en-US" smtClean="0"/>
-              <a:t>9/13/2019</a:t>
+              <a:t>9/16/2019</a:t>
             </a:fld>
             <a:endParaRPr lang="en-US"/>
           </a:p>
@@ -3741,7 +3749,7 @@
           <a:p>
             <a:fld id="{DE176E02-7D44-4713-8078-8E0963CF8DDB}" type="datetimeFigureOut">
               <a:rPr lang="en-US" smtClean="0"/>
-              <a:t>9/13/2019</a:t>
+              <a:t>9/16/2019</a:t>
             </a:fld>
             <a:endParaRPr lang="en-US"/>
           </a:p>
@@ -3882,7 +3890,7 @@
           <a:p>
             <a:fld id="{DE176E02-7D44-4713-8078-8E0963CF8DDB}" type="datetimeFigureOut">
               <a:rPr lang="en-US" smtClean="0"/>
-              <a:t>9/13/2019</a:t>
+              <a:t>9/16/2019</a:t>
             </a:fld>
             <a:endParaRPr lang="en-US"/>
           </a:p>
@@ -3995,7 +4003,7 @@
           <a:p>
             <a:fld id="{DE176E02-7D44-4713-8078-8E0963CF8DDB}" type="datetimeFigureOut">
               <a:rPr lang="en-US" smtClean="0"/>
-              <a:t>9/13/2019</a:t>
+              <a:t>9/16/2019</a:t>
             </a:fld>
             <a:endParaRPr lang="en-US"/>
           </a:p>
@@ -4306,7 +4314,7 @@
           <a:p>
             <a:fld id="{DE176E02-7D44-4713-8078-8E0963CF8DDB}" type="datetimeFigureOut">
               <a:rPr lang="en-US" smtClean="0"/>
-              <a:t>9/13/2019</a:t>
+              <a:t>9/16/2019</a:t>
             </a:fld>
             <a:endParaRPr lang="en-US"/>
           </a:p>
@@ -4594,7 +4602,7 @@
           <a:p>
             <a:fld id="{DE176E02-7D44-4713-8078-8E0963CF8DDB}" type="datetimeFigureOut">
               <a:rPr lang="en-US" smtClean="0"/>
-              <a:t>9/13/2019</a:t>
+              <a:t>9/16/2019</a:t>
             </a:fld>
             <a:endParaRPr lang="en-US"/>
           </a:p>
@@ -4835,7 +4843,7 @@
           <a:p>
             <a:fld id="{DE176E02-7D44-4713-8078-8E0963CF8DDB}" type="datetimeFigureOut">
               <a:rPr lang="en-US" smtClean="0"/>
-              <a:t>9/13/2019</a:t>
+              <a:t>9/16/2019</a:t>
             </a:fld>
             <a:endParaRPr lang="en-US"/>
           </a:p>
@@ -12387,8 +12395,8 @@
           </a:p>
         </p:txBody>
       </p:sp>
-      <mc:AlternateContent xmlns:mc="http://schemas.openxmlformats.org/markup-compatibility/2006">
-        <mc:Choice xmlns:a14="http://schemas.microsoft.com/office/drawing/2010/main" Requires="a14">
+      <mc:AlternateContent xmlns:mc="http://schemas.openxmlformats.org/markup-compatibility/2006" xmlns:a14="http://schemas.microsoft.com/office/drawing/2010/main">
+        <mc:Choice Requires="a14">
           <p:sp>
             <p:nvSpPr>
               <p:cNvPr id="3" name="Content Placeholder 2">
@@ -12938,7 +12946,7 @@
             </p:txBody>
           </p:sp>
         </mc:Choice>
-        <mc:Fallback>
+        <mc:Fallback xmlns="">
           <p:sp>
             <p:nvSpPr>
               <p:cNvPr id="3" name="Content Placeholder 2">
@@ -13337,6 +13345,158 @@
           <p:cNvPr id="2" name="Title 1">
             <a:extLst>
               <a:ext uri="{FF2B5EF4-FFF2-40B4-BE49-F238E27FC236}">
+                <a16:creationId xmlns:a16="http://schemas.microsoft.com/office/drawing/2014/main" id="{68635563-E2D4-4349-A584-74F819D57645}"/>
+              </a:ext>
+            </a:extLst>
+          </p:cNvPr>
+          <p:cNvSpPr>
+            <a:spLocks noGrp="1"/>
+          </p:cNvSpPr>
+          <p:nvPr>
+            <p:ph type="title"/>
+          </p:nvPr>
+        </p:nvSpPr>
+        <p:spPr>
+          <a:xfrm>
+            <a:off x="1016000" y="0"/>
+            <a:ext cx="10972800" cy="643855"/>
+          </a:xfrm>
+        </p:spPr>
+        <p:txBody>
+          <a:bodyPr/>
+          <a:lstStyle/>
+          <a:p>
+            <a:r>
+              <a:rPr lang="en-US" dirty="0"/>
+              <a:t>Priestley lecture </a:t>
+            </a:r>
+            <a:r>
+              <a:rPr lang="en-US"/>
+              <a:t>(Wednesday 7pm, ATS)</a:t>
+            </a:r>
+            <a:endParaRPr lang="en-US" dirty="0"/>
+          </a:p>
+        </p:txBody>
+      </p:sp>
+      <p:sp>
+        <p:nvSpPr>
+          <p:cNvPr id="3" name="Content Placeholder 2">
+            <a:extLst>
+              <a:ext uri="{FF2B5EF4-FFF2-40B4-BE49-F238E27FC236}">
+                <a16:creationId xmlns:a16="http://schemas.microsoft.com/office/drawing/2014/main" id="{0D952D99-BA68-446F-9AEC-CF5CF7970391}"/>
+              </a:ext>
+            </a:extLst>
+          </p:cNvPr>
+          <p:cNvSpPr>
+            <a:spLocks noGrp="1"/>
+          </p:cNvSpPr>
+          <p:nvPr>
+            <p:ph idx="1"/>
+          </p:nvPr>
+        </p:nvSpPr>
+        <p:spPr>
+          <a:xfrm>
+            <a:off x="1016000" y="538992"/>
+            <a:ext cx="10972800" cy="5610138"/>
+          </a:xfrm>
+        </p:spPr>
+        <p:txBody>
+          <a:bodyPr/>
+          <a:lstStyle/>
+          <a:p>
+            <a:r>
+              <a:rPr lang="en-US" dirty="0"/>
+              <a:t>Gowers (2014)- Fields Medalist</a:t>
+            </a:r>
+          </a:p>
+          <a:p>
+            <a:r>
+              <a:rPr lang="en-US" dirty="0"/>
+              <a:t>James Hansen (2013)- discoverer of global warming</a:t>
+            </a:r>
+          </a:p>
+          <a:p>
+            <a:r>
+              <a:rPr lang="en-US" dirty="0"/>
+              <a:t>Vinton Cerf (2007)- invented the internet</a:t>
+            </a:r>
+          </a:p>
+          <a:p>
+            <a:r>
+              <a:rPr lang="en-US" dirty="0"/>
+              <a:t>John Conway (2001)</a:t>
+            </a:r>
+          </a:p>
+          <a:p>
+            <a:r>
+              <a:rPr lang="en-US" dirty="0"/>
+              <a:t>Marvin Minsky (1995)- invented AI</a:t>
+            </a:r>
+          </a:p>
+          <a:p>
+            <a:r>
+              <a:rPr lang="en-US" dirty="0"/>
+              <a:t>Francis Crick (1988)- discoverer of DNA</a:t>
+            </a:r>
+          </a:p>
+          <a:p>
+            <a:r>
+              <a:rPr lang="en-US" dirty="0"/>
+              <a:t>Donald Knuth (1982)- cs demigod</a:t>
+            </a:r>
+          </a:p>
+          <a:p>
+            <a:r>
+              <a:rPr lang="en-US" dirty="0"/>
+              <a:t>Carl Sagan (1975)</a:t>
+            </a:r>
+          </a:p>
+          <a:p>
+            <a:r>
+              <a:rPr lang="en-US" dirty="0"/>
+              <a:t>Margaret Mead (1972)- invented anthropology </a:t>
+            </a:r>
+          </a:p>
+          <a:p>
+            <a:endParaRPr lang="en-US" dirty="0"/>
+          </a:p>
+        </p:txBody>
+      </p:sp>
+    </p:spTree>
+    <p:extLst>
+      <p:ext uri="{BB962C8B-B14F-4D97-AF65-F5344CB8AC3E}">
+        <p14:creationId xmlns:p14="http://schemas.microsoft.com/office/powerpoint/2010/main" val="2108199785"/>
+      </p:ext>
+    </p:extLst>
+  </p:cSld>
+  <p:clrMapOvr>
+    <a:masterClrMapping/>
+  </p:clrMapOvr>
+</p:sld>
+</file>
+
+<file path=ppt/slides/slide43.xml><?xml version="1.0" encoding="utf-8"?>
+<p:sld xmlns:a="http://schemas.openxmlformats.org/drawingml/2006/main" xmlns:r="http://schemas.openxmlformats.org/officeDocument/2006/relationships" xmlns:p="http://schemas.openxmlformats.org/presentationml/2006/main">
+  <p:cSld>
+    <p:spTree>
+      <p:nvGrpSpPr>
+        <p:cNvPr id="1" name=""/>
+        <p:cNvGrpSpPr/>
+        <p:nvPr/>
+      </p:nvGrpSpPr>
+      <p:grpSpPr>
+        <a:xfrm>
+          <a:off x="0" y="0"/>
+          <a:ext cx="0" cy="0"/>
+          <a:chOff x="0" y="0"/>
+          <a:chExt cx="0" cy="0"/>
+        </a:xfrm>
+      </p:grpSpPr>
+      <p:sp>
+        <p:nvSpPr>
+          <p:cNvPr id="2" name="Title 1">
+            <a:extLst>
+              <a:ext uri="{FF2B5EF4-FFF2-40B4-BE49-F238E27FC236}">
                 <a16:creationId xmlns:a16="http://schemas.microsoft.com/office/drawing/2014/main" id="{6637B71F-A9B5-447B-91B5-D76097F8F6CB}"/>
               </a:ext>
             </a:extLst>
@@ -13480,6 +13640,1151 @@
     <p:extLst>
       <p:ext uri="{BB962C8B-B14F-4D97-AF65-F5344CB8AC3E}">
         <p14:creationId xmlns:p14="http://schemas.microsoft.com/office/powerpoint/2010/main" val="1614241920"/>
+      </p:ext>
+    </p:extLst>
+  </p:cSld>
+  <p:clrMapOvr>
+    <a:masterClrMapping/>
+  </p:clrMapOvr>
+</p:sld>
+</file>
+
+<file path=ppt/slides/slide44.xml><?xml version="1.0" encoding="utf-8"?>
+<p:sld xmlns:a="http://schemas.openxmlformats.org/drawingml/2006/main" xmlns:r="http://schemas.openxmlformats.org/officeDocument/2006/relationships" xmlns:p="http://schemas.openxmlformats.org/presentationml/2006/main">
+  <p:cSld>
+    <p:spTree>
+      <p:nvGrpSpPr>
+        <p:cNvPr id="1" name=""/>
+        <p:cNvGrpSpPr/>
+        <p:nvPr/>
+      </p:nvGrpSpPr>
+      <p:grpSpPr>
+        <a:xfrm>
+          <a:off x="0" y="0"/>
+          <a:ext cx="0" cy="0"/>
+          <a:chOff x="0" y="0"/>
+          <a:chExt cx="0" cy="0"/>
+        </a:xfrm>
+      </p:grpSpPr>
+      <p:sp>
+        <p:nvSpPr>
+          <p:cNvPr id="2" name="Title 1">
+            <a:extLst>
+              <a:ext uri="{FF2B5EF4-FFF2-40B4-BE49-F238E27FC236}">
+                <a16:creationId xmlns:a16="http://schemas.microsoft.com/office/drawing/2014/main" id="{4F9647B6-28B1-4A66-A7FC-D2B518182745}"/>
+              </a:ext>
+            </a:extLst>
+          </p:cNvPr>
+          <p:cNvSpPr>
+            <a:spLocks noGrp="1"/>
+          </p:cNvSpPr>
+          <p:nvPr>
+            <p:ph type="title"/>
+          </p:nvPr>
+        </p:nvSpPr>
+        <p:spPr/>
+        <p:txBody>
+          <a:bodyPr/>
+          <a:lstStyle/>
+          <a:p>
+            <a:r>
+              <a:rPr lang="en-US" dirty="0"/>
+              <a:t>More examples</a:t>
+            </a:r>
+          </a:p>
+        </p:txBody>
+      </p:sp>
+      <p:sp>
+        <p:nvSpPr>
+          <p:cNvPr id="3" name="Content Placeholder 2">
+            <a:extLst>
+              <a:ext uri="{FF2B5EF4-FFF2-40B4-BE49-F238E27FC236}">
+                <a16:creationId xmlns:a16="http://schemas.microsoft.com/office/drawing/2014/main" id="{59B0F491-27BA-4C80-8527-DFBEAB6E3F32}"/>
+              </a:ext>
+            </a:extLst>
+          </p:cNvPr>
+          <p:cNvSpPr>
+            <a:spLocks noGrp="1"/>
+          </p:cNvSpPr>
+          <p:nvPr>
+            <p:ph idx="1"/>
+          </p:nvPr>
+        </p:nvSpPr>
+        <p:spPr/>
+        <p:txBody>
+          <a:bodyPr/>
+          <a:lstStyle/>
+          <a:p>
+            <a:r>
+              <a:rPr lang="en-US" dirty="0"/>
+              <a:t>replace first x</a:t>
+            </a:r>
+          </a:p>
+          <a:p>
+            <a:pPr lvl="1"/>
+            <a:r>
+              <a:rPr lang="en-US" dirty="0"/>
+              <a:t>Input is an </a:t>
+            </a:r>
+            <a:r>
+              <a:rPr lang="en-US" dirty="0" err="1"/>
+              <a:t>arraylist</a:t>
+            </a:r>
+            <a:r>
+              <a:rPr lang="en-US" dirty="0"/>
+              <a:t> of Character</a:t>
+            </a:r>
+          </a:p>
+          <a:p>
+            <a:pPr lvl="1"/>
+            <a:r>
+              <a:rPr lang="en-US" dirty="0"/>
+              <a:t>Change the first ‘x’ to a ‘y’ and stop</a:t>
+            </a:r>
+          </a:p>
+          <a:p>
+            <a:r>
+              <a:rPr lang="en-US" dirty="0"/>
+              <a:t>count 0s in 2d array</a:t>
+            </a:r>
+          </a:p>
+          <a:p>
+            <a:pPr lvl="1"/>
+            <a:r>
+              <a:rPr lang="en-US" dirty="0"/>
+              <a:t>Input is an </a:t>
+            </a:r>
+            <a:r>
+              <a:rPr lang="en-US" dirty="0" err="1"/>
+              <a:t>nxn</a:t>
+            </a:r>
+            <a:r>
+              <a:rPr lang="en-US" dirty="0"/>
+              <a:t> 2d array of int</a:t>
+            </a:r>
+          </a:p>
+          <a:p>
+            <a:pPr lvl="1"/>
+            <a:r>
+              <a:rPr lang="en-US" dirty="0"/>
+              <a:t>Output is the number of 0s in the 2d array</a:t>
+            </a:r>
+          </a:p>
+        </p:txBody>
+      </p:sp>
+    </p:spTree>
+    <p:extLst>
+      <p:ext uri="{BB962C8B-B14F-4D97-AF65-F5344CB8AC3E}">
+        <p14:creationId xmlns:p14="http://schemas.microsoft.com/office/powerpoint/2010/main" val="562775151"/>
+      </p:ext>
+    </p:extLst>
+  </p:cSld>
+  <p:clrMapOvr>
+    <a:masterClrMapping/>
+  </p:clrMapOvr>
+</p:sld>
+</file>
+
+<file path=ppt/slides/slide45.xml><?xml version="1.0" encoding="utf-8"?>
+<p:sld xmlns:a="http://schemas.openxmlformats.org/drawingml/2006/main" xmlns:r="http://schemas.openxmlformats.org/officeDocument/2006/relationships" xmlns:p="http://schemas.openxmlformats.org/presentationml/2006/main">
+  <p:cSld>
+    <p:spTree>
+      <p:nvGrpSpPr>
+        <p:cNvPr id="1" name=""/>
+        <p:cNvGrpSpPr/>
+        <p:nvPr/>
+      </p:nvGrpSpPr>
+      <p:grpSpPr>
+        <a:xfrm>
+          <a:off x="0" y="0"/>
+          <a:ext cx="0" cy="0"/>
+          <a:chOff x="0" y="0"/>
+          <a:chExt cx="0" cy="0"/>
+        </a:xfrm>
+      </p:grpSpPr>
+      <p:sp>
+        <p:nvSpPr>
+          <p:cNvPr id="2" name="Title 1">
+            <a:extLst>
+              <a:ext uri="{FF2B5EF4-FFF2-40B4-BE49-F238E27FC236}">
+                <a16:creationId xmlns:a16="http://schemas.microsoft.com/office/drawing/2014/main" id="{4615EE08-1BB7-46FF-81CC-ECE11F7D78C3}"/>
+              </a:ext>
+            </a:extLst>
+          </p:cNvPr>
+          <p:cNvSpPr>
+            <a:spLocks noGrp="1"/>
+          </p:cNvSpPr>
+          <p:nvPr>
+            <p:ph type="title"/>
+          </p:nvPr>
+        </p:nvSpPr>
+        <p:spPr/>
+        <p:txBody>
+          <a:bodyPr/>
+          <a:lstStyle/>
+          <a:p>
+            <a:r>
+              <a:rPr lang="en-US" dirty="0"/>
+              <a:t>Actual Iterative Algorithms Process</a:t>
+            </a:r>
+          </a:p>
+        </p:txBody>
+      </p:sp>
+      <p:sp>
+        <p:nvSpPr>
+          <p:cNvPr id="3" name="Content Placeholder 2">
+            <a:extLst>
+              <a:ext uri="{FF2B5EF4-FFF2-40B4-BE49-F238E27FC236}">
+                <a16:creationId xmlns:a16="http://schemas.microsoft.com/office/drawing/2014/main" id="{08307A17-FF84-4170-941D-769D77C55D7A}"/>
+              </a:ext>
+            </a:extLst>
+          </p:cNvPr>
+          <p:cNvSpPr>
+            <a:spLocks noGrp="1"/>
+          </p:cNvSpPr>
+          <p:nvPr>
+            <p:ph idx="1"/>
+          </p:nvPr>
+        </p:nvSpPr>
+        <p:spPr/>
+        <p:txBody>
+          <a:bodyPr/>
+          <a:lstStyle/>
+          <a:p>
+            <a:r>
+              <a:rPr lang="en-US" dirty="0"/>
+              <a:t>Pick an input measurement</a:t>
+            </a:r>
+          </a:p>
+          <a:p>
+            <a:r>
+              <a:rPr lang="en-US" dirty="0"/>
+              <a:t>Pick a basic operation</a:t>
+            </a:r>
+          </a:p>
+          <a:p>
+            <a:r>
+              <a:rPr lang="en-US" dirty="0"/>
+              <a:t>Consider if there is a worst case or best case</a:t>
+            </a:r>
+          </a:p>
+          <a:p>
+            <a:r>
+              <a:rPr lang="en-US" dirty="0"/>
+              <a:t>Count how many times that operation occurs</a:t>
+            </a:r>
+          </a:p>
+        </p:txBody>
+      </p:sp>
+    </p:spTree>
+    <p:extLst>
+      <p:ext uri="{BB962C8B-B14F-4D97-AF65-F5344CB8AC3E}">
+        <p14:creationId xmlns:p14="http://schemas.microsoft.com/office/powerpoint/2010/main" val="3113539140"/>
+      </p:ext>
+    </p:extLst>
+  </p:cSld>
+  <p:clrMapOvr>
+    <a:masterClrMapping/>
+  </p:clrMapOvr>
+</p:sld>
+</file>
+
+<file path=ppt/slides/slide46.xml><?xml version="1.0" encoding="utf-8"?>
+<p:sld xmlns:a="http://schemas.openxmlformats.org/drawingml/2006/main" xmlns:r="http://schemas.openxmlformats.org/officeDocument/2006/relationships" xmlns:p="http://schemas.openxmlformats.org/presentationml/2006/main">
+  <p:cSld>
+    <p:spTree>
+      <p:nvGrpSpPr>
+        <p:cNvPr id="1" name=""/>
+        <p:cNvGrpSpPr/>
+        <p:nvPr/>
+      </p:nvGrpSpPr>
+      <p:grpSpPr>
+        <a:xfrm>
+          <a:off x="0" y="0"/>
+          <a:ext cx="0" cy="0"/>
+          <a:chOff x="0" y="0"/>
+          <a:chExt cx="0" cy="0"/>
+        </a:xfrm>
+      </p:grpSpPr>
+      <p:sp>
+        <p:nvSpPr>
+          <p:cNvPr id="2" name="Title 1">
+            <a:extLst>
+              <a:ext uri="{FF2B5EF4-FFF2-40B4-BE49-F238E27FC236}">
+                <a16:creationId xmlns:a16="http://schemas.microsoft.com/office/drawing/2014/main" id="{37937A87-8BA8-44B5-B196-754C26A5278A}"/>
+              </a:ext>
+            </a:extLst>
+          </p:cNvPr>
+          <p:cNvSpPr>
+            <a:spLocks noGrp="1"/>
+          </p:cNvSpPr>
+          <p:nvPr>
+            <p:ph type="title"/>
+          </p:nvPr>
+        </p:nvSpPr>
+        <p:spPr/>
+        <p:txBody>
+          <a:bodyPr/>
+          <a:lstStyle/>
+          <a:p>
+            <a:r>
+              <a:rPr lang="en-US" dirty="0"/>
+              <a:t>Best case and worst case discussion</a:t>
+            </a:r>
+          </a:p>
+        </p:txBody>
+      </p:sp>
+      <p:sp>
+        <p:nvSpPr>
+          <p:cNvPr id="3" name="Content Placeholder 2">
+            <a:extLst>
+              <a:ext uri="{FF2B5EF4-FFF2-40B4-BE49-F238E27FC236}">
+                <a16:creationId xmlns:a16="http://schemas.microsoft.com/office/drawing/2014/main" id="{9EB00CCE-84B1-4358-9D2C-7573D16FDA49}"/>
+              </a:ext>
+            </a:extLst>
+          </p:cNvPr>
+          <p:cNvSpPr>
+            <a:spLocks noGrp="1"/>
+          </p:cNvSpPr>
+          <p:nvPr>
+            <p:ph idx="1"/>
+          </p:nvPr>
+        </p:nvSpPr>
+        <p:spPr/>
+        <p:txBody>
+          <a:bodyPr/>
+          <a:lstStyle/>
+          <a:p>
+            <a:r>
+              <a:rPr lang="en-US" dirty="0"/>
+              <a:t>Best case vs worst case vs algorithm</a:t>
+            </a:r>
+          </a:p>
+        </p:txBody>
+      </p:sp>
+    </p:spTree>
+    <p:extLst>
+      <p:ext uri="{BB962C8B-B14F-4D97-AF65-F5344CB8AC3E}">
+        <p14:creationId xmlns:p14="http://schemas.microsoft.com/office/powerpoint/2010/main" val="2828200275"/>
+      </p:ext>
+    </p:extLst>
+  </p:cSld>
+  <p:clrMapOvr>
+    <a:masterClrMapping/>
+  </p:clrMapOvr>
+</p:sld>
+</file>
+
+<file path=ppt/slides/slide47.xml><?xml version="1.0" encoding="utf-8"?>
+<p:sld xmlns:a="http://schemas.openxmlformats.org/drawingml/2006/main" xmlns:r="http://schemas.openxmlformats.org/officeDocument/2006/relationships" xmlns:p="http://schemas.openxmlformats.org/presentationml/2006/main">
+  <p:cSld>
+    <p:spTree>
+      <p:nvGrpSpPr>
+        <p:cNvPr id="1" name=""/>
+        <p:cNvGrpSpPr/>
+        <p:nvPr/>
+      </p:nvGrpSpPr>
+      <p:grpSpPr>
+        <a:xfrm>
+          <a:off x="0" y="0"/>
+          <a:ext cx="0" cy="0"/>
+          <a:chOff x="0" y="0"/>
+          <a:chExt cx="0" cy="0"/>
+        </a:xfrm>
+      </p:grpSpPr>
+      <p:sp>
+        <p:nvSpPr>
+          <p:cNvPr id="2" name="Title 1">
+            <a:extLst>
+              <a:ext uri="{FF2B5EF4-FFF2-40B4-BE49-F238E27FC236}">
+                <a16:creationId xmlns:a16="http://schemas.microsoft.com/office/drawing/2014/main" id="{36F03DDD-4313-46EF-868F-FC10ECD55815}"/>
+              </a:ext>
+            </a:extLst>
+          </p:cNvPr>
+          <p:cNvSpPr>
+            <a:spLocks noGrp="1"/>
+          </p:cNvSpPr>
+          <p:nvPr>
+            <p:ph type="title"/>
+          </p:nvPr>
+        </p:nvSpPr>
+        <p:spPr/>
+        <p:txBody>
+          <a:bodyPr/>
+          <a:lstStyle/>
+          <a:p>
+            <a:r>
+              <a:rPr lang="en-US" dirty="0"/>
+              <a:t>Upper triangular sum</a:t>
+            </a:r>
+          </a:p>
+        </p:txBody>
+      </p:sp>
+      <p:sp>
+        <p:nvSpPr>
+          <p:cNvPr id="3" name="Content Placeholder 2">
+            <a:extLst>
+              <a:ext uri="{FF2B5EF4-FFF2-40B4-BE49-F238E27FC236}">
+                <a16:creationId xmlns:a16="http://schemas.microsoft.com/office/drawing/2014/main" id="{09428412-693F-4E8A-A1E0-9D8F95748990}"/>
+              </a:ext>
+            </a:extLst>
+          </p:cNvPr>
+          <p:cNvSpPr>
+            <a:spLocks noGrp="1"/>
+          </p:cNvSpPr>
+          <p:nvPr>
+            <p:ph idx="1"/>
+          </p:nvPr>
+        </p:nvSpPr>
+        <p:spPr/>
+        <p:txBody>
+          <a:bodyPr/>
+          <a:lstStyle/>
+          <a:p>
+            <a:r>
+              <a:rPr lang="en-US" dirty="0"/>
+              <a:t>Given a 2d array, find the sum of elements in the upper right side</a:t>
+            </a:r>
+          </a:p>
+        </p:txBody>
+      </p:sp>
+    </p:spTree>
+    <p:extLst>
+      <p:ext uri="{BB962C8B-B14F-4D97-AF65-F5344CB8AC3E}">
+        <p14:creationId xmlns:p14="http://schemas.microsoft.com/office/powerpoint/2010/main" val="559284376"/>
+      </p:ext>
+    </p:extLst>
+  </p:cSld>
+  <p:clrMapOvr>
+    <a:masterClrMapping/>
+  </p:clrMapOvr>
+</p:sld>
+</file>
+
+<file path=ppt/slides/slide48.xml><?xml version="1.0" encoding="utf-8"?>
+<p:sld xmlns:a="http://schemas.openxmlformats.org/drawingml/2006/main" xmlns:r="http://schemas.openxmlformats.org/officeDocument/2006/relationships" xmlns:p="http://schemas.openxmlformats.org/presentationml/2006/main">
+  <p:cSld>
+    <p:spTree>
+      <p:nvGrpSpPr>
+        <p:cNvPr id="1" name=""/>
+        <p:cNvGrpSpPr/>
+        <p:nvPr/>
+      </p:nvGrpSpPr>
+      <p:grpSpPr>
+        <a:xfrm>
+          <a:off x="0" y="0"/>
+          <a:ext cx="0" cy="0"/>
+          <a:chOff x="0" y="0"/>
+          <a:chExt cx="0" cy="0"/>
+        </a:xfrm>
+      </p:grpSpPr>
+      <p:sp>
+        <p:nvSpPr>
+          <p:cNvPr id="2" name="Title 1">
+            <a:extLst>
+              <a:ext uri="{FF2B5EF4-FFF2-40B4-BE49-F238E27FC236}">
+                <a16:creationId xmlns:a16="http://schemas.microsoft.com/office/drawing/2014/main" id="{AD97AD3C-A9A4-48E2-B9D3-5093A99F3643}"/>
+              </a:ext>
+            </a:extLst>
+          </p:cNvPr>
+          <p:cNvSpPr>
+            <a:spLocks noGrp="1"/>
+          </p:cNvSpPr>
+          <p:nvPr>
+            <p:ph type="title"/>
+          </p:nvPr>
+        </p:nvSpPr>
+        <p:spPr/>
+        <p:txBody>
+          <a:bodyPr/>
+          <a:lstStyle/>
+          <a:p>
+            <a:endParaRPr lang="en-US"/>
+          </a:p>
+        </p:txBody>
+      </p:sp>
+      <mc:AlternateContent xmlns:mc="http://schemas.openxmlformats.org/markup-compatibility/2006">
+        <mc:Choice xmlns:a14="http://schemas.microsoft.com/office/drawing/2010/main" Requires="a14">
+          <p:sp>
+            <p:nvSpPr>
+              <p:cNvPr id="3" name="Content Placeholder 2">
+                <a:extLst>
+                  <a:ext uri="{FF2B5EF4-FFF2-40B4-BE49-F238E27FC236}">
+                    <a16:creationId xmlns:a16="http://schemas.microsoft.com/office/drawing/2014/main" id="{32FD0C7F-1110-48CC-8049-940405E26940}"/>
+                  </a:ext>
+                </a:extLst>
+              </p:cNvPr>
+              <p:cNvSpPr>
+                <a:spLocks noGrp="1"/>
+              </p:cNvSpPr>
+              <p:nvPr>
+                <p:ph idx="1"/>
+              </p:nvPr>
+            </p:nvSpPr>
+            <p:spPr/>
+            <p:txBody>
+              <a:bodyPr/>
+              <a:lstStyle/>
+              <a:p>
+                <a14:m>
+                  <m:oMath xmlns:m="http://schemas.openxmlformats.org/officeDocument/2006/math">
+                    <m:nary>
+                      <m:naryPr>
+                        <m:chr m:val="∑"/>
+                        <m:ctrlPr>
+                          <a:rPr lang="en-US" i="1" smtClean="0">
+                            <a:latin typeface="Cambria Math" panose="02040503050406030204" pitchFamily="18" charset="0"/>
+                          </a:rPr>
+                        </m:ctrlPr>
+                      </m:naryPr>
+                      <m:sub>
+                        <m:r>
+                          <m:rPr>
+                            <m:brk m:alnAt="23"/>
+                          </m:rPr>
+                          <a:rPr lang="en-US" i="1">
+                            <a:latin typeface="Cambria Math" panose="02040503050406030204" pitchFamily="18" charset="0"/>
+                          </a:rPr>
+                          <m:t>𝑖</m:t>
+                        </m:r>
+                        <m:r>
+                          <a:rPr lang="en-US" i="1">
+                            <a:latin typeface="Cambria Math" panose="02040503050406030204" pitchFamily="18" charset="0"/>
+                          </a:rPr>
+                          <m:t>=0</m:t>
+                        </m:r>
+                      </m:sub>
+                      <m:sup>
+                        <m:r>
+                          <a:rPr lang="en-US" i="1">
+                            <a:latin typeface="Cambria Math" panose="02040503050406030204" pitchFamily="18" charset="0"/>
+                          </a:rPr>
+                          <m:t>𝑛</m:t>
+                        </m:r>
+                      </m:sup>
+                      <m:e>
+                        <m:r>
+                          <a:rPr lang="en-US" b="0" i="1" smtClean="0">
+                            <a:latin typeface="Cambria Math" panose="02040503050406030204" pitchFamily="18" charset="0"/>
+                          </a:rPr>
+                          <m:t>𝑖</m:t>
+                        </m:r>
+                        <m:r>
+                          <a:rPr lang="en-US" b="0" i="1" smtClean="0">
+                            <a:latin typeface="Cambria Math" panose="02040503050406030204" pitchFamily="18" charset="0"/>
+                          </a:rPr>
+                          <m:t>=1+2+3+…+</m:t>
+                        </m:r>
+                        <m:r>
+                          <a:rPr lang="en-US" b="0" i="1" smtClean="0">
+                            <a:latin typeface="Cambria Math" panose="02040503050406030204" pitchFamily="18" charset="0"/>
+                          </a:rPr>
+                          <m:t>𝑛</m:t>
+                        </m:r>
+                        <m:r>
+                          <a:rPr lang="en-US" b="0" i="1" smtClean="0">
+                            <a:latin typeface="Cambria Math" panose="02040503050406030204" pitchFamily="18" charset="0"/>
+                          </a:rPr>
+                          <m:t>=</m:t>
+                        </m:r>
+                      </m:e>
+                    </m:nary>
+                    <m:r>
+                      <m:rPr>
+                        <m:sty m:val="p"/>
+                      </m:rPr>
+                      <a:rPr lang="en-US" b="0" i="0" smtClean="0">
+                        <a:latin typeface="Cambria Math" panose="02040503050406030204" pitchFamily="18" charset="0"/>
+                        <a:ea typeface="Cambria Math" panose="02040503050406030204" pitchFamily="18" charset="0"/>
+                      </a:rPr>
+                      <m:t>n</m:t>
+                    </m:r>
+                    <m:r>
+                      <a:rPr lang="en-US" b="0" i="0" smtClean="0">
+                        <a:latin typeface="Cambria Math" panose="02040503050406030204" pitchFamily="18" charset="0"/>
+                        <a:ea typeface="Cambria Math" panose="02040503050406030204" pitchFamily="18" charset="0"/>
+                      </a:rPr>
+                      <m:t>(</m:t>
+                    </m:r>
+                    <m:r>
+                      <m:rPr>
+                        <m:sty m:val="p"/>
+                      </m:rPr>
+                      <a:rPr lang="en-US" b="0" i="0" smtClean="0">
+                        <a:latin typeface="Cambria Math" panose="02040503050406030204" pitchFamily="18" charset="0"/>
+                        <a:ea typeface="Cambria Math" panose="02040503050406030204" pitchFamily="18" charset="0"/>
+                      </a:rPr>
+                      <m:t>n</m:t>
+                    </m:r>
+                    <m:r>
+                      <a:rPr lang="en-US" b="0" i="0" smtClean="0">
+                        <a:latin typeface="Cambria Math" panose="02040503050406030204" pitchFamily="18" charset="0"/>
+                        <a:ea typeface="Cambria Math" panose="02040503050406030204" pitchFamily="18" charset="0"/>
+                      </a:rPr>
+                      <m:t>+1)/2</m:t>
+                    </m:r>
+                  </m:oMath>
+                </a14:m>
+                <a:endParaRPr lang="en-US" dirty="0"/>
+              </a:p>
+              <a:p>
+                <a14:m>
+                  <m:oMath xmlns:m="http://schemas.openxmlformats.org/officeDocument/2006/math">
+                    <m:nary>
+                      <m:naryPr>
+                        <m:chr m:val="∑"/>
+                        <m:ctrlPr>
+                          <a:rPr lang="en-US" i="1" smtClean="0">
+                            <a:latin typeface="Cambria Math" panose="02040503050406030204" pitchFamily="18" charset="0"/>
+                          </a:rPr>
+                        </m:ctrlPr>
+                      </m:naryPr>
+                      <m:sub>
+                        <m:r>
+                          <m:rPr>
+                            <m:brk m:alnAt="23"/>
+                          </m:rPr>
+                          <a:rPr lang="en-US" i="1">
+                            <a:latin typeface="Cambria Math" panose="02040503050406030204" pitchFamily="18" charset="0"/>
+                          </a:rPr>
+                          <m:t>𝑖</m:t>
+                        </m:r>
+                        <m:r>
+                          <a:rPr lang="en-US" i="1">
+                            <a:latin typeface="Cambria Math" panose="02040503050406030204" pitchFamily="18" charset="0"/>
+                          </a:rPr>
+                          <m:t>=0</m:t>
+                        </m:r>
+                      </m:sub>
+                      <m:sup>
+                        <m:r>
+                          <a:rPr lang="en-US" i="1">
+                            <a:latin typeface="Cambria Math" panose="02040503050406030204" pitchFamily="18" charset="0"/>
+                          </a:rPr>
+                          <m:t>𝑛</m:t>
+                        </m:r>
+                      </m:sup>
+                      <m:e>
+                        <m:sSup>
+                          <m:sSupPr>
+                            <m:ctrlPr>
+                              <a:rPr lang="en-US" i="1" smtClean="0">
+                                <a:latin typeface="Cambria Math" panose="02040503050406030204" pitchFamily="18" charset="0"/>
+                              </a:rPr>
+                            </m:ctrlPr>
+                          </m:sSupPr>
+                          <m:e>
+                            <m:r>
+                              <a:rPr lang="en-US" b="0" i="1" smtClean="0">
+                                <a:latin typeface="Cambria Math" panose="02040503050406030204" pitchFamily="18" charset="0"/>
+                              </a:rPr>
+                              <m:t>𝑖</m:t>
+                            </m:r>
+                          </m:e>
+                          <m:sup>
+                            <m:r>
+                              <a:rPr lang="en-US" b="0" i="1" smtClean="0">
+                                <a:latin typeface="Cambria Math" panose="02040503050406030204" pitchFamily="18" charset="0"/>
+                              </a:rPr>
+                              <m:t>2</m:t>
+                            </m:r>
+                          </m:sup>
+                        </m:sSup>
+                      </m:e>
+                    </m:nary>
+                    <m:r>
+                      <a:rPr lang="en-US" b="0" i="0" smtClean="0">
+                        <a:latin typeface="Cambria Math" panose="02040503050406030204" pitchFamily="18" charset="0"/>
+                      </a:rPr>
+                      <m:t>=?</m:t>
+                    </m:r>
+                  </m:oMath>
+                </a14:m>
+                <a:endParaRPr lang="en-US" b="0" dirty="0"/>
+              </a:p>
+              <a:p>
+                <a14:m>
+                  <m:oMath xmlns:m="http://schemas.openxmlformats.org/officeDocument/2006/math">
+                    <m:nary>
+                      <m:naryPr>
+                        <m:chr m:val="∑"/>
+                        <m:ctrlPr>
+                          <a:rPr lang="en-US" i="1">
+                            <a:latin typeface="Cambria Math" panose="02040503050406030204" pitchFamily="18" charset="0"/>
+                          </a:rPr>
+                        </m:ctrlPr>
+                      </m:naryPr>
+                      <m:sub>
+                        <m:r>
+                          <m:rPr>
+                            <m:brk m:alnAt="23"/>
+                          </m:rPr>
+                          <a:rPr lang="en-US" i="1">
+                            <a:latin typeface="Cambria Math" panose="02040503050406030204" pitchFamily="18" charset="0"/>
+                          </a:rPr>
+                          <m:t>𝑖</m:t>
+                        </m:r>
+                        <m:r>
+                          <a:rPr lang="en-US" i="1">
+                            <a:latin typeface="Cambria Math" panose="02040503050406030204" pitchFamily="18" charset="0"/>
+                          </a:rPr>
+                          <m:t>=0</m:t>
+                        </m:r>
+                      </m:sub>
+                      <m:sup>
+                        <m:r>
+                          <a:rPr lang="en-US" i="1">
+                            <a:latin typeface="Cambria Math" panose="02040503050406030204" pitchFamily="18" charset="0"/>
+                          </a:rPr>
+                          <m:t>𝑛</m:t>
+                        </m:r>
+                      </m:sup>
+                      <m:e>
+                        <m:r>
+                          <m:rPr>
+                            <m:sty m:val="p"/>
+                          </m:rPr>
+                          <a:rPr lang="en-US">
+                            <a:latin typeface="Cambria Math" panose="02040503050406030204" pitchFamily="18" charset="0"/>
+                          </a:rPr>
+                          <m:t>ln</m:t>
+                        </m:r>
+                        <m:r>
+                          <a:rPr lang="en-US" i="1">
+                            <a:latin typeface="Cambria Math" panose="02040503050406030204" pitchFamily="18" charset="0"/>
+                          </a:rPr>
+                          <m:t>⁡(</m:t>
+                        </m:r>
+                        <m:r>
+                          <a:rPr lang="en-US" i="1">
+                            <a:latin typeface="Cambria Math" panose="02040503050406030204" pitchFamily="18" charset="0"/>
+                          </a:rPr>
+                          <m:t>𝑖</m:t>
+                        </m:r>
+                        <m:r>
+                          <a:rPr lang="en-US" i="1">
+                            <a:latin typeface="Cambria Math" panose="02040503050406030204" pitchFamily="18" charset="0"/>
+                          </a:rPr>
+                          <m:t>)</m:t>
+                        </m:r>
+                      </m:e>
+                    </m:nary>
+                    <m:r>
+                      <a:rPr lang="en-US">
+                        <a:latin typeface="Cambria Math" panose="02040503050406030204" pitchFamily="18" charset="0"/>
+                      </a:rPr>
+                      <m:t>=?</m:t>
+                    </m:r>
+                  </m:oMath>
+                </a14:m>
+                <a:endParaRPr lang="en-US" dirty="0"/>
+              </a:p>
+              <a:p>
+                <a14:m>
+                  <m:oMath xmlns:m="http://schemas.openxmlformats.org/officeDocument/2006/math">
+                    <m:nary>
+                      <m:naryPr>
+                        <m:chr m:val="∑"/>
+                        <m:ctrlPr>
+                          <a:rPr lang="en-US" i="1">
+                            <a:latin typeface="Cambria Math" panose="02040503050406030204" pitchFamily="18" charset="0"/>
+                          </a:rPr>
+                        </m:ctrlPr>
+                      </m:naryPr>
+                      <m:sub>
+                        <m:r>
+                          <m:rPr>
+                            <m:brk m:alnAt="23"/>
+                          </m:rPr>
+                          <a:rPr lang="en-US" i="1">
+                            <a:latin typeface="Cambria Math" panose="02040503050406030204" pitchFamily="18" charset="0"/>
+                          </a:rPr>
+                          <m:t>𝑖</m:t>
+                        </m:r>
+                        <m:r>
+                          <a:rPr lang="en-US" i="1">
+                            <a:latin typeface="Cambria Math" panose="02040503050406030204" pitchFamily="18" charset="0"/>
+                          </a:rPr>
+                          <m:t>=0</m:t>
+                        </m:r>
+                      </m:sub>
+                      <m:sup>
+                        <m:r>
+                          <a:rPr lang="en-US" i="1">
+                            <a:latin typeface="Cambria Math" panose="02040503050406030204" pitchFamily="18" charset="0"/>
+                          </a:rPr>
+                          <m:t>𝑛</m:t>
+                        </m:r>
+                      </m:sup>
+                      <m:e>
+                        <m:f>
+                          <m:fPr>
+                            <m:ctrlPr>
+                              <a:rPr lang="en-US" i="1" smtClean="0">
+                                <a:latin typeface="Cambria Math" panose="02040503050406030204" pitchFamily="18" charset="0"/>
+                              </a:rPr>
+                            </m:ctrlPr>
+                          </m:fPr>
+                          <m:num>
+                            <m:r>
+                              <a:rPr lang="en-US" b="0" i="1" smtClean="0">
+                                <a:latin typeface="Cambria Math" panose="02040503050406030204" pitchFamily="18" charset="0"/>
+                              </a:rPr>
+                              <m:t>1</m:t>
+                            </m:r>
+                          </m:num>
+                          <m:den>
+                            <m:r>
+                              <a:rPr lang="en-US" b="0" i="1" smtClean="0">
+                                <a:latin typeface="Cambria Math" panose="02040503050406030204" pitchFamily="18" charset="0"/>
+                              </a:rPr>
+                              <m:t>𝑖</m:t>
+                            </m:r>
+                          </m:den>
+                        </m:f>
+                      </m:e>
+                    </m:nary>
+                    <m:r>
+                      <a:rPr lang="en-US">
+                        <a:latin typeface="Cambria Math" panose="02040503050406030204" pitchFamily="18" charset="0"/>
+                      </a:rPr>
+                      <m:t>=?</m:t>
+                    </m:r>
+                  </m:oMath>
+                </a14:m>
+                <a:endParaRPr lang="en-US" dirty="0"/>
+              </a:p>
+              <a:p>
+                <a:endParaRPr lang="en-US" dirty="0"/>
+              </a:p>
+            </p:txBody>
+          </p:sp>
+        </mc:Choice>
+        <mc:Fallback>
+          <p:sp>
+            <p:nvSpPr>
+              <p:cNvPr id="3" name="Content Placeholder 2">
+                <a:extLst>
+                  <a:ext uri="{FF2B5EF4-FFF2-40B4-BE49-F238E27FC236}">
+                    <a16:creationId xmlns:a16="http://schemas.microsoft.com/office/drawing/2014/main" id="{32FD0C7F-1110-48CC-8049-940405E26940}"/>
+                  </a:ext>
+                </a:extLst>
+              </p:cNvPr>
+              <p:cNvSpPr>
+                <a:spLocks noGrp="1" noRot="1" noChangeAspect="1" noMove="1" noResize="1" noEditPoints="1" noAdjustHandles="1" noChangeArrowheads="1" noChangeShapeType="1" noTextEdit="1"/>
+              </p:cNvSpPr>
+              <p:nvPr>
+                <p:ph idx="1"/>
+              </p:nvPr>
+            </p:nvSpPr>
+            <p:spPr>
+              <a:blipFill>
+                <a:blip r:embed="rId2"/>
+                <a:stretch>
+                  <a:fillRect/>
+                </a:stretch>
+              </a:blipFill>
+            </p:spPr>
+            <p:txBody>
+              <a:bodyPr/>
+              <a:lstStyle/>
+              <a:p>
+                <a:r>
+                  <a:rPr lang="en-US">
+                    <a:noFill/>
+                  </a:rPr>
+                  <a:t> </a:t>
+                </a:r>
+              </a:p>
+            </p:txBody>
+          </p:sp>
+        </mc:Fallback>
+      </mc:AlternateContent>
+    </p:spTree>
+    <p:extLst>
+      <p:ext uri="{BB962C8B-B14F-4D97-AF65-F5344CB8AC3E}">
+        <p14:creationId xmlns:p14="http://schemas.microsoft.com/office/powerpoint/2010/main" val="3737423005"/>
+      </p:ext>
+    </p:extLst>
+  </p:cSld>
+  <p:clrMapOvr>
+    <a:masterClrMapping/>
+  </p:clrMapOvr>
+</p:sld>
+</file>
+
+<file path=ppt/slides/slide49.xml><?xml version="1.0" encoding="utf-8"?>
+<p:sld xmlns:a="http://schemas.openxmlformats.org/drawingml/2006/main" xmlns:r="http://schemas.openxmlformats.org/officeDocument/2006/relationships" xmlns:p="http://schemas.openxmlformats.org/presentationml/2006/main">
+  <p:cSld>
+    <p:spTree>
+      <p:nvGrpSpPr>
+        <p:cNvPr id="1" name=""/>
+        <p:cNvGrpSpPr/>
+        <p:nvPr/>
+      </p:nvGrpSpPr>
+      <p:grpSpPr>
+        <a:xfrm>
+          <a:off x="0" y="0"/>
+          <a:ext cx="0" cy="0"/>
+          <a:chOff x="0" y="0"/>
+          <a:chExt cx="0" cy="0"/>
+        </a:xfrm>
+      </p:grpSpPr>
+      <p:sp>
+        <p:nvSpPr>
+          <p:cNvPr id="2" name="Title 1">
+            <a:extLst>
+              <a:ext uri="{FF2B5EF4-FFF2-40B4-BE49-F238E27FC236}">
+                <a16:creationId xmlns:a16="http://schemas.microsoft.com/office/drawing/2014/main" id="{139CCC5C-A56E-4C05-AF98-D8E2CD60EFB3}"/>
+              </a:ext>
+            </a:extLst>
+          </p:cNvPr>
+          <p:cNvSpPr>
+            <a:spLocks noGrp="1"/>
+          </p:cNvSpPr>
+          <p:nvPr>
+            <p:ph type="title"/>
+          </p:nvPr>
+        </p:nvSpPr>
+        <p:spPr/>
+        <p:txBody>
+          <a:bodyPr/>
+          <a:lstStyle/>
+          <a:p>
+            <a:r>
+              <a:rPr lang="en-US" dirty="0"/>
+              <a:t>Summation </a:t>
+            </a:r>
+          </a:p>
+        </p:txBody>
+      </p:sp>
+      <mc:AlternateContent xmlns:mc="http://schemas.openxmlformats.org/markup-compatibility/2006">
+        <mc:Choice xmlns:a14="http://schemas.microsoft.com/office/drawing/2010/main" Requires="a14">
+          <p:sp>
+            <p:nvSpPr>
+              <p:cNvPr id="3" name="Content Placeholder 2">
+                <a:extLst>
+                  <a:ext uri="{FF2B5EF4-FFF2-40B4-BE49-F238E27FC236}">
+                    <a16:creationId xmlns:a16="http://schemas.microsoft.com/office/drawing/2014/main" id="{49C75E4A-6D62-438B-9D96-45E4EE21E698}"/>
+                  </a:ext>
+                </a:extLst>
+              </p:cNvPr>
+              <p:cNvSpPr>
+                <a:spLocks noGrp="1"/>
+              </p:cNvSpPr>
+              <p:nvPr>
+                <p:ph idx="1"/>
+              </p:nvPr>
+            </p:nvSpPr>
+            <p:spPr/>
+            <p:txBody>
+              <a:bodyPr/>
+              <a:lstStyle/>
+              <a:p>
+                <a14:m>
+                  <m:oMath xmlns:m="http://schemas.openxmlformats.org/officeDocument/2006/math">
+                    <m:nary>
+                      <m:naryPr>
+                        <m:chr m:val="∑"/>
+                        <m:ctrlPr>
+                          <a:rPr lang="en-US" i="1" smtClean="0">
+                            <a:latin typeface="Cambria Math" panose="02040503050406030204" pitchFamily="18" charset="0"/>
+                          </a:rPr>
+                        </m:ctrlPr>
+                      </m:naryPr>
+                      <m:sub>
+                        <m:r>
+                          <m:rPr>
+                            <m:brk m:alnAt="23"/>
+                          </m:rPr>
+                          <a:rPr lang="en-US" b="0" i="1" smtClean="0">
+                            <a:latin typeface="Cambria Math" panose="02040503050406030204" pitchFamily="18" charset="0"/>
+                          </a:rPr>
+                          <m:t>𝑖</m:t>
+                        </m:r>
+                        <m:r>
+                          <a:rPr lang="en-US" b="0" i="1" smtClean="0">
+                            <a:latin typeface="Cambria Math" panose="02040503050406030204" pitchFamily="18" charset="0"/>
+                          </a:rPr>
+                          <m:t>=0</m:t>
+                        </m:r>
+                      </m:sub>
+                      <m:sup>
+                        <m:r>
+                          <a:rPr lang="en-US" b="0" i="1" smtClean="0">
+                            <a:latin typeface="Cambria Math" panose="02040503050406030204" pitchFamily="18" charset="0"/>
+                          </a:rPr>
+                          <m:t>𝑛</m:t>
+                        </m:r>
+                      </m:sup>
+                      <m:e>
+                        <m:r>
+                          <a:rPr lang="en-US" b="0" i="1" smtClean="0">
+                            <a:latin typeface="Cambria Math" panose="02040503050406030204" pitchFamily="18" charset="0"/>
+                          </a:rPr>
+                          <m:t>𝑓</m:t>
+                        </m:r>
+                        <m:r>
+                          <a:rPr lang="en-US" b="0" i="1" smtClean="0">
+                            <a:latin typeface="Cambria Math" panose="02040503050406030204" pitchFamily="18" charset="0"/>
+                          </a:rPr>
+                          <m:t>(</m:t>
+                        </m:r>
+                        <m:r>
+                          <a:rPr lang="en-US" b="0" i="1" smtClean="0">
+                            <a:latin typeface="Cambria Math" panose="02040503050406030204" pitchFamily="18" charset="0"/>
+                          </a:rPr>
+                          <m:t>𝑖</m:t>
+                        </m:r>
+                        <m:r>
+                          <a:rPr lang="en-US" b="0" i="1" smtClean="0">
+                            <a:latin typeface="Cambria Math" panose="02040503050406030204" pitchFamily="18" charset="0"/>
+                          </a:rPr>
+                          <m:t>)∈</m:t>
+                        </m:r>
+                        <m:r>
+                          <a:rPr lang="en-US" b="0" i="1" smtClean="0">
+                            <a:latin typeface="Cambria Math" panose="02040503050406030204" pitchFamily="18" charset="0"/>
+                            <a:ea typeface="Cambria Math" panose="02040503050406030204" pitchFamily="18" charset="0"/>
+                          </a:rPr>
+                          <m:t>𝜃</m:t>
+                        </m:r>
+                        <m:r>
+                          <a:rPr lang="en-US" b="0" i="1" smtClean="0">
+                            <a:latin typeface="Cambria Math" panose="02040503050406030204" pitchFamily="18" charset="0"/>
+                            <a:ea typeface="Cambria Math" panose="02040503050406030204" pitchFamily="18" charset="0"/>
+                          </a:rPr>
+                          <m:t>(</m:t>
+                        </m:r>
+                        <m:nary>
+                          <m:naryPr>
+                            <m:ctrlPr>
+                              <a:rPr lang="en-US" b="0" i="1" smtClean="0">
+                                <a:latin typeface="Cambria Math" panose="02040503050406030204" pitchFamily="18" charset="0"/>
+                                <a:ea typeface="Cambria Math" panose="02040503050406030204" pitchFamily="18" charset="0"/>
+                              </a:rPr>
+                            </m:ctrlPr>
+                          </m:naryPr>
+                          <m:sub>
+                            <m:r>
+                              <m:rPr>
+                                <m:brk m:alnAt="23"/>
+                              </m:rPr>
+                              <a:rPr lang="en-US" b="0" i="1" smtClean="0">
+                                <a:latin typeface="Cambria Math" panose="02040503050406030204" pitchFamily="18" charset="0"/>
+                                <a:ea typeface="Cambria Math" panose="02040503050406030204" pitchFamily="18" charset="0"/>
+                              </a:rPr>
+                              <m:t>0</m:t>
+                            </m:r>
+                          </m:sub>
+                          <m:sup>
+                            <m:r>
+                              <a:rPr lang="en-US" b="0" i="1" smtClean="0">
+                                <a:latin typeface="Cambria Math" panose="02040503050406030204" pitchFamily="18" charset="0"/>
+                                <a:ea typeface="Cambria Math" panose="02040503050406030204" pitchFamily="18" charset="0"/>
+                              </a:rPr>
+                              <m:t>𝑛</m:t>
+                            </m:r>
+                          </m:sup>
+                          <m:e>
+                            <m:r>
+                              <a:rPr lang="en-US" b="0" i="1" smtClean="0">
+                                <a:latin typeface="Cambria Math" panose="02040503050406030204" pitchFamily="18" charset="0"/>
+                                <a:ea typeface="Cambria Math" panose="02040503050406030204" pitchFamily="18" charset="0"/>
+                              </a:rPr>
+                              <m:t>𝑓</m:t>
+                            </m:r>
+                            <m:r>
+                              <a:rPr lang="en-US" b="0" i="1" smtClean="0">
+                                <a:latin typeface="Cambria Math" panose="02040503050406030204" pitchFamily="18" charset="0"/>
+                                <a:ea typeface="Cambria Math" panose="02040503050406030204" pitchFamily="18" charset="0"/>
+                              </a:rPr>
+                              <m:t>(</m:t>
+                            </m:r>
+                            <m:r>
+                              <a:rPr lang="en-US" b="0" i="1" smtClean="0">
+                                <a:latin typeface="Cambria Math" panose="02040503050406030204" pitchFamily="18" charset="0"/>
+                                <a:ea typeface="Cambria Math" panose="02040503050406030204" pitchFamily="18" charset="0"/>
+                              </a:rPr>
+                              <m:t>𝑖</m:t>
+                            </m:r>
+                            <m:r>
+                              <a:rPr lang="en-US" b="0" i="1" smtClean="0">
+                                <a:latin typeface="Cambria Math" panose="02040503050406030204" pitchFamily="18" charset="0"/>
+                                <a:ea typeface="Cambria Math" panose="02040503050406030204" pitchFamily="18" charset="0"/>
+                              </a:rPr>
+                              <m:t>)</m:t>
+                            </m:r>
+                          </m:e>
+                        </m:nary>
+                      </m:e>
+                    </m:nary>
+                    <m:r>
+                      <m:rPr>
+                        <m:sty m:val="p"/>
+                      </m:rPr>
+                      <a:rPr lang="en-US" b="0" i="0" smtClean="0">
+                        <a:latin typeface="Cambria Math" panose="02040503050406030204" pitchFamily="18" charset="0"/>
+                      </a:rPr>
+                      <m:t>di</m:t>
+                    </m:r>
+                    <m:r>
+                      <a:rPr lang="en-US" b="0" i="0" smtClean="0">
+                        <a:latin typeface="Cambria Math" panose="02040503050406030204" pitchFamily="18" charset="0"/>
+                      </a:rPr>
+                      <m:t>)</m:t>
+                    </m:r>
+                  </m:oMath>
+                </a14:m>
+                <a:endParaRPr lang="en-US" dirty="0"/>
+              </a:p>
+            </p:txBody>
+          </p:sp>
+        </mc:Choice>
+        <mc:Fallback>
+          <p:sp>
+            <p:nvSpPr>
+              <p:cNvPr id="3" name="Content Placeholder 2">
+                <a:extLst>
+                  <a:ext uri="{FF2B5EF4-FFF2-40B4-BE49-F238E27FC236}">
+                    <a16:creationId xmlns:a16="http://schemas.microsoft.com/office/drawing/2014/main" id="{49C75E4A-6D62-438B-9D96-45E4EE21E698}"/>
+                  </a:ext>
+                </a:extLst>
+              </p:cNvPr>
+              <p:cNvSpPr>
+                <a:spLocks noGrp="1" noRot="1" noChangeAspect="1" noMove="1" noResize="1" noEditPoints="1" noAdjustHandles="1" noChangeArrowheads="1" noChangeShapeType="1" noTextEdit="1"/>
+              </p:cNvSpPr>
+              <p:nvPr>
+                <p:ph idx="1"/>
+              </p:nvPr>
+            </p:nvSpPr>
+            <p:spPr>
+              <a:blipFill>
+                <a:blip r:embed="rId2"/>
+                <a:stretch>
+                  <a:fillRect/>
+                </a:stretch>
+              </a:blipFill>
+            </p:spPr>
+            <p:txBody>
+              <a:bodyPr/>
+              <a:lstStyle/>
+              <a:p>
+                <a:r>
+                  <a:rPr lang="en-US">
+                    <a:noFill/>
+                  </a:rPr>
+                  <a:t> </a:t>
+                </a:r>
+              </a:p>
+            </p:txBody>
+          </p:sp>
+        </mc:Fallback>
+      </mc:AlternateContent>
+    </p:spTree>
+    <p:extLst>
+      <p:ext uri="{BB962C8B-B14F-4D97-AF65-F5344CB8AC3E}">
+        <p14:creationId xmlns:p14="http://schemas.microsoft.com/office/powerpoint/2010/main" val="1453506552"/>
       </p:ext>
     </p:extLst>
   </p:cSld>
@@ -13598,6 +14903,93 @@
     <p:extLst>
       <p:ext uri="{BB962C8B-B14F-4D97-AF65-F5344CB8AC3E}">
         <p14:creationId xmlns:p14="http://schemas.microsoft.com/office/powerpoint/2010/main" val="724140241"/>
+      </p:ext>
+    </p:extLst>
+  </p:cSld>
+  <p:clrMapOvr>
+    <a:masterClrMapping/>
+  </p:clrMapOvr>
+</p:sld>
+</file>
+
+<file path=ppt/slides/slide50.xml><?xml version="1.0" encoding="utf-8"?>
+<p:sld xmlns:a="http://schemas.openxmlformats.org/drawingml/2006/main" xmlns:r="http://schemas.openxmlformats.org/officeDocument/2006/relationships" xmlns:p="http://schemas.openxmlformats.org/presentationml/2006/main">
+  <p:cSld>
+    <p:spTree>
+      <p:nvGrpSpPr>
+        <p:cNvPr id="1" name=""/>
+        <p:cNvGrpSpPr/>
+        <p:nvPr/>
+      </p:nvGrpSpPr>
+      <p:grpSpPr>
+        <a:xfrm>
+          <a:off x="0" y="0"/>
+          <a:ext cx="0" cy="0"/>
+          <a:chOff x="0" y="0"/>
+          <a:chExt cx="0" cy="0"/>
+        </a:xfrm>
+      </p:grpSpPr>
+      <p:sp>
+        <p:nvSpPr>
+          <p:cNvPr id="2" name="Title 1">
+            <a:extLst>
+              <a:ext uri="{FF2B5EF4-FFF2-40B4-BE49-F238E27FC236}">
+                <a16:creationId xmlns:a16="http://schemas.microsoft.com/office/drawing/2014/main" id="{810A74EC-2BC5-4A86-9ED2-119A7F7D1CF8}"/>
+              </a:ext>
+            </a:extLst>
+          </p:cNvPr>
+          <p:cNvSpPr>
+            <a:spLocks noGrp="1"/>
+          </p:cNvSpPr>
+          <p:nvPr>
+            <p:ph type="title"/>
+          </p:nvPr>
+        </p:nvSpPr>
+        <p:spPr/>
+        <p:txBody>
+          <a:bodyPr/>
+          <a:lstStyle/>
+          <a:p>
+            <a:r>
+              <a:rPr lang="en-US" dirty="0"/>
+              <a:t>Average case</a:t>
+            </a:r>
+          </a:p>
+        </p:txBody>
+      </p:sp>
+      <p:sp>
+        <p:nvSpPr>
+          <p:cNvPr id="3" name="Content Placeholder 2">
+            <a:extLst>
+              <a:ext uri="{FF2B5EF4-FFF2-40B4-BE49-F238E27FC236}">
+                <a16:creationId xmlns:a16="http://schemas.microsoft.com/office/drawing/2014/main" id="{FE15C81B-49B1-485E-867E-F8DD9501D075}"/>
+              </a:ext>
+            </a:extLst>
+          </p:cNvPr>
+          <p:cNvSpPr>
+            <a:spLocks noGrp="1"/>
+          </p:cNvSpPr>
+          <p:nvPr>
+            <p:ph idx="1"/>
+          </p:nvPr>
+        </p:nvSpPr>
+        <p:spPr/>
+        <p:txBody>
+          <a:bodyPr/>
+          <a:lstStyle/>
+          <a:p>
+            <a:r>
+              <a:rPr lang="en-US" dirty="0" err="1"/>
+              <a:t>indexOf</a:t>
+            </a:r>
+            <a:endParaRPr lang="en-US" dirty="0"/>
+          </a:p>
+        </p:txBody>
+      </p:sp>
+    </p:spTree>
+    <p:extLst>
+      <p:ext uri="{BB962C8B-B14F-4D97-AF65-F5344CB8AC3E}">
+        <p14:creationId xmlns:p14="http://schemas.microsoft.com/office/powerpoint/2010/main" val="3141695297"/>
       </p:ext>
     </p:extLst>
   </p:cSld>
@@ -14610,7 +16002,7 @@
         <a:effectLst/>
         <a:extLst>
           <a:ext uri="{AF507438-7753-43e0-B8FC-AC1667EBCBE1}">
-            <a14:hiddenEffects xmlns="" xmlns:a14="http://schemas.microsoft.com/office/drawing/2010/main">
+            <a14:hiddenEffects xmlns:a14="http://schemas.microsoft.com/office/drawing/2010/main" xmlns="">
               <a:effectLst>
                 <a:outerShdw blurRad="63500" dist="35921" dir="2700000" algn="ctr" rotWithShape="0">
                   <a:schemeClr val="bg2"/>
@@ -14684,7 +16076,7 @@
         <a:effectLst/>
         <a:extLst>
           <a:ext uri="{AF507438-7753-43e0-B8FC-AC1667EBCBE1}">
-            <a14:hiddenEffects xmlns="" xmlns:a14="http://schemas.microsoft.com/office/drawing/2010/main">
+            <a14:hiddenEffects xmlns:a14="http://schemas.microsoft.com/office/drawing/2010/main" xmlns="">
               <a:effectLst>
                 <a:outerShdw blurRad="63500" dist="35921" dir="2700000" algn="ctr" rotWithShape="0">
                   <a:schemeClr val="bg2"/>

--- a/notes.pptx
+++ b/notes.pptx
@@ -309,7 +309,7 @@
           <a:p>
             <a:fld id="{DE176E02-7D44-4713-8078-8E0963CF8DDB}" type="datetimeFigureOut">
               <a:rPr lang="en-US" smtClean="0"/>
-              <a:t>9/16/2019</a:t>
+              <a:t>9/16/19</a:t>
             </a:fld>
             <a:endParaRPr lang="en-US"/>
           </a:p>
@@ -507,7 +507,7 @@
           <a:p>
             <a:fld id="{DE176E02-7D44-4713-8078-8E0963CF8DDB}" type="datetimeFigureOut">
               <a:rPr lang="en-US" smtClean="0"/>
-              <a:t>9/16/2019</a:t>
+              <a:t>9/16/19</a:t>
             </a:fld>
             <a:endParaRPr lang="en-US"/>
           </a:p>
@@ -715,7 +715,7 @@
           <a:p>
             <a:fld id="{DE176E02-7D44-4713-8078-8E0963CF8DDB}" type="datetimeFigureOut">
               <a:rPr lang="en-US" smtClean="0"/>
-              <a:t>9/16/2019</a:t>
+              <a:t>9/16/19</a:t>
             </a:fld>
             <a:endParaRPr lang="en-US"/>
           </a:p>
@@ -2393,7 +2393,7 @@
           <a:p>
             <a:fld id="{DE176E02-7D44-4713-8078-8E0963CF8DDB}" type="datetimeFigureOut">
               <a:rPr lang="en-US" smtClean="0"/>
-              <a:t>9/16/2019</a:t>
+              <a:t>9/16/19</a:t>
             </a:fld>
             <a:endParaRPr lang="en-US"/>
           </a:p>
@@ -3072,7 +3072,7 @@
           <a:p>
             <a:fld id="{DE176E02-7D44-4713-8078-8E0963CF8DDB}" type="datetimeFigureOut">
               <a:rPr lang="en-US" smtClean="0"/>
-              <a:t>9/16/2019</a:t>
+              <a:t>9/16/19</a:t>
             </a:fld>
             <a:endParaRPr lang="en-US"/>
           </a:p>
@@ -3337,7 +3337,7 @@
           <a:p>
             <a:fld id="{DE176E02-7D44-4713-8078-8E0963CF8DDB}" type="datetimeFigureOut">
               <a:rPr lang="en-US" smtClean="0"/>
-              <a:t>9/16/2019</a:t>
+              <a:t>9/16/19</a:t>
             </a:fld>
             <a:endParaRPr lang="en-US"/>
           </a:p>
@@ -3749,7 +3749,7 @@
           <a:p>
             <a:fld id="{DE176E02-7D44-4713-8078-8E0963CF8DDB}" type="datetimeFigureOut">
               <a:rPr lang="en-US" smtClean="0"/>
-              <a:t>9/16/2019</a:t>
+              <a:t>9/16/19</a:t>
             </a:fld>
             <a:endParaRPr lang="en-US"/>
           </a:p>
@@ -3890,7 +3890,7 @@
           <a:p>
             <a:fld id="{DE176E02-7D44-4713-8078-8E0963CF8DDB}" type="datetimeFigureOut">
               <a:rPr lang="en-US" smtClean="0"/>
-              <a:t>9/16/2019</a:t>
+              <a:t>9/16/19</a:t>
             </a:fld>
             <a:endParaRPr lang="en-US"/>
           </a:p>
@@ -4003,7 +4003,7 @@
           <a:p>
             <a:fld id="{DE176E02-7D44-4713-8078-8E0963CF8DDB}" type="datetimeFigureOut">
               <a:rPr lang="en-US" smtClean="0"/>
-              <a:t>9/16/2019</a:t>
+              <a:t>9/16/19</a:t>
             </a:fld>
             <a:endParaRPr lang="en-US"/>
           </a:p>
@@ -4314,7 +4314,7 @@
           <a:p>
             <a:fld id="{DE176E02-7D44-4713-8078-8E0963CF8DDB}" type="datetimeFigureOut">
               <a:rPr lang="en-US" smtClean="0"/>
-              <a:t>9/16/2019</a:t>
+              <a:t>9/16/19</a:t>
             </a:fld>
             <a:endParaRPr lang="en-US"/>
           </a:p>
@@ -4602,7 +4602,7 @@
           <a:p>
             <a:fld id="{DE176E02-7D44-4713-8078-8E0963CF8DDB}" type="datetimeFigureOut">
               <a:rPr lang="en-US" smtClean="0"/>
-              <a:t>9/16/2019</a:t>
+              <a:t>9/16/19</a:t>
             </a:fld>
             <a:endParaRPr lang="en-US"/>
           </a:p>
@@ -4843,7 +4843,7 @@
           <a:p>
             <a:fld id="{DE176E02-7D44-4713-8078-8E0963CF8DDB}" type="datetimeFigureOut">
               <a:rPr lang="en-US" smtClean="0"/>
-              <a:t>9/16/2019</a:t>
+              <a:t>9/16/19</a:t>
             </a:fld>
             <a:endParaRPr lang="en-US"/>
           </a:p>
@@ -13406,7 +13406,7 @@
           <a:p>
             <a:r>
               <a:rPr lang="en-US" dirty="0"/>
-              <a:t>Gowers (2014)- Fields Medalist</a:t>
+              <a:t>Tim Gowers (2014)- Fields Medalist</a:t>
             </a:r>
           </a:p>
           <a:p>
@@ -14103,8 +14103,8 @@
           </a:p>
         </p:txBody>
       </p:sp>
-      <mc:AlternateContent xmlns:mc="http://schemas.openxmlformats.org/markup-compatibility/2006">
-        <mc:Choice xmlns:a14="http://schemas.microsoft.com/office/drawing/2010/main" Requires="a14">
+      <mc:AlternateContent xmlns:mc="http://schemas.openxmlformats.org/markup-compatibility/2006" xmlns:a14="http://schemas.microsoft.com/office/drawing/2010/main">
+        <mc:Choice Requires="a14">
           <p:sp>
             <p:nvSpPr>
               <p:cNvPr id="3" name="Content Placeholder 2">
@@ -14460,7 +14460,7 @@
             </p:txBody>
           </p:sp>
         </mc:Choice>
-        <mc:Fallback>
+        <mc:Fallback xmlns="">
           <p:sp>
             <p:nvSpPr>
               <p:cNvPr id="3" name="Content Placeholder 2">
@@ -14558,8 +14558,8 @@
           </a:p>
         </p:txBody>
       </p:sp>
-      <mc:AlternateContent xmlns:mc="http://schemas.openxmlformats.org/markup-compatibility/2006">
-        <mc:Choice xmlns:a14="http://schemas.microsoft.com/office/drawing/2010/main" Requires="a14">
+      <mc:AlternateContent xmlns:mc="http://schemas.openxmlformats.org/markup-compatibility/2006" xmlns:a14="http://schemas.microsoft.com/office/drawing/2010/main">
+        <mc:Choice Requires="a14">
           <p:sp>
             <p:nvSpPr>
               <p:cNvPr id="3" name="Content Placeholder 2">
@@ -14741,7 +14741,7 @@
             </p:txBody>
           </p:sp>
         </mc:Choice>
-        <mc:Fallback>
+        <mc:Fallback xmlns="">
           <p:sp>
             <p:nvSpPr>
               <p:cNvPr id="3" name="Content Placeholder 2">
@@ -16002,7 +16002,7 @@
         <a:effectLst/>
         <a:extLst>
           <a:ext uri="{AF507438-7753-43e0-B8FC-AC1667EBCBE1}">
-            <a14:hiddenEffects xmlns:a14="http://schemas.microsoft.com/office/drawing/2010/main" xmlns="">
+            <a14:hiddenEffects xmlns="" xmlns:a14="http://schemas.microsoft.com/office/drawing/2010/main">
               <a:effectLst>
                 <a:outerShdw blurRad="63500" dist="35921" dir="2700000" algn="ctr" rotWithShape="0">
                   <a:schemeClr val="bg2"/>
@@ -16076,7 +16076,7 @@
         <a:effectLst/>
         <a:extLst>
           <a:ext uri="{AF507438-7753-43e0-B8FC-AC1667EBCBE1}">
-            <a14:hiddenEffects xmlns:a14="http://schemas.microsoft.com/office/drawing/2010/main" xmlns="">
+            <a14:hiddenEffects xmlns="" xmlns:a14="http://schemas.microsoft.com/office/drawing/2010/main">
               <a:effectLst>
                 <a:outerShdw blurRad="63500" dist="35921" dir="2700000" algn="ctr" rotWithShape="0">
                   <a:schemeClr val="bg2"/>

--- a/notes.pptx
+++ b/notes.pptx
@@ -55,7 +55,11 @@
     <p:sldId id="302" r:id="rId49"/>
     <p:sldId id="308" r:id="rId50"/>
     <p:sldId id="304" r:id="rId51"/>
-    <p:sldId id="309" r:id="rId52"/>
+    <p:sldId id="313" r:id="rId52"/>
+    <p:sldId id="309" r:id="rId53"/>
+    <p:sldId id="310" r:id="rId54"/>
+    <p:sldId id="311" r:id="rId55"/>
+    <p:sldId id="312" r:id="rId56"/>
   </p:sldIdLst>
   <p:sldSz cx="12192000" cy="6858000"/>
   <p:notesSz cx="6858000" cy="9144000"/>
@@ -309,7 +313,7 @@
           <a:p>
             <a:fld id="{DE176E02-7D44-4713-8078-8E0963CF8DDB}" type="datetimeFigureOut">
               <a:rPr lang="en-US" smtClean="0"/>
-              <a:t>9/16/19</a:t>
+              <a:t>9/18/2019</a:t>
             </a:fld>
             <a:endParaRPr lang="en-US"/>
           </a:p>
@@ -507,7 +511,7 @@
           <a:p>
             <a:fld id="{DE176E02-7D44-4713-8078-8E0963CF8DDB}" type="datetimeFigureOut">
               <a:rPr lang="en-US" smtClean="0"/>
-              <a:t>9/16/19</a:t>
+              <a:t>9/18/2019</a:t>
             </a:fld>
             <a:endParaRPr lang="en-US"/>
           </a:p>
@@ -715,7 +719,7 @@
           <a:p>
             <a:fld id="{DE176E02-7D44-4713-8078-8E0963CF8DDB}" type="datetimeFigureOut">
               <a:rPr lang="en-US" smtClean="0"/>
-              <a:t>9/16/19</a:t>
+              <a:t>9/18/2019</a:t>
             </a:fld>
             <a:endParaRPr lang="en-US"/>
           </a:p>
@@ -2393,7 +2397,7 @@
           <a:p>
             <a:fld id="{DE176E02-7D44-4713-8078-8E0963CF8DDB}" type="datetimeFigureOut">
               <a:rPr lang="en-US" smtClean="0"/>
-              <a:t>9/16/19</a:t>
+              <a:t>9/18/2019</a:t>
             </a:fld>
             <a:endParaRPr lang="en-US"/>
           </a:p>
@@ -3072,7 +3076,7 @@
           <a:p>
             <a:fld id="{DE176E02-7D44-4713-8078-8E0963CF8DDB}" type="datetimeFigureOut">
               <a:rPr lang="en-US" smtClean="0"/>
-              <a:t>9/16/19</a:t>
+              <a:t>9/18/2019</a:t>
             </a:fld>
             <a:endParaRPr lang="en-US"/>
           </a:p>
@@ -3337,7 +3341,7 @@
           <a:p>
             <a:fld id="{DE176E02-7D44-4713-8078-8E0963CF8DDB}" type="datetimeFigureOut">
               <a:rPr lang="en-US" smtClean="0"/>
-              <a:t>9/16/19</a:t>
+              <a:t>9/18/2019</a:t>
             </a:fld>
             <a:endParaRPr lang="en-US"/>
           </a:p>
@@ -3749,7 +3753,7 @@
           <a:p>
             <a:fld id="{DE176E02-7D44-4713-8078-8E0963CF8DDB}" type="datetimeFigureOut">
               <a:rPr lang="en-US" smtClean="0"/>
-              <a:t>9/16/19</a:t>
+              <a:t>9/18/2019</a:t>
             </a:fld>
             <a:endParaRPr lang="en-US"/>
           </a:p>
@@ -3890,7 +3894,7 @@
           <a:p>
             <a:fld id="{DE176E02-7D44-4713-8078-8E0963CF8DDB}" type="datetimeFigureOut">
               <a:rPr lang="en-US" smtClean="0"/>
-              <a:t>9/16/19</a:t>
+              <a:t>9/18/2019</a:t>
             </a:fld>
             <a:endParaRPr lang="en-US"/>
           </a:p>
@@ -4003,7 +4007,7 @@
           <a:p>
             <a:fld id="{DE176E02-7D44-4713-8078-8E0963CF8DDB}" type="datetimeFigureOut">
               <a:rPr lang="en-US" smtClean="0"/>
-              <a:t>9/16/19</a:t>
+              <a:t>9/18/2019</a:t>
             </a:fld>
             <a:endParaRPr lang="en-US"/>
           </a:p>
@@ -4314,7 +4318,7 @@
           <a:p>
             <a:fld id="{DE176E02-7D44-4713-8078-8E0963CF8DDB}" type="datetimeFigureOut">
               <a:rPr lang="en-US" smtClean="0"/>
-              <a:t>9/16/19</a:t>
+              <a:t>9/18/2019</a:t>
             </a:fld>
             <a:endParaRPr lang="en-US"/>
           </a:p>
@@ -4602,7 +4606,7 @@
           <a:p>
             <a:fld id="{DE176E02-7D44-4713-8078-8E0963CF8DDB}" type="datetimeFigureOut">
               <a:rPr lang="en-US" smtClean="0"/>
-              <a:t>9/16/19</a:t>
+              <a:t>9/18/2019</a:t>
             </a:fld>
             <a:endParaRPr lang="en-US"/>
           </a:p>
@@ -4843,7 +4847,7 @@
           <a:p>
             <a:fld id="{DE176E02-7D44-4713-8078-8E0963CF8DDB}" type="datetimeFigureOut">
               <a:rPr lang="en-US" smtClean="0"/>
-              <a:t>9/16/19</a:t>
+              <a:t>9/18/2019</a:t>
             </a:fld>
             <a:endParaRPr lang="en-US"/>
           </a:p>
@@ -14934,7 +14938,7 @@
           <p:cNvPr id="2" name="Title 1">
             <a:extLst>
               <a:ext uri="{FF2B5EF4-FFF2-40B4-BE49-F238E27FC236}">
-                <a16:creationId xmlns:a16="http://schemas.microsoft.com/office/drawing/2014/main" id="{810A74EC-2BC5-4A86-9ED2-119A7F7D1CF8}"/>
+                <a16:creationId xmlns:a16="http://schemas.microsoft.com/office/drawing/2014/main" id="{5A0D525E-827D-4329-B5BC-CED5DDEDB291}"/>
               </a:ext>
             </a:extLst>
           </p:cNvPr>
@@ -14952,7 +14956,7 @@
           <a:p>
             <a:r>
               <a:rPr lang="en-US" dirty="0"/>
-              <a:t>Average case</a:t>
+              <a:t>Homework</a:t>
             </a:r>
           </a:p>
         </p:txBody>
@@ -14962,7 +14966,7 @@
           <p:cNvPr id="3" name="Content Placeholder 2">
             <a:extLst>
               <a:ext uri="{FF2B5EF4-FFF2-40B4-BE49-F238E27FC236}">
-                <a16:creationId xmlns:a16="http://schemas.microsoft.com/office/drawing/2014/main" id="{FE15C81B-49B1-485E-867E-F8DD9501D075}"/>
+                <a16:creationId xmlns:a16="http://schemas.microsoft.com/office/drawing/2014/main" id="{BF5B77D4-02AE-41A0-8BD3-58B8A02B6AB6}"/>
               </a:ext>
             </a:extLst>
           </p:cNvPr>
@@ -14979,10 +14983,117 @@
           <a:lstStyle/>
           <a:p>
             <a:r>
+              <a:rPr lang="en-US" dirty="0"/>
+              <a:t>+ = correct</a:t>
+            </a:r>
+          </a:p>
+          <a:p>
+            <a:r>
+              <a:rPr lang="en-US" dirty="0"/>
+              <a:t>v = mostly correct</a:t>
+            </a:r>
+          </a:p>
+          <a:p>
+            <a:r>
+              <a:rPr lang="en-US" dirty="0"/>
+              <a:t>- = incorrect</a:t>
+            </a:r>
+          </a:p>
+          <a:p>
+            <a:r>
+              <a:rPr lang="en-US" dirty="0"/>
+              <a:t>x = incorrect in an upsetting way</a:t>
+            </a:r>
+          </a:p>
+        </p:txBody>
+      </p:sp>
+    </p:spTree>
+    <p:extLst>
+      <p:ext uri="{BB962C8B-B14F-4D97-AF65-F5344CB8AC3E}">
+        <p14:creationId xmlns:p14="http://schemas.microsoft.com/office/powerpoint/2010/main" val="2157981955"/>
+      </p:ext>
+    </p:extLst>
+  </p:cSld>
+  <p:clrMapOvr>
+    <a:masterClrMapping/>
+  </p:clrMapOvr>
+</p:sld>
+</file>
+
+<file path=ppt/slides/slide51.xml><?xml version="1.0" encoding="utf-8"?>
+<p:sld xmlns:a="http://schemas.openxmlformats.org/drawingml/2006/main" xmlns:r="http://schemas.openxmlformats.org/officeDocument/2006/relationships" xmlns:p="http://schemas.openxmlformats.org/presentationml/2006/main">
+  <p:cSld>
+    <p:spTree>
+      <p:nvGrpSpPr>
+        <p:cNvPr id="1" name=""/>
+        <p:cNvGrpSpPr/>
+        <p:nvPr/>
+      </p:nvGrpSpPr>
+      <p:grpSpPr>
+        <a:xfrm>
+          <a:off x="0" y="0"/>
+          <a:ext cx="0" cy="0"/>
+          <a:chOff x="0" y="0"/>
+          <a:chExt cx="0" cy="0"/>
+        </a:xfrm>
+      </p:grpSpPr>
+      <p:sp>
+        <p:nvSpPr>
+          <p:cNvPr id="2" name="Title 1">
+            <a:extLst>
+              <a:ext uri="{FF2B5EF4-FFF2-40B4-BE49-F238E27FC236}">
+                <a16:creationId xmlns:a16="http://schemas.microsoft.com/office/drawing/2014/main" id="{810A74EC-2BC5-4A86-9ED2-119A7F7D1CF8}"/>
+              </a:ext>
+            </a:extLst>
+          </p:cNvPr>
+          <p:cNvSpPr>
+            <a:spLocks noGrp="1"/>
+          </p:cNvSpPr>
+          <p:nvPr>
+            <p:ph type="title"/>
+          </p:nvPr>
+        </p:nvSpPr>
+        <p:spPr/>
+        <p:txBody>
+          <a:bodyPr/>
+          <a:lstStyle/>
+          <a:p>
+            <a:r>
+              <a:rPr lang="en-US" dirty="0"/>
+              <a:t>Average case</a:t>
+            </a:r>
+          </a:p>
+        </p:txBody>
+      </p:sp>
+      <p:sp>
+        <p:nvSpPr>
+          <p:cNvPr id="3" name="Content Placeholder 2">
+            <a:extLst>
+              <a:ext uri="{FF2B5EF4-FFF2-40B4-BE49-F238E27FC236}">
+                <a16:creationId xmlns:a16="http://schemas.microsoft.com/office/drawing/2014/main" id="{FE15C81B-49B1-485E-867E-F8DD9501D075}"/>
+              </a:ext>
+            </a:extLst>
+          </p:cNvPr>
+          <p:cNvSpPr>
+            <a:spLocks noGrp="1"/>
+          </p:cNvSpPr>
+          <p:nvPr>
+            <p:ph idx="1"/>
+          </p:nvPr>
+        </p:nvSpPr>
+        <p:spPr/>
+        <p:txBody>
+          <a:bodyPr/>
+          <a:lstStyle/>
+          <a:p>
+            <a:r>
               <a:rPr lang="en-US" dirty="0" err="1"/>
-              <a:t>indexOf</a:t>
-            </a:r>
-            <a:endParaRPr lang="en-US" dirty="0"/>
+              <a:t>replaceFirstX</a:t>
+            </a:r>
+            <a:r>
+              <a:rPr lang="en-US" dirty="0"/>
+              <a:t> </a:t>
+            </a:r>
           </a:p>
         </p:txBody>
       </p:sp>
@@ -14990,6 +15101,264 @@
     <p:extLst>
       <p:ext uri="{BB962C8B-B14F-4D97-AF65-F5344CB8AC3E}">
         <p14:creationId xmlns:p14="http://schemas.microsoft.com/office/powerpoint/2010/main" val="3141695297"/>
+      </p:ext>
+    </p:extLst>
+  </p:cSld>
+  <p:clrMapOvr>
+    <a:masterClrMapping/>
+  </p:clrMapOvr>
+</p:sld>
+</file>
+
+<file path=ppt/slides/slide52.xml><?xml version="1.0" encoding="utf-8"?>
+<p:sld xmlns:a="http://schemas.openxmlformats.org/drawingml/2006/main" xmlns:r="http://schemas.openxmlformats.org/officeDocument/2006/relationships" xmlns:p="http://schemas.openxmlformats.org/presentationml/2006/main">
+  <p:cSld>
+    <p:spTree>
+      <p:nvGrpSpPr>
+        <p:cNvPr id="1" name=""/>
+        <p:cNvGrpSpPr/>
+        <p:nvPr/>
+      </p:nvGrpSpPr>
+      <p:grpSpPr>
+        <a:xfrm>
+          <a:off x="0" y="0"/>
+          <a:ext cx="0" cy="0"/>
+          <a:chOff x="0" y="0"/>
+          <a:chExt cx="0" cy="0"/>
+        </a:xfrm>
+      </p:grpSpPr>
+      <p:sp>
+        <p:nvSpPr>
+          <p:cNvPr id="2" name="Title 1">
+            <a:extLst>
+              <a:ext uri="{FF2B5EF4-FFF2-40B4-BE49-F238E27FC236}">
+                <a16:creationId xmlns:a16="http://schemas.microsoft.com/office/drawing/2014/main" id="{F41B8AD6-7BB2-4E43-9C1B-DDF581039F92}"/>
+              </a:ext>
+            </a:extLst>
+          </p:cNvPr>
+          <p:cNvSpPr>
+            <a:spLocks noGrp="1"/>
+          </p:cNvSpPr>
+          <p:nvPr>
+            <p:ph type="title"/>
+          </p:nvPr>
+        </p:nvSpPr>
+        <p:spPr/>
+        <p:txBody>
+          <a:bodyPr/>
+          <a:lstStyle/>
+          <a:p>
+            <a:r>
+              <a:rPr lang="en-US" dirty="0"/>
+              <a:t>Average</a:t>
+            </a:r>
+          </a:p>
+        </p:txBody>
+      </p:sp>
+      <p:sp>
+        <p:nvSpPr>
+          <p:cNvPr id="3" name="Content Placeholder 2">
+            <a:extLst>
+              <a:ext uri="{FF2B5EF4-FFF2-40B4-BE49-F238E27FC236}">
+                <a16:creationId xmlns:a16="http://schemas.microsoft.com/office/drawing/2014/main" id="{CD37068D-F509-49FE-954E-A286AAA953AC}"/>
+              </a:ext>
+            </a:extLst>
+          </p:cNvPr>
+          <p:cNvSpPr>
+            <a:spLocks noGrp="1"/>
+          </p:cNvSpPr>
+          <p:nvPr>
+            <p:ph idx="1"/>
+          </p:nvPr>
+        </p:nvSpPr>
+        <p:spPr/>
+        <p:txBody>
+          <a:bodyPr/>
+          <a:lstStyle/>
+          <a:p>
+            <a:r>
+              <a:rPr lang="en-US" dirty="0"/>
+              <a:t>You must make an assumption about distribution.</a:t>
+            </a:r>
+          </a:p>
+          <a:p>
+            <a:r>
+              <a:rPr lang="en-US" dirty="0"/>
+              <a:t>Take the average running time over that distribution.</a:t>
+            </a:r>
+          </a:p>
+        </p:txBody>
+      </p:sp>
+    </p:spTree>
+    <p:extLst>
+      <p:ext uri="{BB962C8B-B14F-4D97-AF65-F5344CB8AC3E}">
+        <p14:creationId xmlns:p14="http://schemas.microsoft.com/office/powerpoint/2010/main" val="2295365649"/>
+      </p:ext>
+    </p:extLst>
+  </p:cSld>
+  <p:clrMapOvr>
+    <a:masterClrMapping/>
+  </p:clrMapOvr>
+</p:sld>
+</file>
+
+<file path=ppt/slides/slide53.xml><?xml version="1.0" encoding="utf-8"?>
+<p:sld xmlns:a="http://schemas.openxmlformats.org/drawingml/2006/main" xmlns:r="http://schemas.openxmlformats.org/officeDocument/2006/relationships" xmlns:p="http://schemas.openxmlformats.org/presentationml/2006/main">
+  <p:cSld>
+    <p:spTree>
+      <p:nvGrpSpPr>
+        <p:cNvPr id="1" name=""/>
+        <p:cNvGrpSpPr/>
+        <p:nvPr/>
+      </p:nvGrpSpPr>
+      <p:grpSpPr>
+        <a:xfrm>
+          <a:off x="0" y="0"/>
+          <a:ext cx="0" cy="0"/>
+          <a:chOff x="0" y="0"/>
+          <a:chExt cx="0" cy="0"/>
+        </a:xfrm>
+      </p:grpSpPr>
+      <p:sp>
+        <p:nvSpPr>
+          <p:cNvPr id="2" name="Title 1">
+            <a:extLst>
+              <a:ext uri="{FF2B5EF4-FFF2-40B4-BE49-F238E27FC236}">
+                <a16:creationId xmlns:a16="http://schemas.microsoft.com/office/drawing/2014/main" id="{A2F1D6F8-6CD5-4FD6-9E5A-2813E93C0DA3}"/>
+              </a:ext>
+            </a:extLst>
+          </p:cNvPr>
+          <p:cNvSpPr>
+            <a:spLocks noGrp="1"/>
+          </p:cNvSpPr>
+          <p:nvPr>
+            <p:ph type="title"/>
+          </p:nvPr>
+        </p:nvSpPr>
+        <p:spPr/>
+        <p:txBody>
+          <a:bodyPr/>
+          <a:lstStyle/>
+          <a:p>
+            <a:r>
+              <a:rPr lang="en-US" dirty="0"/>
+              <a:t>Function vs Algorithm vs Case vs Problem</a:t>
+            </a:r>
+          </a:p>
+        </p:txBody>
+      </p:sp>
+      <p:sp>
+        <p:nvSpPr>
+          <p:cNvPr id="3" name="Content Placeholder 2">
+            <a:extLst>
+              <a:ext uri="{FF2B5EF4-FFF2-40B4-BE49-F238E27FC236}">
+                <a16:creationId xmlns:a16="http://schemas.microsoft.com/office/drawing/2014/main" id="{14730ACE-208C-4CA0-B49C-49F483245206}"/>
+              </a:ext>
+            </a:extLst>
+          </p:cNvPr>
+          <p:cNvSpPr>
+            <a:spLocks noGrp="1"/>
+          </p:cNvSpPr>
+          <p:nvPr>
+            <p:ph idx="1"/>
+          </p:nvPr>
+        </p:nvSpPr>
+        <p:spPr/>
+        <p:txBody>
+          <a:bodyPr/>
+          <a:lstStyle/>
+          <a:p>
+            <a:endParaRPr lang="en-US"/>
+          </a:p>
+        </p:txBody>
+      </p:sp>
+    </p:spTree>
+    <p:extLst>
+      <p:ext uri="{BB962C8B-B14F-4D97-AF65-F5344CB8AC3E}">
+        <p14:creationId xmlns:p14="http://schemas.microsoft.com/office/powerpoint/2010/main" val="1838220744"/>
+      </p:ext>
+    </p:extLst>
+  </p:cSld>
+  <p:clrMapOvr>
+    <a:masterClrMapping/>
+  </p:clrMapOvr>
+</p:sld>
+</file>
+
+<file path=ppt/slides/slide54.xml><?xml version="1.0" encoding="utf-8"?>
+<p:sld xmlns:a="http://schemas.openxmlformats.org/drawingml/2006/main" xmlns:r="http://schemas.openxmlformats.org/officeDocument/2006/relationships" xmlns:p="http://schemas.openxmlformats.org/presentationml/2006/main">
+  <p:cSld>
+    <p:spTree>
+      <p:nvGrpSpPr>
+        <p:cNvPr id="1" name=""/>
+        <p:cNvGrpSpPr/>
+        <p:nvPr/>
+      </p:nvGrpSpPr>
+      <p:grpSpPr>
+        <a:xfrm>
+          <a:off x="0" y="0"/>
+          <a:ext cx="0" cy="0"/>
+          <a:chOff x="0" y="0"/>
+          <a:chExt cx="0" cy="0"/>
+        </a:xfrm>
+      </p:grpSpPr>
+      <p:sp>
+        <p:nvSpPr>
+          <p:cNvPr id="2" name="Title 1">
+            <a:extLst>
+              <a:ext uri="{FF2B5EF4-FFF2-40B4-BE49-F238E27FC236}">
+                <a16:creationId xmlns:a16="http://schemas.microsoft.com/office/drawing/2014/main" id="{374B0D44-48BC-4913-9160-C86B6BB56D88}"/>
+              </a:ext>
+            </a:extLst>
+          </p:cNvPr>
+          <p:cNvSpPr>
+            <a:spLocks noGrp="1"/>
+          </p:cNvSpPr>
+          <p:nvPr>
+            <p:ph type="title"/>
+          </p:nvPr>
+        </p:nvSpPr>
+        <p:spPr/>
+        <p:txBody>
+          <a:bodyPr/>
+          <a:lstStyle/>
+          <a:p>
+            <a:r>
+              <a:rPr lang="en-US" dirty="0"/>
+              <a:t>Analyzing recursive methods</a:t>
+            </a:r>
+          </a:p>
+        </p:txBody>
+      </p:sp>
+      <p:sp>
+        <p:nvSpPr>
+          <p:cNvPr id="3" name="Content Placeholder 2">
+            <a:extLst>
+              <a:ext uri="{FF2B5EF4-FFF2-40B4-BE49-F238E27FC236}">
+                <a16:creationId xmlns:a16="http://schemas.microsoft.com/office/drawing/2014/main" id="{F2F1ECAF-C425-4697-B5B9-928A3AA56DAA}"/>
+              </a:ext>
+            </a:extLst>
+          </p:cNvPr>
+          <p:cNvSpPr>
+            <a:spLocks noGrp="1"/>
+          </p:cNvSpPr>
+          <p:nvPr>
+            <p:ph idx="1"/>
+          </p:nvPr>
+        </p:nvSpPr>
+        <p:spPr/>
+        <p:txBody>
+          <a:bodyPr/>
+          <a:lstStyle/>
+          <a:p>
+            <a:endParaRPr lang="en-US"/>
+          </a:p>
+        </p:txBody>
+      </p:sp>
+    </p:spTree>
+    <p:extLst>
+      <p:ext uri="{BB962C8B-B14F-4D97-AF65-F5344CB8AC3E}">
+        <p14:creationId xmlns:p14="http://schemas.microsoft.com/office/powerpoint/2010/main" val="67007571"/>
       </p:ext>
     </p:extLst>
   </p:cSld>
@@ -16002,7 +16371,7 @@
         <a:effectLst/>
         <a:extLst>
           <a:ext uri="{AF507438-7753-43e0-B8FC-AC1667EBCBE1}">
-            <a14:hiddenEffects xmlns="" xmlns:a14="http://schemas.microsoft.com/office/drawing/2010/main">
+            <a14:hiddenEffects xmlns:a14="http://schemas.microsoft.com/office/drawing/2010/main" xmlns="">
               <a:effectLst>
                 <a:outerShdw blurRad="63500" dist="35921" dir="2700000" algn="ctr" rotWithShape="0">
                   <a:schemeClr val="bg2"/>
@@ -16076,7 +16445,7 @@
         <a:effectLst/>
         <a:extLst>
           <a:ext uri="{AF507438-7753-43e0-B8FC-AC1667EBCBE1}">
-            <a14:hiddenEffects xmlns="" xmlns:a14="http://schemas.microsoft.com/office/drawing/2010/main">
+            <a14:hiddenEffects xmlns:a14="http://schemas.microsoft.com/office/drawing/2010/main" xmlns="">
               <a:effectLst>
                 <a:outerShdw blurRad="63500" dist="35921" dir="2700000" algn="ctr" rotWithShape="0">
                   <a:schemeClr val="bg2"/>

--- a/notes.pptx
+++ b/notes.pptx
@@ -60,6 +60,7 @@
     <p:sldId id="310" r:id="rId54"/>
     <p:sldId id="311" r:id="rId55"/>
     <p:sldId id="312" r:id="rId56"/>
+    <p:sldId id="314" r:id="rId57"/>
   </p:sldIdLst>
   <p:sldSz cx="12192000" cy="6858000"/>
   <p:notesSz cx="6858000" cy="9144000"/>
@@ -313,7 +314,7 @@
           <a:p>
             <a:fld id="{DE176E02-7D44-4713-8078-8E0963CF8DDB}" type="datetimeFigureOut">
               <a:rPr lang="en-US" smtClean="0"/>
-              <a:t>9/18/2019</a:t>
+              <a:t>9/20/2019</a:t>
             </a:fld>
             <a:endParaRPr lang="en-US"/>
           </a:p>
@@ -511,7 +512,7 @@
           <a:p>
             <a:fld id="{DE176E02-7D44-4713-8078-8E0963CF8DDB}" type="datetimeFigureOut">
               <a:rPr lang="en-US" smtClean="0"/>
-              <a:t>9/18/2019</a:t>
+              <a:t>9/20/2019</a:t>
             </a:fld>
             <a:endParaRPr lang="en-US"/>
           </a:p>
@@ -719,7 +720,7 @@
           <a:p>
             <a:fld id="{DE176E02-7D44-4713-8078-8E0963CF8DDB}" type="datetimeFigureOut">
               <a:rPr lang="en-US" smtClean="0"/>
-              <a:t>9/18/2019</a:t>
+              <a:t>9/20/2019</a:t>
             </a:fld>
             <a:endParaRPr lang="en-US"/>
           </a:p>
@@ -2397,7 +2398,7 @@
           <a:p>
             <a:fld id="{DE176E02-7D44-4713-8078-8E0963CF8DDB}" type="datetimeFigureOut">
               <a:rPr lang="en-US" smtClean="0"/>
-              <a:t>9/18/2019</a:t>
+              <a:t>9/20/2019</a:t>
             </a:fld>
             <a:endParaRPr lang="en-US"/>
           </a:p>
@@ -3076,7 +3077,7 @@
           <a:p>
             <a:fld id="{DE176E02-7D44-4713-8078-8E0963CF8DDB}" type="datetimeFigureOut">
               <a:rPr lang="en-US" smtClean="0"/>
-              <a:t>9/18/2019</a:t>
+              <a:t>9/20/2019</a:t>
             </a:fld>
             <a:endParaRPr lang="en-US"/>
           </a:p>
@@ -3341,7 +3342,7 @@
           <a:p>
             <a:fld id="{DE176E02-7D44-4713-8078-8E0963CF8DDB}" type="datetimeFigureOut">
               <a:rPr lang="en-US" smtClean="0"/>
-              <a:t>9/18/2019</a:t>
+              <a:t>9/20/2019</a:t>
             </a:fld>
             <a:endParaRPr lang="en-US"/>
           </a:p>
@@ -3753,7 +3754,7 @@
           <a:p>
             <a:fld id="{DE176E02-7D44-4713-8078-8E0963CF8DDB}" type="datetimeFigureOut">
               <a:rPr lang="en-US" smtClean="0"/>
-              <a:t>9/18/2019</a:t>
+              <a:t>9/20/2019</a:t>
             </a:fld>
             <a:endParaRPr lang="en-US"/>
           </a:p>
@@ -3894,7 +3895,7 @@
           <a:p>
             <a:fld id="{DE176E02-7D44-4713-8078-8E0963CF8DDB}" type="datetimeFigureOut">
               <a:rPr lang="en-US" smtClean="0"/>
-              <a:t>9/18/2019</a:t>
+              <a:t>9/20/2019</a:t>
             </a:fld>
             <a:endParaRPr lang="en-US"/>
           </a:p>
@@ -4007,7 +4008,7 @@
           <a:p>
             <a:fld id="{DE176E02-7D44-4713-8078-8E0963CF8DDB}" type="datetimeFigureOut">
               <a:rPr lang="en-US" smtClean="0"/>
-              <a:t>9/18/2019</a:t>
+              <a:t>9/20/2019</a:t>
             </a:fld>
             <a:endParaRPr lang="en-US"/>
           </a:p>
@@ -4318,7 +4319,7 @@
           <a:p>
             <a:fld id="{DE176E02-7D44-4713-8078-8E0963CF8DDB}" type="datetimeFigureOut">
               <a:rPr lang="en-US" smtClean="0"/>
-              <a:t>9/18/2019</a:t>
+              <a:t>9/20/2019</a:t>
             </a:fld>
             <a:endParaRPr lang="en-US"/>
           </a:p>
@@ -4606,7 +4607,7 @@
           <a:p>
             <a:fld id="{DE176E02-7D44-4713-8078-8E0963CF8DDB}" type="datetimeFigureOut">
               <a:rPr lang="en-US" smtClean="0"/>
-              <a:t>9/18/2019</a:t>
+              <a:t>9/20/2019</a:t>
             </a:fld>
             <a:endParaRPr lang="en-US"/>
           </a:p>
@@ -4847,7 +4848,7 @@
           <a:p>
             <a:fld id="{DE176E02-7D44-4713-8078-8E0963CF8DDB}" type="datetimeFigureOut">
               <a:rPr lang="en-US" smtClean="0"/>
-              <a:t>9/18/2019</a:t>
+              <a:t>9/20/2019</a:t>
             </a:fld>
             <a:endParaRPr lang="en-US"/>
           </a:p>
@@ -15330,35 +15331,285 @@
           </a:p>
         </p:txBody>
       </p:sp>
-      <p:sp>
-        <p:nvSpPr>
-          <p:cNvPr id="3" name="Content Placeholder 2">
-            <a:extLst>
-              <a:ext uri="{FF2B5EF4-FFF2-40B4-BE49-F238E27FC236}">
-                <a16:creationId xmlns:a16="http://schemas.microsoft.com/office/drawing/2014/main" id="{F2F1ECAF-C425-4697-B5B9-928A3AA56DAA}"/>
-              </a:ext>
-            </a:extLst>
-          </p:cNvPr>
-          <p:cNvSpPr>
-            <a:spLocks noGrp="1"/>
-          </p:cNvSpPr>
-          <p:nvPr>
-            <p:ph idx="1"/>
-          </p:nvPr>
-        </p:nvSpPr>
-        <p:spPr/>
-        <p:txBody>
-          <a:bodyPr/>
-          <a:lstStyle/>
-          <a:p>
-            <a:endParaRPr lang="en-US"/>
-          </a:p>
-        </p:txBody>
-      </p:sp>
+      <mc:AlternateContent xmlns:mc="http://schemas.openxmlformats.org/markup-compatibility/2006">
+        <mc:Choice xmlns:a14="http://schemas.microsoft.com/office/drawing/2010/main" Requires="a14">
+          <p:sp>
+            <p:nvSpPr>
+              <p:cNvPr id="3" name="Content Placeholder 2">
+                <a:extLst>
+                  <a:ext uri="{FF2B5EF4-FFF2-40B4-BE49-F238E27FC236}">
+                    <a16:creationId xmlns:a16="http://schemas.microsoft.com/office/drawing/2014/main" id="{F2F1ECAF-C425-4697-B5B9-928A3AA56DAA}"/>
+                  </a:ext>
+                </a:extLst>
+              </p:cNvPr>
+              <p:cNvSpPr>
+                <a:spLocks noGrp="1"/>
+              </p:cNvSpPr>
+              <p:nvPr>
+                <p:ph idx="1"/>
+              </p:nvPr>
+            </p:nvSpPr>
+            <p:spPr/>
+            <p:txBody>
+              <a:bodyPr/>
+              <a:lstStyle/>
+              <a:p>
+                <a:r>
+                  <a:rPr lang="en-US" dirty="0"/>
+                  <a:t>Make a recurrence relation</a:t>
+                </a:r>
+              </a:p>
+              <a:p>
+                <a:pPr marL="457200" lvl="1" indent="0">
+                  <a:buNone/>
+                </a:pPr>
+                <a14:m>
+                  <m:oMathPara xmlns:m="http://schemas.openxmlformats.org/officeDocument/2006/math">
+                    <m:oMathParaPr>
+                      <m:jc m:val="centerGroup"/>
+                    </m:oMathParaPr>
+                    <m:oMath xmlns:m="http://schemas.openxmlformats.org/officeDocument/2006/math">
+                      <m:r>
+                        <a:rPr lang="en-US" b="0" i="1" smtClean="0">
+                          <a:latin typeface="Cambria Math" panose="02040503050406030204" pitchFamily="18" charset="0"/>
+                        </a:rPr>
+                        <m:t>𝑓</m:t>
+                      </m:r>
+                      <m:d>
+                        <m:dPr>
+                          <m:ctrlPr>
+                            <a:rPr lang="en-US" b="0" i="1" smtClean="0">
+                              <a:latin typeface="Cambria Math" panose="02040503050406030204" pitchFamily="18" charset="0"/>
+                            </a:rPr>
+                          </m:ctrlPr>
+                        </m:dPr>
+                        <m:e>
+                          <m:r>
+                            <a:rPr lang="en-US" b="0" i="1" smtClean="0">
+                              <a:latin typeface="Cambria Math" panose="02040503050406030204" pitchFamily="18" charset="0"/>
+                            </a:rPr>
+                            <m:t>𝑥</m:t>
+                          </m:r>
+                        </m:e>
+                      </m:d>
+                      <m:r>
+                        <a:rPr lang="en-US" b="0" i="1" smtClean="0">
+                          <a:latin typeface="Cambria Math" panose="02040503050406030204" pitchFamily="18" charset="0"/>
+                        </a:rPr>
+                        <m:t>=1</m:t>
+                      </m:r>
+                      <m:r>
+                        <a:rPr lang="en-US" b="0" i="1" smtClean="0">
+                          <a:latin typeface="Cambria Math" panose="02040503050406030204" pitchFamily="18" charset="0"/>
+                        </a:rPr>
+                        <m:t>𝑓</m:t>
+                      </m:r>
+                      <m:d>
+                        <m:dPr>
+                          <m:ctrlPr>
+                            <a:rPr lang="en-US" b="0" i="1" smtClean="0">
+                              <a:latin typeface="Cambria Math" panose="02040503050406030204" pitchFamily="18" charset="0"/>
+                            </a:rPr>
+                          </m:ctrlPr>
+                        </m:dPr>
+                        <m:e>
+                          <m:r>
+                            <a:rPr lang="en-US" b="0" i="1" smtClean="0">
+                              <a:latin typeface="Cambria Math" panose="02040503050406030204" pitchFamily="18" charset="0"/>
+                            </a:rPr>
+                            <m:t>𝑥</m:t>
+                          </m:r>
+                          <m:r>
+                            <a:rPr lang="en-US" b="0" i="1" smtClean="0">
+                              <a:latin typeface="Cambria Math" panose="02040503050406030204" pitchFamily="18" charset="0"/>
+                            </a:rPr>
+                            <m:t>−1</m:t>
+                          </m:r>
+                        </m:e>
+                      </m:d>
+                      <m:r>
+                        <a:rPr lang="en-US" b="0" i="1" smtClean="0">
+                          <a:latin typeface="Cambria Math" panose="02040503050406030204" pitchFamily="18" charset="0"/>
+                        </a:rPr>
+                        <m:t>+1</m:t>
+                      </m:r>
+                    </m:oMath>
+                  </m:oMathPara>
+                </a14:m>
+                <a:endParaRPr lang="en-US" dirty="0"/>
+              </a:p>
+              <a:p>
+                <a:pPr marL="0" indent="0">
+                  <a:buNone/>
+                </a:pPr>
+                <a:r>
+                  <a:rPr lang="en-US" dirty="0"/>
+                  <a:t>where the first 1 is is the number of recursive calls, x-1 is the size of recursive call, and the last 1 is the amount of work done in a single call</a:t>
+                </a:r>
+              </a:p>
+              <a:p>
+                <a:r>
+                  <a:rPr lang="en-US" dirty="0"/>
+                  <a:t>Expansion, find pattern</a:t>
+                </a:r>
+              </a:p>
+              <a:p>
+                <a:r>
+                  <a:rPr lang="en-US" dirty="0"/>
+                  <a:t>Set inside equal to base case and solve for k</a:t>
+                </a:r>
+              </a:p>
+            </p:txBody>
+          </p:sp>
+        </mc:Choice>
+        <mc:Fallback>
+          <p:sp>
+            <p:nvSpPr>
+              <p:cNvPr id="3" name="Content Placeholder 2">
+                <a:extLst>
+                  <a:ext uri="{FF2B5EF4-FFF2-40B4-BE49-F238E27FC236}">
+                    <a16:creationId xmlns:a16="http://schemas.microsoft.com/office/drawing/2014/main" id="{F2F1ECAF-C425-4697-B5B9-928A3AA56DAA}"/>
+                  </a:ext>
+                </a:extLst>
+              </p:cNvPr>
+              <p:cNvSpPr>
+                <a:spLocks noGrp="1" noRot="1" noChangeAspect="1" noMove="1" noResize="1" noEditPoints="1" noAdjustHandles="1" noChangeArrowheads="1" noChangeShapeType="1" noTextEdit="1"/>
+              </p:cNvSpPr>
+              <p:nvPr>
+                <p:ph idx="1"/>
+              </p:nvPr>
+            </p:nvSpPr>
+            <p:spPr>
+              <a:blipFill>
+                <a:blip r:embed="rId2"/>
+                <a:stretch>
+                  <a:fillRect l="-1217" t="-2241"/>
+                </a:stretch>
+              </a:blipFill>
+            </p:spPr>
+            <p:txBody>
+              <a:bodyPr/>
+              <a:lstStyle/>
+              <a:p>
+                <a:r>
+                  <a:rPr lang="en-US">
+                    <a:noFill/>
+                  </a:rPr>
+                  <a:t> </a:t>
+                </a:r>
+              </a:p>
+            </p:txBody>
+          </p:sp>
+        </mc:Fallback>
+      </mc:AlternateContent>
     </p:spTree>
     <p:extLst>
       <p:ext uri="{BB962C8B-B14F-4D97-AF65-F5344CB8AC3E}">
         <p14:creationId xmlns:p14="http://schemas.microsoft.com/office/powerpoint/2010/main" val="67007571"/>
+      </p:ext>
+    </p:extLst>
+  </p:cSld>
+  <p:clrMapOvr>
+    <a:masterClrMapping/>
+  </p:clrMapOvr>
+</p:sld>
+</file>
+
+<file path=ppt/slides/slide55.xml><?xml version="1.0" encoding="utf-8"?>
+<p:sld xmlns:a="http://schemas.openxmlformats.org/drawingml/2006/main" xmlns:r="http://schemas.openxmlformats.org/officeDocument/2006/relationships" xmlns:p="http://schemas.openxmlformats.org/presentationml/2006/main">
+  <p:cSld>
+    <p:spTree>
+      <p:nvGrpSpPr>
+        <p:cNvPr id="1" name=""/>
+        <p:cNvGrpSpPr/>
+        <p:nvPr/>
+      </p:nvGrpSpPr>
+      <p:grpSpPr>
+        <a:xfrm>
+          <a:off x="0" y="0"/>
+          <a:ext cx="0" cy="0"/>
+          <a:chOff x="0" y="0"/>
+          <a:chExt cx="0" cy="0"/>
+        </a:xfrm>
+      </p:grpSpPr>
+      <p:sp>
+        <p:nvSpPr>
+          <p:cNvPr id="2" name="Title 1">
+            <a:extLst>
+              <a:ext uri="{FF2B5EF4-FFF2-40B4-BE49-F238E27FC236}">
+                <a16:creationId xmlns:a16="http://schemas.microsoft.com/office/drawing/2014/main" id="{0A3EE1BF-D998-4907-B260-CBF05C49A67B}"/>
+              </a:ext>
+            </a:extLst>
+          </p:cNvPr>
+          <p:cNvSpPr>
+            <a:spLocks noGrp="1"/>
+          </p:cNvSpPr>
+          <p:nvPr>
+            <p:ph type="title"/>
+          </p:nvPr>
+        </p:nvSpPr>
+        <p:spPr/>
+        <p:txBody>
+          <a:bodyPr/>
+          <a:lstStyle/>
+          <a:p>
+            <a:r>
+              <a:rPr lang="en-US" dirty="0"/>
+              <a:t>Inheritance, Interface, Generic</a:t>
+            </a:r>
+          </a:p>
+        </p:txBody>
+      </p:sp>
+      <p:sp>
+        <p:nvSpPr>
+          <p:cNvPr id="3" name="Content Placeholder 2">
+            <a:extLst>
+              <a:ext uri="{FF2B5EF4-FFF2-40B4-BE49-F238E27FC236}">
+                <a16:creationId xmlns:a16="http://schemas.microsoft.com/office/drawing/2014/main" id="{77916CB7-DD8F-43BA-B0C9-DA32038536EC}"/>
+              </a:ext>
+            </a:extLst>
+          </p:cNvPr>
+          <p:cNvSpPr>
+            <a:spLocks noGrp="1"/>
+          </p:cNvSpPr>
+          <p:nvPr>
+            <p:ph idx="1"/>
+          </p:nvPr>
+        </p:nvSpPr>
+        <p:spPr/>
+        <p:txBody>
+          <a:bodyPr/>
+          <a:lstStyle/>
+          <a:p>
+            <a:r>
+              <a:rPr lang="en-US" dirty="0"/>
+              <a:t>Class that extends another class</a:t>
+            </a:r>
+          </a:p>
+          <a:p>
+            <a:r>
+              <a:rPr lang="en-US" dirty="0"/>
+              <a:t>Interface</a:t>
+            </a:r>
+          </a:p>
+          <a:p>
+            <a:r>
+              <a:rPr lang="en-US" dirty="0"/>
+              <a:t>Class that implements an interface</a:t>
+            </a:r>
+          </a:p>
+          <a:p>
+            <a:r>
+              <a:rPr lang="en-US" dirty="0"/>
+              <a:t>Class that implements two interfaces</a:t>
+            </a:r>
+          </a:p>
+        </p:txBody>
+      </p:sp>
+    </p:spTree>
+    <p:extLst>
+      <p:ext uri="{BB962C8B-B14F-4D97-AF65-F5344CB8AC3E}">
+        <p14:creationId xmlns:p14="http://schemas.microsoft.com/office/powerpoint/2010/main" val="1572020631"/>
       </p:ext>
     </p:extLst>
   </p:cSld>
@@ -16371,7 +16622,7 @@
         <a:effectLst/>
         <a:extLst>
           <a:ext uri="{AF507438-7753-43e0-B8FC-AC1667EBCBE1}">
-            <a14:hiddenEffects xmlns:a14="http://schemas.microsoft.com/office/drawing/2010/main" xmlns="">
+            <a14:hiddenEffects xmlns="" xmlns:a14="http://schemas.microsoft.com/office/drawing/2010/main">
               <a:effectLst>
                 <a:outerShdw blurRad="63500" dist="35921" dir="2700000" algn="ctr" rotWithShape="0">
                   <a:schemeClr val="bg2"/>
@@ -16445,7 +16696,7 @@
         <a:effectLst/>
         <a:extLst>
           <a:ext uri="{AF507438-7753-43e0-B8FC-AC1667EBCBE1}">
-            <a14:hiddenEffects xmlns:a14="http://schemas.microsoft.com/office/drawing/2010/main" xmlns="">
+            <a14:hiddenEffects xmlns="" xmlns:a14="http://schemas.microsoft.com/office/drawing/2010/main">
               <a:effectLst>
                 <a:outerShdw blurRad="63500" dist="35921" dir="2700000" algn="ctr" rotWithShape="0">
                   <a:schemeClr val="bg2"/>

--- a/notes.pptx
+++ b/notes.pptx
@@ -61,6 +61,12 @@
     <p:sldId id="311" r:id="rId55"/>
     <p:sldId id="312" r:id="rId56"/>
     <p:sldId id="314" r:id="rId57"/>
+    <p:sldId id="316" r:id="rId58"/>
+    <p:sldId id="318" r:id="rId59"/>
+    <p:sldId id="315" r:id="rId60"/>
+    <p:sldId id="320" r:id="rId61"/>
+    <p:sldId id="317" r:id="rId62"/>
+    <p:sldId id="319" r:id="rId63"/>
   </p:sldIdLst>
   <p:sldSz cx="12192000" cy="6858000"/>
   <p:notesSz cx="6858000" cy="9144000"/>
@@ -15331,8 +15337,8 @@
           </a:p>
         </p:txBody>
       </p:sp>
-      <mc:AlternateContent xmlns:mc="http://schemas.openxmlformats.org/markup-compatibility/2006">
-        <mc:Choice xmlns:a14="http://schemas.microsoft.com/office/drawing/2010/main" Requires="a14">
+      <mc:AlternateContent xmlns:mc="http://schemas.openxmlformats.org/markup-compatibility/2006" xmlns:a14="http://schemas.microsoft.com/office/drawing/2010/main">
+        <mc:Choice Requires="a14">
           <p:sp>
             <p:nvSpPr>
               <p:cNvPr id="3" name="Content Placeholder 2">
@@ -15462,7 +15468,7 @@
             </p:txBody>
           </p:sp>
         </mc:Choice>
-        <mc:Fallback>
+        <mc:Fallback xmlns="">
           <p:sp>
             <p:nvSpPr>
               <p:cNvPr id="3" name="Content Placeholder 2">
@@ -15619,6 +15625,365 @@
 </p:sld>
 </file>
 
+<file path=ppt/slides/slide56.xml><?xml version="1.0" encoding="utf-8"?>
+<p:sld xmlns:a="http://schemas.openxmlformats.org/drawingml/2006/main" xmlns:r="http://schemas.openxmlformats.org/officeDocument/2006/relationships" xmlns:p="http://schemas.openxmlformats.org/presentationml/2006/main">
+  <p:cSld>
+    <p:spTree>
+      <p:nvGrpSpPr>
+        <p:cNvPr id="1" name=""/>
+        <p:cNvGrpSpPr/>
+        <p:nvPr/>
+      </p:nvGrpSpPr>
+      <p:grpSpPr>
+        <a:xfrm>
+          <a:off x="0" y="0"/>
+          <a:ext cx="0" cy="0"/>
+          <a:chOff x="0" y="0"/>
+          <a:chExt cx="0" cy="0"/>
+        </a:xfrm>
+      </p:grpSpPr>
+      <p:sp>
+        <p:nvSpPr>
+          <p:cNvPr id="2" name="Title 1">
+            <a:extLst>
+              <a:ext uri="{FF2B5EF4-FFF2-40B4-BE49-F238E27FC236}">
+                <a16:creationId xmlns:a16="http://schemas.microsoft.com/office/drawing/2014/main" id="{D767474F-20B9-4C67-9E01-74046479F9DB}"/>
+              </a:ext>
+            </a:extLst>
+          </p:cNvPr>
+          <p:cNvSpPr>
+            <a:spLocks noGrp="1"/>
+          </p:cNvSpPr>
+          <p:nvPr>
+            <p:ph type="title"/>
+          </p:nvPr>
+        </p:nvSpPr>
+        <p:spPr/>
+        <p:txBody>
+          <a:bodyPr/>
+          <a:lstStyle/>
+          <a:p>
+            <a:r>
+              <a:rPr lang="en-US" dirty="0"/>
+              <a:t>Talk tomorrow</a:t>
+            </a:r>
+          </a:p>
+        </p:txBody>
+      </p:sp>
+      <p:sp>
+        <p:nvSpPr>
+          <p:cNvPr id="3" name="Content Placeholder 2">
+            <a:extLst>
+              <a:ext uri="{FF2B5EF4-FFF2-40B4-BE49-F238E27FC236}">
+                <a16:creationId xmlns:a16="http://schemas.microsoft.com/office/drawing/2014/main" id="{EC0328F1-CD4B-4ACB-B949-EDB27563A4DC}"/>
+              </a:ext>
+            </a:extLst>
+          </p:cNvPr>
+          <p:cNvSpPr>
+            <a:spLocks noGrp="1"/>
+          </p:cNvSpPr>
+          <p:nvPr>
+            <p:ph idx="1"/>
+          </p:nvPr>
+        </p:nvSpPr>
+        <p:spPr/>
+        <p:txBody>
+          <a:bodyPr/>
+          <a:lstStyle/>
+          <a:p>
+            <a:r>
+              <a:rPr lang="en-US" dirty="0"/>
+              <a:t>Where do I go from here?</a:t>
+            </a:r>
+          </a:p>
+          <a:p>
+            <a:r>
+              <a:rPr lang="en-US" dirty="0"/>
+              <a:t>Homework due 1 week from today</a:t>
+            </a:r>
+          </a:p>
+          <a:p>
+            <a:pPr marL="0" indent="0">
+              <a:buNone/>
+            </a:pPr>
+            <a:endParaRPr lang="en-US" dirty="0"/>
+          </a:p>
+        </p:txBody>
+      </p:sp>
+    </p:spTree>
+    <p:extLst>
+      <p:ext uri="{BB962C8B-B14F-4D97-AF65-F5344CB8AC3E}">
+        <p14:creationId xmlns:p14="http://schemas.microsoft.com/office/powerpoint/2010/main" val="1384172937"/>
+      </p:ext>
+    </p:extLst>
+  </p:cSld>
+  <p:clrMapOvr>
+    <a:masterClrMapping/>
+  </p:clrMapOvr>
+</p:sld>
+</file>
+
+<file path=ppt/slides/slide57.xml><?xml version="1.0" encoding="utf-8"?>
+<p:sld xmlns:a="http://schemas.openxmlformats.org/drawingml/2006/main" xmlns:r="http://schemas.openxmlformats.org/officeDocument/2006/relationships" xmlns:p="http://schemas.openxmlformats.org/presentationml/2006/main">
+  <p:cSld>
+    <p:spTree>
+      <p:nvGrpSpPr>
+        <p:cNvPr id="1" name=""/>
+        <p:cNvGrpSpPr/>
+        <p:nvPr/>
+      </p:nvGrpSpPr>
+      <p:grpSpPr>
+        <a:xfrm>
+          <a:off x="0" y="0"/>
+          <a:ext cx="0" cy="0"/>
+          <a:chOff x="0" y="0"/>
+          <a:chExt cx="0" cy="0"/>
+        </a:xfrm>
+      </p:grpSpPr>
+      <p:sp>
+        <p:nvSpPr>
+          <p:cNvPr id="2" name="Title 1">
+            <a:extLst>
+              <a:ext uri="{FF2B5EF4-FFF2-40B4-BE49-F238E27FC236}">
+                <a16:creationId xmlns:a16="http://schemas.microsoft.com/office/drawing/2014/main" id="{E49D3428-7C70-40A8-9C87-8A3DFEDB7A21}"/>
+              </a:ext>
+            </a:extLst>
+          </p:cNvPr>
+          <p:cNvSpPr>
+            <a:spLocks noGrp="1"/>
+          </p:cNvSpPr>
+          <p:nvPr>
+            <p:ph type="title"/>
+          </p:nvPr>
+        </p:nvSpPr>
+        <p:spPr/>
+        <p:txBody>
+          <a:bodyPr/>
+          <a:lstStyle/>
+          <a:p>
+            <a:endParaRPr lang="en-US"/>
+          </a:p>
+        </p:txBody>
+      </p:sp>
+      <p:sp>
+        <p:nvSpPr>
+          <p:cNvPr id="3" name="Content Placeholder 2">
+            <a:extLst>
+              <a:ext uri="{FF2B5EF4-FFF2-40B4-BE49-F238E27FC236}">
+                <a16:creationId xmlns:a16="http://schemas.microsoft.com/office/drawing/2014/main" id="{54BF1566-6178-49C3-847C-1B63EB7BA85A}"/>
+              </a:ext>
+            </a:extLst>
+          </p:cNvPr>
+          <p:cNvSpPr>
+            <a:spLocks noGrp="1"/>
+          </p:cNvSpPr>
+          <p:nvPr>
+            <p:ph idx="1"/>
+          </p:nvPr>
+        </p:nvSpPr>
+        <p:spPr/>
+        <p:txBody>
+          <a:bodyPr/>
+          <a:lstStyle/>
+          <a:p>
+            <a:r>
+              <a:rPr lang="en-US" dirty="0"/>
+              <a:t>T(n) = 2 T(n/2) + n</a:t>
+            </a:r>
+          </a:p>
+        </p:txBody>
+      </p:sp>
+    </p:spTree>
+    <p:extLst>
+      <p:ext uri="{BB962C8B-B14F-4D97-AF65-F5344CB8AC3E}">
+        <p14:creationId xmlns:p14="http://schemas.microsoft.com/office/powerpoint/2010/main" val="1293687443"/>
+      </p:ext>
+    </p:extLst>
+  </p:cSld>
+  <p:clrMapOvr>
+    <a:masterClrMapping/>
+  </p:clrMapOvr>
+</p:sld>
+</file>
+
+<file path=ppt/slides/slide58.xml><?xml version="1.0" encoding="utf-8"?>
+<p:sld xmlns:a="http://schemas.openxmlformats.org/drawingml/2006/main" xmlns:r="http://schemas.openxmlformats.org/officeDocument/2006/relationships" xmlns:p="http://schemas.openxmlformats.org/presentationml/2006/main">
+  <p:cSld>
+    <p:spTree>
+      <p:nvGrpSpPr>
+        <p:cNvPr id="1" name=""/>
+        <p:cNvGrpSpPr/>
+        <p:nvPr/>
+      </p:nvGrpSpPr>
+      <p:grpSpPr>
+        <a:xfrm>
+          <a:off x="0" y="0"/>
+          <a:ext cx="0" cy="0"/>
+          <a:chOff x="0" y="0"/>
+          <a:chExt cx="0" cy="0"/>
+        </a:xfrm>
+      </p:grpSpPr>
+      <p:sp>
+        <p:nvSpPr>
+          <p:cNvPr id="2" name="Title 1">
+            <a:extLst>
+              <a:ext uri="{FF2B5EF4-FFF2-40B4-BE49-F238E27FC236}">
+                <a16:creationId xmlns:a16="http://schemas.microsoft.com/office/drawing/2014/main" id="{1BFD7D18-101A-4979-8D68-03539C0EE13C}"/>
+              </a:ext>
+            </a:extLst>
+          </p:cNvPr>
+          <p:cNvSpPr>
+            <a:spLocks noGrp="1"/>
+          </p:cNvSpPr>
+          <p:nvPr>
+            <p:ph type="title"/>
+          </p:nvPr>
+        </p:nvSpPr>
+        <p:spPr/>
+        <p:txBody>
+          <a:bodyPr/>
+          <a:lstStyle/>
+          <a:p>
+            <a:r>
+              <a:rPr lang="en-US" dirty="0"/>
+              <a:t>List232</a:t>
+            </a:r>
+          </a:p>
+        </p:txBody>
+      </p:sp>
+      <p:sp>
+        <p:nvSpPr>
+          <p:cNvPr id="3" name="Content Placeholder 2">
+            <a:extLst>
+              <a:ext uri="{FF2B5EF4-FFF2-40B4-BE49-F238E27FC236}">
+                <a16:creationId xmlns:a16="http://schemas.microsoft.com/office/drawing/2014/main" id="{371A5342-B5EC-488A-AE98-9204DBD19EDA}"/>
+              </a:ext>
+            </a:extLst>
+          </p:cNvPr>
+          <p:cNvSpPr>
+            <a:spLocks noGrp="1"/>
+          </p:cNvSpPr>
+          <p:nvPr>
+            <p:ph idx="1"/>
+          </p:nvPr>
+        </p:nvSpPr>
+        <p:spPr/>
+        <p:txBody>
+          <a:bodyPr/>
+          <a:lstStyle/>
+          <a:p>
+            <a:r>
+              <a:rPr lang="en-US" dirty="0"/>
+              <a:t>get, set are easy</a:t>
+            </a:r>
+          </a:p>
+          <a:p>
+            <a:r>
+              <a:rPr lang="en-US" dirty="0"/>
+              <a:t>add is trickier</a:t>
+            </a:r>
+          </a:p>
+        </p:txBody>
+      </p:sp>
+    </p:spTree>
+    <p:extLst>
+      <p:ext uri="{BB962C8B-B14F-4D97-AF65-F5344CB8AC3E}">
+        <p14:creationId xmlns:p14="http://schemas.microsoft.com/office/powerpoint/2010/main" val="2428762900"/>
+      </p:ext>
+    </p:extLst>
+  </p:cSld>
+  <p:clrMapOvr>
+    <a:masterClrMapping/>
+  </p:clrMapOvr>
+</p:sld>
+</file>
+
+<file path=ppt/slides/slide59.xml><?xml version="1.0" encoding="utf-8"?>
+<p:sld xmlns:a="http://schemas.openxmlformats.org/drawingml/2006/main" xmlns:r="http://schemas.openxmlformats.org/officeDocument/2006/relationships" xmlns:p="http://schemas.openxmlformats.org/presentationml/2006/main">
+  <p:cSld>
+    <p:spTree>
+      <p:nvGrpSpPr>
+        <p:cNvPr id="1" name=""/>
+        <p:cNvGrpSpPr/>
+        <p:nvPr/>
+      </p:nvGrpSpPr>
+      <p:grpSpPr>
+        <a:xfrm>
+          <a:off x="0" y="0"/>
+          <a:ext cx="0" cy="0"/>
+          <a:chOff x="0" y="0"/>
+          <a:chExt cx="0" cy="0"/>
+        </a:xfrm>
+      </p:grpSpPr>
+      <p:sp>
+        <p:nvSpPr>
+          <p:cNvPr id="2" name="Title 1">
+            <a:extLst>
+              <a:ext uri="{FF2B5EF4-FFF2-40B4-BE49-F238E27FC236}">
+                <a16:creationId xmlns:a16="http://schemas.microsoft.com/office/drawing/2014/main" id="{1DE9AFAD-787B-4334-807B-3B49289A1E6C}"/>
+              </a:ext>
+            </a:extLst>
+          </p:cNvPr>
+          <p:cNvSpPr>
+            <a:spLocks noGrp="1"/>
+          </p:cNvSpPr>
+          <p:nvPr>
+            <p:ph type="title"/>
+          </p:nvPr>
+        </p:nvSpPr>
+        <p:spPr/>
+        <p:txBody>
+          <a:bodyPr/>
+          <a:lstStyle/>
+          <a:p>
+            <a:r>
+              <a:rPr lang="en-US" dirty="0"/>
+              <a:t>Add options	</a:t>
+            </a:r>
+          </a:p>
+        </p:txBody>
+      </p:sp>
+      <p:sp>
+        <p:nvSpPr>
+          <p:cNvPr id="3" name="Content Placeholder 2">
+            <a:extLst>
+              <a:ext uri="{FF2B5EF4-FFF2-40B4-BE49-F238E27FC236}">
+                <a16:creationId xmlns:a16="http://schemas.microsoft.com/office/drawing/2014/main" id="{C353802B-E1C5-4CAD-BB79-6C46480FD828}"/>
+              </a:ext>
+            </a:extLst>
+          </p:cNvPr>
+          <p:cNvSpPr>
+            <a:spLocks noGrp="1"/>
+          </p:cNvSpPr>
+          <p:nvPr>
+            <p:ph idx="1"/>
+          </p:nvPr>
+        </p:nvSpPr>
+        <p:spPr/>
+        <p:txBody>
+          <a:bodyPr/>
+          <a:lstStyle/>
+          <a:p>
+            <a:r>
+              <a:rPr lang="en-US" dirty="0"/>
+              <a:t>Make starting size so big that we never need to increase it</a:t>
+            </a:r>
+          </a:p>
+        </p:txBody>
+      </p:sp>
+    </p:spTree>
+    <p:extLst>
+      <p:ext uri="{BB962C8B-B14F-4D97-AF65-F5344CB8AC3E}">
+        <p14:creationId xmlns:p14="http://schemas.microsoft.com/office/powerpoint/2010/main" val="3435994977"/>
+      </p:ext>
+    </p:extLst>
+  </p:cSld>
+  <p:clrMapOvr>
+    <a:masterClrMapping/>
+  </p:clrMapOvr>
+</p:sld>
+</file>
+
 <file path=ppt/slides/slide6.xml><?xml version="1.0" encoding="utf-8"?>
 <p:sld xmlns:a="http://schemas.openxmlformats.org/drawingml/2006/main" xmlns:r="http://schemas.openxmlformats.org/officeDocument/2006/relationships" xmlns:p="http://schemas.openxmlformats.org/presentationml/2006/main">
   <p:cSld>
@@ -15749,6 +16114,178 @@
     <p:extLst>
       <p:ext uri="{BB962C8B-B14F-4D97-AF65-F5344CB8AC3E}">
         <p14:creationId xmlns:p14="http://schemas.microsoft.com/office/powerpoint/2010/main" val="1132213076"/>
+      </p:ext>
+    </p:extLst>
+  </p:cSld>
+  <p:clrMapOvr>
+    <a:masterClrMapping/>
+  </p:clrMapOvr>
+</p:sld>
+</file>
+
+<file path=ppt/slides/slide60.xml><?xml version="1.0" encoding="utf-8"?>
+<p:sld xmlns:a="http://schemas.openxmlformats.org/drawingml/2006/main" xmlns:r="http://schemas.openxmlformats.org/officeDocument/2006/relationships" xmlns:p="http://schemas.openxmlformats.org/presentationml/2006/main">
+  <p:cSld>
+    <p:spTree>
+      <p:nvGrpSpPr>
+        <p:cNvPr id="1" name=""/>
+        <p:cNvGrpSpPr/>
+        <p:nvPr/>
+      </p:nvGrpSpPr>
+      <p:grpSpPr>
+        <a:xfrm>
+          <a:off x="0" y="0"/>
+          <a:ext cx="0" cy="0"/>
+          <a:chOff x="0" y="0"/>
+          <a:chExt cx="0" cy="0"/>
+        </a:xfrm>
+      </p:grpSpPr>
+      <p:sp>
+        <p:nvSpPr>
+          <p:cNvPr id="2" name="Title 1">
+            <a:extLst>
+              <a:ext uri="{FF2B5EF4-FFF2-40B4-BE49-F238E27FC236}">
+                <a16:creationId xmlns:a16="http://schemas.microsoft.com/office/drawing/2014/main" id="{363F97FE-B8B3-463D-99CB-45FA6CDA93CD}"/>
+              </a:ext>
+            </a:extLst>
+          </p:cNvPr>
+          <p:cNvSpPr>
+            <a:spLocks noGrp="1"/>
+          </p:cNvSpPr>
+          <p:nvPr>
+            <p:ph type="title"/>
+          </p:nvPr>
+        </p:nvSpPr>
+        <p:spPr/>
+        <p:txBody>
+          <a:bodyPr/>
+          <a:lstStyle/>
+          <a:p>
+            <a:r>
+              <a:rPr lang="en-US" dirty="0"/>
+              <a:t>Add options</a:t>
+            </a:r>
+          </a:p>
+        </p:txBody>
+      </p:sp>
+      <p:sp>
+        <p:nvSpPr>
+          <p:cNvPr id="3" name="Content Placeholder 2">
+            <a:extLst>
+              <a:ext uri="{FF2B5EF4-FFF2-40B4-BE49-F238E27FC236}">
+                <a16:creationId xmlns:a16="http://schemas.microsoft.com/office/drawing/2014/main" id="{E39DFF01-6864-43E0-888B-F66A3457AD9C}"/>
+              </a:ext>
+            </a:extLst>
+          </p:cNvPr>
+          <p:cNvSpPr>
+            <a:spLocks noGrp="1"/>
+          </p:cNvSpPr>
+          <p:nvPr>
+            <p:ph idx="1"/>
+          </p:nvPr>
+        </p:nvSpPr>
+        <p:spPr/>
+        <p:txBody>
+          <a:bodyPr/>
+          <a:lstStyle/>
+          <a:p>
+            <a:r>
+              <a:rPr lang="en-US" dirty="0"/>
+              <a:t>When we hit the capacity, increase it by 1</a:t>
+            </a:r>
+          </a:p>
+        </p:txBody>
+      </p:sp>
+    </p:spTree>
+    <p:extLst>
+      <p:ext uri="{BB962C8B-B14F-4D97-AF65-F5344CB8AC3E}">
+        <p14:creationId xmlns:p14="http://schemas.microsoft.com/office/powerpoint/2010/main" val="1980825862"/>
+      </p:ext>
+    </p:extLst>
+  </p:cSld>
+  <p:clrMapOvr>
+    <a:masterClrMapping/>
+  </p:clrMapOvr>
+</p:sld>
+</file>
+
+<file path=ppt/slides/slide61.xml><?xml version="1.0" encoding="utf-8"?>
+<p:sld xmlns:a="http://schemas.openxmlformats.org/drawingml/2006/main" xmlns:r="http://schemas.openxmlformats.org/officeDocument/2006/relationships" xmlns:p="http://schemas.openxmlformats.org/presentationml/2006/main">
+  <p:cSld>
+    <p:spTree>
+      <p:nvGrpSpPr>
+        <p:cNvPr id="1" name=""/>
+        <p:cNvGrpSpPr/>
+        <p:nvPr/>
+      </p:nvGrpSpPr>
+      <p:grpSpPr>
+        <a:xfrm>
+          <a:off x="0" y="0"/>
+          <a:ext cx="0" cy="0"/>
+          <a:chOff x="0" y="0"/>
+          <a:chExt cx="0" cy="0"/>
+        </a:xfrm>
+      </p:grpSpPr>
+      <p:sp>
+        <p:nvSpPr>
+          <p:cNvPr id="2" name="Title 1">
+            <a:extLst>
+              <a:ext uri="{FF2B5EF4-FFF2-40B4-BE49-F238E27FC236}">
+                <a16:creationId xmlns:a16="http://schemas.microsoft.com/office/drawing/2014/main" id="{6941C097-CF2B-4A73-B9AC-26773A33C1AC}"/>
+              </a:ext>
+            </a:extLst>
+          </p:cNvPr>
+          <p:cNvSpPr>
+            <a:spLocks noGrp="1"/>
+          </p:cNvSpPr>
+          <p:nvPr>
+            <p:ph type="title"/>
+          </p:nvPr>
+        </p:nvSpPr>
+        <p:spPr/>
+        <p:txBody>
+          <a:bodyPr/>
+          <a:lstStyle/>
+          <a:p>
+            <a:r>
+              <a:rPr lang="en-US" dirty="0"/>
+              <a:t>Add options</a:t>
+            </a:r>
+          </a:p>
+        </p:txBody>
+      </p:sp>
+      <p:sp>
+        <p:nvSpPr>
+          <p:cNvPr id="3" name="Content Placeholder 2">
+            <a:extLst>
+              <a:ext uri="{FF2B5EF4-FFF2-40B4-BE49-F238E27FC236}">
+                <a16:creationId xmlns:a16="http://schemas.microsoft.com/office/drawing/2014/main" id="{A00BB76F-40C6-4E05-A5D5-47B3FEE2E6AC}"/>
+              </a:ext>
+            </a:extLst>
+          </p:cNvPr>
+          <p:cNvSpPr>
+            <a:spLocks noGrp="1"/>
+          </p:cNvSpPr>
+          <p:nvPr>
+            <p:ph idx="1"/>
+          </p:nvPr>
+        </p:nvSpPr>
+        <p:spPr/>
+        <p:txBody>
+          <a:bodyPr/>
+          <a:lstStyle/>
+          <a:p>
+            <a:r>
+              <a:rPr lang="en-US" dirty="0"/>
+              <a:t>When we hit capacity, double the size</a:t>
+            </a:r>
+          </a:p>
+        </p:txBody>
+      </p:sp>
+    </p:spTree>
+    <p:extLst>
+      <p:ext uri="{BB962C8B-B14F-4D97-AF65-F5344CB8AC3E}">
+        <p14:creationId xmlns:p14="http://schemas.microsoft.com/office/powerpoint/2010/main" val="1125320644"/>
       </p:ext>
     </p:extLst>
   </p:cSld>
@@ -16622,7 +17159,7 @@
         <a:effectLst/>
         <a:extLst>
           <a:ext uri="{AF507438-7753-43e0-B8FC-AC1667EBCBE1}">
-            <a14:hiddenEffects xmlns="" xmlns:a14="http://schemas.microsoft.com/office/drawing/2010/main">
+            <a14:hiddenEffects xmlns:a14="http://schemas.microsoft.com/office/drawing/2010/main" xmlns="">
               <a:effectLst>
                 <a:outerShdw blurRad="63500" dist="35921" dir="2700000" algn="ctr" rotWithShape="0">
                   <a:schemeClr val="bg2"/>
@@ -16696,7 +17233,7 @@
         <a:effectLst/>
         <a:extLst>
           <a:ext uri="{AF507438-7753-43e0-B8FC-AC1667EBCBE1}">
-            <a14:hiddenEffects xmlns="" xmlns:a14="http://schemas.microsoft.com/office/drawing/2010/main">
+            <a14:hiddenEffects xmlns:a14="http://schemas.microsoft.com/office/drawing/2010/main" xmlns="">
               <a:effectLst>
                 <a:outerShdw blurRad="63500" dist="35921" dir="2700000" algn="ctr" rotWithShape="0">
                   <a:schemeClr val="bg2"/>

--- a/notes.pptx
+++ b/notes.pptx
@@ -320,7 +320,7 @@
           <a:p>
             <a:fld id="{DE176E02-7D44-4713-8078-8E0963CF8DDB}" type="datetimeFigureOut">
               <a:rPr lang="en-US" smtClean="0"/>
-              <a:t>9/20/2019</a:t>
+              <a:t>9/23/19</a:t>
             </a:fld>
             <a:endParaRPr lang="en-US"/>
           </a:p>
@@ -518,7 +518,7 @@
           <a:p>
             <a:fld id="{DE176E02-7D44-4713-8078-8E0963CF8DDB}" type="datetimeFigureOut">
               <a:rPr lang="en-US" smtClean="0"/>
-              <a:t>9/20/2019</a:t>
+              <a:t>9/23/19</a:t>
             </a:fld>
             <a:endParaRPr lang="en-US"/>
           </a:p>
@@ -726,7 +726,7 @@
           <a:p>
             <a:fld id="{DE176E02-7D44-4713-8078-8E0963CF8DDB}" type="datetimeFigureOut">
               <a:rPr lang="en-US" smtClean="0"/>
-              <a:t>9/20/2019</a:t>
+              <a:t>9/23/19</a:t>
             </a:fld>
             <a:endParaRPr lang="en-US"/>
           </a:p>
@@ -2404,7 +2404,7 @@
           <a:p>
             <a:fld id="{DE176E02-7D44-4713-8078-8E0963CF8DDB}" type="datetimeFigureOut">
               <a:rPr lang="en-US" smtClean="0"/>
-              <a:t>9/20/2019</a:t>
+              <a:t>9/23/19</a:t>
             </a:fld>
             <a:endParaRPr lang="en-US"/>
           </a:p>
@@ -3083,7 +3083,7 @@
           <a:p>
             <a:fld id="{DE176E02-7D44-4713-8078-8E0963CF8DDB}" type="datetimeFigureOut">
               <a:rPr lang="en-US" smtClean="0"/>
-              <a:t>9/20/2019</a:t>
+              <a:t>9/23/19</a:t>
             </a:fld>
             <a:endParaRPr lang="en-US"/>
           </a:p>
@@ -3348,7 +3348,7 @@
           <a:p>
             <a:fld id="{DE176E02-7D44-4713-8078-8E0963CF8DDB}" type="datetimeFigureOut">
               <a:rPr lang="en-US" smtClean="0"/>
-              <a:t>9/20/2019</a:t>
+              <a:t>9/23/19</a:t>
             </a:fld>
             <a:endParaRPr lang="en-US"/>
           </a:p>
@@ -3760,7 +3760,7 @@
           <a:p>
             <a:fld id="{DE176E02-7D44-4713-8078-8E0963CF8DDB}" type="datetimeFigureOut">
               <a:rPr lang="en-US" smtClean="0"/>
-              <a:t>9/20/2019</a:t>
+              <a:t>9/23/19</a:t>
             </a:fld>
             <a:endParaRPr lang="en-US"/>
           </a:p>
@@ -3901,7 +3901,7 @@
           <a:p>
             <a:fld id="{DE176E02-7D44-4713-8078-8E0963CF8DDB}" type="datetimeFigureOut">
               <a:rPr lang="en-US" smtClean="0"/>
-              <a:t>9/20/2019</a:t>
+              <a:t>9/23/19</a:t>
             </a:fld>
             <a:endParaRPr lang="en-US"/>
           </a:p>
@@ -4014,7 +4014,7 @@
           <a:p>
             <a:fld id="{DE176E02-7D44-4713-8078-8E0963CF8DDB}" type="datetimeFigureOut">
               <a:rPr lang="en-US" smtClean="0"/>
-              <a:t>9/20/2019</a:t>
+              <a:t>9/23/19</a:t>
             </a:fld>
             <a:endParaRPr lang="en-US"/>
           </a:p>
@@ -4325,7 +4325,7 @@
           <a:p>
             <a:fld id="{DE176E02-7D44-4713-8078-8E0963CF8DDB}" type="datetimeFigureOut">
               <a:rPr lang="en-US" smtClean="0"/>
-              <a:t>9/20/2019</a:t>
+              <a:t>9/23/19</a:t>
             </a:fld>
             <a:endParaRPr lang="en-US"/>
           </a:p>
@@ -4613,7 +4613,7 @@
           <a:p>
             <a:fld id="{DE176E02-7D44-4713-8078-8E0963CF8DDB}" type="datetimeFigureOut">
               <a:rPr lang="en-US" smtClean="0"/>
-              <a:t>9/20/2019</a:t>
+              <a:t>9/23/19</a:t>
             </a:fld>
             <a:endParaRPr lang="en-US"/>
           </a:p>
@@ -4854,7 +4854,7 @@
           <a:p>
             <a:fld id="{DE176E02-7D44-4713-8078-8E0963CF8DDB}" type="datetimeFigureOut">
               <a:rPr lang="en-US" smtClean="0"/>
-              <a:t>9/20/2019</a:t>
+              <a:t>9/23/19</a:t>
             </a:fld>
             <a:endParaRPr lang="en-US"/>
           </a:p>
@@ -15703,6 +15703,13 @@
             </a:r>
           </a:p>
           <a:p>
+            <a:r>
+              <a:rPr lang="en-US"/>
+              <a:t>Demonstrate pull</a:t>
+            </a:r>
+            <a:endParaRPr lang="en-US" dirty="0"/>
+          </a:p>
+          <a:p>
             <a:pPr marL="0" indent="0">
               <a:buNone/>
             </a:pPr>
@@ -17159,7 +17166,7 @@
         <a:effectLst/>
         <a:extLst>
           <a:ext uri="{AF507438-7753-43e0-B8FC-AC1667EBCBE1}">
-            <a14:hiddenEffects xmlns:a14="http://schemas.microsoft.com/office/drawing/2010/main" xmlns="">
+            <a14:hiddenEffects xmlns="" xmlns:a14="http://schemas.microsoft.com/office/drawing/2010/main">
               <a:effectLst>
                 <a:outerShdw blurRad="63500" dist="35921" dir="2700000" algn="ctr" rotWithShape="0">
                   <a:schemeClr val="bg2"/>
@@ -17233,7 +17240,7 @@
         <a:effectLst/>
         <a:extLst>
           <a:ext uri="{AF507438-7753-43e0-B8FC-AC1667EBCBE1}">
-            <a14:hiddenEffects xmlns:a14="http://schemas.microsoft.com/office/drawing/2010/main" xmlns="">
+            <a14:hiddenEffects xmlns="" xmlns:a14="http://schemas.microsoft.com/office/drawing/2010/main">
               <a:effectLst>
                 <a:outerShdw blurRad="63500" dist="35921" dir="2700000" algn="ctr" rotWithShape="0">
                   <a:schemeClr val="bg2"/>

--- a/notes.pptx
+++ b/notes.pptx
@@ -67,6 +67,9 @@
     <p:sldId id="320" r:id="rId61"/>
     <p:sldId id="317" r:id="rId62"/>
     <p:sldId id="319" r:id="rId63"/>
+    <p:sldId id="323" r:id="rId64"/>
+    <p:sldId id="321" r:id="rId65"/>
+    <p:sldId id="322" r:id="rId66"/>
   </p:sldIdLst>
   <p:sldSz cx="12192000" cy="6858000"/>
   <p:notesSz cx="6858000" cy="9144000"/>
@@ -320,7 +323,7 @@
           <a:p>
             <a:fld id="{DE176E02-7D44-4713-8078-8E0963CF8DDB}" type="datetimeFigureOut">
               <a:rPr lang="en-US" smtClean="0"/>
-              <a:t>9/23/19</a:t>
+              <a:t>9/25/2019</a:t>
             </a:fld>
             <a:endParaRPr lang="en-US"/>
           </a:p>
@@ -518,7 +521,7 @@
           <a:p>
             <a:fld id="{DE176E02-7D44-4713-8078-8E0963CF8DDB}" type="datetimeFigureOut">
               <a:rPr lang="en-US" smtClean="0"/>
-              <a:t>9/23/19</a:t>
+              <a:t>9/25/2019</a:t>
             </a:fld>
             <a:endParaRPr lang="en-US"/>
           </a:p>
@@ -726,7 +729,7 @@
           <a:p>
             <a:fld id="{DE176E02-7D44-4713-8078-8E0963CF8DDB}" type="datetimeFigureOut">
               <a:rPr lang="en-US" smtClean="0"/>
-              <a:t>9/23/19</a:t>
+              <a:t>9/25/2019</a:t>
             </a:fld>
             <a:endParaRPr lang="en-US"/>
           </a:p>
@@ -2404,7 +2407,7 @@
           <a:p>
             <a:fld id="{DE176E02-7D44-4713-8078-8E0963CF8DDB}" type="datetimeFigureOut">
               <a:rPr lang="en-US" smtClean="0"/>
-              <a:t>9/23/19</a:t>
+              <a:t>9/25/2019</a:t>
             </a:fld>
             <a:endParaRPr lang="en-US"/>
           </a:p>
@@ -3083,7 +3086,7 @@
           <a:p>
             <a:fld id="{DE176E02-7D44-4713-8078-8E0963CF8DDB}" type="datetimeFigureOut">
               <a:rPr lang="en-US" smtClean="0"/>
-              <a:t>9/23/19</a:t>
+              <a:t>9/25/2019</a:t>
             </a:fld>
             <a:endParaRPr lang="en-US"/>
           </a:p>
@@ -3348,7 +3351,7 @@
           <a:p>
             <a:fld id="{DE176E02-7D44-4713-8078-8E0963CF8DDB}" type="datetimeFigureOut">
               <a:rPr lang="en-US" smtClean="0"/>
-              <a:t>9/23/19</a:t>
+              <a:t>9/25/2019</a:t>
             </a:fld>
             <a:endParaRPr lang="en-US"/>
           </a:p>
@@ -3760,7 +3763,7 @@
           <a:p>
             <a:fld id="{DE176E02-7D44-4713-8078-8E0963CF8DDB}" type="datetimeFigureOut">
               <a:rPr lang="en-US" smtClean="0"/>
-              <a:t>9/23/19</a:t>
+              <a:t>9/25/2019</a:t>
             </a:fld>
             <a:endParaRPr lang="en-US"/>
           </a:p>
@@ -3901,7 +3904,7 @@
           <a:p>
             <a:fld id="{DE176E02-7D44-4713-8078-8E0963CF8DDB}" type="datetimeFigureOut">
               <a:rPr lang="en-US" smtClean="0"/>
-              <a:t>9/23/19</a:t>
+              <a:t>9/25/2019</a:t>
             </a:fld>
             <a:endParaRPr lang="en-US"/>
           </a:p>
@@ -4014,7 +4017,7 @@
           <a:p>
             <a:fld id="{DE176E02-7D44-4713-8078-8E0963CF8DDB}" type="datetimeFigureOut">
               <a:rPr lang="en-US" smtClean="0"/>
-              <a:t>9/23/19</a:t>
+              <a:t>9/25/2019</a:t>
             </a:fld>
             <a:endParaRPr lang="en-US"/>
           </a:p>
@@ -4325,7 +4328,7 @@
           <a:p>
             <a:fld id="{DE176E02-7D44-4713-8078-8E0963CF8DDB}" type="datetimeFigureOut">
               <a:rPr lang="en-US" smtClean="0"/>
-              <a:t>9/23/19</a:t>
+              <a:t>9/25/2019</a:t>
             </a:fld>
             <a:endParaRPr lang="en-US"/>
           </a:p>
@@ -4613,7 +4616,7 @@
           <a:p>
             <a:fld id="{DE176E02-7D44-4713-8078-8E0963CF8DDB}" type="datetimeFigureOut">
               <a:rPr lang="en-US" smtClean="0"/>
-              <a:t>9/23/19</a:t>
+              <a:t>9/25/2019</a:t>
             </a:fld>
             <a:endParaRPr lang="en-US"/>
           </a:p>
@@ -4854,7 +4857,7 @@
           <a:p>
             <a:fld id="{DE176E02-7D44-4713-8078-8E0963CF8DDB}" type="datetimeFigureOut">
               <a:rPr lang="en-US" smtClean="0"/>
-              <a:t>9/23/19</a:t>
+              <a:t>9/25/2019</a:t>
             </a:fld>
             <a:endParaRPr lang="en-US"/>
           </a:p>
@@ -15703,13 +15706,6 @@
             </a:r>
           </a:p>
           <a:p>
-            <a:r>
-              <a:rPr lang="en-US"/>
-              <a:t>Demonstrate pull</a:t>
-            </a:r>
-            <a:endParaRPr lang="en-US" dirty="0"/>
-          </a:p>
-          <a:p>
             <a:pPr marL="0" indent="0">
               <a:buNone/>
             </a:pPr>
@@ -16293,6 +16289,301 @@
     <p:extLst>
       <p:ext uri="{BB962C8B-B14F-4D97-AF65-F5344CB8AC3E}">
         <p14:creationId xmlns:p14="http://schemas.microsoft.com/office/powerpoint/2010/main" val="1125320644"/>
+      </p:ext>
+    </p:extLst>
+  </p:cSld>
+  <p:clrMapOvr>
+    <a:masterClrMapping/>
+  </p:clrMapOvr>
+</p:sld>
+</file>
+
+<file path=ppt/slides/slide62.xml><?xml version="1.0" encoding="utf-8"?>
+<p:sld xmlns:a="http://schemas.openxmlformats.org/drawingml/2006/main" xmlns:r="http://schemas.openxmlformats.org/officeDocument/2006/relationships" xmlns:p="http://schemas.openxmlformats.org/presentationml/2006/main">
+  <p:cSld>
+    <p:spTree>
+      <p:nvGrpSpPr>
+        <p:cNvPr id="1" name=""/>
+        <p:cNvGrpSpPr/>
+        <p:nvPr/>
+      </p:nvGrpSpPr>
+      <p:grpSpPr>
+        <a:xfrm>
+          <a:off x="0" y="0"/>
+          <a:ext cx="0" cy="0"/>
+          <a:chOff x="0" y="0"/>
+          <a:chExt cx="0" cy="0"/>
+        </a:xfrm>
+      </p:grpSpPr>
+      <p:sp>
+        <p:nvSpPr>
+          <p:cNvPr id="2" name="Title 1">
+            <a:extLst>
+              <a:ext uri="{FF2B5EF4-FFF2-40B4-BE49-F238E27FC236}">
+                <a16:creationId xmlns:a16="http://schemas.microsoft.com/office/drawing/2014/main" id="{72F13D69-BD4D-4E3F-8E5F-4C8DA8C4E3A6}"/>
+              </a:ext>
+            </a:extLst>
+          </p:cNvPr>
+          <p:cNvSpPr>
+            <a:spLocks noGrp="1"/>
+          </p:cNvSpPr>
+          <p:nvPr>
+            <p:ph type="title"/>
+          </p:nvPr>
+        </p:nvSpPr>
+        <p:spPr/>
+        <p:txBody>
+          <a:bodyPr/>
+          <a:lstStyle/>
+          <a:p>
+            <a:r>
+              <a:rPr lang="en-US" dirty="0"/>
+              <a:t>Quantum Supremacy</a:t>
+            </a:r>
+          </a:p>
+        </p:txBody>
+      </p:sp>
+      <p:sp>
+        <p:nvSpPr>
+          <p:cNvPr id="3" name="Content Placeholder 2">
+            <a:extLst>
+              <a:ext uri="{FF2B5EF4-FFF2-40B4-BE49-F238E27FC236}">
+                <a16:creationId xmlns:a16="http://schemas.microsoft.com/office/drawing/2014/main" id="{A9211340-C4BA-4ABE-8CE6-E91BC51CDD98}"/>
+              </a:ext>
+            </a:extLst>
+          </p:cNvPr>
+          <p:cNvSpPr>
+            <a:spLocks noGrp="1"/>
+          </p:cNvSpPr>
+          <p:nvPr>
+            <p:ph idx="1"/>
+          </p:nvPr>
+        </p:nvSpPr>
+        <p:spPr/>
+        <p:txBody>
+          <a:bodyPr/>
+          <a:lstStyle/>
+          <a:p>
+            <a:r>
+              <a:rPr lang="en-US">
+                <a:hlinkClick r:id="rId2"/>
+              </a:rPr>
+              <a:t>https://www.theverge.com/2019/9/23/20879485/google-quantum-supremacy-qubits-nasa</a:t>
+            </a:r>
+            <a:endParaRPr lang="en-US"/>
+          </a:p>
+        </p:txBody>
+      </p:sp>
+    </p:spTree>
+    <p:extLst>
+      <p:ext uri="{BB962C8B-B14F-4D97-AF65-F5344CB8AC3E}">
+        <p14:creationId xmlns:p14="http://schemas.microsoft.com/office/powerpoint/2010/main" val="1214440693"/>
+      </p:ext>
+    </p:extLst>
+  </p:cSld>
+  <p:clrMapOvr>
+    <a:masterClrMapping/>
+  </p:clrMapOvr>
+</p:sld>
+</file>
+
+<file path=ppt/slides/slide63.xml><?xml version="1.0" encoding="utf-8"?>
+<p:sld xmlns:a="http://schemas.openxmlformats.org/drawingml/2006/main" xmlns:r="http://schemas.openxmlformats.org/officeDocument/2006/relationships" xmlns:p="http://schemas.openxmlformats.org/presentationml/2006/main">
+  <p:cSld>
+    <p:spTree>
+      <p:nvGrpSpPr>
+        <p:cNvPr id="1" name=""/>
+        <p:cNvGrpSpPr/>
+        <p:nvPr/>
+      </p:nvGrpSpPr>
+      <p:grpSpPr>
+        <a:xfrm>
+          <a:off x="0" y="0"/>
+          <a:ext cx="0" cy="0"/>
+          <a:chOff x="0" y="0"/>
+          <a:chExt cx="0" cy="0"/>
+        </a:xfrm>
+      </p:grpSpPr>
+      <p:sp>
+        <p:nvSpPr>
+          <p:cNvPr id="2" name="Title 1">
+            <a:extLst>
+              <a:ext uri="{FF2B5EF4-FFF2-40B4-BE49-F238E27FC236}">
+                <a16:creationId xmlns:a16="http://schemas.microsoft.com/office/drawing/2014/main" id="{4B72CACD-ECFD-4FEA-A28F-1C4A82F43D95}"/>
+              </a:ext>
+            </a:extLst>
+          </p:cNvPr>
+          <p:cNvSpPr>
+            <a:spLocks noGrp="1"/>
+          </p:cNvSpPr>
+          <p:nvPr>
+            <p:ph type="title"/>
+          </p:nvPr>
+        </p:nvSpPr>
+        <p:spPr/>
+        <p:txBody>
+          <a:bodyPr/>
+          <a:lstStyle/>
+          <a:p>
+            <a:r>
+              <a:rPr lang="en-US" dirty="0"/>
+              <a:t>Lab grading</a:t>
+            </a:r>
+          </a:p>
+        </p:txBody>
+      </p:sp>
+      <p:sp>
+        <p:nvSpPr>
+          <p:cNvPr id="3" name="Content Placeholder 2">
+            <a:extLst>
+              <a:ext uri="{FF2B5EF4-FFF2-40B4-BE49-F238E27FC236}">
+                <a16:creationId xmlns:a16="http://schemas.microsoft.com/office/drawing/2014/main" id="{2F6C5A94-8A28-4A68-A6A7-B9EF493FD47B}"/>
+              </a:ext>
+            </a:extLst>
+          </p:cNvPr>
+          <p:cNvSpPr>
+            <a:spLocks noGrp="1"/>
+          </p:cNvSpPr>
+          <p:nvPr>
+            <p:ph idx="1"/>
+          </p:nvPr>
+        </p:nvSpPr>
+        <p:spPr/>
+        <p:txBody>
+          <a:bodyPr/>
+          <a:lstStyle/>
+          <a:p>
+            <a:r>
+              <a:rPr lang="en-US" dirty="0" err="1"/>
+              <a:t>Hackerrank</a:t>
+            </a:r>
+            <a:r>
+              <a:rPr lang="en-US" dirty="0"/>
+              <a:t> testing</a:t>
+            </a:r>
+          </a:p>
+          <a:p>
+            <a:r>
+              <a:rPr lang="en-US" dirty="0"/>
+              <a:t>Readability</a:t>
+            </a:r>
+          </a:p>
+          <a:p>
+            <a:r>
+              <a:rPr lang="en-US" dirty="0"/>
+              <a:t>Comments</a:t>
+            </a:r>
+          </a:p>
+          <a:p>
+            <a:r>
+              <a:rPr lang="en-US" dirty="0"/>
+              <a:t>Structure</a:t>
+            </a:r>
+          </a:p>
+          <a:p>
+            <a:r>
+              <a:rPr lang="en-US" dirty="0"/>
+              <a:t>Student tests</a:t>
+            </a:r>
+          </a:p>
+        </p:txBody>
+      </p:sp>
+    </p:spTree>
+    <p:extLst>
+      <p:ext uri="{BB962C8B-B14F-4D97-AF65-F5344CB8AC3E}">
+        <p14:creationId xmlns:p14="http://schemas.microsoft.com/office/powerpoint/2010/main" val="474442121"/>
+      </p:ext>
+    </p:extLst>
+  </p:cSld>
+  <p:clrMapOvr>
+    <a:masterClrMapping/>
+  </p:clrMapOvr>
+</p:sld>
+</file>
+
+<file path=ppt/slides/slide64.xml><?xml version="1.0" encoding="utf-8"?>
+<p:sld xmlns:a="http://schemas.openxmlformats.org/drawingml/2006/main" xmlns:r="http://schemas.openxmlformats.org/officeDocument/2006/relationships" xmlns:p="http://schemas.openxmlformats.org/presentationml/2006/main">
+  <p:cSld>
+    <p:spTree>
+      <p:nvGrpSpPr>
+        <p:cNvPr id="1" name=""/>
+        <p:cNvGrpSpPr/>
+        <p:nvPr/>
+      </p:nvGrpSpPr>
+      <p:grpSpPr>
+        <a:xfrm>
+          <a:off x="0" y="0"/>
+          <a:ext cx="0" cy="0"/>
+          <a:chOff x="0" y="0"/>
+          <a:chExt cx="0" cy="0"/>
+        </a:xfrm>
+      </p:grpSpPr>
+      <p:sp>
+        <p:nvSpPr>
+          <p:cNvPr id="2" name="Title 1">
+            <a:extLst>
+              <a:ext uri="{FF2B5EF4-FFF2-40B4-BE49-F238E27FC236}">
+                <a16:creationId xmlns:a16="http://schemas.microsoft.com/office/drawing/2014/main" id="{10BCDA92-990D-41BA-8B99-AE94A8C69343}"/>
+              </a:ext>
+            </a:extLst>
+          </p:cNvPr>
+          <p:cNvSpPr>
+            <a:spLocks noGrp="1"/>
+          </p:cNvSpPr>
+          <p:nvPr>
+            <p:ph type="title"/>
+          </p:nvPr>
+        </p:nvSpPr>
+        <p:spPr/>
+        <p:txBody>
+          <a:bodyPr/>
+          <a:lstStyle/>
+          <a:p>
+            <a:r>
+              <a:rPr lang="en-US" dirty="0"/>
+              <a:t>Linked list</a:t>
+            </a:r>
+          </a:p>
+        </p:txBody>
+      </p:sp>
+      <p:sp>
+        <p:nvSpPr>
+          <p:cNvPr id="3" name="Content Placeholder 2">
+            <a:extLst>
+              <a:ext uri="{FF2B5EF4-FFF2-40B4-BE49-F238E27FC236}">
+                <a16:creationId xmlns:a16="http://schemas.microsoft.com/office/drawing/2014/main" id="{58E93E69-E8AC-4409-819A-C7914FCFF134}"/>
+              </a:ext>
+            </a:extLst>
+          </p:cNvPr>
+          <p:cNvSpPr>
+            <a:spLocks noGrp="1"/>
+          </p:cNvSpPr>
+          <p:nvPr>
+            <p:ph idx="1"/>
+          </p:nvPr>
+        </p:nvSpPr>
+        <p:spPr/>
+        <p:txBody>
+          <a:bodyPr/>
+          <a:lstStyle/>
+          <a:p>
+            <a:r>
+              <a:rPr lang="en-US" dirty="0"/>
+              <a:t>Doubly linked</a:t>
+            </a:r>
+          </a:p>
+          <a:p>
+            <a:r>
+              <a:rPr lang="en-US" dirty="0"/>
+              <a:t>Head and tail nodes</a:t>
+            </a:r>
+          </a:p>
+        </p:txBody>
+      </p:sp>
+    </p:spTree>
+    <p:extLst>
+      <p:ext uri="{BB962C8B-B14F-4D97-AF65-F5344CB8AC3E}">
+        <p14:creationId xmlns:p14="http://schemas.microsoft.com/office/powerpoint/2010/main" val="3465477632"/>
       </p:ext>
     </p:extLst>
   </p:cSld>
